--- a/Lectures/Lecture8.pptx
+++ b/Lectures/Lecture8.pptx
@@ -303,7 +303,7 @@
           <a:p>
             <a:fld id="{CBA08D16-15DC-4E25-BDC3-F25146157B16}" type="datetimeFigureOut">
               <a:rPr lang="ru-RU" smtClean="0"/>
-              <a:t>01.11.2018</a:t>
+              <a:t>26.10.2019</a:t>
             </a:fld>
             <a:endParaRPr lang="ru-RU"/>
           </a:p>
@@ -973,7 +973,7 @@
           <a:p>
             <a:fld id="{FCEC8293-DB51-454A-BE81-EC8FCB31EBA2}" type="datetime1">
               <a:rPr lang="ru-RU" smtClean="0"/>
-              <a:t>01.11.2018</a:t>
+              <a:t>26.10.2019</a:t>
             </a:fld>
             <a:endParaRPr lang="ru-RU"/>
           </a:p>
@@ -1147,7 +1147,7 @@
           <a:p>
             <a:fld id="{241C87B1-1C35-4DBD-BC18-2BC72E776603}" type="datetime1">
               <a:rPr lang="ru-RU" smtClean="0"/>
-              <a:t>01.11.2018</a:t>
+              <a:t>26.10.2019</a:t>
             </a:fld>
             <a:endParaRPr lang="ru-RU"/>
           </a:p>
@@ -1331,7 +1331,7 @@
           <a:p>
             <a:fld id="{3134C275-26C0-42CD-9111-9ADE65922AF9}" type="datetime1">
               <a:rPr lang="ru-RU" smtClean="0"/>
-              <a:t>01.11.2018</a:t>
+              <a:t>26.10.2019</a:t>
             </a:fld>
             <a:endParaRPr lang="ru-RU"/>
           </a:p>
@@ -1542,7 +1542,7 @@
           <a:p>
             <a:fld id="{C1A9A50B-C350-45F5-8AAB-ADB9E670AF2E}" type="datetime1">
               <a:rPr lang="ru-RU" smtClean="0"/>
-              <a:t>01.11.2018</a:t>
+              <a:t>26.10.2019</a:t>
             </a:fld>
             <a:endParaRPr lang="ru-RU"/>
           </a:p>
@@ -1792,7 +1792,7 @@
           <a:p>
             <a:fld id="{089688C9-348F-42F9-B6C0-5990DDE0C5B2}" type="datetime1">
               <a:rPr lang="ru-RU" smtClean="0"/>
-              <a:t>01.11.2018</a:t>
+              <a:t>26.10.2019</a:t>
             </a:fld>
             <a:endParaRPr lang="ru-RU"/>
           </a:p>
@@ -2028,7 +2028,7 @@
           <a:p>
             <a:fld id="{684AFD8F-6DD9-4AD3-A505-FDC3F5C5F3F6}" type="datetime1">
               <a:rPr lang="ru-RU" smtClean="0"/>
-              <a:t>01.11.2018</a:t>
+              <a:t>26.10.2019</a:t>
             </a:fld>
             <a:endParaRPr lang="ru-RU"/>
           </a:p>
@@ -2399,7 +2399,7 @@
           <a:p>
             <a:fld id="{63551EFE-4D02-45EB-A747-8B6F047B5AA0}" type="datetime1">
               <a:rPr lang="ru-RU" smtClean="0"/>
-              <a:t>01.11.2018</a:t>
+              <a:t>26.10.2019</a:t>
             </a:fld>
             <a:endParaRPr lang="ru-RU"/>
           </a:p>
@@ -2521,7 +2521,7 @@
           <a:p>
             <a:fld id="{813A9F34-E5CD-4B8F-AA9E-889C84372B20}" type="datetime1">
               <a:rPr lang="ru-RU" smtClean="0"/>
-              <a:t>01.11.2018</a:t>
+              <a:t>26.10.2019</a:t>
             </a:fld>
             <a:endParaRPr lang="ru-RU"/>
           </a:p>
@@ -2620,7 +2620,7 @@
           <a:p>
             <a:fld id="{51224D22-9B29-44A6-8E82-95FC492DEDC1}" type="datetime1">
               <a:rPr lang="ru-RU" smtClean="0"/>
-              <a:t>01.11.2018</a:t>
+              <a:t>26.10.2019</a:t>
             </a:fld>
             <a:endParaRPr lang="ru-RU"/>
           </a:p>
@@ -2901,7 +2901,7 @@
           <a:p>
             <a:fld id="{91D1034F-4441-48A1-BDC0-25EA1022324A}" type="datetime1">
               <a:rPr lang="ru-RU" smtClean="0"/>
-              <a:t>01.11.2018</a:t>
+              <a:t>26.10.2019</a:t>
             </a:fld>
             <a:endParaRPr lang="ru-RU"/>
           </a:p>
@@ -3158,7 +3158,7 @@
           <a:p>
             <a:fld id="{B0FFDE79-B627-473B-AE17-4C65BD2495F7}" type="datetime1">
               <a:rPr lang="ru-RU" smtClean="0"/>
-              <a:t>01.11.2018</a:t>
+              <a:t>26.10.2019</a:t>
             </a:fld>
             <a:endParaRPr lang="ru-RU"/>
           </a:p>
@@ -3375,7 +3375,7 @@
           <a:p>
             <a:fld id="{11CA537A-1B8C-47BA-9BA6-7CE3FAFDA8BE}" type="datetime1">
               <a:rPr lang="ru-RU" smtClean="0"/>
-              <a:t>01.11.2018</a:t>
+              <a:t>26.10.2019</a:t>
             </a:fld>
             <a:endParaRPr lang="ru-RU"/>
           </a:p>
@@ -3840,11 +3840,7 @@
             </a:br>
             <a:r>
               <a:rPr lang="en-US" dirty="0" smtClean="0"/>
-              <a:t>nonce </a:t>
-            </a:r>
-            <a:r>
-              <a:rPr lang="en-US" dirty="0" smtClean="0"/>
-              <a:t>CPA, </a:t>
+              <a:t>nonce CPA, </a:t>
             </a:r>
             <a:r>
               <a:rPr lang="en-US" dirty="0" err="1" smtClean="0"/>
@@ -31568,8 +31564,8 @@
           </a:p>
         </p:txBody>
       </p:sp>
-      <mc:AlternateContent xmlns:mc="http://schemas.openxmlformats.org/markup-compatibility/2006" xmlns:a14="http://schemas.microsoft.com/office/drawing/2010/main">
-        <mc:Choice Requires="a14">
+      <mc:AlternateContent xmlns:mc="http://schemas.openxmlformats.org/markup-compatibility/2006">
+        <mc:Choice xmlns:a14="http://schemas.microsoft.com/office/drawing/2010/main" Requires="a14">
           <p:sp>
             <p:nvSpPr>
               <p:cNvPr id="37" name="Content Placeholder 2"/>
@@ -31774,7 +31770,7 @@
                 </a:r>
                 <a:r>
                   <a:rPr lang="en-US" b="1" dirty="0" smtClean="0"/>
-                  <a:t>CBC </a:t>
+                  <a:t>CTR </a:t>
                 </a:r>
                 <a:r>
                   <a:rPr lang="ru-RU" b="1" dirty="0" smtClean="0"/>
@@ -31905,7 +31901,7 @@
             </p:txBody>
           </p:sp>
         </mc:Choice>
-        <mc:Fallback xmlns="">
+        <mc:Fallback>
           <p:sp>
             <p:nvSpPr>
               <p:cNvPr id="37" name="Content Placeholder 2"/>
@@ -31922,7 +31918,7 @@
               <a:prstGeom prst="rect">
                 <a:avLst/>
               </a:prstGeom>
-              <a:blipFill rotWithShape="0">
+              <a:blipFill>
                 <a:blip r:embed="rId2"/>
                 <a:stretch>
                   <a:fillRect l="-2302" t="-8015" b="-8015"/>
@@ -32114,8 +32110,8 @@
           </a:p>
         </p:txBody>
       </p:sp>
-      <mc:AlternateContent xmlns:mc="http://schemas.openxmlformats.org/markup-compatibility/2006" xmlns:a14="http://schemas.microsoft.com/office/drawing/2010/main">
-        <mc:Choice Requires="a14">
+      <mc:AlternateContent xmlns:mc="http://schemas.openxmlformats.org/markup-compatibility/2006">
+        <mc:Choice xmlns:a14="http://schemas.microsoft.com/office/drawing/2010/main" Requires="a14">
           <p:sp>
             <p:nvSpPr>
               <p:cNvPr id="3" name="Объект 2"/>
@@ -33037,12 +33033,12 @@
                   <a:t>NB: </a:t>
                 </a:r>
                 <a:r>
-                  <a:rPr lang="ru-RU" dirty="0" err="1" smtClean="0"/>
-                  <a:t>констукция</a:t>
+                  <a:rPr lang="ru-RU" smtClean="0"/>
+                  <a:t>конструкция </a:t>
                 </a:r>
                 <a:r>
                   <a:rPr lang="ru-RU" dirty="0" smtClean="0"/>
-                  <a:t> похожа на использование </a:t>
+                  <a:t>похожа на использование </a:t>
                 </a:r>
                 <a:r>
                   <a:rPr lang="en-US" dirty="0" smtClean="0"/>
@@ -33177,7 +33173,7 @@
             </p:txBody>
           </p:sp>
         </mc:Choice>
-        <mc:Fallback xmlns="">
+        <mc:Fallback>
           <p:sp>
             <p:nvSpPr>
               <p:cNvPr id="3" name="Объект 2"/>
@@ -33193,7 +33189,7 @@
                 <a:off x="838200" y="1825624"/>
                 <a:ext cx="10515600" cy="4530725"/>
               </a:xfrm>
-              <a:blipFill rotWithShape="0">
+              <a:blipFill>
                 <a:blip r:embed="rId2"/>
                 <a:stretch>
                   <a:fillRect l="-928" t="-1882" r="-986"/>
@@ -33490,11 +33486,7 @@
             </a:r>
             <a:r>
               <a:rPr lang="ru-RU" dirty="0" smtClean="0"/>
-              <a:t>, он должен быть случайным</a:t>
-            </a:r>
-            <a:r>
-              <a:rPr lang="ru-RU" dirty="0" smtClean="0"/>
-              <a:t>!</a:t>
+              <a:t>, он должен быть случайным!</a:t>
             </a:r>
             <a:endParaRPr lang="en-US" dirty="0" smtClean="0"/>
           </a:p>

--- a/Lectures/Lecture8.pptx
+++ b/Lectures/Lecture8.pptx
@@ -303,7 +303,7 @@
           <a:p>
             <a:fld id="{CBA08D16-15DC-4E25-BDC3-F25146157B16}" type="datetimeFigureOut">
               <a:rPr lang="ru-RU" smtClean="0"/>
-              <a:t>26.10.2019</a:t>
+              <a:t>04.11.2019</a:t>
             </a:fld>
             <a:endParaRPr lang="ru-RU"/>
           </a:p>
@@ -973,7 +973,7 @@
           <a:p>
             <a:fld id="{FCEC8293-DB51-454A-BE81-EC8FCB31EBA2}" type="datetime1">
               <a:rPr lang="ru-RU" smtClean="0"/>
-              <a:t>26.10.2019</a:t>
+              <a:t>04.11.2019</a:t>
             </a:fld>
             <a:endParaRPr lang="ru-RU"/>
           </a:p>
@@ -1147,7 +1147,7 @@
           <a:p>
             <a:fld id="{241C87B1-1C35-4DBD-BC18-2BC72E776603}" type="datetime1">
               <a:rPr lang="ru-RU" smtClean="0"/>
-              <a:t>26.10.2019</a:t>
+              <a:t>04.11.2019</a:t>
             </a:fld>
             <a:endParaRPr lang="ru-RU"/>
           </a:p>
@@ -1331,7 +1331,7 @@
           <a:p>
             <a:fld id="{3134C275-26C0-42CD-9111-9ADE65922AF9}" type="datetime1">
               <a:rPr lang="ru-RU" smtClean="0"/>
-              <a:t>26.10.2019</a:t>
+              <a:t>04.11.2019</a:t>
             </a:fld>
             <a:endParaRPr lang="ru-RU"/>
           </a:p>
@@ -1542,7 +1542,7 @@
           <a:p>
             <a:fld id="{C1A9A50B-C350-45F5-8AAB-ADB9E670AF2E}" type="datetime1">
               <a:rPr lang="ru-RU" smtClean="0"/>
-              <a:t>26.10.2019</a:t>
+              <a:t>04.11.2019</a:t>
             </a:fld>
             <a:endParaRPr lang="ru-RU"/>
           </a:p>
@@ -1792,7 +1792,7 @@
           <a:p>
             <a:fld id="{089688C9-348F-42F9-B6C0-5990DDE0C5B2}" type="datetime1">
               <a:rPr lang="ru-RU" smtClean="0"/>
-              <a:t>26.10.2019</a:t>
+              <a:t>04.11.2019</a:t>
             </a:fld>
             <a:endParaRPr lang="ru-RU"/>
           </a:p>
@@ -2028,7 +2028,7 @@
           <a:p>
             <a:fld id="{684AFD8F-6DD9-4AD3-A505-FDC3F5C5F3F6}" type="datetime1">
               <a:rPr lang="ru-RU" smtClean="0"/>
-              <a:t>26.10.2019</a:t>
+              <a:t>04.11.2019</a:t>
             </a:fld>
             <a:endParaRPr lang="ru-RU"/>
           </a:p>
@@ -2399,7 +2399,7 @@
           <a:p>
             <a:fld id="{63551EFE-4D02-45EB-A747-8B6F047B5AA0}" type="datetime1">
               <a:rPr lang="ru-RU" smtClean="0"/>
-              <a:t>26.10.2019</a:t>
+              <a:t>04.11.2019</a:t>
             </a:fld>
             <a:endParaRPr lang="ru-RU"/>
           </a:p>
@@ -2521,7 +2521,7 @@
           <a:p>
             <a:fld id="{813A9F34-E5CD-4B8F-AA9E-889C84372B20}" type="datetime1">
               <a:rPr lang="ru-RU" smtClean="0"/>
-              <a:t>26.10.2019</a:t>
+              <a:t>04.11.2019</a:t>
             </a:fld>
             <a:endParaRPr lang="ru-RU"/>
           </a:p>
@@ -2620,7 +2620,7 @@
           <a:p>
             <a:fld id="{51224D22-9B29-44A6-8E82-95FC492DEDC1}" type="datetime1">
               <a:rPr lang="ru-RU" smtClean="0"/>
-              <a:t>26.10.2019</a:t>
+              <a:t>04.11.2019</a:t>
             </a:fld>
             <a:endParaRPr lang="ru-RU"/>
           </a:p>
@@ -2901,7 +2901,7 @@
           <a:p>
             <a:fld id="{91D1034F-4441-48A1-BDC0-25EA1022324A}" type="datetime1">
               <a:rPr lang="ru-RU" smtClean="0"/>
-              <a:t>26.10.2019</a:t>
+              <a:t>04.11.2019</a:t>
             </a:fld>
             <a:endParaRPr lang="ru-RU"/>
           </a:p>
@@ -3158,7 +3158,7 @@
           <a:p>
             <a:fld id="{B0FFDE79-B627-473B-AE17-4C65BD2495F7}" type="datetime1">
               <a:rPr lang="ru-RU" smtClean="0"/>
-              <a:t>26.10.2019</a:t>
+              <a:t>04.11.2019</a:t>
             </a:fld>
             <a:endParaRPr lang="ru-RU"/>
           </a:p>
@@ -3375,7 +3375,7 @@
           <a:p>
             <a:fld id="{11CA537A-1B8C-47BA-9BA6-7CE3FAFDA8BE}" type="datetime1">
               <a:rPr lang="ru-RU" smtClean="0"/>
-              <a:t>26.10.2019</a:t>
+              <a:t>04.11.2019</a:t>
             </a:fld>
             <a:endParaRPr lang="ru-RU"/>
           </a:p>
@@ -3882,7 +3882,15 @@
           <a:p>
             <a:r>
               <a:rPr lang="ru-RU" dirty="0" smtClean="0"/>
-              <a:t>МИФИ 2018</a:t>
+              <a:t>МИФИ </a:t>
+            </a:r>
+            <a:r>
+              <a:rPr lang="ru-RU" dirty="0" smtClean="0"/>
+              <a:t>201</a:t>
+            </a:r>
+            <a:r>
+              <a:rPr lang="en-US" dirty="0" smtClean="0"/>
+              <a:t>9</a:t>
             </a:r>
             <a:endParaRPr lang="ru-RU" dirty="0"/>
           </a:p>
@@ -7693,8 +7701,8 @@
           </a:p>
         </p:txBody>
       </p:sp>
-      <mc:AlternateContent xmlns:mc="http://schemas.openxmlformats.org/markup-compatibility/2006" xmlns:a14="http://schemas.microsoft.com/office/drawing/2010/main">
-        <mc:Choice Requires="a14">
+      <mc:AlternateContent xmlns:mc="http://schemas.openxmlformats.org/markup-compatibility/2006">
+        <mc:Choice xmlns:a14="http://schemas.microsoft.com/office/drawing/2010/main" Requires="a14">
           <p:sp>
             <p:nvSpPr>
               <p:cNvPr id="3" name="Объект 2"/>
@@ -7935,7 +7943,7 @@
                       <a:rPr lang="en-US" b="0" i="1" smtClean="0">
                         <a:latin typeface="Cambria Math" panose="02040503050406030204" pitchFamily="18" charset="0"/>
                       </a:rPr>
-                      <m:t>,,</m:t>
+                      <m:t>,</m:t>
                     </m:r>
                     <m:r>
                       <a:rPr lang="en-US" b="0" i="1" smtClean="0">
@@ -8713,7 +8721,7 @@
             </p:txBody>
           </p:sp>
         </mc:Choice>
-        <mc:Fallback xmlns="">
+        <mc:Fallback>
           <p:sp>
             <p:nvSpPr>
               <p:cNvPr id="3" name="Объект 2"/>
@@ -8725,7 +8733,7 @@
               </p:nvPr>
             </p:nvSpPr>
             <p:spPr>
-              <a:blipFill rotWithShape="0">
+              <a:blipFill>
                 <a:blip r:embed="rId2"/>
                 <a:stretch>
                   <a:fillRect l="-1043" t="-2101"/>
@@ -9627,8 +9635,8 @@
           </a:p>
         </p:txBody>
       </p:sp>
-      <mc:AlternateContent xmlns:mc="http://schemas.openxmlformats.org/markup-compatibility/2006" xmlns:a14="http://schemas.microsoft.com/office/drawing/2010/main">
-        <mc:Choice Requires="a14">
+      <mc:AlternateContent xmlns:mc="http://schemas.openxmlformats.org/markup-compatibility/2006">
+        <mc:Choice xmlns:a14="http://schemas.microsoft.com/office/drawing/2010/main" Requires="a14">
           <p:sp>
             <p:nvSpPr>
               <p:cNvPr id="3" name="Объект 2"/>
@@ -10145,12 +10153,6 @@
                       </m:e>
                     </m:d>
                     <m:r>
-                      <a:rPr lang="ru-RU" b="0" i="0" smtClean="0">
-                        <a:latin typeface="Cambria Math" panose="02040503050406030204" pitchFamily="18" charset="0"/>
-                      </a:rPr>
-                      <m:t>,</m:t>
-                    </m:r>
-                    <m:r>
                       <a:rPr lang="en-US" b="0" i="0" smtClean="0">
                         <a:latin typeface="Cambria Math" panose="02040503050406030204" pitchFamily="18" charset="0"/>
                       </a:rPr>
@@ -10312,7 +10314,7 @@
             </p:txBody>
           </p:sp>
         </mc:Choice>
-        <mc:Fallback xmlns="">
+        <mc:Fallback>
           <p:sp>
             <p:nvSpPr>
               <p:cNvPr id="3" name="Объект 2"/>
@@ -10324,7 +10326,7 @@
               </p:nvPr>
             </p:nvSpPr>
             <p:spPr>
-              <a:blipFill rotWithShape="0">
+              <a:blipFill>
                 <a:blip r:embed="rId2"/>
                 <a:stretch>
                   <a:fillRect l="-1043" t="-2101"/>
@@ -15801,9 +15803,9 @@
         </p:nvGrpSpPr>
         <p:grpSpPr bwMode="auto">
           <a:xfrm>
-            <a:off x="3680619" y="4383140"/>
+            <a:off x="3680619" y="4306940"/>
             <a:ext cx="3733800" cy="510780"/>
-            <a:chOff x="1776" y="2051"/>
+            <a:chOff x="1776" y="1987"/>
             <a:chExt cx="2352" cy="429"/>
           </a:xfrm>
         </p:grpSpPr>
@@ -15842,8 +15844,8 @@
             </a:p>
           </p:txBody>
         </p:sp>
-        <mc:AlternateContent xmlns:mc="http://schemas.openxmlformats.org/markup-compatibility/2006" xmlns:a14="http://schemas.microsoft.com/office/drawing/2010/main">
-          <mc:Choice Requires="a14">
+        <mc:AlternateContent xmlns:mc="http://schemas.openxmlformats.org/markup-compatibility/2006">
+          <mc:Choice xmlns:a14="http://schemas.microsoft.com/office/drawing/2010/main" Requires="a14">
             <p:sp>
               <p:nvSpPr>
                 <p:cNvPr id="16" name="Text Box 14"/>
@@ -15854,7 +15856,7 @@
               </p:nvSpPr>
               <p:spPr bwMode="auto">
                 <a:xfrm>
-                  <a:off x="2448" y="2051"/>
+                  <a:off x="2451" y="1987"/>
                   <a:ext cx="1048" cy="429"/>
                 </a:xfrm>
                 <a:prstGeom prst="rect">
@@ -15972,7 +15974,7 @@
               </p:txBody>
             </p:sp>
           </mc:Choice>
-          <mc:Fallback xmlns="">
+          <mc:Fallback>
             <p:sp>
               <p:nvSpPr>
                 <p:cNvPr id="16" name="Text Box 14"/>
@@ -15983,16 +15985,16 @@
               </p:nvSpPr>
               <p:spPr bwMode="auto">
                 <a:xfrm>
-                  <a:off x="2448" y="2051"/>
+                  <a:off x="2451" y="1987"/>
                   <a:ext cx="1048" cy="429"/>
                 </a:xfrm>
                 <a:prstGeom prst="rect">
                   <a:avLst/>
                 </a:prstGeom>
-                <a:blipFill rotWithShape="0">
+                <a:blipFill>
                   <a:blip r:embed="rId6"/>
                   <a:stretch>
-                    <a:fillRect r="-2564" b="-20238"/>
+                    <a:fillRect r="-2941" b="-21687"/>
                   </a:stretch>
                 </a:blipFill>
                 <a:ln w="9525">
@@ -16434,10 +16436,10 @@
         </p:nvGrpSpPr>
         <p:grpSpPr bwMode="auto">
           <a:xfrm>
-            <a:off x="3697802" y="5577343"/>
-            <a:ext cx="3733800" cy="510780"/>
-            <a:chOff x="1776" y="2051"/>
-            <a:chExt cx="2352" cy="429"/>
+            <a:off x="3697802" y="5488045"/>
+            <a:ext cx="3733800" cy="516733"/>
+            <a:chOff x="1776" y="1976"/>
+            <a:chExt cx="2352" cy="434"/>
           </a:xfrm>
         </p:grpSpPr>
         <p:sp>
@@ -16475,8 +16477,8 @@
             </a:p>
           </p:txBody>
         </p:sp>
-        <mc:AlternateContent xmlns:mc="http://schemas.openxmlformats.org/markup-compatibility/2006" xmlns:a14="http://schemas.microsoft.com/office/drawing/2010/main">
-          <mc:Choice Requires="a14">
+        <mc:AlternateContent xmlns:mc="http://schemas.openxmlformats.org/markup-compatibility/2006">
+          <mc:Choice xmlns:a14="http://schemas.microsoft.com/office/drawing/2010/main" Requires="a14">
             <p:sp>
               <p:nvSpPr>
                 <p:cNvPr id="23" name="Text Box 14"/>
@@ -16487,7 +16489,7 @@
               </p:nvSpPr>
               <p:spPr bwMode="auto">
                 <a:xfrm>
-                  <a:off x="2448" y="2051"/>
+                  <a:off x="2444" y="1976"/>
                   <a:ext cx="1048" cy="429"/>
                 </a:xfrm>
                 <a:prstGeom prst="rect">
@@ -16605,7 +16607,7 @@
               </p:txBody>
             </p:sp>
           </mc:Choice>
-          <mc:Fallback xmlns="">
+          <mc:Fallback>
             <p:sp>
               <p:nvSpPr>
                 <p:cNvPr id="23" name="Text Box 14"/>
@@ -16616,16 +16618,16 @@
               </p:nvSpPr>
               <p:spPr bwMode="auto">
                 <a:xfrm>
-                  <a:off x="2448" y="2051"/>
+                  <a:off x="2444" y="1976"/>
                   <a:ext cx="1048" cy="429"/>
                 </a:xfrm>
                 <a:prstGeom prst="rect">
                   <a:avLst/>
                 </a:prstGeom>
-                <a:blipFill rotWithShape="0">
+                <a:blipFill>
                   <a:blip r:embed="rId9"/>
                   <a:stretch>
-                    <a:fillRect r="-2564" b="-20238"/>
+                    <a:fillRect r="-2941" b="-20238"/>
                   </a:stretch>
                 </a:blipFill>
                 <a:ln w="9525">
@@ -17127,21 +17129,10 @@
           <a:lstStyle/>
           <a:p>
             <a:r>
-              <a:rPr lang="ru-RU" dirty="0" err="1"/>
-              <a:t>Рандомизированный</a:t>
+              <a:rPr lang="en-US" dirty="0"/>
+              <a:t>Nonce based CTR</a:t>
             </a:r>
-            <a:r>
-              <a:rPr lang="ru-RU" dirty="0"/>
-              <a:t> </a:t>
-            </a:r>
-            <a:r>
-              <a:rPr lang="en-US" dirty="0"/>
-              <a:t>CRT </a:t>
-            </a:r>
-            <a:r>
-              <a:rPr lang="ru-RU" dirty="0"/>
-              <a:t>режим</a:t>
-            </a:r>
+            <a:endParaRPr lang="ru-RU" dirty="0"/>
           </a:p>
         </p:txBody>
       </p:sp>
@@ -17754,8 +17745,8 @@
           </a:p>
         </p:txBody>
       </p:sp>
-      <mc:AlternateContent xmlns:mc="http://schemas.openxmlformats.org/markup-compatibility/2006" xmlns:a14="http://schemas.microsoft.com/office/drawing/2010/main">
-        <mc:Choice Requires="a14">
+      <mc:AlternateContent xmlns:mc="http://schemas.openxmlformats.org/markup-compatibility/2006">
+        <mc:Choice xmlns:a14="http://schemas.microsoft.com/office/drawing/2010/main" Requires="a14">
           <p:sp>
             <p:nvSpPr>
               <p:cNvPr id="3" name="Объект 2"/>
@@ -18258,11 +18249,15 @@
                 </a:r>
                 <a:r>
                   <a:rPr lang="ru-RU" dirty="0" err="1" smtClean="0"/>
-                  <a:t>разсшифрование</a:t>
+                  <a:t>расшифрование</a:t>
                 </a:r>
                 <a:r>
                   <a:rPr lang="ru-RU" dirty="0" smtClean="0"/>
-                  <a:t> определены следующим образом</a:t>
+                  <a:t> </a:t>
+                </a:r>
+                <a:r>
+                  <a:rPr lang="ru-RU" dirty="0" smtClean="0"/>
+                  <a:t>определены следующим образом</a:t>
                 </a:r>
                 <a:r>
                   <a:rPr lang="en-US" dirty="0" smtClean="0"/>
@@ -18397,7 +18392,7 @@
             </p:txBody>
           </p:sp>
         </mc:Choice>
-        <mc:Fallback xmlns="">
+        <mc:Fallback>
           <p:sp>
             <p:nvSpPr>
               <p:cNvPr id="3" name="Объект 2"/>
@@ -31564,8 +31559,8 @@
           </a:p>
         </p:txBody>
       </p:sp>
-      <mc:AlternateContent xmlns:mc="http://schemas.openxmlformats.org/markup-compatibility/2006">
-        <mc:Choice xmlns:a14="http://schemas.microsoft.com/office/drawing/2010/main" Requires="a14">
+      <mc:AlternateContent xmlns:mc="http://schemas.openxmlformats.org/markup-compatibility/2006" xmlns:a14="http://schemas.microsoft.com/office/drawing/2010/main">
+        <mc:Choice Requires="a14">
           <p:sp>
             <p:nvSpPr>
               <p:cNvPr id="37" name="Content Placeholder 2"/>
@@ -31901,7 +31896,7 @@
             </p:txBody>
           </p:sp>
         </mc:Choice>
-        <mc:Fallback>
+        <mc:Fallback xmlns="">
           <p:sp>
             <p:nvSpPr>
               <p:cNvPr id="37" name="Content Placeholder 2"/>
@@ -32110,8 +32105,8 @@
           </a:p>
         </p:txBody>
       </p:sp>
-      <mc:AlternateContent xmlns:mc="http://schemas.openxmlformats.org/markup-compatibility/2006">
-        <mc:Choice xmlns:a14="http://schemas.microsoft.com/office/drawing/2010/main" Requires="a14">
+      <mc:AlternateContent xmlns:mc="http://schemas.openxmlformats.org/markup-compatibility/2006" xmlns:a14="http://schemas.microsoft.com/office/drawing/2010/main">
+        <mc:Choice Requires="a14">
           <p:sp>
             <p:nvSpPr>
               <p:cNvPr id="3" name="Объект 2"/>
@@ -33173,7 +33168,7 @@
             </p:txBody>
           </p:sp>
         </mc:Choice>
-        <mc:Fallback>
+        <mc:Fallback xmlns="">
           <p:sp>
             <p:nvSpPr>
               <p:cNvPr id="3" name="Объект 2"/>
@@ -33940,8 +33935,8 @@
           </a:p>
         </p:txBody>
       </p:sp>
-      <mc:AlternateContent xmlns:mc="http://schemas.openxmlformats.org/markup-compatibility/2006" xmlns:a14="http://schemas.microsoft.com/office/drawing/2010/main">
-        <mc:Choice Requires="a14">
+      <mc:AlternateContent xmlns:mc="http://schemas.openxmlformats.org/markup-compatibility/2006">
+        <mc:Choice xmlns:a14="http://schemas.microsoft.com/office/drawing/2010/main" Requires="a14">
           <p:sp>
             <p:nvSpPr>
               <p:cNvPr id="3" name="Объект 2"/>
@@ -34225,6 +34220,12 @@
                             </a:rPr>
                             <m:t>𝑃</m:t>
                           </m:r>
+                          <m:r>
+                            <a:rPr lang="en-US" b="0" i="1" smtClean="0">
+                              <a:latin typeface="Cambria Math" panose="02040503050406030204" pitchFamily="18" charset="0"/>
+                            </a:rPr>
+                            <m:t>𝐴</m:t>
+                          </m:r>
                         </m:e>
                         <m:sub>
                           <m:r>
@@ -34540,7 +34541,7 @@
             </p:txBody>
           </p:sp>
         </mc:Choice>
-        <mc:Fallback xmlns="">
+        <mc:Fallback>
           <p:sp>
             <p:nvSpPr>
               <p:cNvPr id="3" name="Объект 2"/>
@@ -36717,8 +36718,8 @@
             </a:p>
           </p:txBody>
         </p:sp>
-        <mc:AlternateContent xmlns:mc="http://schemas.openxmlformats.org/markup-compatibility/2006" xmlns:a14="http://schemas.microsoft.com/office/drawing/2010/main">
-          <mc:Choice Requires="a14">
+        <mc:AlternateContent xmlns:mc="http://schemas.openxmlformats.org/markup-compatibility/2006">
+          <mc:Choice xmlns:a14="http://schemas.microsoft.com/office/drawing/2010/main" Requires="a14">
             <p:sp>
               <p:nvSpPr>
                 <p:cNvPr id="16" name="Text Box 14"/>
@@ -36756,7 +36757,7 @@
                         <m:rPr>
                           <m:nor/>
                         </m:rPr>
-                        <a:rPr lang="en-US" sz="2000" dirty="0" smtClean="0"/>
+                        <a:rPr lang="en-US" sz="2000" i="1" dirty="0" smtClean="0"/>
                         <m:t>c</m:t>
                       </m:r>
                       <m:groupChr>
@@ -36880,7 +36881,7 @@
               </p:txBody>
             </p:sp>
           </mc:Choice>
-          <mc:Fallback xmlns="">
+          <mc:Fallback>
             <p:sp>
               <p:nvSpPr>
                 <p:cNvPr id="16" name="Text Box 14"/>
@@ -36897,7 +36898,7 @@
                 <a:prstGeom prst="rect">
                   <a:avLst/>
                 </a:prstGeom>
-                <a:blipFill rotWithShape="0">
+                <a:blipFill>
                   <a:blip r:embed="rId6"/>
                   <a:stretch>
                     <a:fillRect b="-20238"/>
@@ -37505,10 +37506,10 @@
         </p:nvGrpSpPr>
         <p:grpSpPr bwMode="auto">
           <a:xfrm>
-            <a:off x="3697802" y="5823798"/>
-            <a:ext cx="3733800" cy="510780"/>
-            <a:chOff x="1776" y="2020"/>
-            <a:chExt cx="2352" cy="429"/>
+            <a:off x="3697802" y="5746406"/>
+            <a:ext cx="3733800" cy="541736"/>
+            <a:chOff x="1776" y="1955"/>
+            <a:chExt cx="2352" cy="455"/>
           </a:xfrm>
         </p:grpSpPr>
         <p:sp>
@@ -37546,8 +37547,8 @@
             </a:p>
           </p:txBody>
         </p:sp>
-        <mc:AlternateContent xmlns:mc="http://schemas.openxmlformats.org/markup-compatibility/2006" xmlns:a14="http://schemas.microsoft.com/office/drawing/2010/main">
-          <mc:Choice Requires="a14">
+        <mc:AlternateContent xmlns:mc="http://schemas.openxmlformats.org/markup-compatibility/2006">
+          <mc:Choice xmlns:a14="http://schemas.microsoft.com/office/drawing/2010/main" Requires="a14">
             <p:sp>
               <p:nvSpPr>
                 <p:cNvPr id="23" name="Text Box 14"/>
@@ -37558,7 +37559,7 @@
               </p:nvSpPr>
               <p:spPr bwMode="auto">
                 <a:xfrm>
-                  <a:off x="2390" y="2020"/>
+                  <a:off x="2364" y="1955"/>
                   <a:ext cx="1289" cy="429"/>
                 </a:xfrm>
                 <a:prstGeom prst="rect">
@@ -37585,7 +37586,7 @@
                         <m:rPr>
                           <m:nor/>
                         </m:rPr>
-                        <a:rPr lang="en-US" sz="2000" dirty="0" smtClean="0"/>
+                        <a:rPr lang="en-US" sz="2000" i="1" dirty="0" smtClean="0"/>
                         <m:t>c</m:t>
                       </m:r>
                       <m:groupChr>
@@ -37713,7 +37714,7 @@
               </p:txBody>
             </p:sp>
           </mc:Choice>
-          <mc:Fallback xmlns="">
+          <mc:Fallback>
             <p:sp>
               <p:nvSpPr>
                 <p:cNvPr id="23" name="Text Box 14"/>
@@ -37724,16 +37725,16 @@
               </p:nvSpPr>
               <p:spPr bwMode="auto">
                 <a:xfrm>
-                  <a:off x="2390" y="2020"/>
+                  <a:off x="2364" y="1955"/>
                   <a:ext cx="1289" cy="429"/>
                 </a:xfrm>
                 <a:prstGeom prst="rect">
                   <a:avLst/>
                 </a:prstGeom>
-                <a:blipFill rotWithShape="0">
+                <a:blipFill>
                   <a:blip r:embed="rId9"/>
                   <a:stretch>
-                    <a:fillRect r="-2083" b="-20238"/>
+                    <a:fillRect r="-2090" b="-21687"/>
                   </a:stretch>
                 </a:blipFill>
                 <a:ln w="9525">

--- a/Lectures/Lecture8.pptx
+++ b/Lectures/Lecture8.pptx
@@ -303,7 +303,7 @@
           <a:p>
             <a:fld id="{CBA08D16-15DC-4E25-BDC3-F25146157B16}" type="datetimeFigureOut">
               <a:rPr lang="ru-RU" smtClean="0"/>
-              <a:t>04.11.2019</a:t>
+              <a:t>07.11.2019</a:t>
             </a:fld>
             <a:endParaRPr lang="ru-RU"/>
           </a:p>
@@ -973,7 +973,7 @@
           <a:p>
             <a:fld id="{FCEC8293-DB51-454A-BE81-EC8FCB31EBA2}" type="datetime1">
               <a:rPr lang="ru-RU" smtClean="0"/>
-              <a:t>04.11.2019</a:t>
+              <a:t>07.11.2019</a:t>
             </a:fld>
             <a:endParaRPr lang="ru-RU"/>
           </a:p>
@@ -1147,7 +1147,7 @@
           <a:p>
             <a:fld id="{241C87B1-1C35-4DBD-BC18-2BC72E776603}" type="datetime1">
               <a:rPr lang="ru-RU" smtClean="0"/>
-              <a:t>04.11.2019</a:t>
+              <a:t>07.11.2019</a:t>
             </a:fld>
             <a:endParaRPr lang="ru-RU"/>
           </a:p>
@@ -1331,7 +1331,7 @@
           <a:p>
             <a:fld id="{3134C275-26C0-42CD-9111-9ADE65922AF9}" type="datetime1">
               <a:rPr lang="ru-RU" smtClean="0"/>
-              <a:t>04.11.2019</a:t>
+              <a:t>07.11.2019</a:t>
             </a:fld>
             <a:endParaRPr lang="ru-RU"/>
           </a:p>
@@ -1542,7 +1542,7 @@
           <a:p>
             <a:fld id="{C1A9A50B-C350-45F5-8AAB-ADB9E670AF2E}" type="datetime1">
               <a:rPr lang="ru-RU" smtClean="0"/>
-              <a:t>04.11.2019</a:t>
+              <a:t>07.11.2019</a:t>
             </a:fld>
             <a:endParaRPr lang="ru-RU"/>
           </a:p>
@@ -1792,7 +1792,7 @@
           <a:p>
             <a:fld id="{089688C9-348F-42F9-B6C0-5990DDE0C5B2}" type="datetime1">
               <a:rPr lang="ru-RU" smtClean="0"/>
-              <a:t>04.11.2019</a:t>
+              <a:t>07.11.2019</a:t>
             </a:fld>
             <a:endParaRPr lang="ru-RU"/>
           </a:p>
@@ -2028,7 +2028,7 @@
           <a:p>
             <a:fld id="{684AFD8F-6DD9-4AD3-A505-FDC3F5C5F3F6}" type="datetime1">
               <a:rPr lang="ru-RU" smtClean="0"/>
-              <a:t>04.11.2019</a:t>
+              <a:t>07.11.2019</a:t>
             </a:fld>
             <a:endParaRPr lang="ru-RU"/>
           </a:p>
@@ -2399,7 +2399,7 @@
           <a:p>
             <a:fld id="{63551EFE-4D02-45EB-A747-8B6F047B5AA0}" type="datetime1">
               <a:rPr lang="ru-RU" smtClean="0"/>
-              <a:t>04.11.2019</a:t>
+              <a:t>07.11.2019</a:t>
             </a:fld>
             <a:endParaRPr lang="ru-RU"/>
           </a:p>
@@ -2521,7 +2521,7 @@
           <a:p>
             <a:fld id="{813A9F34-E5CD-4B8F-AA9E-889C84372B20}" type="datetime1">
               <a:rPr lang="ru-RU" smtClean="0"/>
-              <a:t>04.11.2019</a:t>
+              <a:t>07.11.2019</a:t>
             </a:fld>
             <a:endParaRPr lang="ru-RU"/>
           </a:p>
@@ -2620,7 +2620,7 @@
           <a:p>
             <a:fld id="{51224D22-9B29-44A6-8E82-95FC492DEDC1}" type="datetime1">
               <a:rPr lang="ru-RU" smtClean="0"/>
-              <a:t>04.11.2019</a:t>
+              <a:t>07.11.2019</a:t>
             </a:fld>
             <a:endParaRPr lang="ru-RU"/>
           </a:p>
@@ -2901,7 +2901,7 @@
           <a:p>
             <a:fld id="{91D1034F-4441-48A1-BDC0-25EA1022324A}" type="datetime1">
               <a:rPr lang="ru-RU" smtClean="0"/>
-              <a:t>04.11.2019</a:t>
+              <a:t>07.11.2019</a:t>
             </a:fld>
             <a:endParaRPr lang="ru-RU"/>
           </a:p>
@@ -3158,7 +3158,7 @@
           <a:p>
             <a:fld id="{B0FFDE79-B627-473B-AE17-4C65BD2495F7}" type="datetime1">
               <a:rPr lang="ru-RU" smtClean="0"/>
-              <a:t>04.11.2019</a:t>
+              <a:t>07.11.2019</a:t>
             </a:fld>
             <a:endParaRPr lang="ru-RU"/>
           </a:p>
@@ -3375,7 +3375,7 @@
           <a:p>
             <a:fld id="{11CA537A-1B8C-47BA-9BA6-7CE3FAFDA8BE}" type="datetime1">
               <a:rPr lang="ru-RU" smtClean="0"/>
-              <a:t>04.11.2019</a:t>
+              <a:t>07.11.2019</a:t>
             </a:fld>
             <a:endParaRPr lang="ru-RU"/>
           </a:p>
@@ -3882,11 +3882,7 @@
           <a:p>
             <a:r>
               <a:rPr lang="ru-RU" dirty="0" smtClean="0"/>
-              <a:t>МИФИ </a:t>
-            </a:r>
-            <a:r>
-              <a:rPr lang="ru-RU" dirty="0" smtClean="0"/>
-              <a:t>201</a:t>
+              <a:t>МИФИ 201</a:t>
             </a:r>
             <a:r>
               <a:rPr lang="en-US" dirty="0" smtClean="0"/>
@@ -8271,31 +8267,12 @@
                       </a:rPr>
                       <m:t>𝑥</m:t>
                     </m:r>
-                    <m:sSup>
-                      <m:sSupPr>
-                        <m:ctrlPr>
-                          <a:rPr lang="en-US" i="1">
-                            <a:latin typeface="Cambria Math" panose="02040503050406030204" pitchFamily="18" charset="0"/>
-                          </a:rPr>
-                        </m:ctrlPr>
-                      </m:sSupPr>
-                      <m:e>
-                        <m:r>
-                          <a:rPr lang="en-US" i="1">
-                            <a:latin typeface="Cambria Math" panose="02040503050406030204" pitchFamily="18" charset="0"/>
-                          </a:rPr>
-                          <m:t>←</m:t>
-                        </m:r>
-                      </m:e>
-                      <m:sup>
-                        <m:r>
-                          <a:rPr lang="en-US" i="1">
-                            <a:latin typeface="Cambria Math" panose="02040503050406030204" pitchFamily="18" charset="0"/>
-                          </a:rPr>
-                          <m:t>𝑅</m:t>
-                        </m:r>
-                      </m:sup>
-                    </m:sSup>
+                    <m:r>
+                      <a:rPr lang="en-US" i="1">
+                        <a:latin typeface="Cambria Math" panose="02040503050406030204" pitchFamily="18" charset="0"/>
+                      </a:rPr>
+                      <m:t>←</m:t>
+                    </m:r>
                     <m:r>
                       <a:rPr lang="en-US" i="1">
                         <a:latin typeface="Cambria Math" panose="02040503050406030204" pitchFamily="18" charset="0"/>
@@ -8733,7 +8710,7 @@
               </p:nvPr>
             </p:nvSpPr>
             <p:spPr>
-              <a:blipFill>
+              <a:blipFill rotWithShape="0">
                 <a:blip r:embed="rId2"/>
                 <a:stretch>
                   <a:fillRect l="-1043" t="-2101"/>
@@ -9635,8 +9612,8 @@
           </a:p>
         </p:txBody>
       </p:sp>
-      <mc:AlternateContent xmlns:mc="http://schemas.openxmlformats.org/markup-compatibility/2006">
-        <mc:Choice xmlns:a14="http://schemas.microsoft.com/office/drawing/2010/main" Requires="a14">
+      <mc:AlternateContent xmlns:mc="http://schemas.openxmlformats.org/markup-compatibility/2006" xmlns:a14="http://schemas.microsoft.com/office/drawing/2010/main">
+        <mc:Choice Requires="a14">
           <p:sp>
             <p:nvSpPr>
               <p:cNvPr id="3" name="Объект 2"/>
@@ -10314,7 +10291,7 @@
             </p:txBody>
           </p:sp>
         </mc:Choice>
-        <mc:Fallback>
+        <mc:Fallback xmlns="">
           <p:sp>
             <p:nvSpPr>
               <p:cNvPr id="3" name="Объект 2"/>
@@ -15844,8 +15821,8 @@
             </a:p>
           </p:txBody>
         </p:sp>
-        <mc:AlternateContent xmlns:mc="http://schemas.openxmlformats.org/markup-compatibility/2006">
-          <mc:Choice xmlns:a14="http://schemas.microsoft.com/office/drawing/2010/main" Requires="a14">
+        <mc:AlternateContent xmlns:mc="http://schemas.openxmlformats.org/markup-compatibility/2006" xmlns:a14="http://schemas.microsoft.com/office/drawing/2010/main">
+          <mc:Choice Requires="a14">
             <p:sp>
               <p:nvSpPr>
                 <p:cNvPr id="16" name="Text Box 14"/>
@@ -15974,7 +15951,7 @@
               </p:txBody>
             </p:sp>
           </mc:Choice>
-          <mc:Fallback>
+          <mc:Fallback xmlns="">
             <p:sp>
               <p:nvSpPr>
                 <p:cNvPr id="16" name="Text Box 14"/>
@@ -16477,8 +16454,8 @@
             </a:p>
           </p:txBody>
         </p:sp>
-        <mc:AlternateContent xmlns:mc="http://schemas.openxmlformats.org/markup-compatibility/2006">
-          <mc:Choice xmlns:a14="http://schemas.microsoft.com/office/drawing/2010/main" Requires="a14">
+        <mc:AlternateContent xmlns:mc="http://schemas.openxmlformats.org/markup-compatibility/2006" xmlns:a14="http://schemas.microsoft.com/office/drawing/2010/main">
+          <mc:Choice Requires="a14">
             <p:sp>
               <p:nvSpPr>
                 <p:cNvPr id="23" name="Text Box 14"/>
@@ -16607,7 +16584,7 @@
               </p:txBody>
             </p:sp>
           </mc:Choice>
-          <mc:Fallback>
+          <mc:Fallback xmlns="">
             <p:sp>
               <p:nvSpPr>
                 <p:cNvPr id="23" name="Text Box 14"/>
@@ -17745,8 +17722,8 @@
           </a:p>
         </p:txBody>
       </p:sp>
-      <mc:AlternateContent xmlns:mc="http://schemas.openxmlformats.org/markup-compatibility/2006">
-        <mc:Choice xmlns:a14="http://schemas.microsoft.com/office/drawing/2010/main" Requires="a14">
+      <mc:AlternateContent xmlns:mc="http://schemas.openxmlformats.org/markup-compatibility/2006" xmlns:a14="http://schemas.microsoft.com/office/drawing/2010/main">
+        <mc:Choice Requires="a14">
           <p:sp>
             <p:nvSpPr>
               <p:cNvPr id="3" name="Объект 2"/>
@@ -18253,11 +18230,7 @@
                 </a:r>
                 <a:r>
                   <a:rPr lang="ru-RU" dirty="0" smtClean="0"/>
-                  <a:t> </a:t>
-                </a:r>
-                <a:r>
-                  <a:rPr lang="ru-RU" dirty="0" smtClean="0"/>
-                  <a:t>определены следующим образом</a:t>
+                  <a:t> определены следующим образом</a:t>
                 </a:r>
                 <a:r>
                   <a:rPr lang="en-US" dirty="0" smtClean="0"/>
@@ -18392,7 +18365,7 @@
             </p:txBody>
           </p:sp>
         </mc:Choice>
-        <mc:Fallback>
+        <mc:Fallback xmlns="">
           <p:sp>
             <p:nvSpPr>
               <p:cNvPr id="3" name="Объект 2"/>
@@ -33935,8 +33908,8 @@
           </a:p>
         </p:txBody>
       </p:sp>
-      <mc:AlternateContent xmlns:mc="http://schemas.openxmlformats.org/markup-compatibility/2006">
-        <mc:Choice xmlns:a14="http://schemas.microsoft.com/office/drawing/2010/main" Requires="a14">
+      <mc:AlternateContent xmlns:mc="http://schemas.openxmlformats.org/markup-compatibility/2006" xmlns:a14="http://schemas.microsoft.com/office/drawing/2010/main">
+        <mc:Choice Requires="a14">
           <p:sp>
             <p:nvSpPr>
               <p:cNvPr id="3" name="Объект 2"/>
@@ -34541,7 +34514,7 @@
             </p:txBody>
           </p:sp>
         </mc:Choice>
-        <mc:Fallback>
+        <mc:Fallback xmlns="">
           <p:sp>
             <p:nvSpPr>
               <p:cNvPr id="3" name="Объект 2"/>
@@ -36718,8 +36691,8 @@
             </a:p>
           </p:txBody>
         </p:sp>
-        <mc:AlternateContent xmlns:mc="http://schemas.openxmlformats.org/markup-compatibility/2006">
-          <mc:Choice xmlns:a14="http://schemas.microsoft.com/office/drawing/2010/main" Requires="a14">
+        <mc:AlternateContent xmlns:mc="http://schemas.openxmlformats.org/markup-compatibility/2006" xmlns:a14="http://schemas.microsoft.com/office/drawing/2010/main">
+          <mc:Choice Requires="a14">
             <p:sp>
               <p:nvSpPr>
                 <p:cNvPr id="16" name="Text Box 14"/>
@@ -36881,7 +36854,7 @@
               </p:txBody>
             </p:sp>
           </mc:Choice>
-          <mc:Fallback>
+          <mc:Fallback xmlns="">
             <p:sp>
               <p:nvSpPr>
                 <p:cNvPr id="16" name="Text Box 14"/>
@@ -37547,8 +37520,8 @@
             </a:p>
           </p:txBody>
         </p:sp>
-        <mc:AlternateContent xmlns:mc="http://schemas.openxmlformats.org/markup-compatibility/2006">
-          <mc:Choice xmlns:a14="http://schemas.microsoft.com/office/drawing/2010/main" Requires="a14">
+        <mc:AlternateContent xmlns:mc="http://schemas.openxmlformats.org/markup-compatibility/2006" xmlns:a14="http://schemas.microsoft.com/office/drawing/2010/main">
+          <mc:Choice Requires="a14">
             <p:sp>
               <p:nvSpPr>
                 <p:cNvPr id="23" name="Text Box 14"/>
@@ -37714,7 +37687,7 @@
               </p:txBody>
             </p:sp>
           </mc:Choice>
-          <mc:Fallback>
+          <mc:Fallback xmlns="">
             <p:sp>
               <p:nvSpPr>
                 <p:cNvPr id="23" name="Text Box 14"/>

--- a/Lectures/Lecture8.pptx
+++ b/Lectures/Lecture8.pptx
@@ -5,7 +5,7 @@
     <p:sldMasterId id="2147483648" r:id="rId1"/>
   </p:sldMasterIdLst>
   <p:notesMasterIdLst>
-    <p:notesMasterId r:id="rId38"/>
+    <p:notesMasterId r:id="rId43"/>
   </p:notesMasterIdLst>
   <p:sldIdLst>
     <p:sldId id="296" r:id="rId2"/>
@@ -34,16 +34,21 @@
     <p:sldId id="423" r:id="rId25"/>
     <p:sldId id="422" r:id="rId26"/>
     <p:sldId id="426" r:id="rId27"/>
-    <p:sldId id="429" r:id="rId28"/>
-    <p:sldId id="427" r:id="rId29"/>
-    <p:sldId id="428" r:id="rId30"/>
-    <p:sldId id="430" r:id="rId31"/>
-    <p:sldId id="431" r:id="rId32"/>
-    <p:sldId id="433" r:id="rId33"/>
-    <p:sldId id="435" r:id="rId34"/>
-    <p:sldId id="436" r:id="rId35"/>
-    <p:sldId id="437" r:id="rId36"/>
-    <p:sldId id="438" r:id="rId37"/>
+    <p:sldId id="439" r:id="rId28"/>
+    <p:sldId id="440" r:id="rId29"/>
+    <p:sldId id="429" r:id="rId30"/>
+    <p:sldId id="427" r:id="rId31"/>
+    <p:sldId id="428" r:id="rId32"/>
+    <p:sldId id="430" r:id="rId33"/>
+    <p:sldId id="431" r:id="rId34"/>
+    <p:sldId id="433" r:id="rId35"/>
+    <p:sldId id="435" r:id="rId36"/>
+    <p:sldId id="436" r:id="rId37"/>
+    <p:sldId id="441" r:id="rId38"/>
+    <p:sldId id="442" r:id="rId39"/>
+    <p:sldId id="443" r:id="rId40"/>
+    <p:sldId id="437" r:id="rId41"/>
+    <p:sldId id="438" r:id="rId42"/>
   </p:sldIdLst>
   <p:sldSz cx="12192000" cy="6858000"/>
   <p:notesSz cx="6858000" cy="9144000"/>
@@ -197,6 +202,8 @@
         </p14:section>
         <p14:section name="Детерминированный CPA" id="{0532A29F-7973-4F7E-84F6-C56353BBD596}">
           <p14:sldIdLst>
+            <p14:sldId id="439"/>
+            <p14:sldId id="440"/>
             <p14:sldId id="429"/>
             <p14:sldId id="427"/>
             <p14:sldId id="428"/>
@@ -205,6 +212,9 @@
             <p14:sldId id="433"/>
             <p14:sldId id="435"/>
             <p14:sldId id="436"/>
+            <p14:sldId id="441"/>
+            <p14:sldId id="442"/>
+            <p14:sldId id="443"/>
             <p14:sldId id="437"/>
             <p14:sldId id="438"/>
           </p14:sldIdLst>
@@ -303,7 +313,7 @@
           <a:p>
             <a:fld id="{CBA08D16-15DC-4E25-BDC3-F25146157B16}" type="datetimeFigureOut">
               <a:rPr lang="ru-RU" smtClean="0"/>
-              <a:t>07.11.2019</a:t>
+              <a:t>05.11.2020</a:t>
             </a:fld>
             <a:endParaRPr lang="ru-RU"/>
           </a:p>
@@ -641,7 +651,7 @@
             <a:fld id="{8FF38DAD-5F37-4EA5-A798-26ED1E453939}" type="slidenum">
               <a:rPr lang="en-US" smtClean="0"/>
               <a:pPr/>
-              <a:t>28</a:t>
+              <a:t>30</a:t>
             </a:fld>
             <a:endParaRPr lang="en-US" dirty="0"/>
           </a:p>
@@ -730,7 +740,7 @@
             <a:fld id="{8FF38DAD-5F37-4EA5-A798-26ED1E453939}" type="slidenum">
               <a:rPr lang="en-US" smtClean="0"/>
               <a:pPr/>
-              <a:t>29</a:t>
+              <a:t>31</a:t>
             </a:fld>
             <a:endParaRPr lang="en-US" dirty="0"/>
           </a:p>
@@ -823,7 +833,7 @@
             <a:fld id="{8FF38DAD-5F37-4EA5-A798-26ED1E453939}" type="slidenum">
               <a:rPr lang="en-US" smtClean="0"/>
               <a:pPr/>
-              <a:t>31</a:t>
+              <a:t>33</a:t>
             </a:fld>
             <a:endParaRPr lang="en-US" dirty="0"/>
           </a:p>
@@ -973,7 +983,7 @@
           <a:p>
             <a:fld id="{FCEC8293-DB51-454A-BE81-EC8FCB31EBA2}" type="datetime1">
               <a:rPr lang="ru-RU" smtClean="0"/>
-              <a:t>07.11.2019</a:t>
+              <a:t>05.11.2020</a:t>
             </a:fld>
             <a:endParaRPr lang="ru-RU"/>
           </a:p>
@@ -1147,7 +1157,7 @@
           <a:p>
             <a:fld id="{241C87B1-1C35-4DBD-BC18-2BC72E776603}" type="datetime1">
               <a:rPr lang="ru-RU" smtClean="0"/>
-              <a:t>07.11.2019</a:t>
+              <a:t>05.11.2020</a:t>
             </a:fld>
             <a:endParaRPr lang="ru-RU"/>
           </a:p>
@@ -1331,7 +1341,7 @@
           <a:p>
             <a:fld id="{3134C275-26C0-42CD-9111-9ADE65922AF9}" type="datetime1">
               <a:rPr lang="ru-RU" smtClean="0"/>
-              <a:t>07.11.2019</a:t>
+              <a:t>05.11.2020</a:t>
             </a:fld>
             <a:endParaRPr lang="ru-RU"/>
           </a:p>
@@ -1542,7 +1552,7 @@
           <a:p>
             <a:fld id="{C1A9A50B-C350-45F5-8AAB-ADB9E670AF2E}" type="datetime1">
               <a:rPr lang="ru-RU" smtClean="0"/>
-              <a:t>07.11.2019</a:t>
+              <a:t>05.11.2020</a:t>
             </a:fld>
             <a:endParaRPr lang="ru-RU"/>
           </a:p>
@@ -1792,7 +1802,7 @@
           <a:p>
             <a:fld id="{089688C9-348F-42F9-B6C0-5990DDE0C5B2}" type="datetime1">
               <a:rPr lang="ru-RU" smtClean="0"/>
-              <a:t>07.11.2019</a:t>
+              <a:t>05.11.2020</a:t>
             </a:fld>
             <a:endParaRPr lang="ru-RU"/>
           </a:p>
@@ -2028,7 +2038,7 @@
           <a:p>
             <a:fld id="{684AFD8F-6DD9-4AD3-A505-FDC3F5C5F3F6}" type="datetime1">
               <a:rPr lang="ru-RU" smtClean="0"/>
-              <a:t>07.11.2019</a:t>
+              <a:t>05.11.2020</a:t>
             </a:fld>
             <a:endParaRPr lang="ru-RU"/>
           </a:p>
@@ -2399,7 +2409,7 @@
           <a:p>
             <a:fld id="{63551EFE-4D02-45EB-A747-8B6F047B5AA0}" type="datetime1">
               <a:rPr lang="ru-RU" smtClean="0"/>
-              <a:t>07.11.2019</a:t>
+              <a:t>05.11.2020</a:t>
             </a:fld>
             <a:endParaRPr lang="ru-RU"/>
           </a:p>
@@ -2521,7 +2531,7 @@
           <a:p>
             <a:fld id="{813A9F34-E5CD-4B8F-AA9E-889C84372B20}" type="datetime1">
               <a:rPr lang="ru-RU" smtClean="0"/>
-              <a:t>07.11.2019</a:t>
+              <a:t>05.11.2020</a:t>
             </a:fld>
             <a:endParaRPr lang="ru-RU"/>
           </a:p>
@@ -2620,7 +2630,7 @@
           <a:p>
             <a:fld id="{51224D22-9B29-44A6-8E82-95FC492DEDC1}" type="datetime1">
               <a:rPr lang="ru-RU" smtClean="0"/>
-              <a:t>07.11.2019</a:t>
+              <a:t>05.11.2020</a:t>
             </a:fld>
             <a:endParaRPr lang="ru-RU"/>
           </a:p>
@@ -2901,7 +2911,7 @@
           <a:p>
             <a:fld id="{91D1034F-4441-48A1-BDC0-25EA1022324A}" type="datetime1">
               <a:rPr lang="ru-RU" smtClean="0"/>
-              <a:t>07.11.2019</a:t>
+              <a:t>05.11.2020</a:t>
             </a:fld>
             <a:endParaRPr lang="ru-RU"/>
           </a:p>
@@ -3158,7 +3168,7 @@
           <a:p>
             <a:fld id="{B0FFDE79-B627-473B-AE17-4C65BD2495F7}" type="datetime1">
               <a:rPr lang="ru-RU" smtClean="0"/>
-              <a:t>07.11.2019</a:t>
+              <a:t>05.11.2020</a:t>
             </a:fld>
             <a:endParaRPr lang="ru-RU"/>
           </a:p>
@@ -3375,7 +3385,7 @@
           <a:p>
             <a:fld id="{11CA537A-1B8C-47BA-9BA6-7CE3FAFDA8BE}" type="datetime1">
               <a:rPr lang="ru-RU" smtClean="0"/>
-              <a:t>07.11.2019</a:t>
+              <a:t>05.11.2020</a:t>
             </a:fld>
             <a:endParaRPr lang="ru-RU"/>
           </a:p>
@@ -3881,12 +3891,12 @@
           </a:p>
           <a:p>
             <a:r>
-              <a:rPr lang="ru-RU" dirty="0" smtClean="0"/>
-              <a:t>МИФИ 201</a:t>
+              <a:rPr lang="ru-RU" smtClean="0"/>
+              <a:t>МИФИ </a:t>
             </a:r>
             <a:r>
-              <a:rPr lang="en-US" dirty="0" smtClean="0"/>
-              <a:t>9</a:t>
+              <a:rPr lang="ru-RU" smtClean="0"/>
+              <a:t>2020</a:t>
             </a:r>
             <a:endParaRPr lang="ru-RU" dirty="0"/>
           </a:p>
@@ -4560,7 +4570,11 @@
                 </a14:m>
                 <a:r>
                   <a:rPr lang="ru-RU" b="0" dirty="0" smtClean="0"/>
-                  <a:t>. Шифр текстом</a:t>
+                  <a:t>. </a:t>
+                </a:r>
+                <a:r>
+                  <a:rPr lang="ru-RU" b="0" dirty="0" err="1" smtClean="0"/>
+                  <a:t>Шифртекстом</a:t>
                 </a:r>
                 <a:r>
                   <a:rPr lang="ru-RU" dirty="0" smtClean="0"/>
@@ -7108,7 +7122,7 @@
                 </a:r>
                 <a:r>
                   <a:rPr lang="ru-RU" dirty="0" err="1" smtClean="0"/>
-                  <a:t>суперполиномиальная</a:t>
+                  <a:t>сверхполиномиальная</a:t>
                 </a:r>
                 <a:r>
                   <a:rPr lang="ru-RU" dirty="0" smtClean="0"/>
@@ -7697,8 +7711,8 @@
           </a:p>
         </p:txBody>
       </p:sp>
-      <mc:AlternateContent xmlns:mc="http://schemas.openxmlformats.org/markup-compatibility/2006">
-        <mc:Choice xmlns:a14="http://schemas.microsoft.com/office/drawing/2010/main" Requires="a14">
+      <mc:AlternateContent xmlns:mc="http://schemas.openxmlformats.org/markup-compatibility/2006" xmlns:a14="http://schemas.microsoft.com/office/drawing/2010/main">
+        <mc:Choice Requires="a14">
           <p:sp>
             <p:nvSpPr>
               <p:cNvPr id="3" name="Объект 2"/>
@@ -8698,7 +8712,7 @@
             </p:txBody>
           </p:sp>
         </mc:Choice>
-        <mc:Fallback>
+        <mc:Fallback xmlns="">
           <p:sp>
             <p:nvSpPr>
               <p:cNvPr id="3" name="Объект 2"/>
@@ -8961,8 +8975,8 @@
                   <a:t> - </a:t>
                 </a:r>
                 <a:r>
-                  <a:rPr lang="ru-RU" dirty="0" err="1"/>
-                  <a:t>суперполиномиальная</a:t>
+                  <a:rPr lang="ru-RU" dirty="0" err="1" smtClean="0"/>
+                  <a:t>сверхполиномиальная</a:t>
                 </a:r>
                 <a:r>
                   <a:rPr lang="ru-RU" dirty="0"/>
@@ -9502,7 +9516,7 @@
               </p:nvPr>
             </p:nvSpPr>
             <p:spPr>
-              <a:blipFill rotWithShape="0">
+              <a:blipFill>
                 <a:blip r:embed="rId2"/>
                 <a:stretch>
                   <a:fillRect l="-1043" t="-2101" b="-1821"/>
@@ -12439,15 +12453,7 @@
                 </a:r>
                 <a:r>
                   <a:rPr lang="ru-RU" dirty="0" err="1" smtClean="0"/>
-                  <a:t>суперпол</a:t>
-                </a:r>
-                <a:r>
-                  <a:rPr lang="ru-RU" dirty="0" err="1"/>
-                  <a:t>и</a:t>
-                </a:r>
-                <a:r>
-                  <a:rPr lang="ru-RU" dirty="0" err="1" smtClean="0"/>
-                  <a:t>номиальная</a:t>
+                  <a:t>сверхполиномиальная</a:t>
                 </a:r>
                 <a:r>
                   <a:rPr lang="ru-RU" dirty="0" smtClean="0"/>
@@ -14177,13 +14183,10 @@
                 <a14:m>
                   <m:oMath xmlns:m="http://schemas.openxmlformats.org/officeDocument/2006/math">
                     <m:r>
-                      <m:rPr>
-                        <m:sty m:val="p"/>
-                      </m:rPr>
-                      <a:rPr lang="en-US">
-                        <a:latin typeface="Cambria Math" panose="02040503050406030204" pitchFamily="18" charset="0"/>
-                      </a:rPr>
-                      <m:t>n</m:t>
+                      <a:rPr lang="en-US" i="1">
+                        <a:latin typeface="Cambria Math" panose="02040503050406030204" pitchFamily="18" charset="0"/>
+                      </a:rPr>
+                      <m:t>𝑛</m:t>
                     </m:r>
                     <m:r>
                       <a:rPr lang="en-US" b="0" i="1" smtClean="0">
@@ -14219,7 +14222,15 @@
                 </a14:m>
                 <a:r>
                   <a:rPr lang="en-US" dirty="0" smtClean="0"/>
-                  <a:t> –nonce, </a:t>
+                  <a:t> –</a:t>
+                </a:r>
+                <a:r>
+                  <a:rPr lang="ru-RU" dirty="0" smtClean="0"/>
+                  <a:t> </a:t>
+                </a:r>
+                <a:r>
+                  <a:rPr lang="en-US" dirty="0" smtClean="0"/>
+                  <a:t>nonce, </a:t>
                 </a:r>
                 <a14:m>
                   <m:oMath xmlns:m="http://schemas.openxmlformats.org/officeDocument/2006/math">
@@ -14694,10 +14705,10 @@
               </p:nvPr>
             </p:nvSpPr>
             <p:spPr>
-              <a:blipFill rotWithShape="0">
+              <a:blipFill>
                 <a:blip r:embed="rId2"/>
                 <a:stretch>
-                  <a:fillRect l="-928" t="-2101"/>
+                  <a:fillRect l="-928" t="-2101" r="-638"/>
                 </a:stretch>
               </a:blipFill>
             </p:spPr>
@@ -17185,15 +17196,7 @@
                 </a:r>
                 <a:r>
                   <a:rPr lang="ru-RU" dirty="0" err="1" smtClean="0"/>
-                  <a:t>суперпол</a:t>
-                </a:r>
-                <a:r>
-                  <a:rPr lang="ru-RU" dirty="0" err="1"/>
-                  <a:t>и</a:t>
-                </a:r>
-                <a:r>
-                  <a:rPr lang="ru-RU" dirty="0" err="1" smtClean="0"/>
-                  <a:t>номиальная</a:t>
+                  <a:t>сверхполиномиальная</a:t>
                 </a:r>
                 <a:r>
                   <a:rPr lang="ru-RU" dirty="0" smtClean="0"/>
@@ -17624,7 +17627,7 @@
               </p:nvPr>
             </p:nvSpPr>
             <p:spPr>
-              <a:blipFill rotWithShape="0">
+              <a:blipFill>
                 <a:blip r:embed="rId2"/>
                 <a:stretch>
                   <a:fillRect l="-1043" t="-2101"/>
@@ -20390,7 +20393,7 @@
                 </a:r>
                 <a:r>
                   <a:rPr lang="ru-RU" dirty="0" err="1" smtClean="0"/>
-                  <a:t>суперполиномиальная</a:t>
+                  <a:t>сверхполиномиальная</a:t>
                 </a:r>
                 <a:r>
                   <a:rPr lang="ru-RU" dirty="0" smtClean="0"/>
@@ -20756,10 +20759,10 @@
               </p:nvPr>
             </p:nvSpPr>
             <p:spPr>
-              <a:blipFill rotWithShape="0">
+              <a:blipFill>
                 <a:blip r:embed="rId2"/>
                 <a:stretch>
-                  <a:fillRect l="-1043" t="-2101" r="-116"/>
+                  <a:fillRect l="-1043" t="-2101"/>
                 </a:stretch>
               </a:blipFill>
             </p:spPr>
@@ -22155,7 +22158,7 @@
                 </a:r>
                 <a:r>
                   <a:rPr lang="ru-RU" dirty="0" err="1" smtClean="0"/>
-                  <a:t>суперполиномиальная</a:t>
+                  <a:t>сверхполиномиальная</a:t>
                 </a:r>
                 <a:r>
                   <a:rPr lang="ru-RU" dirty="0" smtClean="0"/>
@@ -22675,7 +22678,7 @@
                 </a:r>
                 <a:r>
                   <a:rPr lang="ru-RU" dirty="0" smtClean="0"/>
-                  <a:t>о с учётом использовать не только блочного шифра, но и </a:t>
+                  <a:t>о с учётом использования не только блочного шифра, но и </a:t>
                 </a:r>
                 <a:r>
                   <a:rPr lang="en-US" dirty="0" smtClean="0"/>
@@ -22715,10 +22718,10 @@
               </p:nvPr>
             </p:nvSpPr>
             <p:spPr>
-              <a:blipFill rotWithShape="0">
+              <a:blipFill>
                 <a:blip r:embed="rId2"/>
                 <a:stretch>
-                  <a:fillRect l="-1043" t="-2101" r="-1101" b="-1821"/>
+                  <a:fillRect l="-1043" t="-2101" b="-1821"/>
                 </a:stretch>
               </a:blipFill>
             </p:spPr>
@@ -22807,6 +22810,287 @@
           <a:p>
             <a:r>
               <a:rPr lang="ru-RU" dirty="0" smtClean="0"/>
+              <a:t>Поиск в базе данных</a:t>
+            </a:r>
+            <a:endParaRPr lang="ru-RU" dirty="0"/>
+          </a:p>
+        </p:txBody>
+      </p:sp>
+      <p:sp>
+        <p:nvSpPr>
+          <p:cNvPr id="3" name="Объект 2"/>
+          <p:cNvSpPr>
+            <a:spLocks noGrp="1"/>
+          </p:cNvSpPr>
+          <p:nvPr>
+            <p:ph idx="1"/>
+          </p:nvPr>
+        </p:nvSpPr>
+        <p:spPr/>
+        <p:txBody>
+          <a:bodyPr/>
+          <a:lstStyle/>
+          <a:p>
+            <a:r>
+              <a:rPr lang="ru-RU" dirty="0"/>
+              <a:t>Рассмотрим пример – </a:t>
+            </a:r>
+            <a:r>
+              <a:rPr lang="ru-RU" dirty="0" smtClean="0"/>
+              <a:t>хранение шифрованных </a:t>
+            </a:r>
+            <a:r>
+              <a:rPr lang="ru-RU" dirty="0"/>
+              <a:t>файлов на удалённом сервере</a:t>
+            </a:r>
+            <a:r>
+              <a:rPr lang="ru-RU" dirty="0" smtClean="0"/>
+              <a:t>.</a:t>
+            </a:r>
+          </a:p>
+          <a:p>
+            <a:r>
+              <a:rPr lang="ru-RU" dirty="0" smtClean="0"/>
+              <a:t>При использовании </a:t>
+            </a:r>
+            <a:r>
+              <a:rPr lang="en-US" dirty="0" smtClean="0"/>
+              <a:t>CPA </a:t>
+            </a:r>
+            <a:r>
+              <a:rPr lang="ru-RU" dirty="0" smtClean="0"/>
+              <a:t>стойкого шифра имеем</a:t>
+            </a:r>
+            <a:r>
+              <a:rPr lang="en-US" dirty="0" smtClean="0"/>
+              <a:t>:</a:t>
+            </a:r>
+            <a:endParaRPr lang="ru-RU" dirty="0" smtClean="0"/>
+          </a:p>
+          <a:p>
+            <a:endParaRPr lang="ru-RU" dirty="0"/>
+          </a:p>
+          <a:p>
+            <a:endParaRPr lang="ru-RU" dirty="0"/>
+          </a:p>
+        </p:txBody>
+      </p:sp>
+      <p:sp>
+        <p:nvSpPr>
+          <p:cNvPr id="4" name="Номер слайда 3"/>
+          <p:cNvSpPr>
+            <a:spLocks noGrp="1"/>
+          </p:cNvSpPr>
+          <p:nvPr>
+            <p:ph type="sldNum" sz="quarter" idx="12"/>
+          </p:nvPr>
+        </p:nvSpPr>
+        <p:spPr/>
+        <p:txBody>
+          <a:bodyPr/>
+          <a:lstStyle/>
+          <a:p>
+            <a:fld id="{8253DDDB-F8F7-4D64-A7FD-3F3D61C1949F}" type="slidenum">
+              <a:rPr lang="ru-RU" smtClean="0"/>
+              <a:t>27</a:t>
+            </a:fld>
+            <a:endParaRPr lang="ru-RU"/>
+          </a:p>
+        </p:txBody>
+      </p:sp>
+      <p:pic>
+        <p:nvPicPr>
+          <p:cNvPr id="5" name="Рисунок 4"/>
+          <p:cNvPicPr>
+            <a:picLocks noChangeAspect="1"/>
+          </p:cNvPicPr>
+          <p:nvPr/>
+        </p:nvPicPr>
+        <p:blipFill>
+          <a:blip r:embed="rId2"/>
+          <a:stretch>
+            <a:fillRect/>
+          </a:stretch>
+        </p:blipFill>
+        <p:spPr>
+          <a:xfrm>
+            <a:off x="2092569" y="3292636"/>
+            <a:ext cx="7454412" cy="3246276"/>
+          </a:xfrm>
+          <a:prstGeom prst="rect">
+            <a:avLst/>
+          </a:prstGeom>
+        </p:spPr>
+      </p:pic>
+    </p:spTree>
+    <p:extLst>
+      <p:ext uri="{BB962C8B-B14F-4D97-AF65-F5344CB8AC3E}">
+        <p14:creationId xmlns:p14="http://schemas.microsoft.com/office/powerpoint/2010/main" val="2390735414"/>
+      </p:ext>
+    </p:extLst>
+  </p:cSld>
+  <p:clrMapOvr>
+    <a:masterClrMapping/>
+  </p:clrMapOvr>
+</p:sld>
+</file>
+
+<file path=ppt/slides/slide28.xml><?xml version="1.0" encoding="utf-8"?>
+<p:sld xmlns:a="http://schemas.openxmlformats.org/drawingml/2006/main" xmlns:r="http://schemas.openxmlformats.org/officeDocument/2006/relationships" xmlns:p="http://schemas.openxmlformats.org/presentationml/2006/main">
+  <p:cSld>
+    <p:spTree>
+      <p:nvGrpSpPr>
+        <p:cNvPr id="1" name=""/>
+        <p:cNvGrpSpPr/>
+        <p:nvPr/>
+      </p:nvGrpSpPr>
+      <p:grpSpPr>
+        <a:xfrm>
+          <a:off x="0" y="0"/>
+          <a:ext cx="0" cy="0"/>
+          <a:chOff x="0" y="0"/>
+          <a:chExt cx="0" cy="0"/>
+        </a:xfrm>
+      </p:grpSpPr>
+      <p:sp>
+        <p:nvSpPr>
+          <p:cNvPr id="2" name="Заголовок 1"/>
+          <p:cNvSpPr>
+            <a:spLocks noGrp="1"/>
+          </p:cNvSpPr>
+          <p:nvPr>
+            <p:ph type="title"/>
+          </p:nvPr>
+        </p:nvSpPr>
+        <p:spPr/>
+        <p:txBody>
+          <a:bodyPr/>
+          <a:lstStyle/>
+          <a:p>
+            <a:r>
+              <a:rPr lang="ru-RU" dirty="0"/>
+              <a:t>Поиск в базе данных</a:t>
+            </a:r>
+          </a:p>
+        </p:txBody>
+      </p:sp>
+      <p:sp>
+        <p:nvSpPr>
+          <p:cNvPr id="3" name="Объект 2"/>
+          <p:cNvSpPr>
+            <a:spLocks noGrp="1"/>
+          </p:cNvSpPr>
+          <p:nvPr>
+            <p:ph idx="1"/>
+          </p:nvPr>
+        </p:nvSpPr>
+        <p:spPr/>
+        <p:txBody>
+          <a:bodyPr/>
+          <a:lstStyle/>
+          <a:p>
+            <a:r>
+              <a:rPr lang="ru-RU" dirty="0" smtClean="0"/>
+              <a:t>Проблема – необходимость выкачивания всей информации для осуществления поиска (выборки)</a:t>
+            </a:r>
+            <a:endParaRPr lang="ru-RU" dirty="0"/>
+          </a:p>
+        </p:txBody>
+      </p:sp>
+      <p:sp>
+        <p:nvSpPr>
+          <p:cNvPr id="4" name="Номер слайда 3"/>
+          <p:cNvSpPr>
+            <a:spLocks noGrp="1"/>
+          </p:cNvSpPr>
+          <p:nvPr>
+            <p:ph type="sldNum" sz="quarter" idx="12"/>
+          </p:nvPr>
+        </p:nvSpPr>
+        <p:spPr/>
+        <p:txBody>
+          <a:bodyPr/>
+          <a:lstStyle/>
+          <a:p>
+            <a:fld id="{8253DDDB-F8F7-4D64-A7FD-3F3D61C1949F}" type="slidenum">
+              <a:rPr lang="ru-RU" smtClean="0"/>
+              <a:t>28</a:t>
+            </a:fld>
+            <a:endParaRPr lang="ru-RU"/>
+          </a:p>
+        </p:txBody>
+      </p:sp>
+      <p:pic>
+        <p:nvPicPr>
+          <p:cNvPr id="5" name="Рисунок 4"/>
+          <p:cNvPicPr>
+            <a:picLocks noChangeAspect="1"/>
+          </p:cNvPicPr>
+          <p:nvPr/>
+        </p:nvPicPr>
+        <p:blipFill>
+          <a:blip r:embed="rId2"/>
+          <a:stretch>
+            <a:fillRect/>
+          </a:stretch>
+        </p:blipFill>
+        <p:spPr>
+          <a:xfrm>
+            <a:off x="1373933" y="2980592"/>
+            <a:ext cx="7959467" cy="3196371"/>
+          </a:xfrm>
+          <a:prstGeom prst="rect">
+            <a:avLst/>
+          </a:prstGeom>
+        </p:spPr>
+      </p:pic>
+    </p:spTree>
+    <p:extLst>
+      <p:ext uri="{BB962C8B-B14F-4D97-AF65-F5344CB8AC3E}">
+        <p14:creationId xmlns:p14="http://schemas.microsoft.com/office/powerpoint/2010/main" val="122224588"/>
+      </p:ext>
+    </p:extLst>
+  </p:cSld>
+  <p:clrMapOvr>
+    <a:masterClrMapping/>
+  </p:clrMapOvr>
+</p:sld>
+</file>
+
+<file path=ppt/slides/slide29.xml><?xml version="1.0" encoding="utf-8"?>
+<p:sld xmlns:a="http://schemas.openxmlformats.org/drawingml/2006/main" xmlns:r="http://schemas.openxmlformats.org/officeDocument/2006/relationships" xmlns:p="http://schemas.openxmlformats.org/presentationml/2006/main">
+  <p:cSld>
+    <p:spTree>
+      <p:nvGrpSpPr>
+        <p:cNvPr id="1" name=""/>
+        <p:cNvGrpSpPr/>
+        <p:nvPr/>
+      </p:nvGrpSpPr>
+      <p:grpSpPr>
+        <a:xfrm>
+          <a:off x="0" y="0"/>
+          <a:ext cx="0" cy="0"/>
+          <a:chOff x="0" y="0"/>
+          <a:chExt cx="0" cy="0"/>
+        </a:xfrm>
+      </p:grpSpPr>
+      <p:sp>
+        <p:nvSpPr>
+          <p:cNvPr id="2" name="Заголовок 1"/>
+          <p:cNvSpPr>
+            <a:spLocks noGrp="1"/>
+          </p:cNvSpPr>
+          <p:nvPr>
+            <p:ph type="title"/>
+          </p:nvPr>
+        </p:nvSpPr>
+        <p:spPr/>
+        <p:txBody>
+          <a:bodyPr/>
+          <a:lstStyle/>
+          <a:p>
+            <a:r>
+              <a:rPr lang="ru-RU" dirty="0" smtClean="0"/>
               <a:t>Детерминированное шифрование</a:t>
             </a:r>
             <a:endParaRPr lang="ru-RU" dirty="0"/>
@@ -22828,10 +23112,22 @@
           <a:bodyPr/>
           <a:lstStyle/>
           <a:p>
+            <a:pPr marL="0" indent="0">
+              <a:buNone/>
+            </a:pPr>
+            <a:r>
+              <a:rPr lang="ru-RU" dirty="0" err="1" smtClean="0"/>
+              <a:t>Рандомизированное</a:t>
+            </a:r>
             <a:r>
               <a:rPr lang="ru-RU" dirty="0" smtClean="0"/>
-              <a:t>Рассмотрим пример – хранение файлов на удалённом сервере.</a:t>
+              <a:t> шифрование не позволяет искать на стороне сервера. Хотелось бы реализовать такой сценарий</a:t>
             </a:r>
+            <a:r>
+              <a:rPr lang="en-US" dirty="0" smtClean="0"/>
+              <a:t>:</a:t>
+            </a:r>
+            <a:endParaRPr lang="ru-RU" dirty="0" smtClean="0"/>
           </a:p>
           <a:p>
             <a:r>
@@ -22862,6 +23158,9 @@
             </a:r>
           </a:p>
           <a:p>
+            <a:pPr marL="0" indent="0">
+              <a:buNone/>
+            </a:pPr>
             <a:r>
               <a:rPr lang="ru-RU" dirty="0" smtClean="0"/>
               <a:t>Данная схема возможна только при детерминированном шифровании </a:t>
@@ -22889,7 +23188,7 @@
           <a:p>
             <a:fld id="{8253DDDB-F8F7-4D64-A7FD-3F3D61C1949F}" type="slidenum">
               <a:rPr lang="ru-RU" smtClean="0"/>
-              <a:t>27</a:t>
+              <a:t>29</a:t>
             </a:fld>
             <a:endParaRPr lang="ru-RU"/>
           </a:p>
@@ -22911,2008 +23210,6 @@
         <p:cTn id="1" dur="indefinite" restart="never" nodeType="tmRoot"/>
       </p:par>
     </p:tnLst>
-  </p:timing>
-</p:sld>
-</file>
-
-<file path=ppt/slides/slide28.xml><?xml version="1.0" encoding="utf-8"?>
-<p:sld xmlns:a="http://schemas.openxmlformats.org/drawingml/2006/main" xmlns:r="http://schemas.openxmlformats.org/officeDocument/2006/relationships" xmlns:p="http://schemas.openxmlformats.org/presentationml/2006/main">
-  <p:cSld>
-    <p:spTree>
-      <p:nvGrpSpPr>
-        <p:cNvPr id="1" name=""/>
-        <p:cNvGrpSpPr/>
-        <p:nvPr/>
-      </p:nvGrpSpPr>
-      <p:grpSpPr>
-        <a:xfrm>
-          <a:off x="0" y="0"/>
-          <a:ext cx="0" cy="0"/>
-          <a:chOff x="0" y="0"/>
-          <a:chExt cx="0" cy="0"/>
-        </a:xfrm>
-      </p:grpSpPr>
-      <p:sp>
-        <p:nvSpPr>
-          <p:cNvPr id="2" name="Title 1"/>
-          <p:cNvSpPr>
-            <a:spLocks noGrp="1"/>
-          </p:cNvSpPr>
-          <p:nvPr>
-            <p:ph type="title"/>
-          </p:nvPr>
-        </p:nvSpPr>
-        <p:spPr/>
-        <p:txBody>
-          <a:bodyPr>
-            <a:normAutofit/>
-          </a:bodyPr>
-          <a:lstStyle/>
-          <a:p>
-            <a:r>
-              <a:rPr lang="en-US" dirty="0" smtClean="0"/>
-              <a:t>The need for det. Encryption   </a:t>
-            </a:r>
-            <a:r>
-              <a:rPr lang="en-US" sz="4800" dirty="0"/>
-              <a:t>(no nonce)</a:t>
-            </a:r>
-            <a:endParaRPr lang="en-US" dirty="0"/>
-          </a:p>
-        </p:txBody>
-      </p:sp>
-      <p:pic>
-        <p:nvPicPr>
-          <p:cNvPr id="9" name="Picture 8"/>
-          <p:cNvPicPr>
-            <a:picLocks noChangeAspect="1"/>
-          </p:cNvPicPr>
-          <p:nvPr/>
-        </p:nvPicPr>
-        <p:blipFill>
-          <a:blip r:embed="rId3"/>
-          <a:stretch>
-            <a:fillRect/>
-          </a:stretch>
-        </p:blipFill>
-        <p:spPr>
-          <a:xfrm>
-            <a:off x="9364133" y="2108200"/>
-            <a:ext cx="2015067" cy="2336800"/>
-          </a:xfrm>
-          <a:prstGeom prst="rect">
-            <a:avLst/>
-          </a:prstGeom>
-        </p:spPr>
-      </p:pic>
-      <p:sp>
-        <p:nvSpPr>
-          <p:cNvPr id="10" name="TextBox 9"/>
-          <p:cNvSpPr txBox="1"/>
-          <p:nvPr/>
-        </p:nvSpPr>
-        <p:spPr>
-          <a:xfrm>
-            <a:off x="9600761" y="4343401"/>
-            <a:ext cx="1591846" cy="913199"/>
-          </a:xfrm>
-          <a:prstGeom prst="rect">
-            <a:avLst/>
-          </a:prstGeom>
-          <a:noFill/>
-        </p:spPr>
-        <p:txBody>
-          <a:bodyPr wrap="none" rtlCol="0">
-            <a:spAutoFit/>
-          </a:bodyPr>
-          <a:lstStyle/>
-          <a:p>
-            <a:pPr algn="ctr"/>
-            <a:r>
-              <a:rPr lang="en-US" sz="2667" dirty="0"/>
-              <a:t>encrypted</a:t>
-            </a:r>
-          </a:p>
-          <a:p>
-            <a:pPr algn="ctr"/>
-            <a:r>
-              <a:rPr lang="en-US" sz="2667" dirty="0"/>
-              <a:t>database</a:t>
-            </a:r>
-          </a:p>
-        </p:txBody>
-      </p:sp>
-      <p:grpSp>
-        <p:nvGrpSpPr>
-          <p:cNvPr id="14" name="Group 13"/>
-          <p:cNvGrpSpPr/>
-          <p:nvPr/>
-        </p:nvGrpSpPr>
-        <p:grpSpPr>
-          <a:xfrm>
-            <a:off x="1524000" y="1803400"/>
-            <a:ext cx="3048000" cy="508000"/>
-            <a:chOff x="4724400" y="1581150"/>
-            <a:chExt cx="2286000" cy="381000"/>
-          </a:xfrm>
-          <a:pattFill prst="horzBrick">
-            <a:fgClr>
-              <a:schemeClr val="accent5">
-                <a:lumMod val="75000"/>
-              </a:schemeClr>
-            </a:fgClr>
-            <a:bgClr>
-              <a:schemeClr val="bg1">
-                <a:lumMod val="85000"/>
-              </a:schemeClr>
-            </a:bgClr>
-          </a:pattFill>
-        </p:grpSpPr>
-        <p:sp>
-          <p:nvSpPr>
-            <p:cNvPr id="12" name="Rectangle 11"/>
-            <p:cNvSpPr/>
-            <p:nvPr/>
-          </p:nvSpPr>
-          <p:spPr>
-            <a:xfrm>
-              <a:off x="4724400" y="1581150"/>
-              <a:ext cx="838200" cy="381000"/>
-            </a:xfrm>
-            <a:prstGeom prst="rect">
-              <a:avLst/>
-            </a:prstGeom>
-            <a:grpFill/>
-            <a:ln>
-              <a:solidFill>
-                <a:srgbClr val="000000"/>
-              </a:solidFill>
-            </a:ln>
-          </p:spPr>
-          <p:style>
-            <a:lnRef idx="1">
-              <a:schemeClr val="accent1"/>
-            </a:lnRef>
-            <a:fillRef idx="3">
-              <a:schemeClr val="accent1"/>
-            </a:fillRef>
-            <a:effectRef idx="2">
-              <a:schemeClr val="accent1"/>
-            </a:effectRef>
-            <a:fontRef idx="minor">
-              <a:schemeClr val="lt1"/>
-            </a:fontRef>
-          </p:style>
-          <p:txBody>
-            <a:bodyPr rtlCol="0" anchor="ctr"/>
-            <a:lstStyle/>
-            <a:p>
-              <a:r>
-                <a:rPr lang="en-US" sz="3200" dirty="0">
-                  <a:solidFill>
-                    <a:schemeClr val="tx1"/>
-                  </a:solidFill>
-                </a:rPr>
-                <a:t>Alice</a:t>
-              </a:r>
-            </a:p>
-          </p:txBody>
-        </p:sp>
-        <p:sp>
-          <p:nvSpPr>
-            <p:cNvPr id="13" name="Rectangle 12"/>
-            <p:cNvSpPr/>
-            <p:nvPr/>
-          </p:nvSpPr>
-          <p:spPr>
-            <a:xfrm>
-              <a:off x="5562600" y="1581150"/>
-              <a:ext cx="1447800" cy="381000"/>
-            </a:xfrm>
-            <a:prstGeom prst="rect">
-              <a:avLst/>
-            </a:prstGeom>
-            <a:grpFill/>
-            <a:ln>
-              <a:solidFill>
-                <a:srgbClr val="000000"/>
-              </a:solidFill>
-            </a:ln>
-          </p:spPr>
-          <p:style>
-            <a:lnRef idx="1">
-              <a:schemeClr val="accent1"/>
-            </a:lnRef>
-            <a:fillRef idx="3">
-              <a:schemeClr val="accent1"/>
-            </a:fillRef>
-            <a:effectRef idx="2">
-              <a:schemeClr val="accent1"/>
-            </a:effectRef>
-            <a:fontRef idx="minor">
-              <a:schemeClr val="lt1"/>
-            </a:fontRef>
-          </p:style>
-          <p:txBody>
-            <a:bodyPr rtlCol="0" anchor="ctr"/>
-            <a:lstStyle/>
-            <a:p>
-              <a:pPr algn="ctr"/>
-              <a:r>
-                <a:rPr lang="en-US" sz="3200" dirty="0">
-                  <a:solidFill>
-                    <a:schemeClr val="tx1"/>
-                  </a:solidFill>
-                </a:rPr>
-                <a:t>data</a:t>
-              </a:r>
-            </a:p>
-          </p:txBody>
-        </p:sp>
-      </p:grpSp>
-      <p:pic>
-        <p:nvPicPr>
-          <p:cNvPr id="4" name="Picture 3"/>
-          <p:cNvPicPr>
-            <a:picLocks noChangeAspect="1"/>
-          </p:cNvPicPr>
-          <p:nvPr/>
-        </p:nvPicPr>
-        <p:blipFill>
-          <a:blip r:embed="rId4"/>
-          <a:stretch>
-            <a:fillRect/>
-          </a:stretch>
-        </p:blipFill>
-        <p:spPr>
-          <a:xfrm>
-            <a:off x="609601" y="1600200"/>
-            <a:ext cx="836033" cy="1092200"/>
-          </a:xfrm>
-          <a:prstGeom prst="rect">
-            <a:avLst/>
-          </a:prstGeom>
-        </p:spPr>
-      </p:pic>
-      <p:sp>
-        <p:nvSpPr>
-          <p:cNvPr id="5" name="TextBox 4"/>
-          <p:cNvSpPr txBox="1"/>
-          <p:nvPr/>
-        </p:nvSpPr>
-        <p:spPr>
-          <a:xfrm>
-            <a:off x="304800" y="2819401"/>
-            <a:ext cx="1056700" cy="584775"/>
-          </a:xfrm>
-          <a:prstGeom prst="rect">
-            <a:avLst/>
-          </a:prstGeom>
-          <a:noFill/>
-        </p:spPr>
-        <p:txBody>
-          <a:bodyPr wrap="none" rtlCol="0">
-            <a:spAutoFit/>
-          </a:bodyPr>
-          <a:lstStyle/>
-          <a:p>
-            <a:r>
-              <a:rPr lang="en-US" sz="3200" b="1" dirty="0">
-                <a:solidFill>
-                  <a:srgbClr val="FF0000"/>
-                </a:solidFill>
-              </a:rPr>
-              <a:t>k</a:t>
-            </a:r>
-            <a:r>
-              <a:rPr lang="en-US" sz="3200" b="1" baseline="-25000" dirty="0">
-                <a:solidFill>
-                  <a:srgbClr val="FF0000"/>
-                </a:solidFill>
-              </a:rPr>
-              <a:t>1</a:t>
-            </a:r>
-            <a:r>
-              <a:rPr lang="en-US" sz="3200" b="1" dirty="0">
-                <a:solidFill>
-                  <a:srgbClr val="FF0000"/>
-                </a:solidFill>
-              </a:rPr>
-              <a:t>, k</a:t>
-            </a:r>
-            <a:r>
-              <a:rPr lang="en-US" sz="3200" b="1" baseline="-25000" dirty="0">
-                <a:solidFill>
-                  <a:srgbClr val="FF0000"/>
-                </a:solidFill>
-              </a:rPr>
-              <a:t>2</a:t>
-            </a:r>
-          </a:p>
-        </p:txBody>
-      </p:sp>
-      <p:grpSp>
-        <p:nvGrpSpPr>
-          <p:cNvPr id="18" name="Group 17"/>
-          <p:cNvGrpSpPr/>
-          <p:nvPr/>
-        </p:nvGrpSpPr>
-        <p:grpSpPr>
-          <a:xfrm>
-            <a:off x="1524000" y="1803400"/>
-            <a:ext cx="3048000" cy="508000"/>
-            <a:chOff x="4724400" y="1581150"/>
-            <a:chExt cx="2286000" cy="381000"/>
-          </a:xfrm>
-          <a:solidFill>
-            <a:schemeClr val="bg1">
-              <a:lumMod val="85000"/>
-            </a:schemeClr>
-          </a:solidFill>
-        </p:grpSpPr>
-        <p:sp>
-          <p:nvSpPr>
-            <p:cNvPr id="19" name="Rectangle 18"/>
-            <p:cNvSpPr/>
-            <p:nvPr/>
-          </p:nvSpPr>
-          <p:spPr>
-            <a:xfrm>
-              <a:off x="4724400" y="1581150"/>
-              <a:ext cx="838200" cy="381000"/>
-            </a:xfrm>
-            <a:prstGeom prst="rect">
-              <a:avLst/>
-            </a:prstGeom>
-            <a:grpFill/>
-            <a:ln>
-              <a:solidFill>
-                <a:srgbClr val="000000"/>
-              </a:solidFill>
-            </a:ln>
-          </p:spPr>
-          <p:style>
-            <a:lnRef idx="1">
-              <a:schemeClr val="accent1"/>
-            </a:lnRef>
-            <a:fillRef idx="3">
-              <a:schemeClr val="accent1"/>
-            </a:fillRef>
-            <a:effectRef idx="2">
-              <a:schemeClr val="accent1"/>
-            </a:effectRef>
-            <a:fontRef idx="minor">
-              <a:schemeClr val="lt1"/>
-            </a:fontRef>
-          </p:style>
-          <p:txBody>
-            <a:bodyPr rtlCol="0" anchor="ctr"/>
-            <a:lstStyle/>
-            <a:p>
-              <a:r>
-                <a:rPr lang="en-US" sz="3200" dirty="0">
-                  <a:solidFill>
-                    <a:schemeClr val="tx1"/>
-                  </a:solidFill>
-                </a:rPr>
-                <a:t>Alice</a:t>
-              </a:r>
-            </a:p>
-          </p:txBody>
-        </p:sp>
-        <p:sp>
-          <p:nvSpPr>
-            <p:cNvPr id="20" name="Rectangle 19"/>
-            <p:cNvSpPr/>
-            <p:nvPr/>
-          </p:nvSpPr>
-          <p:spPr>
-            <a:xfrm>
-              <a:off x="5562600" y="1581150"/>
-              <a:ext cx="1447800" cy="381000"/>
-            </a:xfrm>
-            <a:prstGeom prst="rect">
-              <a:avLst/>
-            </a:prstGeom>
-            <a:grpFill/>
-            <a:ln>
-              <a:solidFill>
-                <a:srgbClr val="000000"/>
-              </a:solidFill>
-            </a:ln>
-          </p:spPr>
-          <p:style>
-            <a:lnRef idx="1">
-              <a:schemeClr val="accent1"/>
-            </a:lnRef>
-            <a:fillRef idx="3">
-              <a:schemeClr val="accent1"/>
-            </a:fillRef>
-            <a:effectRef idx="2">
-              <a:schemeClr val="accent1"/>
-            </a:effectRef>
-            <a:fontRef idx="minor">
-              <a:schemeClr val="lt1"/>
-            </a:fontRef>
-          </p:style>
-          <p:txBody>
-            <a:bodyPr rtlCol="0" anchor="ctr"/>
-            <a:lstStyle/>
-            <a:p>
-              <a:pPr algn="ctr"/>
-              <a:r>
-                <a:rPr lang="en-US" sz="3200" dirty="0">
-                  <a:solidFill>
-                    <a:schemeClr val="tx1"/>
-                  </a:solidFill>
-                </a:rPr>
-                <a:t>data</a:t>
-              </a:r>
-            </a:p>
-          </p:txBody>
-        </p:sp>
-      </p:grpSp>
-      <p:grpSp>
-        <p:nvGrpSpPr>
-          <p:cNvPr id="8" name="Group 7"/>
-          <p:cNvGrpSpPr/>
-          <p:nvPr/>
-        </p:nvGrpSpPr>
-        <p:grpSpPr>
-          <a:xfrm>
-            <a:off x="6197600" y="3022601"/>
-            <a:ext cx="3048000" cy="1319407"/>
-            <a:chOff x="4648200" y="2266950"/>
-            <a:chExt cx="2286000" cy="989555"/>
-          </a:xfrm>
-        </p:grpSpPr>
-        <p:grpSp>
-          <p:nvGrpSpPr>
-            <p:cNvPr id="21" name="Group 20"/>
-            <p:cNvGrpSpPr/>
-            <p:nvPr/>
-          </p:nvGrpSpPr>
-          <p:grpSpPr>
-            <a:xfrm>
-              <a:off x="4648200" y="2266950"/>
-              <a:ext cx="2286000" cy="381000"/>
-              <a:chOff x="4724400" y="1581150"/>
-              <a:chExt cx="2286000" cy="381000"/>
-            </a:xfrm>
-            <a:pattFill prst="horzBrick">
-              <a:fgClr>
-                <a:schemeClr val="accent5">
-                  <a:lumMod val="75000"/>
-                </a:schemeClr>
-              </a:fgClr>
-              <a:bgClr>
-                <a:schemeClr val="bg1">
-                  <a:lumMod val="85000"/>
-                </a:schemeClr>
-              </a:bgClr>
-            </a:pattFill>
-          </p:grpSpPr>
-          <p:sp>
-            <p:nvSpPr>
-              <p:cNvPr id="22" name="Rectangle 21"/>
-              <p:cNvSpPr/>
-              <p:nvPr/>
-            </p:nvSpPr>
-            <p:spPr>
-              <a:xfrm>
-                <a:off x="4724400" y="1581150"/>
-                <a:ext cx="838200" cy="381000"/>
-              </a:xfrm>
-              <a:prstGeom prst="rect">
-                <a:avLst/>
-              </a:prstGeom>
-              <a:grpFill/>
-              <a:ln>
-                <a:solidFill>
-                  <a:srgbClr val="000000"/>
-                </a:solidFill>
-              </a:ln>
-            </p:spPr>
-            <p:style>
-              <a:lnRef idx="1">
-                <a:schemeClr val="accent1"/>
-              </a:lnRef>
-              <a:fillRef idx="3">
-                <a:schemeClr val="accent1"/>
-              </a:fillRef>
-              <a:effectRef idx="2">
-                <a:schemeClr val="accent1"/>
-              </a:effectRef>
-              <a:fontRef idx="minor">
-                <a:schemeClr val="lt1"/>
-              </a:fontRef>
-            </p:style>
-            <p:txBody>
-              <a:bodyPr rtlCol="0" anchor="ctr"/>
-              <a:lstStyle/>
-              <a:p>
-                <a:r>
-                  <a:rPr lang="en-US" sz="3200" dirty="0">
-                    <a:solidFill>
-                      <a:schemeClr val="tx1"/>
-                    </a:solidFill>
-                  </a:rPr>
-                  <a:t>Bob</a:t>
-                </a:r>
-              </a:p>
-            </p:txBody>
-          </p:sp>
-          <p:sp>
-            <p:nvSpPr>
-              <p:cNvPr id="23" name="Rectangle 22"/>
-              <p:cNvSpPr/>
-              <p:nvPr/>
-            </p:nvSpPr>
-            <p:spPr>
-              <a:xfrm>
-                <a:off x="5562600" y="1581150"/>
-                <a:ext cx="1447800" cy="381000"/>
-              </a:xfrm>
-              <a:prstGeom prst="rect">
-                <a:avLst/>
-              </a:prstGeom>
-              <a:grpFill/>
-              <a:ln>
-                <a:solidFill>
-                  <a:srgbClr val="000000"/>
-                </a:solidFill>
-              </a:ln>
-            </p:spPr>
-            <p:style>
-              <a:lnRef idx="1">
-                <a:schemeClr val="accent1"/>
-              </a:lnRef>
-              <a:fillRef idx="3">
-                <a:schemeClr val="accent1"/>
-              </a:fillRef>
-              <a:effectRef idx="2">
-                <a:schemeClr val="accent1"/>
-              </a:effectRef>
-              <a:fontRef idx="minor">
-                <a:schemeClr val="lt1"/>
-              </a:fontRef>
-            </p:style>
-            <p:txBody>
-              <a:bodyPr rtlCol="0" anchor="ctr"/>
-              <a:lstStyle/>
-              <a:p>
-                <a:pPr algn="ctr"/>
-                <a:r>
-                  <a:rPr lang="en-US" sz="3200" dirty="0">
-                    <a:solidFill>
-                      <a:schemeClr val="tx1"/>
-                    </a:solidFill>
-                  </a:rPr>
-                  <a:t>data</a:t>
-                </a:r>
-              </a:p>
-            </p:txBody>
-          </p:sp>
-        </p:grpSp>
-        <p:sp>
-          <p:nvSpPr>
-            <p:cNvPr id="7" name="TextBox 6"/>
-            <p:cNvSpPr txBox="1"/>
-            <p:nvPr/>
-          </p:nvSpPr>
-          <p:spPr>
-            <a:xfrm>
-              <a:off x="5350054" y="2571750"/>
-              <a:ext cx="294792" cy="684755"/>
-            </a:xfrm>
-            <a:prstGeom prst="rect">
-              <a:avLst/>
-            </a:prstGeom>
-            <a:noFill/>
-          </p:spPr>
-          <p:txBody>
-            <a:bodyPr wrap="none" rtlCol="0">
-              <a:spAutoFit/>
-            </a:bodyPr>
-            <a:lstStyle/>
-            <a:p>
-              <a:r>
-                <a:rPr lang="en-US" sz="5333" b="1" dirty="0"/>
-                <a:t>⋮</a:t>
-              </a:r>
-            </a:p>
-          </p:txBody>
-        </p:sp>
-      </p:grpSp>
-      <p:sp>
-        <p:nvSpPr>
-          <p:cNvPr id="24" name="TextBox 23"/>
-          <p:cNvSpPr txBox="1"/>
-          <p:nvPr/>
-        </p:nvSpPr>
-        <p:spPr>
-          <a:xfrm>
-            <a:off x="9956801" y="1512173"/>
-            <a:ext cx="627095" cy="666786"/>
-          </a:xfrm>
-          <a:prstGeom prst="rect">
-            <a:avLst/>
-          </a:prstGeom>
-          <a:noFill/>
-        </p:spPr>
-        <p:txBody>
-          <a:bodyPr wrap="none" rtlCol="0">
-            <a:spAutoFit/>
-          </a:bodyPr>
-          <a:lstStyle/>
-          <a:p>
-            <a:r>
-              <a:rPr lang="en-US" sz="3733" dirty="0">
-                <a:solidFill>
-                  <a:srgbClr val="FF0000"/>
-                </a:solidFill>
-              </a:rPr>
-              <a:t>??</a:t>
-            </a:r>
-          </a:p>
-        </p:txBody>
-      </p:sp>
-    </p:spTree>
-    <p:extLst>
-      <p:ext uri="{BB962C8B-B14F-4D97-AF65-F5344CB8AC3E}">
-        <p14:creationId xmlns:p14="http://schemas.microsoft.com/office/powerpoint/2010/main" val="1389318743"/>
-      </p:ext>
-    </p:extLst>
-  </p:cSld>
-  <p:clrMapOvr>
-    <a:masterClrMapping/>
-  </p:clrMapOvr>
-  <p:timing>
-    <p:tnLst>
-      <p:par>
-        <p:cTn id="1" dur="indefinite" restart="never" nodeType="tmRoot">
-          <p:childTnLst>
-            <p:seq concurrent="1" nextAc="seek">
-              <p:cTn id="2" dur="indefinite" nodeType="mainSeq">
-                <p:childTnLst>
-                  <p:par>
-                    <p:cTn id="3" fill="hold">
-                      <p:stCondLst>
-                        <p:cond delay="indefinite"/>
-                      </p:stCondLst>
-                      <p:childTnLst>
-                        <p:par>
-                          <p:cTn id="4" fill="hold">
-                            <p:stCondLst>
-                              <p:cond delay="0"/>
-                            </p:stCondLst>
-                            <p:childTnLst>
-                              <p:par>
-                                <p:cTn id="5" presetID="1" presetClass="exit" presetSubtype="0" fill="hold" nodeType="clickEffect">
-                                  <p:stCondLst>
-                                    <p:cond delay="0"/>
-                                  </p:stCondLst>
-                                  <p:childTnLst>
-                                    <p:set>
-                                      <p:cBhvr>
-                                        <p:cTn id="6" dur="1" fill="hold">
-                                          <p:stCondLst>
-                                            <p:cond delay="0"/>
-                                          </p:stCondLst>
-                                        </p:cTn>
-                                        <p:tgtEl>
-                                          <p:spTgt spid="18"/>
-                                        </p:tgtEl>
-                                        <p:attrNameLst>
-                                          <p:attrName>style.visibility</p:attrName>
-                                        </p:attrNameLst>
-                                      </p:cBhvr>
-                                      <p:to>
-                                        <p:strVal val="hidden"/>
-                                      </p:to>
-                                    </p:set>
-                                  </p:childTnLst>
-                                </p:cTn>
-                              </p:par>
-                            </p:childTnLst>
-                          </p:cTn>
-                        </p:par>
-                        <p:par>
-                          <p:cTn id="7" fill="hold">
-                            <p:stCondLst>
-                              <p:cond delay="0"/>
-                            </p:stCondLst>
-                            <p:childTnLst>
-                              <p:par>
-                                <p:cTn id="8" presetID="1" presetClass="entr" presetSubtype="0" fill="hold" nodeType="afterEffect">
-                                  <p:stCondLst>
-                                    <p:cond delay="0"/>
-                                  </p:stCondLst>
-                                  <p:childTnLst>
-                                    <p:set>
-                                      <p:cBhvr>
-                                        <p:cTn id="9" dur="1" fill="hold">
-                                          <p:stCondLst>
-                                            <p:cond delay="0"/>
-                                          </p:stCondLst>
-                                        </p:cTn>
-                                        <p:tgtEl>
-                                          <p:spTgt spid="14"/>
-                                        </p:tgtEl>
-                                        <p:attrNameLst>
-                                          <p:attrName>style.visibility</p:attrName>
-                                        </p:attrNameLst>
-                                      </p:cBhvr>
-                                      <p:to>
-                                        <p:strVal val="visible"/>
-                                      </p:to>
-                                    </p:set>
-                                  </p:childTnLst>
-                                </p:cTn>
-                              </p:par>
-                            </p:childTnLst>
-                          </p:cTn>
-                        </p:par>
-                      </p:childTnLst>
-                    </p:cTn>
-                  </p:par>
-                  <p:par>
-                    <p:cTn id="10" fill="hold">
-                      <p:stCondLst>
-                        <p:cond delay="indefinite"/>
-                      </p:stCondLst>
-                      <p:childTnLst>
-                        <p:par>
-                          <p:cTn id="11" fill="hold">
-                            <p:stCondLst>
-                              <p:cond delay="0"/>
-                            </p:stCondLst>
-                            <p:childTnLst>
-                              <p:par>
-                                <p:cTn id="12" presetID="0" presetClass="path" presetSubtype="0" accel="50000" decel="50000" fill="hold" nodeType="clickEffect">
-                                  <p:stCondLst>
-                                    <p:cond delay="0"/>
-                                  </p:stCondLst>
-                                  <p:childTnLst>
-                                    <p:animMotion origin="layout" path="M 0 5.55112E-17 L 0.38333 0.0963 " pathEditMode="relative" rAng="0" ptsTypes="AA">
-                                      <p:cBhvr>
-                                        <p:cTn id="13" dur="1000" fill="hold"/>
-                                        <p:tgtEl>
-                                          <p:spTgt spid="14"/>
-                                        </p:tgtEl>
-                                        <p:attrNameLst>
-                                          <p:attrName>ppt_x</p:attrName>
-                                          <p:attrName>ppt_y</p:attrName>
-                                        </p:attrNameLst>
-                                      </p:cBhvr>
-                                      <p:rCtr x="19167" y="4815"/>
-                                    </p:animMotion>
-                                  </p:childTnLst>
-                                </p:cTn>
-                              </p:par>
-                            </p:childTnLst>
-                          </p:cTn>
-                        </p:par>
-                      </p:childTnLst>
-                    </p:cTn>
-                  </p:par>
-                  <p:par>
-                    <p:cTn id="14" fill="hold">
-                      <p:stCondLst>
-                        <p:cond delay="indefinite"/>
-                      </p:stCondLst>
-                      <p:childTnLst>
-                        <p:par>
-                          <p:cTn id="15" fill="hold">
-                            <p:stCondLst>
-                              <p:cond delay="0"/>
-                            </p:stCondLst>
-                            <p:childTnLst>
-                              <p:par>
-                                <p:cTn id="16" presetID="1" presetClass="entr" presetSubtype="0" fill="hold" nodeType="clickEffect">
-                                  <p:stCondLst>
-                                    <p:cond delay="0"/>
-                                  </p:stCondLst>
-                                  <p:childTnLst>
-                                    <p:set>
-                                      <p:cBhvr>
-                                        <p:cTn id="17" dur="1" fill="hold">
-                                          <p:stCondLst>
-                                            <p:cond delay="0"/>
-                                          </p:stCondLst>
-                                        </p:cTn>
-                                        <p:tgtEl>
-                                          <p:spTgt spid="8"/>
-                                        </p:tgtEl>
-                                        <p:attrNameLst>
-                                          <p:attrName>style.visibility</p:attrName>
-                                        </p:attrNameLst>
-                                      </p:cBhvr>
-                                      <p:to>
-                                        <p:strVal val="visible"/>
-                                      </p:to>
-                                    </p:set>
-                                  </p:childTnLst>
-                                </p:cTn>
-                              </p:par>
-                            </p:childTnLst>
-                          </p:cTn>
-                        </p:par>
-                        <p:par>
-                          <p:cTn id="18" fill="hold">
-                            <p:stCondLst>
-                              <p:cond delay="0"/>
-                            </p:stCondLst>
-                            <p:childTnLst>
-                              <p:par>
-                                <p:cTn id="19" presetID="1" presetClass="entr" presetSubtype="0" fill="hold" grpId="0" nodeType="afterEffect">
-                                  <p:stCondLst>
-                                    <p:cond delay="0"/>
-                                  </p:stCondLst>
-                                  <p:childTnLst>
-                                    <p:set>
-                                      <p:cBhvr>
-                                        <p:cTn id="20" dur="1" fill="hold">
-                                          <p:stCondLst>
-                                            <p:cond delay="0"/>
-                                          </p:stCondLst>
-                                        </p:cTn>
-                                        <p:tgtEl>
-                                          <p:spTgt spid="24"/>
-                                        </p:tgtEl>
-                                        <p:attrNameLst>
-                                          <p:attrName>style.visibility</p:attrName>
-                                        </p:attrNameLst>
-                                      </p:cBhvr>
-                                      <p:to>
-                                        <p:strVal val="visible"/>
-                                      </p:to>
-                                    </p:set>
-                                  </p:childTnLst>
-                                </p:cTn>
-                              </p:par>
-                            </p:childTnLst>
-                          </p:cTn>
-                        </p:par>
-                      </p:childTnLst>
-                    </p:cTn>
-                  </p:par>
-                </p:childTnLst>
-              </p:cTn>
-              <p:prevCondLst>
-                <p:cond evt="onPrev" delay="0">
-                  <p:tgtEl>
-                    <p:sldTgt/>
-                  </p:tgtEl>
-                </p:cond>
-              </p:prevCondLst>
-              <p:nextCondLst>
-                <p:cond evt="onNext" delay="0">
-                  <p:tgtEl>
-                    <p:sldTgt/>
-                  </p:tgtEl>
-                </p:cond>
-              </p:nextCondLst>
-            </p:seq>
-          </p:childTnLst>
-        </p:cTn>
-      </p:par>
-    </p:tnLst>
-    <p:bldLst>
-      <p:bldP spid="24" grpId="0"/>
-    </p:bldLst>
-  </p:timing>
-</p:sld>
-</file>
-
-<file path=ppt/slides/slide29.xml><?xml version="1.0" encoding="utf-8"?>
-<p:sld xmlns:a="http://schemas.openxmlformats.org/drawingml/2006/main" xmlns:r="http://schemas.openxmlformats.org/officeDocument/2006/relationships" xmlns:p="http://schemas.openxmlformats.org/presentationml/2006/main">
-  <p:cSld>
-    <p:spTree>
-      <p:nvGrpSpPr>
-        <p:cNvPr id="1" name=""/>
-        <p:cNvGrpSpPr/>
-        <p:nvPr/>
-      </p:nvGrpSpPr>
-      <p:grpSpPr>
-        <a:xfrm>
-          <a:off x="0" y="0"/>
-          <a:ext cx="0" cy="0"/>
-          <a:chOff x="0" y="0"/>
-          <a:chExt cx="0" cy="0"/>
-        </a:xfrm>
-      </p:grpSpPr>
-      <p:sp>
-        <p:nvSpPr>
-          <p:cNvPr id="2" name="Title 1"/>
-          <p:cNvSpPr>
-            <a:spLocks noGrp="1"/>
-          </p:cNvSpPr>
-          <p:nvPr>
-            <p:ph type="title"/>
-          </p:nvPr>
-        </p:nvSpPr>
-        <p:spPr/>
-        <p:txBody>
-          <a:bodyPr>
-            <a:normAutofit/>
-          </a:bodyPr>
-          <a:lstStyle/>
-          <a:p>
-            <a:r>
-              <a:rPr lang="en-US" dirty="0"/>
-              <a:t>The need for det. Encryption   </a:t>
-            </a:r>
-            <a:r>
-              <a:rPr lang="en-US" sz="4800" dirty="0"/>
-              <a:t>(no nonce)</a:t>
-            </a:r>
-            <a:endParaRPr lang="en-US" dirty="0"/>
-          </a:p>
-        </p:txBody>
-      </p:sp>
-      <p:pic>
-        <p:nvPicPr>
-          <p:cNvPr id="9" name="Picture 8"/>
-          <p:cNvPicPr>
-            <a:picLocks noChangeAspect="1"/>
-          </p:cNvPicPr>
-          <p:nvPr/>
-        </p:nvPicPr>
-        <p:blipFill>
-          <a:blip r:embed="rId3"/>
-          <a:stretch>
-            <a:fillRect/>
-          </a:stretch>
-        </p:blipFill>
-        <p:spPr>
-          <a:xfrm>
-            <a:off x="9364133" y="2108200"/>
-            <a:ext cx="2015067" cy="2336800"/>
-          </a:xfrm>
-          <a:prstGeom prst="rect">
-            <a:avLst/>
-          </a:prstGeom>
-        </p:spPr>
-      </p:pic>
-      <p:sp>
-        <p:nvSpPr>
-          <p:cNvPr id="10" name="TextBox 9"/>
-          <p:cNvSpPr txBox="1"/>
-          <p:nvPr/>
-        </p:nvSpPr>
-        <p:spPr>
-          <a:xfrm>
-            <a:off x="9600761" y="4343401"/>
-            <a:ext cx="1591846" cy="913199"/>
-          </a:xfrm>
-          <a:prstGeom prst="rect">
-            <a:avLst/>
-          </a:prstGeom>
-          <a:noFill/>
-        </p:spPr>
-        <p:txBody>
-          <a:bodyPr wrap="none" rtlCol="0">
-            <a:spAutoFit/>
-          </a:bodyPr>
-          <a:lstStyle/>
-          <a:p>
-            <a:pPr algn="ctr"/>
-            <a:r>
-              <a:rPr lang="en-US" sz="2667" dirty="0"/>
-              <a:t>encrypted</a:t>
-            </a:r>
-          </a:p>
-          <a:p>
-            <a:pPr algn="ctr"/>
-            <a:r>
-              <a:rPr lang="en-US" sz="2667" dirty="0"/>
-              <a:t>database</a:t>
-            </a:r>
-          </a:p>
-        </p:txBody>
-      </p:sp>
-      <p:grpSp>
-        <p:nvGrpSpPr>
-          <p:cNvPr id="14" name="Group 13"/>
-          <p:cNvGrpSpPr/>
-          <p:nvPr/>
-        </p:nvGrpSpPr>
-        <p:grpSpPr>
-          <a:xfrm>
-            <a:off x="6197600" y="2429933"/>
-            <a:ext cx="3048000" cy="508000"/>
-            <a:chOff x="4724400" y="1581150"/>
-            <a:chExt cx="2286000" cy="381000"/>
-          </a:xfrm>
-          <a:pattFill prst="horzBrick">
-            <a:fgClr>
-              <a:schemeClr val="accent5">
-                <a:lumMod val="75000"/>
-              </a:schemeClr>
-            </a:fgClr>
-            <a:bgClr>
-              <a:schemeClr val="bg1">
-                <a:lumMod val="85000"/>
-              </a:schemeClr>
-            </a:bgClr>
-          </a:pattFill>
-        </p:grpSpPr>
-        <p:sp>
-          <p:nvSpPr>
-            <p:cNvPr id="12" name="Rectangle 11"/>
-            <p:cNvSpPr/>
-            <p:nvPr/>
-          </p:nvSpPr>
-          <p:spPr>
-            <a:xfrm>
-              <a:off x="4724400" y="1581150"/>
-              <a:ext cx="838200" cy="381000"/>
-            </a:xfrm>
-            <a:prstGeom prst="rect">
-              <a:avLst/>
-            </a:prstGeom>
-            <a:grpFill/>
-            <a:ln>
-              <a:solidFill>
-                <a:srgbClr val="000000"/>
-              </a:solidFill>
-            </a:ln>
-          </p:spPr>
-          <p:style>
-            <a:lnRef idx="1">
-              <a:schemeClr val="accent1"/>
-            </a:lnRef>
-            <a:fillRef idx="3">
-              <a:schemeClr val="accent1"/>
-            </a:fillRef>
-            <a:effectRef idx="2">
-              <a:schemeClr val="accent1"/>
-            </a:effectRef>
-            <a:fontRef idx="minor">
-              <a:schemeClr val="lt1"/>
-            </a:fontRef>
-          </p:style>
-          <p:txBody>
-            <a:bodyPr rtlCol="0" anchor="ctr"/>
-            <a:lstStyle/>
-            <a:p>
-              <a:r>
-                <a:rPr lang="en-US" sz="3200" dirty="0">
-                  <a:solidFill>
-                    <a:schemeClr val="tx1"/>
-                  </a:solidFill>
-                </a:rPr>
-                <a:t>Alice</a:t>
-              </a:r>
-            </a:p>
-          </p:txBody>
-        </p:sp>
-        <p:sp>
-          <p:nvSpPr>
-            <p:cNvPr id="13" name="Rectangle 12"/>
-            <p:cNvSpPr/>
-            <p:nvPr/>
-          </p:nvSpPr>
-          <p:spPr>
-            <a:xfrm>
-              <a:off x="5562600" y="1581150"/>
-              <a:ext cx="1447800" cy="381000"/>
-            </a:xfrm>
-            <a:prstGeom prst="rect">
-              <a:avLst/>
-            </a:prstGeom>
-            <a:grpFill/>
-            <a:ln>
-              <a:solidFill>
-                <a:srgbClr val="000000"/>
-              </a:solidFill>
-            </a:ln>
-          </p:spPr>
-          <p:style>
-            <a:lnRef idx="1">
-              <a:schemeClr val="accent1"/>
-            </a:lnRef>
-            <a:fillRef idx="3">
-              <a:schemeClr val="accent1"/>
-            </a:fillRef>
-            <a:effectRef idx="2">
-              <a:schemeClr val="accent1"/>
-            </a:effectRef>
-            <a:fontRef idx="minor">
-              <a:schemeClr val="lt1"/>
-            </a:fontRef>
-          </p:style>
-          <p:txBody>
-            <a:bodyPr rtlCol="0" anchor="ctr"/>
-            <a:lstStyle/>
-            <a:p>
-              <a:pPr algn="ctr"/>
-              <a:r>
-                <a:rPr lang="en-US" sz="3200" dirty="0">
-                  <a:solidFill>
-                    <a:schemeClr val="tx1"/>
-                  </a:solidFill>
-                </a:rPr>
-                <a:t>data</a:t>
-              </a:r>
-            </a:p>
-          </p:txBody>
-        </p:sp>
-      </p:grpSp>
-      <p:pic>
-        <p:nvPicPr>
-          <p:cNvPr id="4" name="Picture 3"/>
-          <p:cNvPicPr>
-            <a:picLocks noChangeAspect="1"/>
-          </p:cNvPicPr>
-          <p:nvPr/>
-        </p:nvPicPr>
-        <p:blipFill>
-          <a:blip r:embed="rId4"/>
-          <a:stretch>
-            <a:fillRect/>
-          </a:stretch>
-        </p:blipFill>
-        <p:spPr>
-          <a:xfrm>
-            <a:off x="609601" y="1600200"/>
-            <a:ext cx="836033" cy="1092200"/>
-          </a:xfrm>
-          <a:prstGeom prst="rect">
-            <a:avLst/>
-          </a:prstGeom>
-        </p:spPr>
-      </p:pic>
-      <p:sp>
-        <p:nvSpPr>
-          <p:cNvPr id="5" name="TextBox 4"/>
-          <p:cNvSpPr txBox="1"/>
-          <p:nvPr/>
-        </p:nvSpPr>
-        <p:spPr>
-          <a:xfrm>
-            <a:off x="304800" y="2819401"/>
-            <a:ext cx="1056700" cy="584775"/>
-          </a:xfrm>
-          <a:prstGeom prst="rect">
-            <a:avLst/>
-          </a:prstGeom>
-          <a:noFill/>
-        </p:spPr>
-        <p:txBody>
-          <a:bodyPr wrap="none" rtlCol="0">
-            <a:spAutoFit/>
-          </a:bodyPr>
-          <a:lstStyle/>
-          <a:p>
-            <a:r>
-              <a:rPr lang="en-US" sz="3200" b="1" dirty="0">
-                <a:solidFill>
-                  <a:srgbClr val="FF0000"/>
-                </a:solidFill>
-              </a:rPr>
-              <a:t>k</a:t>
-            </a:r>
-            <a:r>
-              <a:rPr lang="en-US" sz="3200" b="1" baseline="-25000" dirty="0">
-                <a:solidFill>
-                  <a:srgbClr val="FF0000"/>
-                </a:solidFill>
-              </a:rPr>
-              <a:t>1</a:t>
-            </a:r>
-            <a:r>
-              <a:rPr lang="en-US" sz="3200" b="1" dirty="0">
-                <a:solidFill>
-                  <a:srgbClr val="FF0000"/>
-                </a:solidFill>
-              </a:rPr>
-              <a:t>, k</a:t>
-            </a:r>
-            <a:r>
-              <a:rPr lang="en-US" sz="3200" b="1" baseline="-25000" dirty="0">
-                <a:solidFill>
-                  <a:srgbClr val="FF0000"/>
-                </a:solidFill>
-              </a:rPr>
-              <a:t>2</a:t>
-            </a:r>
-          </a:p>
-        </p:txBody>
-      </p:sp>
-      <p:grpSp>
-        <p:nvGrpSpPr>
-          <p:cNvPr id="8" name="Group 7"/>
-          <p:cNvGrpSpPr/>
-          <p:nvPr/>
-        </p:nvGrpSpPr>
-        <p:grpSpPr>
-          <a:xfrm>
-            <a:off x="6197600" y="3022601"/>
-            <a:ext cx="3048000" cy="1319407"/>
-            <a:chOff x="4648200" y="2266950"/>
-            <a:chExt cx="2286000" cy="989555"/>
-          </a:xfrm>
-        </p:grpSpPr>
-        <p:grpSp>
-          <p:nvGrpSpPr>
-            <p:cNvPr id="21" name="Group 20"/>
-            <p:cNvGrpSpPr/>
-            <p:nvPr/>
-          </p:nvGrpSpPr>
-          <p:grpSpPr>
-            <a:xfrm>
-              <a:off x="4648200" y="2266950"/>
-              <a:ext cx="2286000" cy="381000"/>
-              <a:chOff x="4724400" y="1581150"/>
-              <a:chExt cx="2286000" cy="381000"/>
-            </a:xfrm>
-            <a:pattFill prst="horzBrick">
-              <a:fgClr>
-                <a:schemeClr val="accent5">
-                  <a:lumMod val="75000"/>
-                </a:schemeClr>
-              </a:fgClr>
-              <a:bgClr>
-                <a:schemeClr val="bg1">
-                  <a:lumMod val="85000"/>
-                </a:schemeClr>
-              </a:bgClr>
-            </a:pattFill>
-          </p:grpSpPr>
-          <p:sp>
-            <p:nvSpPr>
-              <p:cNvPr id="22" name="Rectangle 21"/>
-              <p:cNvSpPr/>
-              <p:nvPr/>
-            </p:nvSpPr>
-            <p:spPr>
-              <a:xfrm>
-                <a:off x="4724400" y="1581150"/>
-                <a:ext cx="838200" cy="381000"/>
-              </a:xfrm>
-              <a:prstGeom prst="rect">
-                <a:avLst/>
-              </a:prstGeom>
-              <a:grpFill/>
-              <a:ln>
-                <a:solidFill>
-                  <a:srgbClr val="000000"/>
-                </a:solidFill>
-              </a:ln>
-            </p:spPr>
-            <p:style>
-              <a:lnRef idx="1">
-                <a:schemeClr val="accent1"/>
-              </a:lnRef>
-              <a:fillRef idx="3">
-                <a:schemeClr val="accent1"/>
-              </a:fillRef>
-              <a:effectRef idx="2">
-                <a:schemeClr val="accent1"/>
-              </a:effectRef>
-              <a:fontRef idx="minor">
-                <a:schemeClr val="lt1"/>
-              </a:fontRef>
-            </p:style>
-            <p:txBody>
-              <a:bodyPr rtlCol="0" anchor="ctr"/>
-              <a:lstStyle/>
-              <a:p>
-                <a:r>
-                  <a:rPr lang="en-US" sz="3200" dirty="0">
-                    <a:solidFill>
-                      <a:schemeClr val="tx1"/>
-                    </a:solidFill>
-                  </a:rPr>
-                  <a:t>Bob</a:t>
-                </a:r>
-              </a:p>
-            </p:txBody>
-          </p:sp>
-          <p:sp>
-            <p:nvSpPr>
-              <p:cNvPr id="23" name="Rectangle 22"/>
-              <p:cNvSpPr/>
-              <p:nvPr/>
-            </p:nvSpPr>
-            <p:spPr>
-              <a:xfrm>
-                <a:off x="5562600" y="1581150"/>
-                <a:ext cx="1447800" cy="381000"/>
-              </a:xfrm>
-              <a:prstGeom prst="rect">
-                <a:avLst/>
-              </a:prstGeom>
-              <a:grpFill/>
-              <a:ln>
-                <a:solidFill>
-                  <a:srgbClr val="000000"/>
-                </a:solidFill>
-              </a:ln>
-            </p:spPr>
-            <p:style>
-              <a:lnRef idx="1">
-                <a:schemeClr val="accent1"/>
-              </a:lnRef>
-              <a:fillRef idx="3">
-                <a:schemeClr val="accent1"/>
-              </a:fillRef>
-              <a:effectRef idx="2">
-                <a:schemeClr val="accent1"/>
-              </a:effectRef>
-              <a:fontRef idx="minor">
-                <a:schemeClr val="lt1"/>
-              </a:fontRef>
-            </p:style>
-            <p:txBody>
-              <a:bodyPr rtlCol="0" anchor="ctr"/>
-              <a:lstStyle/>
-              <a:p>
-                <a:pPr algn="ctr"/>
-                <a:r>
-                  <a:rPr lang="en-US" sz="3200" dirty="0">
-                    <a:solidFill>
-                      <a:schemeClr val="tx1"/>
-                    </a:solidFill>
-                  </a:rPr>
-                  <a:t>data</a:t>
-                </a:r>
-              </a:p>
-            </p:txBody>
-          </p:sp>
-        </p:grpSp>
-        <p:sp>
-          <p:nvSpPr>
-            <p:cNvPr id="7" name="TextBox 6"/>
-            <p:cNvSpPr txBox="1"/>
-            <p:nvPr/>
-          </p:nvSpPr>
-          <p:spPr>
-            <a:xfrm>
-              <a:off x="5350054" y="2571750"/>
-              <a:ext cx="294792" cy="684755"/>
-            </a:xfrm>
-            <a:prstGeom prst="rect">
-              <a:avLst/>
-            </a:prstGeom>
-            <a:noFill/>
-          </p:spPr>
-          <p:txBody>
-            <a:bodyPr wrap="none" rtlCol="0">
-              <a:spAutoFit/>
-            </a:bodyPr>
-            <a:lstStyle/>
-            <a:p>
-              <a:r>
-                <a:rPr lang="en-US" sz="5333" b="1" dirty="0"/>
-                <a:t>⋮</a:t>
-              </a:r>
-            </a:p>
-          </p:txBody>
-        </p:sp>
-      </p:grpSp>
-      <p:sp>
-        <p:nvSpPr>
-          <p:cNvPr id="24" name="TextBox 23"/>
-          <p:cNvSpPr txBox="1"/>
-          <p:nvPr/>
-        </p:nvSpPr>
-        <p:spPr>
-          <a:xfrm>
-            <a:off x="9956801" y="1512173"/>
-            <a:ext cx="627095" cy="666786"/>
-          </a:xfrm>
-          <a:prstGeom prst="rect">
-            <a:avLst/>
-          </a:prstGeom>
-          <a:noFill/>
-        </p:spPr>
-        <p:txBody>
-          <a:bodyPr wrap="none" rtlCol="0">
-            <a:spAutoFit/>
-          </a:bodyPr>
-          <a:lstStyle/>
-          <a:p>
-            <a:r>
-              <a:rPr lang="en-US" sz="3733" dirty="0">
-                <a:solidFill>
-                  <a:srgbClr val="FF0000"/>
-                </a:solidFill>
-              </a:rPr>
-              <a:t>??</a:t>
-            </a:r>
-          </a:p>
-        </p:txBody>
-      </p:sp>
-      <p:grpSp>
-        <p:nvGrpSpPr>
-          <p:cNvPr id="36" name="Group 35"/>
-          <p:cNvGrpSpPr/>
-          <p:nvPr/>
-        </p:nvGrpSpPr>
-        <p:grpSpPr>
-          <a:xfrm>
-            <a:off x="406400" y="4140200"/>
-            <a:ext cx="1141466" cy="2032000"/>
-            <a:chOff x="304800" y="3105150"/>
-            <a:chExt cx="856099" cy="1524000"/>
-          </a:xfrm>
-        </p:grpSpPr>
-        <p:sp>
-          <p:nvSpPr>
-            <p:cNvPr id="25" name="TextBox 24"/>
-            <p:cNvSpPr txBox="1"/>
-            <p:nvPr/>
-          </p:nvSpPr>
-          <p:spPr>
-            <a:xfrm>
-              <a:off x="304800" y="3105150"/>
-              <a:ext cx="856099" cy="438581"/>
-            </a:xfrm>
-            <a:prstGeom prst="rect">
-              <a:avLst/>
-            </a:prstGeom>
-            <a:noFill/>
-          </p:spPr>
-          <p:txBody>
-            <a:bodyPr wrap="none" rtlCol="0">
-              <a:spAutoFit/>
-            </a:bodyPr>
-            <a:lstStyle/>
-            <a:p>
-              <a:r>
-                <a:rPr lang="en-US" sz="3200" dirty="0"/>
-                <a:t>Later:</a:t>
-              </a:r>
-            </a:p>
-          </p:txBody>
-        </p:sp>
-        <p:pic>
-          <p:nvPicPr>
-            <p:cNvPr id="26" name="Picture 25"/>
-            <p:cNvPicPr>
-              <a:picLocks noChangeAspect="1"/>
-            </p:cNvPicPr>
-            <p:nvPr/>
-          </p:nvPicPr>
-          <p:blipFill>
-            <a:blip r:embed="rId4"/>
-            <a:stretch>
-              <a:fillRect/>
-            </a:stretch>
-          </p:blipFill>
-          <p:spPr>
-            <a:xfrm>
-              <a:off x="439775" y="3810000"/>
-              <a:ext cx="627025" cy="819150"/>
-            </a:xfrm>
-            <a:prstGeom prst="rect">
-              <a:avLst/>
-            </a:prstGeom>
-          </p:spPr>
-        </p:pic>
-      </p:grpSp>
-      <p:grpSp>
-        <p:nvGrpSpPr>
-          <p:cNvPr id="34" name="Group 33"/>
-          <p:cNvGrpSpPr/>
-          <p:nvPr/>
-        </p:nvGrpSpPr>
-        <p:grpSpPr>
-          <a:xfrm>
-            <a:off x="1625600" y="4038600"/>
-            <a:ext cx="4876800" cy="1219200"/>
-            <a:chOff x="1219200" y="3028950"/>
-            <a:chExt cx="3657600" cy="914400"/>
-          </a:xfrm>
-        </p:grpSpPr>
-        <p:cxnSp>
-          <p:nvCxnSpPr>
-            <p:cNvPr id="28" name="Straight Arrow Connector 27"/>
-            <p:cNvCxnSpPr/>
-            <p:nvPr/>
-          </p:nvCxnSpPr>
-          <p:spPr>
-            <a:xfrm flipV="1">
-              <a:off x="1219200" y="3028950"/>
-              <a:ext cx="3657600" cy="914400"/>
-            </a:xfrm>
-            <a:prstGeom prst="straightConnector1">
-              <a:avLst/>
-            </a:prstGeom>
-            <a:ln>
-              <a:tailEnd type="arrow"/>
-            </a:ln>
-          </p:spPr>
-          <p:style>
-            <a:lnRef idx="2">
-              <a:schemeClr val="accent1"/>
-            </a:lnRef>
-            <a:fillRef idx="0">
-              <a:schemeClr val="accent1"/>
-            </a:fillRef>
-            <a:effectRef idx="1">
-              <a:schemeClr val="accent1"/>
-            </a:effectRef>
-            <a:fontRef idx="minor">
-              <a:schemeClr val="tx1"/>
-            </a:fontRef>
-          </p:style>
-        </p:cxnSp>
-        <p:sp>
-          <p:nvSpPr>
-            <p:cNvPr id="29" name="TextBox 28"/>
-            <p:cNvSpPr txBox="1"/>
-            <p:nvPr/>
-          </p:nvSpPr>
-          <p:spPr>
-            <a:xfrm rot="20738807">
-              <a:off x="1474565" y="3130835"/>
-              <a:ext cx="3183083" cy="377075"/>
-            </a:xfrm>
-            <a:prstGeom prst="rect">
-              <a:avLst/>
-            </a:prstGeom>
-            <a:noFill/>
-          </p:spPr>
-          <p:txBody>
-            <a:bodyPr wrap="none" rtlCol="0">
-              <a:spAutoFit/>
-            </a:bodyPr>
-            <a:lstStyle/>
-            <a:p>
-              <a:r>
-                <a:rPr lang="en-US" sz="2667" dirty="0"/>
-                <a:t>Retrieve record  </a:t>
-              </a:r>
-              <a:r>
-                <a:rPr lang="en-US" sz="2667" b="1" dirty="0">
-                  <a:solidFill>
-                    <a:srgbClr val="FF0000"/>
-                  </a:solidFill>
-                </a:rPr>
-                <a:t>E(k</a:t>
-              </a:r>
-              <a:r>
-                <a:rPr lang="en-US" sz="2667" b="1" baseline="-25000" dirty="0">
-                  <a:solidFill>
-                    <a:srgbClr val="FF0000"/>
-                  </a:solidFill>
-                </a:rPr>
-                <a:t>1</a:t>
-              </a:r>
-              <a:r>
-                <a:rPr lang="en-US" sz="2667" b="1" dirty="0">
-                  <a:solidFill>
-                    <a:srgbClr val="FF0000"/>
-                  </a:solidFill>
-                </a:rPr>
-                <a:t>, “Alice”)</a:t>
-              </a:r>
-            </a:p>
-          </p:txBody>
-        </p:sp>
-      </p:grpSp>
-      <p:grpSp>
-        <p:nvGrpSpPr>
-          <p:cNvPr id="35" name="Group 34"/>
-          <p:cNvGrpSpPr/>
-          <p:nvPr/>
-        </p:nvGrpSpPr>
-        <p:grpSpPr>
-          <a:xfrm>
-            <a:off x="1828800" y="4445000"/>
-            <a:ext cx="4876800" cy="1219200"/>
-            <a:chOff x="1371600" y="3333750"/>
-            <a:chExt cx="3657600" cy="914400"/>
-          </a:xfrm>
-        </p:grpSpPr>
-        <p:cxnSp>
-          <p:nvCxnSpPr>
-            <p:cNvPr id="30" name="Straight Arrow Connector 29"/>
-            <p:cNvCxnSpPr/>
-            <p:nvPr/>
-          </p:nvCxnSpPr>
-          <p:spPr>
-            <a:xfrm flipH="1">
-              <a:off x="1371600" y="3333750"/>
-              <a:ext cx="3657600" cy="914400"/>
-            </a:xfrm>
-            <a:prstGeom prst="straightConnector1">
-              <a:avLst/>
-            </a:prstGeom>
-            <a:ln>
-              <a:tailEnd type="arrow"/>
-            </a:ln>
-          </p:spPr>
-          <p:style>
-            <a:lnRef idx="2">
-              <a:schemeClr val="accent1"/>
-            </a:lnRef>
-            <a:fillRef idx="0">
-              <a:schemeClr val="accent1"/>
-            </a:fillRef>
-            <a:effectRef idx="1">
-              <a:schemeClr val="accent1"/>
-            </a:effectRef>
-            <a:fontRef idx="minor">
-              <a:schemeClr val="tx1"/>
-            </a:fontRef>
-          </p:style>
-        </p:cxnSp>
-        <p:grpSp>
-          <p:nvGrpSpPr>
-            <p:cNvPr id="31" name="Group 30"/>
-            <p:cNvGrpSpPr/>
-            <p:nvPr/>
-          </p:nvGrpSpPr>
-          <p:grpSpPr>
-            <a:xfrm rot="20809704">
-              <a:off x="2224208" y="3857798"/>
-              <a:ext cx="2286000" cy="381000"/>
-              <a:chOff x="4724400" y="1581150"/>
-              <a:chExt cx="2286000" cy="381000"/>
-            </a:xfrm>
-            <a:pattFill prst="horzBrick">
-              <a:fgClr>
-                <a:schemeClr val="accent5">
-                  <a:lumMod val="75000"/>
-                </a:schemeClr>
-              </a:fgClr>
-              <a:bgClr>
-                <a:schemeClr val="bg1">
-                  <a:lumMod val="85000"/>
-                </a:schemeClr>
-              </a:bgClr>
-            </a:pattFill>
-          </p:grpSpPr>
-          <p:sp>
-            <p:nvSpPr>
-              <p:cNvPr id="32" name="Rectangle 31"/>
-              <p:cNvSpPr/>
-              <p:nvPr/>
-            </p:nvSpPr>
-            <p:spPr>
-              <a:xfrm>
-                <a:off x="4724400" y="1581150"/>
-                <a:ext cx="838200" cy="381000"/>
-              </a:xfrm>
-              <a:prstGeom prst="rect">
-                <a:avLst/>
-              </a:prstGeom>
-              <a:grpFill/>
-              <a:ln>
-                <a:solidFill>
-                  <a:srgbClr val="000000"/>
-                </a:solidFill>
-              </a:ln>
-            </p:spPr>
-            <p:style>
-              <a:lnRef idx="1">
-                <a:schemeClr val="accent1"/>
-              </a:lnRef>
-              <a:fillRef idx="3">
-                <a:schemeClr val="accent1"/>
-              </a:fillRef>
-              <a:effectRef idx="2">
-                <a:schemeClr val="accent1"/>
-              </a:effectRef>
-              <a:fontRef idx="minor">
-                <a:schemeClr val="lt1"/>
-              </a:fontRef>
-            </p:style>
-            <p:txBody>
-              <a:bodyPr rtlCol="0" anchor="ctr"/>
-              <a:lstStyle/>
-              <a:p>
-                <a:r>
-                  <a:rPr lang="en-US" sz="3200" dirty="0">
-                    <a:solidFill>
-                      <a:schemeClr val="tx1"/>
-                    </a:solidFill>
-                  </a:rPr>
-                  <a:t>Alice</a:t>
-                </a:r>
-              </a:p>
-            </p:txBody>
-          </p:sp>
-          <p:sp>
-            <p:nvSpPr>
-              <p:cNvPr id="33" name="Rectangle 32"/>
-              <p:cNvSpPr/>
-              <p:nvPr/>
-            </p:nvSpPr>
-            <p:spPr>
-              <a:xfrm>
-                <a:off x="5562600" y="1581150"/>
-                <a:ext cx="1447800" cy="381000"/>
-              </a:xfrm>
-              <a:prstGeom prst="rect">
-                <a:avLst/>
-              </a:prstGeom>
-              <a:grpFill/>
-              <a:ln>
-                <a:solidFill>
-                  <a:srgbClr val="000000"/>
-                </a:solidFill>
-              </a:ln>
-            </p:spPr>
-            <p:style>
-              <a:lnRef idx="1">
-                <a:schemeClr val="accent1"/>
-              </a:lnRef>
-              <a:fillRef idx="3">
-                <a:schemeClr val="accent1"/>
-              </a:fillRef>
-              <a:effectRef idx="2">
-                <a:schemeClr val="accent1"/>
-              </a:effectRef>
-              <a:fontRef idx="minor">
-                <a:schemeClr val="lt1"/>
-              </a:fontRef>
-            </p:style>
-            <p:txBody>
-              <a:bodyPr rtlCol="0" anchor="ctr"/>
-              <a:lstStyle/>
-              <a:p>
-                <a:pPr algn="ctr"/>
-                <a:r>
-                  <a:rPr lang="en-US" sz="3200" dirty="0">
-                    <a:solidFill>
-                      <a:schemeClr val="tx1"/>
-                    </a:solidFill>
-                  </a:rPr>
-                  <a:t>data</a:t>
-                </a:r>
-              </a:p>
-            </p:txBody>
-          </p:sp>
-        </p:grpSp>
-      </p:grpSp>
-      <p:sp>
-        <p:nvSpPr>
-          <p:cNvPr id="37" name="TextBox 36"/>
-          <p:cNvSpPr txBox="1"/>
-          <p:nvPr/>
-        </p:nvSpPr>
-        <p:spPr>
-          <a:xfrm>
-            <a:off x="6197601" y="5765801"/>
-            <a:ext cx="5114349" cy="584775"/>
-          </a:xfrm>
-          <a:prstGeom prst="rect">
-            <a:avLst/>
-          </a:prstGeom>
-          <a:noFill/>
-          <a:ln>
-            <a:solidFill>
-              <a:srgbClr val="00CC00"/>
-            </a:solidFill>
-          </a:ln>
-        </p:spPr>
-        <p:txBody>
-          <a:bodyPr wrap="none" rtlCol="0">
-            <a:spAutoFit/>
-          </a:bodyPr>
-          <a:lstStyle/>
-          <a:p>
-            <a:r>
-              <a:rPr lang="en-US" sz="3200" dirty="0"/>
-              <a:t>det. enc. enables later lookup</a:t>
-            </a:r>
-          </a:p>
-        </p:txBody>
-      </p:sp>
-      <p:cxnSp>
-        <p:nvCxnSpPr>
-          <p:cNvPr id="6" name="Straight Connector 5"/>
-          <p:cNvCxnSpPr/>
-          <p:nvPr/>
-        </p:nvCxnSpPr>
-        <p:spPr>
-          <a:xfrm>
-            <a:off x="406400" y="4140200"/>
-            <a:ext cx="1320800" cy="0"/>
-          </a:xfrm>
-          <a:prstGeom prst="line">
-            <a:avLst/>
-          </a:prstGeom>
-          <a:ln w="38100"/>
-        </p:spPr>
-        <p:style>
-          <a:lnRef idx="1">
-            <a:schemeClr val="accent1"/>
-          </a:lnRef>
-          <a:fillRef idx="0">
-            <a:schemeClr val="accent1"/>
-          </a:fillRef>
-          <a:effectRef idx="0">
-            <a:schemeClr val="accent1"/>
-          </a:effectRef>
-          <a:fontRef idx="minor">
-            <a:schemeClr val="tx1"/>
-          </a:fontRef>
-        </p:style>
-      </p:cxnSp>
-    </p:spTree>
-    <p:extLst>
-      <p:ext uri="{BB962C8B-B14F-4D97-AF65-F5344CB8AC3E}">
-        <p14:creationId xmlns:p14="http://schemas.microsoft.com/office/powerpoint/2010/main" val="2499244940"/>
-      </p:ext>
-    </p:extLst>
-  </p:cSld>
-  <p:clrMapOvr>
-    <a:masterClrMapping/>
-  </p:clrMapOvr>
-  <p:timing>
-    <p:tnLst>
-      <p:par>
-        <p:cTn id="1" dur="indefinite" restart="never" nodeType="tmRoot">
-          <p:childTnLst>
-            <p:seq concurrent="1" nextAc="seek">
-              <p:cTn id="2" dur="indefinite" nodeType="mainSeq">
-                <p:childTnLst>
-                  <p:par>
-                    <p:cTn id="3" fill="hold">
-                      <p:stCondLst>
-                        <p:cond delay="indefinite"/>
-                      </p:stCondLst>
-                      <p:childTnLst>
-                        <p:par>
-                          <p:cTn id="4" fill="hold">
-                            <p:stCondLst>
-                              <p:cond delay="0"/>
-                            </p:stCondLst>
-                            <p:childTnLst>
-                              <p:par>
-                                <p:cTn id="5" presetID="1" presetClass="entr" presetSubtype="0" fill="hold" nodeType="clickEffect">
-                                  <p:stCondLst>
-                                    <p:cond delay="0"/>
-                                  </p:stCondLst>
-                                  <p:childTnLst>
-                                    <p:set>
-                                      <p:cBhvr>
-                                        <p:cTn id="6" dur="1" fill="hold">
-                                          <p:stCondLst>
-                                            <p:cond delay="0"/>
-                                          </p:stCondLst>
-                                        </p:cTn>
-                                        <p:tgtEl>
-                                          <p:spTgt spid="34"/>
-                                        </p:tgtEl>
-                                        <p:attrNameLst>
-                                          <p:attrName>style.visibility</p:attrName>
-                                        </p:attrNameLst>
-                                      </p:cBhvr>
-                                      <p:to>
-                                        <p:strVal val="visible"/>
-                                      </p:to>
-                                    </p:set>
-                                  </p:childTnLst>
-                                </p:cTn>
-                              </p:par>
-                            </p:childTnLst>
-                          </p:cTn>
-                        </p:par>
-                      </p:childTnLst>
-                    </p:cTn>
-                  </p:par>
-                  <p:par>
-                    <p:cTn id="7" fill="hold">
-                      <p:stCondLst>
-                        <p:cond delay="indefinite"/>
-                      </p:stCondLst>
-                      <p:childTnLst>
-                        <p:par>
-                          <p:cTn id="8" fill="hold">
-                            <p:stCondLst>
-                              <p:cond delay="0"/>
-                            </p:stCondLst>
-                            <p:childTnLst>
-                              <p:par>
-                                <p:cTn id="9" presetID="1" presetClass="entr" presetSubtype="0" fill="hold" nodeType="clickEffect">
-                                  <p:stCondLst>
-                                    <p:cond delay="0"/>
-                                  </p:stCondLst>
-                                  <p:childTnLst>
-                                    <p:set>
-                                      <p:cBhvr>
-                                        <p:cTn id="10" dur="1" fill="hold">
-                                          <p:stCondLst>
-                                            <p:cond delay="0"/>
-                                          </p:stCondLst>
-                                        </p:cTn>
-                                        <p:tgtEl>
-                                          <p:spTgt spid="35"/>
-                                        </p:tgtEl>
-                                        <p:attrNameLst>
-                                          <p:attrName>style.visibility</p:attrName>
-                                        </p:attrNameLst>
-                                      </p:cBhvr>
-                                      <p:to>
-                                        <p:strVal val="visible"/>
-                                      </p:to>
-                                    </p:set>
-                                  </p:childTnLst>
-                                </p:cTn>
-                              </p:par>
-                            </p:childTnLst>
-                          </p:cTn>
-                        </p:par>
-                      </p:childTnLst>
-                    </p:cTn>
-                  </p:par>
-                  <p:par>
-                    <p:cTn id="11" fill="hold">
-                      <p:stCondLst>
-                        <p:cond delay="indefinite"/>
-                      </p:stCondLst>
-                      <p:childTnLst>
-                        <p:par>
-                          <p:cTn id="12" fill="hold">
-                            <p:stCondLst>
-                              <p:cond delay="0"/>
-                            </p:stCondLst>
-                            <p:childTnLst>
-                              <p:par>
-                                <p:cTn id="13" presetID="1" presetClass="entr" presetSubtype="0" fill="hold" grpId="0" nodeType="clickEffect">
-                                  <p:stCondLst>
-                                    <p:cond delay="0"/>
-                                  </p:stCondLst>
-                                  <p:childTnLst>
-                                    <p:set>
-                                      <p:cBhvr>
-                                        <p:cTn id="14" dur="1" fill="hold">
-                                          <p:stCondLst>
-                                            <p:cond delay="0"/>
-                                          </p:stCondLst>
-                                        </p:cTn>
-                                        <p:tgtEl>
-                                          <p:spTgt spid="37"/>
-                                        </p:tgtEl>
-                                        <p:attrNameLst>
-                                          <p:attrName>style.visibility</p:attrName>
-                                        </p:attrNameLst>
-                                      </p:cBhvr>
-                                      <p:to>
-                                        <p:strVal val="visible"/>
-                                      </p:to>
-                                    </p:set>
-                                  </p:childTnLst>
-                                </p:cTn>
-                              </p:par>
-                            </p:childTnLst>
-                          </p:cTn>
-                        </p:par>
-                      </p:childTnLst>
-                    </p:cTn>
-                  </p:par>
-                </p:childTnLst>
-              </p:cTn>
-              <p:prevCondLst>
-                <p:cond evt="onPrev" delay="0">
-                  <p:tgtEl>
-                    <p:sldTgt/>
-                  </p:tgtEl>
-                </p:cond>
-              </p:prevCondLst>
-              <p:nextCondLst>
-                <p:cond evt="onNext" delay="0">
-                  <p:tgtEl>
-                    <p:sldTgt/>
-                  </p:tgtEl>
-                </p:cond>
-              </p:nextCondLst>
-            </p:seq>
-          </p:childTnLst>
-        </p:cTn>
-      </p:par>
-    </p:tnLst>
-    <p:bldLst>
-      <p:bldP spid="37" grpId="0" animBg="1"/>
-    </p:bldLst>
   </p:timing>
 </p:sld>
 </file>
@@ -26766,6 +25063,2008 @@
       </p:grpSpPr>
       <p:sp>
         <p:nvSpPr>
+          <p:cNvPr id="2" name="Title 1"/>
+          <p:cNvSpPr>
+            <a:spLocks noGrp="1"/>
+          </p:cNvSpPr>
+          <p:nvPr>
+            <p:ph type="title"/>
+          </p:nvPr>
+        </p:nvSpPr>
+        <p:spPr/>
+        <p:txBody>
+          <a:bodyPr>
+            <a:normAutofit/>
+          </a:bodyPr>
+          <a:lstStyle/>
+          <a:p>
+            <a:r>
+              <a:rPr lang="en-US" dirty="0" smtClean="0"/>
+              <a:t>The need for det. Encryption   </a:t>
+            </a:r>
+            <a:r>
+              <a:rPr lang="en-US" sz="4800" dirty="0"/>
+              <a:t>(no nonce)</a:t>
+            </a:r>
+            <a:endParaRPr lang="en-US" dirty="0"/>
+          </a:p>
+        </p:txBody>
+      </p:sp>
+      <p:pic>
+        <p:nvPicPr>
+          <p:cNvPr id="9" name="Picture 8"/>
+          <p:cNvPicPr>
+            <a:picLocks noChangeAspect="1"/>
+          </p:cNvPicPr>
+          <p:nvPr/>
+        </p:nvPicPr>
+        <p:blipFill>
+          <a:blip r:embed="rId3"/>
+          <a:stretch>
+            <a:fillRect/>
+          </a:stretch>
+        </p:blipFill>
+        <p:spPr>
+          <a:xfrm>
+            <a:off x="9364133" y="2108200"/>
+            <a:ext cx="2015067" cy="2336800"/>
+          </a:xfrm>
+          <a:prstGeom prst="rect">
+            <a:avLst/>
+          </a:prstGeom>
+        </p:spPr>
+      </p:pic>
+      <p:sp>
+        <p:nvSpPr>
+          <p:cNvPr id="10" name="TextBox 9"/>
+          <p:cNvSpPr txBox="1"/>
+          <p:nvPr/>
+        </p:nvSpPr>
+        <p:spPr>
+          <a:xfrm>
+            <a:off x="9600761" y="4343401"/>
+            <a:ext cx="1591846" cy="913199"/>
+          </a:xfrm>
+          <a:prstGeom prst="rect">
+            <a:avLst/>
+          </a:prstGeom>
+          <a:noFill/>
+        </p:spPr>
+        <p:txBody>
+          <a:bodyPr wrap="none" rtlCol="0">
+            <a:spAutoFit/>
+          </a:bodyPr>
+          <a:lstStyle/>
+          <a:p>
+            <a:pPr algn="ctr"/>
+            <a:r>
+              <a:rPr lang="en-US" sz="2667" dirty="0"/>
+              <a:t>encrypted</a:t>
+            </a:r>
+          </a:p>
+          <a:p>
+            <a:pPr algn="ctr"/>
+            <a:r>
+              <a:rPr lang="en-US" sz="2667" dirty="0"/>
+              <a:t>database</a:t>
+            </a:r>
+          </a:p>
+        </p:txBody>
+      </p:sp>
+      <p:grpSp>
+        <p:nvGrpSpPr>
+          <p:cNvPr id="14" name="Group 13"/>
+          <p:cNvGrpSpPr/>
+          <p:nvPr/>
+        </p:nvGrpSpPr>
+        <p:grpSpPr>
+          <a:xfrm>
+            <a:off x="1524000" y="1803400"/>
+            <a:ext cx="3048000" cy="508000"/>
+            <a:chOff x="4724400" y="1581150"/>
+            <a:chExt cx="2286000" cy="381000"/>
+          </a:xfrm>
+          <a:pattFill prst="horzBrick">
+            <a:fgClr>
+              <a:schemeClr val="accent5">
+                <a:lumMod val="75000"/>
+              </a:schemeClr>
+            </a:fgClr>
+            <a:bgClr>
+              <a:schemeClr val="bg1">
+                <a:lumMod val="85000"/>
+              </a:schemeClr>
+            </a:bgClr>
+          </a:pattFill>
+        </p:grpSpPr>
+        <p:sp>
+          <p:nvSpPr>
+            <p:cNvPr id="12" name="Rectangle 11"/>
+            <p:cNvSpPr/>
+            <p:nvPr/>
+          </p:nvSpPr>
+          <p:spPr>
+            <a:xfrm>
+              <a:off x="4724400" y="1581150"/>
+              <a:ext cx="838200" cy="381000"/>
+            </a:xfrm>
+            <a:prstGeom prst="rect">
+              <a:avLst/>
+            </a:prstGeom>
+            <a:grpFill/>
+            <a:ln>
+              <a:solidFill>
+                <a:srgbClr val="000000"/>
+              </a:solidFill>
+            </a:ln>
+          </p:spPr>
+          <p:style>
+            <a:lnRef idx="1">
+              <a:schemeClr val="accent1"/>
+            </a:lnRef>
+            <a:fillRef idx="3">
+              <a:schemeClr val="accent1"/>
+            </a:fillRef>
+            <a:effectRef idx="2">
+              <a:schemeClr val="accent1"/>
+            </a:effectRef>
+            <a:fontRef idx="minor">
+              <a:schemeClr val="lt1"/>
+            </a:fontRef>
+          </p:style>
+          <p:txBody>
+            <a:bodyPr rtlCol="0" anchor="ctr"/>
+            <a:lstStyle/>
+            <a:p>
+              <a:r>
+                <a:rPr lang="en-US" sz="3200" dirty="0">
+                  <a:solidFill>
+                    <a:schemeClr val="tx1"/>
+                  </a:solidFill>
+                </a:rPr>
+                <a:t>Alice</a:t>
+              </a:r>
+            </a:p>
+          </p:txBody>
+        </p:sp>
+        <p:sp>
+          <p:nvSpPr>
+            <p:cNvPr id="13" name="Rectangle 12"/>
+            <p:cNvSpPr/>
+            <p:nvPr/>
+          </p:nvSpPr>
+          <p:spPr>
+            <a:xfrm>
+              <a:off x="5562600" y="1581150"/>
+              <a:ext cx="1447800" cy="381000"/>
+            </a:xfrm>
+            <a:prstGeom prst="rect">
+              <a:avLst/>
+            </a:prstGeom>
+            <a:grpFill/>
+            <a:ln>
+              <a:solidFill>
+                <a:srgbClr val="000000"/>
+              </a:solidFill>
+            </a:ln>
+          </p:spPr>
+          <p:style>
+            <a:lnRef idx="1">
+              <a:schemeClr val="accent1"/>
+            </a:lnRef>
+            <a:fillRef idx="3">
+              <a:schemeClr val="accent1"/>
+            </a:fillRef>
+            <a:effectRef idx="2">
+              <a:schemeClr val="accent1"/>
+            </a:effectRef>
+            <a:fontRef idx="minor">
+              <a:schemeClr val="lt1"/>
+            </a:fontRef>
+          </p:style>
+          <p:txBody>
+            <a:bodyPr rtlCol="0" anchor="ctr"/>
+            <a:lstStyle/>
+            <a:p>
+              <a:pPr algn="ctr"/>
+              <a:r>
+                <a:rPr lang="en-US" sz="3200" dirty="0">
+                  <a:solidFill>
+                    <a:schemeClr val="tx1"/>
+                  </a:solidFill>
+                </a:rPr>
+                <a:t>data</a:t>
+              </a:r>
+            </a:p>
+          </p:txBody>
+        </p:sp>
+      </p:grpSp>
+      <p:pic>
+        <p:nvPicPr>
+          <p:cNvPr id="4" name="Picture 3"/>
+          <p:cNvPicPr>
+            <a:picLocks noChangeAspect="1"/>
+          </p:cNvPicPr>
+          <p:nvPr/>
+        </p:nvPicPr>
+        <p:blipFill>
+          <a:blip r:embed="rId4"/>
+          <a:stretch>
+            <a:fillRect/>
+          </a:stretch>
+        </p:blipFill>
+        <p:spPr>
+          <a:xfrm>
+            <a:off x="609601" y="1600200"/>
+            <a:ext cx="836033" cy="1092200"/>
+          </a:xfrm>
+          <a:prstGeom prst="rect">
+            <a:avLst/>
+          </a:prstGeom>
+        </p:spPr>
+      </p:pic>
+      <p:sp>
+        <p:nvSpPr>
+          <p:cNvPr id="5" name="TextBox 4"/>
+          <p:cNvSpPr txBox="1"/>
+          <p:nvPr/>
+        </p:nvSpPr>
+        <p:spPr>
+          <a:xfrm>
+            <a:off x="304800" y="2819401"/>
+            <a:ext cx="1056700" cy="584775"/>
+          </a:xfrm>
+          <a:prstGeom prst="rect">
+            <a:avLst/>
+          </a:prstGeom>
+          <a:noFill/>
+        </p:spPr>
+        <p:txBody>
+          <a:bodyPr wrap="none" rtlCol="0">
+            <a:spAutoFit/>
+          </a:bodyPr>
+          <a:lstStyle/>
+          <a:p>
+            <a:r>
+              <a:rPr lang="en-US" sz="3200" b="1" dirty="0">
+                <a:solidFill>
+                  <a:srgbClr val="FF0000"/>
+                </a:solidFill>
+              </a:rPr>
+              <a:t>k</a:t>
+            </a:r>
+            <a:r>
+              <a:rPr lang="en-US" sz="3200" b="1" baseline="-25000" dirty="0">
+                <a:solidFill>
+                  <a:srgbClr val="FF0000"/>
+                </a:solidFill>
+              </a:rPr>
+              <a:t>1</a:t>
+            </a:r>
+            <a:r>
+              <a:rPr lang="en-US" sz="3200" b="1" dirty="0">
+                <a:solidFill>
+                  <a:srgbClr val="FF0000"/>
+                </a:solidFill>
+              </a:rPr>
+              <a:t>, k</a:t>
+            </a:r>
+            <a:r>
+              <a:rPr lang="en-US" sz="3200" b="1" baseline="-25000" dirty="0">
+                <a:solidFill>
+                  <a:srgbClr val="FF0000"/>
+                </a:solidFill>
+              </a:rPr>
+              <a:t>2</a:t>
+            </a:r>
+          </a:p>
+        </p:txBody>
+      </p:sp>
+      <p:grpSp>
+        <p:nvGrpSpPr>
+          <p:cNvPr id="18" name="Group 17"/>
+          <p:cNvGrpSpPr/>
+          <p:nvPr/>
+        </p:nvGrpSpPr>
+        <p:grpSpPr>
+          <a:xfrm>
+            <a:off x="1524000" y="1803400"/>
+            <a:ext cx="3048000" cy="508000"/>
+            <a:chOff x="4724400" y="1581150"/>
+            <a:chExt cx="2286000" cy="381000"/>
+          </a:xfrm>
+          <a:solidFill>
+            <a:schemeClr val="bg1">
+              <a:lumMod val="85000"/>
+            </a:schemeClr>
+          </a:solidFill>
+        </p:grpSpPr>
+        <p:sp>
+          <p:nvSpPr>
+            <p:cNvPr id="19" name="Rectangle 18"/>
+            <p:cNvSpPr/>
+            <p:nvPr/>
+          </p:nvSpPr>
+          <p:spPr>
+            <a:xfrm>
+              <a:off x="4724400" y="1581150"/>
+              <a:ext cx="838200" cy="381000"/>
+            </a:xfrm>
+            <a:prstGeom prst="rect">
+              <a:avLst/>
+            </a:prstGeom>
+            <a:grpFill/>
+            <a:ln>
+              <a:solidFill>
+                <a:srgbClr val="000000"/>
+              </a:solidFill>
+            </a:ln>
+          </p:spPr>
+          <p:style>
+            <a:lnRef idx="1">
+              <a:schemeClr val="accent1"/>
+            </a:lnRef>
+            <a:fillRef idx="3">
+              <a:schemeClr val="accent1"/>
+            </a:fillRef>
+            <a:effectRef idx="2">
+              <a:schemeClr val="accent1"/>
+            </a:effectRef>
+            <a:fontRef idx="minor">
+              <a:schemeClr val="lt1"/>
+            </a:fontRef>
+          </p:style>
+          <p:txBody>
+            <a:bodyPr rtlCol="0" anchor="ctr"/>
+            <a:lstStyle/>
+            <a:p>
+              <a:r>
+                <a:rPr lang="en-US" sz="3200" dirty="0">
+                  <a:solidFill>
+                    <a:schemeClr val="tx1"/>
+                  </a:solidFill>
+                </a:rPr>
+                <a:t>Alice</a:t>
+              </a:r>
+            </a:p>
+          </p:txBody>
+        </p:sp>
+        <p:sp>
+          <p:nvSpPr>
+            <p:cNvPr id="20" name="Rectangle 19"/>
+            <p:cNvSpPr/>
+            <p:nvPr/>
+          </p:nvSpPr>
+          <p:spPr>
+            <a:xfrm>
+              <a:off x="5562600" y="1581150"/>
+              <a:ext cx="1447800" cy="381000"/>
+            </a:xfrm>
+            <a:prstGeom prst="rect">
+              <a:avLst/>
+            </a:prstGeom>
+            <a:grpFill/>
+            <a:ln>
+              <a:solidFill>
+                <a:srgbClr val="000000"/>
+              </a:solidFill>
+            </a:ln>
+          </p:spPr>
+          <p:style>
+            <a:lnRef idx="1">
+              <a:schemeClr val="accent1"/>
+            </a:lnRef>
+            <a:fillRef idx="3">
+              <a:schemeClr val="accent1"/>
+            </a:fillRef>
+            <a:effectRef idx="2">
+              <a:schemeClr val="accent1"/>
+            </a:effectRef>
+            <a:fontRef idx="minor">
+              <a:schemeClr val="lt1"/>
+            </a:fontRef>
+          </p:style>
+          <p:txBody>
+            <a:bodyPr rtlCol="0" anchor="ctr"/>
+            <a:lstStyle/>
+            <a:p>
+              <a:pPr algn="ctr"/>
+              <a:r>
+                <a:rPr lang="en-US" sz="3200" dirty="0">
+                  <a:solidFill>
+                    <a:schemeClr val="tx1"/>
+                  </a:solidFill>
+                </a:rPr>
+                <a:t>data</a:t>
+              </a:r>
+            </a:p>
+          </p:txBody>
+        </p:sp>
+      </p:grpSp>
+      <p:grpSp>
+        <p:nvGrpSpPr>
+          <p:cNvPr id="8" name="Group 7"/>
+          <p:cNvGrpSpPr/>
+          <p:nvPr/>
+        </p:nvGrpSpPr>
+        <p:grpSpPr>
+          <a:xfrm>
+            <a:off x="6197600" y="3022601"/>
+            <a:ext cx="3048000" cy="1319407"/>
+            <a:chOff x="4648200" y="2266950"/>
+            <a:chExt cx="2286000" cy="989555"/>
+          </a:xfrm>
+        </p:grpSpPr>
+        <p:grpSp>
+          <p:nvGrpSpPr>
+            <p:cNvPr id="21" name="Group 20"/>
+            <p:cNvGrpSpPr/>
+            <p:nvPr/>
+          </p:nvGrpSpPr>
+          <p:grpSpPr>
+            <a:xfrm>
+              <a:off x="4648200" y="2266950"/>
+              <a:ext cx="2286000" cy="381000"/>
+              <a:chOff x="4724400" y="1581150"/>
+              <a:chExt cx="2286000" cy="381000"/>
+            </a:xfrm>
+            <a:pattFill prst="horzBrick">
+              <a:fgClr>
+                <a:schemeClr val="accent5">
+                  <a:lumMod val="75000"/>
+                </a:schemeClr>
+              </a:fgClr>
+              <a:bgClr>
+                <a:schemeClr val="bg1">
+                  <a:lumMod val="85000"/>
+                </a:schemeClr>
+              </a:bgClr>
+            </a:pattFill>
+          </p:grpSpPr>
+          <p:sp>
+            <p:nvSpPr>
+              <p:cNvPr id="22" name="Rectangle 21"/>
+              <p:cNvSpPr/>
+              <p:nvPr/>
+            </p:nvSpPr>
+            <p:spPr>
+              <a:xfrm>
+                <a:off x="4724400" y="1581150"/>
+                <a:ext cx="838200" cy="381000"/>
+              </a:xfrm>
+              <a:prstGeom prst="rect">
+                <a:avLst/>
+              </a:prstGeom>
+              <a:grpFill/>
+              <a:ln>
+                <a:solidFill>
+                  <a:srgbClr val="000000"/>
+                </a:solidFill>
+              </a:ln>
+            </p:spPr>
+            <p:style>
+              <a:lnRef idx="1">
+                <a:schemeClr val="accent1"/>
+              </a:lnRef>
+              <a:fillRef idx="3">
+                <a:schemeClr val="accent1"/>
+              </a:fillRef>
+              <a:effectRef idx="2">
+                <a:schemeClr val="accent1"/>
+              </a:effectRef>
+              <a:fontRef idx="minor">
+                <a:schemeClr val="lt1"/>
+              </a:fontRef>
+            </p:style>
+            <p:txBody>
+              <a:bodyPr rtlCol="0" anchor="ctr"/>
+              <a:lstStyle/>
+              <a:p>
+                <a:r>
+                  <a:rPr lang="en-US" sz="3200" dirty="0">
+                    <a:solidFill>
+                      <a:schemeClr val="tx1"/>
+                    </a:solidFill>
+                  </a:rPr>
+                  <a:t>Bob</a:t>
+                </a:r>
+              </a:p>
+            </p:txBody>
+          </p:sp>
+          <p:sp>
+            <p:nvSpPr>
+              <p:cNvPr id="23" name="Rectangle 22"/>
+              <p:cNvSpPr/>
+              <p:nvPr/>
+            </p:nvSpPr>
+            <p:spPr>
+              <a:xfrm>
+                <a:off x="5562600" y="1581150"/>
+                <a:ext cx="1447800" cy="381000"/>
+              </a:xfrm>
+              <a:prstGeom prst="rect">
+                <a:avLst/>
+              </a:prstGeom>
+              <a:grpFill/>
+              <a:ln>
+                <a:solidFill>
+                  <a:srgbClr val="000000"/>
+                </a:solidFill>
+              </a:ln>
+            </p:spPr>
+            <p:style>
+              <a:lnRef idx="1">
+                <a:schemeClr val="accent1"/>
+              </a:lnRef>
+              <a:fillRef idx="3">
+                <a:schemeClr val="accent1"/>
+              </a:fillRef>
+              <a:effectRef idx="2">
+                <a:schemeClr val="accent1"/>
+              </a:effectRef>
+              <a:fontRef idx="minor">
+                <a:schemeClr val="lt1"/>
+              </a:fontRef>
+            </p:style>
+            <p:txBody>
+              <a:bodyPr rtlCol="0" anchor="ctr"/>
+              <a:lstStyle/>
+              <a:p>
+                <a:pPr algn="ctr"/>
+                <a:r>
+                  <a:rPr lang="en-US" sz="3200" dirty="0">
+                    <a:solidFill>
+                      <a:schemeClr val="tx1"/>
+                    </a:solidFill>
+                  </a:rPr>
+                  <a:t>data</a:t>
+                </a:r>
+              </a:p>
+            </p:txBody>
+          </p:sp>
+        </p:grpSp>
+        <p:sp>
+          <p:nvSpPr>
+            <p:cNvPr id="7" name="TextBox 6"/>
+            <p:cNvSpPr txBox="1"/>
+            <p:nvPr/>
+          </p:nvSpPr>
+          <p:spPr>
+            <a:xfrm>
+              <a:off x="5350054" y="2571750"/>
+              <a:ext cx="294792" cy="684755"/>
+            </a:xfrm>
+            <a:prstGeom prst="rect">
+              <a:avLst/>
+            </a:prstGeom>
+            <a:noFill/>
+          </p:spPr>
+          <p:txBody>
+            <a:bodyPr wrap="none" rtlCol="0">
+              <a:spAutoFit/>
+            </a:bodyPr>
+            <a:lstStyle/>
+            <a:p>
+              <a:r>
+                <a:rPr lang="en-US" sz="5333" b="1" dirty="0"/>
+                <a:t>⋮</a:t>
+              </a:r>
+            </a:p>
+          </p:txBody>
+        </p:sp>
+      </p:grpSp>
+      <p:sp>
+        <p:nvSpPr>
+          <p:cNvPr id="24" name="TextBox 23"/>
+          <p:cNvSpPr txBox="1"/>
+          <p:nvPr/>
+        </p:nvSpPr>
+        <p:spPr>
+          <a:xfrm>
+            <a:off x="9956801" y="1512173"/>
+            <a:ext cx="627095" cy="666786"/>
+          </a:xfrm>
+          <a:prstGeom prst="rect">
+            <a:avLst/>
+          </a:prstGeom>
+          <a:noFill/>
+        </p:spPr>
+        <p:txBody>
+          <a:bodyPr wrap="none" rtlCol="0">
+            <a:spAutoFit/>
+          </a:bodyPr>
+          <a:lstStyle/>
+          <a:p>
+            <a:r>
+              <a:rPr lang="en-US" sz="3733" dirty="0">
+                <a:solidFill>
+                  <a:srgbClr val="FF0000"/>
+                </a:solidFill>
+              </a:rPr>
+              <a:t>??</a:t>
+            </a:r>
+          </a:p>
+        </p:txBody>
+      </p:sp>
+    </p:spTree>
+    <p:extLst>
+      <p:ext uri="{BB962C8B-B14F-4D97-AF65-F5344CB8AC3E}">
+        <p14:creationId xmlns:p14="http://schemas.microsoft.com/office/powerpoint/2010/main" val="1389318743"/>
+      </p:ext>
+    </p:extLst>
+  </p:cSld>
+  <p:clrMapOvr>
+    <a:masterClrMapping/>
+  </p:clrMapOvr>
+  <p:timing>
+    <p:tnLst>
+      <p:par>
+        <p:cTn id="1" dur="indefinite" restart="never" nodeType="tmRoot">
+          <p:childTnLst>
+            <p:seq concurrent="1" nextAc="seek">
+              <p:cTn id="2" dur="indefinite" nodeType="mainSeq">
+                <p:childTnLst>
+                  <p:par>
+                    <p:cTn id="3" fill="hold">
+                      <p:stCondLst>
+                        <p:cond delay="indefinite"/>
+                      </p:stCondLst>
+                      <p:childTnLst>
+                        <p:par>
+                          <p:cTn id="4" fill="hold">
+                            <p:stCondLst>
+                              <p:cond delay="0"/>
+                            </p:stCondLst>
+                            <p:childTnLst>
+                              <p:par>
+                                <p:cTn id="5" presetID="1" presetClass="exit" presetSubtype="0" fill="hold" nodeType="clickEffect">
+                                  <p:stCondLst>
+                                    <p:cond delay="0"/>
+                                  </p:stCondLst>
+                                  <p:childTnLst>
+                                    <p:set>
+                                      <p:cBhvr>
+                                        <p:cTn id="6" dur="1" fill="hold">
+                                          <p:stCondLst>
+                                            <p:cond delay="0"/>
+                                          </p:stCondLst>
+                                        </p:cTn>
+                                        <p:tgtEl>
+                                          <p:spTgt spid="18"/>
+                                        </p:tgtEl>
+                                        <p:attrNameLst>
+                                          <p:attrName>style.visibility</p:attrName>
+                                        </p:attrNameLst>
+                                      </p:cBhvr>
+                                      <p:to>
+                                        <p:strVal val="hidden"/>
+                                      </p:to>
+                                    </p:set>
+                                  </p:childTnLst>
+                                </p:cTn>
+                              </p:par>
+                            </p:childTnLst>
+                          </p:cTn>
+                        </p:par>
+                        <p:par>
+                          <p:cTn id="7" fill="hold">
+                            <p:stCondLst>
+                              <p:cond delay="0"/>
+                            </p:stCondLst>
+                            <p:childTnLst>
+                              <p:par>
+                                <p:cTn id="8" presetID="1" presetClass="entr" presetSubtype="0" fill="hold" nodeType="afterEffect">
+                                  <p:stCondLst>
+                                    <p:cond delay="0"/>
+                                  </p:stCondLst>
+                                  <p:childTnLst>
+                                    <p:set>
+                                      <p:cBhvr>
+                                        <p:cTn id="9" dur="1" fill="hold">
+                                          <p:stCondLst>
+                                            <p:cond delay="0"/>
+                                          </p:stCondLst>
+                                        </p:cTn>
+                                        <p:tgtEl>
+                                          <p:spTgt spid="14"/>
+                                        </p:tgtEl>
+                                        <p:attrNameLst>
+                                          <p:attrName>style.visibility</p:attrName>
+                                        </p:attrNameLst>
+                                      </p:cBhvr>
+                                      <p:to>
+                                        <p:strVal val="visible"/>
+                                      </p:to>
+                                    </p:set>
+                                  </p:childTnLst>
+                                </p:cTn>
+                              </p:par>
+                            </p:childTnLst>
+                          </p:cTn>
+                        </p:par>
+                      </p:childTnLst>
+                    </p:cTn>
+                  </p:par>
+                  <p:par>
+                    <p:cTn id="10" fill="hold">
+                      <p:stCondLst>
+                        <p:cond delay="indefinite"/>
+                      </p:stCondLst>
+                      <p:childTnLst>
+                        <p:par>
+                          <p:cTn id="11" fill="hold">
+                            <p:stCondLst>
+                              <p:cond delay="0"/>
+                            </p:stCondLst>
+                            <p:childTnLst>
+                              <p:par>
+                                <p:cTn id="12" presetID="0" presetClass="path" presetSubtype="0" accel="50000" decel="50000" fill="hold" nodeType="clickEffect">
+                                  <p:stCondLst>
+                                    <p:cond delay="0"/>
+                                  </p:stCondLst>
+                                  <p:childTnLst>
+                                    <p:animMotion origin="layout" path="M 0 5.55112E-17 L 0.38333 0.0963 " pathEditMode="relative" rAng="0" ptsTypes="AA">
+                                      <p:cBhvr>
+                                        <p:cTn id="13" dur="1000" fill="hold"/>
+                                        <p:tgtEl>
+                                          <p:spTgt spid="14"/>
+                                        </p:tgtEl>
+                                        <p:attrNameLst>
+                                          <p:attrName>ppt_x</p:attrName>
+                                          <p:attrName>ppt_y</p:attrName>
+                                        </p:attrNameLst>
+                                      </p:cBhvr>
+                                      <p:rCtr x="19167" y="4815"/>
+                                    </p:animMotion>
+                                  </p:childTnLst>
+                                </p:cTn>
+                              </p:par>
+                            </p:childTnLst>
+                          </p:cTn>
+                        </p:par>
+                      </p:childTnLst>
+                    </p:cTn>
+                  </p:par>
+                  <p:par>
+                    <p:cTn id="14" fill="hold">
+                      <p:stCondLst>
+                        <p:cond delay="indefinite"/>
+                      </p:stCondLst>
+                      <p:childTnLst>
+                        <p:par>
+                          <p:cTn id="15" fill="hold">
+                            <p:stCondLst>
+                              <p:cond delay="0"/>
+                            </p:stCondLst>
+                            <p:childTnLst>
+                              <p:par>
+                                <p:cTn id="16" presetID="1" presetClass="entr" presetSubtype="0" fill="hold" nodeType="clickEffect">
+                                  <p:stCondLst>
+                                    <p:cond delay="0"/>
+                                  </p:stCondLst>
+                                  <p:childTnLst>
+                                    <p:set>
+                                      <p:cBhvr>
+                                        <p:cTn id="17" dur="1" fill="hold">
+                                          <p:stCondLst>
+                                            <p:cond delay="0"/>
+                                          </p:stCondLst>
+                                        </p:cTn>
+                                        <p:tgtEl>
+                                          <p:spTgt spid="8"/>
+                                        </p:tgtEl>
+                                        <p:attrNameLst>
+                                          <p:attrName>style.visibility</p:attrName>
+                                        </p:attrNameLst>
+                                      </p:cBhvr>
+                                      <p:to>
+                                        <p:strVal val="visible"/>
+                                      </p:to>
+                                    </p:set>
+                                  </p:childTnLst>
+                                </p:cTn>
+                              </p:par>
+                            </p:childTnLst>
+                          </p:cTn>
+                        </p:par>
+                        <p:par>
+                          <p:cTn id="18" fill="hold">
+                            <p:stCondLst>
+                              <p:cond delay="0"/>
+                            </p:stCondLst>
+                            <p:childTnLst>
+                              <p:par>
+                                <p:cTn id="19" presetID="1" presetClass="entr" presetSubtype="0" fill="hold" grpId="0" nodeType="afterEffect">
+                                  <p:stCondLst>
+                                    <p:cond delay="0"/>
+                                  </p:stCondLst>
+                                  <p:childTnLst>
+                                    <p:set>
+                                      <p:cBhvr>
+                                        <p:cTn id="20" dur="1" fill="hold">
+                                          <p:stCondLst>
+                                            <p:cond delay="0"/>
+                                          </p:stCondLst>
+                                        </p:cTn>
+                                        <p:tgtEl>
+                                          <p:spTgt spid="24"/>
+                                        </p:tgtEl>
+                                        <p:attrNameLst>
+                                          <p:attrName>style.visibility</p:attrName>
+                                        </p:attrNameLst>
+                                      </p:cBhvr>
+                                      <p:to>
+                                        <p:strVal val="visible"/>
+                                      </p:to>
+                                    </p:set>
+                                  </p:childTnLst>
+                                </p:cTn>
+                              </p:par>
+                            </p:childTnLst>
+                          </p:cTn>
+                        </p:par>
+                      </p:childTnLst>
+                    </p:cTn>
+                  </p:par>
+                </p:childTnLst>
+              </p:cTn>
+              <p:prevCondLst>
+                <p:cond evt="onPrev" delay="0">
+                  <p:tgtEl>
+                    <p:sldTgt/>
+                  </p:tgtEl>
+                </p:cond>
+              </p:prevCondLst>
+              <p:nextCondLst>
+                <p:cond evt="onNext" delay="0">
+                  <p:tgtEl>
+                    <p:sldTgt/>
+                  </p:tgtEl>
+                </p:cond>
+              </p:nextCondLst>
+            </p:seq>
+          </p:childTnLst>
+        </p:cTn>
+      </p:par>
+    </p:tnLst>
+    <p:bldLst>
+      <p:bldP spid="24" grpId="0"/>
+    </p:bldLst>
+  </p:timing>
+</p:sld>
+</file>
+
+<file path=ppt/slides/slide31.xml><?xml version="1.0" encoding="utf-8"?>
+<p:sld xmlns:a="http://schemas.openxmlformats.org/drawingml/2006/main" xmlns:r="http://schemas.openxmlformats.org/officeDocument/2006/relationships" xmlns:p="http://schemas.openxmlformats.org/presentationml/2006/main">
+  <p:cSld>
+    <p:spTree>
+      <p:nvGrpSpPr>
+        <p:cNvPr id="1" name=""/>
+        <p:cNvGrpSpPr/>
+        <p:nvPr/>
+      </p:nvGrpSpPr>
+      <p:grpSpPr>
+        <a:xfrm>
+          <a:off x="0" y="0"/>
+          <a:ext cx="0" cy="0"/>
+          <a:chOff x="0" y="0"/>
+          <a:chExt cx="0" cy="0"/>
+        </a:xfrm>
+      </p:grpSpPr>
+      <p:sp>
+        <p:nvSpPr>
+          <p:cNvPr id="2" name="Title 1"/>
+          <p:cNvSpPr>
+            <a:spLocks noGrp="1"/>
+          </p:cNvSpPr>
+          <p:nvPr>
+            <p:ph type="title"/>
+          </p:nvPr>
+        </p:nvSpPr>
+        <p:spPr/>
+        <p:txBody>
+          <a:bodyPr>
+            <a:normAutofit/>
+          </a:bodyPr>
+          <a:lstStyle/>
+          <a:p>
+            <a:r>
+              <a:rPr lang="en-US" dirty="0"/>
+              <a:t>The need for det. Encryption   </a:t>
+            </a:r>
+            <a:r>
+              <a:rPr lang="en-US" sz="4800" dirty="0"/>
+              <a:t>(no nonce)</a:t>
+            </a:r>
+            <a:endParaRPr lang="en-US" dirty="0"/>
+          </a:p>
+        </p:txBody>
+      </p:sp>
+      <p:pic>
+        <p:nvPicPr>
+          <p:cNvPr id="9" name="Picture 8"/>
+          <p:cNvPicPr>
+            <a:picLocks noChangeAspect="1"/>
+          </p:cNvPicPr>
+          <p:nvPr/>
+        </p:nvPicPr>
+        <p:blipFill>
+          <a:blip r:embed="rId3"/>
+          <a:stretch>
+            <a:fillRect/>
+          </a:stretch>
+        </p:blipFill>
+        <p:spPr>
+          <a:xfrm>
+            <a:off x="9364133" y="2108200"/>
+            <a:ext cx="2015067" cy="2336800"/>
+          </a:xfrm>
+          <a:prstGeom prst="rect">
+            <a:avLst/>
+          </a:prstGeom>
+        </p:spPr>
+      </p:pic>
+      <p:sp>
+        <p:nvSpPr>
+          <p:cNvPr id="10" name="TextBox 9"/>
+          <p:cNvSpPr txBox="1"/>
+          <p:nvPr/>
+        </p:nvSpPr>
+        <p:spPr>
+          <a:xfrm>
+            <a:off x="9600761" y="4343401"/>
+            <a:ext cx="1591846" cy="913199"/>
+          </a:xfrm>
+          <a:prstGeom prst="rect">
+            <a:avLst/>
+          </a:prstGeom>
+          <a:noFill/>
+        </p:spPr>
+        <p:txBody>
+          <a:bodyPr wrap="none" rtlCol="0">
+            <a:spAutoFit/>
+          </a:bodyPr>
+          <a:lstStyle/>
+          <a:p>
+            <a:pPr algn="ctr"/>
+            <a:r>
+              <a:rPr lang="en-US" sz="2667" dirty="0"/>
+              <a:t>encrypted</a:t>
+            </a:r>
+          </a:p>
+          <a:p>
+            <a:pPr algn="ctr"/>
+            <a:r>
+              <a:rPr lang="en-US" sz="2667" dirty="0"/>
+              <a:t>database</a:t>
+            </a:r>
+          </a:p>
+        </p:txBody>
+      </p:sp>
+      <p:grpSp>
+        <p:nvGrpSpPr>
+          <p:cNvPr id="14" name="Group 13"/>
+          <p:cNvGrpSpPr/>
+          <p:nvPr/>
+        </p:nvGrpSpPr>
+        <p:grpSpPr>
+          <a:xfrm>
+            <a:off x="6197600" y="2429933"/>
+            <a:ext cx="3048000" cy="508000"/>
+            <a:chOff x="4724400" y="1581150"/>
+            <a:chExt cx="2286000" cy="381000"/>
+          </a:xfrm>
+          <a:pattFill prst="horzBrick">
+            <a:fgClr>
+              <a:schemeClr val="accent5">
+                <a:lumMod val="75000"/>
+              </a:schemeClr>
+            </a:fgClr>
+            <a:bgClr>
+              <a:schemeClr val="bg1">
+                <a:lumMod val="85000"/>
+              </a:schemeClr>
+            </a:bgClr>
+          </a:pattFill>
+        </p:grpSpPr>
+        <p:sp>
+          <p:nvSpPr>
+            <p:cNvPr id="12" name="Rectangle 11"/>
+            <p:cNvSpPr/>
+            <p:nvPr/>
+          </p:nvSpPr>
+          <p:spPr>
+            <a:xfrm>
+              <a:off x="4724400" y="1581150"/>
+              <a:ext cx="838200" cy="381000"/>
+            </a:xfrm>
+            <a:prstGeom prst="rect">
+              <a:avLst/>
+            </a:prstGeom>
+            <a:grpFill/>
+            <a:ln>
+              <a:solidFill>
+                <a:srgbClr val="000000"/>
+              </a:solidFill>
+            </a:ln>
+          </p:spPr>
+          <p:style>
+            <a:lnRef idx="1">
+              <a:schemeClr val="accent1"/>
+            </a:lnRef>
+            <a:fillRef idx="3">
+              <a:schemeClr val="accent1"/>
+            </a:fillRef>
+            <a:effectRef idx="2">
+              <a:schemeClr val="accent1"/>
+            </a:effectRef>
+            <a:fontRef idx="minor">
+              <a:schemeClr val="lt1"/>
+            </a:fontRef>
+          </p:style>
+          <p:txBody>
+            <a:bodyPr rtlCol="0" anchor="ctr"/>
+            <a:lstStyle/>
+            <a:p>
+              <a:r>
+                <a:rPr lang="en-US" sz="3200" dirty="0">
+                  <a:solidFill>
+                    <a:schemeClr val="tx1"/>
+                  </a:solidFill>
+                </a:rPr>
+                <a:t>Alice</a:t>
+              </a:r>
+            </a:p>
+          </p:txBody>
+        </p:sp>
+        <p:sp>
+          <p:nvSpPr>
+            <p:cNvPr id="13" name="Rectangle 12"/>
+            <p:cNvSpPr/>
+            <p:nvPr/>
+          </p:nvSpPr>
+          <p:spPr>
+            <a:xfrm>
+              <a:off x="5562600" y="1581150"/>
+              <a:ext cx="1447800" cy="381000"/>
+            </a:xfrm>
+            <a:prstGeom prst="rect">
+              <a:avLst/>
+            </a:prstGeom>
+            <a:grpFill/>
+            <a:ln>
+              <a:solidFill>
+                <a:srgbClr val="000000"/>
+              </a:solidFill>
+            </a:ln>
+          </p:spPr>
+          <p:style>
+            <a:lnRef idx="1">
+              <a:schemeClr val="accent1"/>
+            </a:lnRef>
+            <a:fillRef idx="3">
+              <a:schemeClr val="accent1"/>
+            </a:fillRef>
+            <a:effectRef idx="2">
+              <a:schemeClr val="accent1"/>
+            </a:effectRef>
+            <a:fontRef idx="minor">
+              <a:schemeClr val="lt1"/>
+            </a:fontRef>
+          </p:style>
+          <p:txBody>
+            <a:bodyPr rtlCol="0" anchor="ctr"/>
+            <a:lstStyle/>
+            <a:p>
+              <a:pPr algn="ctr"/>
+              <a:r>
+                <a:rPr lang="en-US" sz="3200" dirty="0">
+                  <a:solidFill>
+                    <a:schemeClr val="tx1"/>
+                  </a:solidFill>
+                </a:rPr>
+                <a:t>data</a:t>
+              </a:r>
+            </a:p>
+          </p:txBody>
+        </p:sp>
+      </p:grpSp>
+      <p:pic>
+        <p:nvPicPr>
+          <p:cNvPr id="4" name="Picture 3"/>
+          <p:cNvPicPr>
+            <a:picLocks noChangeAspect="1"/>
+          </p:cNvPicPr>
+          <p:nvPr/>
+        </p:nvPicPr>
+        <p:blipFill>
+          <a:blip r:embed="rId4"/>
+          <a:stretch>
+            <a:fillRect/>
+          </a:stretch>
+        </p:blipFill>
+        <p:spPr>
+          <a:xfrm>
+            <a:off x="609601" y="1600200"/>
+            <a:ext cx="836033" cy="1092200"/>
+          </a:xfrm>
+          <a:prstGeom prst="rect">
+            <a:avLst/>
+          </a:prstGeom>
+        </p:spPr>
+      </p:pic>
+      <p:sp>
+        <p:nvSpPr>
+          <p:cNvPr id="5" name="TextBox 4"/>
+          <p:cNvSpPr txBox="1"/>
+          <p:nvPr/>
+        </p:nvSpPr>
+        <p:spPr>
+          <a:xfrm>
+            <a:off x="304800" y="2819401"/>
+            <a:ext cx="1056700" cy="584775"/>
+          </a:xfrm>
+          <a:prstGeom prst="rect">
+            <a:avLst/>
+          </a:prstGeom>
+          <a:noFill/>
+        </p:spPr>
+        <p:txBody>
+          <a:bodyPr wrap="none" rtlCol="0">
+            <a:spAutoFit/>
+          </a:bodyPr>
+          <a:lstStyle/>
+          <a:p>
+            <a:r>
+              <a:rPr lang="en-US" sz="3200" b="1" dirty="0">
+                <a:solidFill>
+                  <a:srgbClr val="FF0000"/>
+                </a:solidFill>
+              </a:rPr>
+              <a:t>k</a:t>
+            </a:r>
+            <a:r>
+              <a:rPr lang="en-US" sz="3200" b="1" baseline="-25000" dirty="0">
+                <a:solidFill>
+                  <a:srgbClr val="FF0000"/>
+                </a:solidFill>
+              </a:rPr>
+              <a:t>1</a:t>
+            </a:r>
+            <a:r>
+              <a:rPr lang="en-US" sz="3200" b="1" dirty="0">
+                <a:solidFill>
+                  <a:srgbClr val="FF0000"/>
+                </a:solidFill>
+              </a:rPr>
+              <a:t>, k</a:t>
+            </a:r>
+            <a:r>
+              <a:rPr lang="en-US" sz="3200" b="1" baseline="-25000" dirty="0">
+                <a:solidFill>
+                  <a:srgbClr val="FF0000"/>
+                </a:solidFill>
+              </a:rPr>
+              <a:t>2</a:t>
+            </a:r>
+          </a:p>
+        </p:txBody>
+      </p:sp>
+      <p:grpSp>
+        <p:nvGrpSpPr>
+          <p:cNvPr id="8" name="Group 7"/>
+          <p:cNvGrpSpPr/>
+          <p:nvPr/>
+        </p:nvGrpSpPr>
+        <p:grpSpPr>
+          <a:xfrm>
+            <a:off x="6197600" y="3022601"/>
+            <a:ext cx="3048000" cy="1319407"/>
+            <a:chOff x="4648200" y="2266950"/>
+            <a:chExt cx="2286000" cy="989555"/>
+          </a:xfrm>
+        </p:grpSpPr>
+        <p:grpSp>
+          <p:nvGrpSpPr>
+            <p:cNvPr id="21" name="Group 20"/>
+            <p:cNvGrpSpPr/>
+            <p:nvPr/>
+          </p:nvGrpSpPr>
+          <p:grpSpPr>
+            <a:xfrm>
+              <a:off x="4648200" y="2266950"/>
+              <a:ext cx="2286000" cy="381000"/>
+              <a:chOff x="4724400" y="1581150"/>
+              <a:chExt cx="2286000" cy="381000"/>
+            </a:xfrm>
+            <a:pattFill prst="horzBrick">
+              <a:fgClr>
+                <a:schemeClr val="accent5">
+                  <a:lumMod val="75000"/>
+                </a:schemeClr>
+              </a:fgClr>
+              <a:bgClr>
+                <a:schemeClr val="bg1">
+                  <a:lumMod val="85000"/>
+                </a:schemeClr>
+              </a:bgClr>
+            </a:pattFill>
+          </p:grpSpPr>
+          <p:sp>
+            <p:nvSpPr>
+              <p:cNvPr id="22" name="Rectangle 21"/>
+              <p:cNvSpPr/>
+              <p:nvPr/>
+            </p:nvSpPr>
+            <p:spPr>
+              <a:xfrm>
+                <a:off x="4724400" y="1581150"/>
+                <a:ext cx="838200" cy="381000"/>
+              </a:xfrm>
+              <a:prstGeom prst="rect">
+                <a:avLst/>
+              </a:prstGeom>
+              <a:grpFill/>
+              <a:ln>
+                <a:solidFill>
+                  <a:srgbClr val="000000"/>
+                </a:solidFill>
+              </a:ln>
+            </p:spPr>
+            <p:style>
+              <a:lnRef idx="1">
+                <a:schemeClr val="accent1"/>
+              </a:lnRef>
+              <a:fillRef idx="3">
+                <a:schemeClr val="accent1"/>
+              </a:fillRef>
+              <a:effectRef idx="2">
+                <a:schemeClr val="accent1"/>
+              </a:effectRef>
+              <a:fontRef idx="minor">
+                <a:schemeClr val="lt1"/>
+              </a:fontRef>
+            </p:style>
+            <p:txBody>
+              <a:bodyPr rtlCol="0" anchor="ctr"/>
+              <a:lstStyle/>
+              <a:p>
+                <a:r>
+                  <a:rPr lang="en-US" sz="3200" dirty="0">
+                    <a:solidFill>
+                      <a:schemeClr val="tx1"/>
+                    </a:solidFill>
+                  </a:rPr>
+                  <a:t>Bob</a:t>
+                </a:r>
+              </a:p>
+            </p:txBody>
+          </p:sp>
+          <p:sp>
+            <p:nvSpPr>
+              <p:cNvPr id="23" name="Rectangle 22"/>
+              <p:cNvSpPr/>
+              <p:nvPr/>
+            </p:nvSpPr>
+            <p:spPr>
+              <a:xfrm>
+                <a:off x="5562600" y="1581150"/>
+                <a:ext cx="1447800" cy="381000"/>
+              </a:xfrm>
+              <a:prstGeom prst="rect">
+                <a:avLst/>
+              </a:prstGeom>
+              <a:grpFill/>
+              <a:ln>
+                <a:solidFill>
+                  <a:srgbClr val="000000"/>
+                </a:solidFill>
+              </a:ln>
+            </p:spPr>
+            <p:style>
+              <a:lnRef idx="1">
+                <a:schemeClr val="accent1"/>
+              </a:lnRef>
+              <a:fillRef idx="3">
+                <a:schemeClr val="accent1"/>
+              </a:fillRef>
+              <a:effectRef idx="2">
+                <a:schemeClr val="accent1"/>
+              </a:effectRef>
+              <a:fontRef idx="minor">
+                <a:schemeClr val="lt1"/>
+              </a:fontRef>
+            </p:style>
+            <p:txBody>
+              <a:bodyPr rtlCol="0" anchor="ctr"/>
+              <a:lstStyle/>
+              <a:p>
+                <a:pPr algn="ctr"/>
+                <a:r>
+                  <a:rPr lang="en-US" sz="3200" dirty="0">
+                    <a:solidFill>
+                      <a:schemeClr val="tx1"/>
+                    </a:solidFill>
+                  </a:rPr>
+                  <a:t>data</a:t>
+                </a:r>
+              </a:p>
+            </p:txBody>
+          </p:sp>
+        </p:grpSp>
+        <p:sp>
+          <p:nvSpPr>
+            <p:cNvPr id="7" name="TextBox 6"/>
+            <p:cNvSpPr txBox="1"/>
+            <p:nvPr/>
+          </p:nvSpPr>
+          <p:spPr>
+            <a:xfrm>
+              <a:off x="5350054" y="2571750"/>
+              <a:ext cx="294792" cy="684755"/>
+            </a:xfrm>
+            <a:prstGeom prst="rect">
+              <a:avLst/>
+            </a:prstGeom>
+            <a:noFill/>
+          </p:spPr>
+          <p:txBody>
+            <a:bodyPr wrap="none" rtlCol="0">
+              <a:spAutoFit/>
+            </a:bodyPr>
+            <a:lstStyle/>
+            <a:p>
+              <a:r>
+                <a:rPr lang="en-US" sz="5333" b="1" dirty="0"/>
+                <a:t>⋮</a:t>
+              </a:r>
+            </a:p>
+          </p:txBody>
+        </p:sp>
+      </p:grpSp>
+      <p:sp>
+        <p:nvSpPr>
+          <p:cNvPr id="24" name="TextBox 23"/>
+          <p:cNvSpPr txBox="1"/>
+          <p:nvPr/>
+        </p:nvSpPr>
+        <p:spPr>
+          <a:xfrm>
+            <a:off x="9956801" y="1512173"/>
+            <a:ext cx="627095" cy="666786"/>
+          </a:xfrm>
+          <a:prstGeom prst="rect">
+            <a:avLst/>
+          </a:prstGeom>
+          <a:noFill/>
+        </p:spPr>
+        <p:txBody>
+          <a:bodyPr wrap="none" rtlCol="0">
+            <a:spAutoFit/>
+          </a:bodyPr>
+          <a:lstStyle/>
+          <a:p>
+            <a:r>
+              <a:rPr lang="en-US" sz="3733" dirty="0">
+                <a:solidFill>
+                  <a:srgbClr val="FF0000"/>
+                </a:solidFill>
+              </a:rPr>
+              <a:t>??</a:t>
+            </a:r>
+          </a:p>
+        </p:txBody>
+      </p:sp>
+      <p:grpSp>
+        <p:nvGrpSpPr>
+          <p:cNvPr id="36" name="Group 35"/>
+          <p:cNvGrpSpPr/>
+          <p:nvPr/>
+        </p:nvGrpSpPr>
+        <p:grpSpPr>
+          <a:xfrm>
+            <a:off x="406400" y="4140200"/>
+            <a:ext cx="1141466" cy="2032000"/>
+            <a:chOff x="304800" y="3105150"/>
+            <a:chExt cx="856099" cy="1524000"/>
+          </a:xfrm>
+        </p:grpSpPr>
+        <p:sp>
+          <p:nvSpPr>
+            <p:cNvPr id="25" name="TextBox 24"/>
+            <p:cNvSpPr txBox="1"/>
+            <p:nvPr/>
+          </p:nvSpPr>
+          <p:spPr>
+            <a:xfrm>
+              <a:off x="304800" y="3105150"/>
+              <a:ext cx="856099" cy="438581"/>
+            </a:xfrm>
+            <a:prstGeom prst="rect">
+              <a:avLst/>
+            </a:prstGeom>
+            <a:noFill/>
+          </p:spPr>
+          <p:txBody>
+            <a:bodyPr wrap="none" rtlCol="0">
+              <a:spAutoFit/>
+            </a:bodyPr>
+            <a:lstStyle/>
+            <a:p>
+              <a:r>
+                <a:rPr lang="en-US" sz="3200" dirty="0"/>
+                <a:t>Later:</a:t>
+              </a:r>
+            </a:p>
+          </p:txBody>
+        </p:sp>
+        <p:pic>
+          <p:nvPicPr>
+            <p:cNvPr id="26" name="Picture 25"/>
+            <p:cNvPicPr>
+              <a:picLocks noChangeAspect="1"/>
+            </p:cNvPicPr>
+            <p:nvPr/>
+          </p:nvPicPr>
+          <p:blipFill>
+            <a:blip r:embed="rId4"/>
+            <a:stretch>
+              <a:fillRect/>
+            </a:stretch>
+          </p:blipFill>
+          <p:spPr>
+            <a:xfrm>
+              <a:off x="439775" y="3810000"/>
+              <a:ext cx="627025" cy="819150"/>
+            </a:xfrm>
+            <a:prstGeom prst="rect">
+              <a:avLst/>
+            </a:prstGeom>
+          </p:spPr>
+        </p:pic>
+      </p:grpSp>
+      <p:grpSp>
+        <p:nvGrpSpPr>
+          <p:cNvPr id="34" name="Group 33"/>
+          <p:cNvGrpSpPr/>
+          <p:nvPr/>
+        </p:nvGrpSpPr>
+        <p:grpSpPr>
+          <a:xfrm>
+            <a:off x="1625600" y="4038600"/>
+            <a:ext cx="4876800" cy="1219200"/>
+            <a:chOff x="1219200" y="3028950"/>
+            <a:chExt cx="3657600" cy="914400"/>
+          </a:xfrm>
+        </p:grpSpPr>
+        <p:cxnSp>
+          <p:nvCxnSpPr>
+            <p:cNvPr id="28" name="Straight Arrow Connector 27"/>
+            <p:cNvCxnSpPr/>
+            <p:nvPr/>
+          </p:nvCxnSpPr>
+          <p:spPr>
+            <a:xfrm flipV="1">
+              <a:off x="1219200" y="3028950"/>
+              <a:ext cx="3657600" cy="914400"/>
+            </a:xfrm>
+            <a:prstGeom prst="straightConnector1">
+              <a:avLst/>
+            </a:prstGeom>
+            <a:ln>
+              <a:tailEnd type="arrow"/>
+            </a:ln>
+          </p:spPr>
+          <p:style>
+            <a:lnRef idx="2">
+              <a:schemeClr val="accent1"/>
+            </a:lnRef>
+            <a:fillRef idx="0">
+              <a:schemeClr val="accent1"/>
+            </a:fillRef>
+            <a:effectRef idx="1">
+              <a:schemeClr val="accent1"/>
+            </a:effectRef>
+            <a:fontRef idx="minor">
+              <a:schemeClr val="tx1"/>
+            </a:fontRef>
+          </p:style>
+        </p:cxnSp>
+        <p:sp>
+          <p:nvSpPr>
+            <p:cNvPr id="29" name="TextBox 28"/>
+            <p:cNvSpPr txBox="1"/>
+            <p:nvPr/>
+          </p:nvSpPr>
+          <p:spPr>
+            <a:xfrm rot="20738807">
+              <a:off x="1474565" y="3130835"/>
+              <a:ext cx="3183083" cy="377075"/>
+            </a:xfrm>
+            <a:prstGeom prst="rect">
+              <a:avLst/>
+            </a:prstGeom>
+            <a:noFill/>
+          </p:spPr>
+          <p:txBody>
+            <a:bodyPr wrap="none" rtlCol="0">
+              <a:spAutoFit/>
+            </a:bodyPr>
+            <a:lstStyle/>
+            <a:p>
+              <a:r>
+                <a:rPr lang="en-US" sz="2667" dirty="0"/>
+                <a:t>Retrieve record  </a:t>
+              </a:r>
+              <a:r>
+                <a:rPr lang="en-US" sz="2667" b="1" dirty="0">
+                  <a:solidFill>
+                    <a:srgbClr val="FF0000"/>
+                  </a:solidFill>
+                </a:rPr>
+                <a:t>E(k</a:t>
+              </a:r>
+              <a:r>
+                <a:rPr lang="en-US" sz="2667" b="1" baseline="-25000" dirty="0">
+                  <a:solidFill>
+                    <a:srgbClr val="FF0000"/>
+                  </a:solidFill>
+                </a:rPr>
+                <a:t>1</a:t>
+              </a:r>
+              <a:r>
+                <a:rPr lang="en-US" sz="2667" b="1" dirty="0">
+                  <a:solidFill>
+                    <a:srgbClr val="FF0000"/>
+                  </a:solidFill>
+                </a:rPr>
+                <a:t>, “Alice”)</a:t>
+              </a:r>
+            </a:p>
+          </p:txBody>
+        </p:sp>
+      </p:grpSp>
+      <p:grpSp>
+        <p:nvGrpSpPr>
+          <p:cNvPr id="35" name="Group 34"/>
+          <p:cNvGrpSpPr/>
+          <p:nvPr/>
+        </p:nvGrpSpPr>
+        <p:grpSpPr>
+          <a:xfrm>
+            <a:off x="1828800" y="4445000"/>
+            <a:ext cx="4876800" cy="1219200"/>
+            <a:chOff x="1371600" y="3333750"/>
+            <a:chExt cx="3657600" cy="914400"/>
+          </a:xfrm>
+        </p:grpSpPr>
+        <p:cxnSp>
+          <p:nvCxnSpPr>
+            <p:cNvPr id="30" name="Straight Arrow Connector 29"/>
+            <p:cNvCxnSpPr/>
+            <p:nvPr/>
+          </p:nvCxnSpPr>
+          <p:spPr>
+            <a:xfrm flipH="1">
+              <a:off x="1371600" y="3333750"/>
+              <a:ext cx="3657600" cy="914400"/>
+            </a:xfrm>
+            <a:prstGeom prst="straightConnector1">
+              <a:avLst/>
+            </a:prstGeom>
+            <a:ln>
+              <a:tailEnd type="arrow"/>
+            </a:ln>
+          </p:spPr>
+          <p:style>
+            <a:lnRef idx="2">
+              <a:schemeClr val="accent1"/>
+            </a:lnRef>
+            <a:fillRef idx="0">
+              <a:schemeClr val="accent1"/>
+            </a:fillRef>
+            <a:effectRef idx="1">
+              <a:schemeClr val="accent1"/>
+            </a:effectRef>
+            <a:fontRef idx="minor">
+              <a:schemeClr val="tx1"/>
+            </a:fontRef>
+          </p:style>
+        </p:cxnSp>
+        <p:grpSp>
+          <p:nvGrpSpPr>
+            <p:cNvPr id="31" name="Group 30"/>
+            <p:cNvGrpSpPr/>
+            <p:nvPr/>
+          </p:nvGrpSpPr>
+          <p:grpSpPr>
+            <a:xfrm rot="20809704">
+              <a:off x="2224208" y="3857798"/>
+              <a:ext cx="2286000" cy="381000"/>
+              <a:chOff x="4724400" y="1581150"/>
+              <a:chExt cx="2286000" cy="381000"/>
+            </a:xfrm>
+            <a:pattFill prst="horzBrick">
+              <a:fgClr>
+                <a:schemeClr val="accent5">
+                  <a:lumMod val="75000"/>
+                </a:schemeClr>
+              </a:fgClr>
+              <a:bgClr>
+                <a:schemeClr val="bg1">
+                  <a:lumMod val="85000"/>
+                </a:schemeClr>
+              </a:bgClr>
+            </a:pattFill>
+          </p:grpSpPr>
+          <p:sp>
+            <p:nvSpPr>
+              <p:cNvPr id="32" name="Rectangle 31"/>
+              <p:cNvSpPr/>
+              <p:nvPr/>
+            </p:nvSpPr>
+            <p:spPr>
+              <a:xfrm>
+                <a:off x="4724400" y="1581150"/>
+                <a:ext cx="838200" cy="381000"/>
+              </a:xfrm>
+              <a:prstGeom prst="rect">
+                <a:avLst/>
+              </a:prstGeom>
+              <a:grpFill/>
+              <a:ln>
+                <a:solidFill>
+                  <a:srgbClr val="000000"/>
+                </a:solidFill>
+              </a:ln>
+            </p:spPr>
+            <p:style>
+              <a:lnRef idx="1">
+                <a:schemeClr val="accent1"/>
+              </a:lnRef>
+              <a:fillRef idx="3">
+                <a:schemeClr val="accent1"/>
+              </a:fillRef>
+              <a:effectRef idx="2">
+                <a:schemeClr val="accent1"/>
+              </a:effectRef>
+              <a:fontRef idx="minor">
+                <a:schemeClr val="lt1"/>
+              </a:fontRef>
+            </p:style>
+            <p:txBody>
+              <a:bodyPr rtlCol="0" anchor="ctr"/>
+              <a:lstStyle/>
+              <a:p>
+                <a:r>
+                  <a:rPr lang="en-US" sz="3200" dirty="0">
+                    <a:solidFill>
+                      <a:schemeClr val="tx1"/>
+                    </a:solidFill>
+                  </a:rPr>
+                  <a:t>Alice</a:t>
+                </a:r>
+              </a:p>
+            </p:txBody>
+          </p:sp>
+          <p:sp>
+            <p:nvSpPr>
+              <p:cNvPr id="33" name="Rectangle 32"/>
+              <p:cNvSpPr/>
+              <p:nvPr/>
+            </p:nvSpPr>
+            <p:spPr>
+              <a:xfrm>
+                <a:off x="5562600" y="1581150"/>
+                <a:ext cx="1447800" cy="381000"/>
+              </a:xfrm>
+              <a:prstGeom prst="rect">
+                <a:avLst/>
+              </a:prstGeom>
+              <a:grpFill/>
+              <a:ln>
+                <a:solidFill>
+                  <a:srgbClr val="000000"/>
+                </a:solidFill>
+              </a:ln>
+            </p:spPr>
+            <p:style>
+              <a:lnRef idx="1">
+                <a:schemeClr val="accent1"/>
+              </a:lnRef>
+              <a:fillRef idx="3">
+                <a:schemeClr val="accent1"/>
+              </a:fillRef>
+              <a:effectRef idx="2">
+                <a:schemeClr val="accent1"/>
+              </a:effectRef>
+              <a:fontRef idx="minor">
+                <a:schemeClr val="lt1"/>
+              </a:fontRef>
+            </p:style>
+            <p:txBody>
+              <a:bodyPr rtlCol="0" anchor="ctr"/>
+              <a:lstStyle/>
+              <a:p>
+                <a:pPr algn="ctr"/>
+                <a:r>
+                  <a:rPr lang="en-US" sz="3200" dirty="0">
+                    <a:solidFill>
+                      <a:schemeClr val="tx1"/>
+                    </a:solidFill>
+                  </a:rPr>
+                  <a:t>data</a:t>
+                </a:r>
+              </a:p>
+            </p:txBody>
+          </p:sp>
+        </p:grpSp>
+      </p:grpSp>
+      <p:sp>
+        <p:nvSpPr>
+          <p:cNvPr id="37" name="TextBox 36"/>
+          <p:cNvSpPr txBox="1"/>
+          <p:nvPr/>
+        </p:nvSpPr>
+        <p:spPr>
+          <a:xfrm>
+            <a:off x="6197601" y="5765801"/>
+            <a:ext cx="5114349" cy="584775"/>
+          </a:xfrm>
+          <a:prstGeom prst="rect">
+            <a:avLst/>
+          </a:prstGeom>
+          <a:noFill/>
+          <a:ln>
+            <a:solidFill>
+              <a:srgbClr val="00CC00"/>
+            </a:solidFill>
+          </a:ln>
+        </p:spPr>
+        <p:txBody>
+          <a:bodyPr wrap="none" rtlCol="0">
+            <a:spAutoFit/>
+          </a:bodyPr>
+          <a:lstStyle/>
+          <a:p>
+            <a:r>
+              <a:rPr lang="en-US" sz="3200" dirty="0"/>
+              <a:t>det. enc. enables later lookup</a:t>
+            </a:r>
+          </a:p>
+        </p:txBody>
+      </p:sp>
+      <p:cxnSp>
+        <p:nvCxnSpPr>
+          <p:cNvPr id="6" name="Straight Connector 5"/>
+          <p:cNvCxnSpPr/>
+          <p:nvPr/>
+        </p:nvCxnSpPr>
+        <p:spPr>
+          <a:xfrm>
+            <a:off x="406400" y="4140200"/>
+            <a:ext cx="1320800" cy="0"/>
+          </a:xfrm>
+          <a:prstGeom prst="line">
+            <a:avLst/>
+          </a:prstGeom>
+          <a:ln w="38100"/>
+        </p:spPr>
+        <p:style>
+          <a:lnRef idx="1">
+            <a:schemeClr val="accent1"/>
+          </a:lnRef>
+          <a:fillRef idx="0">
+            <a:schemeClr val="accent1"/>
+          </a:fillRef>
+          <a:effectRef idx="0">
+            <a:schemeClr val="accent1"/>
+          </a:effectRef>
+          <a:fontRef idx="minor">
+            <a:schemeClr val="tx1"/>
+          </a:fontRef>
+        </p:style>
+      </p:cxnSp>
+    </p:spTree>
+    <p:extLst>
+      <p:ext uri="{BB962C8B-B14F-4D97-AF65-F5344CB8AC3E}">
+        <p14:creationId xmlns:p14="http://schemas.microsoft.com/office/powerpoint/2010/main" val="2499244940"/>
+      </p:ext>
+    </p:extLst>
+  </p:cSld>
+  <p:clrMapOvr>
+    <a:masterClrMapping/>
+  </p:clrMapOvr>
+  <p:timing>
+    <p:tnLst>
+      <p:par>
+        <p:cTn id="1" dur="indefinite" restart="never" nodeType="tmRoot">
+          <p:childTnLst>
+            <p:seq concurrent="1" nextAc="seek">
+              <p:cTn id="2" dur="indefinite" nodeType="mainSeq">
+                <p:childTnLst>
+                  <p:par>
+                    <p:cTn id="3" fill="hold">
+                      <p:stCondLst>
+                        <p:cond delay="indefinite"/>
+                      </p:stCondLst>
+                      <p:childTnLst>
+                        <p:par>
+                          <p:cTn id="4" fill="hold">
+                            <p:stCondLst>
+                              <p:cond delay="0"/>
+                            </p:stCondLst>
+                            <p:childTnLst>
+                              <p:par>
+                                <p:cTn id="5" presetID="1" presetClass="entr" presetSubtype="0" fill="hold" nodeType="clickEffect">
+                                  <p:stCondLst>
+                                    <p:cond delay="0"/>
+                                  </p:stCondLst>
+                                  <p:childTnLst>
+                                    <p:set>
+                                      <p:cBhvr>
+                                        <p:cTn id="6" dur="1" fill="hold">
+                                          <p:stCondLst>
+                                            <p:cond delay="0"/>
+                                          </p:stCondLst>
+                                        </p:cTn>
+                                        <p:tgtEl>
+                                          <p:spTgt spid="34"/>
+                                        </p:tgtEl>
+                                        <p:attrNameLst>
+                                          <p:attrName>style.visibility</p:attrName>
+                                        </p:attrNameLst>
+                                      </p:cBhvr>
+                                      <p:to>
+                                        <p:strVal val="visible"/>
+                                      </p:to>
+                                    </p:set>
+                                  </p:childTnLst>
+                                </p:cTn>
+                              </p:par>
+                            </p:childTnLst>
+                          </p:cTn>
+                        </p:par>
+                      </p:childTnLst>
+                    </p:cTn>
+                  </p:par>
+                  <p:par>
+                    <p:cTn id="7" fill="hold">
+                      <p:stCondLst>
+                        <p:cond delay="indefinite"/>
+                      </p:stCondLst>
+                      <p:childTnLst>
+                        <p:par>
+                          <p:cTn id="8" fill="hold">
+                            <p:stCondLst>
+                              <p:cond delay="0"/>
+                            </p:stCondLst>
+                            <p:childTnLst>
+                              <p:par>
+                                <p:cTn id="9" presetID="1" presetClass="entr" presetSubtype="0" fill="hold" nodeType="clickEffect">
+                                  <p:stCondLst>
+                                    <p:cond delay="0"/>
+                                  </p:stCondLst>
+                                  <p:childTnLst>
+                                    <p:set>
+                                      <p:cBhvr>
+                                        <p:cTn id="10" dur="1" fill="hold">
+                                          <p:stCondLst>
+                                            <p:cond delay="0"/>
+                                          </p:stCondLst>
+                                        </p:cTn>
+                                        <p:tgtEl>
+                                          <p:spTgt spid="35"/>
+                                        </p:tgtEl>
+                                        <p:attrNameLst>
+                                          <p:attrName>style.visibility</p:attrName>
+                                        </p:attrNameLst>
+                                      </p:cBhvr>
+                                      <p:to>
+                                        <p:strVal val="visible"/>
+                                      </p:to>
+                                    </p:set>
+                                  </p:childTnLst>
+                                </p:cTn>
+                              </p:par>
+                            </p:childTnLst>
+                          </p:cTn>
+                        </p:par>
+                      </p:childTnLst>
+                    </p:cTn>
+                  </p:par>
+                  <p:par>
+                    <p:cTn id="11" fill="hold">
+                      <p:stCondLst>
+                        <p:cond delay="indefinite"/>
+                      </p:stCondLst>
+                      <p:childTnLst>
+                        <p:par>
+                          <p:cTn id="12" fill="hold">
+                            <p:stCondLst>
+                              <p:cond delay="0"/>
+                            </p:stCondLst>
+                            <p:childTnLst>
+                              <p:par>
+                                <p:cTn id="13" presetID="1" presetClass="entr" presetSubtype="0" fill="hold" grpId="0" nodeType="clickEffect">
+                                  <p:stCondLst>
+                                    <p:cond delay="0"/>
+                                  </p:stCondLst>
+                                  <p:childTnLst>
+                                    <p:set>
+                                      <p:cBhvr>
+                                        <p:cTn id="14" dur="1" fill="hold">
+                                          <p:stCondLst>
+                                            <p:cond delay="0"/>
+                                          </p:stCondLst>
+                                        </p:cTn>
+                                        <p:tgtEl>
+                                          <p:spTgt spid="37"/>
+                                        </p:tgtEl>
+                                        <p:attrNameLst>
+                                          <p:attrName>style.visibility</p:attrName>
+                                        </p:attrNameLst>
+                                      </p:cBhvr>
+                                      <p:to>
+                                        <p:strVal val="visible"/>
+                                      </p:to>
+                                    </p:set>
+                                  </p:childTnLst>
+                                </p:cTn>
+                              </p:par>
+                            </p:childTnLst>
+                          </p:cTn>
+                        </p:par>
+                      </p:childTnLst>
+                    </p:cTn>
+                  </p:par>
+                </p:childTnLst>
+              </p:cTn>
+              <p:prevCondLst>
+                <p:cond evt="onPrev" delay="0">
+                  <p:tgtEl>
+                    <p:sldTgt/>
+                  </p:tgtEl>
+                </p:cond>
+              </p:prevCondLst>
+              <p:nextCondLst>
+                <p:cond evt="onNext" delay="0">
+                  <p:tgtEl>
+                    <p:sldTgt/>
+                  </p:tgtEl>
+                </p:cond>
+              </p:nextCondLst>
+            </p:seq>
+          </p:childTnLst>
+        </p:cTn>
+      </p:par>
+    </p:tnLst>
+    <p:bldLst>
+      <p:bldP spid="37" grpId="0" animBg="1"/>
+    </p:bldLst>
+  </p:timing>
+</p:sld>
+</file>
+
+<file path=ppt/slides/slide32.xml><?xml version="1.0" encoding="utf-8"?>
+<p:sld xmlns:a="http://schemas.openxmlformats.org/drawingml/2006/main" xmlns:r="http://schemas.openxmlformats.org/officeDocument/2006/relationships" xmlns:p="http://schemas.openxmlformats.org/presentationml/2006/main">
+  <p:cSld>
+    <p:spTree>
+      <p:nvGrpSpPr>
+        <p:cNvPr id="1" name=""/>
+        <p:cNvGrpSpPr/>
+        <p:nvPr/>
+      </p:nvGrpSpPr>
+      <p:grpSpPr>
+        <a:xfrm>
+          <a:off x="0" y="0"/>
+          <a:ext cx="0" cy="0"/>
+          <a:chOff x="0" y="0"/>
+          <a:chExt cx="0" cy="0"/>
+        </a:xfrm>
+      </p:grpSpPr>
+      <p:sp>
+        <p:nvSpPr>
           <p:cNvPr id="2" name="Заголовок 1"/>
           <p:cNvSpPr>
             <a:spLocks noGrp="1"/>
@@ -26917,7 +27216,7 @@
           <a:p>
             <a:fld id="{8253DDDB-F8F7-4D64-A7FD-3F3D61C1949F}" type="slidenum">
               <a:rPr lang="ru-RU" smtClean="0"/>
-              <a:t>30</a:t>
+              <a:t>32</a:t>
             </a:fld>
             <a:endParaRPr lang="ru-RU"/>
           </a:p>
@@ -26943,7 +27242,7 @@
 </p:sld>
 </file>
 
-<file path=ppt/slides/slide31.xml><?xml version="1.0" encoding="utf-8"?>
+<file path=ppt/slides/slide33.xml><?xml version="1.0" encoding="utf-8"?>
 <p:sld xmlns:a="http://schemas.openxmlformats.org/drawingml/2006/main" xmlns:r="http://schemas.openxmlformats.org/officeDocument/2006/relationships" xmlns:p="http://schemas.openxmlformats.org/presentationml/2006/main">
   <p:cSld>
     <p:spTree>
@@ -27356,7 +27655,7 @@
                   <a:t> только уникальные сообщения, т.е. </a:t>
                 </a:r>
                 <a:r>
-                  <a:rPr lang="en-US" b="1" dirty="0">
+                  <a:rPr lang="en-US" i="1" dirty="0">
                     <a:solidFill>
                       <a:schemeClr val="tx1"/>
                     </a:solidFill>
@@ -27364,7 +27663,7 @@
                   <a:t>m</a:t>
                 </a:r>
                 <a:r>
-                  <a:rPr lang="en-US" b="1" baseline="-25000" dirty="0">
+                  <a:rPr lang="en-US" baseline="-25000" dirty="0">
                     <a:solidFill>
                       <a:schemeClr val="tx1"/>
                     </a:solidFill>
@@ -27372,15 +27671,19 @@
                   <a:t>1,0</a:t>
                 </a:r>
                 <a:r>
-                  <a:rPr lang="en-US" b="1" dirty="0">
+                  <a:rPr lang="en-US" dirty="0">
                     <a:solidFill>
                       <a:schemeClr val="tx1"/>
                     </a:solidFill>
                   </a:rPr>
-                  <a:t>, …, m</a:t>
-                </a:r>
-                <a:r>
-                  <a:rPr lang="en-US" b="1" baseline="-25000" dirty="0">
+                  <a:t>, …, </a:t>
+                </a:r>
+                <a:r>
+                  <a:rPr lang="en-US" i="1" dirty="0"/>
+                  <a:t>m</a:t>
+                </a:r>
+                <a:r>
+                  <a:rPr lang="en-US" baseline="-25000" dirty="0" smtClean="0">
                     <a:solidFill>
                       <a:schemeClr val="tx1"/>
                     </a:solidFill>
@@ -27388,7 +27691,7 @@
                   <a:t>q,0</a:t>
                 </a:r>
                 <a:r>
-                  <a:rPr lang="en-US" b="1" dirty="0">
+                  <a:rPr lang="en-US" b="1" dirty="0" smtClean="0">
                     <a:solidFill>
                       <a:schemeClr val="tx1"/>
                     </a:solidFill>
@@ -27396,7 +27699,7 @@
                   <a:t>  </a:t>
                 </a:r>
                 <a:r>
-                  <a:rPr lang="ru-RU" b="1" dirty="0" smtClean="0">
+                  <a:rPr lang="ru-RU" dirty="0" smtClean="0">
                     <a:solidFill>
                       <a:schemeClr val="tx1"/>
                     </a:solidFill>
@@ -27425,7 +27728,7 @@
                   <a:buNone/>
                 </a:pPr>
                 <a:r>
-                  <a:rPr lang="en-US" b="1" dirty="0" smtClean="0">
+                  <a:rPr lang="en-US" i="1" dirty="0" smtClean="0">
                     <a:solidFill>
                       <a:schemeClr val="tx1"/>
                     </a:solidFill>
@@ -27433,7 +27736,7 @@
                   <a:t>m</a:t>
                 </a:r>
                 <a:r>
-                  <a:rPr lang="en-US" b="1" baseline="-25000" dirty="0" smtClean="0">
+                  <a:rPr lang="en-US" baseline="-25000" dirty="0" smtClean="0">
                     <a:solidFill>
                       <a:schemeClr val="tx1"/>
                     </a:solidFill>
@@ -27441,20 +27744,20 @@
                   <a:t>1,1</a:t>
                 </a:r>
                 <a:r>
-                  <a:rPr lang="en-US" b="1" dirty="0">
+                  <a:rPr lang="en-US" dirty="0">
                     <a:solidFill>
                       <a:schemeClr val="tx1"/>
                     </a:solidFill>
                   </a:rPr>
-                  <a:t>, …, m</a:t>
-                </a:r>
-                <a:r>
-                  <a:rPr lang="en-US" b="1" baseline="-25000" dirty="0">
+                  <a:t>, …, </a:t>
+                </a:r>
+                <a:r>
+                  <a:rPr lang="en-US" i="1" dirty="0">
                     <a:solidFill>
                       <a:schemeClr val="tx1"/>
                     </a:solidFill>
                   </a:rPr>
-                  <a:t>q,</a:t>
+                  <a:t>m</a:t>
                 </a:r>
                 <a:r>
                   <a:rPr lang="en-US" baseline="-25000" dirty="0">
@@ -27462,7 +27765,7 @@
                       <a:schemeClr val="tx1"/>
                     </a:solidFill>
                   </a:rPr>
-                  <a:t>1</a:t>
+                  <a:t>q,1</a:t>
                 </a:r>
                 <a:r>
                   <a:rPr lang="en-US" dirty="0">
@@ -27699,15 +28002,7 @@
                 </a:r>
                 <a:r>
                   <a:rPr lang="ru-RU" dirty="0" smtClean="0"/>
-                  <a:t> стойким</a:t>
-                </a:r>
-                <a:r>
-                  <a:rPr lang="en-US" dirty="0" smtClean="0"/>
-                  <a:t> </a:t>
-                </a:r>
-                <a:r>
-                  <a:rPr lang="ru-RU" dirty="0" smtClean="0"/>
-                  <a:t>детерминированным, </a:t>
+                  <a:t> стойким, </a:t>
                 </a:r>
                 <a:r>
                   <a:rPr lang="ru-RU" dirty="0"/>
@@ -28054,7 +28349,7 @@
               <a:prstGeom prst="rect">
                 <a:avLst/>
               </a:prstGeom>
-              <a:blipFill rotWithShape="0">
+              <a:blipFill>
                 <a:blip r:embed="rId3"/>
                 <a:stretch>
                   <a:fillRect l="-526" t="-1226"/>
@@ -28184,7 +28479,7 @@
           <a:lstStyle/>
           <a:p>
             <a:r>
-              <a:rPr lang="en-US" sz="3200" dirty="0"/>
+              <a:rPr lang="en-US" sz="3200" i="1" dirty="0"/>
               <a:t>b</a:t>
             </a:r>
           </a:p>
@@ -28263,16 +28558,22 @@
           <a:lstStyle/>
           <a:p>
             <a:r>
-              <a:rPr lang="en-US" sz="2400"/>
+              <a:rPr lang="en-US" sz="2400" i="1" dirty="0" err="1"/>
               <a:t>k</a:t>
             </a:r>
             <a:r>
-              <a:rPr lang="en-US" sz="2400">
+              <a:rPr lang="en-US" sz="2400" dirty="0" err="1">
                 <a:sym typeface="Symbol" pitchFamily="18" charset="2"/>
               </a:rPr>
-              <a:t>K</a:t>
+              <a:t></a:t>
             </a:r>
-            <a:endParaRPr lang="en-US" sz="2400" b="1">
+            <a:r>
+              <a:rPr lang="en-US" sz="2400" i="1" dirty="0" err="1">
+                <a:sym typeface="Symbol" pitchFamily="18" charset="2"/>
+              </a:rPr>
+              <a:t>K</a:t>
+            </a:r>
+            <a:endParaRPr lang="en-US" sz="2400" b="1" i="1" dirty="0">
               <a:cs typeface="Arial" charset="0"/>
               <a:sym typeface="Symbol" pitchFamily="18" charset="2"/>
             </a:endParaRPr>
@@ -28360,8 +28661,12 @@
             <a:lstStyle/>
             <a:p>
               <a:r>
+                <a:rPr lang="en-US" sz="3200" i="1" dirty="0"/>
+                <a:t>b</a:t>
+              </a:r>
+              <a:r>
                 <a:rPr lang="en-US" sz="3200" dirty="0"/>
-                <a:t>b’ </a:t>
+                <a:t>’ </a:t>
               </a:r>
               <a:r>
                 <a:rPr lang="en-US" sz="2667" dirty="0">
@@ -28490,7 +28795,7 @@
             <a:lstStyle/>
             <a:p>
               <a:r>
-                <a:rPr lang="en-US" sz="2667" dirty="0"/>
+                <a:rPr lang="en-US" sz="2667" i="1" dirty="0"/>
                 <a:t>m</a:t>
               </a:r>
               <a:r>
@@ -28499,7 +28804,11 @@
               </a:r>
               <a:r>
                 <a:rPr lang="en-US" sz="2667" dirty="0"/>
-                <a:t> , m</a:t>
+                <a:t> , </a:t>
+              </a:r>
+              <a:r>
+                <a:rPr lang="en-US" sz="2667" i="1" dirty="0"/>
+                <a:t>m</a:t>
               </a:r>
               <a:r>
                 <a:rPr lang="en-US" sz="2667" baseline="-25000" dirty="0"/>
@@ -28509,7 +28818,13 @@
                 <a:rPr lang="en-US" sz="2400" dirty="0">
                   <a:sym typeface="Symbol" pitchFamily="18" charset="2"/>
                 </a:rPr>
-                <a:t> M :    |m</a:t>
+                <a:t> M :    |</a:t>
+              </a:r>
+              <a:r>
+                <a:rPr lang="en-US" sz="2400" i="1" dirty="0">
+                  <a:sym typeface="Symbol" pitchFamily="18" charset="2"/>
+                </a:rPr>
+                <a:t>m</a:t>
               </a:r>
               <a:r>
                 <a:rPr lang="en-US" sz="2400" baseline="-25000" dirty="0">
@@ -28521,7 +28836,13 @@
                 <a:rPr lang="en-US" sz="2400" dirty="0">
                   <a:sym typeface="Symbol" pitchFamily="18" charset="2"/>
                 </a:rPr>
-                <a:t>| = |m</a:t>
+                <a:t>| = |</a:t>
+              </a:r>
+              <a:r>
+                <a:rPr lang="en-US" sz="2400" i="1" dirty="0">
+                  <a:sym typeface="Symbol" pitchFamily="18" charset="2"/>
+                </a:rPr>
+                <a:t>m</a:t>
               </a:r>
               <a:r>
                 <a:rPr lang="en-US" sz="2400" baseline="-25000" dirty="0">
@@ -28640,19 +28961,31 @@
                 <a:t> </a:t>
               </a:r>
               <a:r>
+                <a:rPr lang="en-US" sz="2400" i="1" dirty="0"/>
+                <a:t>E</a:t>
+              </a:r>
+              <a:r>
                 <a:rPr lang="en-US" sz="2400" dirty="0"/>
-                <a:t>E(k,</a:t>
+                <a:t>(</a:t>
+              </a:r>
+              <a:r>
+                <a:rPr lang="en-US" sz="2400" i="1" dirty="0"/>
+                <a:t>k</a:t>
+              </a:r>
+              <a:r>
+                <a:rPr lang="en-US" sz="2400" dirty="0"/>
+                <a:t>,</a:t>
               </a:r>
               <a:r>
                 <a:rPr lang="en-US" sz="2667" b="1" dirty="0"/>
                 <a:t> </a:t>
               </a:r>
               <a:r>
-                <a:rPr lang="en-US" sz="2667" b="1" dirty="0" err="1"/>
+                <a:rPr lang="en-US" sz="2667" i="1" dirty="0" err="1"/>
                 <a:t>m</a:t>
               </a:r>
               <a:r>
-                <a:rPr lang="en-US" sz="2667" b="1" baseline="-25000" dirty="0" err="1"/>
+                <a:rPr lang="en-US" sz="2667" i="1" baseline="-25000" dirty="0" err="1"/>
                 <a:t>i,b</a:t>
               </a:r>
               <a:r>
@@ -28690,12 +29023,20 @@
               <a:t>for </a:t>
             </a:r>
             <a:r>
-              <a:rPr lang="en-US" sz="2667" dirty="0" err="1"/>
+              <a:rPr lang="en-US" sz="2667" i="1" dirty="0" err="1"/>
               <a:t>i</a:t>
             </a:r>
             <a:r>
               <a:rPr lang="en-US" sz="2667" dirty="0"/>
-              <a:t>=1,…,q:  </a:t>
+              <a:t>=1,…,</a:t>
+            </a:r>
+            <a:r>
+              <a:rPr lang="en-US" sz="2667" i="1" dirty="0"/>
+              <a:t>q</a:t>
+            </a:r>
+            <a:r>
+              <a:rPr lang="en-US" sz="2667" dirty="0"/>
+              <a:t>:  </a:t>
             </a:r>
           </a:p>
         </p:txBody>
@@ -28720,7 +29061,7 @@
 </p:sld>
 </file>
 
-<file path=ppt/slides/slide32.xml><?xml version="1.0" encoding="utf-8"?>
+<file path=ppt/slides/slide34.xml><?xml version="1.0" encoding="utf-8"?>
 <p:sld xmlns:a="http://schemas.openxmlformats.org/drawingml/2006/main" xmlns:r="http://schemas.openxmlformats.org/officeDocument/2006/relationships" xmlns:p="http://schemas.openxmlformats.org/presentationml/2006/main">
   <p:cSld>
     <p:spTree>
@@ -30320,7 +30661,7 @@
 </p:sld>
 </file>
 
-<file path=ppt/slides/slide33.xml><?xml version="1.0" encoding="utf-8"?>
+<file path=ppt/slides/slide35.xml><?xml version="1.0" encoding="utf-8"?>
 <p:sld xmlns:a="http://schemas.openxmlformats.org/drawingml/2006/main" xmlns:r="http://schemas.openxmlformats.org/officeDocument/2006/relationships" xmlns:p="http://schemas.openxmlformats.org/presentationml/2006/main">
   <p:cSld>
     <p:spTree>
@@ -31996,7 +32337,7 @@
 </p:sld>
 </file>
 
-<file path=ppt/slides/slide34.xml><?xml version="1.0" encoding="utf-8"?>
+<file path=ppt/slides/slide36.xml><?xml version="1.0" encoding="utf-8"?>
 <p:sld xmlns:a="http://schemas.openxmlformats.org/drawingml/2006/main" xmlns:r="http://schemas.openxmlformats.org/officeDocument/2006/relationships" xmlns:p="http://schemas.openxmlformats.org/presentationml/2006/main">
   <p:cSld>
     <p:spTree>
@@ -32251,6 +32592,9 @@
                     </m:r>
                     <m:r>
                       <a:rPr lang="en-US" b="0" i="1" smtClean="0">
+                        <a:solidFill>
+                          <a:srgbClr val="FF0000"/>
+                        </a:solidFill>
                         <a:latin typeface="Cambria Math" panose="02040503050406030204" pitchFamily="18" charset="0"/>
                       </a:rPr>
                       <m:t>𝑟</m:t>
@@ -32283,6 +32627,9 @@
                   <m:oMath xmlns:m="http://schemas.openxmlformats.org/officeDocument/2006/math">
                     <m:r>
                       <a:rPr lang="en-US" b="0" i="1" smtClean="0">
+                        <a:solidFill>
+                          <a:srgbClr val="FF0000"/>
+                        </a:solidFill>
                         <a:latin typeface="Cambria Math" panose="02040503050406030204" pitchFamily="18" charset="0"/>
                       </a:rPr>
                       <m:t>𝑟</m:t>
@@ -32291,6 +32638,9 @@
                       <m:sSubPr>
                         <m:ctrlPr>
                           <a:rPr lang="en-US" b="0" i="1" smtClean="0">
+                            <a:solidFill>
+                              <a:srgbClr val="FF0000"/>
+                            </a:solidFill>
                             <a:latin typeface="Cambria Math" panose="02040503050406030204" pitchFamily="18" charset="0"/>
                           </a:rPr>
                         </m:ctrlPr>
@@ -32298,6 +32648,9 @@
                       <m:e>
                         <m:r>
                           <a:rPr lang="en-US" b="0" i="1" smtClean="0">
+                            <a:solidFill>
+                              <a:srgbClr val="FF0000"/>
+                            </a:solidFill>
                             <a:latin typeface="Cambria Math" panose="02040503050406030204" pitchFamily="18" charset="0"/>
                           </a:rPr>
                           <m:t>∈</m:t>
@@ -32306,6 +32659,9 @@
                       <m:sub>
                         <m:r>
                           <a:rPr lang="en-US" b="0" i="1" smtClean="0">
+                            <a:solidFill>
+                              <a:srgbClr val="FF0000"/>
+                            </a:solidFill>
                             <a:latin typeface="Cambria Math" panose="02040503050406030204" pitchFamily="18" charset="0"/>
                           </a:rPr>
                           <m:t>𝑅</m:t>
@@ -32314,6 +32670,9 @@
                     </m:sSub>
                     <m:r>
                       <a:rPr lang="en-US" b="0" i="1" smtClean="0">
+                        <a:solidFill>
+                          <a:srgbClr val="FF0000"/>
+                        </a:solidFill>
                         <a:latin typeface="Cambria Math" panose="02040503050406030204" pitchFamily="18" charset="0"/>
                       </a:rPr>
                       <m:t>𝑅</m:t>
@@ -32550,6 +32909,9 @@
                           <m:sSupPr>
                             <m:ctrlPr>
                               <a:rPr lang="en-US" b="0" i="1" smtClean="0">
+                                <a:solidFill>
+                                  <a:srgbClr val="FF0000"/>
+                                </a:solidFill>
                                 <a:latin typeface="Cambria Math" panose="02040503050406030204" pitchFamily="18" charset="0"/>
                               </a:rPr>
                             </m:ctrlPr>
@@ -32557,6 +32919,9 @@
                           <m:e>
                             <m:r>
                               <a:rPr lang="en-US" b="0" i="1" smtClean="0">
+                                <a:solidFill>
+                                  <a:srgbClr val="FF0000"/>
+                                </a:solidFill>
                                 <a:latin typeface="Cambria Math" panose="02040503050406030204" pitchFamily="18" charset="0"/>
                               </a:rPr>
                               <m:t>𝐾</m:t>
@@ -32565,6 +32930,9 @@
                           <m:sup>
                             <m:r>
                               <a:rPr lang="en-US" b="0" i="1" smtClean="0">
+                                <a:solidFill>
+                                  <a:srgbClr val="FF0000"/>
+                                </a:solidFill>
                                 <a:latin typeface="Cambria Math" panose="02040503050406030204" pitchFamily="18" charset="0"/>
                               </a:rPr>
                               <m:t>′</m:t>
@@ -32676,6 +33044,9 @@
                                 <m:sSupPr>
                                   <m:ctrlPr>
                                     <a:rPr lang="en-US" b="0" i="1" smtClean="0">
+                                      <a:solidFill>
+                                        <a:srgbClr val="FF0000"/>
+                                      </a:solidFill>
                                       <a:latin typeface="Cambria Math" panose="02040503050406030204" pitchFamily="18" charset="0"/>
                                     </a:rPr>
                                   </m:ctrlPr>
@@ -32683,6 +33054,9 @@
                                 <m:e>
                                   <m:r>
                                     <a:rPr lang="en-US" b="0" i="1" smtClean="0">
+                                      <a:solidFill>
+                                        <a:srgbClr val="FF0000"/>
+                                      </a:solidFill>
                                       <a:latin typeface="Cambria Math" panose="02040503050406030204" pitchFamily="18" charset="0"/>
                                     </a:rPr>
                                     <m:t>𝑘</m:t>
@@ -32691,6 +33065,9 @@
                                 <m:sup>
                                   <m:r>
                                     <a:rPr lang="en-US" b="0" i="1" smtClean="0">
+                                      <a:solidFill>
+                                        <a:srgbClr val="FF0000"/>
+                                      </a:solidFill>
                                       <a:latin typeface="Cambria Math" panose="02040503050406030204" pitchFamily="18" charset="0"/>
                                     </a:rPr>
                                     <m:t>′</m:t>
@@ -32760,6 +33137,9 @@
                           </m:r>
                           <m:r>
                             <a:rPr lang="en-US" b="0" i="1" smtClean="0">
+                              <a:solidFill>
+                                <a:srgbClr val="FF0000"/>
+                              </a:solidFill>
                               <a:latin typeface="Cambria Math" panose="02040503050406030204" pitchFamily="18" charset="0"/>
                             </a:rPr>
                             <m:t>𝐹</m:t>
@@ -32768,6 +33148,9 @@
                             <m:dPr>
                               <m:ctrlPr>
                                 <a:rPr lang="en-US" b="0" i="1" smtClean="0">
+                                  <a:solidFill>
+                                    <a:srgbClr val="FF0000"/>
+                                  </a:solidFill>
                                   <a:latin typeface="Cambria Math" panose="02040503050406030204" pitchFamily="18" charset="0"/>
                                 </a:rPr>
                               </m:ctrlPr>
@@ -32777,6 +33160,9 @@
                                 <m:sSupPr>
                                   <m:ctrlPr>
                                     <a:rPr lang="en-US" b="0" i="1" smtClean="0">
+                                      <a:solidFill>
+                                        <a:srgbClr val="FF0000"/>
+                                      </a:solidFill>
                                       <a:latin typeface="Cambria Math" panose="02040503050406030204" pitchFamily="18" charset="0"/>
                                     </a:rPr>
                                   </m:ctrlPr>
@@ -32784,6 +33170,9 @@
                                 <m:e>
                                   <m:r>
                                     <a:rPr lang="en-US" b="0" i="1" smtClean="0">
+                                      <a:solidFill>
+                                        <a:srgbClr val="FF0000"/>
+                                      </a:solidFill>
                                       <a:latin typeface="Cambria Math" panose="02040503050406030204" pitchFamily="18" charset="0"/>
                                     </a:rPr>
                                     <m:t>𝑘</m:t>
@@ -32792,6 +33181,9 @@
                                 <m:sup>
                                   <m:r>
                                     <a:rPr lang="en-US" b="0" i="1" smtClean="0">
+                                      <a:solidFill>
+                                        <a:srgbClr val="FF0000"/>
+                                      </a:solidFill>
                                       <a:latin typeface="Cambria Math" panose="02040503050406030204" pitchFamily="18" charset="0"/>
                                     </a:rPr>
                                     <m:t>′</m:t>
@@ -32800,12 +33192,18 @@
                               </m:sSup>
                               <m:r>
                                 <a:rPr lang="en-US" b="0" i="1" smtClean="0">
+                                  <a:solidFill>
+                                    <a:srgbClr val="FF0000"/>
+                                  </a:solidFill>
                                   <a:latin typeface="Cambria Math" panose="02040503050406030204" pitchFamily="18" charset="0"/>
                                 </a:rPr>
                                 <m:t>,</m:t>
                               </m:r>
                               <m:r>
                                 <a:rPr lang="en-US" b="0" i="1" smtClean="0">
+                                  <a:solidFill>
+                                    <a:srgbClr val="FF0000"/>
+                                  </a:solidFill>
                                   <a:latin typeface="Cambria Math" panose="02040503050406030204" pitchFamily="18" charset="0"/>
                                 </a:rPr>
                                 <m:t>𝑚</m:t>
@@ -32894,6 +33292,9 @@
                                 <m:sSupPr>
                                   <m:ctrlPr>
                                     <a:rPr lang="en-US" b="0" i="1" smtClean="0">
+                                      <a:solidFill>
+                                        <a:srgbClr val="FF0000"/>
+                                      </a:solidFill>
                                       <a:latin typeface="Cambria Math" panose="02040503050406030204" pitchFamily="18" charset="0"/>
                                     </a:rPr>
                                   </m:ctrlPr>
@@ -32901,6 +33302,9 @@
                                 <m:e>
                                   <m:r>
                                     <a:rPr lang="en-US" b="0" i="1" smtClean="0">
+                                      <a:solidFill>
+                                        <a:srgbClr val="FF0000"/>
+                                      </a:solidFill>
                                       <a:latin typeface="Cambria Math" panose="02040503050406030204" pitchFamily="18" charset="0"/>
                                     </a:rPr>
                                     <m:t>𝑘</m:t>
@@ -32909,6 +33313,9 @@
                                 <m:sup>
                                   <m:r>
                                     <a:rPr lang="en-US" b="0" i="1" smtClean="0">
+                                      <a:solidFill>
+                                        <a:srgbClr val="FF0000"/>
+                                      </a:solidFill>
                                       <a:latin typeface="Cambria Math" panose="02040503050406030204" pitchFamily="18" charset="0"/>
                                     </a:rPr>
                                     <m:t>′</m:t>
@@ -33001,12 +33408,8 @@
                   <a:t>NB: </a:t>
                 </a:r>
                 <a:r>
-                  <a:rPr lang="ru-RU" smtClean="0"/>
-                  <a:t>конструкция </a:t>
-                </a:r>
-                <a:r>
                   <a:rPr lang="ru-RU" dirty="0" smtClean="0"/>
-                  <a:t>похожа на использование </a:t>
+                  <a:t>конструкция похожа на использование </a:t>
                 </a:r>
                 <a:r>
                   <a:rPr lang="en-US" dirty="0" smtClean="0"/>
@@ -33196,7 +33599,7 @@
           <a:p>
             <a:fld id="{8253DDDB-F8F7-4D64-A7FD-3F3D61C1949F}" type="slidenum">
               <a:rPr lang="ru-RU" smtClean="0"/>
-              <a:t>34</a:t>
+              <a:t>36</a:t>
             </a:fld>
             <a:endParaRPr lang="ru-RU"/>
           </a:p>
@@ -33222,7 +33625,1118 @@
 </p:sld>
 </file>
 
-<file path=ppt/slides/slide35.xml><?xml version="1.0" encoding="utf-8"?>
+<file path=ppt/slides/slide37.xml><?xml version="1.0" encoding="utf-8"?>
+<p:sld xmlns:a="http://schemas.openxmlformats.org/drawingml/2006/main" xmlns:r="http://schemas.openxmlformats.org/officeDocument/2006/relationships" xmlns:p="http://schemas.openxmlformats.org/presentationml/2006/main">
+  <p:cSld>
+    <p:spTree>
+      <p:nvGrpSpPr>
+        <p:cNvPr id="1" name=""/>
+        <p:cNvGrpSpPr/>
+        <p:nvPr/>
+      </p:nvGrpSpPr>
+      <p:grpSpPr>
+        <a:xfrm>
+          <a:off x="0" y="0"/>
+          <a:ext cx="0" cy="0"/>
+          <a:chOff x="0" y="0"/>
+          <a:chExt cx="0" cy="0"/>
+        </a:xfrm>
+      </p:grpSpPr>
+      <p:sp>
+        <p:nvSpPr>
+          <p:cNvPr id="2" name="Заголовок 1"/>
+          <p:cNvSpPr>
+            <a:spLocks noGrp="1"/>
+          </p:cNvSpPr>
+          <p:nvPr>
+            <p:ph type="title"/>
+          </p:nvPr>
+        </p:nvSpPr>
+        <p:spPr/>
+        <p:txBody>
+          <a:bodyPr/>
+          <a:lstStyle/>
+          <a:p>
+            <a:r>
+              <a:rPr lang="ru-RU" dirty="0" smtClean="0"/>
+              <a:t>Поиск с использованием маски</a:t>
+            </a:r>
+            <a:endParaRPr lang="ru-RU" dirty="0"/>
+          </a:p>
+        </p:txBody>
+      </p:sp>
+      <p:sp>
+        <p:nvSpPr>
+          <p:cNvPr id="3" name="Объект 2"/>
+          <p:cNvSpPr>
+            <a:spLocks noGrp="1"/>
+          </p:cNvSpPr>
+          <p:nvPr>
+            <p:ph idx="1"/>
+          </p:nvPr>
+        </p:nvSpPr>
+        <p:spPr/>
+        <p:txBody>
+          <a:bodyPr/>
+          <a:lstStyle/>
+          <a:p>
+            <a:r>
+              <a:rPr lang="ru-RU" dirty="0" smtClean="0"/>
+              <a:t>Основания идея – после детерминированного шифрования накладывать на шифртекст некоторую маску, которая может быть использована для поиска</a:t>
+            </a:r>
+            <a:endParaRPr lang="ru-RU" dirty="0"/>
+          </a:p>
+        </p:txBody>
+      </p:sp>
+      <p:sp>
+        <p:nvSpPr>
+          <p:cNvPr id="4" name="Номер слайда 3"/>
+          <p:cNvSpPr>
+            <a:spLocks noGrp="1"/>
+          </p:cNvSpPr>
+          <p:nvPr>
+            <p:ph type="sldNum" sz="quarter" idx="12"/>
+          </p:nvPr>
+        </p:nvSpPr>
+        <p:spPr/>
+        <p:txBody>
+          <a:bodyPr/>
+          <a:lstStyle/>
+          <a:p>
+            <a:fld id="{8253DDDB-F8F7-4D64-A7FD-3F3D61C1949F}" type="slidenum">
+              <a:rPr lang="ru-RU" smtClean="0"/>
+              <a:t>37</a:t>
+            </a:fld>
+            <a:endParaRPr lang="ru-RU"/>
+          </a:p>
+        </p:txBody>
+      </p:sp>
+      <p:pic>
+        <p:nvPicPr>
+          <p:cNvPr id="5" name="Рисунок 4"/>
+          <p:cNvPicPr>
+            <a:picLocks noChangeAspect="1"/>
+          </p:cNvPicPr>
+          <p:nvPr/>
+        </p:nvPicPr>
+        <p:blipFill>
+          <a:blip r:embed="rId2"/>
+          <a:stretch>
+            <a:fillRect/>
+          </a:stretch>
+        </p:blipFill>
+        <p:spPr>
+          <a:xfrm>
+            <a:off x="2454519" y="3659396"/>
+            <a:ext cx="7282962" cy="2517567"/>
+          </a:xfrm>
+          <a:prstGeom prst="rect">
+            <a:avLst/>
+          </a:prstGeom>
+        </p:spPr>
+      </p:pic>
+    </p:spTree>
+    <p:extLst>
+      <p:ext uri="{BB962C8B-B14F-4D97-AF65-F5344CB8AC3E}">
+        <p14:creationId xmlns:p14="http://schemas.microsoft.com/office/powerpoint/2010/main" val="3895522431"/>
+      </p:ext>
+    </p:extLst>
+  </p:cSld>
+  <p:clrMapOvr>
+    <a:masterClrMapping/>
+  </p:clrMapOvr>
+  <p:timing>
+    <p:tnLst>
+      <p:par>
+        <p:cTn id="1" dur="indefinite" restart="never" nodeType="tmRoot"/>
+      </p:par>
+    </p:tnLst>
+  </p:timing>
+</p:sld>
+</file>
+
+<file path=ppt/slides/slide38.xml><?xml version="1.0" encoding="utf-8"?>
+<p:sld xmlns:a="http://schemas.openxmlformats.org/drawingml/2006/main" xmlns:r="http://schemas.openxmlformats.org/officeDocument/2006/relationships" xmlns:p="http://schemas.openxmlformats.org/presentationml/2006/main">
+  <p:cSld>
+    <p:spTree>
+      <p:nvGrpSpPr>
+        <p:cNvPr id="1" name=""/>
+        <p:cNvGrpSpPr/>
+        <p:nvPr/>
+      </p:nvGrpSpPr>
+      <p:grpSpPr>
+        <a:xfrm>
+          <a:off x="0" y="0"/>
+          <a:ext cx="0" cy="0"/>
+          <a:chOff x="0" y="0"/>
+          <a:chExt cx="0" cy="0"/>
+        </a:xfrm>
+      </p:grpSpPr>
+      <p:sp>
+        <p:nvSpPr>
+          <p:cNvPr id="2" name="Заголовок 1"/>
+          <p:cNvSpPr>
+            <a:spLocks noGrp="1"/>
+          </p:cNvSpPr>
+          <p:nvPr>
+            <p:ph type="title"/>
+          </p:nvPr>
+        </p:nvSpPr>
+        <p:spPr/>
+        <p:txBody>
+          <a:bodyPr/>
+          <a:lstStyle/>
+          <a:p>
+            <a:r>
+              <a:rPr lang="ru-RU" dirty="0" smtClean="0"/>
+              <a:t>Поиск с использованием маски</a:t>
+            </a:r>
+            <a:endParaRPr lang="ru-RU" dirty="0"/>
+          </a:p>
+        </p:txBody>
+      </p:sp>
+      <mc:AlternateContent xmlns:mc="http://schemas.openxmlformats.org/markup-compatibility/2006" xmlns:a14="http://schemas.microsoft.com/office/drawing/2010/main">
+        <mc:Choice Requires="a14">
+          <p:sp>
+            <p:nvSpPr>
+              <p:cNvPr id="3" name="Объект 2"/>
+              <p:cNvSpPr>
+                <a:spLocks noGrp="1"/>
+              </p:cNvSpPr>
+              <p:nvPr>
+                <p:ph idx="1"/>
+              </p:nvPr>
+            </p:nvSpPr>
+            <p:spPr/>
+            <p:txBody>
+              <a:bodyPr/>
+              <a:lstStyle/>
+              <a:p>
+                <a:r>
+                  <a:rPr lang="ru-RU" dirty="0" smtClean="0"/>
+                  <a:t>Пример – </a:t>
+                </a:r>
+                <a:r>
+                  <a:rPr lang="en-US" dirty="0" smtClean="0"/>
+                  <a:t>Song</a:t>
+                </a:r>
+                <a:r>
+                  <a:rPr lang="ru-RU" dirty="0" smtClean="0"/>
+                  <a:t>, </a:t>
+                </a:r>
+                <a:r>
+                  <a:rPr lang="en-US" dirty="0" smtClean="0"/>
+                  <a:t>Wagner</a:t>
+                </a:r>
+                <a:r>
+                  <a:rPr lang="ru-RU" dirty="0" smtClean="0"/>
+                  <a:t>, </a:t>
+                </a:r>
+                <a:r>
+                  <a:rPr lang="en-US" dirty="0" err="1" smtClean="0"/>
+                  <a:t>Perrig</a:t>
+                </a:r>
+                <a:r>
+                  <a:rPr lang="ru-RU" dirty="0" smtClean="0"/>
+                  <a:t> «</a:t>
+                </a:r>
+                <a:r>
+                  <a:rPr lang="en-US" dirty="0" smtClean="0"/>
+                  <a:t>Practical</a:t>
+                </a:r>
+                <a:r>
+                  <a:rPr lang="ru-RU" dirty="0" smtClean="0"/>
+                  <a:t> </a:t>
+                </a:r>
+                <a:r>
+                  <a:rPr lang="en-US" dirty="0" smtClean="0"/>
+                  <a:t>Techniques</a:t>
+                </a:r>
+                <a:r>
+                  <a:rPr lang="ru-RU" dirty="0" smtClean="0"/>
+                  <a:t> </a:t>
+                </a:r>
+                <a:r>
+                  <a:rPr lang="en-US" dirty="0" smtClean="0"/>
+                  <a:t>for</a:t>
+                </a:r>
+                <a:r>
+                  <a:rPr lang="ru-RU" dirty="0" smtClean="0"/>
+                  <a:t> </a:t>
+                </a:r>
+                <a:r>
+                  <a:rPr lang="en-US" dirty="0" smtClean="0"/>
+                  <a:t>Searches</a:t>
+                </a:r>
+                <a:r>
+                  <a:rPr lang="ru-RU" dirty="0" smtClean="0"/>
+                  <a:t> </a:t>
+                </a:r>
+                <a:r>
+                  <a:rPr lang="en-US" dirty="0" smtClean="0"/>
+                  <a:t>on</a:t>
+                </a:r>
+                <a:r>
+                  <a:rPr lang="ru-RU" dirty="0" smtClean="0"/>
+                  <a:t> </a:t>
+                </a:r>
+                <a:r>
+                  <a:rPr lang="en-US" dirty="0" smtClean="0"/>
+                  <a:t>Encrypted</a:t>
+                </a:r>
+                <a:r>
+                  <a:rPr lang="ru-RU" dirty="0" smtClean="0"/>
+                  <a:t> </a:t>
+                </a:r>
+                <a:r>
+                  <a:rPr lang="en-US" dirty="0" smtClean="0"/>
+                  <a:t>Data</a:t>
+                </a:r>
+                <a:r>
+                  <a:rPr lang="ru-RU" dirty="0" smtClean="0"/>
+                  <a:t>». </a:t>
+                </a:r>
+                <a14:m>
+                  <m:oMath xmlns:m="http://schemas.openxmlformats.org/officeDocument/2006/math">
+                    <m:r>
+                      <a:rPr lang="en-US" b="0" i="1" smtClean="0">
+                        <a:latin typeface="Cambria Math" panose="02040503050406030204" pitchFamily="18" charset="0"/>
+                      </a:rPr>
+                      <m:t>𝐻</m:t>
+                    </m:r>
+                    <m:r>
+                      <a:rPr lang="en-US" b="0" i="1" smtClean="0">
+                        <a:latin typeface="Cambria Math" panose="02040503050406030204" pitchFamily="18" charset="0"/>
+                      </a:rPr>
+                      <m:t>:</m:t>
+                    </m:r>
+                    <m:r>
+                      <a:rPr lang="en-US" b="0" i="1" smtClean="0">
+                        <a:latin typeface="Cambria Math" panose="02040503050406030204" pitchFamily="18" charset="0"/>
+                      </a:rPr>
+                      <m:t>𝐾</m:t>
+                    </m:r>
+                    <m:r>
+                      <a:rPr lang="en-US" b="0" i="1" smtClean="0">
+                        <a:latin typeface="Cambria Math" panose="02040503050406030204" pitchFamily="18" charset="0"/>
+                      </a:rPr>
+                      <m:t>×</m:t>
+                    </m:r>
+                    <m:r>
+                      <a:rPr lang="en-US" b="0" i="1" smtClean="0">
+                        <a:latin typeface="Cambria Math" panose="02040503050406030204" pitchFamily="18" charset="0"/>
+                      </a:rPr>
+                      <m:t>𝐼</m:t>
+                    </m:r>
+                    <m:r>
+                      <a:rPr lang="en-US" b="0" i="1" smtClean="0">
+                        <a:latin typeface="Cambria Math" panose="02040503050406030204" pitchFamily="18" charset="0"/>
+                      </a:rPr>
+                      <m:t>→</m:t>
+                    </m:r>
+                    <m:r>
+                      <a:rPr lang="en-US" b="0" i="1" smtClean="0">
+                        <a:latin typeface="Cambria Math" panose="02040503050406030204" pitchFamily="18" charset="0"/>
+                      </a:rPr>
+                      <m:t>𝑂</m:t>
+                    </m:r>
+                  </m:oMath>
+                </a14:m>
+                <a:r>
+                  <a:rPr lang="ru-RU" dirty="0" smtClean="0"/>
+                  <a:t> – </a:t>
+                </a:r>
+                <a:r>
+                  <a:rPr lang="en-US" dirty="0" smtClean="0"/>
+                  <a:t>PRF</a:t>
+                </a:r>
+                <a:r>
+                  <a:rPr lang="ru-RU" dirty="0" smtClean="0"/>
+                  <a:t>.</a:t>
+                </a:r>
+                <a:endParaRPr lang="ru-RU" dirty="0"/>
+              </a:p>
+            </p:txBody>
+          </p:sp>
+        </mc:Choice>
+        <mc:Fallback xmlns="">
+          <p:sp>
+            <p:nvSpPr>
+              <p:cNvPr id="3" name="Объект 2"/>
+              <p:cNvSpPr>
+                <a:spLocks noGrp="1" noRot="1" noChangeAspect="1" noMove="1" noResize="1" noEditPoints="1" noAdjustHandles="1" noChangeArrowheads="1" noChangeShapeType="1" noTextEdit="1"/>
+              </p:cNvSpPr>
+              <p:nvPr>
+                <p:ph idx="1"/>
+              </p:nvPr>
+            </p:nvSpPr>
+            <p:spPr>
+              <a:blipFill>
+                <a:blip r:embed="rId2"/>
+                <a:stretch>
+                  <a:fillRect l="-928" t="-2101"/>
+                </a:stretch>
+              </a:blipFill>
+            </p:spPr>
+            <p:txBody>
+              <a:bodyPr/>
+              <a:lstStyle/>
+              <a:p>
+                <a:r>
+                  <a:rPr lang="ru-RU">
+                    <a:noFill/>
+                  </a:rPr>
+                  <a:t> </a:t>
+                </a:r>
+              </a:p>
+            </p:txBody>
+          </p:sp>
+        </mc:Fallback>
+      </mc:AlternateContent>
+      <p:sp>
+        <p:nvSpPr>
+          <p:cNvPr id="4" name="Номер слайда 3"/>
+          <p:cNvSpPr>
+            <a:spLocks noGrp="1"/>
+          </p:cNvSpPr>
+          <p:nvPr>
+            <p:ph type="sldNum" sz="quarter" idx="12"/>
+          </p:nvPr>
+        </p:nvSpPr>
+        <p:spPr/>
+        <p:txBody>
+          <a:bodyPr/>
+          <a:lstStyle/>
+          <a:p>
+            <a:fld id="{8253DDDB-F8F7-4D64-A7FD-3F3D61C1949F}" type="slidenum">
+              <a:rPr lang="ru-RU" smtClean="0"/>
+              <a:t>38</a:t>
+            </a:fld>
+            <a:endParaRPr lang="ru-RU"/>
+          </a:p>
+        </p:txBody>
+      </p:sp>
+      <p:pic>
+        <p:nvPicPr>
+          <p:cNvPr id="6" name="Рисунок 5"/>
+          <p:cNvPicPr>
+            <a:picLocks noChangeAspect="1"/>
+          </p:cNvPicPr>
+          <p:nvPr/>
+        </p:nvPicPr>
+        <p:blipFill>
+          <a:blip r:embed="rId3"/>
+          <a:stretch>
+            <a:fillRect/>
+          </a:stretch>
+        </p:blipFill>
+        <p:spPr>
+          <a:xfrm>
+            <a:off x="433754" y="2897067"/>
+            <a:ext cx="4993664" cy="3071078"/>
+          </a:xfrm>
+          <a:prstGeom prst="rect">
+            <a:avLst/>
+          </a:prstGeom>
+        </p:spPr>
+      </p:pic>
+      <p:pic>
+        <p:nvPicPr>
+          <p:cNvPr id="7" name="Рисунок 6"/>
+          <p:cNvPicPr>
+            <a:picLocks noChangeAspect="1"/>
+          </p:cNvPicPr>
+          <p:nvPr/>
+        </p:nvPicPr>
+        <p:blipFill>
+          <a:blip r:embed="rId4"/>
+          <a:stretch>
+            <a:fillRect/>
+          </a:stretch>
+        </p:blipFill>
+        <p:spPr>
+          <a:xfrm>
+            <a:off x="5427418" y="3025446"/>
+            <a:ext cx="6434152" cy="2814320"/>
+          </a:xfrm>
+          <a:prstGeom prst="rect">
+            <a:avLst/>
+          </a:prstGeom>
+        </p:spPr>
+      </p:pic>
+    </p:spTree>
+    <p:extLst>
+      <p:ext uri="{BB962C8B-B14F-4D97-AF65-F5344CB8AC3E}">
+        <p14:creationId xmlns:p14="http://schemas.microsoft.com/office/powerpoint/2010/main" val="81857722"/>
+      </p:ext>
+    </p:extLst>
+  </p:cSld>
+  <p:clrMapOvr>
+    <a:masterClrMapping/>
+  </p:clrMapOvr>
+  <p:timing>
+    <p:tnLst>
+      <p:par>
+        <p:cTn id="1" dur="indefinite" restart="never" nodeType="tmRoot"/>
+      </p:par>
+    </p:tnLst>
+  </p:timing>
+</p:sld>
+</file>
+
+<file path=ppt/slides/slide39.xml><?xml version="1.0" encoding="utf-8"?>
+<p:sld xmlns:a="http://schemas.openxmlformats.org/drawingml/2006/main" xmlns:r="http://schemas.openxmlformats.org/officeDocument/2006/relationships" xmlns:p="http://schemas.openxmlformats.org/presentationml/2006/main">
+  <p:cSld>
+    <p:spTree>
+      <p:nvGrpSpPr>
+        <p:cNvPr id="1" name=""/>
+        <p:cNvGrpSpPr/>
+        <p:nvPr/>
+      </p:nvGrpSpPr>
+      <p:grpSpPr>
+        <a:xfrm>
+          <a:off x="0" y="0"/>
+          <a:ext cx="0" cy="0"/>
+          <a:chOff x="0" y="0"/>
+          <a:chExt cx="0" cy="0"/>
+        </a:xfrm>
+      </p:grpSpPr>
+      <p:sp>
+        <p:nvSpPr>
+          <p:cNvPr id="2" name="Заголовок 1"/>
+          <p:cNvSpPr>
+            <a:spLocks noGrp="1"/>
+          </p:cNvSpPr>
+          <p:nvPr>
+            <p:ph type="title"/>
+          </p:nvPr>
+        </p:nvSpPr>
+        <p:spPr/>
+        <p:txBody>
+          <a:bodyPr/>
+          <a:lstStyle/>
+          <a:p>
+            <a:r>
+              <a:rPr lang="ru-RU" dirty="0" smtClean="0"/>
+              <a:t>Поиск с использованием маски</a:t>
+            </a:r>
+            <a:endParaRPr lang="ru-RU" dirty="0"/>
+          </a:p>
+        </p:txBody>
+      </p:sp>
+      <mc:AlternateContent xmlns:mc="http://schemas.openxmlformats.org/markup-compatibility/2006" xmlns:a14="http://schemas.microsoft.com/office/drawing/2010/main">
+        <mc:Choice Requires="a14">
+          <p:sp>
+            <p:nvSpPr>
+              <p:cNvPr id="3" name="Объект 2"/>
+              <p:cNvSpPr>
+                <a:spLocks noGrp="1"/>
+              </p:cNvSpPr>
+              <p:nvPr>
+                <p:ph idx="1"/>
+              </p:nvPr>
+            </p:nvSpPr>
+            <p:spPr/>
+            <p:txBody>
+              <a:bodyPr/>
+              <a:lstStyle/>
+              <a:p>
+                <a:r>
+                  <a:rPr lang="ru-RU" dirty="0" smtClean="0"/>
+                  <a:t>Пример – </a:t>
+                </a:r>
+                <a:r>
+                  <a:rPr lang="en-US" dirty="0" smtClean="0"/>
+                  <a:t>Song</a:t>
+                </a:r>
+                <a:r>
+                  <a:rPr lang="ru-RU" dirty="0" smtClean="0"/>
+                  <a:t>, </a:t>
+                </a:r>
+                <a:r>
+                  <a:rPr lang="en-US" dirty="0" smtClean="0"/>
+                  <a:t>Wagner</a:t>
+                </a:r>
+                <a:r>
+                  <a:rPr lang="ru-RU" dirty="0" smtClean="0"/>
+                  <a:t>, </a:t>
+                </a:r>
+                <a:r>
+                  <a:rPr lang="en-US" dirty="0" err="1" smtClean="0"/>
+                  <a:t>Perrig</a:t>
+                </a:r>
+                <a:r>
+                  <a:rPr lang="ru-RU" dirty="0" smtClean="0"/>
+                  <a:t> «</a:t>
+                </a:r>
+                <a:r>
+                  <a:rPr lang="en-US" dirty="0" smtClean="0"/>
+                  <a:t>Practical</a:t>
+                </a:r>
+                <a:r>
+                  <a:rPr lang="ru-RU" dirty="0" smtClean="0"/>
+                  <a:t> </a:t>
+                </a:r>
+                <a:r>
+                  <a:rPr lang="en-US" dirty="0" smtClean="0"/>
+                  <a:t>Techniques</a:t>
+                </a:r>
+                <a:r>
+                  <a:rPr lang="ru-RU" dirty="0" smtClean="0"/>
+                  <a:t> </a:t>
+                </a:r>
+                <a:r>
+                  <a:rPr lang="en-US" dirty="0" smtClean="0"/>
+                  <a:t>for</a:t>
+                </a:r>
+                <a:r>
+                  <a:rPr lang="ru-RU" dirty="0" smtClean="0"/>
+                  <a:t> </a:t>
+                </a:r>
+                <a:r>
+                  <a:rPr lang="en-US" dirty="0" smtClean="0"/>
+                  <a:t>Searches</a:t>
+                </a:r>
+                <a:r>
+                  <a:rPr lang="ru-RU" dirty="0" smtClean="0"/>
+                  <a:t> </a:t>
+                </a:r>
+                <a:r>
+                  <a:rPr lang="en-US" dirty="0" smtClean="0"/>
+                  <a:t>on</a:t>
+                </a:r>
+                <a:r>
+                  <a:rPr lang="ru-RU" dirty="0" smtClean="0"/>
+                  <a:t> </a:t>
+                </a:r>
+                <a:r>
+                  <a:rPr lang="en-US" dirty="0" smtClean="0"/>
+                  <a:t>Encrypted</a:t>
+                </a:r>
+                <a:r>
+                  <a:rPr lang="ru-RU" dirty="0" smtClean="0"/>
+                  <a:t> </a:t>
+                </a:r>
+                <a:r>
+                  <a:rPr lang="en-US" dirty="0" smtClean="0"/>
+                  <a:t>Data</a:t>
+                </a:r>
+                <a:r>
+                  <a:rPr lang="ru-RU" dirty="0" smtClean="0"/>
+                  <a:t>». </a:t>
+                </a:r>
+                <a14:m>
+                  <m:oMath xmlns:m="http://schemas.openxmlformats.org/officeDocument/2006/math">
+                    <m:r>
+                      <a:rPr lang="en-US" b="0" i="1" smtClean="0">
+                        <a:latin typeface="Cambria Math" panose="02040503050406030204" pitchFamily="18" charset="0"/>
+                      </a:rPr>
+                      <m:t>𝐻</m:t>
+                    </m:r>
+                    <m:r>
+                      <a:rPr lang="en-US" b="0" i="1" smtClean="0">
+                        <a:latin typeface="Cambria Math" panose="02040503050406030204" pitchFamily="18" charset="0"/>
+                      </a:rPr>
+                      <m:t>:</m:t>
+                    </m:r>
+                    <m:r>
+                      <a:rPr lang="en-US" b="0" i="1" smtClean="0">
+                        <a:latin typeface="Cambria Math" panose="02040503050406030204" pitchFamily="18" charset="0"/>
+                      </a:rPr>
+                      <m:t>𝐾</m:t>
+                    </m:r>
+                    <m:r>
+                      <a:rPr lang="en-US" b="0" i="1" smtClean="0">
+                        <a:latin typeface="Cambria Math" panose="02040503050406030204" pitchFamily="18" charset="0"/>
+                      </a:rPr>
+                      <m:t>×</m:t>
+                    </m:r>
+                    <m:r>
+                      <a:rPr lang="en-US" b="0" i="1" smtClean="0">
+                        <a:latin typeface="Cambria Math" panose="02040503050406030204" pitchFamily="18" charset="0"/>
+                      </a:rPr>
+                      <m:t>𝐼</m:t>
+                    </m:r>
+                    <m:r>
+                      <a:rPr lang="en-US" b="0" i="1" smtClean="0">
+                        <a:latin typeface="Cambria Math" panose="02040503050406030204" pitchFamily="18" charset="0"/>
+                      </a:rPr>
+                      <m:t>→</m:t>
+                    </m:r>
+                    <m:r>
+                      <a:rPr lang="en-US" b="0" i="1" smtClean="0">
+                        <a:latin typeface="Cambria Math" panose="02040503050406030204" pitchFamily="18" charset="0"/>
+                      </a:rPr>
+                      <m:t>𝑂</m:t>
+                    </m:r>
+                  </m:oMath>
+                </a14:m>
+                <a:r>
+                  <a:rPr lang="ru-RU" dirty="0" smtClean="0"/>
+                  <a:t> – </a:t>
+                </a:r>
+                <a:r>
+                  <a:rPr lang="en-US" dirty="0" smtClean="0"/>
+                  <a:t>PRF</a:t>
+                </a:r>
+                <a:r>
+                  <a:rPr lang="ru-RU" dirty="0" smtClean="0"/>
+                  <a:t>.</a:t>
+                </a:r>
+                <a:endParaRPr lang="ru-RU" dirty="0"/>
+              </a:p>
+            </p:txBody>
+          </p:sp>
+        </mc:Choice>
+        <mc:Fallback xmlns="">
+          <p:sp>
+            <p:nvSpPr>
+              <p:cNvPr id="3" name="Объект 2"/>
+              <p:cNvSpPr>
+                <a:spLocks noGrp="1" noRot="1" noChangeAspect="1" noMove="1" noResize="1" noEditPoints="1" noAdjustHandles="1" noChangeArrowheads="1" noChangeShapeType="1" noTextEdit="1"/>
+              </p:cNvSpPr>
+              <p:nvPr>
+                <p:ph idx="1"/>
+              </p:nvPr>
+            </p:nvSpPr>
+            <p:spPr>
+              <a:blipFill>
+                <a:blip r:embed="rId2"/>
+                <a:stretch>
+                  <a:fillRect l="-928" t="-2101"/>
+                </a:stretch>
+              </a:blipFill>
+            </p:spPr>
+            <p:txBody>
+              <a:bodyPr/>
+              <a:lstStyle/>
+              <a:p>
+                <a:r>
+                  <a:rPr lang="ru-RU">
+                    <a:noFill/>
+                  </a:rPr>
+                  <a:t> </a:t>
+                </a:r>
+              </a:p>
+            </p:txBody>
+          </p:sp>
+        </mc:Fallback>
+      </mc:AlternateContent>
+      <p:sp>
+        <p:nvSpPr>
+          <p:cNvPr id="4" name="Номер слайда 3"/>
+          <p:cNvSpPr>
+            <a:spLocks noGrp="1"/>
+          </p:cNvSpPr>
+          <p:nvPr>
+            <p:ph type="sldNum" sz="quarter" idx="12"/>
+          </p:nvPr>
+        </p:nvSpPr>
+        <p:spPr/>
+        <p:txBody>
+          <a:bodyPr/>
+          <a:lstStyle/>
+          <a:p>
+            <a:fld id="{8253DDDB-F8F7-4D64-A7FD-3F3D61C1949F}" type="slidenum">
+              <a:rPr lang="ru-RU" smtClean="0"/>
+              <a:t>39</a:t>
+            </a:fld>
+            <a:endParaRPr lang="ru-RU"/>
+          </a:p>
+        </p:txBody>
+      </p:sp>
+      <p:pic>
+        <p:nvPicPr>
+          <p:cNvPr id="6" name="Рисунок 5"/>
+          <p:cNvPicPr>
+            <a:picLocks noChangeAspect="1"/>
+          </p:cNvPicPr>
+          <p:nvPr/>
+        </p:nvPicPr>
+        <p:blipFill>
+          <a:blip r:embed="rId3"/>
+          <a:stretch>
+            <a:fillRect/>
+          </a:stretch>
+        </p:blipFill>
+        <p:spPr>
+          <a:xfrm>
+            <a:off x="433754" y="2897067"/>
+            <a:ext cx="4993664" cy="3071078"/>
+          </a:xfrm>
+          <a:prstGeom prst="rect">
+            <a:avLst/>
+          </a:prstGeom>
+        </p:spPr>
+      </p:pic>
+      <p:pic>
+        <p:nvPicPr>
+          <p:cNvPr id="5" name="Рисунок 4"/>
+          <p:cNvPicPr>
+            <a:picLocks noChangeAspect="1"/>
+          </p:cNvPicPr>
+          <p:nvPr/>
+        </p:nvPicPr>
+        <p:blipFill>
+          <a:blip r:embed="rId4"/>
+          <a:stretch>
+            <a:fillRect/>
+          </a:stretch>
+        </p:blipFill>
+        <p:spPr>
+          <a:xfrm>
+            <a:off x="5831864" y="2899264"/>
+            <a:ext cx="5897458" cy="3068881"/>
+          </a:xfrm>
+          <a:prstGeom prst="rect">
+            <a:avLst/>
+          </a:prstGeom>
+        </p:spPr>
+      </p:pic>
+    </p:spTree>
+    <p:extLst>
+      <p:ext uri="{BB962C8B-B14F-4D97-AF65-F5344CB8AC3E}">
+        <p14:creationId xmlns:p14="http://schemas.microsoft.com/office/powerpoint/2010/main" val="1396253512"/>
+      </p:ext>
+    </p:extLst>
+  </p:cSld>
+  <p:clrMapOvr>
+    <a:masterClrMapping/>
+  </p:clrMapOvr>
+  <p:timing>
+    <p:tnLst>
+      <p:par>
+        <p:cTn id="1" dur="indefinite" restart="never" nodeType="tmRoot"/>
+      </p:par>
+    </p:tnLst>
+  </p:timing>
+</p:sld>
+</file>
+
+<file path=ppt/slides/slide4.xml><?xml version="1.0" encoding="utf-8"?>
+<p:sld xmlns:a="http://schemas.openxmlformats.org/drawingml/2006/main" xmlns:r="http://schemas.openxmlformats.org/officeDocument/2006/relationships" xmlns:p="http://schemas.openxmlformats.org/presentationml/2006/main">
+  <p:cSld>
+    <p:spTree>
+      <p:nvGrpSpPr>
+        <p:cNvPr id="1" name=""/>
+        <p:cNvGrpSpPr/>
+        <p:nvPr/>
+      </p:nvGrpSpPr>
+      <p:grpSpPr>
+        <a:xfrm>
+          <a:off x="0" y="0"/>
+          <a:ext cx="0" cy="0"/>
+          <a:chOff x="0" y="0"/>
+          <a:chExt cx="0" cy="0"/>
+        </a:xfrm>
+      </p:grpSpPr>
+      <p:sp>
+        <p:nvSpPr>
+          <p:cNvPr id="2" name="Заголовок 1"/>
+          <p:cNvSpPr>
+            <a:spLocks noGrp="1"/>
+          </p:cNvSpPr>
+          <p:nvPr>
+            <p:ph type="title"/>
+          </p:nvPr>
+        </p:nvSpPr>
+        <p:spPr/>
+        <p:txBody>
+          <a:bodyPr/>
+          <a:lstStyle/>
+          <a:p>
+            <a:r>
+              <a:rPr lang="ru-RU" dirty="0"/>
+              <a:t>Вероятностное шифрование</a:t>
+            </a:r>
+          </a:p>
+        </p:txBody>
+      </p:sp>
+      <mc:AlternateContent xmlns:mc="http://schemas.openxmlformats.org/markup-compatibility/2006" xmlns:a14="http://schemas.microsoft.com/office/drawing/2010/main">
+        <mc:Choice Requires="a14">
+          <p:sp>
+            <p:nvSpPr>
+              <p:cNvPr id="3" name="Объект 2"/>
+              <p:cNvSpPr>
+                <a:spLocks noGrp="1"/>
+              </p:cNvSpPr>
+              <p:nvPr>
+                <p:ph idx="1"/>
+              </p:nvPr>
+            </p:nvSpPr>
+            <p:spPr/>
+            <p:txBody>
+              <a:bodyPr/>
+              <a:lstStyle/>
+              <a:p>
+                <a:r>
+                  <a:rPr lang="ru-RU" dirty="0" smtClean="0"/>
+                  <a:t>Подход 2 – использование уникальных, неповторяющихся величин (</a:t>
+                </a:r>
+                <a:r>
+                  <a:rPr lang="en-US" dirty="0" smtClean="0"/>
+                  <a:t>nonce)</a:t>
+                </a:r>
+                <a:endParaRPr lang="ru-RU" dirty="0" smtClean="0"/>
+              </a:p>
+              <a:p>
+                <a14:m>
+                  <m:oMath xmlns:m="http://schemas.openxmlformats.org/officeDocument/2006/math">
+                    <m:r>
+                      <a:rPr lang="en-US" b="0" i="1" smtClean="0">
+                        <a:latin typeface="Cambria Math" panose="02040503050406030204" pitchFamily="18" charset="0"/>
+                      </a:rPr>
+                      <m:t>𝑚</m:t>
+                    </m:r>
+                    <m:r>
+                      <a:rPr lang="en-US" b="0" i="1" smtClean="0">
+                        <a:latin typeface="Cambria Math" panose="02040503050406030204" pitchFamily="18" charset="0"/>
+                      </a:rPr>
+                      <m:t>→</m:t>
+                    </m:r>
+                    <m:r>
+                      <a:rPr lang="en-US" b="0" i="1" smtClean="0">
+                        <a:latin typeface="Cambria Math" panose="02040503050406030204" pitchFamily="18" charset="0"/>
+                      </a:rPr>
+                      <m:t>𝐸</m:t>
+                    </m:r>
+                    <m:d>
+                      <m:dPr>
+                        <m:ctrlPr>
+                          <a:rPr lang="en-US" b="0" i="1" smtClean="0">
+                            <a:latin typeface="Cambria Math" panose="02040503050406030204" pitchFamily="18" charset="0"/>
+                          </a:rPr>
+                        </m:ctrlPr>
+                      </m:dPr>
+                      <m:e>
+                        <m:r>
+                          <a:rPr lang="en-US" b="0" i="1" smtClean="0">
+                            <a:latin typeface="Cambria Math" panose="02040503050406030204" pitchFamily="18" charset="0"/>
+                          </a:rPr>
+                          <m:t>𝑘</m:t>
+                        </m:r>
+                        <m:r>
+                          <a:rPr lang="en-US" b="0" i="1" smtClean="0">
+                            <a:latin typeface="Cambria Math" panose="02040503050406030204" pitchFamily="18" charset="0"/>
+                          </a:rPr>
+                          <m:t>,∗,</m:t>
+                        </m:r>
+                        <m:r>
+                          <a:rPr lang="en-US" b="0" i="1" smtClean="0">
+                            <a:latin typeface="Cambria Math" panose="02040503050406030204" pitchFamily="18" charset="0"/>
+                          </a:rPr>
+                          <m:t>𝑛</m:t>
+                        </m:r>
+                      </m:e>
+                    </m:d>
+                    <m:r>
+                      <a:rPr lang="en-US" b="0" i="1" smtClean="0">
+                        <a:latin typeface="Cambria Math" panose="02040503050406030204" pitchFamily="18" charset="0"/>
+                      </a:rPr>
+                      <m:t>→</m:t>
+                    </m:r>
+                    <m:r>
+                      <a:rPr lang="en-US" b="0" i="1" smtClean="0">
+                        <a:latin typeface="Cambria Math" panose="02040503050406030204" pitchFamily="18" charset="0"/>
+                      </a:rPr>
+                      <m:t>𝑐</m:t>
+                    </m:r>
+                    <m:r>
+                      <a:rPr lang="en-US" b="0" i="1" smtClean="0">
+                        <a:latin typeface="Cambria Math" panose="02040503050406030204" pitchFamily="18" charset="0"/>
+                      </a:rPr>
+                      <m:t>→</m:t>
+                    </m:r>
+                    <m:r>
+                      <a:rPr lang="en-US" b="0" i="1" smtClean="0">
+                        <a:latin typeface="Cambria Math" panose="02040503050406030204" pitchFamily="18" charset="0"/>
+                      </a:rPr>
+                      <m:t>𝐷</m:t>
+                    </m:r>
+                    <m:d>
+                      <m:dPr>
+                        <m:ctrlPr>
+                          <a:rPr lang="en-US" b="0" i="1" smtClean="0">
+                            <a:latin typeface="Cambria Math" panose="02040503050406030204" pitchFamily="18" charset="0"/>
+                          </a:rPr>
+                        </m:ctrlPr>
+                      </m:dPr>
+                      <m:e>
+                        <m:r>
+                          <a:rPr lang="en-US" b="0" i="1" smtClean="0">
+                            <a:latin typeface="Cambria Math" panose="02040503050406030204" pitchFamily="18" charset="0"/>
+                          </a:rPr>
+                          <m:t>𝑘</m:t>
+                        </m:r>
+                        <m:r>
+                          <a:rPr lang="en-US" b="0" i="1" smtClean="0">
+                            <a:latin typeface="Cambria Math" panose="02040503050406030204" pitchFamily="18" charset="0"/>
+                          </a:rPr>
+                          <m:t>, ∗, </m:t>
+                        </m:r>
+                        <m:r>
+                          <a:rPr lang="en-US" b="0" i="1" smtClean="0">
+                            <a:latin typeface="Cambria Math" panose="02040503050406030204" pitchFamily="18" charset="0"/>
+                          </a:rPr>
+                          <m:t>𝑚</m:t>
+                        </m:r>
+                      </m:e>
+                    </m:d>
+                    <m:r>
+                      <a:rPr lang="en-US" b="0" i="1" smtClean="0">
+                        <a:latin typeface="Cambria Math" panose="02040503050406030204" pitchFamily="18" charset="0"/>
+                      </a:rPr>
+                      <m:t>→</m:t>
+                    </m:r>
+                    <m:r>
+                      <a:rPr lang="en-US" b="0" i="1" smtClean="0">
+                        <a:latin typeface="Cambria Math" panose="02040503050406030204" pitchFamily="18" charset="0"/>
+                      </a:rPr>
+                      <m:t>𝑚</m:t>
+                    </m:r>
+                  </m:oMath>
+                </a14:m>
+                <a:endParaRPr lang="ru-RU" dirty="0"/>
+              </a:p>
+              <a:p>
+                <a:r>
+                  <a:rPr lang="en-US" dirty="0" smtClean="0"/>
+                  <a:t>Nonce </a:t>
+                </a:r>
+                <a:r>
+                  <a:rPr lang="ru-RU" dirty="0" smtClean="0"/>
+                  <a:t>должна быть уникально для каждого сообщения, пара </a:t>
+                </a:r>
+                <a:r>
+                  <a:rPr lang="en-US" dirty="0" smtClean="0"/>
+                  <a:t>(nonce, key)</a:t>
+                </a:r>
+                <a:r>
+                  <a:rPr lang="ru-RU" dirty="0" smtClean="0"/>
+                  <a:t> не должна повторяться при жизни ключа.</a:t>
+                </a:r>
+              </a:p>
+              <a:p>
+                <a:r>
+                  <a:rPr lang="ru-RU" dirty="0" smtClean="0"/>
+                  <a:t>В качестве </a:t>
+                </a:r>
+                <a:r>
+                  <a:rPr lang="en-US" dirty="0" smtClean="0"/>
+                  <a:t>nonce </a:t>
+                </a:r>
+                <a:r>
+                  <a:rPr lang="ru-RU" dirty="0" smtClean="0"/>
+                  <a:t>можно использовать счётчик или случайные величины</a:t>
+                </a:r>
+              </a:p>
+              <a:p>
+                <a:r>
+                  <a:rPr lang="en-US" dirty="0" smtClean="0"/>
+                  <a:t>Nonce </a:t>
+                </a:r>
+                <a:r>
+                  <a:rPr lang="ru-RU" dirty="0" smtClean="0"/>
+                  <a:t>может не пересылаться в явном виде, обе стороны могут синхронно обновлять его.</a:t>
+                </a:r>
+                <a:endParaRPr lang="en-US" dirty="0" smtClean="0"/>
+              </a:p>
+              <a:p>
+                <a:r>
+                  <a:rPr lang="ru-RU" dirty="0" smtClean="0"/>
+                  <a:t>Не любое использование </a:t>
+                </a:r>
+                <a:r>
+                  <a:rPr lang="en-US" dirty="0" smtClean="0"/>
+                  <a:t>nonce </a:t>
+                </a:r>
+                <a:r>
+                  <a:rPr lang="ru-RU" dirty="0" smtClean="0"/>
+                  <a:t>даёт стойкие схемы!</a:t>
+                </a:r>
+                <a:endParaRPr lang="ru-RU" dirty="0"/>
+              </a:p>
+            </p:txBody>
+          </p:sp>
+        </mc:Choice>
+        <mc:Fallback xmlns="">
+          <p:sp>
+            <p:nvSpPr>
+              <p:cNvPr id="3" name="Объект 2"/>
+              <p:cNvSpPr>
+                <a:spLocks noGrp="1" noRot="1" noChangeAspect="1" noMove="1" noResize="1" noEditPoints="1" noAdjustHandles="1" noChangeArrowheads="1" noChangeShapeType="1" noTextEdit="1"/>
+              </p:cNvSpPr>
+              <p:nvPr>
+                <p:ph idx="1"/>
+              </p:nvPr>
+            </p:nvSpPr>
+            <p:spPr>
+              <a:blipFill rotWithShape="0">
+                <a:blip r:embed="rId2"/>
+                <a:stretch>
+                  <a:fillRect l="-928" t="-2101" b="-2381"/>
+                </a:stretch>
+              </a:blipFill>
+            </p:spPr>
+            <p:txBody>
+              <a:bodyPr/>
+              <a:lstStyle/>
+              <a:p>
+                <a:r>
+                  <a:rPr lang="ru-RU">
+                    <a:noFill/>
+                  </a:rPr>
+                  <a:t> </a:t>
+                </a:r>
+              </a:p>
+            </p:txBody>
+          </p:sp>
+        </mc:Fallback>
+      </mc:AlternateContent>
+      <p:sp>
+        <p:nvSpPr>
+          <p:cNvPr id="4" name="Номер слайда 3"/>
+          <p:cNvSpPr>
+            <a:spLocks noGrp="1"/>
+          </p:cNvSpPr>
+          <p:nvPr>
+            <p:ph type="sldNum" sz="quarter" idx="12"/>
+          </p:nvPr>
+        </p:nvSpPr>
+        <p:spPr/>
+        <p:txBody>
+          <a:bodyPr/>
+          <a:lstStyle/>
+          <a:p>
+            <a:fld id="{8253DDDB-F8F7-4D64-A7FD-3F3D61C1949F}" type="slidenum">
+              <a:rPr lang="ru-RU" smtClean="0"/>
+              <a:t>4</a:t>
+            </a:fld>
+            <a:endParaRPr lang="ru-RU"/>
+          </a:p>
+        </p:txBody>
+      </p:sp>
+    </p:spTree>
+    <p:extLst>
+      <p:ext uri="{BB962C8B-B14F-4D97-AF65-F5344CB8AC3E}">
+        <p14:creationId xmlns:p14="http://schemas.microsoft.com/office/powerpoint/2010/main" val="1917567813"/>
+      </p:ext>
+    </p:extLst>
+  </p:cSld>
+  <p:clrMapOvr>
+    <a:masterClrMapping/>
+  </p:clrMapOvr>
+  <p:timing>
+    <p:tnLst>
+      <p:par>
+        <p:cTn id="1" dur="indefinite" restart="never" nodeType="tmRoot"/>
+      </p:par>
+    </p:tnLst>
+  </p:timing>
+</p:sld>
+</file>
+
+<file path=ppt/slides/slide40.xml><?xml version="1.0" encoding="utf-8"?>
 <p:sld xmlns:a="http://schemas.openxmlformats.org/drawingml/2006/main" xmlns:r="http://schemas.openxmlformats.org/officeDocument/2006/relationships" xmlns:p="http://schemas.openxmlformats.org/presentationml/2006/main">
   <p:cSld>
     <p:spTree>
@@ -33343,7 +34857,7 @@
           <a:p>
             <a:fld id="{8253DDDB-F8F7-4D64-A7FD-3F3D61C1949F}" type="slidenum">
               <a:rPr lang="ru-RU" smtClean="0"/>
-              <a:t>35</a:t>
+              <a:t>40</a:t>
             </a:fld>
             <a:endParaRPr lang="ru-RU"/>
           </a:p>
@@ -33359,10 +34873,17 @@
   <p:clrMapOvr>
     <a:masterClrMapping/>
   </p:clrMapOvr>
+  <p:timing>
+    <p:tnLst>
+      <p:par>
+        <p:cTn id="1" dur="indefinite" restart="never" nodeType="tmRoot"/>
+      </p:par>
+    </p:tnLst>
+  </p:timing>
 </p:sld>
 </file>
 
-<file path=ppt/slides/slide36.xml><?xml version="1.0" encoding="utf-8"?>
+<file path=ppt/slides/slide41.xml><?xml version="1.0" encoding="utf-8"?>
 <p:sld xmlns:a="http://schemas.openxmlformats.org/drawingml/2006/main" xmlns:r="http://schemas.openxmlformats.org/officeDocument/2006/relationships" xmlns:p="http://schemas.openxmlformats.org/presentationml/2006/main">
   <p:cSld>
     <p:spTree>
@@ -33461,11 +34982,17 @@
           <a:p>
             <a:r>
               <a:rPr lang="ru-RU" dirty="0" smtClean="0"/>
-              <a:t>Шифры не должны использоваться для обеспечения целостности </a:t>
+              <a:t>Шифры не должны использоваться для обеспечения целостности или аутентичности!</a:t>
+            </a:r>
+          </a:p>
+          <a:p>
+            <a:r>
+              <a:rPr lang="ru-RU" dirty="0" smtClean="0"/>
+              <a:t>Для ряда приложений могут использоваться и другие модели </a:t>
             </a:r>
             <a:r>
               <a:rPr lang="ru-RU" smtClean="0"/>
-              <a:t>или аутентичности!</a:t>
+              <a:t>стойкости шифров.</a:t>
             </a:r>
             <a:endParaRPr lang="ru-RU" dirty="0"/>
           </a:p>
@@ -33488,7 +35015,7 @@
           <a:p>
             <a:fld id="{8253DDDB-F8F7-4D64-A7FD-3F3D61C1949F}" type="slidenum">
               <a:rPr lang="ru-RU" smtClean="0"/>
-              <a:t>36</a:t>
+              <a:t>41</a:t>
             </a:fld>
             <a:endParaRPr lang="ru-RU"/>
           </a:p>
@@ -33498,322 +35025,6 @@
     <p:extLst>
       <p:ext uri="{BB962C8B-B14F-4D97-AF65-F5344CB8AC3E}">
         <p14:creationId xmlns:p14="http://schemas.microsoft.com/office/powerpoint/2010/main" val="2525666343"/>
-      </p:ext>
-    </p:extLst>
-  </p:cSld>
-  <p:clrMapOvr>
-    <a:masterClrMapping/>
-  </p:clrMapOvr>
-</p:sld>
-</file>
-
-<file path=ppt/slides/slide4.xml><?xml version="1.0" encoding="utf-8"?>
-<p:sld xmlns:a="http://schemas.openxmlformats.org/drawingml/2006/main" xmlns:r="http://schemas.openxmlformats.org/officeDocument/2006/relationships" xmlns:p="http://schemas.openxmlformats.org/presentationml/2006/main">
-  <p:cSld>
-    <p:spTree>
-      <p:nvGrpSpPr>
-        <p:cNvPr id="1" name=""/>
-        <p:cNvGrpSpPr/>
-        <p:nvPr/>
-      </p:nvGrpSpPr>
-      <p:grpSpPr>
-        <a:xfrm>
-          <a:off x="0" y="0"/>
-          <a:ext cx="0" cy="0"/>
-          <a:chOff x="0" y="0"/>
-          <a:chExt cx="0" cy="0"/>
-        </a:xfrm>
-      </p:grpSpPr>
-      <p:sp>
-        <p:nvSpPr>
-          <p:cNvPr id="2" name="Заголовок 1"/>
-          <p:cNvSpPr>
-            <a:spLocks noGrp="1"/>
-          </p:cNvSpPr>
-          <p:nvPr>
-            <p:ph type="title"/>
-          </p:nvPr>
-        </p:nvSpPr>
-        <p:spPr/>
-        <p:txBody>
-          <a:bodyPr/>
-          <a:lstStyle/>
-          <a:p>
-            <a:r>
-              <a:rPr lang="ru-RU" dirty="0"/>
-              <a:t>Вероятностное шифрование</a:t>
-            </a:r>
-          </a:p>
-        </p:txBody>
-      </p:sp>
-      <mc:AlternateContent xmlns:mc="http://schemas.openxmlformats.org/markup-compatibility/2006" xmlns:a14="http://schemas.microsoft.com/office/drawing/2010/main">
-        <mc:Choice Requires="a14">
-          <p:sp>
-            <p:nvSpPr>
-              <p:cNvPr id="3" name="Объект 2"/>
-              <p:cNvSpPr>
-                <a:spLocks noGrp="1"/>
-              </p:cNvSpPr>
-              <p:nvPr>
-                <p:ph idx="1"/>
-              </p:nvPr>
-            </p:nvSpPr>
-            <p:spPr/>
-            <p:txBody>
-              <a:bodyPr/>
-              <a:lstStyle/>
-              <a:p>
-                <a:r>
-                  <a:rPr lang="ru-RU" dirty="0" smtClean="0"/>
-                  <a:t>Подход 2 – использование уникальных, неповторяющихся величин (</a:t>
-                </a:r>
-                <a:r>
-                  <a:rPr lang="en-US" dirty="0" smtClean="0"/>
-                  <a:t>nonce)</a:t>
-                </a:r>
-                <a:endParaRPr lang="ru-RU" dirty="0" smtClean="0"/>
-              </a:p>
-              <a:p>
-                <a14:m>
-                  <m:oMath xmlns:m="http://schemas.openxmlformats.org/officeDocument/2006/math">
-                    <m:r>
-                      <a:rPr lang="en-US" b="0" i="1" smtClean="0">
-                        <a:latin typeface="Cambria Math" panose="02040503050406030204" pitchFamily="18" charset="0"/>
-                      </a:rPr>
-                      <m:t>𝑚</m:t>
-                    </m:r>
-                    <m:r>
-                      <a:rPr lang="en-US" b="0" i="1" smtClean="0">
-                        <a:latin typeface="Cambria Math" panose="02040503050406030204" pitchFamily="18" charset="0"/>
-                      </a:rPr>
-                      <m:t>→</m:t>
-                    </m:r>
-                    <m:r>
-                      <a:rPr lang="en-US" b="0" i="1" smtClean="0">
-                        <a:latin typeface="Cambria Math" panose="02040503050406030204" pitchFamily="18" charset="0"/>
-                      </a:rPr>
-                      <m:t>𝐸</m:t>
-                    </m:r>
-                    <m:d>
-                      <m:dPr>
-                        <m:ctrlPr>
-                          <a:rPr lang="en-US" b="0" i="1" smtClean="0">
-                            <a:latin typeface="Cambria Math" panose="02040503050406030204" pitchFamily="18" charset="0"/>
-                          </a:rPr>
-                        </m:ctrlPr>
-                      </m:dPr>
-                      <m:e>
-                        <m:r>
-                          <a:rPr lang="en-US" b="0" i="1" smtClean="0">
-                            <a:latin typeface="Cambria Math" panose="02040503050406030204" pitchFamily="18" charset="0"/>
-                          </a:rPr>
-                          <m:t>𝑘</m:t>
-                        </m:r>
-                        <m:r>
-                          <a:rPr lang="en-US" b="0" i="1" smtClean="0">
-                            <a:latin typeface="Cambria Math" panose="02040503050406030204" pitchFamily="18" charset="0"/>
-                          </a:rPr>
-                          <m:t>,∗,</m:t>
-                        </m:r>
-                        <m:r>
-                          <a:rPr lang="en-US" b="0" i="1" smtClean="0">
-                            <a:latin typeface="Cambria Math" panose="02040503050406030204" pitchFamily="18" charset="0"/>
-                          </a:rPr>
-                          <m:t>𝑛</m:t>
-                        </m:r>
-                      </m:e>
-                    </m:d>
-                    <m:r>
-                      <a:rPr lang="en-US" b="0" i="1" smtClean="0">
-                        <a:latin typeface="Cambria Math" panose="02040503050406030204" pitchFamily="18" charset="0"/>
-                      </a:rPr>
-                      <m:t>→</m:t>
-                    </m:r>
-                    <m:r>
-                      <a:rPr lang="en-US" b="0" i="1" smtClean="0">
-                        <a:latin typeface="Cambria Math" panose="02040503050406030204" pitchFamily="18" charset="0"/>
-                      </a:rPr>
-                      <m:t>𝑐</m:t>
-                    </m:r>
-                    <m:r>
-                      <a:rPr lang="en-US" b="0" i="1" smtClean="0">
-                        <a:latin typeface="Cambria Math" panose="02040503050406030204" pitchFamily="18" charset="0"/>
-                      </a:rPr>
-                      <m:t>→</m:t>
-                    </m:r>
-                    <m:r>
-                      <a:rPr lang="en-US" b="0" i="1" smtClean="0">
-                        <a:latin typeface="Cambria Math" panose="02040503050406030204" pitchFamily="18" charset="0"/>
-                      </a:rPr>
-                      <m:t>𝐷</m:t>
-                    </m:r>
-                    <m:d>
-                      <m:dPr>
-                        <m:ctrlPr>
-                          <a:rPr lang="en-US" b="0" i="1" smtClean="0">
-                            <a:latin typeface="Cambria Math" panose="02040503050406030204" pitchFamily="18" charset="0"/>
-                          </a:rPr>
-                        </m:ctrlPr>
-                      </m:dPr>
-                      <m:e>
-                        <m:r>
-                          <a:rPr lang="en-US" b="0" i="1" smtClean="0">
-                            <a:latin typeface="Cambria Math" panose="02040503050406030204" pitchFamily="18" charset="0"/>
-                          </a:rPr>
-                          <m:t>𝑘</m:t>
-                        </m:r>
-                        <m:r>
-                          <a:rPr lang="en-US" b="0" i="1" smtClean="0">
-                            <a:latin typeface="Cambria Math" panose="02040503050406030204" pitchFamily="18" charset="0"/>
-                          </a:rPr>
-                          <m:t>, ∗, </m:t>
-                        </m:r>
-                        <m:r>
-                          <a:rPr lang="en-US" b="0" i="1" smtClean="0">
-                            <a:latin typeface="Cambria Math" panose="02040503050406030204" pitchFamily="18" charset="0"/>
-                          </a:rPr>
-                          <m:t>𝑚</m:t>
-                        </m:r>
-                      </m:e>
-                    </m:d>
-                    <m:r>
-                      <a:rPr lang="en-US" b="0" i="1" smtClean="0">
-                        <a:latin typeface="Cambria Math" panose="02040503050406030204" pitchFamily="18" charset="0"/>
-                      </a:rPr>
-                      <m:t>→</m:t>
-                    </m:r>
-                    <m:r>
-                      <a:rPr lang="en-US" b="0" i="1" smtClean="0">
-                        <a:latin typeface="Cambria Math" panose="02040503050406030204" pitchFamily="18" charset="0"/>
-                      </a:rPr>
-                      <m:t>𝑚</m:t>
-                    </m:r>
-                  </m:oMath>
-                </a14:m>
-                <a:endParaRPr lang="ru-RU" dirty="0"/>
-              </a:p>
-              <a:p>
-                <a:r>
-                  <a:rPr lang="en-US" dirty="0" smtClean="0"/>
-                  <a:t>Nonce </a:t>
-                </a:r>
-                <a:r>
-                  <a:rPr lang="ru-RU" dirty="0" smtClean="0"/>
-                  <a:t>должна быть уникально для каждого сообщения, пара </a:t>
-                </a:r>
-                <a:r>
-                  <a:rPr lang="en-US" dirty="0" smtClean="0"/>
-                  <a:t>(nonce, key)</a:t>
-                </a:r>
-                <a:r>
-                  <a:rPr lang="ru-RU" dirty="0" smtClean="0"/>
-                  <a:t> не должна повторяться при жизни ключа.</a:t>
-                </a:r>
-              </a:p>
-              <a:p>
-                <a:r>
-                  <a:rPr lang="ru-RU" dirty="0" smtClean="0"/>
-                  <a:t>В качестве </a:t>
-                </a:r>
-                <a:r>
-                  <a:rPr lang="en-US" dirty="0" smtClean="0"/>
-                  <a:t>nonce </a:t>
-                </a:r>
-                <a:r>
-                  <a:rPr lang="ru-RU" dirty="0" smtClean="0"/>
-                  <a:t>можно использовать счётчик или случайные величины</a:t>
-                </a:r>
-              </a:p>
-              <a:p>
-                <a:r>
-                  <a:rPr lang="en-US" dirty="0" smtClean="0"/>
-                  <a:t>Nonce </a:t>
-                </a:r>
-                <a:r>
-                  <a:rPr lang="ru-RU" dirty="0" smtClean="0"/>
-                  <a:t>может не пересылаться в явном виде, обе стороны могут синхронно обновлять его.</a:t>
-                </a:r>
-                <a:endParaRPr lang="en-US" dirty="0" smtClean="0"/>
-              </a:p>
-              <a:p>
-                <a:r>
-                  <a:rPr lang="ru-RU" dirty="0" smtClean="0"/>
-                  <a:t>Не любое использование </a:t>
-                </a:r>
-                <a:r>
-                  <a:rPr lang="en-US" dirty="0" smtClean="0"/>
-                  <a:t>nonce </a:t>
-                </a:r>
-                <a:r>
-                  <a:rPr lang="ru-RU" dirty="0" smtClean="0"/>
-                  <a:t>даёт стойкие схемы!</a:t>
-                </a:r>
-                <a:endParaRPr lang="ru-RU" dirty="0"/>
-              </a:p>
-            </p:txBody>
-          </p:sp>
-        </mc:Choice>
-        <mc:Fallback xmlns="">
-          <p:sp>
-            <p:nvSpPr>
-              <p:cNvPr id="3" name="Объект 2"/>
-              <p:cNvSpPr>
-                <a:spLocks noGrp="1" noRot="1" noChangeAspect="1" noMove="1" noResize="1" noEditPoints="1" noAdjustHandles="1" noChangeArrowheads="1" noChangeShapeType="1" noTextEdit="1"/>
-              </p:cNvSpPr>
-              <p:nvPr>
-                <p:ph idx="1"/>
-              </p:nvPr>
-            </p:nvSpPr>
-            <p:spPr>
-              <a:blipFill rotWithShape="0">
-                <a:blip r:embed="rId2"/>
-                <a:stretch>
-                  <a:fillRect l="-928" t="-2101" b="-2381"/>
-                </a:stretch>
-              </a:blipFill>
-            </p:spPr>
-            <p:txBody>
-              <a:bodyPr/>
-              <a:lstStyle/>
-              <a:p>
-                <a:r>
-                  <a:rPr lang="ru-RU">
-                    <a:noFill/>
-                  </a:rPr>
-                  <a:t> </a:t>
-                </a:r>
-              </a:p>
-            </p:txBody>
-          </p:sp>
-        </mc:Fallback>
-      </mc:AlternateContent>
-      <p:sp>
-        <p:nvSpPr>
-          <p:cNvPr id="4" name="Номер слайда 3"/>
-          <p:cNvSpPr>
-            <a:spLocks noGrp="1"/>
-          </p:cNvSpPr>
-          <p:nvPr>
-            <p:ph type="sldNum" sz="quarter" idx="12"/>
-          </p:nvPr>
-        </p:nvSpPr>
-        <p:spPr/>
-        <p:txBody>
-          <a:bodyPr/>
-          <a:lstStyle/>
-          <a:p>
-            <a:fld id="{8253DDDB-F8F7-4D64-A7FD-3F3D61C1949F}" type="slidenum">
-              <a:rPr lang="ru-RU" smtClean="0"/>
-              <a:t>4</a:t>
-            </a:fld>
-            <a:endParaRPr lang="ru-RU"/>
-          </a:p>
-        </p:txBody>
-      </p:sp>
-    </p:spTree>
-    <p:extLst>
-      <p:ext uri="{BB962C8B-B14F-4D97-AF65-F5344CB8AC3E}">
-        <p14:creationId xmlns:p14="http://schemas.microsoft.com/office/powerpoint/2010/main" val="1917567813"/>
       </p:ext>
     </p:extLst>
   </p:cSld>

--- a/Lectures/Lecture8.pptx
+++ b/Lectures/Lecture8.pptx
@@ -313,7 +313,7 @@
           <a:p>
             <a:fld id="{CBA08D16-15DC-4E25-BDC3-F25146157B16}" type="datetimeFigureOut">
               <a:rPr lang="ru-RU" smtClean="0"/>
-              <a:t>05.11.2020</a:t>
+              <a:t>11.11.2021</a:t>
             </a:fld>
             <a:endParaRPr lang="ru-RU"/>
           </a:p>
@@ -983,7 +983,7 @@
           <a:p>
             <a:fld id="{FCEC8293-DB51-454A-BE81-EC8FCB31EBA2}" type="datetime1">
               <a:rPr lang="ru-RU" smtClean="0"/>
-              <a:t>05.11.2020</a:t>
+              <a:t>11.11.2021</a:t>
             </a:fld>
             <a:endParaRPr lang="ru-RU"/>
           </a:p>
@@ -1157,7 +1157,7 @@
           <a:p>
             <a:fld id="{241C87B1-1C35-4DBD-BC18-2BC72E776603}" type="datetime1">
               <a:rPr lang="ru-RU" smtClean="0"/>
-              <a:t>05.11.2020</a:t>
+              <a:t>11.11.2021</a:t>
             </a:fld>
             <a:endParaRPr lang="ru-RU"/>
           </a:p>
@@ -1341,7 +1341,7 @@
           <a:p>
             <a:fld id="{3134C275-26C0-42CD-9111-9ADE65922AF9}" type="datetime1">
               <a:rPr lang="ru-RU" smtClean="0"/>
-              <a:t>05.11.2020</a:t>
+              <a:t>11.11.2021</a:t>
             </a:fld>
             <a:endParaRPr lang="ru-RU"/>
           </a:p>
@@ -1552,7 +1552,7 @@
           <a:p>
             <a:fld id="{C1A9A50B-C350-45F5-8AAB-ADB9E670AF2E}" type="datetime1">
               <a:rPr lang="ru-RU" smtClean="0"/>
-              <a:t>05.11.2020</a:t>
+              <a:t>11.11.2021</a:t>
             </a:fld>
             <a:endParaRPr lang="ru-RU"/>
           </a:p>
@@ -1802,7 +1802,7 @@
           <a:p>
             <a:fld id="{089688C9-348F-42F9-B6C0-5990DDE0C5B2}" type="datetime1">
               <a:rPr lang="ru-RU" smtClean="0"/>
-              <a:t>05.11.2020</a:t>
+              <a:t>11.11.2021</a:t>
             </a:fld>
             <a:endParaRPr lang="ru-RU"/>
           </a:p>
@@ -2038,7 +2038,7 @@
           <a:p>
             <a:fld id="{684AFD8F-6DD9-4AD3-A505-FDC3F5C5F3F6}" type="datetime1">
               <a:rPr lang="ru-RU" smtClean="0"/>
-              <a:t>05.11.2020</a:t>
+              <a:t>11.11.2021</a:t>
             </a:fld>
             <a:endParaRPr lang="ru-RU"/>
           </a:p>
@@ -2409,7 +2409,7 @@
           <a:p>
             <a:fld id="{63551EFE-4D02-45EB-A747-8B6F047B5AA0}" type="datetime1">
               <a:rPr lang="ru-RU" smtClean="0"/>
-              <a:t>05.11.2020</a:t>
+              <a:t>11.11.2021</a:t>
             </a:fld>
             <a:endParaRPr lang="ru-RU"/>
           </a:p>
@@ -2531,7 +2531,7 @@
           <a:p>
             <a:fld id="{813A9F34-E5CD-4B8F-AA9E-889C84372B20}" type="datetime1">
               <a:rPr lang="ru-RU" smtClean="0"/>
-              <a:t>05.11.2020</a:t>
+              <a:t>11.11.2021</a:t>
             </a:fld>
             <a:endParaRPr lang="ru-RU"/>
           </a:p>
@@ -2630,7 +2630,7 @@
           <a:p>
             <a:fld id="{51224D22-9B29-44A6-8E82-95FC492DEDC1}" type="datetime1">
               <a:rPr lang="ru-RU" smtClean="0"/>
-              <a:t>05.11.2020</a:t>
+              <a:t>11.11.2021</a:t>
             </a:fld>
             <a:endParaRPr lang="ru-RU"/>
           </a:p>
@@ -2911,7 +2911,7 @@
           <a:p>
             <a:fld id="{91D1034F-4441-48A1-BDC0-25EA1022324A}" type="datetime1">
               <a:rPr lang="ru-RU" smtClean="0"/>
-              <a:t>05.11.2020</a:t>
+              <a:t>11.11.2021</a:t>
             </a:fld>
             <a:endParaRPr lang="ru-RU"/>
           </a:p>
@@ -3168,7 +3168,7 @@
           <a:p>
             <a:fld id="{B0FFDE79-B627-473B-AE17-4C65BD2495F7}" type="datetime1">
               <a:rPr lang="ru-RU" smtClean="0"/>
-              <a:t>05.11.2020</a:t>
+              <a:t>11.11.2021</a:t>
             </a:fld>
             <a:endParaRPr lang="ru-RU"/>
           </a:p>
@@ -3385,7 +3385,7 @@
           <a:p>
             <a:fld id="{11CA537A-1B8C-47BA-9BA6-7CE3FAFDA8BE}" type="datetime1">
               <a:rPr lang="ru-RU" smtClean="0"/>
-              <a:t>05.11.2020</a:t>
+              <a:t>11.11.2021</a:t>
             </a:fld>
             <a:endParaRPr lang="ru-RU"/>
           </a:p>
@@ -3892,11 +3892,7 @@
           <a:p>
             <a:r>
               <a:rPr lang="ru-RU" smtClean="0"/>
-              <a:t>МИФИ </a:t>
-            </a:r>
-            <a:r>
-              <a:rPr lang="ru-RU" smtClean="0"/>
-              <a:t>2020</a:t>
+              <a:t>МИФИ 2020</a:t>
             </a:r>
             <a:endParaRPr lang="ru-RU" dirty="0"/>
           </a:p>
@@ -5251,6 +5247,13 @@
   <p:clrMapOvr>
     <a:masterClrMapping/>
   </p:clrMapOvr>
+  <p:timing>
+    <p:tnLst>
+      <p:par>
+        <p:cTn id="1" dur="indefinite" restart="never" nodeType="tmRoot"/>
+      </p:par>
+    </p:tnLst>
+  </p:timing>
 </p:sld>
 </file>
 
@@ -6929,6 +6932,13 @@
   <p:clrMapOvr>
     <a:masterClrMapping/>
   </p:clrMapOvr>
+  <p:timing>
+    <p:tnLst>
+      <p:par>
+        <p:cTn id="1" dur="indefinite" restart="never" nodeType="tmRoot"/>
+      </p:par>
+    </p:tnLst>
+  </p:timing>
 </p:sld>
 </file>
 
@@ -7659,6 +7669,13 @@
   <p:clrMapOvr>
     <a:masterClrMapping/>
   </p:clrMapOvr>
+  <p:timing>
+    <p:tnLst>
+      <p:par>
+        <p:cTn id="1" dur="indefinite" restart="never" nodeType="tmRoot"/>
+      </p:par>
+    </p:tnLst>
+  </p:timing>
 </p:sld>
 </file>
 
@@ -8779,6 +8796,13 @@
   <p:clrMapOvr>
     <a:masterClrMapping/>
   </p:clrMapOvr>
+  <p:timing>
+    <p:tnLst>
+      <p:par>
+        <p:cTn id="1" dur="indefinite" restart="never" nodeType="tmRoot"/>
+      </p:par>
+    </p:tnLst>
+  </p:timing>
 </p:sld>
 </file>
 
@@ -8859,8 +8883,8 @@
           </a:p>
         </p:txBody>
       </p:sp>
-      <mc:AlternateContent xmlns:mc="http://schemas.openxmlformats.org/markup-compatibility/2006" xmlns:a14="http://schemas.microsoft.com/office/drawing/2010/main">
-        <mc:Choice Requires="a14">
+      <mc:AlternateContent xmlns:mc="http://schemas.openxmlformats.org/markup-compatibility/2006">
+        <mc:Choice xmlns:a14="http://schemas.microsoft.com/office/drawing/2010/main" Requires="a14">
           <p:sp>
             <p:nvSpPr>
               <p:cNvPr id="3" name="Объект 2"/>
@@ -9003,7 +9027,15 @@
                 </a14:m>
                 <a:r>
                   <a:rPr lang="en-US" dirty="0"/>
-                  <a:t> - CPA </a:t>
+                  <a:t> - </a:t>
+                </a:r>
+                <a:r>
+                  <a:rPr lang="en-US" smtClean="0"/>
+                  <a:t>nCPA</a:t>
+                </a:r>
+                <a:r>
+                  <a:rPr lang="en-US" dirty="0" smtClean="0"/>
+                  <a:t> </a:t>
                 </a:r>
                 <a:r>
                   <a:rPr lang="ru-RU" dirty="0"/>
@@ -9504,7 +9536,7 @@
             </p:txBody>
           </p:sp>
         </mc:Choice>
-        <mc:Fallback xmlns="">
+        <mc:Fallback>
           <p:sp>
             <p:nvSpPr>
               <p:cNvPr id="3" name="Объект 2"/>
@@ -9519,7 +9551,7 @@
               <a:blipFill>
                 <a:blip r:embed="rId2"/>
                 <a:stretch>
-                  <a:fillRect l="-1043" t="-2101" b="-1821"/>
+                  <a:fillRect l="-1043" t="-2101" r="-812" b="-1821"/>
                 </a:stretch>
               </a:blipFill>
             </p:spPr>
@@ -9571,6 +9603,13 @@
   <p:clrMapOvr>
     <a:masterClrMapping/>
   </p:clrMapOvr>
+  <p:timing>
+    <p:tnLst>
+      <p:par>
+        <p:cTn id="1" dur="indefinite" restart="never" nodeType="tmRoot"/>
+      </p:par>
+    </p:tnLst>
+  </p:timing>
 </p:sld>
 </file>
 
@@ -10420,6 +10459,13 @@
   <p:clrMapOvr>
     <a:masterClrMapping/>
   </p:clrMapOvr>
+  <p:timing>
+    <p:tnLst>
+      <p:par>
+        <p:cTn id="1" dur="indefinite" restart="never" nodeType="tmRoot"/>
+      </p:par>
+    </p:tnLst>
+  </p:timing>
 </p:sld>
 </file>
 
@@ -12291,6 +12337,13 @@
   <p:clrMapOvr>
     <a:masterClrMapping/>
   </p:clrMapOvr>
+  <p:timing>
+    <p:tnLst>
+      <p:par>
+        <p:cTn id="1" dur="indefinite" restart="never" nodeType="tmRoot"/>
+      </p:par>
+    </p:tnLst>
+  </p:timing>
 </p:sld>
 </file>
 
@@ -12846,6 +12899,13 @@
   <p:clrMapOvr>
     <a:masterClrMapping/>
   </p:clrMapOvr>
+  <p:timing>
+    <p:tnLst>
+      <p:par>
+        <p:cTn id="1" dur="indefinite" restart="never" nodeType="tmRoot"/>
+      </p:par>
+    </p:tnLst>
+  </p:timing>
 </p:sld>
 </file>
 
@@ -14082,6 +14142,13 @@
   <p:clrMapOvr>
     <a:masterClrMapping/>
   </p:clrMapOvr>
+  <p:timing>
+    <p:tnLst>
+      <p:par>
+        <p:cTn id="1" dur="indefinite" restart="never" nodeType="tmRoot"/>
+      </p:par>
+    </p:tnLst>
+  </p:timing>
 </p:sld>
 </file>
 
@@ -14760,6 +14827,13 @@
   <p:clrMapOvr>
     <a:masterClrMapping/>
   </p:clrMapOvr>
+  <p:timing>
+    <p:tnLst>
+      <p:par>
+        <p:cTn id="1" dur="indefinite" restart="never" nodeType="tmRoot"/>
+      </p:par>
+    </p:tnLst>
+  </p:timing>
 </p:sld>
 </file>
 
@@ -17682,6 +17756,13 @@
   <p:clrMapOvr>
     <a:masterClrMapping/>
   </p:clrMapOvr>
+  <p:timing>
+    <p:tnLst>
+      <p:par>
+        <p:cTn id="1" dur="indefinite" restart="never" nodeType="tmRoot"/>
+      </p:par>
+    </p:tnLst>
+  </p:timing>
 </p:sld>
 </file>
 
@@ -18483,6 +18564,13 @@
   <p:clrMapOvr>
     <a:masterClrMapping/>
   </p:clrMapOvr>
+  <p:timing>
+    <p:tnLst>
+      <p:par>
+        <p:cTn id="1" dur="indefinite" restart="never" nodeType="tmRoot"/>
+      </p:par>
+    </p:tnLst>
+  </p:timing>
 </p:sld>
 </file>
 
@@ -20165,6 +20253,13 @@
   <p:clrMapOvr>
     <a:masterClrMapping/>
   </p:clrMapOvr>
+  <p:timing>
+    <p:tnLst>
+      <p:par>
+        <p:cTn id="1" dur="indefinite" restart="never" nodeType="tmRoot"/>
+      </p:par>
+    </p:tnLst>
+  </p:timing>
 </p:sld>
 </file>
 
@@ -20814,6 +20909,13 @@
   <p:clrMapOvr>
     <a:masterClrMapping/>
   </p:clrMapOvr>
+  <p:timing>
+    <p:tnLst>
+      <p:par>
+        <p:cTn id="1" dur="indefinite" restart="never" nodeType="tmRoot"/>
+      </p:par>
+    </p:tnLst>
+  </p:timing>
 </p:sld>
 </file>
 
@@ -21388,6 +21490,13 @@
   <p:clrMapOvr>
     <a:masterClrMapping/>
   </p:clrMapOvr>
+  <p:timing>
+    <p:tnLst>
+      <p:par>
+        <p:cTn id="1" dur="indefinite" restart="never" nodeType="tmRoot"/>
+      </p:par>
+    </p:tnLst>
+  </p:timing>
 </p:sld>
 </file>
 
@@ -21928,6 +22037,13 @@
   <p:clrMapOvr>
     <a:masterClrMapping/>
   </p:clrMapOvr>
+  <p:timing>
+    <p:tnLst>
+      <p:par>
+        <p:cTn id="1" dur="indefinite" restart="never" nodeType="tmRoot"/>
+      </p:par>
+    </p:tnLst>
+  </p:timing>
 </p:sld>
 </file>
 
@@ -22773,6 +22889,13 @@
   <p:clrMapOvr>
     <a:masterClrMapping/>
   </p:clrMapOvr>
+  <p:timing>
+    <p:tnLst>
+      <p:par>
+        <p:cTn id="1" dur="indefinite" restart="never" nodeType="tmRoot"/>
+      </p:par>
+    </p:tnLst>
+  </p:timing>
 </p:sld>
 </file>
 
@@ -22932,6 +23055,13 @@
   <p:clrMapOvr>
     <a:masterClrMapping/>
   </p:clrMapOvr>
+  <p:timing>
+    <p:tnLst>
+      <p:par>
+        <p:cTn id="1" dur="indefinite" restart="never" nodeType="tmRoot"/>
+      </p:par>
+    </p:tnLst>
+  </p:timing>
 </p:sld>
 </file>
 
@@ -23054,6 +23184,13 @@
   <p:clrMapOvr>
     <a:masterClrMapping/>
   </p:clrMapOvr>
+  <p:timing>
+    <p:tnLst>
+      <p:par>
+        <p:cTn id="1" dur="indefinite" restart="never" nodeType="tmRoot"/>
+      </p:par>
+    </p:tnLst>
+  </p:timing>
 </p:sld>
 </file>
 
@@ -35796,6 +35933,13 @@
   <p:clrMapOvr>
     <a:masterClrMapping/>
   </p:clrMapOvr>
+  <p:timing>
+    <p:tnLst>
+      <p:par>
+        <p:cTn id="1" dur="indefinite" restart="never" nodeType="tmRoot"/>
+      </p:par>
+    </p:tnLst>
+  </p:timing>
 </p:sld>
 </file>
 
@@ -35942,6 +36086,13 @@
   <p:clrMapOvr>
     <a:masterClrMapping/>
   </p:clrMapOvr>
+  <p:timing>
+    <p:tnLst>
+      <p:par>
+        <p:cTn id="1" dur="indefinite" restart="never" nodeType="tmRoot"/>
+      </p:par>
+    </p:tnLst>
+  </p:timing>
 </p:sld>
 </file>
 
@@ -36087,6 +36238,13 @@
   <p:clrMapOvr>
     <a:masterClrMapping/>
   </p:clrMapOvr>
+  <p:timing>
+    <p:tnLst>
+      <p:par>
+        <p:cTn id="1" dur="indefinite" restart="never" nodeType="tmRoot"/>
+      </p:par>
+    </p:tnLst>
+  </p:timing>
 </p:sld>
 </file>
 
@@ -36712,6 +36870,13 @@
   <p:clrMapOvr>
     <a:masterClrMapping/>
   </p:clrMapOvr>
+  <p:timing>
+    <p:tnLst>
+      <p:par>
+        <p:cTn id="1" dur="indefinite" restart="never" nodeType="tmRoot"/>
+      </p:par>
+    </p:tnLst>
+  </p:timing>
 </p:sld>
 </file>
 
@@ -38731,8 +38896,8 @@
             </a:p>
           </p:txBody>
         </p:sp>
-        <mc:AlternateContent xmlns:mc="http://schemas.openxmlformats.org/markup-compatibility/2006" xmlns:a14="http://schemas.microsoft.com/office/drawing/2010/main">
-          <mc:Choice Requires="a14">
+        <mc:AlternateContent xmlns:mc="http://schemas.openxmlformats.org/markup-compatibility/2006">
+          <mc:Choice xmlns:a14="http://schemas.microsoft.com/office/drawing/2010/main" Requires="a14">
             <p:sp>
               <p:nvSpPr>
                 <p:cNvPr id="23" name="Text Box 14"/>
@@ -38744,7 +38909,7 @@
               <p:spPr bwMode="auto">
                 <a:xfrm>
                   <a:off x="2364" y="1955"/>
-                  <a:ext cx="1289" cy="429"/>
+                  <a:ext cx="1268" cy="429"/>
                 </a:xfrm>
                 <a:prstGeom prst="rect">
                   <a:avLst/>
@@ -38880,10 +39045,10 @@
                         </m:e>
                         <m:sub>
                           <m:r>
-                            <a:rPr lang="en-US" sz="2000" i="1">
+                            <a:rPr lang="en-US" sz="2000" b="0" i="1" smtClean="0">
                               <a:latin typeface="Cambria Math" panose="02040503050406030204" pitchFamily="18" charset="0"/>
                             </a:rPr>
-                            <m:t>1</m:t>
+                            <m:t>𝑖</m:t>
                           </m:r>
                         </m:sub>
                       </m:sSub>
@@ -38898,7 +39063,7 @@
               </p:txBody>
             </p:sp>
           </mc:Choice>
-          <mc:Fallback xmlns="">
+          <mc:Fallback>
             <p:sp>
               <p:nvSpPr>
                 <p:cNvPr id="23" name="Text Box 14"/>
@@ -38910,7 +39075,7 @@
               <p:spPr bwMode="auto">
                 <a:xfrm>
                   <a:off x="2364" y="1955"/>
-                  <a:ext cx="1289" cy="429"/>
+                  <a:ext cx="1268" cy="429"/>
                 </a:xfrm>
                 <a:prstGeom prst="rect">
                   <a:avLst/>
@@ -38918,7 +39083,7 @@
                 <a:blipFill>
                   <a:blip r:embed="rId9"/>
                   <a:stretch>
-                    <a:fillRect r="-2090" b="-21687"/>
+                    <a:fillRect r="-2121" b="-21687"/>
                   </a:stretch>
                 </a:blipFill>
                 <a:ln w="9525">

--- a/Lectures/Lecture8.pptx
+++ b/Lectures/Lecture8.pptx
@@ -313,7 +313,7 @@
           <a:p>
             <a:fld id="{CBA08D16-15DC-4E25-BDC3-F25146157B16}" type="datetimeFigureOut">
               <a:rPr lang="ru-RU" smtClean="0"/>
-              <a:t>11.11.2021</a:t>
+              <a:t>10.11.2022</a:t>
             </a:fld>
             <a:endParaRPr lang="ru-RU"/>
           </a:p>
@@ -983,7 +983,7 @@
           <a:p>
             <a:fld id="{FCEC8293-DB51-454A-BE81-EC8FCB31EBA2}" type="datetime1">
               <a:rPr lang="ru-RU" smtClean="0"/>
-              <a:t>11.11.2021</a:t>
+              <a:t>10.11.2022</a:t>
             </a:fld>
             <a:endParaRPr lang="ru-RU"/>
           </a:p>
@@ -1157,7 +1157,7 @@
           <a:p>
             <a:fld id="{241C87B1-1C35-4DBD-BC18-2BC72E776603}" type="datetime1">
               <a:rPr lang="ru-RU" smtClean="0"/>
-              <a:t>11.11.2021</a:t>
+              <a:t>10.11.2022</a:t>
             </a:fld>
             <a:endParaRPr lang="ru-RU"/>
           </a:p>
@@ -1341,7 +1341,7 @@
           <a:p>
             <a:fld id="{3134C275-26C0-42CD-9111-9ADE65922AF9}" type="datetime1">
               <a:rPr lang="ru-RU" smtClean="0"/>
-              <a:t>11.11.2021</a:t>
+              <a:t>10.11.2022</a:t>
             </a:fld>
             <a:endParaRPr lang="ru-RU"/>
           </a:p>
@@ -1552,7 +1552,7 @@
           <a:p>
             <a:fld id="{C1A9A50B-C350-45F5-8AAB-ADB9E670AF2E}" type="datetime1">
               <a:rPr lang="ru-RU" smtClean="0"/>
-              <a:t>11.11.2021</a:t>
+              <a:t>10.11.2022</a:t>
             </a:fld>
             <a:endParaRPr lang="ru-RU"/>
           </a:p>
@@ -1802,7 +1802,7 @@
           <a:p>
             <a:fld id="{089688C9-348F-42F9-B6C0-5990DDE0C5B2}" type="datetime1">
               <a:rPr lang="ru-RU" smtClean="0"/>
-              <a:t>11.11.2021</a:t>
+              <a:t>10.11.2022</a:t>
             </a:fld>
             <a:endParaRPr lang="ru-RU"/>
           </a:p>
@@ -2038,7 +2038,7 @@
           <a:p>
             <a:fld id="{684AFD8F-6DD9-4AD3-A505-FDC3F5C5F3F6}" type="datetime1">
               <a:rPr lang="ru-RU" smtClean="0"/>
-              <a:t>11.11.2021</a:t>
+              <a:t>10.11.2022</a:t>
             </a:fld>
             <a:endParaRPr lang="ru-RU"/>
           </a:p>
@@ -2409,7 +2409,7 @@
           <a:p>
             <a:fld id="{63551EFE-4D02-45EB-A747-8B6F047B5AA0}" type="datetime1">
               <a:rPr lang="ru-RU" smtClean="0"/>
-              <a:t>11.11.2021</a:t>
+              <a:t>10.11.2022</a:t>
             </a:fld>
             <a:endParaRPr lang="ru-RU"/>
           </a:p>
@@ -2531,7 +2531,7 @@
           <a:p>
             <a:fld id="{813A9F34-E5CD-4B8F-AA9E-889C84372B20}" type="datetime1">
               <a:rPr lang="ru-RU" smtClean="0"/>
-              <a:t>11.11.2021</a:t>
+              <a:t>10.11.2022</a:t>
             </a:fld>
             <a:endParaRPr lang="ru-RU"/>
           </a:p>
@@ -2630,7 +2630,7 @@
           <a:p>
             <a:fld id="{51224D22-9B29-44A6-8E82-95FC492DEDC1}" type="datetime1">
               <a:rPr lang="ru-RU" smtClean="0"/>
-              <a:t>11.11.2021</a:t>
+              <a:t>10.11.2022</a:t>
             </a:fld>
             <a:endParaRPr lang="ru-RU"/>
           </a:p>
@@ -2911,7 +2911,7 @@
           <a:p>
             <a:fld id="{91D1034F-4441-48A1-BDC0-25EA1022324A}" type="datetime1">
               <a:rPr lang="ru-RU" smtClean="0"/>
-              <a:t>11.11.2021</a:t>
+              <a:t>10.11.2022</a:t>
             </a:fld>
             <a:endParaRPr lang="ru-RU"/>
           </a:p>
@@ -3168,7 +3168,7 @@
           <a:p>
             <a:fld id="{B0FFDE79-B627-473B-AE17-4C65BD2495F7}" type="datetime1">
               <a:rPr lang="ru-RU" smtClean="0"/>
-              <a:t>11.11.2021</a:t>
+              <a:t>10.11.2022</a:t>
             </a:fld>
             <a:endParaRPr lang="ru-RU"/>
           </a:p>
@@ -3385,7 +3385,7 @@
           <a:p>
             <a:fld id="{11CA537A-1B8C-47BA-9BA6-7CE3FAFDA8BE}" type="datetime1">
               <a:rPr lang="ru-RU" smtClean="0"/>
-              <a:t>11.11.2021</a:t>
+              <a:t>10.11.2022</a:t>
             </a:fld>
             <a:endParaRPr lang="ru-RU"/>
           </a:p>
@@ -3891,8 +3891,16 @@
           </a:p>
           <a:p>
             <a:r>
-              <a:rPr lang="ru-RU" smtClean="0"/>
-              <a:t>МИФИ 2020</a:t>
+              <a:rPr lang="ru-RU" dirty="0" smtClean="0"/>
+              <a:t>МИФИ </a:t>
+            </a:r>
+            <a:r>
+              <a:rPr lang="ru-RU" dirty="0" smtClean="0"/>
+              <a:t>202</a:t>
+            </a:r>
+            <a:r>
+              <a:rPr lang="en-US" dirty="0" smtClean="0"/>
+              <a:t>2</a:t>
             </a:r>
             <a:endParaRPr lang="ru-RU" dirty="0"/>
           </a:p>
@@ -3966,8 +3974,8 @@
           </a:p>
         </p:txBody>
       </p:sp>
-      <mc:AlternateContent xmlns:mc="http://schemas.openxmlformats.org/markup-compatibility/2006" xmlns:a14="http://schemas.microsoft.com/office/drawing/2010/main">
-        <mc:Choice Requires="a14">
+      <mc:AlternateContent xmlns:mc="http://schemas.openxmlformats.org/markup-compatibility/2006">
+        <mc:Choice xmlns:a14="http://schemas.microsoft.com/office/drawing/2010/main" Requires="a14">
           <p:sp>
             <p:nvSpPr>
               <p:cNvPr id="3" name="Объект 2"/>
@@ -4895,6 +4903,37 @@
                       </a:rPr>
                       <m:t> </m:t>
                     </m:r>
+                    <m:sSup>
+                      <m:sSupPr>
+                        <m:ctrlPr>
+                          <a:rPr lang="en-US" b="0" i="1" smtClean="0">
+                            <a:latin typeface="Cambria Math" panose="02040503050406030204" pitchFamily="18" charset="0"/>
+                          </a:rPr>
+                        </m:ctrlPr>
+                      </m:sSupPr>
+                      <m:e>
+                        <m:r>
+                          <a:rPr lang="en-US" b="0" i="1" smtClean="0">
+                            <a:latin typeface="Cambria Math" panose="02040503050406030204" pitchFamily="18" charset="0"/>
+                          </a:rPr>
+                          <m:t>𝑐</m:t>
+                        </m:r>
+                      </m:e>
+                      <m:sup>
+                        <m:r>
+                          <a:rPr lang="en-US" b="0" i="1" smtClean="0">
+                            <a:latin typeface="Cambria Math" panose="02040503050406030204" pitchFamily="18" charset="0"/>
+                          </a:rPr>
+                          <m:t>′</m:t>
+                        </m:r>
+                      </m:sup>
+                    </m:sSup>
+                    <m:r>
+                      <a:rPr lang="en-US" b="0" i="1" smtClean="0">
+                        <a:latin typeface="Cambria Math" panose="02040503050406030204" pitchFamily="18" charset="0"/>
+                      </a:rPr>
+                      <m:t>=</m:t>
+                    </m:r>
                     <m:d>
                       <m:dPr>
                         <m:ctrlPr>
@@ -4983,18 +5022,31 @@
                           </a:rPr>
                           <m:t>,</m:t>
                         </m:r>
-                        <m:r>
-                          <a:rPr lang="en-US" b="0" i="1" smtClean="0">
-                            <a:latin typeface="Cambria Math" panose="02040503050406030204" pitchFamily="18" charset="0"/>
-                          </a:rPr>
-                          <m:t>𝑐</m:t>
-                        </m:r>
-                        <m:r>
-                          <a:rPr lang="en-US" b="0" i="1" smtClean="0">
-                            <a:latin typeface="Cambria Math" panose="02040503050406030204" pitchFamily="18" charset="0"/>
-                          </a:rPr>
-                          <m:t>′</m:t>
-                        </m:r>
+                        <m:sSup>
+                          <m:sSupPr>
+                            <m:ctrlPr>
+                              <a:rPr lang="en-US" b="0" i="1" smtClean="0">
+                                <a:latin typeface="Cambria Math" panose="02040503050406030204" pitchFamily="18" charset="0"/>
+                              </a:rPr>
+                            </m:ctrlPr>
+                          </m:sSupPr>
+                          <m:e>
+                            <m:r>
+                              <a:rPr lang="en-US" b="0" i="1" smtClean="0">
+                                <a:latin typeface="Cambria Math" panose="02040503050406030204" pitchFamily="18" charset="0"/>
+                              </a:rPr>
+                              <m:t>𝑐</m:t>
+                            </m:r>
+                          </m:e>
+                          <m:sup>
+                            <m:r>
+                              <a:rPr lang="en-US" b="0" i="1" smtClean="0">
+                                <a:latin typeface="Cambria Math" panose="02040503050406030204" pitchFamily="18" charset="0"/>
+                              </a:rPr>
+                              <m:t>′</m:t>
+                            </m:r>
+                          </m:sup>
+                        </m:sSup>
                       </m:e>
                     </m:d>
                     <m:r>
@@ -5180,7 +5232,7 @@
             </p:txBody>
           </p:sp>
         </mc:Choice>
-        <mc:Fallback xmlns="">
+        <mc:Fallback>
           <p:sp>
             <p:nvSpPr>
               <p:cNvPr id="3" name="Объект 2"/>
@@ -8883,8 +8935,8 @@
           </a:p>
         </p:txBody>
       </p:sp>
-      <mc:AlternateContent xmlns:mc="http://schemas.openxmlformats.org/markup-compatibility/2006">
-        <mc:Choice xmlns:a14="http://schemas.microsoft.com/office/drawing/2010/main" Requires="a14">
+      <mc:AlternateContent xmlns:mc="http://schemas.openxmlformats.org/markup-compatibility/2006" xmlns:a14="http://schemas.microsoft.com/office/drawing/2010/main">
+        <mc:Choice Requires="a14">
           <p:sp>
             <p:nvSpPr>
               <p:cNvPr id="3" name="Объект 2"/>
@@ -9536,7 +9588,7 @@
             </p:txBody>
           </p:sp>
         </mc:Choice>
-        <mc:Fallback>
+        <mc:Fallback xmlns="">
           <p:sp>
             <p:nvSpPr>
               <p:cNvPr id="3" name="Объект 2"/>
@@ -37379,8 +37431,8 @@
           </a:p>
         </p:txBody>
       </p:sp>
-      <mc:AlternateContent xmlns:mc="http://schemas.openxmlformats.org/markup-compatibility/2006" xmlns:a14="http://schemas.microsoft.com/office/drawing/2010/main">
-        <mc:Choice Requires="a14">
+      <mc:AlternateContent xmlns:mc="http://schemas.openxmlformats.org/markup-compatibility/2006">
+        <mc:Choice xmlns:a14="http://schemas.microsoft.com/office/drawing/2010/main" Requires="a14">
           <p:sp>
             <p:nvSpPr>
               <p:cNvPr id="7" name="Text Box 6"/>
@@ -37391,7 +37443,7 @@
             </p:nvSpPr>
             <p:spPr bwMode="auto">
               <a:xfrm>
-                <a:off x="2890045" y="3194886"/>
+                <a:off x="2832552" y="3105822"/>
                 <a:ext cx="427040" cy="461665"/>
               </a:xfrm>
               <a:prstGeom prst="rect">
@@ -37433,7 +37485,7 @@
             </p:txBody>
           </p:sp>
         </mc:Choice>
-        <mc:Fallback xmlns="">
+        <mc:Fallback>
           <p:sp>
             <p:nvSpPr>
               <p:cNvPr id="7" name="Text Box 6"/>
@@ -37444,13 +37496,13 @@
             </p:nvSpPr>
             <p:spPr bwMode="auto">
               <a:xfrm>
-                <a:off x="2890045" y="3194886"/>
+                <a:off x="2832552" y="3105822"/>
                 <a:ext cx="427040" cy="461665"/>
               </a:xfrm>
               <a:prstGeom prst="rect">
                 <a:avLst/>
               </a:prstGeom>
-              <a:blipFill rotWithShape="0">
+              <a:blipFill>
                 <a:blip r:embed="rId3"/>
                 <a:stretch>
                   <a:fillRect/>
@@ -38896,8 +38948,8 @@
             </a:p>
           </p:txBody>
         </p:sp>
-        <mc:AlternateContent xmlns:mc="http://schemas.openxmlformats.org/markup-compatibility/2006">
-          <mc:Choice xmlns:a14="http://schemas.microsoft.com/office/drawing/2010/main" Requires="a14">
+        <mc:AlternateContent xmlns:mc="http://schemas.openxmlformats.org/markup-compatibility/2006" xmlns:a14="http://schemas.microsoft.com/office/drawing/2010/main">
+          <mc:Choice Requires="a14">
             <p:sp>
               <p:nvSpPr>
                 <p:cNvPr id="23" name="Text Box 14"/>
@@ -39063,7 +39115,7 @@
               </p:txBody>
             </p:sp>
           </mc:Choice>
-          <mc:Fallback>
+          <mc:Fallback xmlns="">
             <p:sp>
               <p:nvSpPr>
                 <p:cNvPr id="23" name="Text Box 14"/>

--- a/Lectures/Lecture8.pptx
+++ b/Lectures/Lecture8.pptx
@@ -313,7 +313,7 @@
           <a:p>
             <a:fld id="{CBA08D16-15DC-4E25-BDC3-F25146157B16}" type="datetimeFigureOut">
               <a:rPr lang="ru-RU" smtClean="0"/>
-              <a:t>10.11.2022</a:t>
+              <a:t>08.11.2023</a:t>
             </a:fld>
             <a:endParaRPr lang="ru-RU"/>
           </a:p>
@@ -983,7 +983,7 @@
           <a:p>
             <a:fld id="{FCEC8293-DB51-454A-BE81-EC8FCB31EBA2}" type="datetime1">
               <a:rPr lang="ru-RU" smtClean="0"/>
-              <a:t>10.11.2022</a:t>
+              <a:t>08.11.2023</a:t>
             </a:fld>
             <a:endParaRPr lang="ru-RU"/>
           </a:p>
@@ -1157,7 +1157,7 @@
           <a:p>
             <a:fld id="{241C87B1-1C35-4DBD-BC18-2BC72E776603}" type="datetime1">
               <a:rPr lang="ru-RU" smtClean="0"/>
-              <a:t>10.11.2022</a:t>
+              <a:t>08.11.2023</a:t>
             </a:fld>
             <a:endParaRPr lang="ru-RU"/>
           </a:p>
@@ -1341,7 +1341,7 @@
           <a:p>
             <a:fld id="{3134C275-26C0-42CD-9111-9ADE65922AF9}" type="datetime1">
               <a:rPr lang="ru-RU" smtClean="0"/>
-              <a:t>10.11.2022</a:t>
+              <a:t>08.11.2023</a:t>
             </a:fld>
             <a:endParaRPr lang="ru-RU"/>
           </a:p>
@@ -1552,7 +1552,7 @@
           <a:p>
             <a:fld id="{C1A9A50B-C350-45F5-8AAB-ADB9E670AF2E}" type="datetime1">
               <a:rPr lang="ru-RU" smtClean="0"/>
-              <a:t>10.11.2022</a:t>
+              <a:t>08.11.2023</a:t>
             </a:fld>
             <a:endParaRPr lang="ru-RU"/>
           </a:p>
@@ -1802,7 +1802,7 @@
           <a:p>
             <a:fld id="{089688C9-348F-42F9-B6C0-5990DDE0C5B2}" type="datetime1">
               <a:rPr lang="ru-RU" smtClean="0"/>
-              <a:t>10.11.2022</a:t>
+              <a:t>08.11.2023</a:t>
             </a:fld>
             <a:endParaRPr lang="ru-RU"/>
           </a:p>
@@ -2038,7 +2038,7 @@
           <a:p>
             <a:fld id="{684AFD8F-6DD9-4AD3-A505-FDC3F5C5F3F6}" type="datetime1">
               <a:rPr lang="ru-RU" smtClean="0"/>
-              <a:t>10.11.2022</a:t>
+              <a:t>08.11.2023</a:t>
             </a:fld>
             <a:endParaRPr lang="ru-RU"/>
           </a:p>
@@ -2409,7 +2409,7 @@
           <a:p>
             <a:fld id="{63551EFE-4D02-45EB-A747-8B6F047B5AA0}" type="datetime1">
               <a:rPr lang="ru-RU" smtClean="0"/>
-              <a:t>10.11.2022</a:t>
+              <a:t>08.11.2023</a:t>
             </a:fld>
             <a:endParaRPr lang="ru-RU"/>
           </a:p>
@@ -2531,7 +2531,7 @@
           <a:p>
             <a:fld id="{813A9F34-E5CD-4B8F-AA9E-889C84372B20}" type="datetime1">
               <a:rPr lang="ru-RU" smtClean="0"/>
-              <a:t>10.11.2022</a:t>
+              <a:t>08.11.2023</a:t>
             </a:fld>
             <a:endParaRPr lang="ru-RU"/>
           </a:p>
@@ -2630,7 +2630,7 @@
           <a:p>
             <a:fld id="{51224D22-9B29-44A6-8E82-95FC492DEDC1}" type="datetime1">
               <a:rPr lang="ru-RU" smtClean="0"/>
-              <a:t>10.11.2022</a:t>
+              <a:t>08.11.2023</a:t>
             </a:fld>
             <a:endParaRPr lang="ru-RU"/>
           </a:p>
@@ -2911,7 +2911,7 @@
           <a:p>
             <a:fld id="{91D1034F-4441-48A1-BDC0-25EA1022324A}" type="datetime1">
               <a:rPr lang="ru-RU" smtClean="0"/>
-              <a:t>10.11.2022</a:t>
+              <a:t>08.11.2023</a:t>
             </a:fld>
             <a:endParaRPr lang="ru-RU"/>
           </a:p>
@@ -3168,7 +3168,7 @@
           <a:p>
             <a:fld id="{B0FFDE79-B627-473B-AE17-4C65BD2495F7}" type="datetime1">
               <a:rPr lang="ru-RU" smtClean="0"/>
-              <a:t>10.11.2022</a:t>
+              <a:t>08.11.2023</a:t>
             </a:fld>
             <a:endParaRPr lang="ru-RU"/>
           </a:p>
@@ -3385,7 +3385,7 @@
           <a:p>
             <a:fld id="{11CA537A-1B8C-47BA-9BA6-7CE3FAFDA8BE}" type="datetime1">
               <a:rPr lang="ru-RU" smtClean="0"/>
-              <a:t>10.11.2022</a:t>
+              <a:t>08.11.2023</a:t>
             </a:fld>
             <a:endParaRPr lang="ru-RU"/>
           </a:p>
@@ -3899,8 +3899,8 @@
               <a:t>202</a:t>
             </a:r>
             <a:r>
-              <a:rPr lang="en-US" dirty="0" smtClean="0"/>
-              <a:t>2</a:t>
+              <a:rPr lang="en-US" dirty="0"/>
+              <a:t>3</a:t>
             </a:r>
             <a:endParaRPr lang="ru-RU" dirty="0"/>
           </a:p>
@@ -3960,15 +3960,7 @@
           <a:p>
             <a:r>
               <a:rPr lang="ru-RU" dirty="0" smtClean="0"/>
-              <a:t>Построение </a:t>
-            </a:r>
-            <a:r>
-              <a:rPr lang="en-US" dirty="0" smtClean="0"/>
-              <a:t>CPA </a:t>
-            </a:r>
-            <a:r>
-              <a:rPr lang="ru-RU" dirty="0" smtClean="0"/>
-              <a:t>шифров из семантически стойких шифров</a:t>
+              <a:t>Вспоминаем гибридную конструкцию</a:t>
             </a:r>
             <a:endParaRPr lang="ru-RU" dirty="0"/>
           </a:p>
@@ -4392,6 +4384,9 @@
                   <m:oMath xmlns:m="http://schemas.openxmlformats.org/officeDocument/2006/math">
                     <m:r>
                       <a:rPr lang="en-US" b="0" i="1" smtClean="0">
+                        <a:solidFill>
+                          <a:srgbClr val="FF0000"/>
+                        </a:solidFill>
                         <a:latin typeface="Cambria Math" panose="02040503050406030204" pitchFamily="18" charset="0"/>
                       </a:rPr>
                       <m:t>𝑥</m:t>
@@ -4722,6 +4717,9 @@
                     </m:r>
                     <m:r>
                       <a:rPr lang="en-US" b="0" i="1" smtClean="0">
+                        <a:solidFill>
+                          <a:srgbClr val="FF0000"/>
+                        </a:solidFill>
                         <a:latin typeface="Cambria Math" panose="02040503050406030204" pitchFamily="18" charset="0"/>
                       </a:rPr>
                       <m:t>𝑥</m:t>
@@ -4945,6 +4943,9 @@
                       <m:e>
                         <m:r>
                           <a:rPr lang="en-US" b="0" i="1" smtClean="0">
+                            <a:solidFill>
+                              <a:srgbClr val="FF0000"/>
+                            </a:solidFill>
                             <a:latin typeface="Cambria Math" panose="02040503050406030204" pitchFamily="18" charset="0"/>
                           </a:rPr>
                           <m:t>𝑥</m:t>
@@ -5114,7 +5115,10 @@
                           <m:t>,</m:t>
                         </m:r>
                         <m:r>
-                          <a:rPr lang="en-US" i="1">
+                          <a:rPr lang="en-US" i="1" smtClean="0">
+                            <a:solidFill>
+                              <a:srgbClr val="FF0000"/>
+                            </a:solidFill>
                             <a:latin typeface="Cambria Math" panose="02040503050406030204" pitchFamily="18" charset="0"/>
                           </a:rPr>
                           <m:t>𝑥</m:t>
@@ -6088,8 +6092,8 @@
             </a:p>
           </p:txBody>
         </p:sp>
-        <mc:AlternateContent xmlns:mc="http://schemas.openxmlformats.org/markup-compatibility/2006" xmlns:a14="http://schemas.microsoft.com/office/drawing/2010/main">
-          <mc:Choice Requires="a14">
+        <mc:AlternateContent xmlns:mc="http://schemas.openxmlformats.org/markup-compatibility/2006">
+          <mc:Choice xmlns:a14="http://schemas.microsoft.com/office/drawing/2010/main" Requires="a14">
             <p:sp>
               <p:nvSpPr>
                 <p:cNvPr id="15" name="Text Box 14"/>
@@ -6254,6 +6258,9 @@
                       </m:r>
                       <m:r>
                         <a:rPr lang="en-US" sz="2000" b="0" i="1" smtClean="0">
+                          <a:solidFill>
+                            <a:srgbClr val="FF0000"/>
+                          </a:solidFill>
                           <a:latin typeface="Cambria Math" panose="02040503050406030204" pitchFamily="18" charset="0"/>
                         </a:rPr>
                         <m:t>𝑥</m:t>
@@ -6271,7 +6278,7 @@
               </p:txBody>
             </p:sp>
           </mc:Choice>
-          <mc:Fallback xmlns="">
+          <mc:Fallback>
             <p:sp>
               <p:nvSpPr>
                 <p:cNvPr id="15" name="Text Box 14"/>
@@ -6291,7 +6298,7 @@
                 <a:blipFill>
                   <a:blip r:embed="rId6"/>
                   <a:stretch>
-                    <a:fillRect b="-20238"/>
+                    <a:fillRect b="-21687"/>
                   </a:stretch>
                 </a:blipFill>
                 <a:ln w="9525">
@@ -6486,8 +6493,8 @@
           </p:sp>
         </mc:Fallback>
       </mc:AlternateContent>
-      <mc:AlternateContent xmlns:mc="http://schemas.openxmlformats.org/markup-compatibility/2006" xmlns:a14="http://schemas.microsoft.com/office/drawing/2010/main">
-        <mc:Choice Requires="a14">
+      <mc:AlternateContent xmlns:mc="http://schemas.openxmlformats.org/markup-compatibility/2006">
+        <mc:Choice xmlns:a14="http://schemas.microsoft.com/office/drawing/2010/main" Requires="a14">
           <p:sp>
             <p:nvSpPr>
               <p:cNvPr id="24" name="Text Box 13"/>
@@ -6564,6 +6571,9 @@
                       <m:sSubPr>
                         <m:ctrlPr>
                           <a:rPr lang="en-US" sz="1600" b="0" i="1" smtClean="0">
+                            <a:solidFill>
+                              <a:srgbClr val="FF0000"/>
+                            </a:solidFill>
                             <a:latin typeface="Cambria Math" panose="02040503050406030204" pitchFamily="18" charset="0"/>
                           </a:rPr>
                         </m:ctrlPr>
@@ -6571,6 +6581,9 @@
                       <m:e>
                         <m:r>
                           <a:rPr lang="en-US" sz="1600" b="0" i="1" smtClean="0">
+                            <a:solidFill>
+                              <a:srgbClr val="FF0000"/>
+                            </a:solidFill>
                             <a:latin typeface="Cambria Math" panose="02040503050406030204" pitchFamily="18" charset="0"/>
                           </a:rPr>
                           <m:t>𝑥</m:t>
@@ -6579,6 +6592,9 @@
                       <m:sub>
                         <m:r>
                           <a:rPr lang="en-US" sz="1600" b="0" i="1" smtClean="0">
+                            <a:solidFill>
+                              <a:srgbClr val="FF0000"/>
+                            </a:solidFill>
                             <a:latin typeface="Cambria Math" panose="02040503050406030204" pitchFamily="18" charset="0"/>
                           </a:rPr>
                           <m:t>𝑖</m:t>
@@ -6751,7 +6767,7 @@
             </p:txBody>
           </p:sp>
         </mc:Choice>
-        <mc:Fallback xmlns="">
+        <mc:Fallback>
           <p:sp>
             <p:nvSpPr>
               <p:cNvPr id="24" name="Text Box 13"/>
@@ -6768,7 +6784,7 @@
               <a:prstGeom prst="rect">
                 <a:avLst/>
               </a:prstGeom>
-              <a:blipFill rotWithShape="0">
+              <a:blipFill>
                 <a:blip r:embed="rId9"/>
                 <a:stretch>
                   <a:fillRect l="-2027" b="-16854"/>
@@ -7065,17 +7081,10 @@
           <a:lstStyle/>
           <a:p>
             <a:r>
-              <a:rPr lang="ru-RU" dirty="0"/>
-              <a:t>Построение </a:t>
+              <a:rPr lang="ru-RU" dirty="0" smtClean="0"/>
+              <a:t>Стойкость гибридной конструкции</a:t>
             </a:r>
-            <a:r>
-              <a:rPr lang="en-US" dirty="0"/>
-              <a:t>CPA </a:t>
-            </a:r>
-            <a:r>
-              <a:rPr lang="ru-RU" dirty="0"/>
-              <a:t>шифров из семантически стойких шифров</a:t>
-            </a:r>
+            <a:endParaRPr lang="ru-RU" dirty="0"/>
           </a:p>
         </p:txBody>
       </p:sp>
@@ -7780,8 +7789,8 @@
           </a:p>
         </p:txBody>
       </p:sp>
-      <mc:AlternateContent xmlns:mc="http://schemas.openxmlformats.org/markup-compatibility/2006" xmlns:a14="http://schemas.microsoft.com/office/drawing/2010/main">
-        <mc:Choice Requires="a14">
+      <mc:AlternateContent xmlns:mc="http://schemas.openxmlformats.org/markup-compatibility/2006">
+        <mc:Choice xmlns:a14="http://schemas.microsoft.com/office/drawing/2010/main" Requires="a14">
           <p:sp>
             <p:nvSpPr>
               <p:cNvPr id="3" name="Объект 2"/>
@@ -7831,7 +7840,11 @@
                   <a:t> на </a:t>
                 </a:r>
                 <a:r>
-                  <a:rPr lang="en-US" dirty="0" smtClean="0"/>
+                  <a:rPr lang="en-US" dirty="0" smtClean="0">
+                    <a:solidFill>
+                      <a:srgbClr val="00B050"/>
+                    </a:solidFill>
+                  </a:rPr>
                   <a:t>nonce</a:t>
                 </a:r>
                 <a:r>
@@ -8345,7 +8358,10 @@
                       <m:t>=[</m:t>
                     </m:r>
                     <m:r>
-                      <a:rPr lang="en-US" i="1">
+                      <a:rPr lang="en-US" i="1" smtClean="0">
+                        <a:solidFill>
+                          <a:srgbClr val="00B050"/>
+                        </a:solidFill>
                         <a:latin typeface="Cambria Math" panose="02040503050406030204" pitchFamily="18" charset="0"/>
                       </a:rPr>
                       <m:t>𝑥</m:t>
@@ -8675,7 +8691,10 @@
                           <m:t>,</m:t>
                         </m:r>
                         <m:r>
-                          <a:rPr lang="en-US" i="1">
+                          <a:rPr lang="en-US" i="1" smtClean="0">
+                            <a:solidFill>
+                              <a:srgbClr val="00B050"/>
+                            </a:solidFill>
                             <a:latin typeface="Cambria Math" panose="02040503050406030204" pitchFamily="18" charset="0"/>
                           </a:rPr>
                           <m:t>𝑥</m:t>
@@ -8781,7 +8800,7 @@
             </p:txBody>
           </p:sp>
         </mc:Choice>
-        <mc:Fallback xmlns="">
+        <mc:Fallback>
           <p:sp>
             <p:nvSpPr>
               <p:cNvPr id="3" name="Объект 2"/>
@@ -8793,7 +8812,7 @@
               </p:nvPr>
             </p:nvSpPr>
             <p:spPr>
-              <a:blipFill rotWithShape="0">
+              <a:blipFill>
                 <a:blip r:embed="rId2"/>
                 <a:stretch>
                   <a:fillRect l="-1043" t="-2101"/>
@@ -9698,8 +9717,12 @@
           <a:lstStyle/>
           <a:p>
             <a:r>
+              <a:rPr lang="ru-RU" dirty="0" smtClean="0"/>
+              <a:t>Вспоминаем </a:t>
+            </a:r>
+            <a:r>
               <a:rPr lang="ru-RU" dirty="0" err="1" smtClean="0"/>
-              <a:t>Рандомизированный</a:t>
+              <a:t>рандомизированный</a:t>
             </a:r>
             <a:r>
               <a:rPr lang="ru-RU" dirty="0" smtClean="0"/>
@@ -9707,7 +9730,15 @@
             </a:r>
             <a:r>
               <a:rPr lang="en-US" dirty="0" smtClean="0"/>
-              <a:t>CRT </a:t>
+              <a:t>CT</a:t>
+            </a:r>
+            <a:r>
+              <a:rPr lang="en-US" dirty="0"/>
+              <a:t>R</a:t>
+            </a:r>
+            <a:r>
+              <a:rPr lang="en-US" dirty="0" smtClean="0"/>
+              <a:t> </a:t>
             </a:r>
             <a:r>
               <a:rPr lang="ru-RU" dirty="0" smtClean="0"/>
@@ -9717,8 +9748,8 @@
           </a:p>
         </p:txBody>
       </p:sp>
-      <mc:AlternateContent xmlns:mc="http://schemas.openxmlformats.org/markup-compatibility/2006" xmlns:a14="http://schemas.microsoft.com/office/drawing/2010/main">
-        <mc:Choice Requires="a14">
+      <mc:AlternateContent xmlns:mc="http://schemas.openxmlformats.org/markup-compatibility/2006">
+        <mc:Choice xmlns:a14="http://schemas.microsoft.com/office/drawing/2010/main" Requires="a14">
           <p:sp>
             <p:nvSpPr>
               <p:cNvPr id="3" name="Объект 2"/>
@@ -10316,6 +10347,9 @@
                       <m:e>
                         <m:r>
                           <a:rPr lang="en-US" b="0" i="1" smtClean="0">
+                            <a:solidFill>
+                              <a:srgbClr val="FF0000"/>
+                            </a:solidFill>
                             <a:latin typeface="Cambria Math" panose="02040503050406030204" pitchFamily="18" charset="0"/>
                           </a:rPr>
                           <m:t>𝑥</m:t>
@@ -10396,7 +10430,7 @@
             </p:txBody>
           </p:sp>
         </mc:Choice>
-        <mc:Fallback xmlns="">
+        <mc:Fallback>
           <p:sp>
             <p:nvSpPr>
               <p:cNvPr id="3" name="Объект 2"/>
@@ -11344,8 +11378,8 @@
             </a:p>
           </p:txBody>
         </p:sp>
-        <mc:AlternateContent xmlns:mc="http://schemas.openxmlformats.org/markup-compatibility/2006" xmlns:a14="http://schemas.microsoft.com/office/drawing/2010/main">
-          <mc:Choice Requires="a14">
+        <mc:AlternateContent xmlns:mc="http://schemas.openxmlformats.org/markup-compatibility/2006">
+          <mc:Choice xmlns:a14="http://schemas.microsoft.com/office/drawing/2010/main" Requires="a14">
             <p:sp>
               <p:nvSpPr>
                 <p:cNvPr id="15" name="Text Box 14"/>
@@ -11392,6 +11426,9 @@
                             <m:sSubPr>
                               <m:ctrlPr>
                                 <a:rPr lang="en-US" sz="2000" b="0" i="1" smtClean="0">
+                                  <a:solidFill>
+                                    <a:srgbClr val="FF0000"/>
+                                  </a:solidFill>
                                   <a:latin typeface="Cambria Math" panose="02040503050406030204" pitchFamily="18" charset="0"/>
                                 </a:rPr>
                               </m:ctrlPr>
@@ -11399,6 +11436,9 @@
                             <m:e>
                               <m:r>
                                 <a:rPr lang="en-US" sz="2000" b="0" i="1" smtClean="0">
+                                  <a:solidFill>
+                                    <a:srgbClr val="FF0000"/>
+                                  </a:solidFill>
                                   <a:latin typeface="Cambria Math" panose="02040503050406030204" pitchFamily="18" charset="0"/>
                                 </a:rPr>
                                 <m:t>𝑥</m:t>
@@ -11407,6 +11447,9 @@
                             <m:sub>
                               <m:r>
                                 <a:rPr lang="en-US" sz="2000" b="0" i="1" smtClean="0">
+                                  <a:solidFill>
+                                    <a:srgbClr val="FF0000"/>
+                                  </a:solidFill>
                                   <a:latin typeface="Cambria Math" panose="02040503050406030204" pitchFamily="18" charset="0"/>
                                 </a:rPr>
                                 <m:t>𝑖</m:t>
@@ -11463,7 +11506,7 @@
               </p:txBody>
             </p:sp>
           </mc:Choice>
-          <mc:Fallback xmlns="">
+          <mc:Fallback>
             <p:sp>
               <p:nvSpPr>
                 <p:cNvPr id="15" name="Text Box 14"/>
@@ -11483,7 +11526,7 @@
                 <a:blipFill>
                   <a:blip r:embed="rId6"/>
                   <a:stretch>
-                    <a:fillRect t="-7576" r="-3493" b="-25758"/>
+                    <a:fillRect t="-9091" r="-3043" b="-25758"/>
                   </a:stretch>
                 </a:blipFill>
                 <a:ln w="9525">
@@ -11678,8 +11721,8 @@
           </p:sp>
         </mc:Fallback>
       </mc:AlternateContent>
-      <mc:AlternateContent xmlns:mc="http://schemas.openxmlformats.org/markup-compatibility/2006" xmlns:a14="http://schemas.microsoft.com/office/drawing/2010/main">
-        <mc:Choice Requires="a14">
+      <mc:AlternateContent xmlns:mc="http://schemas.openxmlformats.org/markup-compatibility/2006">
+        <mc:Choice xmlns:a14="http://schemas.microsoft.com/office/drawing/2010/main" Requires="a14">
           <p:sp>
             <p:nvSpPr>
               <p:cNvPr id="24" name="Text Box 13"/>
@@ -11756,6 +11799,9 @@
                       <m:sSubPr>
                         <m:ctrlPr>
                           <a:rPr lang="en-US" sz="1600" b="0" i="1" smtClean="0">
+                            <a:solidFill>
+                              <a:srgbClr val="FF0000"/>
+                            </a:solidFill>
                             <a:latin typeface="Cambria Math" panose="02040503050406030204" pitchFamily="18" charset="0"/>
                           </a:rPr>
                         </m:ctrlPr>
@@ -11763,6 +11809,9 @@
                       <m:e>
                         <m:r>
                           <a:rPr lang="en-US" sz="1600" b="0" i="1" smtClean="0">
+                            <a:solidFill>
+                              <a:srgbClr val="FF0000"/>
+                            </a:solidFill>
                             <a:latin typeface="Cambria Math" panose="02040503050406030204" pitchFamily="18" charset="0"/>
                           </a:rPr>
                           <m:t>𝑥</m:t>
@@ -11771,6 +11820,9 @@
                       <m:sub>
                         <m:r>
                           <a:rPr lang="en-US" sz="1600" b="0" i="1" smtClean="0">
+                            <a:solidFill>
+                              <a:srgbClr val="FF0000"/>
+                            </a:solidFill>
                             <a:latin typeface="Cambria Math" panose="02040503050406030204" pitchFamily="18" charset="0"/>
                           </a:rPr>
                           <m:t>𝑖</m:t>
@@ -12156,7 +12208,7 @@
             </p:txBody>
           </p:sp>
         </mc:Choice>
-        <mc:Fallback xmlns="">
+        <mc:Fallback>
           <p:sp>
             <p:nvSpPr>
               <p:cNvPr id="24" name="Text Box 13"/>
@@ -12173,7 +12225,7 @@
               <a:prstGeom prst="rect">
                 <a:avLst/>
               </a:prstGeom>
-              <a:blipFill rotWithShape="0">
+              <a:blipFill>
                 <a:blip r:embed="rId9"/>
                 <a:stretch>
                   <a:fillRect l="-1548"/>
@@ -12470,11 +12522,19 @@
           <a:lstStyle/>
           <a:p>
             <a:r>
-              <a:rPr lang="ru-RU" dirty="0" err="1"/>
-              <a:t>Рандомизированный</a:t>
+              <a:rPr lang="ru-RU" dirty="0" smtClean="0"/>
+              <a:t>Стойкость </a:t>
             </a:r>
             <a:r>
-              <a:rPr lang="ru-RU" dirty="0"/>
+              <a:rPr lang="ru-RU" dirty="0" err="1" smtClean="0"/>
+              <a:t>р</a:t>
+            </a:r>
+            <a:r>
+              <a:rPr lang="ru-RU" dirty="0" err="1" smtClean="0"/>
+              <a:t>андомизированного</a:t>
+            </a:r>
+            <a:r>
+              <a:rPr lang="ru-RU" dirty="0" smtClean="0"/>
               <a:t> </a:t>
             </a:r>
             <a:r>
@@ -12482,9 +12542,10 @@
               <a:t>CRT </a:t>
             </a:r>
             <a:r>
-              <a:rPr lang="ru-RU" dirty="0"/>
-              <a:t>режим</a:t>
+              <a:rPr lang="ru-RU" dirty="0" smtClean="0"/>
+              <a:t>режима</a:t>
             </a:r>
+            <a:endParaRPr lang="ru-RU" dirty="0"/>
           </a:p>
         </p:txBody>
       </p:sp>
@@ -13001,8 +13062,8 @@
           </a:p>
         </p:txBody>
       </p:sp>
-      <mc:AlternateContent xmlns:mc="http://schemas.openxmlformats.org/markup-compatibility/2006" xmlns:a14="http://schemas.microsoft.com/office/drawing/2010/main">
-        <mc:Choice Requires="a14">
+      <mc:AlternateContent xmlns:mc="http://schemas.openxmlformats.org/markup-compatibility/2006">
+        <mc:Choice xmlns:a14="http://schemas.microsoft.com/office/drawing/2010/main" Requires="a14">
           <p:sp>
             <p:nvSpPr>
               <p:cNvPr id="3" name="Объект 2"/>
@@ -13028,11 +13089,31 @@
                 </a:r>
                 <a:r>
                   <a:rPr lang="ru-RU" dirty="0" smtClean="0"/>
-                  <a:t>режим, заменив случайный элемент на </a:t>
+                  <a:t>режим, заменив </a:t>
+                </a:r>
+                <a:r>
+                  <a:rPr lang="ru-RU" dirty="0" smtClean="0">
+                    <a:solidFill>
+                      <a:srgbClr val="FF0000"/>
+                    </a:solidFill>
+                  </a:rPr>
+                  <a:t>случайный элемент </a:t>
+                </a:r>
+                <a:r>
+                  <a:rPr lang="ru-RU" dirty="0" smtClean="0"/>
+                  <a:t>на </a:t>
+                </a:r>
+                <a:r>
+                  <a:rPr lang="en-US" dirty="0" smtClean="0">
+                    <a:solidFill>
+                      <a:srgbClr val="00B050"/>
+                    </a:solidFill>
+                  </a:rPr>
+                  <a:t>nonce</a:t>
                 </a:r>
                 <a:r>
                   <a:rPr lang="en-US" dirty="0" smtClean="0"/>
-                  <a:t>nonce?</a:t>
+                  <a:t>?</a:t>
                 </a:r>
               </a:p>
               <a:p>
@@ -13041,7 +13122,11 @@
                   <a:t>Нет! В отличии от гибридной конструкции, где нам была важна уникальность </a:t>
                 </a:r>
                 <a:r>
-                  <a:rPr lang="en-US" dirty="0" smtClean="0"/>
+                  <a:rPr lang="en-US" dirty="0" smtClean="0">
+                    <a:solidFill>
+                      <a:srgbClr val="00B050"/>
+                    </a:solidFill>
+                  </a:rPr>
                   <a:t>nonce</a:t>
                 </a:r>
                 <a:r>
@@ -13124,7 +13209,11 @@
                   <a:t> на </a:t>
                 </a:r>
                 <a:r>
-                  <a:rPr lang="en-US" dirty="0" smtClean="0"/>
+                  <a:rPr lang="en-US" dirty="0" smtClean="0">
+                    <a:solidFill>
+                      <a:srgbClr val="00B050"/>
+                    </a:solidFill>
+                  </a:rPr>
                   <a:t>nonce</a:t>
                 </a:r>
                 <a:r>
@@ -13474,7 +13563,7 @@
             </p:txBody>
           </p:sp>
         </mc:Choice>
-        <mc:Fallback xmlns="">
+        <mc:Fallback>
           <p:sp>
             <p:nvSpPr>
               <p:cNvPr id="3" name="Объект 2"/>
@@ -13486,7 +13575,7 @@
               </p:nvPr>
             </p:nvSpPr>
             <p:spPr>
-              <a:blipFill rotWithShape="0">
+              <a:blipFill>
                 <a:blip r:embed="rId2"/>
                 <a:stretch>
                   <a:fillRect l="-928" t="-2101" r="-1159"/>
@@ -14244,8 +14333,8 @@
           </a:p>
         </p:txBody>
       </p:sp>
-      <mc:AlternateContent xmlns:mc="http://schemas.openxmlformats.org/markup-compatibility/2006" xmlns:a14="http://schemas.microsoft.com/office/drawing/2010/main">
-        <mc:Choice Requires="a14">
+      <mc:AlternateContent xmlns:mc="http://schemas.openxmlformats.org/markup-compatibility/2006">
+        <mc:Choice xmlns:a14="http://schemas.microsoft.com/office/drawing/2010/main" Requires="a14">
           <p:sp>
             <p:nvSpPr>
               <p:cNvPr id="3" name="Объект 2"/>
@@ -14266,8 +14355,16 @@
                   <a:t>Введём </a:t>
                 </a:r>
                 <a:r>
+                  <a:rPr lang="en-US" dirty="0" smtClean="0">
+                    <a:solidFill>
+                      <a:srgbClr val="00B050"/>
+                    </a:solidFill>
+                  </a:rPr>
+                  <a:t>nonce</a:t>
+                </a:r>
+                <a:r>
                   <a:rPr lang="en-US" dirty="0" smtClean="0"/>
-                  <a:t>nonce </a:t>
+                  <a:t> </a:t>
                 </a:r>
                 <a:r>
                   <a:rPr lang="ru-RU" dirty="0" smtClean="0"/>
@@ -14348,8 +14445,16 @@
                   <a:t> </a:t>
                 </a:r>
                 <a:r>
+                  <a:rPr lang="en-US" dirty="0" smtClean="0">
+                    <a:solidFill>
+                      <a:srgbClr val="00B050"/>
+                    </a:solidFill>
+                  </a:rPr>
+                  <a:t>nonce</a:t>
+                </a:r>
+                <a:r>
                   <a:rPr lang="en-US" dirty="0" smtClean="0"/>
-                  <a:t>nonce, </a:t>
+                  <a:t>, </a:t>
                 </a:r>
                 <a14:m>
                   <m:oMath xmlns:m="http://schemas.openxmlformats.org/officeDocument/2006/math">
@@ -14408,8 +14513,16 @@
                   <a:t>Т.е. два различных </a:t>
                 </a:r>
                 <a:r>
+                  <a:rPr lang="en-US" dirty="0" smtClean="0">
+                    <a:solidFill>
+                      <a:srgbClr val="00B050"/>
+                    </a:solidFill>
+                  </a:rPr>
+                  <a:t>nonce</a:t>
+                </a:r>
+                <a:r>
                   <a:rPr lang="en-US" dirty="0" smtClean="0"/>
-                  <a:t>nonce </a:t>
+                  <a:t> </a:t>
                 </a:r>
                 <a14:m>
                   <m:oMath xmlns:m="http://schemas.openxmlformats.org/officeDocument/2006/math">
@@ -14812,7 +14925,7 @@
             </p:txBody>
           </p:sp>
         </mc:Choice>
-        <mc:Fallback xmlns="">
+        <mc:Fallback>
           <p:sp>
             <p:nvSpPr>
               <p:cNvPr id="3" name="Объект 2"/>
@@ -19725,8 +19838,8 @@
           </p:sp>
         </mc:Fallback>
       </mc:AlternateContent>
-      <mc:AlternateContent xmlns:mc="http://schemas.openxmlformats.org/markup-compatibility/2006" xmlns:a14="http://schemas.microsoft.com/office/drawing/2010/main">
-        <mc:Choice Requires="a14">
+      <mc:AlternateContent xmlns:mc="http://schemas.openxmlformats.org/markup-compatibility/2006">
+        <mc:Choice xmlns:a14="http://schemas.microsoft.com/office/drawing/2010/main" Requires="a14">
           <p:sp>
             <p:nvSpPr>
               <p:cNvPr id="24" name="Text Box 13"/>
@@ -19800,13 +19913,19 @@
                 <a14:m>
                   <m:oMath xmlns:m="http://schemas.openxmlformats.org/officeDocument/2006/math">
                     <m:r>
-                      <a:rPr lang="en-US" sz="1600" i="1">
+                      <a:rPr lang="en-US" sz="1600" i="1" smtClean="0">
+                        <a:solidFill>
+                          <a:srgbClr val="FF0000"/>
+                        </a:solidFill>
                         <a:latin typeface="Cambria Math" panose="02040503050406030204" pitchFamily="18" charset="0"/>
                       </a:rPr>
                       <m:t>𝑐</m:t>
                     </m:r>
                     <m:r>
                       <a:rPr lang="en-US" sz="1600" b="0" i="1" smtClean="0">
+                        <a:solidFill>
+                          <a:srgbClr val="FF0000"/>
+                        </a:solidFill>
                         <a:latin typeface="Cambria Math" panose="02040503050406030204" pitchFamily="18" charset="0"/>
                       </a:rPr>
                       <m:t>[0]</m:t>
@@ -20072,7 +20191,7 @@
             </p:txBody>
           </p:sp>
         </mc:Choice>
-        <mc:Fallback xmlns="">
+        <mc:Fallback>
           <p:sp>
             <p:nvSpPr>
               <p:cNvPr id="24" name="Text Box 13"/>
@@ -20089,7 +20208,7 @@
               <a:prstGeom prst="rect">
                 <a:avLst/>
               </a:prstGeom>
-              <a:blipFill rotWithShape="0">
+              <a:blipFill>
                 <a:blip r:embed="rId9"/>
                 <a:stretch>
                   <a:fillRect l="-2105" b="-797"/>
@@ -21011,8 +21130,8 @@
           </a:p>
         </p:txBody>
       </p:sp>
-      <mc:AlternateContent xmlns:mc="http://schemas.openxmlformats.org/markup-compatibility/2006" xmlns:a14="http://schemas.microsoft.com/office/drawing/2010/main">
-        <mc:Choice Requires="a14">
+      <mc:AlternateContent xmlns:mc="http://schemas.openxmlformats.org/markup-compatibility/2006">
+        <mc:Choice xmlns:a14="http://schemas.microsoft.com/office/drawing/2010/main" Requires="a14">
           <p:sp>
             <p:nvSpPr>
               <p:cNvPr id="3" name="Объект 2"/>
@@ -21042,11 +21161,31 @@
                 </a:r>
                 <a:r>
                   <a:rPr lang="ru-RU" dirty="0"/>
-                  <a:t>, заменив случайный элемент на </a:t>
+                  <a:t>, заменив </a:t>
+                </a:r>
+                <a:r>
+                  <a:rPr lang="ru-RU" dirty="0">
+                    <a:solidFill>
+                      <a:srgbClr val="FF0000"/>
+                    </a:solidFill>
+                  </a:rPr>
+                  <a:t>случайный элемент </a:t>
+                </a:r>
+                <a:r>
+                  <a:rPr lang="ru-RU" dirty="0"/>
+                  <a:t>на </a:t>
+                </a:r>
+                <a:r>
+                  <a:rPr lang="en-US" dirty="0">
+                    <a:solidFill>
+                      <a:srgbClr val="FF0000"/>
+                    </a:solidFill>
+                  </a:rPr>
+                  <a:t>nonce</a:t>
                 </a:r>
                 <a:r>
                   <a:rPr lang="en-US" dirty="0"/>
-                  <a:t>nonce?</a:t>
+                  <a:t>?</a:t>
                 </a:r>
               </a:p>
               <a:p>
@@ -21475,7 +21614,7 @@
             </p:txBody>
           </p:sp>
         </mc:Choice>
-        <mc:Fallback xmlns="">
+        <mc:Fallback>
           <p:sp>
             <p:nvSpPr>
               <p:cNvPr id="3" name="Объект 2"/>
@@ -21487,7 +21626,7 @@
               </p:nvPr>
             </p:nvSpPr>
             <p:spPr>
-              <a:blipFill rotWithShape="0">
+              <a:blipFill>
                 <a:blip r:embed="rId2"/>
                 <a:stretch>
                   <a:fillRect l="-928" t="-2101"/>
@@ -21592,8 +21731,8 @@
           </a:p>
         </p:txBody>
       </p:sp>
-      <mc:AlternateContent xmlns:mc="http://schemas.openxmlformats.org/markup-compatibility/2006" xmlns:a14="http://schemas.microsoft.com/office/drawing/2010/main">
-        <mc:Choice Requires="a14">
+      <mc:AlternateContent xmlns:mc="http://schemas.openxmlformats.org/markup-compatibility/2006">
+        <mc:Choice xmlns:a14="http://schemas.microsoft.com/office/drawing/2010/main" Requires="a14">
           <p:sp>
             <p:nvSpPr>
               <p:cNvPr id="3" name="Объект 2"/>
@@ -21611,19 +21750,47 @@
               <a:p>
                 <a:r>
                   <a:rPr lang="ru-RU" dirty="0" smtClean="0"/>
-                  <a:t>Идея – заменить случайный </a:t>
+                  <a:t>Идея – заменить </a:t>
+                </a:r>
+                <a:r>
+                  <a:rPr lang="ru-RU" dirty="0" smtClean="0">
+                    <a:solidFill>
+                      <a:srgbClr val="FF0000"/>
+                    </a:solidFill>
+                  </a:rPr>
+                  <a:t>случайный </a:t>
+                </a:r>
+                <a:r>
+                  <a:rPr lang="en-US" dirty="0" smtClean="0">
+                    <a:solidFill>
+                      <a:srgbClr val="FF0000"/>
+                    </a:solidFill>
+                  </a:rPr>
+                  <a:t>IV</a:t>
+                </a:r>
+                <a:r>
+                  <a:rPr lang="ru-RU" dirty="0" smtClean="0">
+                    <a:solidFill>
+                      <a:srgbClr val="FF0000"/>
+                    </a:solidFill>
+                  </a:rPr>
+                  <a:t> </a:t>
+                </a:r>
+                <a:r>
+                  <a:rPr lang="ru-RU" dirty="0" smtClean="0"/>
+                  <a:t>на псевдослучайный, полученный из </a:t>
+                </a:r>
+                <a:r>
+                  <a:rPr lang="en-US" dirty="0" smtClean="0">
+                    <a:solidFill>
+                      <a:srgbClr val="00B050"/>
+                    </a:solidFill>
+                  </a:rPr>
+                  <a:t>nonce</a:t>
                 </a:r>
                 <a:r>
                   <a:rPr lang="en-US" dirty="0" smtClean="0"/>
-                  <a:t>IV</a:t>
-                </a:r>
-                <a:r>
-                  <a:rPr lang="ru-RU" dirty="0" smtClean="0"/>
-                  <a:t> на псевдослучайный, полученный из </a:t>
-                </a:r>
-                <a:r>
-                  <a:rPr lang="en-US" dirty="0" smtClean="0"/>
-                  <a:t>nonce </a:t>
+                  <a:t> </a:t>
                 </a:r>
                 <a:r>
                   <a:rPr lang="ru-RU" dirty="0" smtClean="0"/>
@@ -22001,6 +22168,9 @@
                     </m:r>
                     <m:r>
                       <a:rPr lang="en-US" b="0" i="1" smtClean="0">
+                        <a:solidFill>
+                          <a:srgbClr val="00B050"/>
+                        </a:solidFill>
                         <a:latin typeface="Cambria Math" panose="02040503050406030204" pitchFamily="18" charset="0"/>
                       </a:rPr>
                       <m:t>𝑛</m:t>
@@ -22022,7 +22192,7 @@
             </p:txBody>
           </p:sp>
         </mc:Choice>
-        <mc:Fallback xmlns="">
+        <mc:Fallback>
           <p:sp>
             <p:nvSpPr>
               <p:cNvPr id="3" name="Объект 2"/>
@@ -22034,7 +22204,7 @@
               </p:nvPr>
             </p:nvSpPr>
             <p:spPr>
-              <a:blipFill rotWithShape="0">
+              <a:blipFill>
                 <a:blip r:embed="rId2"/>
                 <a:stretch>
                   <a:fillRect l="-928" t="-2101" r="-1159"/>
@@ -23479,13 +23649,29 @@
           <a:p>
             <a:r>
               <a:rPr lang="ru-RU" dirty="0" smtClean="0"/>
-              <a:t>Подход 1 – рандомизация функции </a:t>
+              <a:t>Подход 1 – </a:t>
             </a:r>
             <a:r>
-              <a:rPr lang="ru-RU" dirty="0" err="1" smtClean="0"/>
+              <a:rPr lang="ru-RU" dirty="0" smtClean="0">
+                <a:solidFill>
+                  <a:srgbClr val="FF0000"/>
+                </a:solidFill>
+              </a:rPr>
+              <a:t>рандомизация функции </a:t>
+            </a:r>
+            <a:r>
+              <a:rPr lang="ru-RU" dirty="0" err="1" smtClean="0">
+                <a:solidFill>
+                  <a:srgbClr val="FF0000"/>
+                </a:solidFill>
+              </a:rPr>
               <a:t>зашифрования</a:t>
             </a:r>
-            <a:endParaRPr lang="ru-RU" dirty="0" smtClean="0"/>
+            <a:endParaRPr lang="ru-RU" dirty="0" smtClean="0">
+              <a:solidFill>
+                <a:srgbClr val="FF0000"/>
+              </a:solidFill>
+            </a:endParaRPr>
           </a:p>
           <a:p>
             <a:endParaRPr lang="ru-RU" dirty="0"/>
@@ -23527,7 +23713,19 @@
             </a:r>
             <a:r>
               <a:rPr lang="ru-RU" dirty="0" smtClean="0"/>
-              <a:t> всегда длиннее открытых текстов, так как необходимо также передать энтропию, необходимую для восстановления открытого текста</a:t>
+              <a:t> всегда длиннее открытых текстов, так как необходимо также </a:t>
+            </a:r>
+            <a:r>
+              <a:rPr lang="ru-RU" dirty="0" smtClean="0">
+                <a:solidFill>
+                  <a:srgbClr val="FF0000"/>
+                </a:solidFill>
+              </a:rPr>
+              <a:t>передать энтропию</a:t>
+            </a:r>
+            <a:r>
+              <a:rPr lang="ru-RU" dirty="0" smtClean="0"/>
+              <a:t>, необходимую для восстановления открытого текста</a:t>
             </a:r>
             <a:endParaRPr lang="ru-RU" dirty="0"/>
           </a:p>
@@ -27284,7 +27482,12 @@
             <p:ph idx="1"/>
           </p:nvPr>
         </p:nvSpPr>
-        <p:spPr/>
+        <p:spPr>
+          <a:xfrm>
+            <a:off x="838200" y="1825625"/>
+            <a:ext cx="10515600" cy="4777398"/>
+          </a:xfrm>
+        </p:spPr>
         <p:txBody>
           <a:bodyPr>
             <a:normAutofit fontScale="92500"/>
@@ -27345,7 +27548,31 @@
             </a:r>
             <a:r>
               <a:rPr lang="ru-RU" dirty="0" smtClean="0"/>
-              <a:t>Основная идея – сообщения должны быть уникальными для фиксированного ключа.</a:t>
+              <a:t>Основная идея </a:t>
+            </a:r>
+            <a:r>
+              <a:rPr lang="ru-RU" dirty="0" smtClean="0"/>
+              <a:t>–</a:t>
+            </a:r>
+            <a:r>
+              <a:rPr lang="en-US" dirty="0" smtClean="0"/>
+              <a:t> </a:t>
+            </a:r>
+            <a:r>
+              <a:rPr lang="ru-RU" dirty="0" smtClean="0"/>
+              <a:t>новое требование</a:t>
+            </a:r>
+            <a:r>
+              <a:rPr lang="en-US" dirty="0"/>
+              <a:t>:</a:t>
+            </a:r>
+            <a:r>
+              <a:rPr lang="ru-RU" dirty="0" smtClean="0"/>
+              <a:t> </a:t>
+            </a:r>
+            <a:r>
+              <a:rPr lang="ru-RU" dirty="0" smtClean="0"/>
+              <a:t>сообщения должны быть уникальными для фиксированного ключа.</a:t>
             </a:r>
           </a:p>
           <a:p>
@@ -27360,16 +27587,41 @@
             </a:r>
             <a:r>
               <a:rPr lang="ru-RU" dirty="0" smtClean="0"/>
-              <a:t>пользователя </a:t>
+              <a:t>пользователя</a:t>
+            </a:r>
+            <a:r>
+              <a:rPr lang="ru-RU" dirty="0" smtClean="0"/>
+              <a:t>, индекс</a:t>
+            </a:r>
+            <a:r>
+              <a:rPr lang="en-US" dirty="0" smtClean="0"/>
+              <a:t> </a:t>
+            </a:r>
+            <a:r>
+              <a:rPr lang="ru-RU" dirty="0" smtClean="0"/>
+              <a:t>записи в </a:t>
             </a:r>
             <a:r>
               <a:rPr lang="ru-RU" dirty="0" err="1" smtClean="0"/>
-              <a:t>итд</a:t>
+              <a:t>б.д</a:t>
             </a:r>
             <a:r>
               <a:rPr lang="ru-RU" dirty="0" smtClean="0"/>
-              <a:t>)</a:t>
+              <a:t>.</a:t>
             </a:r>
+            <a:r>
+              <a:rPr lang="ru-RU" dirty="0" smtClean="0"/>
+              <a:t> </a:t>
+            </a:r>
+            <a:r>
+              <a:rPr lang="ru-RU" dirty="0" err="1" smtClean="0"/>
+              <a:t>и.т.д</a:t>
+            </a:r>
+            <a:r>
+              <a:rPr lang="ru-RU" smtClean="0"/>
+              <a:t>.)</a:t>
+            </a:r>
+            <a:endParaRPr lang="ru-RU" dirty="0" smtClean="0"/>
           </a:p>
           <a:p>
             <a:pPr lvl="1"/>
@@ -34641,8 +34893,8 @@
           </a:p>
         </p:txBody>
       </p:sp>
-      <mc:AlternateContent xmlns:mc="http://schemas.openxmlformats.org/markup-compatibility/2006" xmlns:a14="http://schemas.microsoft.com/office/drawing/2010/main">
-        <mc:Choice Requires="a14">
+      <mc:AlternateContent xmlns:mc="http://schemas.openxmlformats.org/markup-compatibility/2006">
+        <mc:Choice xmlns:a14="http://schemas.microsoft.com/office/drawing/2010/main" Requires="a14">
           <p:sp>
             <p:nvSpPr>
               <p:cNvPr id="3" name="Объект 2"/>
@@ -34712,6 +34964,9 @@
                         </m:r>
                         <m:r>
                           <a:rPr lang="en-US" b="0" i="1" smtClean="0">
+                            <a:solidFill>
+                              <a:srgbClr val="00B050"/>
+                            </a:solidFill>
                             <a:latin typeface="Cambria Math" panose="02040503050406030204" pitchFamily="18" charset="0"/>
                           </a:rPr>
                           <m:t>𝑛</m:t>
@@ -34765,9 +35020,12 @@
                         </m:r>
                         <m:r>
                           <a:rPr lang="en-US" b="0" i="1" smtClean="0">
-                            <a:latin typeface="Cambria Math" panose="02040503050406030204" pitchFamily="18" charset="0"/>
-                          </a:rPr>
-                          <m:t>𝑚</m:t>
+                            <a:solidFill>
+                              <a:srgbClr val="00B050"/>
+                            </a:solidFill>
+                            <a:latin typeface="Cambria Math" panose="02040503050406030204" pitchFamily="18" charset="0"/>
+                          </a:rPr>
+                          <m:t>𝑛</m:t>
                         </m:r>
                       </m:e>
                     </m:d>
@@ -34789,8 +35047,16 @@
               </a:p>
               <a:p>
                 <a:r>
+                  <a:rPr lang="en-US" dirty="0" smtClean="0">
+                    <a:solidFill>
+                      <a:srgbClr val="00B050"/>
+                    </a:solidFill>
+                  </a:rPr>
+                  <a:t>Nonce</a:t>
+                </a:r>
+                <a:r>
                   <a:rPr lang="en-US" dirty="0" smtClean="0"/>
-                  <a:t>Nonce </a:t>
+                  <a:t> </a:t>
                 </a:r>
                 <a:r>
                   <a:rPr lang="ru-RU" dirty="0" smtClean="0"/>
@@ -34816,13 +35082,53 @@
                 </a:r>
                 <a:r>
                   <a:rPr lang="ru-RU" dirty="0" smtClean="0"/>
-                  <a:t>можно использовать счётчик или случайные величины</a:t>
+                  <a:t>можно использовать </a:t>
+                </a:r>
+                <a:r>
+                  <a:rPr lang="ru-RU" dirty="0" smtClean="0">
+                    <a:solidFill>
+                      <a:srgbClr val="00B050"/>
+                    </a:solidFill>
+                  </a:rPr>
+                  <a:t>счётчик</a:t>
+                </a:r>
+                <a:r>
+                  <a:rPr lang="ru-RU" dirty="0" smtClean="0">
+                    <a:solidFill>
+                      <a:srgbClr val="00B050"/>
+                    </a:solidFill>
+                  </a:rPr>
+                  <a:t>, неубывающую последовательность, </a:t>
+                </a:r>
+                <a:r>
+                  <a:rPr lang="ru-RU" dirty="0" smtClean="0">
+                    <a:solidFill>
+                      <a:srgbClr val="00B050"/>
+                    </a:solidFill>
+                  </a:rPr>
+                  <a:t>случайные </a:t>
+                </a:r>
+                <a:r>
+                  <a:rPr lang="ru-RU" dirty="0" smtClean="0">
+                    <a:solidFill>
+                      <a:srgbClr val="00B050"/>
+                    </a:solidFill>
+                  </a:rPr>
+                  <a:t>величины</a:t>
                 </a:r>
               </a:p>
               <a:p>
                 <a:r>
+                  <a:rPr lang="en-US" dirty="0" smtClean="0">
+                    <a:solidFill>
+                      <a:srgbClr val="00B050"/>
+                    </a:solidFill>
+                  </a:rPr>
+                  <a:t>Nonce</a:t>
+                </a:r>
+                <a:r>
                   <a:rPr lang="en-US" dirty="0" smtClean="0"/>
-                  <a:t>Nonce </a:t>
+                  <a:t> </a:t>
                 </a:r>
                 <a:r>
                   <a:rPr lang="ru-RU" dirty="0" smtClean="0"/>
@@ -34836,8 +35142,16 @@
                   <a:t>Не любое использование </a:t>
                 </a:r>
                 <a:r>
+                  <a:rPr lang="en-US" dirty="0" smtClean="0">
+                    <a:solidFill>
+                      <a:srgbClr val="00B050"/>
+                    </a:solidFill>
+                  </a:rPr>
+                  <a:t>nonce</a:t>
+                </a:r>
+                <a:r>
                   <a:rPr lang="en-US" dirty="0" smtClean="0"/>
-                  <a:t>nonce </a:t>
+                  <a:t> </a:t>
                 </a:r>
                 <a:r>
                   <a:rPr lang="ru-RU" dirty="0" smtClean="0"/>
@@ -34848,7 +35162,7 @@
             </p:txBody>
           </p:sp>
         </mc:Choice>
-        <mc:Fallback xmlns="">
+        <mc:Fallback>
           <p:sp>
             <p:nvSpPr>
               <p:cNvPr id="3" name="Объект 2"/>
@@ -34860,7 +35174,7 @@
               </p:nvPr>
             </p:nvSpPr>
             <p:spPr>
-              <a:blipFill rotWithShape="0">
+              <a:blipFill>
                 <a:blip r:embed="rId2"/>
                 <a:stretch>
                   <a:fillRect l="-928" t="-2101" b="-2381"/>
@@ -35308,8 +35622,8 @@
           </a:p>
         </p:txBody>
       </p:sp>
-      <mc:AlternateContent xmlns:mc="http://schemas.openxmlformats.org/markup-compatibility/2006" xmlns:a14="http://schemas.microsoft.com/office/drawing/2010/main">
-        <mc:Choice Requires="a14">
+      <mc:AlternateContent xmlns:mc="http://schemas.openxmlformats.org/markup-compatibility/2006">
+        <mc:Choice xmlns:a14="http://schemas.microsoft.com/office/drawing/2010/main" Requires="a14">
           <p:sp>
             <p:nvSpPr>
               <p:cNvPr id="3" name="Объект 2"/>
@@ -35896,8 +36210,16 @@
               </a:p>
               <a:p>
                 <a:r>
+                  <a:rPr lang="en-US" b="1" dirty="0" smtClean="0">
+                    <a:solidFill>
+                      <a:srgbClr val="FF0000"/>
+                    </a:solidFill>
+                  </a:rPr>
+                  <a:t>IV</a:t>
+                </a:r>
+                <a:r>
                   <a:rPr lang="en-US" b="1" dirty="0" smtClean="0"/>
-                  <a:t>IV </a:t>
+                  <a:t> </a:t>
                 </a:r>
                 <a:r>
                   <a:rPr lang="ru-RU" b="1" dirty="0" smtClean="0"/>
@@ -35914,7 +36236,7 @@
             </p:txBody>
           </p:sp>
         </mc:Choice>
-        <mc:Fallback xmlns="">
+        <mc:Fallback>
           <p:sp>
             <p:nvSpPr>
               <p:cNvPr id="3" name="Объект 2"/>
@@ -36068,13 +36390,37 @@
             </a:r>
             <a:r>
               <a:rPr lang="ru-RU" dirty="0" smtClean="0"/>
-              <a:t> была больше длины открытых тестов из за добавления вектора инициализации.</a:t>
+              <a:t> была больше длины открытых тестов из за добавления </a:t>
+            </a:r>
+            <a:r>
+              <a:rPr lang="ru-RU" dirty="0" smtClean="0">
+                <a:solidFill>
+                  <a:srgbClr val="FF0000"/>
+                </a:solidFill>
+              </a:rPr>
+              <a:t>вектора инициализации</a:t>
+            </a:r>
+            <a:r>
+              <a:rPr lang="ru-RU" dirty="0" smtClean="0"/>
+              <a:t>.</a:t>
             </a:r>
           </a:p>
           <a:p>
             <a:r>
               <a:rPr lang="ru-RU" dirty="0" smtClean="0"/>
-              <a:t>Длина вектора инициализации не зависит от длины сообщения</a:t>
+              <a:t>Длина </a:t>
+            </a:r>
+            <a:r>
+              <a:rPr lang="ru-RU" dirty="0" smtClean="0">
+                <a:solidFill>
+                  <a:srgbClr val="FF0000"/>
+                </a:solidFill>
+              </a:rPr>
+              <a:t>вектора инициализации </a:t>
+            </a:r>
+            <a:r>
+              <a:rPr lang="ru-RU" dirty="0" smtClean="0"/>
+              <a:t>не зависит от длины сообщения</a:t>
             </a:r>
           </a:p>
           <a:p>
@@ -36100,7 +36446,19 @@
           <a:p>
             <a:r>
               <a:rPr lang="ru-RU" dirty="0" smtClean="0"/>
-              <a:t>Возможно ли уйти от случайных векторов инициализации?</a:t>
+              <a:t>Возможно ли уйти от </a:t>
+            </a:r>
+            <a:r>
+              <a:rPr lang="ru-RU" dirty="0" smtClean="0">
+                <a:solidFill>
+                  <a:srgbClr val="FF0000"/>
+                </a:solidFill>
+              </a:rPr>
+              <a:t>случайных векторов инициализации</a:t>
+            </a:r>
+            <a:r>
+              <a:rPr lang="ru-RU" dirty="0" smtClean="0"/>
+              <a:t>?</a:t>
             </a:r>
           </a:p>
         </p:txBody>
@@ -36232,7 +36590,11 @@
               <a:t>Второй подход – использование </a:t>
             </a:r>
             <a:r>
-              <a:rPr lang="en-US" dirty="0" smtClean="0"/>
+              <a:rPr lang="en-US" dirty="0" smtClean="0">
+                <a:solidFill>
+                  <a:srgbClr val="00B050"/>
+                </a:solidFill>
+              </a:rPr>
               <a:t>nonce</a:t>
             </a:r>
             <a:r>
@@ -36340,8 +36702,8 @@
           </a:p>
         </p:txBody>
       </p:sp>
-      <mc:AlternateContent xmlns:mc="http://schemas.openxmlformats.org/markup-compatibility/2006" xmlns:a14="http://schemas.microsoft.com/office/drawing/2010/main">
-        <mc:Choice Requires="a14">
+      <mc:AlternateContent xmlns:mc="http://schemas.openxmlformats.org/markup-compatibility/2006">
+        <mc:Choice xmlns:a14="http://schemas.microsoft.com/office/drawing/2010/main" Requires="a14">
           <p:sp>
             <p:nvSpPr>
               <p:cNvPr id="3" name="Объект 2"/>
@@ -36463,8 +36825,16 @@
                   <a:t> шифром на основе </a:t>
                 </a:r>
                 <a:r>
+                  <a:rPr lang="en-US" dirty="0" smtClean="0">
+                    <a:solidFill>
+                      <a:srgbClr val="00B050"/>
+                    </a:solidFill>
+                  </a:rPr>
+                  <a:t>nonce</a:t>
+                </a:r>
+                <a:r>
                   <a:rPr lang="en-US" dirty="0" smtClean="0"/>
-                  <a:t>nonce </a:t>
+                  <a:t> </a:t>
                 </a:r>
                 <a:r>
                   <a:rPr lang="ru-RU" dirty="0" smtClean="0"/>
@@ -36650,6 +37020,9 @@
                         </m:r>
                         <m:r>
                           <a:rPr lang="en-US" b="0" i="1" smtClean="0">
+                            <a:solidFill>
+                              <a:srgbClr val="00B050"/>
+                            </a:solidFill>
                             <a:latin typeface="Cambria Math" panose="02040503050406030204" pitchFamily="18" charset="0"/>
                           </a:rPr>
                           <m:t>𝑛</m:t>
@@ -36721,6 +37094,9 @@
                     </m:r>
                     <m:r>
                       <a:rPr lang="en-US" b="0" i="1" smtClean="0">
+                        <a:solidFill>
+                          <a:srgbClr val="00B050"/>
+                        </a:solidFill>
                         <a:latin typeface="Cambria Math" panose="02040503050406030204" pitchFamily="18" charset="0"/>
                       </a:rPr>
                       <m:t>𝑛</m:t>
@@ -36816,6 +37192,9 @@
                             </m:r>
                             <m:r>
                               <a:rPr lang="en-US" b="0" i="1" smtClean="0">
+                                <a:solidFill>
+                                  <a:srgbClr val="00B050"/>
+                                </a:solidFill>
                                 <a:latin typeface="Cambria Math" panose="02040503050406030204" pitchFamily="18" charset="0"/>
                               </a:rPr>
                               <m:t>𝑛</m:t>
@@ -36830,6 +37209,9 @@
                         </m:r>
                         <m:r>
                           <a:rPr lang="en-US" b="0" i="1" smtClean="0">
+                            <a:solidFill>
+                              <a:srgbClr val="00B050"/>
+                            </a:solidFill>
                             <a:latin typeface="Cambria Math" panose="02040503050406030204" pitchFamily="18" charset="0"/>
                           </a:rPr>
                           <m:t>𝑛</m:t>
@@ -36855,7 +37237,7 @@
             </p:txBody>
           </p:sp>
         </mc:Choice>
-        <mc:Fallback xmlns="">
+        <mc:Fallback>
           <p:sp>
             <p:nvSpPr>
               <p:cNvPr id="3" name="Объект 2"/>
@@ -36867,7 +37249,7 @@
               </p:nvPr>
             </p:nvSpPr>
             <p:spPr>
-              <a:blipFill rotWithShape="0">
+              <a:blipFill>
                 <a:blip r:embed="rId2"/>
                 <a:stretch>
                   <a:fillRect l="-1043" t="-2101"/>
@@ -36976,8 +37358,8 @@
           </a:p>
         </p:txBody>
       </p:sp>
-      <mc:AlternateContent xmlns:mc="http://schemas.openxmlformats.org/markup-compatibility/2006" xmlns:a14="http://schemas.microsoft.com/office/drawing/2010/main">
-        <mc:Choice Requires="a14">
+      <mc:AlternateContent xmlns:mc="http://schemas.openxmlformats.org/markup-compatibility/2006">
+        <mc:Choice xmlns:a14="http://schemas.microsoft.com/office/drawing/2010/main" Requires="a14">
           <p:sp>
             <p:nvSpPr>
               <p:cNvPr id="3" name="Объект 2"/>
@@ -37277,7 +37659,11 @@
                   <a:t> Единственное требование – </a:t>
                 </a:r>
                 <a:r>
-                  <a:rPr lang="ru-RU" b="1" dirty="0" smtClean="0"/>
+                  <a:rPr lang="ru-RU" b="1" dirty="0" smtClean="0">
+                    <a:solidFill>
+                      <a:srgbClr val="00B050"/>
+                    </a:solidFill>
+                  </a:rPr>
                   <a:t>уникальность</a:t>
                 </a:r>
                 <a:r>
@@ -37294,7 +37680,7 @@
             </p:txBody>
           </p:sp>
         </mc:Choice>
-        <mc:Fallback xmlns="">
+        <mc:Fallback>
           <p:sp>
             <p:nvSpPr>
               <p:cNvPr id="3" name="Объект 2"/>
@@ -37310,7 +37696,7 @@
                 <a:off x="838200" y="1367692"/>
                 <a:ext cx="10515600" cy="4351338"/>
               </a:xfrm>
-              <a:blipFill rotWithShape="0">
+              <a:blipFill>
                 <a:blip r:embed="rId2"/>
                 <a:stretch>
                   <a:fillRect l="-928" t="-2101"/>
@@ -37431,8 +37817,8 @@
           </a:p>
         </p:txBody>
       </p:sp>
-      <mc:AlternateContent xmlns:mc="http://schemas.openxmlformats.org/markup-compatibility/2006">
-        <mc:Choice xmlns:a14="http://schemas.microsoft.com/office/drawing/2010/main" Requires="a14">
+      <mc:AlternateContent xmlns:mc="http://schemas.openxmlformats.org/markup-compatibility/2006" xmlns:a14="http://schemas.microsoft.com/office/drawing/2010/main">
+        <mc:Choice Requires="a14">
           <p:sp>
             <p:nvSpPr>
               <p:cNvPr id="7" name="Text Box 6"/>
@@ -37485,7 +37871,7 @@
             </p:txBody>
           </p:sp>
         </mc:Choice>
-        <mc:Fallback>
+        <mc:Fallback xmlns="">
           <p:sp>
             <p:nvSpPr>
               <p:cNvPr id="7" name="Text Box 6"/>
@@ -37685,8 +38071,8 @@
             </a:p>
           </p:txBody>
         </p:sp>
-        <mc:AlternateContent xmlns:mc="http://schemas.openxmlformats.org/markup-compatibility/2006" xmlns:a14="http://schemas.microsoft.com/office/drawing/2010/main">
-          <mc:Choice Requires="a14">
+        <mc:AlternateContent xmlns:mc="http://schemas.openxmlformats.org/markup-compatibility/2006">
+          <mc:Choice xmlns:a14="http://schemas.microsoft.com/office/drawing/2010/main" Requires="a14">
             <p:sp>
               <p:nvSpPr>
                 <p:cNvPr id="11" name="Text Box 11"/>
@@ -37938,6 +38324,9 @@
                           <m:sSubPr>
                             <m:ctrlPr>
                               <a:rPr lang="en-US" sz="2000" b="0" i="1" smtClean="0">
+                                <a:solidFill>
+                                  <a:srgbClr val="00B050"/>
+                                </a:solidFill>
                                 <a:latin typeface="Cambria Math" panose="02040503050406030204" pitchFamily="18" charset="0"/>
                                 <a:sym typeface="Symbol" pitchFamily="18" charset="2"/>
                               </a:rPr>
@@ -37946,6 +38335,9 @@
                           <m:e>
                             <m:r>
                               <a:rPr lang="en-US" sz="2000" b="0" i="1" smtClean="0">
+                                <a:solidFill>
+                                  <a:srgbClr val="00B050"/>
+                                </a:solidFill>
                                 <a:latin typeface="Cambria Math" panose="02040503050406030204" pitchFamily="18" charset="0"/>
                                 <a:sym typeface="Symbol" pitchFamily="18" charset="2"/>
                               </a:rPr>
@@ -37955,6 +38347,9 @@
                           <m:sub>
                             <m:r>
                               <a:rPr lang="en-US" sz="2000" b="0" i="1" smtClean="0">
+                                <a:solidFill>
+                                  <a:srgbClr val="00B050"/>
+                                </a:solidFill>
                                 <a:latin typeface="Cambria Math" panose="02040503050406030204" pitchFamily="18" charset="0"/>
                                 <a:sym typeface="Symbol" pitchFamily="18" charset="2"/>
                               </a:rPr>
@@ -37986,7 +38381,7 @@
               </p:txBody>
             </p:sp>
           </mc:Choice>
-          <mc:Fallback xmlns="">
+          <mc:Fallback>
             <p:sp>
               <p:nvSpPr>
                 <p:cNvPr id="11" name="Text Box 11"/>
@@ -38003,7 +38398,7 @@
                 <a:prstGeom prst="rect">
                   <a:avLst/>
                 </a:prstGeom>
-                <a:blipFill rotWithShape="0">
+                <a:blipFill>
                   <a:blip r:embed="rId5"/>
                   <a:stretch>
                     <a:fillRect/>
@@ -38119,8 +38514,8 @@
             </a:p>
           </p:txBody>
         </p:sp>
-        <mc:AlternateContent xmlns:mc="http://schemas.openxmlformats.org/markup-compatibility/2006" xmlns:a14="http://schemas.microsoft.com/office/drawing/2010/main">
-          <mc:Choice Requires="a14">
+        <mc:AlternateContent xmlns:mc="http://schemas.openxmlformats.org/markup-compatibility/2006">
+          <mc:Choice xmlns:a14="http://schemas.microsoft.com/office/drawing/2010/main" Requires="a14">
             <p:sp>
               <p:nvSpPr>
                 <p:cNvPr id="16" name="Text Box 14"/>
@@ -38250,6 +38645,9 @@
                         <m:sSubPr>
                           <m:ctrlPr>
                             <a:rPr lang="en-US" sz="2000" b="0" i="1" smtClean="0">
+                              <a:solidFill>
+                                <a:srgbClr val="00B050"/>
+                              </a:solidFill>
                               <a:latin typeface="Cambria Math" panose="02040503050406030204" pitchFamily="18" charset="0"/>
                             </a:rPr>
                           </m:ctrlPr>
@@ -38257,6 +38655,9 @@
                         <m:e>
                           <m:r>
                             <a:rPr lang="en-US" sz="2000" b="0" i="1" smtClean="0">
+                              <a:solidFill>
+                                <a:srgbClr val="00B050"/>
+                              </a:solidFill>
                               <a:latin typeface="Cambria Math" panose="02040503050406030204" pitchFamily="18" charset="0"/>
                             </a:rPr>
                             <m:t>𝑛</m:t>
@@ -38265,6 +38666,9 @@
                         <m:sub>
                           <m:r>
                             <a:rPr lang="en-US" sz="2000" b="0" i="1" smtClean="0">
+                              <a:solidFill>
+                                <a:srgbClr val="00B050"/>
+                              </a:solidFill>
                               <a:latin typeface="Cambria Math" panose="02040503050406030204" pitchFamily="18" charset="0"/>
                             </a:rPr>
                             <m:t>1</m:t>
@@ -38282,7 +38686,7 @@
               </p:txBody>
             </p:sp>
           </mc:Choice>
-          <mc:Fallback xmlns="">
+          <mc:Fallback>
             <p:sp>
               <p:nvSpPr>
                 <p:cNvPr id="16" name="Text Box 14"/>
@@ -38464,8 +38868,8 @@
             </a:p>
           </p:txBody>
         </p:sp>
-        <mc:AlternateContent xmlns:mc="http://schemas.openxmlformats.org/markup-compatibility/2006" xmlns:a14="http://schemas.microsoft.com/office/drawing/2010/main">
-          <mc:Choice Requires="a14">
+        <mc:AlternateContent xmlns:mc="http://schemas.openxmlformats.org/markup-compatibility/2006">
+          <mc:Choice xmlns:a14="http://schemas.microsoft.com/office/drawing/2010/main" Requires="a14">
             <p:sp>
               <p:nvSpPr>
                 <p:cNvPr id="20" name="Text Box 11"/>
@@ -38695,7 +39099,10 @@
                         <m:sSub>
                           <m:sSubPr>
                             <m:ctrlPr>
-                              <a:rPr lang="en-US" sz="2000" i="1">
+                              <a:rPr lang="en-US" sz="2000" i="1" smtClean="0">
+                                <a:solidFill>
+                                  <a:srgbClr val="00B050"/>
+                                </a:solidFill>
                                 <a:latin typeface="Cambria Math" panose="02040503050406030204" pitchFamily="18" charset="0"/>
                                 <a:sym typeface="Symbol" pitchFamily="18" charset="2"/>
                               </a:rPr>
@@ -38704,6 +39111,9 @@
                           <m:e>
                             <m:r>
                               <a:rPr lang="en-US" sz="2000" i="1">
+                                <a:solidFill>
+                                  <a:srgbClr val="00B050"/>
+                                </a:solidFill>
                                 <a:latin typeface="Cambria Math" panose="02040503050406030204" pitchFamily="18" charset="0"/>
                                 <a:sym typeface="Symbol" pitchFamily="18" charset="2"/>
                               </a:rPr>
@@ -38713,6 +39123,9 @@
                           <m:sub>
                             <m:r>
                               <a:rPr lang="en-US" sz="2000" b="0" i="1" smtClean="0">
+                                <a:solidFill>
+                                  <a:srgbClr val="00B050"/>
+                                </a:solidFill>
                                 <a:latin typeface="Cambria Math" panose="02040503050406030204" pitchFamily="18" charset="0"/>
                                 <a:sym typeface="Symbol" pitchFamily="18" charset="2"/>
                               </a:rPr>
@@ -38762,6 +39175,9 @@
                           <m:sSubPr>
                             <m:ctrlPr>
                               <a:rPr lang="en-US" sz="2000" b="0" i="1" smtClean="0">
+                                <a:solidFill>
+                                  <a:srgbClr val="00B050"/>
+                                </a:solidFill>
                                 <a:latin typeface="Cambria Math" panose="02040503050406030204" pitchFamily="18" charset="0"/>
                                 <a:sym typeface="Symbol" pitchFamily="18" charset="2"/>
                               </a:rPr>
@@ -38770,6 +39186,9 @@
                           <m:e>
                             <m:r>
                               <a:rPr lang="en-US" sz="2000" b="0" i="1" smtClean="0">
+                                <a:solidFill>
+                                  <a:srgbClr val="00B050"/>
+                                </a:solidFill>
                                 <a:latin typeface="Cambria Math" panose="02040503050406030204" pitchFamily="18" charset="0"/>
                                 <a:sym typeface="Symbol" pitchFamily="18" charset="2"/>
                               </a:rPr>
@@ -38779,6 +39198,9 @@
                           <m:sub>
                             <m:r>
                               <a:rPr lang="en-US" sz="2000" b="0" i="1" smtClean="0">
+                                <a:solidFill>
+                                  <a:srgbClr val="00B050"/>
+                                </a:solidFill>
                                 <a:latin typeface="Cambria Math" panose="02040503050406030204" pitchFamily="18" charset="0"/>
                                 <a:sym typeface="Symbol" pitchFamily="18" charset="2"/>
                               </a:rPr>
@@ -38788,6 +39210,9 @@
                         </m:sSub>
                         <m:r>
                           <a:rPr lang="en-US" sz="2000" b="0" i="1" smtClean="0">
+                            <a:solidFill>
+                              <a:srgbClr val="00B050"/>
+                            </a:solidFill>
                             <a:latin typeface="Cambria Math" panose="02040503050406030204" pitchFamily="18" charset="0"/>
                             <a:sym typeface="Symbol" pitchFamily="18" charset="2"/>
                           </a:rPr>
@@ -38797,6 +39222,9 @@
                           <m:sSubPr>
                             <m:ctrlPr>
                               <a:rPr lang="en-US" sz="2000" b="0" i="1" smtClean="0">
+                                <a:solidFill>
+                                  <a:srgbClr val="00B050"/>
+                                </a:solidFill>
                                 <a:latin typeface="Cambria Math" panose="02040503050406030204" pitchFamily="18" charset="0"/>
                                 <a:sym typeface="Symbol" pitchFamily="18" charset="2"/>
                               </a:rPr>
@@ -38805,6 +39233,9 @@
                           <m:e>
                             <m:r>
                               <a:rPr lang="en-US" sz="2000" b="0" i="1" smtClean="0">
+                                <a:solidFill>
+                                  <a:srgbClr val="00B050"/>
+                                </a:solidFill>
                                 <a:latin typeface="Cambria Math" panose="02040503050406030204" pitchFamily="18" charset="0"/>
                                 <a:sym typeface="Symbol" pitchFamily="18" charset="2"/>
                               </a:rPr>
@@ -38814,6 +39245,9 @@
                           <m:sub>
                             <m:r>
                               <a:rPr lang="en-US" sz="2000" b="0" i="1" smtClean="0">
+                                <a:solidFill>
+                                  <a:srgbClr val="00B050"/>
+                                </a:solidFill>
                                 <a:latin typeface="Cambria Math" panose="02040503050406030204" pitchFamily="18" charset="0"/>
                                 <a:sym typeface="Symbol" pitchFamily="18" charset="2"/>
                               </a:rPr>
@@ -38821,6 +39255,9 @@
                             </m:r>
                             <m:r>
                               <a:rPr lang="en-US" sz="2000" b="0" i="1" smtClean="0">
+                                <a:solidFill>
+                                  <a:srgbClr val="00B050"/>
+                                </a:solidFill>
                                 <a:latin typeface="Cambria Math" panose="02040503050406030204" pitchFamily="18" charset="0"/>
                                 <a:sym typeface="Symbol" pitchFamily="18" charset="2"/>
                               </a:rPr>
@@ -38850,7 +39287,7 @@
               </p:txBody>
             </p:sp>
           </mc:Choice>
-          <mc:Fallback xmlns="">
+          <mc:Fallback>
             <p:sp>
               <p:nvSpPr>
                 <p:cNvPr id="20" name="Text Box 11"/>
@@ -38867,7 +39304,7 @@
                 <a:prstGeom prst="rect">
                   <a:avLst/>
                 </a:prstGeom>
-                <a:blipFill rotWithShape="0">
+                <a:blipFill>
                   <a:blip r:embed="rId8"/>
                   <a:stretch>
                     <a:fillRect/>
@@ -38948,8 +39385,8 @@
             </a:p>
           </p:txBody>
         </p:sp>
-        <mc:AlternateContent xmlns:mc="http://schemas.openxmlformats.org/markup-compatibility/2006" xmlns:a14="http://schemas.microsoft.com/office/drawing/2010/main">
-          <mc:Choice Requires="a14">
+        <mc:AlternateContent xmlns:mc="http://schemas.openxmlformats.org/markup-compatibility/2006">
+          <mc:Choice xmlns:a14="http://schemas.microsoft.com/office/drawing/2010/main" Requires="a14">
             <p:sp>
               <p:nvSpPr>
                 <p:cNvPr id="23" name="Text Box 14"/>
@@ -39082,7 +39519,10 @@
                       <m:sSub>
                         <m:sSubPr>
                           <m:ctrlPr>
-                            <a:rPr lang="en-US" sz="2000" i="1">
+                            <a:rPr lang="en-US" sz="2000" i="1" smtClean="0">
+                              <a:solidFill>
+                                <a:srgbClr val="00B050"/>
+                              </a:solidFill>
                               <a:latin typeface="Cambria Math" panose="02040503050406030204" pitchFamily="18" charset="0"/>
                             </a:rPr>
                           </m:ctrlPr>
@@ -39090,6 +39530,9 @@
                         <m:e>
                           <m:r>
                             <a:rPr lang="en-US" sz="2000" i="1">
+                              <a:solidFill>
+                                <a:srgbClr val="00B050"/>
+                              </a:solidFill>
                               <a:latin typeface="Cambria Math" panose="02040503050406030204" pitchFamily="18" charset="0"/>
                             </a:rPr>
                             <m:t>𝑛</m:t>
@@ -39098,6 +39541,9 @@
                         <m:sub>
                           <m:r>
                             <a:rPr lang="en-US" sz="2000" b="0" i="1" smtClean="0">
+                              <a:solidFill>
+                                <a:srgbClr val="00B050"/>
+                              </a:solidFill>
                               <a:latin typeface="Cambria Math" panose="02040503050406030204" pitchFamily="18" charset="0"/>
                             </a:rPr>
                             <m:t>𝑖</m:t>
@@ -39115,7 +39561,7 @@
               </p:txBody>
             </p:sp>
           </mc:Choice>
-          <mc:Fallback xmlns="">
+          <mc:Fallback>
             <p:sp>
               <p:nvSpPr>
                 <p:cNvPr id="23" name="Text Box 14"/>

--- a/Lectures/Lecture8.pptx
+++ b/Lectures/Lecture8.pptx
@@ -313,7 +313,7 @@
           <a:p>
             <a:fld id="{CBA08D16-15DC-4E25-BDC3-F25146157B16}" type="datetimeFigureOut">
               <a:rPr lang="ru-RU" smtClean="0"/>
-              <a:t>08.11.2023</a:t>
+              <a:t>09.11.2023</a:t>
             </a:fld>
             <a:endParaRPr lang="ru-RU"/>
           </a:p>
@@ -983,7 +983,7 @@
           <a:p>
             <a:fld id="{FCEC8293-DB51-454A-BE81-EC8FCB31EBA2}" type="datetime1">
               <a:rPr lang="ru-RU" smtClean="0"/>
-              <a:t>08.11.2023</a:t>
+              <a:t>09.11.2023</a:t>
             </a:fld>
             <a:endParaRPr lang="ru-RU"/>
           </a:p>
@@ -1157,7 +1157,7 @@
           <a:p>
             <a:fld id="{241C87B1-1C35-4DBD-BC18-2BC72E776603}" type="datetime1">
               <a:rPr lang="ru-RU" smtClean="0"/>
-              <a:t>08.11.2023</a:t>
+              <a:t>09.11.2023</a:t>
             </a:fld>
             <a:endParaRPr lang="ru-RU"/>
           </a:p>
@@ -1341,7 +1341,7 @@
           <a:p>
             <a:fld id="{3134C275-26C0-42CD-9111-9ADE65922AF9}" type="datetime1">
               <a:rPr lang="ru-RU" smtClean="0"/>
-              <a:t>08.11.2023</a:t>
+              <a:t>09.11.2023</a:t>
             </a:fld>
             <a:endParaRPr lang="ru-RU"/>
           </a:p>
@@ -1552,7 +1552,7 @@
           <a:p>
             <a:fld id="{C1A9A50B-C350-45F5-8AAB-ADB9E670AF2E}" type="datetime1">
               <a:rPr lang="ru-RU" smtClean="0"/>
-              <a:t>08.11.2023</a:t>
+              <a:t>09.11.2023</a:t>
             </a:fld>
             <a:endParaRPr lang="ru-RU"/>
           </a:p>
@@ -1802,7 +1802,7 @@
           <a:p>
             <a:fld id="{089688C9-348F-42F9-B6C0-5990DDE0C5B2}" type="datetime1">
               <a:rPr lang="ru-RU" smtClean="0"/>
-              <a:t>08.11.2023</a:t>
+              <a:t>09.11.2023</a:t>
             </a:fld>
             <a:endParaRPr lang="ru-RU"/>
           </a:p>
@@ -2038,7 +2038,7 @@
           <a:p>
             <a:fld id="{684AFD8F-6DD9-4AD3-A505-FDC3F5C5F3F6}" type="datetime1">
               <a:rPr lang="ru-RU" smtClean="0"/>
-              <a:t>08.11.2023</a:t>
+              <a:t>09.11.2023</a:t>
             </a:fld>
             <a:endParaRPr lang="ru-RU"/>
           </a:p>
@@ -2409,7 +2409,7 @@
           <a:p>
             <a:fld id="{63551EFE-4D02-45EB-A747-8B6F047B5AA0}" type="datetime1">
               <a:rPr lang="ru-RU" smtClean="0"/>
-              <a:t>08.11.2023</a:t>
+              <a:t>09.11.2023</a:t>
             </a:fld>
             <a:endParaRPr lang="ru-RU"/>
           </a:p>
@@ -2531,7 +2531,7 @@
           <a:p>
             <a:fld id="{813A9F34-E5CD-4B8F-AA9E-889C84372B20}" type="datetime1">
               <a:rPr lang="ru-RU" smtClean="0"/>
-              <a:t>08.11.2023</a:t>
+              <a:t>09.11.2023</a:t>
             </a:fld>
             <a:endParaRPr lang="ru-RU"/>
           </a:p>
@@ -2630,7 +2630,7 @@
           <a:p>
             <a:fld id="{51224D22-9B29-44A6-8E82-95FC492DEDC1}" type="datetime1">
               <a:rPr lang="ru-RU" smtClean="0"/>
-              <a:t>08.11.2023</a:t>
+              <a:t>09.11.2023</a:t>
             </a:fld>
             <a:endParaRPr lang="ru-RU"/>
           </a:p>
@@ -2911,7 +2911,7 @@
           <a:p>
             <a:fld id="{91D1034F-4441-48A1-BDC0-25EA1022324A}" type="datetime1">
               <a:rPr lang="ru-RU" smtClean="0"/>
-              <a:t>08.11.2023</a:t>
+              <a:t>09.11.2023</a:t>
             </a:fld>
             <a:endParaRPr lang="ru-RU"/>
           </a:p>
@@ -3168,7 +3168,7 @@
           <a:p>
             <a:fld id="{B0FFDE79-B627-473B-AE17-4C65BD2495F7}" type="datetime1">
               <a:rPr lang="ru-RU" smtClean="0"/>
-              <a:t>08.11.2023</a:t>
+              <a:t>09.11.2023</a:t>
             </a:fld>
             <a:endParaRPr lang="ru-RU"/>
           </a:p>
@@ -3385,7 +3385,7 @@
           <a:p>
             <a:fld id="{11CA537A-1B8C-47BA-9BA6-7CE3FAFDA8BE}" type="datetime1">
               <a:rPr lang="ru-RU" smtClean="0"/>
-              <a:t>08.11.2023</a:t>
+              <a:t>09.11.2023</a:t>
             </a:fld>
             <a:endParaRPr lang="ru-RU"/>
           </a:p>
@@ -3892,11 +3892,7 @@
           <a:p>
             <a:r>
               <a:rPr lang="ru-RU" dirty="0" smtClean="0"/>
-              <a:t>МИФИ </a:t>
-            </a:r>
-            <a:r>
-              <a:rPr lang="ru-RU" dirty="0" smtClean="0"/>
-              <a:t>202</a:t>
+              <a:t>МИФИ 202</a:t>
             </a:r>
             <a:r>
               <a:rPr lang="en-US" dirty="0"/>
@@ -3966,8 +3962,8 @@
           </a:p>
         </p:txBody>
       </p:sp>
-      <mc:AlternateContent xmlns:mc="http://schemas.openxmlformats.org/markup-compatibility/2006">
-        <mc:Choice xmlns:a14="http://schemas.microsoft.com/office/drawing/2010/main" Requires="a14">
+      <mc:AlternateContent xmlns:mc="http://schemas.openxmlformats.org/markup-compatibility/2006" xmlns:a14="http://schemas.microsoft.com/office/drawing/2010/main">
+        <mc:Choice Requires="a14">
           <p:sp>
             <p:nvSpPr>
               <p:cNvPr id="3" name="Объект 2"/>
@@ -5236,7 +5232,7 @@
             </p:txBody>
           </p:sp>
         </mc:Choice>
-        <mc:Fallback>
+        <mc:Fallback xmlns="">
           <p:sp>
             <p:nvSpPr>
               <p:cNvPr id="3" name="Объект 2"/>
@@ -6092,8 +6088,8 @@
             </a:p>
           </p:txBody>
         </p:sp>
-        <mc:AlternateContent xmlns:mc="http://schemas.openxmlformats.org/markup-compatibility/2006">
-          <mc:Choice xmlns:a14="http://schemas.microsoft.com/office/drawing/2010/main" Requires="a14">
+        <mc:AlternateContent xmlns:mc="http://schemas.openxmlformats.org/markup-compatibility/2006" xmlns:a14="http://schemas.microsoft.com/office/drawing/2010/main">
+          <mc:Choice Requires="a14">
             <p:sp>
               <p:nvSpPr>
                 <p:cNvPr id="15" name="Text Box 14"/>
@@ -6278,7 +6274,7 @@
               </p:txBody>
             </p:sp>
           </mc:Choice>
-          <mc:Fallback>
+          <mc:Fallback xmlns="">
             <p:sp>
               <p:nvSpPr>
                 <p:cNvPr id="15" name="Text Box 14"/>
@@ -6493,8 +6489,8 @@
           </p:sp>
         </mc:Fallback>
       </mc:AlternateContent>
-      <mc:AlternateContent xmlns:mc="http://schemas.openxmlformats.org/markup-compatibility/2006">
-        <mc:Choice xmlns:a14="http://schemas.microsoft.com/office/drawing/2010/main" Requires="a14">
+      <mc:AlternateContent xmlns:mc="http://schemas.openxmlformats.org/markup-compatibility/2006" xmlns:a14="http://schemas.microsoft.com/office/drawing/2010/main">
+        <mc:Choice Requires="a14">
           <p:sp>
             <p:nvSpPr>
               <p:cNvPr id="24" name="Text Box 13"/>
@@ -6767,7 +6763,7 @@
             </p:txBody>
           </p:sp>
         </mc:Choice>
-        <mc:Fallback>
+        <mc:Fallback xmlns="">
           <p:sp>
             <p:nvSpPr>
               <p:cNvPr id="24" name="Text Box 13"/>
@@ -7789,8 +7785,8 @@
           </a:p>
         </p:txBody>
       </p:sp>
-      <mc:AlternateContent xmlns:mc="http://schemas.openxmlformats.org/markup-compatibility/2006">
-        <mc:Choice xmlns:a14="http://schemas.microsoft.com/office/drawing/2010/main" Requires="a14">
+      <mc:AlternateContent xmlns:mc="http://schemas.openxmlformats.org/markup-compatibility/2006" xmlns:a14="http://schemas.microsoft.com/office/drawing/2010/main">
+        <mc:Choice Requires="a14">
           <p:sp>
             <p:nvSpPr>
               <p:cNvPr id="3" name="Объект 2"/>
@@ -8800,7 +8796,7 @@
             </p:txBody>
           </p:sp>
         </mc:Choice>
-        <mc:Fallback>
+        <mc:Fallback xmlns="">
           <p:sp>
             <p:nvSpPr>
               <p:cNvPr id="3" name="Объект 2"/>
@@ -9748,8 +9744,8 @@
           </a:p>
         </p:txBody>
       </p:sp>
-      <mc:AlternateContent xmlns:mc="http://schemas.openxmlformats.org/markup-compatibility/2006">
-        <mc:Choice xmlns:a14="http://schemas.microsoft.com/office/drawing/2010/main" Requires="a14">
+      <mc:AlternateContent xmlns:mc="http://schemas.openxmlformats.org/markup-compatibility/2006" xmlns:a14="http://schemas.microsoft.com/office/drawing/2010/main">
+        <mc:Choice Requires="a14">
           <p:sp>
             <p:nvSpPr>
               <p:cNvPr id="3" name="Объект 2"/>
@@ -10430,7 +10426,7 @@
             </p:txBody>
           </p:sp>
         </mc:Choice>
-        <mc:Fallback>
+        <mc:Fallback xmlns="">
           <p:sp>
             <p:nvSpPr>
               <p:cNvPr id="3" name="Объект 2"/>
@@ -11378,8 +11374,8 @@
             </a:p>
           </p:txBody>
         </p:sp>
-        <mc:AlternateContent xmlns:mc="http://schemas.openxmlformats.org/markup-compatibility/2006">
-          <mc:Choice xmlns:a14="http://schemas.microsoft.com/office/drawing/2010/main" Requires="a14">
+        <mc:AlternateContent xmlns:mc="http://schemas.openxmlformats.org/markup-compatibility/2006" xmlns:a14="http://schemas.microsoft.com/office/drawing/2010/main">
+          <mc:Choice Requires="a14">
             <p:sp>
               <p:nvSpPr>
                 <p:cNvPr id="15" name="Text Box 14"/>
@@ -11506,7 +11502,7 @@
               </p:txBody>
             </p:sp>
           </mc:Choice>
-          <mc:Fallback>
+          <mc:Fallback xmlns="">
             <p:sp>
               <p:nvSpPr>
                 <p:cNvPr id="15" name="Text Box 14"/>
@@ -11721,8 +11717,8 @@
           </p:sp>
         </mc:Fallback>
       </mc:AlternateContent>
-      <mc:AlternateContent xmlns:mc="http://schemas.openxmlformats.org/markup-compatibility/2006">
-        <mc:Choice xmlns:a14="http://schemas.microsoft.com/office/drawing/2010/main" Requires="a14">
+      <mc:AlternateContent xmlns:mc="http://schemas.openxmlformats.org/markup-compatibility/2006" xmlns:a14="http://schemas.microsoft.com/office/drawing/2010/main">
+        <mc:Choice Requires="a14">
           <p:sp>
             <p:nvSpPr>
               <p:cNvPr id="24" name="Text Box 13"/>
@@ -12208,7 +12204,7 @@
             </p:txBody>
           </p:sp>
         </mc:Choice>
-        <mc:Fallback>
+        <mc:Fallback xmlns="">
           <p:sp>
             <p:nvSpPr>
               <p:cNvPr id="24" name="Text Box 13"/>
@@ -12527,11 +12523,7 @@
             </a:r>
             <a:r>
               <a:rPr lang="ru-RU" dirty="0" err="1" smtClean="0"/>
-              <a:t>р</a:t>
-            </a:r>
-            <a:r>
-              <a:rPr lang="ru-RU" dirty="0" err="1" smtClean="0"/>
-              <a:t>андомизированного</a:t>
+              <a:t>рандомизированного</a:t>
             </a:r>
             <a:r>
               <a:rPr lang="ru-RU" dirty="0" smtClean="0"/>
@@ -13062,8 +13054,8 @@
           </a:p>
         </p:txBody>
       </p:sp>
-      <mc:AlternateContent xmlns:mc="http://schemas.openxmlformats.org/markup-compatibility/2006">
-        <mc:Choice xmlns:a14="http://schemas.microsoft.com/office/drawing/2010/main" Requires="a14">
+      <mc:AlternateContent xmlns:mc="http://schemas.openxmlformats.org/markup-compatibility/2006" xmlns:a14="http://schemas.microsoft.com/office/drawing/2010/main">
+        <mc:Choice Requires="a14">
           <p:sp>
             <p:nvSpPr>
               <p:cNvPr id="3" name="Объект 2"/>
@@ -13563,7 +13555,7 @@
             </p:txBody>
           </p:sp>
         </mc:Choice>
-        <mc:Fallback>
+        <mc:Fallback xmlns="">
           <p:sp>
             <p:nvSpPr>
               <p:cNvPr id="3" name="Объект 2"/>
@@ -14333,8 +14325,8 @@
           </a:p>
         </p:txBody>
       </p:sp>
-      <mc:AlternateContent xmlns:mc="http://schemas.openxmlformats.org/markup-compatibility/2006">
-        <mc:Choice xmlns:a14="http://schemas.microsoft.com/office/drawing/2010/main" Requires="a14">
+      <mc:AlternateContent xmlns:mc="http://schemas.openxmlformats.org/markup-compatibility/2006" xmlns:a14="http://schemas.microsoft.com/office/drawing/2010/main">
+        <mc:Choice Requires="a14">
           <p:sp>
             <p:nvSpPr>
               <p:cNvPr id="3" name="Объект 2"/>
@@ -14925,7 +14917,7 @@
             </p:txBody>
           </p:sp>
         </mc:Choice>
-        <mc:Fallback>
+        <mc:Fallback xmlns="">
           <p:sp>
             <p:nvSpPr>
               <p:cNvPr id="3" name="Объект 2"/>
@@ -19838,8 +19830,8 @@
           </p:sp>
         </mc:Fallback>
       </mc:AlternateContent>
-      <mc:AlternateContent xmlns:mc="http://schemas.openxmlformats.org/markup-compatibility/2006">
-        <mc:Choice xmlns:a14="http://schemas.microsoft.com/office/drawing/2010/main" Requires="a14">
+      <mc:AlternateContent xmlns:mc="http://schemas.openxmlformats.org/markup-compatibility/2006" xmlns:a14="http://schemas.microsoft.com/office/drawing/2010/main">
+        <mc:Choice Requires="a14">
           <p:sp>
             <p:nvSpPr>
               <p:cNvPr id="24" name="Text Box 13"/>
@@ -20191,7 +20183,7 @@
             </p:txBody>
           </p:sp>
         </mc:Choice>
-        <mc:Fallback>
+        <mc:Fallback xmlns="">
           <p:sp>
             <p:nvSpPr>
               <p:cNvPr id="24" name="Text Box 13"/>
@@ -21130,8 +21122,8 @@
           </a:p>
         </p:txBody>
       </p:sp>
-      <mc:AlternateContent xmlns:mc="http://schemas.openxmlformats.org/markup-compatibility/2006">
-        <mc:Choice xmlns:a14="http://schemas.microsoft.com/office/drawing/2010/main" Requires="a14">
+      <mc:AlternateContent xmlns:mc="http://schemas.openxmlformats.org/markup-compatibility/2006" xmlns:a14="http://schemas.microsoft.com/office/drawing/2010/main">
+        <mc:Choice Requires="a14">
           <p:sp>
             <p:nvSpPr>
               <p:cNvPr id="3" name="Объект 2"/>
@@ -21614,7 +21606,7 @@
             </p:txBody>
           </p:sp>
         </mc:Choice>
-        <mc:Fallback>
+        <mc:Fallback xmlns="">
           <p:sp>
             <p:nvSpPr>
               <p:cNvPr id="3" name="Объект 2"/>
@@ -21731,8 +21723,8 @@
           </a:p>
         </p:txBody>
       </p:sp>
-      <mc:AlternateContent xmlns:mc="http://schemas.openxmlformats.org/markup-compatibility/2006">
-        <mc:Choice xmlns:a14="http://schemas.microsoft.com/office/drawing/2010/main" Requires="a14">
+      <mc:AlternateContent xmlns:mc="http://schemas.openxmlformats.org/markup-compatibility/2006" xmlns:a14="http://schemas.microsoft.com/office/drawing/2010/main">
+        <mc:Choice Requires="a14">
           <p:sp>
             <p:nvSpPr>
               <p:cNvPr id="3" name="Объект 2"/>
@@ -22192,7 +22184,7 @@
             </p:txBody>
           </p:sp>
         </mc:Choice>
-        <mc:Fallback>
+        <mc:Fallback xmlns="">
           <p:sp>
             <p:nvSpPr>
               <p:cNvPr id="3" name="Объект 2"/>
@@ -27548,11 +27540,7 @@
             </a:r>
             <a:r>
               <a:rPr lang="ru-RU" dirty="0" smtClean="0"/>
-              <a:t>Основная идея </a:t>
-            </a:r>
-            <a:r>
-              <a:rPr lang="ru-RU" dirty="0" smtClean="0"/>
-              <a:t>–</a:t>
+              <a:t>Основная идея –</a:t>
             </a:r>
             <a:r>
               <a:rPr lang="en-US" dirty="0" smtClean="0"/>
@@ -27568,11 +27556,7 @@
             </a:r>
             <a:r>
               <a:rPr lang="ru-RU" dirty="0" smtClean="0"/>
-              <a:t> </a:t>
-            </a:r>
-            <a:r>
-              <a:rPr lang="ru-RU" dirty="0" smtClean="0"/>
-              <a:t>сообщения должны быть уникальными для фиксированного ключа.</a:t>
+              <a:t> сообщения должны быть уникальными для фиксированного ключа.</a:t>
             </a:r>
           </a:p>
           <a:p>
@@ -27587,11 +27571,7 @@
             </a:r>
             <a:r>
               <a:rPr lang="ru-RU" dirty="0" smtClean="0"/>
-              <a:t>пользователя</a:t>
-            </a:r>
-            <a:r>
-              <a:rPr lang="ru-RU" dirty="0" smtClean="0"/>
-              <a:t>, индекс</a:t>
+              <a:t>пользователя, индекс</a:t>
             </a:r>
             <a:r>
               <a:rPr lang="en-US" dirty="0" smtClean="0"/>
@@ -27607,11 +27587,7 @@
             </a:r>
             <a:r>
               <a:rPr lang="ru-RU" dirty="0" smtClean="0"/>
-              <a:t>.</a:t>
-            </a:r>
-            <a:r>
-              <a:rPr lang="ru-RU" dirty="0" smtClean="0"/>
-              <a:t> </a:t>
+              <a:t>. </a:t>
             </a:r>
             <a:r>
               <a:rPr lang="ru-RU" dirty="0" err="1" smtClean="0"/>
@@ -35090,7 +35066,15 @@
                       <a:srgbClr val="00B050"/>
                     </a:solidFill>
                   </a:rPr>
-                  <a:t>счётчик</a:t>
+                  <a:t>счётчик, </a:t>
+                </a:r>
+                <a:r>
+                  <a:rPr lang="ru-RU" smtClean="0">
+                    <a:solidFill>
+                      <a:srgbClr val="00B050"/>
+                    </a:solidFill>
+                  </a:rPr>
+                  <a:t>строго возрастающую </a:t>
                 </a:r>
                 <a:r>
                   <a:rPr lang="ru-RU" dirty="0" smtClean="0">
@@ -35098,23 +35082,7 @@
                       <a:srgbClr val="00B050"/>
                     </a:solidFill>
                   </a:rPr>
-                  <a:t>, неубывающую последовательность, </a:t>
-                </a:r>
-                <a:r>
-                  <a:rPr lang="ru-RU" dirty="0" smtClean="0">
-                    <a:solidFill>
-                      <a:srgbClr val="00B050"/>
-                    </a:solidFill>
-                  </a:rPr>
-                  <a:t>случайные </a:t>
-                </a:r>
-                <a:r>
-                  <a:rPr lang="ru-RU" dirty="0" smtClean="0">
-                    <a:solidFill>
-                      <a:srgbClr val="00B050"/>
-                    </a:solidFill>
-                  </a:rPr>
-                  <a:t>величины</a:t>
+                  <a:t>последовательность, случайные величины</a:t>
                 </a:r>
               </a:p>
               <a:p>
@@ -35622,8 +35590,8 @@
           </a:p>
         </p:txBody>
       </p:sp>
-      <mc:AlternateContent xmlns:mc="http://schemas.openxmlformats.org/markup-compatibility/2006">
-        <mc:Choice xmlns:a14="http://schemas.microsoft.com/office/drawing/2010/main" Requires="a14">
+      <mc:AlternateContent xmlns:mc="http://schemas.openxmlformats.org/markup-compatibility/2006" xmlns:a14="http://schemas.microsoft.com/office/drawing/2010/main">
+        <mc:Choice Requires="a14">
           <p:sp>
             <p:nvSpPr>
               <p:cNvPr id="3" name="Объект 2"/>
@@ -36236,7 +36204,7 @@
             </p:txBody>
           </p:sp>
         </mc:Choice>
-        <mc:Fallback>
+        <mc:Fallback xmlns="">
           <p:sp>
             <p:nvSpPr>
               <p:cNvPr id="3" name="Объект 2"/>
@@ -36702,8 +36670,8 @@
           </a:p>
         </p:txBody>
       </p:sp>
-      <mc:AlternateContent xmlns:mc="http://schemas.openxmlformats.org/markup-compatibility/2006">
-        <mc:Choice xmlns:a14="http://schemas.microsoft.com/office/drawing/2010/main" Requires="a14">
+      <mc:AlternateContent xmlns:mc="http://schemas.openxmlformats.org/markup-compatibility/2006" xmlns:a14="http://schemas.microsoft.com/office/drawing/2010/main">
+        <mc:Choice Requires="a14">
           <p:sp>
             <p:nvSpPr>
               <p:cNvPr id="3" name="Объект 2"/>
@@ -37237,7 +37205,7 @@
             </p:txBody>
           </p:sp>
         </mc:Choice>
-        <mc:Fallback>
+        <mc:Fallback xmlns="">
           <p:sp>
             <p:nvSpPr>
               <p:cNvPr id="3" name="Объект 2"/>
@@ -37358,8 +37326,8 @@
           </a:p>
         </p:txBody>
       </p:sp>
-      <mc:AlternateContent xmlns:mc="http://schemas.openxmlformats.org/markup-compatibility/2006">
-        <mc:Choice xmlns:a14="http://schemas.microsoft.com/office/drawing/2010/main" Requires="a14">
+      <mc:AlternateContent xmlns:mc="http://schemas.openxmlformats.org/markup-compatibility/2006" xmlns:a14="http://schemas.microsoft.com/office/drawing/2010/main">
+        <mc:Choice Requires="a14">
           <p:sp>
             <p:nvSpPr>
               <p:cNvPr id="3" name="Объект 2"/>
@@ -37680,7 +37648,7 @@
             </p:txBody>
           </p:sp>
         </mc:Choice>
-        <mc:Fallback>
+        <mc:Fallback xmlns="">
           <p:sp>
             <p:nvSpPr>
               <p:cNvPr id="3" name="Объект 2"/>
@@ -38071,8 +38039,8 @@
             </a:p>
           </p:txBody>
         </p:sp>
-        <mc:AlternateContent xmlns:mc="http://schemas.openxmlformats.org/markup-compatibility/2006">
-          <mc:Choice xmlns:a14="http://schemas.microsoft.com/office/drawing/2010/main" Requires="a14">
+        <mc:AlternateContent xmlns:mc="http://schemas.openxmlformats.org/markup-compatibility/2006" xmlns:a14="http://schemas.microsoft.com/office/drawing/2010/main">
+          <mc:Choice Requires="a14">
             <p:sp>
               <p:nvSpPr>
                 <p:cNvPr id="11" name="Text Box 11"/>
@@ -38381,7 +38349,7 @@
               </p:txBody>
             </p:sp>
           </mc:Choice>
-          <mc:Fallback>
+          <mc:Fallback xmlns="">
             <p:sp>
               <p:nvSpPr>
                 <p:cNvPr id="11" name="Text Box 11"/>
@@ -38514,8 +38482,8 @@
             </a:p>
           </p:txBody>
         </p:sp>
-        <mc:AlternateContent xmlns:mc="http://schemas.openxmlformats.org/markup-compatibility/2006">
-          <mc:Choice xmlns:a14="http://schemas.microsoft.com/office/drawing/2010/main" Requires="a14">
+        <mc:AlternateContent xmlns:mc="http://schemas.openxmlformats.org/markup-compatibility/2006" xmlns:a14="http://schemas.microsoft.com/office/drawing/2010/main">
+          <mc:Choice Requires="a14">
             <p:sp>
               <p:nvSpPr>
                 <p:cNvPr id="16" name="Text Box 14"/>
@@ -38686,7 +38654,7 @@
               </p:txBody>
             </p:sp>
           </mc:Choice>
-          <mc:Fallback>
+          <mc:Fallback xmlns="">
             <p:sp>
               <p:nvSpPr>
                 <p:cNvPr id="16" name="Text Box 14"/>
@@ -38868,8 +38836,8 @@
             </a:p>
           </p:txBody>
         </p:sp>
-        <mc:AlternateContent xmlns:mc="http://schemas.openxmlformats.org/markup-compatibility/2006">
-          <mc:Choice xmlns:a14="http://schemas.microsoft.com/office/drawing/2010/main" Requires="a14">
+        <mc:AlternateContent xmlns:mc="http://schemas.openxmlformats.org/markup-compatibility/2006" xmlns:a14="http://schemas.microsoft.com/office/drawing/2010/main">
+          <mc:Choice Requires="a14">
             <p:sp>
               <p:nvSpPr>
                 <p:cNvPr id="20" name="Text Box 11"/>
@@ -39287,7 +39255,7 @@
               </p:txBody>
             </p:sp>
           </mc:Choice>
-          <mc:Fallback>
+          <mc:Fallback xmlns="">
             <p:sp>
               <p:nvSpPr>
                 <p:cNvPr id="20" name="Text Box 11"/>
@@ -39385,8 +39353,8 @@
             </a:p>
           </p:txBody>
         </p:sp>
-        <mc:AlternateContent xmlns:mc="http://schemas.openxmlformats.org/markup-compatibility/2006">
-          <mc:Choice xmlns:a14="http://schemas.microsoft.com/office/drawing/2010/main" Requires="a14">
+        <mc:AlternateContent xmlns:mc="http://schemas.openxmlformats.org/markup-compatibility/2006" xmlns:a14="http://schemas.microsoft.com/office/drawing/2010/main">
+          <mc:Choice Requires="a14">
             <p:sp>
               <p:nvSpPr>
                 <p:cNvPr id="23" name="Text Box 14"/>
@@ -39561,7 +39529,7 @@
               </p:txBody>
             </p:sp>
           </mc:Choice>
-          <mc:Fallback>
+          <mc:Fallback xmlns="">
             <p:sp>
               <p:nvSpPr>
                 <p:cNvPr id="23" name="Text Box 14"/>

--- a/Lectures/Lecture8.pptx
+++ b/Lectures/Lecture8.pptx
@@ -35069,7 +35069,7 @@
                   <a:t>счётчик, </a:t>
                 </a:r>
                 <a:r>
-                  <a:rPr lang="ru-RU" smtClean="0">
+                  <a:rPr lang="ru-RU" dirty="0" smtClean="0">
                     <a:solidFill>
                       <a:srgbClr val="00B050"/>
                     </a:solidFill>

--- a/Lectures/Lecture8.pptx
+++ b/Lectures/Lecture8.pptx
@@ -319,7 +319,7 @@
           <a:p>
             <a:fld id="{CBA08D16-15DC-4E25-BDC3-F25146157B16}" type="datetimeFigureOut">
               <a:rPr lang="ru-RU" smtClean="0"/>
-              <a:t>09.11.2023</a:t>
+              <a:t>16.11.2023</a:t>
             </a:fld>
             <a:endParaRPr lang="ru-RU"/>
           </a:p>
@@ -989,7 +989,7 @@
           <a:p>
             <a:fld id="{FCEC8293-DB51-454A-BE81-EC8FCB31EBA2}" type="datetime1">
               <a:rPr lang="ru-RU" smtClean="0"/>
-              <a:t>09.11.2023</a:t>
+              <a:t>16.11.2023</a:t>
             </a:fld>
             <a:endParaRPr lang="ru-RU"/>
           </a:p>
@@ -1163,7 +1163,7 @@
           <a:p>
             <a:fld id="{241C87B1-1C35-4DBD-BC18-2BC72E776603}" type="datetime1">
               <a:rPr lang="ru-RU" smtClean="0"/>
-              <a:t>09.11.2023</a:t>
+              <a:t>16.11.2023</a:t>
             </a:fld>
             <a:endParaRPr lang="ru-RU"/>
           </a:p>
@@ -1347,7 +1347,7 @@
           <a:p>
             <a:fld id="{3134C275-26C0-42CD-9111-9ADE65922AF9}" type="datetime1">
               <a:rPr lang="ru-RU" smtClean="0"/>
-              <a:t>09.11.2023</a:t>
+              <a:t>16.11.2023</a:t>
             </a:fld>
             <a:endParaRPr lang="ru-RU"/>
           </a:p>
@@ -1558,7 +1558,7 @@
           <a:p>
             <a:fld id="{C1A9A50B-C350-45F5-8AAB-ADB9E670AF2E}" type="datetime1">
               <a:rPr lang="ru-RU" smtClean="0"/>
-              <a:t>09.11.2023</a:t>
+              <a:t>16.11.2023</a:t>
             </a:fld>
             <a:endParaRPr lang="ru-RU"/>
           </a:p>
@@ -1808,7 +1808,7 @@
           <a:p>
             <a:fld id="{089688C9-348F-42F9-B6C0-5990DDE0C5B2}" type="datetime1">
               <a:rPr lang="ru-RU" smtClean="0"/>
-              <a:t>09.11.2023</a:t>
+              <a:t>16.11.2023</a:t>
             </a:fld>
             <a:endParaRPr lang="ru-RU"/>
           </a:p>
@@ -2044,7 +2044,7 @@
           <a:p>
             <a:fld id="{684AFD8F-6DD9-4AD3-A505-FDC3F5C5F3F6}" type="datetime1">
               <a:rPr lang="ru-RU" smtClean="0"/>
-              <a:t>09.11.2023</a:t>
+              <a:t>16.11.2023</a:t>
             </a:fld>
             <a:endParaRPr lang="ru-RU"/>
           </a:p>
@@ -2415,7 +2415,7 @@
           <a:p>
             <a:fld id="{63551EFE-4D02-45EB-A747-8B6F047B5AA0}" type="datetime1">
               <a:rPr lang="ru-RU" smtClean="0"/>
-              <a:t>09.11.2023</a:t>
+              <a:t>16.11.2023</a:t>
             </a:fld>
             <a:endParaRPr lang="ru-RU"/>
           </a:p>
@@ -2537,7 +2537,7 @@
           <a:p>
             <a:fld id="{813A9F34-E5CD-4B8F-AA9E-889C84372B20}" type="datetime1">
               <a:rPr lang="ru-RU" smtClean="0"/>
-              <a:t>09.11.2023</a:t>
+              <a:t>16.11.2023</a:t>
             </a:fld>
             <a:endParaRPr lang="ru-RU"/>
           </a:p>
@@ -2636,7 +2636,7 @@
           <a:p>
             <a:fld id="{51224D22-9B29-44A6-8E82-95FC492DEDC1}" type="datetime1">
               <a:rPr lang="ru-RU" smtClean="0"/>
-              <a:t>09.11.2023</a:t>
+              <a:t>16.11.2023</a:t>
             </a:fld>
             <a:endParaRPr lang="ru-RU"/>
           </a:p>
@@ -2917,7 +2917,7 @@
           <a:p>
             <a:fld id="{91D1034F-4441-48A1-BDC0-25EA1022324A}" type="datetime1">
               <a:rPr lang="ru-RU" smtClean="0"/>
-              <a:t>09.11.2023</a:t>
+              <a:t>16.11.2023</a:t>
             </a:fld>
             <a:endParaRPr lang="ru-RU"/>
           </a:p>
@@ -3174,7 +3174,7 @@
           <a:p>
             <a:fld id="{B0FFDE79-B627-473B-AE17-4C65BD2495F7}" type="datetime1">
               <a:rPr lang="ru-RU" smtClean="0"/>
-              <a:t>09.11.2023</a:t>
+              <a:t>16.11.2023</a:t>
             </a:fld>
             <a:endParaRPr lang="ru-RU"/>
           </a:p>
@@ -3391,7 +3391,7 @@
           <a:p>
             <a:fld id="{11CA537A-1B8C-47BA-9BA6-7CE3FAFDA8BE}" type="datetime1">
               <a:rPr lang="ru-RU" smtClean="0"/>
-              <a:t>09.11.2023</a:t>
+              <a:t>16.11.2023</a:t>
             </a:fld>
             <a:endParaRPr lang="ru-RU"/>
           </a:p>
@@ -5895,10 +5895,10 @@
         </p:nvGrpSpPr>
         <p:grpSpPr bwMode="auto">
           <a:xfrm>
-            <a:off x="3680619" y="4335515"/>
-            <a:ext cx="3733800" cy="510780"/>
+            <a:off x="3680619" y="4335513"/>
+            <a:ext cx="3733800" cy="538164"/>
             <a:chOff x="1776" y="2011"/>
-            <a:chExt cx="2352" cy="429"/>
+            <a:chExt cx="2352" cy="452"/>
           </a:xfrm>
         </p:grpSpPr>
         <p:sp>
@@ -5936,8 +5936,8 @@
             </a:p>
           </p:txBody>
         </p:sp>
-        <mc:AlternateContent xmlns:mc="http://schemas.openxmlformats.org/markup-compatibility/2006" xmlns:a14="http://schemas.microsoft.com/office/drawing/2010/main">
-          <mc:Choice Requires="a14">
+        <mc:AlternateContent xmlns:mc="http://schemas.openxmlformats.org/markup-compatibility/2006">
+          <mc:Choice xmlns:a14="http://schemas.microsoft.com/office/drawing/2010/main" Requires="a14">
             <p:sp>
               <p:nvSpPr>
                 <p:cNvPr id="16" name="Text Box 14"/>
@@ -5949,7 +5949,7 @@
               <p:spPr bwMode="auto">
                 <a:xfrm>
                   <a:off x="2375" y="2011"/>
-                  <a:ext cx="1332" cy="429"/>
+                  <a:ext cx="1288" cy="452"/>
                 </a:xfrm>
                 <a:prstGeom prst="rect">
                   <a:avLst/>
@@ -5988,17 +5988,7 @@
                             </a:rPr>
                           </m:ctrlPr>
                         </m:groupChrPr>
-                        <m:e>
-                          <m:r>
-                            <m:rPr>
-                              <m:brk m:alnAt="2"/>
-                            </m:rPr>
-                            <a:rPr lang="en-US" sz="2000" i="1">
-                              <a:latin typeface="Cambria Math" panose="02040503050406030204" pitchFamily="18" charset="0"/>
-                            </a:rPr>
-                            <m:t>𝑅</m:t>
-                          </m:r>
-                        </m:e>
+                        <m:e/>
                       </m:groupChr>
                       <m:r>
                         <a:rPr lang="en-US" sz="2000" i="1">
@@ -6108,7 +6098,7 @@
               </p:txBody>
             </p:sp>
           </mc:Choice>
-          <mc:Fallback xmlns="">
+          <mc:Fallback>
             <p:sp>
               <p:nvSpPr>
                 <p:cNvPr id="16" name="Text Box 14"/>
@@ -6120,15 +6110,15 @@
               <p:spPr bwMode="auto">
                 <a:xfrm>
                   <a:off x="2375" y="2011"/>
-                  <a:ext cx="1332" cy="429"/>
+                  <a:ext cx="1288" cy="452"/>
                 </a:xfrm>
                 <a:prstGeom prst="rect">
                   <a:avLst/>
                 </a:prstGeom>
-                <a:blipFill>
+                <a:blipFill rotWithShape="0">
                   <a:blip r:embed="rId6"/>
                   <a:stretch>
-                    <a:fillRect b="-20238"/>
+                    <a:fillRect r="-2090" b="-20455"/>
                   </a:stretch>
                 </a:blipFill>
                 <a:ln w="9525">
@@ -6807,8 +6797,8 @@
             </a:p>
           </p:txBody>
         </p:sp>
-        <mc:AlternateContent xmlns:mc="http://schemas.openxmlformats.org/markup-compatibility/2006" xmlns:a14="http://schemas.microsoft.com/office/drawing/2010/main">
-          <mc:Choice Requires="a14">
+        <mc:AlternateContent xmlns:mc="http://schemas.openxmlformats.org/markup-compatibility/2006">
+          <mc:Choice xmlns:a14="http://schemas.microsoft.com/office/drawing/2010/main" Requires="a14">
             <p:sp>
               <p:nvSpPr>
                 <p:cNvPr id="23" name="Text Box 14"/>
@@ -6820,7 +6810,7 @@
               <p:spPr bwMode="auto">
                 <a:xfrm>
                   <a:off x="2364" y="1955"/>
-                  <a:ext cx="1268" cy="429"/>
+                  <a:ext cx="1268" cy="452"/>
                 </a:xfrm>
                 <a:prstGeom prst="rect">
                   <a:avLst/>
@@ -6859,17 +6849,7 @@
                             </a:rPr>
                           </m:ctrlPr>
                         </m:groupChrPr>
-                        <m:e>
-                          <m:r>
-                            <m:rPr>
-                              <m:brk m:alnAt="2"/>
-                            </m:rPr>
-                            <a:rPr lang="en-US" sz="2000" i="1">
-                              <a:latin typeface="Cambria Math" panose="02040503050406030204" pitchFamily="18" charset="0"/>
-                            </a:rPr>
-                            <m:t>𝑅</m:t>
-                          </m:r>
-                        </m:e>
+                        <m:e/>
                       </m:groupChr>
                       <m:r>
                         <a:rPr lang="en-US" sz="2000" i="1">
@@ -6983,7 +6963,7 @@
               </p:txBody>
             </p:sp>
           </mc:Choice>
-          <mc:Fallback xmlns="">
+          <mc:Fallback>
             <p:sp>
               <p:nvSpPr>
                 <p:cNvPr id="23" name="Text Box 14"/>
@@ -6995,15 +6975,15 @@
               <p:spPr bwMode="auto">
                 <a:xfrm>
                   <a:off x="2364" y="1955"/>
-                  <a:ext cx="1268" cy="429"/>
+                  <a:ext cx="1268" cy="452"/>
                 </a:xfrm>
                 <a:prstGeom prst="rect">
                   <a:avLst/>
                 </a:prstGeom>
-                <a:blipFill>
+                <a:blipFill rotWithShape="0">
                   <a:blip r:embed="rId9"/>
                   <a:stretch>
-                    <a:fillRect r="-2121" b="-21687"/>
+                    <a:fillRect r="-2121" b="-20455"/>
                   </a:stretch>
                 </a:blipFill>
                 <a:ln w="9525">
@@ -22671,8 +22651,8 @@
           </a:p>
         </p:txBody>
       </p:sp>
-      <mc:AlternateContent xmlns:mc="http://schemas.openxmlformats.org/markup-compatibility/2006">
-        <mc:Choice xmlns:a14="http://schemas.microsoft.com/office/drawing/2010/main" Requires="a14">
+      <mc:AlternateContent xmlns:mc="http://schemas.openxmlformats.org/markup-compatibility/2006" xmlns:a14="http://schemas.microsoft.com/office/drawing/2010/main">
+        <mc:Choice Requires="a14">
           <p:sp>
             <p:nvSpPr>
               <p:cNvPr id="3" name="Объект 2"/>
@@ -23155,7 +23135,7 @@
             </p:txBody>
           </p:sp>
         </mc:Choice>
-        <mc:Fallback>
+        <mc:Fallback xmlns="">
           <p:sp>
             <p:nvSpPr>
               <p:cNvPr id="3" name="Объект 2"/>
@@ -40047,8 +40027,8 @@
           </a:p>
         </p:txBody>
       </p:sp>
-      <mc:AlternateContent xmlns:mc="http://schemas.openxmlformats.org/markup-compatibility/2006">
-        <mc:Choice xmlns:a14="http://schemas.microsoft.com/office/drawing/2010/main" Requires="a14">
+      <mc:AlternateContent xmlns:mc="http://schemas.openxmlformats.org/markup-compatibility/2006" xmlns:a14="http://schemas.microsoft.com/office/drawing/2010/main">
+        <mc:Choice Requires="a14">
           <p:sp>
             <p:nvSpPr>
               <p:cNvPr id="3" name="Объект 2"/>
@@ -40244,45 +40224,8 @@
                       <a:srgbClr val="00B050"/>
                     </a:solidFill>
                   </a:rPr>
-                  <a:t>счётчик, </a:t>
-                </a:r>
-                <a:r>
-                  <a:rPr lang="ru-RU" dirty="0" smtClean="0">
-                    <a:solidFill>
-                      <a:srgbClr val="00B050"/>
-                    </a:solidFill>
-                  </a:rPr>
-                  <a:t>строго возрастающую п</a:t>
-                </a:r>
-                <a:r>
-                  <a:rPr lang="ru-RU" dirty="0" smtClean="0">
-                    <a:solidFill>
-                      <a:srgbClr val="00B050"/>
-                    </a:solidFill>
-                  </a:rPr>
-                  <a:t>оследовательность</a:t>
-                </a:r>
-                <a:r>
-                  <a:rPr lang="ru-RU" dirty="0" smtClean="0">
-                    <a:solidFill>
-                      <a:srgbClr val="00B050"/>
-                    </a:solidFill>
-                  </a:rPr>
-                  <a:t>, случайные </a:t>
-                </a:r>
-                <a:r>
-                  <a:rPr lang="ru-RU" dirty="0" smtClean="0">
-                    <a:solidFill>
-                      <a:srgbClr val="00B050"/>
-                    </a:solidFill>
-                  </a:rPr>
-                  <a:t>величины (большой длины)</a:t>
-                </a:r>
-                <a:endParaRPr lang="ru-RU" dirty="0" smtClean="0">
-                  <a:solidFill>
-                    <a:srgbClr val="00B050"/>
-                  </a:solidFill>
-                </a:endParaRPr>
+                  <a:t>счётчик, строго возрастающую последовательность, случайные величины (большой длины)</a:t>
+                </a:r>
               </a:p>
               <a:p>
                 <a:r>
@@ -40329,7 +40272,7 @@
             </p:txBody>
           </p:sp>
         </mc:Choice>
-        <mc:Fallback>
+        <mc:Fallback xmlns="">
           <p:sp>
             <p:nvSpPr>
               <p:cNvPr id="3" name="Объект 2"/>

--- a/Lectures/Lecture8.pptx
+++ b/Lectures/Lecture8.pptx
@@ -5,7 +5,7 @@
     <p:sldMasterId id="2147483648" r:id="rId1"/>
   </p:sldMasterIdLst>
   <p:notesMasterIdLst>
-    <p:notesMasterId r:id="rId46"/>
+    <p:notesMasterId r:id="rId48"/>
   </p:notesMasterIdLst>
   <p:sldIdLst>
     <p:sldId id="296" r:id="rId2"/>
@@ -52,6 +52,8 @@
     <p:sldId id="443" r:id="rId43"/>
     <p:sldId id="437" r:id="rId44"/>
     <p:sldId id="438" r:id="rId45"/>
+    <p:sldId id="447" r:id="rId46"/>
+    <p:sldId id="448" r:id="rId47"/>
   </p:sldIdLst>
   <p:sldSz cx="12192000" cy="6858000"/>
   <p:notesSz cx="6858000" cy="9144000"/>
@@ -223,6 +225,12 @@
             <p14:sldId id="443"/>
             <p14:sldId id="437"/>
             <p14:sldId id="438"/>
+            <p14:sldId id="447"/>
+          </p14:sldIdLst>
+        </p14:section>
+        <p14:section name="тесты" id="{3B03BC41-9C8F-408D-9D4F-A37B8FFA921D}">
+          <p14:sldIdLst>
+            <p14:sldId id="448"/>
           </p14:sldIdLst>
         </p14:section>
       </p14:sectionLst>
@@ -319,7 +327,7 @@
           <a:p>
             <a:fld id="{CBA08D16-15DC-4E25-BDC3-F25146157B16}" type="datetimeFigureOut">
               <a:rPr lang="ru-RU" smtClean="0"/>
-              <a:t>16.11.2023</a:t>
+              <a:t>14.11.2024</a:t>
             </a:fld>
             <a:endParaRPr lang="ru-RU"/>
           </a:p>
@@ -989,7 +997,7 @@
           <a:p>
             <a:fld id="{FCEC8293-DB51-454A-BE81-EC8FCB31EBA2}" type="datetime1">
               <a:rPr lang="ru-RU" smtClean="0"/>
-              <a:t>16.11.2023</a:t>
+              <a:t>14.11.2024</a:t>
             </a:fld>
             <a:endParaRPr lang="ru-RU"/>
           </a:p>
@@ -1163,7 +1171,7 @@
           <a:p>
             <a:fld id="{241C87B1-1C35-4DBD-BC18-2BC72E776603}" type="datetime1">
               <a:rPr lang="ru-RU" smtClean="0"/>
-              <a:t>16.11.2023</a:t>
+              <a:t>14.11.2024</a:t>
             </a:fld>
             <a:endParaRPr lang="ru-RU"/>
           </a:p>
@@ -1347,7 +1355,7 @@
           <a:p>
             <a:fld id="{3134C275-26C0-42CD-9111-9ADE65922AF9}" type="datetime1">
               <a:rPr lang="ru-RU" smtClean="0"/>
-              <a:t>16.11.2023</a:t>
+              <a:t>14.11.2024</a:t>
             </a:fld>
             <a:endParaRPr lang="ru-RU"/>
           </a:p>
@@ -1558,7 +1566,7 @@
           <a:p>
             <a:fld id="{C1A9A50B-C350-45F5-8AAB-ADB9E670AF2E}" type="datetime1">
               <a:rPr lang="ru-RU" smtClean="0"/>
-              <a:t>16.11.2023</a:t>
+              <a:t>14.11.2024</a:t>
             </a:fld>
             <a:endParaRPr lang="ru-RU"/>
           </a:p>
@@ -1808,7 +1816,7 @@
           <a:p>
             <a:fld id="{089688C9-348F-42F9-B6C0-5990DDE0C5B2}" type="datetime1">
               <a:rPr lang="ru-RU" smtClean="0"/>
-              <a:t>16.11.2023</a:t>
+              <a:t>14.11.2024</a:t>
             </a:fld>
             <a:endParaRPr lang="ru-RU"/>
           </a:p>
@@ -2044,7 +2052,7 @@
           <a:p>
             <a:fld id="{684AFD8F-6DD9-4AD3-A505-FDC3F5C5F3F6}" type="datetime1">
               <a:rPr lang="ru-RU" smtClean="0"/>
-              <a:t>16.11.2023</a:t>
+              <a:t>14.11.2024</a:t>
             </a:fld>
             <a:endParaRPr lang="ru-RU"/>
           </a:p>
@@ -2415,7 +2423,7 @@
           <a:p>
             <a:fld id="{63551EFE-4D02-45EB-A747-8B6F047B5AA0}" type="datetime1">
               <a:rPr lang="ru-RU" smtClean="0"/>
-              <a:t>16.11.2023</a:t>
+              <a:t>14.11.2024</a:t>
             </a:fld>
             <a:endParaRPr lang="ru-RU"/>
           </a:p>
@@ -2537,7 +2545,7 @@
           <a:p>
             <a:fld id="{813A9F34-E5CD-4B8F-AA9E-889C84372B20}" type="datetime1">
               <a:rPr lang="ru-RU" smtClean="0"/>
-              <a:t>16.11.2023</a:t>
+              <a:t>14.11.2024</a:t>
             </a:fld>
             <a:endParaRPr lang="ru-RU"/>
           </a:p>
@@ -2636,7 +2644,7 @@
           <a:p>
             <a:fld id="{51224D22-9B29-44A6-8E82-95FC492DEDC1}" type="datetime1">
               <a:rPr lang="ru-RU" smtClean="0"/>
-              <a:t>16.11.2023</a:t>
+              <a:t>14.11.2024</a:t>
             </a:fld>
             <a:endParaRPr lang="ru-RU"/>
           </a:p>
@@ -2917,7 +2925,7 @@
           <a:p>
             <a:fld id="{91D1034F-4441-48A1-BDC0-25EA1022324A}" type="datetime1">
               <a:rPr lang="ru-RU" smtClean="0"/>
-              <a:t>16.11.2023</a:t>
+              <a:t>14.11.2024</a:t>
             </a:fld>
             <a:endParaRPr lang="ru-RU"/>
           </a:p>
@@ -3174,7 +3182,7 @@
           <a:p>
             <a:fld id="{B0FFDE79-B627-473B-AE17-4C65BD2495F7}" type="datetime1">
               <a:rPr lang="ru-RU" smtClean="0"/>
-              <a:t>16.11.2023</a:t>
+              <a:t>14.11.2024</a:t>
             </a:fld>
             <a:endParaRPr lang="ru-RU"/>
           </a:p>
@@ -3391,7 +3399,7 @@
           <a:p>
             <a:fld id="{11CA537A-1B8C-47BA-9BA6-7CE3FAFDA8BE}" type="datetime1">
               <a:rPr lang="ru-RU" smtClean="0"/>
-              <a:t>16.11.2023</a:t>
+              <a:t>14.11.2024</a:t>
             </a:fld>
             <a:endParaRPr lang="ru-RU"/>
           </a:p>
@@ -3901,10 +3909,9 @@
               <a:t>МИФИ 202</a:t>
             </a:r>
             <a:r>
-              <a:rPr lang="en-US" dirty="0"/>
-              <a:t>3</a:t>
+              <a:rPr lang="ru-RU" dirty="0"/>
+              <a:t>4</a:t>
             </a:r>
-            <a:endParaRPr lang="ru-RU" dirty="0"/>
           </a:p>
         </p:txBody>
       </p:sp>
@@ -5936,8 +5943,8 @@
             </a:p>
           </p:txBody>
         </p:sp>
-        <mc:AlternateContent xmlns:mc="http://schemas.openxmlformats.org/markup-compatibility/2006">
-          <mc:Choice xmlns:a14="http://schemas.microsoft.com/office/drawing/2010/main" Requires="a14">
+        <mc:AlternateContent xmlns:mc="http://schemas.openxmlformats.org/markup-compatibility/2006" xmlns:a14="http://schemas.microsoft.com/office/drawing/2010/main">
+          <mc:Choice Requires="a14">
             <p:sp>
               <p:nvSpPr>
                 <p:cNvPr id="16" name="Text Box 14"/>
@@ -6098,7 +6105,7 @@
               </p:txBody>
             </p:sp>
           </mc:Choice>
-          <mc:Fallback>
+          <mc:Fallback xmlns="">
             <p:sp>
               <p:nvSpPr>
                 <p:cNvPr id="16" name="Text Box 14"/>
@@ -6797,8 +6804,8 @@
             </a:p>
           </p:txBody>
         </p:sp>
-        <mc:AlternateContent xmlns:mc="http://schemas.openxmlformats.org/markup-compatibility/2006">
-          <mc:Choice xmlns:a14="http://schemas.microsoft.com/office/drawing/2010/main" Requires="a14">
+        <mc:AlternateContent xmlns:mc="http://schemas.openxmlformats.org/markup-compatibility/2006" xmlns:a14="http://schemas.microsoft.com/office/drawing/2010/main">
+          <mc:Choice Requires="a14">
             <p:sp>
               <p:nvSpPr>
                 <p:cNvPr id="23" name="Text Box 14"/>
@@ -6963,7 +6970,7 @@
               </p:txBody>
             </p:sp>
           </mc:Choice>
-          <mc:Fallback>
+          <mc:Fallback xmlns="">
             <p:sp>
               <p:nvSpPr>
                 <p:cNvPr id="23" name="Text Box 14"/>
@@ -16353,8 +16360,8 @@
           </a:p>
         </p:txBody>
       </p:sp>
-      <mc:AlternateContent xmlns:mc="http://schemas.openxmlformats.org/markup-compatibility/2006" xmlns:a14="http://schemas.microsoft.com/office/drawing/2010/main">
-        <mc:Choice Requires="a14">
+      <mc:AlternateContent xmlns:mc="http://schemas.openxmlformats.org/markup-compatibility/2006">
+        <mc:Choice xmlns:a14="http://schemas.microsoft.com/office/drawing/2010/main" Requires="a14">
           <p:sp>
             <p:nvSpPr>
               <p:cNvPr id="3" name="Объект 2"/>
@@ -16461,6 +16468,12 @@
                         <a:latin typeface="Cambria Math" panose="02040503050406030204" pitchFamily="18" charset="0"/>
                       </a:rPr>
                       <m:t>Ε</m:t>
+                    </m:r>
+                    <m:r>
+                      <a:rPr lang="en-US" b="0" i="0" smtClean="0">
+                        <a:latin typeface="Cambria Math" panose="02040503050406030204" pitchFamily="18" charset="0"/>
+                      </a:rPr>
+                      <m:t>′</m:t>
                     </m:r>
                   </m:oMath>
                 </a14:m>
@@ -16749,7 +16762,7 @@
             </p:txBody>
           </p:sp>
         </mc:Choice>
-        <mc:Fallback xmlns="">
+        <mc:Fallback>
           <p:sp>
             <p:nvSpPr>
               <p:cNvPr id="3" name="Объект 2"/>
@@ -16761,7 +16774,7 @@
               </p:nvPr>
             </p:nvSpPr>
             <p:spPr>
-              <a:blipFill>
+              <a:blipFill rotWithShape="0">
                 <a:blip r:embed="rId2"/>
                 <a:stretch>
                   <a:fillRect l="-1043" t="-2101"/>
@@ -18884,8 +18897,8 @@
           </a:p>
         </p:txBody>
       </p:sp>
-      <mc:AlternateContent xmlns:mc="http://schemas.openxmlformats.org/markup-compatibility/2006" xmlns:a14="http://schemas.microsoft.com/office/drawing/2010/main">
-        <mc:Choice Requires="a14">
+      <mc:AlternateContent xmlns:mc="http://schemas.openxmlformats.org/markup-compatibility/2006">
+        <mc:Choice xmlns:a14="http://schemas.microsoft.com/office/drawing/2010/main" Requires="a14">
           <p:sp>
             <p:nvSpPr>
               <p:cNvPr id="3" name="Объект 2"/>
@@ -18994,6 +19007,12 @@
                         <a:latin typeface="Cambria Math" panose="02040503050406030204" pitchFamily="18" charset="0"/>
                       </a:rPr>
                       <m:t>Ε</m:t>
+                    </m:r>
+                    <m:r>
+                      <a:rPr lang="en-US" b="0" i="0" smtClean="0">
+                        <a:latin typeface="Cambria Math" panose="02040503050406030204" pitchFamily="18" charset="0"/>
+                      </a:rPr>
+                      <m:t>′</m:t>
                     </m:r>
                   </m:oMath>
                 </a14:m>
@@ -19375,7 +19394,7 @@
             </p:txBody>
           </p:sp>
         </mc:Choice>
-        <mc:Fallback xmlns="">
+        <mc:Fallback>
           <p:sp>
             <p:nvSpPr>
               <p:cNvPr id="3" name="Объект 2"/>
@@ -19387,7 +19406,7 @@
               </p:nvPr>
             </p:nvSpPr>
             <p:spPr>
-              <a:blipFill>
+              <a:blipFill rotWithShape="0">
                 <a:blip r:embed="rId2"/>
                 <a:stretch>
                   <a:fillRect l="-1043" t="-2101"/>
@@ -24874,52 +24893,74 @@
               <a:p>
                 <a:r>
                   <a:rPr lang="ru-RU" sz="2800" dirty="0" smtClean="0"/>
-                  <a:t>1 – режим </a:t>
-                </a:r>
-                <a:r>
-                  <a:rPr lang="en-US" sz="2800" b="1" dirty="0" smtClean="0"/>
-                  <a:t>CFB</a:t>
+                  <a:t>Пусть </a:t>
+                </a:r>
+                <a14:m>
+                  <m:oMath xmlns:m="http://schemas.openxmlformats.org/officeDocument/2006/math">
+                    <m:r>
+                      <m:rPr>
+                        <m:sty m:val="p"/>
+                      </m:rPr>
+                      <a:rPr lang="en-US" sz="2800" b="0" i="0" smtClean="0">
+                        <a:latin typeface="Cambria Math" panose="02040503050406030204" pitchFamily="18" charset="0"/>
+                      </a:rPr>
+                      <m:t>E</m:t>
+                    </m:r>
+                    <m:r>
+                      <a:rPr lang="en-US" sz="2800" b="0" i="0" smtClean="0">
+                        <a:latin typeface="Cambria Math" panose="02040503050406030204" pitchFamily="18" charset="0"/>
+                      </a:rPr>
+                      <m:t>=(</m:t>
+                    </m:r>
+                    <m:r>
+                      <a:rPr lang="en-US" sz="2800" b="0" i="1" smtClean="0">
+                        <a:latin typeface="Cambria Math" panose="02040503050406030204" pitchFamily="18" charset="0"/>
+                      </a:rPr>
+                      <m:t>𝐸</m:t>
+                    </m:r>
+                    <m:r>
+                      <a:rPr lang="en-US" sz="2800" b="0" i="1" smtClean="0">
+                        <a:latin typeface="Cambria Math" panose="02040503050406030204" pitchFamily="18" charset="0"/>
+                      </a:rPr>
+                      <m:t>,</m:t>
+                    </m:r>
+                    <m:r>
+                      <a:rPr lang="en-US" sz="2800" b="0" i="1" smtClean="0">
+                        <a:latin typeface="Cambria Math" panose="02040503050406030204" pitchFamily="18" charset="0"/>
+                      </a:rPr>
+                      <m:t>𝐷</m:t>
+                    </m:r>
+                    <m:r>
+                      <a:rPr lang="en-US" sz="2800" b="0" i="1" smtClean="0">
+                        <a:latin typeface="Cambria Math" panose="02040503050406030204" pitchFamily="18" charset="0"/>
+                      </a:rPr>
+                      <m:t>)</m:t>
+                    </m:r>
+                  </m:oMath>
+                </a14:m>
+                <a:r>
+                  <a:rPr lang="en-US" sz="2800" i="1" dirty="0" smtClean="0"/>
+                  <a:t> –</a:t>
+                </a:r>
+                <a:r>
+                  <a:rPr lang="ru-RU" sz="2800" i="1" dirty="0" smtClean="0"/>
+                  <a:t> </a:t>
+                </a:r>
+                <a:r>
+                  <a:rPr lang="en-US" sz="2800" dirty="0" smtClean="0"/>
+                  <a:t>CBC </a:t>
                 </a:r>
                 <a:r>
                   <a:rPr lang="ru-RU" sz="2800" dirty="0" smtClean="0"/>
-                  <a:t>, как следует выбирать ключ?</a:t>
-                </a:r>
-                <a:endParaRPr lang="en-US" sz="2800" dirty="0" smtClean="0"/>
-              </a:p>
-              <a:p>
-                <a:r>
-                  <a:rPr lang="en-US" sz="2800" dirty="0" smtClean="0"/>
-                  <a:t>2 – </a:t>
+                  <a:t>шифр для сообщений </a:t>
+                </a:r>
+                <a:r>
+                  <a:rPr lang="ru-RU" sz="2800" b="1" dirty="0" smtClean="0"/>
+                  <a:t>произвольной длинны</a:t>
                 </a:r>
                 <a:r>
                   <a:rPr lang="ru-RU" sz="2800" dirty="0" smtClean="0"/>
-                  <a:t>режим </a:t>
-                </a:r>
-                <a:r>
-                  <a:rPr lang="en-US" sz="2800" b="1" dirty="0" smtClean="0"/>
-                  <a:t>CBC</a:t>
-                </a:r>
-                <a:r>
-                  <a:rPr lang="ru-RU" sz="2800" dirty="0" smtClean="0"/>
-                  <a:t>, как следует выбирать </a:t>
-                </a:r>
-                <a:r>
-                  <a:rPr lang="en-US" sz="2800" dirty="0" smtClean="0"/>
-                  <a:t>IV?</a:t>
-                </a:r>
-              </a:p>
-              <a:p>
-                <a:r>
-                  <a:rPr lang="ru-RU" sz="2800" dirty="0" smtClean="0"/>
-                  <a:t>3 – режим </a:t>
-                </a:r>
-                <a:r>
-                  <a:rPr lang="en-US" sz="2800" b="1" dirty="0" smtClean="0"/>
-                  <a:t>CBC</a:t>
-                </a:r>
-                <a:r>
-                  <a:rPr lang="ru-RU" sz="2800" dirty="0" smtClean="0"/>
-                  <a:t>, можно ли для шифрования сообщения </a:t>
+                  <a:t>, использующий некоторый блочный шифр </a:t>
                 </a:r>
                 <a14:m>
                   <m:oMath xmlns:m="http://schemas.openxmlformats.org/officeDocument/2006/math">
@@ -24936,7 +24977,7 @@
                           <a:rPr lang="en-US" sz="2800" b="0" i="1" smtClean="0">
                             <a:latin typeface="Cambria Math" panose="02040503050406030204" pitchFamily="18" charset="0"/>
                           </a:rPr>
-                          <m:t>𝑚</m:t>
+                          <m:t>𝐸</m:t>
                         </m:r>
                       </m:e>
                       <m:sub>
@@ -24944,100 +24985,196 @@
                           <a:rPr lang="en-US" sz="2800" b="0" i="1" smtClean="0">
                             <a:latin typeface="Cambria Math" panose="02040503050406030204" pitchFamily="18" charset="0"/>
                           </a:rPr>
-                          <m:t>𝑖</m:t>
+                          <m:t>𝐵</m:t>
                         </m:r>
                       </m:sub>
                     </m:sSub>
+                    <m:r>
+                      <a:rPr lang="en-US" sz="2800" b="0" i="1" smtClean="0">
+                        <a:latin typeface="Cambria Math" panose="02040503050406030204" pitchFamily="18" charset="0"/>
+                      </a:rPr>
+                      <m:t>:</m:t>
+                    </m:r>
+                    <m:r>
+                      <a:rPr lang="en-US" sz="2800" b="0" i="1" smtClean="0">
+                        <a:latin typeface="Cambria Math" panose="02040503050406030204" pitchFamily="18" charset="0"/>
+                      </a:rPr>
+                      <m:t>𝐾</m:t>
+                    </m:r>
+                    <m:r>
+                      <a:rPr lang="en-US" sz="2800" b="0" i="1" smtClean="0">
+                        <a:latin typeface="Cambria Math" panose="02040503050406030204" pitchFamily="18" charset="0"/>
+                      </a:rPr>
+                      <m:t>×</m:t>
+                    </m:r>
+                    <m:r>
+                      <a:rPr lang="en-US" sz="2800" b="0" i="1" smtClean="0">
+                        <a:latin typeface="Cambria Math" panose="02040503050406030204" pitchFamily="18" charset="0"/>
+                      </a:rPr>
+                      <m:t>𝑋</m:t>
+                    </m:r>
+                    <m:r>
+                      <a:rPr lang="en-US" sz="2800" b="0" i="1" smtClean="0">
+                        <a:latin typeface="Cambria Math" panose="02040503050406030204" pitchFamily="18" charset="0"/>
+                      </a:rPr>
+                      <m:t>→</m:t>
+                    </m:r>
+                    <m:r>
+                      <a:rPr lang="en-US" sz="2800" b="0" i="1" smtClean="0">
+                        <a:latin typeface="Cambria Math" panose="02040503050406030204" pitchFamily="18" charset="0"/>
+                      </a:rPr>
+                      <m:t>𝑋</m:t>
+                    </m:r>
                   </m:oMath>
                 </a14:m>
                 <a:r>
                   <a:rPr lang="ru-RU" sz="2800" dirty="0" smtClean="0"/>
-                  <a:t> в качестве </a:t>
+                  <a:t> с размером блока </a:t>
+                </a:r>
+                <a14:m>
+                  <m:oMath xmlns:m="http://schemas.openxmlformats.org/officeDocument/2006/math">
+                    <m:r>
+                      <a:rPr lang="en-US" sz="2800" b="0" i="1" smtClean="0">
+                        <a:latin typeface="Cambria Math" panose="02040503050406030204" pitchFamily="18" charset="0"/>
+                      </a:rPr>
+                      <m:t>𝑁</m:t>
+                    </m:r>
+                  </m:oMath>
+                </a14:m>
+                <a:r>
+                  <a:rPr lang="ru-RU" sz="2800" dirty="0" smtClean="0"/>
+                  <a:t> бит</a:t>
+                </a:r>
+                <a:r>
+                  <a:rPr lang="ru-RU" sz="2800" i="1" dirty="0" smtClean="0"/>
+                  <a:t>.</a:t>
+                </a:r>
+              </a:p>
+              <a:p>
+                <a:endParaRPr lang="ru-RU" sz="2800" i="1" dirty="0"/>
+              </a:p>
+              <a:p>
+                <a:pPr marL="514350" indent="-514350">
+                  <a:buAutoNum type="arabicPeriod"/>
+                </a:pPr>
+                <a:r>
+                  <a:rPr lang="ru-RU" sz="2800" dirty="0" smtClean="0"/>
+                  <a:t>Как следует выбрать ключ для шифра </a:t>
+                </a:r>
+                <a14:m>
+                  <m:oMath xmlns:m="http://schemas.openxmlformats.org/officeDocument/2006/math">
+                    <m:r>
+                      <m:rPr>
+                        <m:sty m:val="p"/>
+                      </m:rPr>
+                      <a:rPr lang="en-US" sz="2800" b="0" i="0" smtClean="0">
+                        <a:latin typeface="Cambria Math" panose="02040503050406030204" pitchFamily="18" charset="0"/>
+                      </a:rPr>
+                      <m:t>E</m:t>
+                    </m:r>
+                  </m:oMath>
+                </a14:m>
+                <a:r>
+                  <a:rPr lang="ru-RU" sz="2800" dirty="0" smtClean="0"/>
+                  <a:t>?</a:t>
+                </a:r>
+              </a:p>
+              <a:p>
+                <a:pPr marL="514350" indent="-514350">
+                  <a:buAutoNum type="arabicPeriod"/>
+                </a:pPr>
+                <a:r>
+                  <a:rPr lang="ru-RU" sz="2800" dirty="0" smtClean="0"/>
+                  <a:t>Как следует выбрать и передавать </a:t>
                 </a:r>
                 <a:r>
                   <a:rPr lang="en-US" sz="2800" dirty="0" smtClean="0"/>
-                  <a:t>IV</a:t>
-                </a:r>
+                  <a:t>IV?</a:t>
+                </a:r>
+                <a:endParaRPr lang="ru-RU" sz="2800" dirty="0" smtClean="0"/>
+              </a:p>
+              <a:p>
+                <a:pPr marL="514350" indent="-514350">
+                  <a:buAutoNum type="arabicPeriod"/>
+                </a:pPr>
                 <a:r>
                   <a:rPr lang="ru-RU" sz="2800" dirty="0" smtClean="0"/>
-                  <a:t> использовать</a:t>
-                </a:r>
+                  <a:t>Какой ожидаемый размер </a:t>
+                </a:r>
+                <a:r>
+                  <a:rPr lang="ru-RU" sz="2800" dirty="0" err="1" smtClean="0"/>
+                  <a:t>ш.т</a:t>
+                </a:r>
+                <a:r>
+                  <a:rPr lang="ru-RU" sz="2800" dirty="0" smtClean="0"/>
+                  <a:t>. при шифровании сообщения размера </a:t>
+                </a:r>
+                <a14:m>
+                  <m:oMath xmlns:m="http://schemas.openxmlformats.org/officeDocument/2006/math">
+                    <m:r>
+                      <a:rPr lang="en-US" sz="2800" b="0" i="1" smtClean="0">
+                        <a:latin typeface="Cambria Math" panose="02040503050406030204" pitchFamily="18" charset="0"/>
+                      </a:rPr>
+                      <m:t>𝑁</m:t>
+                    </m:r>
+                    <m:r>
+                      <a:rPr lang="en-US" sz="2800" b="0" i="1" smtClean="0">
+                        <a:latin typeface="Cambria Math" panose="02040503050406030204" pitchFamily="18" charset="0"/>
+                      </a:rPr>
+                      <m:t>/2</m:t>
+                    </m:r>
+                  </m:oMath>
+                </a14:m>
+                <a:r>
+                  <a:rPr lang="ru-RU" sz="2800" dirty="0" smtClean="0"/>
+                  <a:t> бит?</a:t>
+                </a:r>
+                <a:endParaRPr lang="en-US" sz="2800" dirty="0" smtClean="0"/>
+              </a:p>
+              <a:p>
+                <a:pPr marL="514350" indent="-514350">
+                  <a:buFontTx/>
+                  <a:buAutoNum type="arabicPeriod"/>
+                </a:pPr>
+                <a:r>
+                  <a:rPr lang="ru-RU" sz="2800" dirty="0"/>
+                  <a:t>Какой ожидаемый размер </a:t>
+                </a:r>
+                <a:r>
+                  <a:rPr lang="ru-RU" sz="2800" dirty="0" err="1"/>
+                  <a:t>ш.т</a:t>
+                </a:r>
+                <a:r>
+                  <a:rPr lang="ru-RU" sz="2800" dirty="0"/>
+                  <a:t>. при шифровании сообщения размера </a:t>
+                </a:r>
+                <a14:m>
+                  <m:oMath xmlns:m="http://schemas.openxmlformats.org/officeDocument/2006/math">
+                    <m:r>
+                      <a:rPr lang="en-US" sz="2800" b="0" i="0" smtClean="0">
+                        <a:latin typeface="Cambria Math" panose="02040503050406030204" pitchFamily="18" charset="0"/>
+                      </a:rPr>
+                      <m:t>3</m:t>
+                    </m:r>
+                    <m:r>
+                      <a:rPr lang="en-US" sz="2800" i="1">
+                        <a:latin typeface="Cambria Math" panose="02040503050406030204" pitchFamily="18" charset="0"/>
+                      </a:rPr>
+                      <m:t>𝑁</m:t>
+                    </m:r>
+                  </m:oMath>
+                </a14:m>
                 <a:r>
                   <a:rPr lang="en-US" sz="2800" dirty="0" smtClean="0"/>
                   <a:t> </a:t>
                 </a:r>
                 <a:r>
-                  <a:rPr lang="ru-RU" sz="2800" dirty="0" smtClean="0"/>
-                  <a:t>последний блок шт. предыдущего сообщения </a:t>
-                </a:r>
-                <a14:m>
-                  <m:oMath xmlns:m="http://schemas.openxmlformats.org/officeDocument/2006/math">
-                    <m:sSub>
-                      <m:sSubPr>
-                        <m:ctrlPr>
-                          <a:rPr lang="en-US" sz="2800" b="0" i="1" smtClean="0">
-                            <a:latin typeface="Cambria Math" panose="02040503050406030204" pitchFamily="18" charset="0"/>
-                          </a:rPr>
-                        </m:ctrlPr>
-                      </m:sSubPr>
-                      <m:e>
-                        <m:r>
-                          <a:rPr lang="en-US" sz="2800" b="0" i="1" smtClean="0">
-                            <a:latin typeface="Cambria Math" panose="02040503050406030204" pitchFamily="18" charset="0"/>
-                          </a:rPr>
-                          <m:t>𝑚</m:t>
-                        </m:r>
-                      </m:e>
-                      <m:sub>
-                        <m:r>
-                          <a:rPr lang="en-US" sz="2800" b="0" i="1" smtClean="0">
-                            <a:latin typeface="Cambria Math" panose="02040503050406030204" pitchFamily="18" charset="0"/>
-                          </a:rPr>
-                          <m:t>𝑖</m:t>
-                        </m:r>
-                        <m:r>
-                          <a:rPr lang="en-US" sz="2800" b="0" i="1" smtClean="0">
-                            <a:latin typeface="Cambria Math" panose="02040503050406030204" pitchFamily="18" charset="0"/>
-                          </a:rPr>
-                          <m:t>−1</m:t>
-                        </m:r>
-                      </m:sub>
-                    </m:sSub>
-                  </m:oMath>
-                </a14:m>
-                <a:r>
-                  <a:rPr lang="en-US" sz="2800" dirty="0" smtClean="0"/>
-                  <a:t>? </a:t>
-                </a:r>
-                <a:r>
-                  <a:rPr lang="ru-RU" sz="2800" b="1" dirty="0" smtClean="0"/>
-                  <a:t>Почему</a:t>
+                  <a:rPr lang="ru-RU" sz="2800" dirty="0"/>
+                  <a:t>бит</a:t>
                 </a:r>
                 <a:r>
                   <a:rPr lang="ru-RU" sz="2800" dirty="0" smtClean="0"/>
                   <a:t>?</a:t>
-                </a:r>
-              </a:p>
-              <a:p>
-                <a:r>
-                  <a:rPr lang="ru-RU" sz="2800" dirty="0" smtClean="0"/>
-                  <a:t>4 – Режим </a:t>
-                </a:r>
-                <a:r>
-                  <a:rPr lang="en-US" sz="2800" b="1" dirty="0" smtClean="0"/>
-                  <a:t>CTR</a:t>
-                </a:r>
-                <a:r>
-                  <a:rPr lang="ru-RU" sz="2800" dirty="0" smtClean="0"/>
-                  <a:t>, можно ли для шифрования двух различных сообщений одинаковой длинны использовать одинаковое начальное заполнение счётчика (под счётчиком понимается вектор длинны равно размеру блок, который инкрементируется для каждого блока О.Т.)? </a:t>
-                </a:r>
-                <a:r>
-                  <a:rPr lang="ru-RU" sz="2800" b="1" dirty="0" smtClean="0"/>
-                  <a:t>Почему</a:t>
-                </a:r>
-                <a:r>
-                  <a:rPr lang="ru-RU" sz="2800" dirty="0" smtClean="0"/>
-                  <a:t>? </a:t>
                 </a:r>
                 <a:endParaRPr lang="ru-RU" sz="2800" dirty="0"/>
               </a:p>
@@ -25064,7 +25201,7 @@
               <a:blipFill rotWithShape="0">
                 <a:blip r:embed="rId2"/>
                 <a:stretch>
-                  <a:fillRect l="-1264" t="-1247" r="-241" b="-3047"/>
+                  <a:fillRect l="-1264" t="-1247" b="-3047"/>
                 </a:stretch>
               </a:blipFill>
             </p:spPr>
@@ -35843,6 +35980,730 @@
         <p:cTn id="1" dur="indefinite" restart="never" nodeType="tmRoot"/>
       </p:par>
     </p:tnLst>
+  </p:timing>
+</p:sld>
+</file>
+
+<file path=ppt/slides/slide45.xml><?xml version="1.0" encoding="utf-8"?>
+<p:sld xmlns:a="http://schemas.openxmlformats.org/drawingml/2006/main" xmlns:r="http://schemas.openxmlformats.org/officeDocument/2006/relationships" xmlns:p="http://schemas.openxmlformats.org/presentationml/2006/main">
+  <p:cSld>
+    <p:spTree>
+      <p:nvGrpSpPr>
+        <p:cNvPr id="1" name=""/>
+        <p:cNvGrpSpPr/>
+        <p:nvPr/>
+      </p:nvGrpSpPr>
+      <p:grpSpPr>
+        <a:xfrm>
+          <a:off x="0" y="0"/>
+          <a:ext cx="0" cy="0"/>
+          <a:chOff x="0" y="0"/>
+          <a:chExt cx="0" cy="0"/>
+        </a:xfrm>
+      </p:grpSpPr>
+      <p:sp>
+        <p:nvSpPr>
+          <p:cNvPr id="2" name="Заголовок 1"/>
+          <p:cNvSpPr>
+            <a:spLocks noGrp="1"/>
+          </p:cNvSpPr>
+          <p:nvPr>
+            <p:ph type="title"/>
+          </p:nvPr>
+        </p:nvSpPr>
+        <p:spPr/>
+        <p:txBody>
+          <a:bodyPr/>
+          <a:lstStyle/>
+          <a:p>
+            <a:endParaRPr lang="ru-RU"/>
+          </a:p>
+        </p:txBody>
+      </p:sp>
+      <p:sp>
+        <p:nvSpPr>
+          <p:cNvPr id="3" name="Объект 2"/>
+          <p:cNvSpPr>
+            <a:spLocks noGrp="1"/>
+          </p:cNvSpPr>
+          <p:nvPr>
+            <p:ph idx="1"/>
+          </p:nvPr>
+        </p:nvSpPr>
+        <p:spPr/>
+        <p:txBody>
+          <a:bodyPr/>
+          <a:lstStyle/>
+          <a:p>
+            <a:endParaRPr lang="ru-RU"/>
+          </a:p>
+        </p:txBody>
+      </p:sp>
+      <p:sp>
+        <p:nvSpPr>
+          <p:cNvPr id="4" name="Номер слайда 3"/>
+          <p:cNvSpPr>
+            <a:spLocks noGrp="1"/>
+          </p:cNvSpPr>
+          <p:nvPr>
+            <p:ph type="sldNum" sz="quarter" idx="12"/>
+          </p:nvPr>
+        </p:nvSpPr>
+        <p:spPr/>
+        <p:txBody>
+          <a:bodyPr/>
+          <a:lstStyle/>
+          <a:p>
+            <a:fld id="{8253DDDB-F8F7-4D64-A7FD-3F3D61C1949F}" type="slidenum">
+              <a:rPr lang="ru-RU" smtClean="0"/>
+              <a:t>45</a:t>
+            </a:fld>
+            <a:endParaRPr lang="ru-RU"/>
+          </a:p>
+        </p:txBody>
+      </p:sp>
+    </p:spTree>
+    <p:extLst>
+      <p:ext uri="{BB962C8B-B14F-4D97-AF65-F5344CB8AC3E}">
+        <p14:creationId xmlns:p14="http://schemas.microsoft.com/office/powerpoint/2010/main" val="2521420291"/>
+      </p:ext>
+    </p:extLst>
+  </p:cSld>
+  <p:clrMapOvr>
+    <a:masterClrMapping/>
+  </p:clrMapOvr>
+</p:sld>
+</file>
+
+<file path=ppt/slides/slide46.xml><?xml version="1.0" encoding="utf-8"?>
+<p:sld xmlns:a="http://schemas.openxmlformats.org/drawingml/2006/main" xmlns:r="http://schemas.openxmlformats.org/officeDocument/2006/relationships" xmlns:p="http://schemas.openxmlformats.org/presentationml/2006/main">
+  <p:cSld>
+    <p:spTree>
+      <p:nvGrpSpPr>
+        <p:cNvPr id="1" name=""/>
+        <p:cNvGrpSpPr/>
+        <p:nvPr/>
+      </p:nvGrpSpPr>
+      <p:grpSpPr>
+        <a:xfrm>
+          <a:off x="0" y="0"/>
+          <a:ext cx="0" cy="0"/>
+          <a:chOff x="0" y="0"/>
+          <a:chExt cx="0" cy="0"/>
+        </a:xfrm>
+      </p:grpSpPr>
+      <p:sp>
+        <p:nvSpPr>
+          <p:cNvPr id="2" name="Заголовок 1"/>
+          <p:cNvSpPr>
+            <a:spLocks noGrp="1"/>
+          </p:cNvSpPr>
+          <p:nvPr>
+            <p:ph type="title"/>
+          </p:nvPr>
+        </p:nvSpPr>
+        <p:spPr>
+          <a:xfrm>
+            <a:off x="838200" y="0"/>
+            <a:ext cx="10515600" cy="1325563"/>
+          </a:xfrm>
+        </p:spPr>
+        <p:txBody>
+          <a:bodyPr/>
+          <a:lstStyle/>
+          <a:p>
+            <a:r>
+              <a:rPr lang="ru-RU" dirty="0" smtClean="0"/>
+              <a:t>Тест.</a:t>
+            </a:r>
+            <a:endParaRPr lang="ru-RU" dirty="0"/>
+          </a:p>
+        </p:txBody>
+      </p:sp>
+      <p:sp>
+        <p:nvSpPr>
+          <p:cNvPr id="4" name="Номер слайда 3"/>
+          <p:cNvSpPr>
+            <a:spLocks noGrp="1"/>
+          </p:cNvSpPr>
+          <p:nvPr>
+            <p:ph type="sldNum" sz="quarter" idx="12"/>
+          </p:nvPr>
+        </p:nvSpPr>
+        <p:spPr/>
+        <p:txBody>
+          <a:bodyPr/>
+          <a:lstStyle/>
+          <a:p>
+            <a:fld id="{8253DDDB-F8F7-4D64-A7FD-3F3D61C1949F}" type="slidenum">
+              <a:rPr lang="ru-RU" smtClean="0"/>
+              <a:t>46</a:t>
+            </a:fld>
+            <a:endParaRPr lang="ru-RU"/>
+          </a:p>
+        </p:txBody>
+      </p:sp>
+      <p:sp>
+        <p:nvSpPr>
+          <p:cNvPr id="5" name="Прямоугольник 4"/>
+          <p:cNvSpPr/>
+          <p:nvPr/>
+        </p:nvSpPr>
+        <p:spPr>
+          <a:xfrm>
+            <a:off x="284285" y="5433158"/>
+            <a:ext cx="10688515" cy="317012"/>
+          </a:xfrm>
+          <a:prstGeom prst="rect">
+            <a:avLst/>
+          </a:prstGeom>
+          <a:solidFill>
+            <a:schemeClr val="accent6">
+              <a:alpha val="50000"/>
+            </a:schemeClr>
+          </a:solidFill>
+          <a:ln>
+            <a:noFill/>
+          </a:ln>
+        </p:spPr>
+        <p:style>
+          <a:lnRef idx="0">
+            <a:scrgbClr r="0" g="0" b="0"/>
+          </a:lnRef>
+          <a:fillRef idx="0">
+            <a:scrgbClr r="0" g="0" b="0"/>
+          </a:fillRef>
+          <a:effectRef idx="0">
+            <a:scrgbClr r="0" g="0" b="0"/>
+          </a:effectRef>
+          <a:fontRef idx="minor">
+            <a:schemeClr val="lt1"/>
+          </a:fontRef>
+        </p:style>
+        <p:txBody>
+          <a:bodyPr rtlCol="0" anchor="ctr"/>
+          <a:lstStyle/>
+          <a:p>
+            <a:pPr algn="ctr"/>
+            <a:endParaRPr lang="ru-RU"/>
+          </a:p>
+        </p:txBody>
+      </p:sp>
+      <p:sp>
+        <p:nvSpPr>
+          <p:cNvPr id="6" name="Прямоугольник 5"/>
+          <p:cNvSpPr/>
+          <p:nvPr/>
+        </p:nvSpPr>
+        <p:spPr>
+          <a:xfrm>
+            <a:off x="284285" y="5819530"/>
+            <a:ext cx="10688515" cy="317012"/>
+          </a:xfrm>
+          <a:prstGeom prst="rect">
+            <a:avLst/>
+          </a:prstGeom>
+          <a:solidFill>
+            <a:schemeClr val="accent6">
+              <a:alpha val="50000"/>
+            </a:schemeClr>
+          </a:solidFill>
+          <a:ln>
+            <a:noFill/>
+          </a:ln>
+        </p:spPr>
+        <p:style>
+          <a:lnRef idx="0">
+            <a:scrgbClr r="0" g="0" b="0"/>
+          </a:lnRef>
+          <a:fillRef idx="0">
+            <a:scrgbClr r="0" g="0" b="0"/>
+          </a:fillRef>
+          <a:effectRef idx="0">
+            <a:scrgbClr r="0" g="0" b="0"/>
+          </a:effectRef>
+          <a:fontRef idx="minor">
+            <a:schemeClr val="lt1"/>
+          </a:fontRef>
+        </p:style>
+        <p:txBody>
+          <a:bodyPr rtlCol="0" anchor="ctr"/>
+          <a:lstStyle/>
+          <a:p>
+            <a:pPr algn="ctr"/>
+            <a:endParaRPr lang="ru-RU"/>
+          </a:p>
+        </p:txBody>
+      </p:sp>
+      <p:sp>
+        <p:nvSpPr>
+          <p:cNvPr id="7" name="Прямоугольник 6"/>
+          <p:cNvSpPr/>
+          <p:nvPr/>
+        </p:nvSpPr>
+        <p:spPr>
+          <a:xfrm>
+            <a:off x="284284" y="6205902"/>
+            <a:ext cx="10688515" cy="317012"/>
+          </a:xfrm>
+          <a:prstGeom prst="rect">
+            <a:avLst/>
+          </a:prstGeom>
+          <a:solidFill>
+            <a:schemeClr val="accent6">
+              <a:alpha val="50000"/>
+            </a:schemeClr>
+          </a:solidFill>
+          <a:ln>
+            <a:noFill/>
+          </a:ln>
+        </p:spPr>
+        <p:style>
+          <a:lnRef idx="0">
+            <a:scrgbClr r="0" g="0" b="0"/>
+          </a:lnRef>
+          <a:fillRef idx="0">
+            <a:scrgbClr r="0" g="0" b="0"/>
+          </a:fillRef>
+          <a:effectRef idx="0">
+            <a:scrgbClr r="0" g="0" b="0"/>
+          </a:effectRef>
+          <a:fontRef idx="minor">
+            <a:schemeClr val="lt1"/>
+          </a:fontRef>
+        </p:style>
+        <p:txBody>
+          <a:bodyPr rtlCol="0" anchor="ctr"/>
+          <a:lstStyle/>
+          <a:p>
+            <a:pPr algn="ctr"/>
+            <a:endParaRPr lang="ru-RU"/>
+          </a:p>
+        </p:txBody>
+      </p:sp>
+      <mc:AlternateContent xmlns:mc="http://schemas.openxmlformats.org/markup-compatibility/2006" xmlns:a14="http://schemas.microsoft.com/office/drawing/2010/main">
+        <mc:Choice Requires="a14">
+          <p:sp>
+            <p:nvSpPr>
+              <p:cNvPr id="3" name="TextBox 2"/>
+              <p:cNvSpPr txBox="1"/>
+              <p:nvPr/>
+            </p:nvSpPr>
+            <p:spPr>
+              <a:xfrm>
+                <a:off x="838200" y="1031953"/>
+                <a:ext cx="10134599" cy="4401205"/>
+              </a:xfrm>
+              <a:prstGeom prst="rect">
+                <a:avLst/>
+              </a:prstGeom>
+              <a:noFill/>
+            </p:spPr>
+            <p:txBody>
+              <a:bodyPr wrap="square" rtlCol="0">
+                <a:spAutoFit/>
+              </a:bodyPr>
+              <a:lstStyle/>
+              <a:p>
+                <a:r>
+                  <a:rPr lang="ru-RU" sz="2800" dirty="0" smtClean="0"/>
+                  <a:t>1 – режим </a:t>
+                </a:r>
+                <a:r>
+                  <a:rPr lang="en-US" sz="2800" b="1" dirty="0" smtClean="0"/>
+                  <a:t>CFB</a:t>
+                </a:r>
+                <a:r>
+                  <a:rPr lang="ru-RU" sz="2800" dirty="0" smtClean="0"/>
+                  <a:t>, как следует выбирать ключ?</a:t>
+                </a:r>
+                <a:endParaRPr lang="en-US" sz="2800" dirty="0" smtClean="0"/>
+              </a:p>
+              <a:p>
+                <a:r>
+                  <a:rPr lang="en-US" sz="2800" dirty="0" smtClean="0"/>
+                  <a:t>2 – </a:t>
+                </a:r>
+                <a:r>
+                  <a:rPr lang="ru-RU" sz="2800" dirty="0" smtClean="0"/>
+                  <a:t>режим </a:t>
+                </a:r>
+                <a:r>
+                  <a:rPr lang="en-US" sz="2800" b="1" dirty="0" smtClean="0"/>
+                  <a:t>CBC</a:t>
+                </a:r>
+                <a:r>
+                  <a:rPr lang="ru-RU" sz="2800" dirty="0" smtClean="0"/>
+                  <a:t>, как следует выбирать </a:t>
+                </a:r>
+                <a:r>
+                  <a:rPr lang="en-US" sz="2800" dirty="0" smtClean="0"/>
+                  <a:t>IV?</a:t>
+                </a:r>
+              </a:p>
+              <a:p>
+                <a:r>
+                  <a:rPr lang="ru-RU" sz="2800" dirty="0" smtClean="0"/>
+                  <a:t>3 – режим </a:t>
+                </a:r>
+                <a:r>
+                  <a:rPr lang="en-US" sz="2800" b="1" dirty="0" smtClean="0"/>
+                  <a:t>CBC</a:t>
+                </a:r>
+                <a:r>
+                  <a:rPr lang="ru-RU" sz="2800" dirty="0" smtClean="0"/>
+                  <a:t>, можно ли для шифрования сообщения </a:t>
+                </a:r>
+                <a14:m>
+                  <m:oMath xmlns:m="http://schemas.openxmlformats.org/officeDocument/2006/math">
+                    <m:sSub>
+                      <m:sSubPr>
+                        <m:ctrlPr>
+                          <a:rPr lang="en-US" sz="2800" b="0" i="1" smtClean="0">
+                            <a:latin typeface="Cambria Math" panose="02040503050406030204" pitchFamily="18" charset="0"/>
+                          </a:rPr>
+                        </m:ctrlPr>
+                      </m:sSubPr>
+                      <m:e>
+                        <m:r>
+                          <a:rPr lang="en-US" sz="2800" b="0" i="1" smtClean="0">
+                            <a:latin typeface="Cambria Math" panose="02040503050406030204" pitchFamily="18" charset="0"/>
+                          </a:rPr>
+                          <m:t>𝑚</m:t>
+                        </m:r>
+                      </m:e>
+                      <m:sub>
+                        <m:r>
+                          <a:rPr lang="en-US" sz="2800" b="0" i="1" smtClean="0">
+                            <a:latin typeface="Cambria Math" panose="02040503050406030204" pitchFamily="18" charset="0"/>
+                          </a:rPr>
+                          <m:t>𝑖</m:t>
+                        </m:r>
+                      </m:sub>
+                    </m:sSub>
+                  </m:oMath>
+                </a14:m>
+                <a:r>
+                  <a:rPr lang="ru-RU" sz="2800" dirty="0" smtClean="0"/>
+                  <a:t> в качестве </a:t>
+                </a:r>
+                <a:r>
+                  <a:rPr lang="en-US" sz="2800" dirty="0" smtClean="0"/>
+                  <a:t>IV</a:t>
+                </a:r>
+                <a:r>
+                  <a:rPr lang="ru-RU" sz="2800" dirty="0" smtClean="0"/>
+                  <a:t> использовать</a:t>
+                </a:r>
+                <a:r>
+                  <a:rPr lang="en-US" sz="2800" dirty="0" smtClean="0"/>
+                  <a:t> </a:t>
+                </a:r>
+                <a:r>
+                  <a:rPr lang="ru-RU" sz="2800" dirty="0" smtClean="0"/>
+                  <a:t>последний блок шт. предыдущего сообщения </a:t>
+                </a:r>
+                <a14:m>
+                  <m:oMath xmlns:m="http://schemas.openxmlformats.org/officeDocument/2006/math">
+                    <m:sSub>
+                      <m:sSubPr>
+                        <m:ctrlPr>
+                          <a:rPr lang="en-US" sz="2800" b="0" i="1" smtClean="0">
+                            <a:latin typeface="Cambria Math" panose="02040503050406030204" pitchFamily="18" charset="0"/>
+                          </a:rPr>
+                        </m:ctrlPr>
+                      </m:sSubPr>
+                      <m:e>
+                        <m:r>
+                          <a:rPr lang="en-US" sz="2800" b="0" i="1" smtClean="0">
+                            <a:latin typeface="Cambria Math" panose="02040503050406030204" pitchFamily="18" charset="0"/>
+                          </a:rPr>
+                          <m:t>𝑚</m:t>
+                        </m:r>
+                      </m:e>
+                      <m:sub>
+                        <m:r>
+                          <a:rPr lang="en-US" sz="2800" b="0" i="1" smtClean="0">
+                            <a:latin typeface="Cambria Math" panose="02040503050406030204" pitchFamily="18" charset="0"/>
+                          </a:rPr>
+                          <m:t>𝑖</m:t>
+                        </m:r>
+                        <m:r>
+                          <a:rPr lang="en-US" sz="2800" b="0" i="1" smtClean="0">
+                            <a:latin typeface="Cambria Math" panose="02040503050406030204" pitchFamily="18" charset="0"/>
+                          </a:rPr>
+                          <m:t>−1</m:t>
+                        </m:r>
+                      </m:sub>
+                    </m:sSub>
+                  </m:oMath>
+                </a14:m>
+                <a:r>
+                  <a:rPr lang="en-US" sz="2800" dirty="0" smtClean="0"/>
+                  <a:t>? </a:t>
+                </a:r>
+                <a:r>
+                  <a:rPr lang="ru-RU" sz="2800" b="1" dirty="0" smtClean="0"/>
+                  <a:t>Почему</a:t>
+                </a:r>
+                <a:r>
+                  <a:rPr lang="ru-RU" sz="2800" dirty="0" smtClean="0"/>
+                  <a:t>?</a:t>
+                </a:r>
+              </a:p>
+              <a:p>
+                <a:r>
+                  <a:rPr lang="ru-RU" sz="2800" dirty="0" smtClean="0"/>
+                  <a:t>4 – Режим </a:t>
+                </a:r>
+                <a:r>
+                  <a:rPr lang="en-US" sz="2800" b="1" dirty="0" smtClean="0"/>
+                  <a:t>CTR</a:t>
+                </a:r>
+                <a:r>
+                  <a:rPr lang="ru-RU" sz="2800" dirty="0" smtClean="0"/>
+                  <a:t>, можно ли для шифрования двух различных сообщений одинаковой длинны использовать одинаковое начальное заполнение счётчика (под счётчиком понимается вектор длинны равно размеру блок, который инкрементируется для каждого блока О.Т.)? </a:t>
+                </a:r>
+                <a:r>
+                  <a:rPr lang="ru-RU" sz="2800" b="1" dirty="0" smtClean="0"/>
+                  <a:t>Почему</a:t>
+                </a:r>
+                <a:r>
+                  <a:rPr lang="ru-RU" sz="2800" dirty="0" smtClean="0"/>
+                  <a:t>? </a:t>
+                </a:r>
+                <a:endParaRPr lang="ru-RU" sz="2800" dirty="0"/>
+              </a:p>
+            </p:txBody>
+          </p:sp>
+        </mc:Choice>
+        <mc:Fallback xmlns="">
+          <p:sp>
+            <p:nvSpPr>
+              <p:cNvPr id="3" name="TextBox 2"/>
+              <p:cNvSpPr txBox="1">
+                <a:spLocks noRot="1" noChangeAspect="1" noMove="1" noResize="1" noEditPoints="1" noAdjustHandles="1" noChangeArrowheads="1" noChangeShapeType="1" noTextEdit="1"/>
+              </p:cNvSpPr>
+              <p:nvPr/>
+            </p:nvSpPr>
+            <p:spPr>
+              <a:xfrm>
+                <a:off x="838200" y="1031953"/>
+                <a:ext cx="10134599" cy="4401205"/>
+              </a:xfrm>
+              <a:prstGeom prst="rect">
+                <a:avLst/>
+              </a:prstGeom>
+              <a:blipFill rotWithShape="0">
+                <a:blip r:embed="rId2"/>
+                <a:stretch>
+                  <a:fillRect l="-1264" t="-1247" r="-241" b="-3047"/>
+                </a:stretch>
+              </a:blipFill>
+            </p:spPr>
+            <p:txBody>
+              <a:bodyPr/>
+              <a:lstStyle/>
+              <a:p>
+                <a:r>
+                  <a:rPr lang="ru-RU">
+                    <a:noFill/>
+                  </a:rPr>
+                  <a:t> </a:t>
+                </a:r>
+              </a:p>
+            </p:txBody>
+          </p:sp>
+        </mc:Fallback>
+      </mc:AlternateContent>
+    </p:spTree>
+    <p:extLst>
+      <p:ext uri="{BB962C8B-B14F-4D97-AF65-F5344CB8AC3E}">
+        <p14:creationId xmlns:p14="http://schemas.microsoft.com/office/powerpoint/2010/main" val="2620710823"/>
+      </p:ext>
+    </p:extLst>
+  </p:cSld>
+  <p:clrMapOvr>
+    <a:masterClrMapping/>
+  </p:clrMapOvr>
+  <p:timing>
+    <p:tnLst>
+      <p:par>
+        <p:cTn id="1" dur="indefinite" restart="never" nodeType="tmRoot">
+          <p:childTnLst>
+            <p:seq concurrent="1" nextAc="seek">
+              <p:cTn id="2" dur="indefinite" nodeType="mainSeq">
+                <p:childTnLst>
+                  <p:par>
+                    <p:cTn id="3" fill="hold">
+                      <p:stCondLst>
+                        <p:cond delay="indefinite"/>
+                        <p:cond evt="onBegin" delay="0">
+                          <p:tn val="2"/>
+                        </p:cond>
+                      </p:stCondLst>
+                      <p:childTnLst>
+                        <p:par>
+                          <p:cTn id="4" fill="hold">
+                            <p:stCondLst>
+                              <p:cond delay="0"/>
+                            </p:stCondLst>
+                            <p:childTnLst>
+                              <p:par>
+                                <p:cTn id="5" presetID="22" presetClass="exit" presetSubtype="2" fill="hold" grpId="0" nodeType="withEffect">
+                                  <p:stCondLst>
+                                    <p:cond delay="0"/>
+                                  </p:stCondLst>
+                                  <p:childTnLst>
+                                    <p:animEffect transition="out" filter="wipe(right)">
+                                      <p:cBhvr>
+                                        <p:cTn id="6" dur="59000"/>
+                                        <p:tgtEl>
+                                          <p:spTgt spid="5"/>
+                                        </p:tgtEl>
+                                      </p:cBhvr>
+                                    </p:animEffect>
+                                    <p:set>
+                                      <p:cBhvr>
+                                        <p:cTn id="7" dur="1" fill="hold">
+                                          <p:stCondLst>
+                                            <p:cond delay="58999"/>
+                                          </p:stCondLst>
+                                        </p:cTn>
+                                        <p:tgtEl>
+                                          <p:spTgt spid="5"/>
+                                        </p:tgtEl>
+                                        <p:attrNameLst>
+                                          <p:attrName>style.visibility</p:attrName>
+                                        </p:attrNameLst>
+                                      </p:cBhvr>
+                                      <p:to>
+                                        <p:strVal val="hidden"/>
+                                      </p:to>
+                                    </p:set>
+                                  </p:childTnLst>
+                                </p:cTn>
+                              </p:par>
+                            </p:childTnLst>
+                          </p:cTn>
+                        </p:par>
+                        <p:par>
+                          <p:cTn id="8" fill="hold">
+                            <p:stCondLst>
+                              <p:cond delay="59000"/>
+                            </p:stCondLst>
+                            <p:childTnLst>
+                              <p:par>
+                                <p:cTn id="9" presetID="22" presetClass="exit" presetSubtype="2" fill="hold" grpId="0" nodeType="afterEffect">
+                                  <p:stCondLst>
+                                    <p:cond delay="0"/>
+                                  </p:stCondLst>
+                                  <p:childTnLst>
+                                    <p:animEffect transition="out" filter="wipe(right)">
+                                      <p:cBhvr>
+                                        <p:cTn id="10" dur="59000"/>
+                                        <p:tgtEl>
+                                          <p:spTgt spid="6"/>
+                                        </p:tgtEl>
+                                      </p:cBhvr>
+                                    </p:animEffect>
+                                    <p:set>
+                                      <p:cBhvr>
+                                        <p:cTn id="11" dur="1" fill="hold">
+                                          <p:stCondLst>
+                                            <p:cond delay="58999"/>
+                                          </p:stCondLst>
+                                        </p:cTn>
+                                        <p:tgtEl>
+                                          <p:spTgt spid="6"/>
+                                        </p:tgtEl>
+                                        <p:attrNameLst>
+                                          <p:attrName>style.visibility</p:attrName>
+                                        </p:attrNameLst>
+                                      </p:cBhvr>
+                                      <p:to>
+                                        <p:strVal val="hidden"/>
+                                      </p:to>
+                                    </p:set>
+                                  </p:childTnLst>
+                                </p:cTn>
+                              </p:par>
+                            </p:childTnLst>
+                          </p:cTn>
+                        </p:par>
+                        <p:par>
+                          <p:cTn id="12" fill="hold">
+                            <p:stCondLst>
+                              <p:cond delay="118000"/>
+                            </p:stCondLst>
+                            <p:childTnLst>
+                              <p:par>
+                                <p:cTn id="13" presetID="22" presetClass="exit" presetSubtype="2" fill="hold" grpId="0" nodeType="afterEffect">
+                                  <p:stCondLst>
+                                    <p:cond delay="0"/>
+                                  </p:stCondLst>
+                                  <p:childTnLst>
+                                    <p:animEffect transition="out" filter="wipe(right)">
+                                      <p:cBhvr>
+                                        <p:cTn id="14" dur="59000"/>
+                                        <p:tgtEl>
+                                          <p:spTgt spid="7"/>
+                                        </p:tgtEl>
+                                      </p:cBhvr>
+                                    </p:animEffect>
+                                    <p:set>
+                                      <p:cBhvr>
+                                        <p:cTn id="15" dur="1" fill="hold">
+                                          <p:stCondLst>
+                                            <p:cond delay="58999"/>
+                                          </p:stCondLst>
+                                        </p:cTn>
+                                        <p:tgtEl>
+                                          <p:spTgt spid="7"/>
+                                        </p:tgtEl>
+                                        <p:attrNameLst>
+                                          <p:attrName>style.visibility</p:attrName>
+                                        </p:attrNameLst>
+                                      </p:cBhvr>
+                                      <p:to>
+                                        <p:strVal val="hidden"/>
+                                      </p:to>
+                                    </p:set>
+                                  </p:childTnLst>
+                                </p:cTn>
+                              </p:par>
+                            </p:childTnLst>
+                          </p:cTn>
+                        </p:par>
+                      </p:childTnLst>
+                    </p:cTn>
+                  </p:par>
+                </p:childTnLst>
+              </p:cTn>
+              <p:prevCondLst>
+                <p:cond evt="onPrev" delay="0">
+                  <p:tgtEl>
+                    <p:sldTgt/>
+                  </p:tgtEl>
+                </p:cond>
+              </p:prevCondLst>
+              <p:nextCondLst>
+                <p:cond evt="onNext" delay="0">
+                  <p:tgtEl>
+                    <p:sldTgt/>
+                  </p:tgtEl>
+                </p:cond>
+              </p:nextCondLst>
+            </p:seq>
+          </p:childTnLst>
+        </p:cTn>
+      </p:par>
+    </p:tnLst>
+    <p:bldLst>
+      <p:bldP spid="5" grpId="0" animBg="1"/>
+      <p:bldP spid="6" grpId="0" animBg="1"/>
+      <p:bldP spid="7" grpId="0" animBg="1"/>
+    </p:bldLst>
   </p:timing>
 </p:sld>
 </file>

--- a/Lectures/Lecture8.pptx
+++ b/Lectures/Lecture8.pptx
@@ -5,12 +5,12 @@
     <p:sldMasterId id="2147483648" r:id="rId1"/>
   </p:sldMasterIdLst>
   <p:notesMasterIdLst>
-    <p:notesMasterId r:id="rId48"/>
+    <p:notesMasterId r:id="rId49"/>
   </p:notesMasterIdLst>
   <p:sldIdLst>
     <p:sldId id="296" r:id="rId2"/>
     <p:sldId id="444" r:id="rId3"/>
-    <p:sldId id="445" r:id="rId4"/>
+    <p:sldId id="449" r:id="rId4"/>
     <p:sldId id="446" r:id="rId5"/>
     <p:sldId id="368" r:id="rId6"/>
     <p:sldId id="410" r:id="rId7"/>
@@ -54,6 +54,7 @@
     <p:sldId id="438" r:id="rId45"/>
     <p:sldId id="447" r:id="rId46"/>
     <p:sldId id="448" r:id="rId47"/>
+    <p:sldId id="445" r:id="rId48"/>
   </p:sldIdLst>
   <p:sldSz cx="12192000" cy="6858000"/>
   <p:notesSz cx="6858000" cy="9144000"/>
@@ -159,7 +160,7 @@
           <p14:sldIdLst>
             <p14:sldId id="296"/>
             <p14:sldId id="444"/>
-            <p14:sldId id="445"/>
+            <p14:sldId id="449"/>
             <p14:sldId id="446"/>
           </p14:sldIdLst>
         </p14:section>
@@ -231,6 +232,7 @@
         <p14:section name="тесты" id="{3B03BC41-9C8F-408D-9D4F-A37B8FFA921D}">
           <p14:sldIdLst>
             <p14:sldId id="448"/>
+            <p14:sldId id="445"/>
           </p14:sldIdLst>
         </p14:section>
       </p14:sectionLst>
@@ -327,7 +329,7 @@
           <a:p>
             <a:fld id="{CBA08D16-15DC-4E25-BDC3-F25146157B16}" type="datetimeFigureOut">
               <a:rPr lang="ru-RU" smtClean="0"/>
-              <a:t>14.11.2024</a:t>
+              <a:t>12.11.2025</a:t>
             </a:fld>
             <a:endParaRPr lang="ru-RU"/>
           </a:p>
@@ -391,38 +393,37 @@
           <a:p>
             <a:pPr lvl="0"/>
             <a:r>
-              <a:rPr lang="ru-RU" smtClean="0"/>
+              <a:rPr lang="ru-RU"/>
               <a:t>Образец текста</a:t>
             </a:r>
           </a:p>
           <a:p>
             <a:pPr lvl="1"/>
             <a:r>
-              <a:rPr lang="ru-RU" smtClean="0"/>
+              <a:rPr lang="ru-RU"/>
               <a:t>Второй уровень</a:t>
             </a:r>
           </a:p>
           <a:p>
             <a:pPr lvl="2"/>
             <a:r>
-              <a:rPr lang="ru-RU" smtClean="0"/>
+              <a:rPr lang="ru-RU"/>
               <a:t>Третий уровень</a:t>
             </a:r>
           </a:p>
           <a:p>
             <a:pPr lvl="3"/>
             <a:r>
-              <a:rPr lang="ru-RU" smtClean="0"/>
+              <a:rPr lang="ru-RU"/>
               <a:t>Четвертый уровень</a:t>
             </a:r>
           </a:p>
           <a:p>
             <a:pPr lvl="4"/>
             <a:r>
-              <a:rPr lang="ru-RU" smtClean="0"/>
+              <a:rPr lang="ru-RU"/>
               <a:t>Пятый уровень</a:t>
             </a:r>
-            <a:endParaRPr lang="ru-RU"/>
           </a:p>
         </p:txBody>
       </p:sp>
@@ -640,10 +641,9 @@
           <a:lstStyle/>
           <a:p>
             <a:r>
-              <a:rPr lang="en-US" dirty="0" smtClean="0"/>
+              <a:rPr lang="en-US" dirty="0"/>
               <a:t>Alice is encrypted with k1,   data is encrypted with k2</a:t>
             </a:r>
-            <a:endParaRPr lang="en-US" dirty="0"/>
           </a:p>
         </p:txBody>
       </p:sp>
@@ -729,10 +729,9 @@
           <a:lstStyle/>
           <a:p>
             <a:r>
-              <a:rPr lang="en-US" dirty="0" smtClean="0"/>
+              <a:rPr lang="en-US" dirty="0"/>
               <a:t>Alice is encrypted with k1,   data is encrypted with k2</a:t>
             </a:r>
-            <a:endParaRPr lang="en-US" dirty="0"/>
           </a:p>
         </p:txBody>
       </p:sp>
@@ -818,11 +817,11 @@
           <a:lstStyle/>
           <a:p>
             <a:r>
-              <a:rPr lang="en-US" dirty="0" smtClean="0"/>
+              <a:rPr lang="en-US" dirty="0"/>
               <a:t>This</a:t>
             </a:r>
             <a:r>
-              <a:rPr lang="en-US" baseline="0" dirty="0" smtClean="0"/>
+              <a:rPr lang="en-US" baseline="0" dirty="0"/>
               <a:t> captures the settings where the adversary never sees the encryption of the same message twice under the same key.</a:t>
             </a:r>
             <a:endParaRPr lang="en-US" dirty="0"/>
@@ -908,10 +907,9 @@
           </a:lstStyle>
           <a:p>
             <a:r>
-              <a:rPr lang="ru-RU" smtClean="0"/>
+              <a:rPr lang="ru-RU"/>
               <a:t>Образец заголовка</a:t>
             </a:r>
-            <a:endParaRPr lang="ru-RU"/>
           </a:p>
         </p:txBody>
       </p:sp>
@@ -973,10 +971,9 @@
           </a:lstStyle>
           <a:p>
             <a:r>
-              <a:rPr lang="ru-RU" smtClean="0"/>
+              <a:rPr lang="ru-RU"/>
               <a:t>Образец подзаголовка</a:t>
             </a:r>
-            <a:endParaRPr lang="ru-RU"/>
           </a:p>
         </p:txBody>
       </p:sp>
@@ -997,7 +994,7 @@
           <a:p>
             <a:fld id="{FCEC8293-DB51-454A-BE81-EC8FCB31EBA2}" type="datetime1">
               <a:rPr lang="ru-RU" smtClean="0"/>
-              <a:t>14.11.2024</a:t>
+              <a:t>12.11.2025</a:t>
             </a:fld>
             <a:endParaRPr lang="ru-RU"/>
           </a:p>
@@ -1019,10 +1016,9 @@
           <a:lstStyle/>
           <a:p>
             <a:r>
-              <a:rPr lang="ru-RU" smtClean="0"/>
+              <a:rPr lang="ru-RU"/>
               <a:t>Артём Макаров</a:t>
             </a:r>
-            <a:endParaRPr lang="ru-RU"/>
           </a:p>
         </p:txBody>
       </p:sp>
@@ -1095,10 +1091,9 @@
           <a:lstStyle/>
           <a:p>
             <a:r>
-              <a:rPr lang="ru-RU" smtClean="0"/>
+              <a:rPr lang="ru-RU"/>
               <a:t>Образец заголовка</a:t>
             </a:r>
-            <a:endParaRPr lang="ru-RU"/>
           </a:p>
         </p:txBody>
       </p:sp>
@@ -1119,38 +1114,37 @@
           <a:p>
             <a:pPr lvl="0"/>
             <a:r>
-              <a:rPr lang="ru-RU" smtClean="0"/>
+              <a:rPr lang="ru-RU"/>
               <a:t>Образец текста</a:t>
             </a:r>
           </a:p>
           <a:p>
             <a:pPr lvl="1"/>
             <a:r>
-              <a:rPr lang="ru-RU" smtClean="0"/>
+              <a:rPr lang="ru-RU"/>
               <a:t>Второй уровень</a:t>
             </a:r>
           </a:p>
           <a:p>
             <a:pPr lvl="2"/>
             <a:r>
-              <a:rPr lang="ru-RU" smtClean="0"/>
+              <a:rPr lang="ru-RU"/>
               <a:t>Третий уровень</a:t>
             </a:r>
           </a:p>
           <a:p>
             <a:pPr lvl="3"/>
             <a:r>
-              <a:rPr lang="ru-RU" smtClean="0"/>
+              <a:rPr lang="ru-RU"/>
               <a:t>Четвертый уровень</a:t>
             </a:r>
           </a:p>
           <a:p>
             <a:pPr lvl="4"/>
             <a:r>
-              <a:rPr lang="ru-RU" smtClean="0"/>
+              <a:rPr lang="ru-RU"/>
               <a:t>Пятый уровень</a:t>
             </a:r>
-            <a:endParaRPr lang="ru-RU"/>
           </a:p>
         </p:txBody>
       </p:sp>
@@ -1171,7 +1165,7 @@
           <a:p>
             <a:fld id="{241C87B1-1C35-4DBD-BC18-2BC72E776603}" type="datetime1">
               <a:rPr lang="ru-RU" smtClean="0"/>
-              <a:t>14.11.2024</a:t>
+              <a:t>12.11.2025</a:t>
             </a:fld>
             <a:endParaRPr lang="ru-RU"/>
           </a:p>
@@ -1193,10 +1187,9 @@
           <a:lstStyle/>
           <a:p>
             <a:r>
-              <a:rPr lang="ru-RU" smtClean="0"/>
+              <a:rPr lang="ru-RU"/>
               <a:t>Артём Макаров</a:t>
             </a:r>
-            <a:endParaRPr lang="ru-RU"/>
           </a:p>
         </p:txBody>
       </p:sp>
@@ -1274,10 +1267,9 @@
           <a:lstStyle/>
           <a:p>
             <a:r>
-              <a:rPr lang="ru-RU" smtClean="0"/>
+              <a:rPr lang="ru-RU"/>
               <a:t>Образец заголовка</a:t>
             </a:r>
-            <a:endParaRPr lang="ru-RU"/>
           </a:p>
         </p:txBody>
       </p:sp>
@@ -1303,38 +1295,37 @@
           <a:p>
             <a:pPr lvl="0"/>
             <a:r>
-              <a:rPr lang="ru-RU" smtClean="0"/>
+              <a:rPr lang="ru-RU"/>
               <a:t>Образец текста</a:t>
             </a:r>
           </a:p>
           <a:p>
             <a:pPr lvl="1"/>
             <a:r>
-              <a:rPr lang="ru-RU" smtClean="0"/>
+              <a:rPr lang="ru-RU"/>
               <a:t>Второй уровень</a:t>
             </a:r>
           </a:p>
           <a:p>
             <a:pPr lvl="2"/>
             <a:r>
-              <a:rPr lang="ru-RU" smtClean="0"/>
+              <a:rPr lang="ru-RU"/>
               <a:t>Третий уровень</a:t>
             </a:r>
           </a:p>
           <a:p>
             <a:pPr lvl="3"/>
             <a:r>
-              <a:rPr lang="ru-RU" smtClean="0"/>
+              <a:rPr lang="ru-RU"/>
               <a:t>Четвертый уровень</a:t>
             </a:r>
           </a:p>
           <a:p>
             <a:pPr lvl="4"/>
             <a:r>
-              <a:rPr lang="ru-RU" smtClean="0"/>
+              <a:rPr lang="ru-RU"/>
               <a:t>Пятый уровень</a:t>
             </a:r>
-            <a:endParaRPr lang="ru-RU"/>
           </a:p>
         </p:txBody>
       </p:sp>
@@ -1355,7 +1346,7 @@
           <a:p>
             <a:fld id="{3134C275-26C0-42CD-9111-9ADE65922AF9}" type="datetime1">
               <a:rPr lang="ru-RU" smtClean="0"/>
-              <a:t>14.11.2024</a:t>
+              <a:t>12.11.2025</a:t>
             </a:fld>
             <a:endParaRPr lang="ru-RU"/>
           </a:p>
@@ -1377,10 +1368,9 @@
           <a:lstStyle/>
           <a:p>
             <a:r>
-              <a:rPr lang="ru-RU" smtClean="0"/>
+              <a:rPr lang="ru-RU"/>
               <a:t>Артём Макаров</a:t>
             </a:r>
-            <a:endParaRPr lang="ru-RU"/>
           </a:p>
         </p:txBody>
       </p:sp>
@@ -1447,13 +1437,6 @@
   <p:clrMapOvr>
     <a:masterClrMapping/>
   </p:clrMapOvr>
-  <p:timing>
-    <p:tnLst>
-      <p:par>
-        <p:cTn id="1" dur="indefinite" restart="never" nodeType="tmRoot"/>
-      </p:par>
-    </p:tnLst>
-  </p:timing>
 </p:sldLayout>
 </file>
 
@@ -1490,10 +1473,9 @@
           <a:lstStyle/>
           <a:p>
             <a:r>
-              <a:rPr lang="ru-RU" smtClean="0"/>
+              <a:rPr lang="ru-RU"/>
               <a:t>Образец заголовка</a:t>
             </a:r>
-            <a:endParaRPr lang="ru-RU"/>
           </a:p>
         </p:txBody>
       </p:sp>
@@ -1514,38 +1496,37 @@
           <a:p>
             <a:pPr lvl="0"/>
             <a:r>
-              <a:rPr lang="ru-RU" dirty="0" smtClean="0"/>
+              <a:rPr lang="ru-RU" dirty="0"/>
               <a:t>Образец текста</a:t>
             </a:r>
           </a:p>
           <a:p>
             <a:pPr lvl="1"/>
             <a:r>
-              <a:rPr lang="ru-RU" dirty="0" smtClean="0"/>
+              <a:rPr lang="ru-RU" dirty="0"/>
               <a:t>Второй уровень</a:t>
             </a:r>
           </a:p>
           <a:p>
             <a:pPr lvl="2"/>
             <a:r>
-              <a:rPr lang="ru-RU" dirty="0" smtClean="0"/>
+              <a:rPr lang="ru-RU" dirty="0"/>
               <a:t>Третий уровень</a:t>
             </a:r>
           </a:p>
           <a:p>
             <a:pPr lvl="3"/>
             <a:r>
-              <a:rPr lang="ru-RU" dirty="0" smtClean="0"/>
+              <a:rPr lang="ru-RU" dirty="0"/>
               <a:t>Четвертый уровень</a:t>
             </a:r>
           </a:p>
           <a:p>
             <a:pPr lvl="4"/>
             <a:r>
-              <a:rPr lang="ru-RU" dirty="0" smtClean="0"/>
+              <a:rPr lang="ru-RU" dirty="0"/>
               <a:t>Пятый уровень</a:t>
             </a:r>
-            <a:endParaRPr lang="ru-RU" dirty="0"/>
           </a:p>
         </p:txBody>
       </p:sp>
@@ -1566,7 +1547,7 @@
           <a:p>
             <a:fld id="{C1A9A50B-C350-45F5-8AAB-ADB9E670AF2E}" type="datetime1">
               <a:rPr lang="ru-RU" smtClean="0"/>
-              <a:t>14.11.2024</a:t>
+              <a:t>12.11.2025</a:t>
             </a:fld>
             <a:endParaRPr lang="ru-RU"/>
           </a:p>
@@ -1588,10 +1569,9 @@
           <a:lstStyle/>
           <a:p>
             <a:r>
-              <a:rPr lang="ru-RU" smtClean="0"/>
+              <a:rPr lang="ru-RU"/>
               <a:t>Артём Макаров</a:t>
             </a:r>
-            <a:endParaRPr lang="ru-RU"/>
           </a:p>
         </p:txBody>
       </p:sp>
@@ -1673,10 +1653,9 @@
           </a:lstStyle>
           <a:p>
             <a:r>
-              <a:rPr lang="ru-RU" smtClean="0"/>
+              <a:rPr lang="ru-RU"/>
               <a:t>Образец заголовка</a:t>
             </a:r>
-            <a:endParaRPr lang="ru-RU"/>
           </a:p>
         </p:txBody>
       </p:sp>
@@ -1793,7 +1772,7 @@
           <a:p>
             <a:pPr lvl="0"/>
             <a:r>
-              <a:rPr lang="ru-RU" smtClean="0"/>
+              <a:rPr lang="ru-RU"/>
               <a:t>Образец текста</a:t>
             </a:r>
           </a:p>
@@ -1816,7 +1795,7 @@
           <a:p>
             <a:fld id="{089688C9-348F-42F9-B6C0-5990DDE0C5B2}" type="datetime1">
               <a:rPr lang="ru-RU" smtClean="0"/>
-              <a:t>14.11.2024</a:t>
+              <a:t>12.11.2025</a:t>
             </a:fld>
             <a:endParaRPr lang="ru-RU"/>
           </a:p>
@@ -1838,10 +1817,9 @@
           <a:lstStyle/>
           <a:p>
             <a:r>
-              <a:rPr lang="ru-RU" smtClean="0"/>
+              <a:rPr lang="ru-RU"/>
               <a:t>Артём Макаров</a:t>
             </a:r>
-            <a:endParaRPr lang="ru-RU"/>
           </a:p>
         </p:txBody>
       </p:sp>
@@ -1914,10 +1892,9 @@
           <a:lstStyle/>
           <a:p>
             <a:r>
-              <a:rPr lang="ru-RU" smtClean="0"/>
+              <a:rPr lang="ru-RU"/>
               <a:t>Образец заголовка</a:t>
             </a:r>
-            <a:endParaRPr lang="ru-RU"/>
           </a:p>
         </p:txBody>
       </p:sp>
@@ -1943,38 +1920,37 @@
           <a:p>
             <a:pPr lvl="0"/>
             <a:r>
-              <a:rPr lang="ru-RU" smtClean="0"/>
+              <a:rPr lang="ru-RU"/>
               <a:t>Образец текста</a:t>
             </a:r>
           </a:p>
           <a:p>
             <a:pPr lvl="1"/>
             <a:r>
-              <a:rPr lang="ru-RU" smtClean="0"/>
+              <a:rPr lang="ru-RU"/>
               <a:t>Второй уровень</a:t>
             </a:r>
           </a:p>
           <a:p>
             <a:pPr lvl="2"/>
             <a:r>
-              <a:rPr lang="ru-RU" smtClean="0"/>
+              <a:rPr lang="ru-RU"/>
               <a:t>Третий уровень</a:t>
             </a:r>
           </a:p>
           <a:p>
             <a:pPr lvl="3"/>
             <a:r>
-              <a:rPr lang="ru-RU" smtClean="0"/>
+              <a:rPr lang="ru-RU"/>
               <a:t>Четвертый уровень</a:t>
             </a:r>
           </a:p>
           <a:p>
             <a:pPr lvl="4"/>
             <a:r>
-              <a:rPr lang="ru-RU" smtClean="0"/>
+              <a:rPr lang="ru-RU"/>
               <a:t>Пятый уровень</a:t>
             </a:r>
-            <a:endParaRPr lang="ru-RU"/>
           </a:p>
         </p:txBody>
       </p:sp>
@@ -2000,38 +1976,37 @@
           <a:p>
             <a:pPr lvl="0"/>
             <a:r>
-              <a:rPr lang="ru-RU" smtClean="0"/>
+              <a:rPr lang="ru-RU"/>
               <a:t>Образец текста</a:t>
             </a:r>
           </a:p>
           <a:p>
             <a:pPr lvl="1"/>
             <a:r>
-              <a:rPr lang="ru-RU" smtClean="0"/>
+              <a:rPr lang="ru-RU"/>
               <a:t>Второй уровень</a:t>
             </a:r>
           </a:p>
           <a:p>
             <a:pPr lvl="2"/>
             <a:r>
-              <a:rPr lang="ru-RU" smtClean="0"/>
+              <a:rPr lang="ru-RU"/>
               <a:t>Третий уровень</a:t>
             </a:r>
           </a:p>
           <a:p>
             <a:pPr lvl="3"/>
             <a:r>
-              <a:rPr lang="ru-RU" smtClean="0"/>
+              <a:rPr lang="ru-RU"/>
               <a:t>Четвертый уровень</a:t>
             </a:r>
           </a:p>
           <a:p>
             <a:pPr lvl="4"/>
             <a:r>
-              <a:rPr lang="ru-RU" smtClean="0"/>
+              <a:rPr lang="ru-RU"/>
               <a:t>Пятый уровень</a:t>
             </a:r>
-            <a:endParaRPr lang="ru-RU"/>
           </a:p>
         </p:txBody>
       </p:sp>
@@ -2052,7 +2027,7 @@
           <a:p>
             <a:fld id="{684AFD8F-6DD9-4AD3-A505-FDC3F5C5F3F6}" type="datetime1">
               <a:rPr lang="ru-RU" smtClean="0"/>
-              <a:t>14.11.2024</a:t>
+              <a:t>12.11.2025</a:t>
             </a:fld>
             <a:endParaRPr lang="ru-RU"/>
           </a:p>
@@ -2074,10 +2049,9 @@
           <a:lstStyle/>
           <a:p>
             <a:r>
-              <a:rPr lang="ru-RU" smtClean="0"/>
+              <a:rPr lang="ru-RU"/>
               <a:t>Артём Макаров</a:t>
             </a:r>
-            <a:endParaRPr lang="ru-RU"/>
           </a:p>
         </p:txBody>
       </p:sp>
@@ -2155,10 +2129,9 @@
           <a:lstStyle/>
           <a:p>
             <a:r>
-              <a:rPr lang="ru-RU" smtClean="0"/>
+              <a:rPr lang="ru-RU"/>
               <a:t>Образец заголовка</a:t>
             </a:r>
-            <a:endParaRPr lang="ru-RU"/>
           </a:p>
         </p:txBody>
       </p:sp>
@@ -2221,7 +2194,7 @@
           <a:p>
             <a:pPr lvl="0"/>
             <a:r>
-              <a:rPr lang="ru-RU" dirty="0" smtClean="0"/>
+              <a:rPr lang="ru-RU" dirty="0"/>
               <a:t>Образец текста</a:t>
             </a:r>
           </a:p>
@@ -2249,38 +2222,37 @@
           <a:p>
             <a:pPr lvl="0"/>
             <a:r>
-              <a:rPr lang="ru-RU" dirty="0" smtClean="0"/>
+              <a:rPr lang="ru-RU" dirty="0"/>
               <a:t>Образец текста</a:t>
             </a:r>
           </a:p>
           <a:p>
             <a:pPr lvl="1"/>
             <a:r>
-              <a:rPr lang="ru-RU" dirty="0" smtClean="0"/>
+              <a:rPr lang="ru-RU" dirty="0"/>
               <a:t>Второй уровень</a:t>
             </a:r>
           </a:p>
           <a:p>
             <a:pPr lvl="2"/>
             <a:r>
-              <a:rPr lang="ru-RU" dirty="0" smtClean="0"/>
+              <a:rPr lang="ru-RU" dirty="0"/>
               <a:t>Третий уровень</a:t>
             </a:r>
           </a:p>
           <a:p>
             <a:pPr lvl="3"/>
             <a:r>
-              <a:rPr lang="ru-RU" dirty="0" smtClean="0"/>
+              <a:rPr lang="ru-RU" dirty="0"/>
               <a:t>Четвертый уровень</a:t>
             </a:r>
           </a:p>
           <a:p>
             <a:pPr lvl="4"/>
             <a:r>
-              <a:rPr lang="ru-RU" dirty="0" smtClean="0"/>
+              <a:rPr lang="ru-RU" dirty="0"/>
               <a:t>Пятый уровень</a:t>
             </a:r>
-            <a:endParaRPr lang="ru-RU" dirty="0"/>
           </a:p>
         </p:txBody>
       </p:sp>
@@ -2343,7 +2315,7 @@
           <a:p>
             <a:pPr lvl="0"/>
             <a:r>
-              <a:rPr lang="ru-RU" smtClean="0"/>
+              <a:rPr lang="ru-RU"/>
               <a:t>Образец текста</a:t>
             </a:r>
           </a:p>
@@ -2371,38 +2343,37 @@
           <a:p>
             <a:pPr lvl="0"/>
             <a:r>
-              <a:rPr lang="ru-RU" smtClean="0"/>
+              <a:rPr lang="ru-RU"/>
               <a:t>Образец текста</a:t>
             </a:r>
           </a:p>
           <a:p>
             <a:pPr lvl="1"/>
             <a:r>
-              <a:rPr lang="ru-RU" smtClean="0"/>
+              <a:rPr lang="ru-RU"/>
               <a:t>Второй уровень</a:t>
             </a:r>
           </a:p>
           <a:p>
             <a:pPr lvl="2"/>
             <a:r>
-              <a:rPr lang="ru-RU" smtClean="0"/>
+              <a:rPr lang="ru-RU"/>
               <a:t>Третий уровень</a:t>
             </a:r>
           </a:p>
           <a:p>
             <a:pPr lvl="3"/>
             <a:r>
-              <a:rPr lang="ru-RU" smtClean="0"/>
+              <a:rPr lang="ru-RU"/>
               <a:t>Четвертый уровень</a:t>
             </a:r>
           </a:p>
           <a:p>
             <a:pPr lvl="4"/>
             <a:r>
-              <a:rPr lang="ru-RU" smtClean="0"/>
+              <a:rPr lang="ru-RU"/>
               <a:t>Пятый уровень</a:t>
             </a:r>
-            <a:endParaRPr lang="ru-RU"/>
           </a:p>
         </p:txBody>
       </p:sp>
@@ -2423,7 +2394,7 @@
           <a:p>
             <a:fld id="{63551EFE-4D02-45EB-A747-8B6F047B5AA0}" type="datetime1">
               <a:rPr lang="ru-RU" smtClean="0"/>
-              <a:t>14.11.2024</a:t>
+              <a:t>12.11.2025</a:t>
             </a:fld>
             <a:endParaRPr lang="ru-RU"/>
           </a:p>
@@ -2445,10 +2416,9 @@
           <a:lstStyle/>
           <a:p>
             <a:r>
-              <a:rPr lang="ru-RU" smtClean="0"/>
+              <a:rPr lang="ru-RU"/>
               <a:t>Артём Макаров</a:t>
             </a:r>
-            <a:endParaRPr lang="ru-RU"/>
           </a:p>
         </p:txBody>
       </p:sp>
@@ -2521,10 +2491,9 @@
           <a:lstStyle/>
           <a:p>
             <a:r>
-              <a:rPr lang="ru-RU" smtClean="0"/>
+              <a:rPr lang="ru-RU"/>
               <a:t>Образец заголовка</a:t>
             </a:r>
-            <a:endParaRPr lang="ru-RU"/>
           </a:p>
         </p:txBody>
       </p:sp>
@@ -2545,7 +2514,7 @@
           <a:p>
             <a:fld id="{813A9F34-E5CD-4B8F-AA9E-889C84372B20}" type="datetime1">
               <a:rPr lang="ru-RU" smtClean="0"/>
-              <a:t>14.11.2024</a:t>
+              <a:t>12.11.2025</a:t>
             </a:fld>
             <a:endParaRPr lang="ru-RU"/>
           </a:p>
@@ -2567,10 +2536,9 @@
           <a:lstStyle/>
           <a:p>
             <a:r>
-              <a:rPr lang="ru-RU" smtClean="0"/>
+              <a:rPr lang="ru-RU"/>
               <a:t>Артём Макаров</a:t>
             </a:r>
-            <a:endParaRPr lang="ru-RU"/>
           </a:p>
         </p:txBody>
       </p:sp>
@@ -2644,7 +2612,7 @@
           <a:p>
             <a:fld id="{51224D22-9B29-44A6-8E82-95FC492DEDC1}" type="datetime1">
               <a:rPr lang="ru-RU" smtClean="0"/>
-              <a:t>14.11.2024</a:t>
+              <a:t>12.11.2025</a:t>
             </a:fld>
             <a:endParaRPr lang="ru-RU"/>
           </a:p>
@@ -2666,10 +2634,9 @@
           <a:lstStyle/>
           <a:p>
             <a:r>
-              <a:rPr lang="ru-RU" smtClean="0"/>
+              <a:rPr lang="ru-RU"/>
               <a:t>Артём Макаров</a:t>
             </a:r>
-            <a:endParaRPr lang="ru-RU"/>
           </a:p>
         </p:txBody>
       </p:sp>
@@ -2751,10 +2718,9 @@
           </a:lstStyle>
           <a:p>
             <a:r>
-              <a:rPr lang="ru-RU" smtClean="0"/>
+              <a:rPr lang="ru-RU"/>
               <a:t>Образец заголовка</a:t>
             </a:r>
-            <a:endParaRPr lang="ru-RU"/>
           </a:p>
         </p:txBody>
       </p:sp>
@@ -2808,38 +2774,37 @@
           <a:p>
             <a:pPr lvl="0"/>
             <a:r>
-              <a:rPr lang="ru-RU" smtClean="0"/>
+              <a:rPr lang="ru-RU"/>
               <a:t>Образец текста</a:t>
             </a:r>
           </a:p>
           <a:p>
             <a:pPr lvl="1"/>
             <a:r>
-              <a:rPr lang="ru-RU" smtClean="0"/>
+              <a:rPr lang="ru-RU"/>
               <a:t>Второй уровень</a:t>
             </a:r>
           </a:p>
           <a:p>
             <a:pPr lvl="2"/>
             <a:r>
-              <a:rPr lang="ru-RU" smtClean="0"/>
+              <a:rPr lang="ru-RU"/>
               <a:t>Третий уровень</a:t>
             </a:r>
           </a:p>
           <a:p>
             <a:pPr lvl="3"/>
             <a:r>
-              <a:rPr lang="ru-RU" smtClean="0"/>
+              <a:rPr lang="ru-RU"/>
               <a:t>Четвертый уровень</a:t>
             </a:r>
           </a:p>
           <a:p>
             <a:pPr lvl="4"/>
             <a:r>
-              <a:rPr lang="ru-RU" smtClean="0"/>
+              <a:rPr lang="ru-RU"/>
               <a:t>Пятый уровень</a:t>
             </a:r>
-            <a:endParaRPr lang="ru-RU"/>
           </a:p>
         </p:txBody>
       </p:sp>
@@ -2902,7 +2867,7 @@
           <a:p>
             <a:pPr lvl="0"/>
             <a:r>
-              <a:rPr lang="ru-RU" smtClean="0"/>
+              <a:rPr lang="ru-RU"/>
               <a:t>Образец текста</a:t>
             </a:r>
           </a:p>
@@ -2925,7 +2890,7 @@
           <a:p>
             <a:fld id="{91D1034F-4441-48A1-BDC0-25EA1022324A}" type="datetime1">
               <a:rPr lang="ru-RU" smtClean="0"/>
-              <a:t>14.11.2024</a:t>
+              <a:t>12.11.2025</a:t>
             </a:fld>
             <a:endParaRPr lang="ru-RU"/>
           </a:p>
@@ -2947,10 +2912,9 @@
           <a:lstStyle/>
           <a:p>
             <a:r>
-              <a:rPr lang="ru-RU" smtClean="0"/>
+              <a:rPr lang="ru-RU"/>
               <a:t>Артём Макаров</a:t>
             </a:r>
-            <a:endParaRPr lang="ru-RU"/>
           </a:p>
         </p:txBody>
       </p:sp>
@@ -3032,10 +2996,9 @@
           </a:lstStyle>
           <a:p>
             <a:r>
-              <a:rPr lang="ru-RU" smtClean="0"/>
+              <a:rPr lang="ru-RU"/>
               <a:t>Образец заголовка</a:t>
             </a:r>
-            <a:endParaRPr lang="ru-RU"/>
           </a:p>
         </p:txBody>
       </p:sp>
@@ -3159,7 +3122,7 @@
           <a:p>
             <a:pPr lvl="0"/>
             <a:r>
-              <a:rPr lang="ru-RU" smtClean="0"/>
+              <a:rPr lang="ru-RU"/>
               <a:t>Образец текста</a:t>
             </a:r>
           </a:p>
@@ -3182,7 +3145,7 @@
           <a:p>
             <a:fld id="{B0FFDE79-B627-473B-AE17-4C65BD2495F7}" type="datetime1">
               <a:rPr lang="ru-RU" smtClean="0"/>
-              <a:t>14.11.2024</a:t>
+              <a:t>12.11.2025</a:t>
             </a:fld>
             <a:endParaRPr lang="ru-RU"/>
           </a:p>
@@ -3204,10 +3167,9 @@
           <a:lstStyle/>
           <a:p>
             <a:r>
-              <a:rPr lang="ru-RU" smtClean="0"/>
+              <a:rPr lang="ru-RU"/>
               <a:t>Артём Макаров</a:t>
             </a:r>
-            <a:endParaRPr lang="ru-RU"/>
           </a:p>
         </p:txBody>
       </p:sp>
@@ -3295,10 +3257,9 @@
           <a:lstStyle/>
           <a:p>
             <a:r>
-              <a:rPr lang="ru-RU" dirty="0" smtClean="0"/>
+              <a:rPr lang="ru-RU" dirty="0"/>
               <a:t>Образец заголовка</a:t>
             </a:r>
-            <a:endParaRPr lang="ru-RU" dirty="0"/>
           </a:p>
         </p:txBody>
       </p:sp>
@@ -3329,38 +3290,37 @@
           <a:p>
             <a:pPr lvl="0"/>
             <a:r>
-              <a:rPr lang="ru-RU" dirty="0" smtClean="0"/>
+              <a:rPr lang="ru-RU" dirty="0"/>
               <a:t>Образец текста</a:t>
             </a:r>
           </a:p>
           <a:p>
             <a:pPr lvl="1"/>
             <a:r>
-              <a:rPr lang="ru-RU" dirty="0" smtClean="0"/>
+              <a:rPr lang="ru-RU" dirty="0"/>
               <a:t>Второй уровень</a:t>
             </a:r>
           </a:p>
           <a:p>
             <a:pPr lvl="2"/>
             <a:r>
-              <a:rPr lang="ru-RU" dirty="0" smtClean="0"/>
+              <a:rPr lang="ru-RU" dirty="0"/>
               <a:t>Третий уровень</a:t>
             </a:r>
           </a:p>
           <a:p>
             <a:pPr lvl="3"/>
             <a:r>
-              <a:rPr lang="ru-RU" dirty="0" smtClean="0"/>
+              <a:rPr lang="ru-RU" dirty="0"/>
               <a:t>Четвертый уровень</a:t>
             </a:r>
           </a:p>
           <a:p>
             <a:pPr lvl="4"/>
             <a:r>
-              <a:rPr lang="ru-RU" dirty="0" smtClean="0"/>
+              <a:rPr lang="ru-RU" dirty="0"/>
               <a:t>Пятый уровень</a:t>
             </a:r>
-            <a:endParaRPr lang="ru-RU" dirty="0"/>
           </a:p>
         </p:txBody>
       </p:sp>
@@ -3399,7 +3359,7 @@
           <a:p>
             <a:fld id="{11CA537A-1B8C-47BA-9BA6-7CE3FAFDA8BE}" type="datetime1">
               <a:rPr lang="ru-RU" smtClean="0"/>
-              <a:t>14.11.2024</a:t>
+              <a:t>12.11.2025</a:t>
             </a:fld>
             <a:endParaRPr lang="ru-RU"/>
           </a:p>
@@ -3439,10 +3399,9 @@
           </a:lstStyle>
           <a:p>
             <a:r>
-              <a:rPr lang="ru-RU" smtClean="0"/>
+              <a:rPr lang="ru-RU"/>
               <a:t>Артём Макаров</a:t>
             </a:r>
-            <a:endParaRPr lang="ru-RU"/>
           </a:p>
         </p:txBody>
       </p:sp>
@@ -3833,45 +3792,33 @@
           <a:lstStyle/>
           <a:p>
             <a:r>
-              <a:rPr lang="ru-RU" dirty="0" smtClean="0"/>
-              <a:t>Прикладная </a:t>
+              <a:rPr lang="ru-RU" dirty="0"/>
+              <a:t>Прикладная Криптография</a:t>
             </a:r>
             <a:r>
-              <a:rPr lang="ru-RU" dirty="0"/>
-              <a:t>К</a:t>
-            </a:r>
-            <a:r>
-              <a:rPr lang="ru-RU" dirty="0" smtClean="0"/>
-              <a:t>риптография</a:t>
-            </a:r>
-            <a:r>
-              <a:rPr lang="en-US" dirty="0" smtClean="0"/>
+              <a:rPr lang="en-US" dirty="0"/>
               <a:t>:</a:t>
             </a:r>
             <a:br>
-              <a:rPr lang="en-US" dirty="0" smtClean="0"/>
+              <a:rPr lang="en-US" dirty="0"/>
             </a:br>
             <a:r>
-              <a:rPr lang="ru-RU" dirty="0" smtClean="0"/>
+              <a:rPr lang="ru-RU" dirty="0"/>
               <a:t>Симметричные криптосистемы</a:t>
             </a:r>
-            <a:r>
-              <a:rPr lang="en-US" dirty="0" smtClean="0"/>
-              <a:t/>
-            </a:r>
             <a:br>
-              <a:rPr lang="en-US" dirty="0" smtClean="0"/>
+              <a:rPr lang="en-US" dirty="0"/>
             </a:br>
             <a:r>
-              <a:rPr lang="en-US" dirty="0" smtClean="0"/>
+              <a:rPr lang="en-US" dirty="0"/>
               <a:t>nonce CPA, </a:t>
             </a:r>
             <a:r>
-              <a:rPr lang="en-US" dirty="0" err="1" smtClean="0"/>
+              <a:rPr lang="en-US" dirty="0" err="1"/>
               <a:t>det</a:t>
             </a:r>
             <a:r>
-              <a:rPr lang="en-US" dirty="0" smtClean="0"/>
+              <a:rPr lang="en-US" dirty="0"/>
               <a:t>-CPA</a:t>
             </a:r>
             <a:endParaRPr lang="ru-RU" dirty="0"/>
@@ -3899,22 +3846,48 @@
           <a:lstStyle/>
           <a:p>
             <a:r>
-              <a:rPr lang="ru-RU" dirty="0" smtClean="0"/>
+              <a:rPr lang="ru-RU" dirty="0"/>
               <a:t>Макаров Артём </a:t>
             </a:r>
           </a:p>
           <a:p>
             <a:r>
-              <a:rPr lang="ru-RU" dirty="0" smtClean="0"/>
-              <a:t>МИФИ 202</a:t>
-            </a:r>
-            <a:r>
               <a:rPr lang="ru-RU" dirty="0"/>
-              <a:t>4</a:t>
+              <a:t>МИФИ 2025</a:t>
             </a:r>
           </a:p>
         </p:txBody>
       </p:sp>
+      <p:pic>
+        <p:nvPicPr>
+          <p:cNvPr id="4" name="Рисунок 3">
+            <a:extLst>
+              <a:ext uri="{FF2B5EF4-FFF2-40B4-BE49-F238E27FC236}">
+                <a16:creationId xmlns:a16="http://schemas.microsoft.com/office/drawing/2014/main" id="{5D7BF4CE-E7E0-41AD-9474-F34E4AA8C13B}"/>
+              </a:ext>
+            </a:extLst>
+          </p:cNvPr>
+          <p:cNvPicPr>
+            <a:picLocks noChangeAspect="1"/>
+          </p:cNvPicPr>
+          <p:nvPr/>
+        </p:nvPicPr>
+        <p:blipFill>
+          <a:blip r:embed="rId2"/>
+          <a:stretch>
+            <a:fillRect/>
+          </a:stretch>
+        </p:blipFill>
+        <p:spPr>
+          <a:xfrm>
+            <a:off x="9537192" y="3344576"/>
+            <a:ext cx="2033587" cy="2046707"/>
+          </a:xfrm>
+          <a:prstGeom prst="rect">
+            <a:avLst/>
+          </a:prstGeom>
+        </p:spPr>
+      </p:pic>
     </p:spTree>
     <p:extLst>
       <p:ext uri="{BB962C8B-B14F-4D97-AF65-F5344CB8AC3E}">
@@ -3925,13 +3898,6 @@
   <p:clrMapOvr>
     <a:masterClrMapping/>
   </p:clrMapOvr>
-  <p:timing>
-    <p:tnLst>
-      <p:par>
-        <p:cTn id="1" dur="indefinite" restart="never" nodeType="tmRoot"/>
-      </p:par>
-    </p:tnLst>
-  </p:timing>
 </p:sld>
 </file>
 
@@ -3968,7 +3934,7 @@
           <a:lstStyle/>
           <a:p>
             <a:r>
-              <a:rPr lang="en-US" dirty="0" smtClean="0"/>
+              <a:rPr lang="en-US" dirty="0"/>
               <a:t>Nonce based encryption</a:t>
             </a:r>
             <a:endParaRPr lang="ru-RU" dirty="0"/>
@@ -3991,22 +3957,22 @@
           <a:lstStyle/>
           <a:p>
             <a:r>
-              <a:rPr lang="ru-RU" dirty="0" smtClean="0"/>
+              <a:rPr lang="ru-RU" dirty="0"/>
               <a:t>Первый подход – хранить некоторое состояние на стороне получателя и отправителя, которое явно или не явно синхронизируется перед процедурой шифрования. Затем обновлять эти значения после приёма-отправления сообщений.</a:t>
             </a:r>
           </a:p>
           <a:p>
             <a:pPr lvl="1"/>
             <a:r>
-              <a:rPr lang="ru-RU" dirty="0" smtClean="0"/>
+              <a:rPr lang="ru-RU" dirty="0"/>
               <a:t>Необходима полная синхронизация, при </a:t>
             </a:r>
             <a:r>
-              <a:rPr lang="ru-RU" dirty="0" err="1" smtClean="0"/>
+              <a:rPr lang="ru-RU" dirty="0" err="1"/>
               <a:t>рассинхронизации</a:t>
             </a:r>
             <a:r>
-              <a:rPr lang="ru-RU" dirty="0" smtClean="0"/>
+              <a:rPr lang="ru-RU" dirty="0"/>
               <a:t> – необходимо заново проводить процедуру синхронизации</a:t>
             </a:r>
           </a:p>
@@ -4015,11 +3981,11 @@
           </a:p>
           <a:p>
             <a:r>
-              <a:rPr lang="ru-RU" dirty="0" smtClean="0"/>
+              <a:rPr lang="ru-RU" dirty="0"/>
               <a:t>Второй подход – использование </a:t>
             </a:r>
             <a:r>
-              <a:rPr lang="en-US" dirty="0" smtClean="0">
+              <a:rPr lang="en-US" dirty="0">
                 <a:solidFill>
                   <a:srgbClr val="00B050"/>
                 </a:solidFill>
@@ -4027,18 +3993,17 @@
               <a:t>nonce</a:t>
             </a:r>
             <a:r>
-              <a:rPr lang="ru-RU" dirty="0" smtClean="0"/>
+              <a:rPr lang="ru-RU" dirty="0"/>
               <a:t>. Вместо использования внутренних состояний использовать уникальные неповторяющиеся величины </a:t>
             </a:r>
             <a:r>
-              <a:rPr lang="en-US" dirty="0" smtClean="0"/>
+              <a:rPr lang="en-US" dirty="0"/>
               <a:t>(nonce)</a:t>
             </a:r>
             <a:r>
               <a:rPr lang="ru-RU" dirty="0"/>
               <a:t>.</a:t>
             </a:r>
-            <a:endParaRPr lang="ru-RU" dirty="0" smtClean="0"/>
           </a:p>
           <a:p>
             <a:pPr marL="0" indent="0">
@@ -4081,13 +4046,6 @@
   <p:clrMapOvr>
     <a:masterClrMapping/>
   </p:clrMapOvr>
-  <p:timing>
-    <p:tnLst>
-      <p:par>
-        <p:cTn id="1" dur="indefinite" restart="never" nodeType="tmRoot"/>
-      </p:par>
-    </p:tnLst>
-  </p:timing>
 </p:sld>
 </file>
 
@@ -4152,7 +4110,7 @@
                   <a:buNone/>
                 </a:pPr>
                 <a:r>
-                  <a:rPr lang="ru-RU" dirty="0" smtClean="0"/>
+                  <a:rPr lang="ru-RU" dirty="0"/>
                   <a:t>Для </a:t>
                 </a:r>
                 <a14:m>
@@ -4250,11 +4208,11 @@
                   </m:oMath>
                 </a14:m>
                 <a:r>
-                  <a:rPr lang="ru-RU" dirty="0" smtClean="0"/>
+                  <a:rPr lang="ru-RU" dirty="0"/>
                   <a:t> шифром на основе </a:t>
                 </a:r>
                 <a:r>
-                  <a:rPr lang="en-US" dirty="0" smtClean="0">
+                  <a:rPr lang="en-US" dirty="0">
                     <a:solidFill>
                       <a:srgbClr val="00B050"/>
                     </a:solidFill>
@@ -4262,11 +4220,11 @@
                   <a:t>nonce</a:t>
                 </a:r>
                 <a:r>
-                  <a:rPr lang="en-US" dirty="0" smtClean="0"/>
+                  <a:rPr lang="en-US" dirty="0"/>
                   <a:t> </a:t>
                 </a:r>
                 <a:r>
-                  <a:rPr lang="ru-RU" dirty="0" smtClean="0"/>
+                  <a:rPr lang="ru-RU" dirty="0"/>
                   <a:t>называется пара алгоритмов </a:t>
                 </a:r>
                 <a14:m>
@@ -4313,11 +4271,11 @@
                   </m:oMath>
                 </a14:m>
                 <a:r>
-                  <a:rPr lang="en-US" dirty="0" smtClean="0"/>
+                  <a:rPr lang="en-US" dirty="0"/>
                   <a:t> </a:t>
                 </a:r>
                 <a:r>
-                  <a:rPr lang="ru-RU" dirty="0" smtClean="0"/>
+                  <a:rPr lang="ru-RU" dirty="0"/>
                   <a:t>на </a:t>
                 </a:r>
                 <a14:m>
@@ -4383,15 +4341,15 @@
                     </m:r>
                   </m:oMath>
                 </a14:m>
-                <a:endParaRPr lang="en-US" dirty="0" smtClean="0"/>
+                <a:endParaRPr lang="en-US" dirty="0"/>
               </a:p>
               <a:p>
                 <a:r>
-                  <a:rPr lang="ru-RU" dirty="0" err="1" smtClean="0"/>
+                  <a:rPr lang="ru-RU" dirty="0" err="1"/>
                   <a:t>Зашифрование</a:t>
                 </a:r>
                 <a:r>
-                  <a:rPr lang="ru-RU" dirty="0" smtClean="0"/>
+                  <a:rPr lang="ru-RU" dirty="0"/>
                   <a:t> </a:t>
                 </a:r>
                 <a14:m>
@@ -4460,15 +4418,15 @@
                     </m:d>
                   </m:oMath>
                 </a14:m>
-                <a:endParaRPr lang="ru-RU" dirty="0" smtClean="0"/>
+                <a:endParaRPr lang="ru-RU" dirty="0"/>
               </a:p>
               <a:p>
                 <a:r>
-                  <a:rPr lang="ru-RU" dirty="0" err="1" smtClean="0"/>
+                  <a:rPr lang="ru-RU" dirty="0" err="1"/>
                   <a:t>Расшифрование</a:t>
                 </a:r>
                 <a:r>
-                  <a:rPr lang="ru-RU" dirty="0" smtClean="0"/>
+                  <a:rPr lang="ru-RU" dirty="0"/>
                   <a:t> </a:t>
                 </a:r>
                 <a14:m>
@@ -4538,11 +4496,11 @@
                     </m:r>
                   </m:oMath>
                 </a14:m>
-                <a:endParaRPr lang="en-US" dirty="0" smtClean="0"/>
+                <a:endParaRPr lang="en-US" dirty="0"/>
               </a:p>
               <a:p>
                 <a:r>
-                  <a:rPr lang="ru-RU" dirty="0" smtClean="0"/>
+                  <a:rPr lang="ru-RU" dirty="0"/>
                   <a:t>Корректность </a:t>
                 </a:r>
                 <a14:m>
@@ -4733,13 +4691,6 @@
   <p:clrMapOvr>
     <a:masterClrMapping/>
   </p:clrMapOvr>
-  <p:timing>
-    <p:tnLst>
-      <p:par>
-        <p:cTn id="1" dur="indefinite" restart="never" nodeType="tmRoot"/>
-      </p:par>
-    </p:tnLst>
-  </p:timing>
 </p:sld>
 </file>
 
@@ -4777,11 +4728,7 @@
           <a:p>
             <a:r>
               <a:rPr lang="en-US" dirty="0"/>
-              <a:t>Nonce </a:t>
-            </a:r>
-            <a:r>
-              <a:rPr lang="en-US" dirty="0" smtClean="0"/>
-              <a:t>based CPA</a:t>
+              <a:t>Nonce based CPA</a:t>
             </a:r>
             <a:endParaRPr lang="ru-RU" dirty="0"/>
           </a:p>
@@ -4810,35 +4757,35 @@
               <a:lstStyle/>
               <a:p>
                 <a:r>
-                  <a:rPr lang="ru-RU" dirty="0" smtClean="0"/>
+                  <a:rPr lang="ru-RU" dirty="0"/>
                   <a:t>Шифр</a:t>
                 </a:r>
                 <a:r>
-                  <a:rPr lang="en-US" dirty="0" smtClean="0"/>
+                  <a:rPr lang="en-US" dirty="0"/>
                   <a:t> </a:t>
                 </a:r>
                 <a:r>
-                  <a:rPr lang="ru-RU" dirty="0" smtClean="0"/>
+                  <a:rPr lang="ru-RU" dirty="0"/>
                   <a:t>на основе </a:t>
                 </a:r>
                 <a:r>
-                  <a:rPr lang="en-US" dirty="0" smtClean="0"/>
+                  <a:rPr lang="en-US" dirty="0"/>
                   <a:t>nonce</a:t>
                 </a:r>
                 <a:r>
-                  <a:rPr lang="ru-RU" dirty="0" smtClean="0"/>
+                  <a:rPr lang="ru-RU" dirty="0"/>
                   <a:t> называется </a:t>
                 </a:r>
                 <a:r>
-                  <a:rPr lang="en-US" dirty="0" err="1" smtClean="0"/>
+                  <a:rPr lang="en-US" dirty="0" err="1"/>
                   <a:t>nCPA</a:t>
                 </a:r>
                 <a:r>
-                  <a:rPr lang="en-US" dirty="0" smtClean="0"/>
+                  <a:rPr lang="en-US" dirty="0"/>
                   <a:t> </a:t>
                 </a:r>
                 <a:r>
-                  <a:rPr lang="ru-RU" dirty="0" smtClean="0"/>
+                  <a:rPr lang="ru-RU" dirty="0"/>
                   <a:t>стойким, если для любого противника </a:t>
                 </a:r>
                 <a14:m>
@@ -4852,7 +4799,7 @@
                   </m:oMath>
                 </a14:m>
                 <a:r>
-                  <a:rPr lang="ru-RU" dirty="0" smtClean="0"/>
+                  <a:rPr lang="ru-RU" dirty="0"/>
                   <a:t> величина </a:t>
                 </a:r>
                 <a14:m>
@@ -5061,34 +5008,34 @@
                   </m:oMath>
                 </a14:m>
                 <a:r>
-                  <a:rPr lang="ru-RU" dirty="0" smtClean="0"/>
+                  <a:rPr lang="ru-RU" dirty="0"/>
                   <a:t> – пренебрежимо малая величина.</a:t>
                 </a:r>
-                <a:endParaRPr lang="en-US" dirty="0" smtClean="0"/>
+                <a:endParaRPr lang="en-US" dirty="0"/>
               </a:p>
               <a:p>
                 <a:r>
-                  <a:rPr lang="ru-RU" dirty="0" smtClean="0"/>
+                  <a:rPr lang="ru-RU" dirty="0"/>
                   <a:t>Заметим, что противник</a:t>
                 </a:r>
                 <a:r>
-                  <a:rPr lang="en-US" dirty="0" smtClean="0"/>
+                  <a:rPr lang="en-US" dirty="0"/>
                   <a:t> </a:t>
                 </a:r>
                 <a:r>
-                  <a:rPr lang="ru-RU" dirty="0" smtClean="0"/>
+                  <a:rPr lang="ru-RU" dirty="0"/>
                   <a:t>полностью выбирает </a:t>
                 </a:r>
                 <a:r>
-                  <a:rPr lang="en-US" dirty="0" smtClean="0"/>
+                  <a:rPr lang="en-US" dirty="0"/>
                   <a:t>nonce.</a:t>
                 </a:r>
                 <a:r>
-                  <a:rPr lang="ru-RU" dirty="0" smtClean="0"/>
+                  <a:rPr lang="ru-RU" dirty="0"/>
                   <a:t> Единственное требование – </a:t>
                 </a:r>
                 <a:r>
-                  <a:rPr lang="ru-RU" b="1" dirty="0" smtClean="0">
+                  <a:rPr lang="ru-RU" b="1" dirty="0">
                     <a:solidFill>
                       <a:srgbClr val="00B050"/>
                     </a:solidFill>
@@ -5096,7 +5043,7 @@
                   <a:t>уникальность</a:t>
                 </a:r>
                 <a:r>
-                  <a:rPr lang="ru-RU" dirty="0" smtClean="0"/>
+                  <a:rPr lang="ru-RU" dirty="0"/>
                   <a:t>.</a:t>
                 </a:r>
               </a:p>
@@ -5737,7 +5684,7 @@
                       </m:oMath>
                     </m:oMathPara>
                   </a14:m>
-                  <a:endParaRPr lang="en-US" sz="2000" dirty="0" smtClean="0">
+                  <a:endParaRPr lang="en-US" sz="2000" dirty="0">
                     <a:sym typeface="Symbol" pitchFamily="18" charset="2"/>
                   </a:endParaRPr>
                 </a:p>
@@ -5803,7 +5750,7 @@
                       </m:oMath>
                     </m:oMathPara>
                   </a14:m>
-                  <a:endParaRPr lang="en-US" sz="2000" dirty="0" smtClean="0">
+                  <a:endParaRPr lang="en-US" sz="2000" dirty="0">
                     <a:sym typeface="Symbol" pitchFamily="18" charset="2"/>
                   </a:endParaRPr>
                 </a:p>
@@ -6055,7 +6002,7 @@
                     </m:oMath>
                   </a14:m>
                   <a:r>
-                    <a:rPr lang="en-US" sz="2000" dirty="0" smtClean="0"/>
+                    <a:rPr lang="en-US" sz="2000" dirty="0"/>
                     <a:t>, </a:t>
                   </a:r>
                   <a14:m>
@@ -6097,10 +6044,9 @@
                     </m:oMath>
                   </a14:m>
                   <a:r>
-                    <a:rPr lang="en-US" sz="2000" dirty="0" smtClean="0"/>
+                    <a:rPr lang="en-US" sz="2000" dirty="0"/>
                     <a:t>)</a:t>
                   </a:r>
-                  <a:endParaRPr lang="en-US" sz="2000" dirty="0"/>
                 </a:p>
               </p:txBody>
             </p:sp>
@@ -6503,7 +6449,7 @@
                       </m:oMath>
                     </m:oMathPara>
                   </a14:m>
-                  <a:endParaRPr lang="en-US" sz="2000" dirty="0" smtClean="0">
+                  <a:endParaRPr lang="en-US" sz="2000" dirty="0">
                     <a:sym typeface="Symbol" pitchFamily="18" charset="2"/>
                   </a:endParaRPr>
                 </a:p>
@@ -6916,12 +6862,8 @@
                     </m:oMath>
                   </a14:m>
                   <a:r>
-                    <a:rPr lang="en-US" sz="2000" dirty="0" smtClean="0"/>
-                    <a:t>,</a:t>
-                  </a:r>
-                  <a:r>
                     <a:rPr lang="en-US" sz="2000" dirty="0"/>
-                    <a:t> </a:t>
+                    <a:t>, </a:t>
                   </a:r>
                   <a14:m>
                     <m:oMath xmlns:m="http://schemas.openxmlformats.org/officeDocument/2006/math">
@@ -6962,10 +6904,9 @@
                     </m:oMath>
                   </a14:m>
                   <a:r>
-                    <a:rPr lang="en-US" sz="2000" dirty="0" smtClean="0"/>
+                    <a:rPr lang="en-US" sz="2000" dirty="0"/>
                     <a:t>)</a:t>
                   </a:r>
-                  <a:endParaRPr lang="en-US" sz="2000" dirty="0"/>
                 </a:p>
               </p:txBody>
             </p:sp>
@@ -7135,7 +7076,7 @@
               <a:lstStyle/>
               <a:p>
                 <a:r>
-                  <a:rPr lang="en-US" sz="1600" i="1" dirty="0" smtClean="0"/>
+                  <a:rPr lang="en-US" sz="1600" i="1" dirty="0"/>
                   <a:t>k</a:t>
                 </a:r>
                 <a14:m>
@@ -7170,7 +7111,7 @@
                     </m:r>
                   </m:oMath>
                 </a14:m>
-                <a:endParaRPr lang="en-US" sz="1600" b="0" i="1" dirty="0" smtClean="0"/>
+                <a:endParaRPr lang="en-US" sz="1600" b="0" i="1" dirty="0"/>
               </a:p>
             </p:txBody>
           </p:sp>
@@ -7408,13 +7349,6 @@
   <p:clrMapOvr>
     <a:masterClrMapping/>
   </p:clrMapOvr>
-  <p:timing>
-    <p:tnLst>
-      <p:par>
-        <p:cTn id="1" dur="indefinite" restart="never" nodeType="tmRoot"/>
-      </p:par>
-    </p:tnLst>
-  </p:timing>
 </p:sld>
 </file>
 
@@ -7451,10 +7385,9 @@
           <a:lstStyle/>
           <a:p>
             <a:r>
-              <a:rPr lang="ru-RU" dirty="0" smtClean="0"/>
+              <a:rPr lang="ru-RU" dirty="0"/>
               <a:t>Вспоминаем гибридную конструкцию</a:t>
             </a:r>
-            <a:endParaRPr lang="ru-RU" dirty="0"/>
           </a:p>
         </p:txBody>
       </p:sp>
@@ -7476,7 +7409,7 @@
               <a:lstStyle/>
               <a:p>
                 <a:r>
-                  <a:rPr lang="ru-RU" dirty="0" smtClean="0"/>
+                  <a:rPr lang="ru-RU" dirty="0"/>
                   <a:t>Пусть </a:t>
                 </a:r>
                 <a14:m>
@@ -7523,7 +7456,7 @@
                   </m:oMath>
                 </a14:m>
                 <a:r>
-                  <a:rPr lang="ru-RU" dirty="0" smtClean="0"/>
+                  <a:rPr lang="ru-RU" dirty="0"/>
                   <a:t> – семантически стойкий шифр на </a:t>
                 </a:r>
                 <a14:m>
@@ -7573,15 +7506,15 @@
                   </m:oMath>
                 </a14:m>
                 <a:r>
-                  <a:rPr lang="ru-RU" dirty="0" smtClean="0"/>
+                  <a:rPr lang="ru-RU" dirty="0"/>
                   <a:t>. Попробуем построить </a:t>
                 </a:r>
                 <a:r>
-                  <a:rPr lang="en-US" dirty="0" smtClean="0"/>
+                  <a:rPr lang="en-US" dirty="0"/>
                   <a:t>CPA </a:t>
                 </a:r>
                 <a:r>
-                  <a:rPr lang="ru-RU" dirty="0" smtClean="0"/>
+                  <a:rPr lang="ru-RU" dirty="0"/>
                   <a:t>стойкий шифр </a:t>
                 </a:r>
                 <a14:m>
@@ -7604,11 +7537,11 @@
                   </m:oMath>
                 </a14:m>
                 <a:r>
-                  <a:rPr lang="en-US" dirty="0" smtClean="0"/>
+                  <a:rPr lang="en-US" dirty="0"/>
                   <a:t> </a:t>
                 </a:r>
                 <a:r>
-                  <a:rPr lang="ru-RU" dirty="0" smtClean="0"/>
+                  <a:rPr lang="ru-RU" dirty="0"/>
                   <a:t>на </a:t>
                 </a:r>
                 <a14:m>
@@ -7689,15 +7622,15 @@
                   </m:oMath>
                 </a14:m>
                 <a:r>
-                  <a:rPr lang="en-US" dirty="0" smtClean="0"/>
+                  <a:rPr lang="en-US" dirty="0"/>
                   <a:t> </a:t>
                 </a:r>
                 <a:r>
-                  <a:rPr lang="ru-RU" dirty="0" smtClean="0"/>
+                  <a:rPr lang="ru-RU" dirty="0"/>
                   <a:t>используя </a:t>
                 </a:r>
                 <a:r>
-                  <a:rPr lang="en-US" dirty="0" smtClean="0"/>
+                  <a:rPr lang="en-US" dirty="0"/>
                   <a:t>PRF </a:t>
                 </a:r>
                 <a14:m>
@@ -7711,11 +7644,11 @@
                   </m:oMath>
                 </a14:m>
                 <a:r>
-                  <a:rPr lang="en-US" dirty="0" smtClean="0"/>
+                  <a:rPr lang="en-US" dirty="0"/>
                   <a:t> </a:t>
                 </a:r>
                 <a:r>
-                  <a:rPr lang="ru-RU" dirty="0" smtClean="0"/>
+                  <a:rPr lang="ru-RU" dirty="0"/>
                   <a:t>на </a:t>
                 </a:r>
                 <a14:m>
@@ -7784,13 +7717,13 @@
                   </m:oMath>
                 </a14:m>
                 <a:r>
-                  <a:rPr lang="ru-RU" dirty="0" smtClean="0"/>
+                  <a:rPr lang="ru-RU" dirty="0"/>
                   <a:t>.</a:t>
                 </a:r>
               </a:p>
               <a:p>
                 <a:r>
-                  <a:rPr lang="ru-RU" dirty="0" smtClean="0"/>
+                  <a:rPr lang="ru-RU" dirty="0"/>
                   <a:t>Ключом </a:t>
                 </a:r>
                 <a14:m>
@@ -7810,7 +7743,7 @@
                   </m:oMath>
                 </a14:m>
                 <a:r>
-                  <a:rPr lang="ru-RU" dirty="0" smtClean="0"/>
+                  <a:rPr lang="ru-RU" dirty="0"/>
                   <a:t> для </a:t>
                 </a:r>
                 <a14:m>
@@ -7833,11 +7766,11 @@
                   </m:oMath>
                 </a14:m>
                 <a:r>
-                  <a:rPr lang="ru-RU" dirty="0" smtClean="0"/>
+                  <a:rPr lang="ru-RU" dirty="0"/>
                   <a:t> будет ключ для </a:t>
                 </a:r>
                 <a:r>
-                  <a:rPr lang="en-US" dirty="0" smtClean="0"/>
+                  <a:rPr lang="en-US" dirty="0"/>
                   <a:t>PRF </a:t>
                 </a:r>
                 <a14:m>
@@ -7851,7 +7784,7 @@
                   </m:oMath>
                 </a14:m>
                 <a:r>
-                  <a:rPr lang="ru-RU" dirty="0" smtClean="0"/>
+                  <a:rPr lang="ru-RU" dirty="0"/>
                   <a:t>. Для шифрования сообщения </a:t>
                 </a:r>
                 <a14:m>
@@ -7865,11 +7798,11 @@
                   </m:oMath>
                 </a14:m>
                 <a:r>
-                  <a:rPr lang="ru-RU" dirty="0" smtClean="0"/>
+                  <a:rPr lang="ru-RU" dirty="0"/>
                   <a:t> выбирается случайный вход для </a:t>
                 </a:r>
                 <a:r>
-                  <a:rPr lang="en-US" dirty="0" smtClean="0"/>
+                  <a:rPr lang="en-US" dirty="0"/>
                   <a:t>PRF - </a:t>
                 </a:r>
                 <a14:m>
@@ -7886,7 +7819,7 @@
                   </m:oMath>
                 </a14:m>
                 <a:r>
-                  <a:rPr lang="ru-RU" dirty="0" smtClean="0"/>
+                  <a:rPr lang="ru-RU" dirty="0"/>
                   <a:t>. Далее вычисляется ключ для </a:t>
                 </a:r>
                 <a14:m>
@@ -7903,7 +7836,7 @@
                   </m:oMath>
                 </a14:m>
                 <a:r>
-                  <a:rPr lang="ru-RU" dirty="0" smtClean="0"/>
+                  <a:rPr lang="ru-RU" dirty="0"/>
                   <a:t> </a:t>
                 </a:r>
                 <a14:m>
@@ -7978,7 +7911,7 @@
                   </m:oMath>
                 </a14:m>
                 <a:r>
-                  <a:rPr lang="ru-RU" b="0" dirty="0" smtClean="0"/>
+                  <a:rPr lang="ru-RU" b="0" dirty="0"/>
                   <a:t>. Затем </a:t>
                 </a:r>
                 <a14:m>
@@ -7992,7 +7925,7 @@
                   </m:oMath>
                 </a14:m>
                 <a:r>
-                  <a:rPr lang="ru-RU" b="0" dirty="0" smtClean="0"/>
+                  <a:rPr lang="ru-RU" b="0" dirty="0"/>
                   <a:t> шифруется с использование ключа </a:t>
                 </a:r>
                 <a14:m>
@@ -8060,15 +7993,15 @@
                   </m:oMath>
                 </a14:m>
                 <a:r>
-                  <a:rPr lang="ru-RU" b="0" dirty="0" smtClean="0"/>
+                  <a:rPr lang="ru-RU" b="0" dirty="0"/>
                   <a:t>. </a:t>
                 </a:r>
                 <a:r>
-                  <a:rPr lang="ru-RU" b="0" dirty="0" err="1" smtClean="0"/>
+                  <a:rPr lang="ru-RU" b="0" dirty="0" err="1"/>
                   <a:t>Шифртекстом</a:t>
                 </a:r>
                 <a:r>
-                  <a:rPr lang="ru-RU" dirty="0" smtClean="0"/>
+                  <a:rPr lang="ru-RU" dirty="0"/>
                   <a:t> является пара </a:t>
                 </a:r>
                 <a14:m>
@@ -8140,7 +8073,7 @@
                   </m:oMath>
                 </a14:m>
                 <a:r>
-                  <a:rPr lang="ru-RU" b="0" dirty="0" smtClean="0"/>
+                  <a:rPr lang="ru-RU" b="0" dirty="0"/>
                   <a:t>.</a:t>
                 </a:r>
               </a:p>
@@ -8464,7 +8397,7 @@
                     </m:r>
                   </m:oMath>
                 </a14:m>
-                <a:endParaRPr lang="en-US" b="0" dirty="0" smtClean="0"/>
+                <a:endParaRPr lang="en-US" b="0" dirty="0"/>
               </a:p>
               <a:p>
                 <a14:m>
@@ -8705,25 +8638,25 @@
                     </m:r>
                   </m:oMath>
                 </a14:m>
-                <a:endParaRPr lang="ru-RU" dirty="0" smtClean="0"/>
+                <a:endParaRPr lang="ru-RU" dirty="0"/>
               </a:p>
               <a:p>
                 <a:r>
-                  <a:rPr lang="ru-RU" dirty="0" smtClean="0"/>
+                  <a:rPr lang="ru-RU" dirty="0"/>
                   <a:t>Называется – </a:t>
                 </a:r>
                 <a:r>
-                  <a:rPr lang="ru-RU" b="1" dirty="0" smtClean="0"/>
+                  <a:rPr lang="ru-RU" b="1" dirty="0"/>
                   <a:t>гибридная конструкция</a:t>
                 </a:r>
                 <a:r>
-                  <a:rPr lang="ru-RU" dirty="0" smtClean="0"/>
+                  <a:rPr lang="ru-RU" dirty="0"/>
                   <a:t>.</a:t>
                 </a:r>
                 <a:endParaRPr lang="en-US" dirty="0"/>
               </a:p>
               <a:p>
-                <a:endParaRPr lang="en-US" b="0" dirty="0" smtClean="0"/>
+                <a:endParaRPr lang="en-US" b="0" dirty="0"/>
               </a:p>
             </p:txBody>
           </p:sp>
@@ -8795,13 +8728,6 @@
   <p:clrMapOvr>
     <a:masterClrMapping/>
   </p:clrMapOvr>
-  <p:timing>
-    <p:tnLst>
-      <p:par>
-        <p:cTn id="1" dur="indefinite" restart="never" nodeType="tmRoot"/>
-      </p:par>
-    </p:tnLst>
-  </p:timing>
 </p:sld>
 </file>
 
@@ -8838,18 +8764,17 @@
           <a:lstStyle/>
           <a:p>
             <a:r>
-              <a:rPr lang="ru-RU" dirty="0" smtClean="0"/>
+              <a:rPr lang="ru-RU" dirty="0"/>
               <a:t>Игра на </a:t>
             </a:r>
             <a:r>
-              <a:rPr lang="en-US" dirty="0" smtClean="0"/>
+              <a:rPr lang="en-US" dirty="0"/>
               <a:t>CPA </a:t>
             </a:r>
             <a:r>
-              <a:rPr lang="ru-RU" dirty="0" smtClean="0"/>
+              <a:rPr lang="ru-RU" dirty="0"/>
               <a:t>стойкость гибридной конструкции</a:t>
             </a:r>
-            <a:endParaRPr lang="ru-RU" dirty="0"/>
           </a:p>
         </p:txBody>
       </p:sp>
@@ -9725,7 +9650,7 @@
                     </m:oMath>
                   </a14:m>
                   <a:r>
-                    <a:rPr lang="en-US" sz="2000" dirty="0" smtClean="0"/>
+                    <a:rPr lang="en-US" sz="2000" dirty="0"/>
                     <a:t>), </a:t>
                   </a:r>
                   <a14:m>
@@ -10019,7 +9944,7 @@
               <a:lstStyle/>
               <a:p>
                 <a:r>
-                  <a:rPr lang="en-US" sz="1600" i="1" dirty="0" smtClean="0"/>
+                  <a:rPr lang="en-US" sz="1600" i="1" dirty="0"/>
                   <a:t>k’</a:t>
                 </a:r>
                 <a14:m>
@@ -10054,7 +9979,7 @@
                     </m:r>
                   </m:oMath>
                 </a14:m>
-                <a:endParaRPr lang="en-US" sz="1600" b="0" i="1" dirty="0" smtClean="0"/>
+                <a:endParaRPr lang="en-US" sz="1600" b="0" i="1" dirty="0"/>
               </a:p>
               <a:p>
                 <a14:m>
@@ -10118,7 +10043,7 @@
                   </m:oMath>
                 </a14:m>
                 <a:r>
-                  <a:rPr lang="en-US" sz="1600" b="0" i="1" dirty="0" smtClean="0"/>
+                  <a:rPr lang="en-US" sz="1600" b="0" i="1" dirty="0"/>
                   <a:t>X,</a:t>
                 </a:r>
               </a:p>
@@ -10254,7 +10179,7 @@
                     </m:oMath>
                   </m:oMathPara>
                 </a14:m>
-                <a:endParaRPr lang="ru-RU" sz="1600" b="0" i="1" dirty="0" smtClean="0"/>
+                <a:endParaRPr lang="ru-RU" sz="1600" b="0" i="1" dirty="0"/>
               </a:p>
             </p:txBody>
           </p:sp>
@@ -10492,13 +10417,6 @@
   <p:clrMapOvr>
     <a:masterClrMapping/>
   </p:clrMapOvr>
-  <p:timing>
-    <p:tnLst>
-      <p:par>
-        <p:cTn id="1" dur="indefinite" restart="never" nodeType="tmRoot"/>
-      </p:par>
-    </p:tnLst>
-  </p:timing>
 </p:sld>
 </file>
 
@@ -10573,10 +10491,9 @@
           <a:lstStyle/>
           <a:p>
             <a:r>
-              <a:rPr lang="ru-RU" dirty="0" smtClean="0"/>
+              <a:rPr lang="ru-RU" dirty="0"/>
               <a:t>Стойкость гибридной конструкции</a:t>
             </a:r>
-            <a:endParaRPr lang="ru-RU" dirty="0"/>
           </a:p>
         </p:txBody>
       </p:sp>
@@ -10601,11 +10518,11 @@
                   <a:buNone/>
                 </a:pPr>
                 <a:r>
-                  <a:rPr lang="ru-RU" b="1" dirty="0" smtClean="0"/>
+                  <a:rPr lang="ru-RU" b="1" dirty="0"/>
                   <a:t>Теорема 7.1. </a:t>
                 </a:r>
                 <a:r>
-                  <a:rPr lang="ru-RU" dirty="0" smtClean="0"/>
+                  <a:rPr lang="ru-RU" dirty="0"/>
                   <a:t>Если </a:t>
                 </a:r>
                 <a14:m>
@@ -10619,19 +10536,19 @@
                   </m:oMath>
                 </a14:m>
                 <a:r>
-                  <a:rPr lang="en-US" dirty="0" smtClean="0"/>
+                  <a:rPr lang="en-US" dirty="0"/>
                   <a:t> </a:t>
                 </a:r>
                 <a:r>
-                  <a:rPr lang="ru-RU" dirty="0" smtClean="0"/>
+                  <a:rPr lang="ru-RU" dirty="0"/>
                   <a:t>– стойкая </a:t>
                 </a:r>
                 <a:r>
-                  <a:rPr lang="en-US" dirty="0" smtClean="0"/>
+                  <a:rPr lang="en-US" dirty="0"/>
                   <a:t>PRF</a:t>
                 </a:r>
                 <a:r>
-                  <a:rPr lang="ru-RU" dirty="0" smtClean="0"/>
+                  <a:rPr lang="ru-RU" dirty="0"/>
                   <a:t>, </a:t>
                 </a:r>
                 <a14:m>
@@ -10648,7 +10565,7 @@
                   </m:oMath>
                 </a14:m>
                 <a:r>
-                  <a:rPr lang="ru-RU" dirty="0" smtClean="0"/>
+                  <a:rPr lang="ru-RU" dirty="0"/>
                   <a:t> – семантически стойкий шифр, </a:t>
                 </a:r>
                 <a14:m>
@@ -10680,15 +10597,15 @@
                   </m:oMath>
                 </a14:m>
                 <a:r>
-                  <a:rPr lang="en-US" dirty="0" smtClean="0"/>
+                  <a:rPr lang="en-US" dirty="0"/>
                   <a:t> - </a:t>
                 </a:r>
                 <a:r>
-                  <a:rPr lang="ru-RU" dirty="0" err="1" smtClean="0"/>
+                  <a:rPr lang="ru-RU" dirty="0" err="1"/>
                   <a:t>сверхполиномиальная</a:t>
                 </a:r>
                 <a:r>
-                  <a:rPr lang="ru-RU" dirty="0" smtClean="0"/>
+                  <a:rPr lang="ru-RU" dirty="0"/>
                   <a:t>, то введённый ранее шифр </a:t>
                 </a:r>
                 <a14:m>
@@ -10711,19 +10628,19 @@
                   </m:oMath>
                 </a14:m>
                 <a:r>
-                  <a:rPr lang="en-US" dirty="0" smtClean="0"/>
+                  <a:rPr lang="en-US" dirty="0"/>
                   <a:t> - CPA </a:t>
                 </a:r>
                 <a:r>
-                  <a:rPr lang="ru-RU" dirty="0" smtClean="0"/>
+                  <a:rPr lang="ru-RU" dirty="0"/>
                   <a:t>стойкий шифр. В частности для любого противника в </a:t>
                 </a:r>
                 <a:r>
-                  <a:rPr lang="en-US" dirty="0" smtClean="0"/>
+                  <a:rPr lang="en-US" dirty="0"/>
                   <a:t>CPA </a:t>
                 </a:r>
                 <a:r>
-                  <a:rPr lang="ru-RU" dirty="0" smtClean="0"/>
+                  <a:rPr lang="ru-RU" dirty="0"/>
                   <a:t>игре, делающим не более </a:t>
                 </a:r>
                 <a14:m>
@@ -10737,7 +10654,7 @@
                   </m:oMath>
                 </a14:m>
                 <a:r>
-                  <a:rPr lang="ru-RU" dirty="0" smtClean="0"/>
+                  <a:rPr lang="ru-RU" dirty="0"/>
                   <a:t> запросов к претенденту существует противник </a:t>
                 </a:r>
                 <a14:m>
@@ -10770,15 +10687,15 @@
                   </m:oMath>
                 </a14:m>
                 <a:r>
-                  <a:rPr lang="ru-RU" dirty="0" smtClean="0"/>
+                  <a:rPr lang="ru-RU" dirty="0"/>
                   <a:t> в игре на стойкость </a:t>
                 </a:r>
                 <a:r>
-                  <a:rPr lang="en-US" dirty="0" smtClean="0"/>
+                  <a:rPr lang="en-US" dirty="0"/>
                   <a:t>PRF </a:t>
                 </a:r>
                 <a:r>
-                  <a:rPr lang="ru-RU" dirty="0" smtClean="0"/>
+                  <a:rPr lang="ru-RU" dirty="0"/>
                   <a:t>и противник </a:t>
                 </a:r>
                 <a14:m>
@@ -10811,7 +10728,7 @@
                   </m:oMath>
                 </a14:m>
                 <a:r>
-                  <a:rPr lang="ru-RU" dirty="0" smtClean="0"/>
+                  <a:rPr lang="ru-RU" dirty="0"/>
                   <a:t> в игре на семантическую стойкость, причём </a:t>
                 </a:r>
               </a:p>
@@ -11222,13 +11139,6 @@
   <p:clrMapOvr>
     <a:masterClrMapping/>
   </p:clrMapOvr>
-  <p:timing>
-    <p:tnLst>
-      <p:par>
-        <p:cTn id="1" dur="indefinite" restart="never" nodeType="tmRoot"/>
-      </p:par>
-    </p:tnLst>
-  </p:timing>
 </p:sld>
 </file>
 
@@ -11270,11 +11180,11 @@
           <a:lstStyle/>
           <a:p>
             <a:r>
-              <a:rPr lang="ru-RU" dirty="0" smtClean="0"/>
+              <a:rPr lang="ru-RU" dirty="0"/>
               <a:t>Гибридная конструкция на основе </a:t>
             </a:r>
             <a:r>
-              <a:rPr lang="en-US" dirty="0" smtClean="0"/>
+              <a:rPr lang="en-US" dirty="0"/>
               <a:t>nonce</a:t>
             </a:r>
             <a:endParaRPr lang="ru-RU" dirty="0"/>
@@ -11302,7 +11212,7 @@
                   <a:buNone/>
                 </a:pPr>
                 <a:r>
-                  <a:rPr lang="ru-RU" dirty="0" smtClean="0"/>
+                  <a:rPr lang="ru-RU" dirty="0"/>
                   <a:t>Модифицируем гибридную конструкцию, заменив случайный элемент </a:t>
                 </a:r>
                 <a14:m>
@@ -11328,11 +11238,11 @@
                   </m:oMath>
                 </a14:m>
                 <a:r>
-                  <a:rPr lang="ru-RU" dirty="0" smtClean="0"/>
+                  <a:rPr lang="ru-RU" dirty="0"/>
                   <a:t> на </a:t>
                 </a:r>
                 <a:r>
-                  <a:rPr lang="en-US" dirty="0" smtClean="0">
+                  <a:rPr lang="en-US" dirty="0">
                     <a:solidFill>
                       <a:srgbClr val="00B050"/>
                     </a:solidFill>
@@ -11340,10 +11250,10 @@
                   <a:t>nonce</a:t>
                 </a:r>
                 <a:r>
-                  <a:rPr lang="ru-RU" dirty="0" smtClean="0"/>
+                  <a:rPr lang="ru-RU" dirty="0"/>
                   <a:t>.</a:t>
                 </a:r>
-                <a:endParaRPr lang="en-US" dirty="0" smtClean="0"/>
+                <a:endParaRPr lang="en-US" dirty="0"/>
               </a:p>
               <a:p>
                 <a:pPr marL="0" indent="0">
@@ -11450,14 +11360,14 @@
                   <a:rPr lang="ru-RU" dirty="0"/>
                   <a:t>.</a:t>
                 </a:r>
-                <a:endParaRPr lang="en-US" dirty="0" smtClean="0"/>
+                <a:endParaRPr lang="en-US" dirty="0"/>
               </a:p>
               <a:p>
                 <a:pPr marL="0" indent="0">
                   <a:buNone/>
                 </a:pPr>
                 <a:r>
-                  <a:rPr lang="ru-RU" dirty="0" smtClean="0"/>
+                  <a:rPr lang="ru-RU" dirty="0"/>
                   <a:t>Для ключа </a:t>
                 </a:r>
                 <a14:m>
@@ -11574,11 +11484,11 @@
                   </m:oMath>
                 </a14:m>
                 <a:r>
-                  <a:rPr lang="en-US" dirty="0" smtClean="0"/>
+                  <a:rPr lang="en-US" dirty="0"/>
                   <a:t> </a:t>
                 </a:r>
                 <a:r>
-                  <a:rPr lang="ru-RU" dirty="0" smtClean="0"/>
+                  <a:rPr lang="ru-RU" dirty="0"/>
                   <a:t>определим </a:t>
                 </a:r>
                 <a14:m>
@@ -12359,13 +12269,6 @@
   <p:clrMapOvr>
     <a:masterClrMapping/>
   </p:clrMapOvr>
-  <p:timing>
-    <p:tnLst>
-      <p:par>
-        <p:cTn id="1" dur="indefinite" restart="never" nodeType="tmRoot"/>
-      </p:par>
-    </p:tnLst>
-  </p:timing>
 </p:sld>
 </file>
 
@@ -12467,20 +12370,16 @@
                   <a:buNone/>
                 </a:pPr>
                 <a:r>
-                  <a:rPr lang="ru-RU" b="1" dirty="0" smtClean="0"/>
+                  <a:rPr lang="ru-RU" b="1" dirty="0"/>
                   <a:t>Теорема </a:t>
                 </a:r>
                 <a:r>
-                  <a:rPr lang="en-US" b="1" dirty="0" smtClean="0"/>
+                  <a:rPr lang="en-US" b="1" dirty="0"/>
                   <a:t>8</a:t>
                 </a:r>
                 <a:r>
-                  <a:rPr lang="ru-RU" b="1" dirty="0" smtClean="0"/>
-                  <a:t>.1</a:t>
-                </a:r>
-                <a:r>
                   <a:rPr lang="ru-RU" b="1" dirty="0"/>
-                  <a:t>. </a:t>
+                  <a:t>.1. </a:t>
                 </a:r>
                 <a:r>
                   <a:rPr lang="ru-RU" dirty="0"/>
@@ -12562,7 +12461,7 @@
                   <a:t> - </a:t>
                 </a:r>
                 <a:r>
-                  <a:rPr lang="ru-RU" dirty="0" err="1" smtClean="0"/>
+                  <a:rPr lang="ru-RU" dirty="0" err="1"/>
                   <a:t>сверхполиномиальная</a:t>
                 </a:r>
                 <a:r>
@@ -12593,11 +12492,11 @@
                   <a:t> - </a:t>
                 </a:r>
                 <a:r>
-                  <a:rPr lang="en-US" smtClean="0"/>
+                  <a:rPr lang="en-US"/>
                   <a:t>nCPA</a:t>
                 </a:r>
                 <a:r>
-                  <a:rPr lang="en-US" dirty="0" smtClean="0"/>
+                  <a:rPr lang="en-US" dirty="0"/>
                   <a:t> </a:t>
                 </a:r>
                 <a:r>
@@ -12605,11 +12504,11 @@
                   <a:t>стойкий шифр. В частности для любого противника в </a:t>
                 </a:r>
                 <a:r>
-                  <a:rPr lang="en-US" dirty="0" err="1" smtClean="0"/>
+                  <a:rPr lang="en-US" dirty="0" err="1"/>
                   <a:t>nCPA</a:t>
                 </a:r>
                 <a:r>
-                  <a:rPr lang="en-US" dirty="0" smtClean="0"/>
+                  <a:rPr lang="en-US" dirty="0"/>
                   <a:t> </a:t>
                 </a:r>
                 <a:r>
@@ -12999,7 +12898,7 @@
                 <a:endParaRPr lang="ru-RU" dirty="0"/>
               </a:p>
               <a:p>
-                <a:endParaRPr lang="en-US" dirty="0" smtClean="0"/>
+                <a:endParaRPr lang="en-US" dirty="0"/>
               </a:p>
               <a:p>
                 <a:pPr marL="0" indent="0">
@@ -13017,15 +12916,15 @@
                   </m:oMath>
                 </a14:m>
                 <a:r>
-                  <a:rPr lang="ru-RU" dirty="0" smtClean="0"/>
+                  <a:rPr lang="ru-RU" dirty="0"/>
                   <a:t>Аналогично </a:t>
                 </a:r>
                 <a:r>
-                  <a:rPr lang="ru-RU" b="1" dirty="0" smtClean="0"/>
+                  <a:rPr lang="ru-RU" b="1" dirty="0"/>
                   <a:t>Теореме 7.1</a:t>
                 </a:r>
                 <a:r>
-                  <a:rPr lang="ru-RU" dirty="0" smtClean="0"/>
+                  <a:rPr lang="ru-RU" dirty="0"/>
                   <a:t>, без необходимости добавления слагаемого </a:t>
                 </a:r>
                 <a14:m>
@@ -13070,11 +12969,11 @@
                   </m:oMath>
                 </a14:m>
                 <a:r>
-                  <a:rPr lang="ru-RU" dirty="0" smtClean="0"/>
+                  <a:rPr lang="ru-RU" dirty="0"/>
                   <a:t>, т.к. коллизии не возможно из за требования уникальности </a:t>
                 </a:r>
                 <a:r>
-                  <a:rPr lang="en-US" dirty="0" smtClean="0"/>
+                  <a:rPr lang="en-US" dirty="0"/>
                   <a:t>nonce</a:t>
                 </a:r>
                 <a14:m>
@@ -13166,13 +13065,6 @@
   <p:clrMapOvr>
     <a:masterClrMapping/>
   </p:clrMapOvr>
-  <p:timing>
-    <p:tnLst>
-      <p:par>
-        <p:cTn id="1" dur="indefinite" restart="never" nodeType="tmRoot"/>
-      </p:par>
-    </p:tnLst>
-  </p:timing>
 </p:sld>
 </file>
 
@@ -13209,34 +13101,25 @@
           <a:lstStyle/>
           <a:p>
             <a:r>
-              <a:rPr lang="ru-RU" dirty="0" smtClean="0"/>
+              <a:rPr lang="ru-RU" dirty="0"/>
               <a:t>Вспоминаем </a:t>
             </a:r>
             <a:r>
-              <a:rPr lang="ru-RU" dirty="0" err="1" smtClean="0"/>
+              <a:rPr lang="ru-RU" dirty="0" err="1"/>
               <a:t>рандомизированный</a:t>
             </a:r>
             <a:r>
-              <a:rPr lang="ru-RU" dirty="0" smtClean="0"/>
+              <a:rPr lang="ru-RU" dirty="0"/>
               <a:t> </a:t>
             </a:r>
             <a:r>
-              <a:rPr lang="en-US" dirty="0" smtClean="0"/>
-              <a:t>CT</a:t>
+              <a:rPr lang="en-US" dirty="0"/>
+              <a:t>CTR </a:t>
             </a:r>
             <a:r>
-              <a:rPr lang="en-US" dirty="0"/>
-              <a:t>R</a:t>
-            </a:r>
-            <a:r>
-              <a:rPr lang="en-US" dirty="0" smtClean="0"/>
-              <a:t> </a:t>
-            </a:r>
-            <a:r>
-              <a:rPr lang="ru-RU" dirty="0" smtClean="0"/>
+              <a:rPr lang="ru-RU" dirty="0"/>
               <a:t>режим</a:t>
             </a:r>
-            <a:endParaRPr lang="ru-RU" dirty="0"/>
           </a:p>
         </p:txBody>
       </p:sp>
@@ -13261,15 +13144,15 @@
                   <a:buNone/>
                 </a:pPr>
                 <a:r>
-                  <a:rPr lang="ru-RU" dirty="0" smtClean="0"/>
+                  <a:rPr lang="ru-RU" dirty="0"/>
                   <a:t>Рассмотрим ещё один способ построения – на основе </a:t>
                 </a:r>
                 <a:r>
-                  <a:rPr lang="en-US" dirty="0" smtClean="0"/>
+                  <a:rPr lang="en-US" dirty="0"/>
                   <a:t>CTR </a:t>
                 </a:r>
                 <a:r>
-                  <a:rPr lang="ru-RU" dirty="0" smtClean="0"/>
+                  <a:rPr lang="ru-RU" dirty="0"/>
                   <a:t>режима.</a:t>
                 </a:r>
               </a:p>
@@ -13278,7 +13161,7 @@
                   <a:buNone/>
                 </a:pPr>
                 <a:r>
-                  <a:rPr lang="ru-RU" dirty="0" smtClean="0"/>
+                  <a:rPr lang="ru-RU" dirty="0"/>
                   <a:t>Пусть </a:t>
                 </a:r>
                 <a14:m>
@@ -13292,11 +13175,11 @@
                   </m:oMath>
                 </a14:m>
                 <a:r>
-                  <a:rPr lang="en-US" dirty="0" smtClean="0"/>
+                  <a:rPr lang="en-US" dirty="0"/>
                   <a:t> PRF </a:t>
                 </a:r>
                 <a:r>
-                  <a:rPr lang="ru-RU" dirty="0" smtClean="0"/>
+                  <a:rPr lang="ru-RU" dirty="0"/>
                   <a:t>на </a:t>
                 </a:r>
                 <a14:m>
@@ -13346,7 +13229,7 @@
                   </m:oMath>
                 </a14:m>
                 <a:r>
-                  <a:rPr lang="ru-RU" dirty="0" smtClean="0"/>
+                  <a:rPr lang="ru-RU" dirty="0"/>
                   <a:t>. Пусть </a:t>
                 </a:r>
                 <a14:m>
@@ -13378,7 +13261,7 @@
                   </m:oMath>
                 </a14:m>
                 <a:r>
-                  <a:rPr lang="en-US" dirty="0" smtClean="0"/>
+                  <a:rPr lang="en-US" dirty="0"/>
                   <a:t>, </a:t>
                 </a:r>
                 <a14:m>
@@ -13436,19 +13319,19 @@
                   </m:oMath>
                 </a14:m>
                 <a:r>
-                  <a:rPr lang="ru-RU" dirty="0" smtClean="0"/>
+                  <a:rPr lang="ru-RU" dirty="0"/>
                   <a:t>. Для </a:t>
                 </a:r>
                 <a:r>
-                  <a:rPr lang="ru-RU" dirty="0" err="1" smtClean="0"/>
+                  <a:rPr lang="ru-RU" dirty="0" err="1"/>
                   <a:t>полиномиально</a:t>
                 </a:r>
                 <a:r>
-                  <a:rPr lang="ru-RU" dirty="0" smtClean="0"/>
+                  <a:rPr lang="ru-RU" dirty="0"/>
                   <a:t> ограниченной величины</a:t>
                 </a:r>
                 <a:r>
-                  <a:rPr lang="en-US" dirty="0" smtClean="0"/>
+                  <a:rPr lang="en-US" dirty="0"/>
                   <a:t> </a:t>
                 </a:r>
                 <a14:m>
@@ -13468,11 +13351,11 @@
                   </m:oMath>
                 </a14:m>
                 <a:r>
-                  <a:rPr lang="en-US" dirty="0" smtClean="0"/>
+                  <a:rPr lang="en-US" dirty="0"/>
                   <a:t> </a:t>
                 </a:r>
                 <a:r>
-                  <a:rPr lang="ru-RU" dirty="0" smtClean="0"/>
+                  <a:rPr lang="ru-RU" dirty="0"/>
                   <a:t>определим шифр </a:t>
                 </a:r>
                 <a14:m>
@@ -13519,11 +13402,11 @@
                   </m:oMath>
                 </a14:m>
                 <a:r>
-                  <a:rPr lang="en-US" dirty="0" smtClean="0"/>
+                  <a:rPr lang="en-US" dirty="0"/>
                   <a:t> </a:t>
                 </a:r>
                 <a:r>
-                  <a:rPr lang="ru-RU" dirty="0" smtClean="0"/>
+                  <a:rPr lang="ru-RU" dirty="0"/>
                   <a:t>на </a:t>
                 </a:r>
                 <a14:m>
@@ -13635,11 +13518,11 @@
                   </m:oMath>
                 </a14:m>
                 <a:r>
-                  <a:rPr lang="ru-RU" dirty="0" smtClean="0"/>
+                  <a:rPr lang="ru-RU" dirty="0"/>
                   <a:t> следующим образом</a:t>
                 </a:r>
                 <a:r>
-                  <a:rPr lang="en-US" dirty="0" smtClean="0"/>
+                  <a:rPr lang="en-US" dirty="0"/>
                   <a:t>:</a:t>
                 </a:r>
               </a:p>
@@ -13648,7 +13531,7 @@
                   <a:buNone/>
                 </a:pPr>
                 <a:r>
-                  <a:rPr lang="ru-RU" dirty="0" smtClean="0"/>
+                  <a:rPr lang="ru-RU" dirty="0"/>
                   <a:t>Для </a:t>
                 </a:r>
                 <a14:m>
@@ -13911,7 +13794,7 @@
                     </m:sSup>
                   </m:oMath>
                 </a14:m>
-                <a:endParaRPr lang="en-US" dirty="0" smtClean="0"/>
+                <a:endParaRPr lang="en-US" dirty="0"/>
               </a:p>
               <a:p>
                 <a:pPr marL="0" indent="0">
@@ -14037,13 +13920,6 @@
   <p:clrMapOvr>
     <a:masterClrMapping/>
   </p:clrMapOvr>
-  <p:timing>
-    <p:tnLst>
-      <p:par>
-        <p:cTn id="1" dur="indefinite" restart="never" nodeType="tmRoot"/>
-      </p:par>
-    </p:tnLst>
-  </p:timing>
 </p:sld>
 </file>
 
@@ -14080,34 +13956,33 @@
           <a:lstStyle/>
           <a:p>
             <a:r>
-              <a:rPr lang="ru-RU" dirty="0" smtClean="0"/>
+              <a:rPr lang="ru-RU" dirty="0"/>
               <a:t>Игра на </a:t>
             </a:r>
             <a:r>
-              <a:rPr lang="en-US" dirty="0" smtClean="0"/>
+              <a:rPr lang="en-US" dirty="0"/>
               <a:t>CPA </a:t>
             </a:r>
             <a:r>
-              <a:rPr lang="ru-RU" dirty="0" smtClean="0"/>
+              <a:rPr lang="ru-RU" dirty="0"/>
               <a:t>стойкость </a:t>
             </a:r>
             <a:r>
-              <a:rPr lang="ru-RU" dirty="0" err="1" smtClean="0"/>
+              <a:rPr lang="ru-RU" dirty="0" err="1"/>
               <a:t>рандомизированного</a:t>
             </a:r>
             <a:r>
-              <a:rPr lang="ru-RU" dirty="0" smtClean="0"/>
+              <a:rPr lang="ru-RU" dirty="0"/>
               <a:t> </a:t>
             </a:r>
             <a:r>
-              <a:rPr lang="en-US" dirty="0" smtClean="0"/>
+              <a:rPr lang="en-US" dirty="0"/>
               <a:t>CTR </a:t>
             </a:r>
             <a:r>
-              <a:rPr lang="ru-RU" dirty="0" smtClean="0"/>
+              <a:rPr lang="ru-RU" dirty="0"/>
               <a:t>режима</a:t>
             </a:r>
-            <a:endParaRPr lang="ru-RU" dirty="0"/>
           </a:p>
         </p:txBody>
       </p:sp>
@@ -14990,10 +14865,9 @@
                     </m:oMath>
                   </a14:m>
                   <a:r>
-                    <a:rPr lang="en-US" sz="2000" dirty="0" smtClean="0"/>
+                    <a:rPr lang="en-US" sz="2000" dirty="0"/>
                     <a:t> A</a:t>
                   </a:r>
-                  <a:endParaRPr lang="en-US" sz="2000" dirty="0"/>
                 </a:p>
               </p:txBody>
             </p:sp>
@@ -15247,7 +15121,7 @@
               <a:lstStyle/>
               <a:p>
                 <a:r>
-                  <a:rPr lang="en-US" sz="1600" i="1" dirty="0" smtClean="0"/>
+                  <a:rPr lang="en-US" sz="1600" i="1" dirty="0"/>
                   <a:t>k</a:t>
                 </a:r>
                 <a14:m>
@@ -15282,7 +15156,7 @@
                     </m:r>
                   </m:oMath>
                 </a14:m>
-                <a:endParaRPr lang="en-US" sz="1600" b="0" i="1" dirty="0" smtClean="0"/>
+                <a:endParaRPr lang="en-US" sz="1600" b="0" i="1" dirty="0"/>
               </a:p>
               <a:p>
                 <a14:m>
@@ -15346,7 +15220,7 @@
                   </m:oMath>
                 </a14:m>
                 <a:r>
-                  <a:rPr lang="en-US" sz="1600" b="0" i="1" dirty="0" smtClean="0"/>
+                  <a:rPr lang="en-US" sz="1600" b="0" i="1" dirty="0"/>
                   <a:t>X,</a:t>
                 </a:r>
               </a:p>
@@ -15456,7 +15330,7 @@
                     </m:oMath>
                   </m:oMathPara>
                 </a14:m>
-                <a:endParaRPr lang="en-US" sz="1600" b="0" i="1" dirty="0" smtClean="0"/>
+                <a:endParaRPr lang="en-US" sz="1600" b="0" i="1" dirty="0"/>
               </a:p>
               <a:p>
                 <a:pPr/>
@@ -15574,7 +15448,7 @@
                     </m:oMath>
                   </m:oMathPara>
                 </a14:m>
-                <a:endParaRPr lang="en-US" sz="1600" b="0" i="1" dirty="0" smtClean="0"/>
+                <a:endParaRPr lang="en-US" sz="1600" b="0" i="1" dirty="0"/>
               </a:p>
               <a:p>
                 <a:pPr/>
@@ -15695,7 +15569,7 @@
                 <a:endParaRPr lang="en-US" sz="1600" dirty="0"/>
               </a:p>
               <a:p>
-                <a:endParaRPr lang="ru-RU" sz="1600" b="0" i="1" dirty="0" smtClean="0"/>
+                <a:endParaRPr lang="ru-RU" sz="1600" b="0" i="1" dirty="0"/>
               </a:p>
             </p:txBody>
           </p:sp>
@@ -15933,13 +15807,6 @@
   <p:clrMapOvr>
     <a:masterClrMapping/>
   </p:clrMapOvr>
-  <p:timing>
-    <p:tnLst>
-      <p:par>
-        <p:cTn id="1" dur="indefinite" restart="never" nodeType="tmRoot"/>
-      </p:par>
-    </p:tnLst>
-  </p:timing>
 </p:sld>
 </file>
 
@@ -15976,10 +15843,9 @@
           <a:lstStyle/>
           <a:p>
             <a:r>
-              <a:rPr lang="ru-RU" dirty="0" smtClean="0"/>
+              <a:rPr lang="ru-RU" dirty="0"/>
               <a:t>Тест.</a:t>
             </a:r>
-            <a:endParaRPr lang="ru-RU" dirty="0"/>
           </a:p>
         </p:txBody>
       </p:sp>
@@ -16004,41 +15870,40 @@
           <a:lstStyle/>
           <a:p>
             <a:r>
-              <a:rPr lang="ru-RU" dirty="0" smtClean="0"/>
+              <a:rPr lang="ru-RU" dirty="0"/>
               <a:t>Положить телефон экраном вниз справа от себя</a:t>
             </a:r>
           </a:p>
           <a:p>
             <a:r>
-              <a:rPr lang="ru-RU" dirty="0" smtClean="0"/>
+              <a:rPr lang="ru-RU" dirty="0"/>
               <a:t>Не разговаривать с соседями</a:t>
             </a:r>
           </a:p>
           <a:p>
             <a:r>
-              <a:rPr lang="ru-RU" dirty="0" smtClean="0"/>
+              <a:rPr lang="ru-RU" dirty="0"/>
               <a:t>Не пользоваться конспектами и электронными устройствами</a:t>
             </a:r>
           </a:p>
           <a:p>
             <a:r>
-              <a:rPr lang="ru-RU" dirty="0" smtClean="0"/>
+              <a:rPr lang="ru-RU" dirty="0"/>
               <a:t>Написать номер (по таблице) и ФИО на листочке</a:t>
             </a:r>
           </a:p>
           <a:p>
             <a:r>
-              <a:rPr lang="ru-RU" dirty="0" smtClean="0"/>
+              <a:rPr lang="ru-RU" dirty="0"/>
               <a:t>Написать краткий ответ на вопрос</a:t>
             </a:r>
-            <a:endParaRPr lang="en-US" dirty="0" smtClean="0"/>
+            <a:endParaRPr lang="en-US" dirty="0"/>
           </a:p>
           <a:p>
             <a:r>
-              <a:rPr lang="ru-RU" dirty="0" smtClean="0"/>
+              <a:rPr lang="ru-RU" dirty="0"/>
               <a:t>Дождаться окончания теста</a:t>
             </a:r>
-            <a:endParaRPr lang="ru-RU" dirty="0"/>
           </a:p>
         </p:txBody>
       </p:sp>
@@ -16225,24 +16090,23 @@
           <a:lstStyle/>
           <a:p>
             <a:r>
-              <a:rPr lang="en-US" sz="2600" dirty="0" smtClean="0"/>
+              <a:rPr lang="en-US" sz="2600" dirty="0"/>
               <a:t>4 </a:t>
             </a:r>
             <a:r>
-              <a:rPr lang="ru-RU" sz="2600" dirty="0" smtClean="0"/>
+              <a:rPr lang="ru-RU" sz="2600" dirty="0"/>
               <a:t>вопроса. </a:t>
             </a:r>
-            <a:endParaRPr lang="en-US" sz="2600" dirty="0" smtClean="0"/>
+            <a:endParaRPr lang="en-US" sz="2600" dirty="0"/>
           </a:p>
           <a:p>
             <a:endParaRPr lang="en-US" sz="2600" dirty="0"/>
           </a:p>
           <a:p>
             <a:r>
-              <a:rPr lang="ru-RU" sz="2600" dirty="0" smtClean="0"/>
+              <a:rPr lang="ru-RU" sz="2600" dirty="0"/>
               <a:t>Краткие ответы.</a:t>
             </a:r>
-            <a:endParaRPr lang="ru-RU" sz="2600" dirty="0"/>
           </a:p>
         </p:txBody>
       </p:sp>
@@ -16256,13 +16120,6 @@
   <p:clrMapOvr>
     <a:masterClrMapping/>
   </p:clrMapOvr>
-  <p:timing>
-    <p:tnLst>
-      <p:par>
-        <p:cTn id="1" dur="indefinite" restart="never" nodeType="tmRoot"/>
-      </p:par>
-    </p:tnLst>
-  </p:timing>
 </p:sld>
 </file>
 
@@ -16337,31 +16194,30 @@
           <a:lstStyle/>
           <a:p>
             <a:r>
-              <a:rPr lang="ru-RU" dirty="0" smtClean="0"/>
+              <a:rPr lang="ru-RU" dirty="0"/>
               <a:t>Стойкость </a:t>
             </a:r>
             <a:r>
-              <a:rPr lang="ru-RU" dirty="0" err="1" smtClean="0"/>
+              <a:rPr lang="ru-RU" dirty="0" err="1"/>
               <a:t>рандомизированного</a:t>
             </a:r>
             <a:r>
-              <a:rPr lang="ru-RU" dirty="0" smtClean="0"/>
+              <a:rPr lang="ru-RU" dirty="0"/>
               <a:t> </a:t>
             </a:r>
             <a:r>
-              <a:rPr lang="en-US" smtClean="0"/>
+              <a:rPr lang="en-US"/>
               <a:t>CTR </a:t>
             </a:r>
             <a:r>
-              <a:rPr lang="ru-RU" dirty="0" smtClean="0"/>
+              <a:rPr lang="ru-RU" dirty="0"/>
               <a:t>режима</a:t>
             </a:r>
-            <a:endParaRPr lang="ru-RU" dirty="0"/>
           </a:p>
         </p:txBody>
       </p:sp>
-      <mc:AlternateContent xmlns:mc="http://schemas.openxmlformats.org/markup-compatibility/2006">
-        <mc:Choice xmlns:a14="http://schemas.microsoft.com/office/drawing/2010/main" Requires="a14">
+      <mc:AlternateContent xmlns:mc="http://schemas.openxmlformats.org/markup-compatibility/2006" xmlns:a14="http://schemas.microsoft.com/office/drawing/2010/main">
+        <mc:Choice Requires="a14">
           <p:sp>
             <p:nvSpPr>
               <p:cNvPr id="3" name="Объект 2"/>
@@ -16381,11 +16237,11 @@
                   <a:buNone/>
                 </a:pPr>
                 <a:r>
-                  <a:rPr lang="ru-RU" b="1" dirty="0" smtClean="0"/>
+                  <a:rPr lang="ru-RU" b="1" dirty="0"/>
                   <a:t>Теорема 7.2. </a:t>
                 </a:r>
                 <a:r>
-                  <a:rPr lang="ru-RU" dirty="0" smtClean="0"/>
+                  <a:rPr lang="ru-RU" dirty="0"/>
                   <a:t>Если </a:t>
                 </a:r>
                 <a14:m>
@@ -16399,19 +16255,19 @@
                   </m:oMath>
                 </a14:m>
                 <a:r>
-                  <a:rPr lang="en-US" dirty="0" smtClean="0"/>
+                  <a:rPr lang="en-US" dirty="0"/>
                   <a:t> </a:t>
                 </a:r>
                 <a:r>
-                  <a:rPr lang="ru-RU" dirty="0" smtClean="0"/>
+                  <a:rPr lang="ru-RU" dirty="0"/>
                   <a:t>– стойкая </a:t>
                 </a:r>
                 <a:r>
-                  <a:rPr lang="en-US" dirty="0" smtClean="0"/>
+                  <a:rPr lang="en-US" dirty="0"/>
                   <a:t>PRF</a:t>
                 </a:r>
                 <a:r>
-                  <a:rPr lang="ru-RU" dirty="0" smtClean="0"/>
+                  <a:rPr lang="ru-RU" dirty="0"/>
                   <a:t>, </a:t>
                 </a:r>
                 <a14:m>
@@ -16425,15 +16281,15 @@
                   </m:oMath>
                 </a14:m>
                 <a:r>
-                  <a:rPr lang="en-US" dirty="0" smtClean="0"/>
+                  <a:rPr lang="en-US" dirty="0"/>
                   <a:t> - </a:t>
                 </a:r>
                 <a:r>
-                  <a:rPr lang="ru-RU" dirty="0" err="1" smtClean="0"/>
+                  <a:rPr lang="ru-RU" dirty="0" err="1"/>
                   <a:t>сверхполиномиальная</a:t>
                 </a:r>
                 <a:r>
-                  <a:rPr lang="ru-RU" dirty="0" smtClean="0"/>
+                  <a:rPr lang="ru-RU" dirty="0"/>
                   <a:t>, </a:t>
                 </a:r>
                 <a14:m>
@@ -16447,15 +16303,15 @@
                   </m:oMath>
                 </a14:m>
                 <a:r>
-                  <a:rPr lang="ru-RU" dirty="0" smtClean="0"/>
+                  <a:rPr lang="ru-RU" dirty="0"/>
                   <a:t> – </a:t>
                 </a:r>
                 <a:r>
-                  <a:rPr lang="ru-RU" dirty="0" err="1" smtClean="0"/>
+                  <a:rPr lang="ru-RU" dirty="0" err="1"/>
                   <a:t>полиномиально</a:t>
                 </a:r>
                 <a:r>
-                  <a:rPr lang="ru-RU" dirty="0" smtClean="0"/>
+                  <a:rPr lang="ru-RU" dirty="0"/>
                   <a:t> ограниченная, то введённый ранее шифр </a:t>
                 </a:r>
                 <a14:m>
@@ -16478,19 +16334,19 @@
                   </m:oMath>
                 </a14:m>
                 <a:r>
-                  <a:rPr lang="en-US" dirty="0" smtClean="0"/>
+                  <a:rPr lang="en-US" dirty="0"/>
                   <a:t> - CPA </a:t>
                 </a:r>
                 <a:r>
-                  <a:rPr lang="ru-RU" dirty="0" smtClean="0"/>
+                  <a:rPr lang="ru-RU" dirty="0"/>
                   <a:t>стойкий шифр. В частности для любого противника в </a:t>
                 </a:r>
                 <a:r>
-                  <a:rPr lang="en-US" dirty="0" smtClean="0"/>
+                  <a:rPr lang="en-US" dirty="0"/>
                   <a:t>CPA </a:t>
                 </a:r>
                 <a:r>
-                  <a:rPr lang="ru-RU" dirty="0" smtClean="0"/>
+                  <a:rPr lang="ru-RU" dirty="0"/>
                   <a:t>игре, делающим не более </a:t>
                 </a:r>
                 <a14:m>
@@ -16504,7 +16360,7 @@
                   </m:oMath>
                 </a14:m>
                 <a:r>
-                  <a:rPr lang="ru-RU" dirty="0" smtClean="0"/>
+                  <a:rPr lang="ru-RU" dirty="0"/>
                   <a:t> запросов к претенденту существует противник </a:t>
                 </a:r>
                 <a14:m>
@@ -16518,15 +16374,15 @@
                   </m:oMath>
                 </a14:m>
                 <a:r>
-                  <a:rPr lang="ru-RU" dirty="0" smtClean="0"/>
+                  <a:rPr lang="ru-RU" dirty="0"/>
                   <a:t> в игре на стойкость </a:t>
                 </a:r>
                 <a:r>
-                  <a:rPr lang="en-US" dirty="0" smtClean="0"/>
+                  <a:rPr lang="en-US" dirty="0"/>
                   <a:t>PRF </a:t>
                 </a:r>
                 <a:r>
-                  <a:rPr lang="ru-RU" dirty="0" smtClean="0"/>
+                  <a:rPr lang="ru-RU" dirty="0"/>
                   <a:t>причём </a:t>
                 </a:r>
               </a:p>
@@ -16762,7 +16618,7 @@
             </p:txBody>
           </p:sp>
         </mc:Choice>
-        <mc:Fallback>
+        <mc:Fallback xmlns="">
           <p:sp>
             <p:nvSpPr>
               <p:cNvPr id="3" name="Объект 2"/>
@@ -16829,13 +16685,6 @@
   <p:clrMapOvr>
     <a:masterClrMapping/>
   </p:clrMapOvr>
-  <p:timing>
-    <p:tnLst>
-      <p:par>
-        <p:cTn id="1" dur="indefinite" restart="never" nodeType="tmRoot"/>
-      </p:par>
-    </p:tnLst>
-  </p:timing>
 </p:sld>
 </file>
 
@@ -16872,7 +16721,7 @@
           <a:lstStyle/>
           <a:p>
             <a:r>
-              <a:rPr lang="en-US" dirty="0" smtClean="0"/>
+              <a:rPr lang="en-US" dirty="0"/>
               <a:t>Nonce based CTR</a:t>
             </a:r>
             <a:endParaRPr lang="ru-RU" dirty="0"/>
@@ -16897,19 +16746,19 @@
               <a:lstStyle/>
               <a:p>
                 <a:r>
-                  <a:rPr lang="ru-RU" dirty="0" smtClean="0"/>
+                  <a:rPr lang="ru-RU" dirty="0"/>
                   <a:t>Можно ли построить </a:t>
                 </a:r>
                 <a:r>
-                  <a:rPr lang="en-US" dirty="0" smtClean="0"/>
+                  <a:rPr lang="en-US" dirty="0"/>
                   <a:t>CTR </a:t>
                 </a:r>
                 <a:r>
-                  <a:rPr lang="ru-RU" dirty="0" smtClean="0"/>
+                  <a:rPr lang="ru-RU" dirty="0"/>
                   <a:t>режим, заменив </a:t>
                 </a:r>
                 <a:r>
-                  <a:rPr lang="ru-RU" dirty="0" smtClean="0">
+                  <a:rPr lang="ru-RU" dirty="0">
                     <a:solidFill>
                       <a:srgbClr val="FF0000"/>
                     </a:solidFill>
@@ -16917,11 +16766,11 @@
                   <a:t>случайный элемент </a:t>
                 </a:r>
                 <a:r>
-                  <a:rPr lang="ru-RU" dirty="0" smtClean="0"/>
+                  <a:rPr lang="ru-RU" dirty="0"/>
                   <a:t>на </a:t>
                 </a:r>
                 <a:r>
-                  <a:rPr lang="en-US" dirty="0" smtClean="0">
+                  <a:rPr lang="en-US" dirty="0">
                     <a:solidFill>
                       <a:srgbClr val="00B050"/>
                     </a:solidFill>
@@ -16929,17 +16778,17 @@
                   <a:t>nonce</a:t>
                 </a:r>
                 <a:r>
-                  <a:rPr lang="en-US" dirty="0" smtClean="0"/>
+                  <a:rPr lang="en-US" dirty="0"/>
                   <a:t>?</a:t>
                 </a:r>
               </a:p>
               <a:p>
                 <a:r>
-                  <a:rPr lang="ru-RU" dirty="0" smtClean="0"/>
+                  <a:rPr lang="ru-RU" dirty="0"/>
                   <a:t>Нет! В отличии от гибридной конструкции, где нам была важна уникальность </a:t>
                 </a:r>
                 <a:r>
-                  <a:rPr lang="en-US" dirty="0" smtClean="0">
+                  <a:rPr lang="en-US" dirty="0">
                     <a:solidFill>
                       <a:srgbClr val="00B050"/>
                     </a:solidFill>
@@ -16947,37 +16796,37 @@
                   <a:t>nonce</a:t>
                 </a:r>
                 <a:r>
-                  <a:rPr lang="ru-RU" dirty="0" smtClean="0"/>
+                  <a:rPr lang="ru-RU" dirty="0"/>
                   <a:t>, здесь нам важна не только уникальность «начальных состояний», но и уникальность «отрезков»</a:t>
                 </a:r>
                 <a:r>
-                  <a:rPr lang="en-US" dirty="0" smtClean="0"/>
+                  <a:rPr lang="en-US" dirty="0"/>
                   <a:t>. </a:t>
                 </a:r>
                 <a:r>
-                  <a:rPr lang="ru-RU" dirty="0" smtClean="0"/>
+                  <a:rPr lang="ru-RU" dirty="0"/>
                   <a:t>(См </a:t>
                 </a:r>
                 <a:r>
-                  <a:rPr lang="ru-RU" b="1" dirty="0" smtClean="0"/>
+                  <a:rPr lang="ru-RU" b="1" dirty="0"/>
                   <a:t>лемму</a:t>
                 </a:r>
                 <a:r>
-                  <a:rPr lang="ru-RU" dirty="0" smtClean="0"/>
+                  <a:rPr lang="ru-RU" dirty="0"/>
                   <a:t> из </a:t>
                 </a:r>
                 <a:r>
-                  <a:rPr lang="ru-RU" b="1" dirty="0" smtClean="0"/>
+                  <a:rPr lang="ru-RU" b="1" dirty="0"/>
                   <a:t>Теоремы 7.2</a:t>
                 </a:r>
                 <a:r>
-                  <a:rPr lang="ru-RU" dirty="0" smtClean="0"/>
+                  <a:rPr lang="ru-RU" dirty="0"/>
                   <a:t>).</a:t>
                 </a:r>
               </a:p>
               <a:p>
                 <a:r>
-                  <a:rPr lang="ru-RU" dirty="0" smtClean="0"/>
+                  <a:rPr lang="ru-RU" dirty="0"/>
                   <a:t>Иными словами, если заменить </a:t>
                 </a:r>
                 <a14:m>
@@ -17022,11 +16871,11 @@
                   </m:oMath>
                 </a14:m>
                 <a:r>
-                  <a:rPr lang="ru-RU" dirty="0" smtClean="0"/>
+                  <a:rPr lang="ru-RU" dirty="0"/>
                   <a:t> на </a:t>
                 </a:r>
                 <a:r>
-                  <a:rPr lang="en-US" dirty="0" smtClean="0">
+                  <a:rPr lang="en-US" dirty="0">
                     <a:solidFill>
                       <a:srgbClr val="00B050"/>
                     </a:solidFill>
@@ -17034,7 +16883,7 @@
                   <a:t>nonce</a:t>
                 </a:r>
                 <a:r>
-                  <a:rPr lang="ru-RU" dirty="0" smtClean="0"/>
+                  <a:rPr lang="ru-RU" dirty="0"/>
                   <a:t>, то противник может выбрать такие </a:t>
                 </a:r>
                 <a14:m>
@@ -17364,18 +17213,17 @@
                   </m:oMath>
                 </a14:m>
                 <a:r>
-                  <a:rPr lang="ru-RU" dirty="0" smtClean="0"/>
+                  <a:rPr lang="ru-RU" dirty="0"/>
                   <a:t>, т.е. могут совпасть счётчики на каком то блоке для различных сообщений =</a:t>
                 </a:r>
                 <a:r>
-                  <a:rPr lang="en-US" dirty="0" smtClean="0"/>
+                  <a:rPr lang="en-US" dirty="0"/>
                   <a:t>&gt; </a:t>
                 </a:r>
                 <a:r>
-                  <a:rPr lang="ru-RU" dirty="0" smtClean="0"/>
+                  <a:rPr lang="ru-RU" dirty="0"/>
                   <a:t>имеем двухразовый блокнот.</a:t>
                 </a:r>
-                <a:endParaRPr lang="ru-RU" dirty="0"/>
               </a:p>
             </p:txBody>
           </p:sp>
@@ -17474,10 +17322,9 @@
           <a:p>
             <a:pPr algn="ctr"/>
             <a:r>
-              <a:rPr lang="ru-RU" dirty="0" smtClean="0"/>
+              <a:rPr lang="ru-RU" dirty="0"/>
               <a:t>совпадения</a:t>
             </a:r>
-            <a:endParaRPr lang="ru-RU" dirty="0"/>
           </a:p>
         </p:txBody>
       </p:sp>
@@ -18100,13 +17947,6 @@
   <p:clrMapOvr>
     <a:masterClrMapping/>
   </p:clrMapOvr>
-  <p:timing>
-    <p:tnLst>
-      <p:par>
-        <p:cTn id="1" dur="indefinite" restart="never" nodeType="tmRoot"/>
-      </p:par>
-    </p:tnLst>
-  </p:timing>
 </p:sld>
 </file>
 
@@ -18168,11 +18008,11 @@
               <a:lstStyle/>
               <a:p>
                 <a:r>
-                  <a:rPr lang="ru-RU" dirty="0" smtClean="0"/>
+                  <a:rPr lang="ru-RU" dirty="0"/>
                   <a:t>Введём </a:t>
                 </a:r>
                 <a:r>
-                  <a:rPr lang="en-US" dirty="0" smtClean="0">
+                  <a:rPr lang="en-US" dirty="0">
                     <a:solidFill>
                       <a:srgbClr val="00B050"/>
                     </a:solidFill>
@@ -18180,11 +18020,11 @@
                   <a:t>nonce</a:t>
                 </a:r>
                 <a:r>
-                  <a:rPr lang="en-US" dirty="0" smtClean="0"/>
+                  <a:rPr lang="en-US" dirty="0"/>
                   <a:t> </a:t>
                 </a:r>
                 <a:r>
-                  <a:rPr lang="ru-RU" dirty="0" smtClean="0"/>
+                  <a:rPr lang="ru-RU" dirty="0"/>
                   <a:t>по другому. Пусть </a:t>
                 </a:r>
                 <a14:m>
@@ -18210,7 +18050,7 @@
                   </m:oMath>
                 </a14:m>
                 <a:r>
-                  <a:rPr lang="ru-RU" dirty="0" smtClean="0"/>
+                  <a:rPr lang="ru-RU" dirty="0"/>
                   <a:t>. Пусть </a:t>
                 </a:r>
                 <a14:m>
@@ -18254,15 +18094,15 @@
                   </m:oMath>
                 </a14:m>
                 <a:r>
-                  <a:rPr lang="en-US" dirty="0" smtClean="0"/>
+                  <a:rPr lang="en-US" dirty="0"/>
                   <a:t> –</a:t>
                 </a:r>
                 <a:r>
-                  <a:rPr lang="ru-RU" dirty="0" smtClean="0"/>
+                  <a:rPr lang="ru-RU" dirty="0"/>
                   <a:t> </a:t>
                 </a:r>
                 <a:r>
-                  <a:rPr lang="en-US" dirty="0" smtClean="0">
+                  <a:rPr lang="en-US" dirty="0">
                     <a:solidFill>
                       <a:srgbClr val="00B050"/>
                     </a:solidFill>
@@ -18270,7 +18110,7 @@
                   <a:t>nonce</a:t>
                 </a:r>
                 <a:r>
-                  <a:rPr lang="en-US" dirty="0" smtClean="0"/>
+                  <a:rPr lang="en-US" dirty="0"/>
                   <a:t>, </a:t>
                 </a:r>
                 <a14:m>
@@ -18296,41 +18136,41 @@
                   </m:oMath>
                 </a14:m>
                 <a:r>
-                  <a:rPr lang="ru-RU" dirty="0" smtClean="0"/>
+                  <a:rPr lang="ru-RU" dirty="0"/>
                   <a:t>. Т.е. на вход</a:t>
                 </a:r>
                 <a:r>
-                  <a:rPr lang="en-US" dirty="0" smtClean="0"/>
+                  <a:rPr lang="en-US" dirty="0"/>
                   <a:t> PRF </a:t>
                 </a:r>
                 <a:r>
-                  <a:rPr lang="ru-RU" dirty="0" smtClean="0"/>
+                  <a:rPr lang="ru-RU" dirty="0"/>
                   <a:t>подаётся не </a:t>
                 </a:r>
                 <a:r>
-                  <a:rPr lang="en-US" dirty="0" smtClean="0"/>
+                  <a:rPr lang="en-US" dirty="0"/>
                   <a:t>nonce</a:t>
                 </a:r>
                 <a:r>
-                  <a:rPr lang="ru-RU" dirty="0" smtClean="0"/>
+                  <a:rPr lang="ru-RU" dirty="0"/>
                   <a:t>, а </a:t>
                 </a:r>
                 <a:r>
-                  <a:rPr lang="en-US" dirty="0" smtClean="0"/>
+                  <a:rPr lang="en-US" dirty="0"/>
                   <a:t>nonce</a:t>
                 </a:r>
                 <a:r>
-                  <a:rPr lang="ru-RU" dirty="0" smtClean="0"/>
+                  <a:rPr lang="ru-RU" dirty="0"/>
                   <a:t> умноженная на максимально допустимую длину сообщения в блоках. </a:t>
                 </a:r>
               </a:p>
               <a:p>
                 <a:r>
-                  <a:rPr lang="ru-RU" dirty="0" smtClean="0"/>
+                  <a:rPr lang="ru-RU" dirty="0"/>
                   <a:t>Т.е. два различных </a:t>
                 </a:r>
                 <a:r>
-                  <a:rPr lang="en-US" dirty="0" smtClean="0">
+                  <a:rPr lang="en-US" dirty="0">
                     <a:solidFill>
                       <a:srgbClr val="00B050"/>
                     </a:solidFill>
@@ -18338,7 +18178,7 @@
                   <a:t>nonce</a:t>
                 </a:r>
                 <a:r>
-                  <a:rPr lang="en-US" dirty="0" smtClean="0"/>
+                  <a:rPr lang="en-US" dirty="0"/>
                   <a:t> </a:t>
                 </a:r>
                 <a14:m>
@@ -18371,7 +18211,7 @@
                   </m:oMath>
                 </a14:m>
                 <a:r>
-                  <a:rPr lang="ru-RU" dirty="0" smtClean="0"/>
+                  <a:rPr lang="ru-RU" dirty="0"/>
                   <a:t> и </a:t>
                 </a:r>
                 <a14:m>
@@ -18404,15 +18244,15 @@
                   </m:oMath>
                 </a14:m>
                 <a:r>
-                  <a:rPr lang="en-US" dirty="0" smtClean="0"/>
+                  <a:rPr lang="en-US" dirty="0"/>
                   <a:t> </a:t>
                 </a:r>
                 <a:r>
-                  <a:rPr lang="ru-RU" dirty="0" smtClean="0"/>
+                  <a:rPr lang="ru-RU" dirty="0"/>
                   <a:t>дают два входа для </a:t>
                 </a:r>
                 <a:r>
-                  <a:rPr lang="en-US" dirty="0" smtClean="0"/>
+                  <a:rPr lang="en-US" dirty="0"/>
                   <a:t>PRF </a:t>
                 </a:r>
                 <a14:m>
@@ -18550,11 +18390,11 @@
                   </m:oMath>
                 </a14:m>
                 <a:r>
-                  <a:rPr lang="en-US" dirty="0" smtClean="0"/>
+                  <a:rPr lang="en-US" dirty="0"/>
                   <a:t> </a:t>
                 </a:r>
                 <a:r>
-                  <a:rPr lang="ru-RU" dirty="0" smtClean="0"/>
+                  <a:rPr lang="ru-RU" dirty="0"/>
                   <a:t>в интервалах </a:t>
                 </a:r>
                 <a14:m>
@@ -18642,11 +18482,11 @@
                   </m:oMath>
                 </a14:m>
                 <a:r>
-                  <a:rPr lang="en-US" dirty="0" smtClean="0"/>
+                  <a:rPr lang="en-US" dirty="0"/>
                   <a:t> </a:t>
                 </a:r>
                 <a:r>
-                  <a:rPr lang="ru-RU" dirty="0" smtClean="0"/>
+                  <a:rPr lang="ru-RU" dirty="0"/>
                   <a:t>и </a:t>
                 </a:r>
                 <a14:m>
@@ -18734,10 +18574,9 @@
                   </m:oMath>
                 </a14:m>
                 <a:r>
-                  <a:rPr lang="ru-RU" dirty="0" smtClean="0"/>
+                  <a:rPr lang="ru-RU" dirty="0"/>
                   <a:t>, которые не пересекаются.</a:t>
                 </a:r>
-                <a:endParaRPr lang="ru-RU" dirty="0"/>
               </a:p>
             </p:txBody>
           </p:sp>
@@ -18809,13 +18648,6 @@
   <p:clrMapOvr>
     <a:masterClrMapping/>
   </p:clrMapOvr>
-  <p:timing>
-    <p:tnLst>
-      <p:par>
-        <p:cTn id="1" dur="indefinite" restart="never" nodeType="tmRoot"/>
-      </p:par>
-    </p:tnLst>
-  </p:timing>
 </p:sld>
 </file>
 
@@ -18920,11 +18752,11 @@
                   <a:buNone/>
                 </a:pPr>
                 <a:r>
-                  <a:rPr lang="ru-RU" b="1" dirty="0" smtClean="0"/>
+                  <a:rPr lang="ru-RU" b="1" dirty="0"/>
                   <a:t>Теорема 8.2. </a:t>
                 </a:r>
                 <a:r>
-                  <a:rPr lang="ru-RU" dirty="0" smtClean="0"/>
+                  <a:rPr lang="ru-RU" dirty="0"/>
                   <a:t>Если </a:t>
                 </a:r>
                 <a14:m>
@@ -18938,19 +18770,19 @@
                   </m:oMath>
                 </a14:m>
                 <a:r>
-                  <a:rPr lang="en-US" dirty="0" smtClean="0"/>
+                  <a:rPr lang="en-US" dirty="0"/>
                   <a:t> </a:t>
                 </a:r>
                 <a:r>
-                  <a:rPr lang="ru-RU" dirty="0" smtClean="0"/>
+                  <a:rPr lang="ru-RU" dirty="0"/>
                   <a:t>– стойкая </a:t>
                 </a:r>
                 <a:r>
-                  <a:rPr lang="en-US" dirty="0" smtClean="0"/>
+                  <a:rPr lang="en-US" dirty="0"/>
                   <a:t>PRF</a:t>
                 </a:r>
                 <a:r>
-                  <a:rPr lang="ru-RU" dirty="0" smtClean="0"/>
+                  <a:rPr lang="ru-RU" dirty="0"/>
                   <a:t>, </a:t>
                 </a:r>
                 <a14:m>
@@ -18964,15 +18796,15 @@
                   </m:oMath>
                 </a14:m>
                 <a:r>
-                  <a:rPr lang="en-US" dirty="0" smtClean="0"/>
+                  <a:rPr lang="en-US" dirty="0"/>
                   <a:t> - </a:t>
                 </a:r>
                 <a:r>
-                  <a:rPr lang="ru-RU" dirty="0" err="1" smtClean="0"/>
+                  <a:rPr lang="ru-RU" dirty="0" err="1"/>
                   <a:t>сверхполиномиальная</a:t>
                 </a:r>
                 <a:r>
-                  <a:rPr lang="ru-RU" dirty="0" smtClean="0"/>
+                  <a:rPr lang="ru-RU" dirty="0"/>
                   <a:t>, </a:t>
                 </a:r>
                 <a14:m>
@@ -18986,15 +18818,15 @@
                   </m:oMath>
                 </a14:m>
                 <a:r>
-                  <a:rPr lang="ru-RU" dirty="0" smtClean="0"/>
+                  <a:rPr lang="ru-RU" dirty="0"/>
                   <a:t> – </a:t>
                 </a:r>
                 <a:r>
-                  <a:rPr lang="ru-RU" dirty="0" err="1" smtClean="0"/>
+                  <a:rPr lang="ru-RU" dirty="0" err="1"/>
                   <a:t>полиномиально</a:t>
                 </a:r>
                 <a:r>
-                  <a:rPr lang="ru-RU" dirty="0" smtClean="0"/>
+                  <a:rPr lang="ru-RU" dirty="0"/>
                   <a:t> ограниченная, то введённый ранее шифр </a:t>
                 </a:r>
                 <a14:m>
@@ -19017,23 +18849,23 @@
                   </m:oMath>
                 </a14:m>
                 <a:r>
-                  <a:rPr lang="en-US" dirty="0" smtClean="0"/>
+                  <a:rPr lang="en-US" dirty="0"/>
                   <a:t> - CPA </a:t>
                 </a:r>
                 <a:r>
-                  <a:rPr lang="ru-RU" dirty="0" smtClean="0"/>
+                  <a:rPr lang="ru-RU" dirty="0"/>
                   <a:t>стойкий шифр. В частности для любого противника в </a:t>
                 </a:r>
                 <a:r>
-                  <a:rPr lang="en-US" dirty="0" err="1" smtClean="0"/>
+                  <a:rPr lang="en-US" dirty="0" err="1"/>
                   <a:t>nCPA</a:t>
                 </a:r>
                 <a:r>
-                  <a:rPr lang="en-US" dirty="0" smtClean="0"/>
+                  <a:rPr lang="en-US" dirty="0"/>
                   <a:t> </a:t>
                 </a:r>
                 <a:r>
-                  <a:rPr lang="ru-RU" dirty="0" smtClean="0"/>
+                  <a:rPr lang="ru-RU" dirty="0"/>
                   <a:t>игре, делающим не более </a:t>
                 </a:r>
                 <a14:m>
@@ -19047,7 +18879,7 @@
                   </m:oMath>
                 </a14:m>
                 <a:r>
-                  <a:rPr lang="ru-RU" dirty="0" smtClean="0"/>
+                  <a:rPr lang="ru-RU" dirty="0"/>
                   <a:t> запросов к претенденту существует противник </a:t>
                 </a:r>
                 <a14:m>
@@ -19061,15 +18893,15 @@
                   </m:oMath>
                 </a14:m>
                 <a:r>
-                  <a:rPr lang="ru-RU" dirty="0" smtClean="0"/>
+                  <a:rPr lang="ru-RU" dirty="0"/>
                   <a:t> в игре на стойкость </a:t>
                 </a:r>
                 <a:r>
-                  <a:rPr lang="en-US" dirty="0" smtClean="0"/>
+                  <a:rPr lang="en-US" dirty="0"/>
                   <a:t>PRF </a:t>
                 </a:r>
                 <a:r>
-                  <a:rPr lang="ru-RU" dirty="0" smtClean="0"/>
+                  <a:rPr lang="ru-RU" dirty="0"/>
                   <a:t>причём </a:t>
                 </a:r>
               </a:p>
@@ -19084,13 +18916,10 @@
                     </m:oMathParaPr>
                     <m:oMath xmlns:m="http://schemas.openxmlformats.org/officeDocument/2006/math">
                       <m:r>
-                        <m:rPr>
-                          <m:sty m:val="p"/>
-                        </m:rPr>
                         <a:rPr lang="en-US" i="1">
                           <a:latin typeface="Cambria Math" panose="02040503050406030204" pitchFamily="18" charset="0"/>
                         </a:rPr>
-                        <m:t>n</m:t>
+                        <m:t>𝑛</m:t>
                       </m:r>
                       <m:r>
                         <a:rPr lang="en-US" b="0" i="1" smtClean="0">
@@ -19247,7 +19076,7 @@
                     </m:oMath>
                   </m:oMathPara>
                 </a14:m>
-                <a:endParaRPr lang="en-US" dirty="0" smtClean="0"/>
+                <a:endParaRPr lang="en-US" dirty="0"/>
               </a:p>
               <a:p>
                 <a:pPr marL="0" indent="0">
@@ -19259,7 +19088,7 @@
                 <a:pPr marL="0" indent="0">
                   <a:buNone/>
                 </a:pPr>
-                <a:endParaRPr lang="en-US" dirty="0" smtClean="0"/>
+                <a:endParaRPr lang="en-US" dirty="0"/>
               </a:p>
               <a:p>
                 <a:pPr marL="0" indent="0">
@@ -19277,31 +19106,23 @@
                   </m:oMath>
                 </a14:m>
                 <a:r>
-                  <a:rPr lang="ru-RU" dirty="0" smtClean="0"/>
+                  <a:rPr lang="ru-RU" dirty="0"/>
                   <a:t>Аналогично </a:t>
                 </a:r>
                 <a:r>
-                  <a:rPr lang="ru-RU" b="1" dirty="0" smtClean="0"/>
+                  <a:rPr lang="ru-RU" b="1" dirty="0"/>
                   <a:t>Теореме 7.</a:t>
                 </a:r>
                 <a:r>
-                  <a:rPr lang="en-US" b="1" dirty="0" smtClean="0"/>
+                  <a:rPr lang="en-US" b="1" dirty="0"/>
                   <a:t>2</a:t>
                 </a:r>
                 <a:r>
-                  <a:rPr lang="ru-RU" dirty="0" smtClean="0"/>
-                  <a:t>, </a:t>
-                </a:r>
-                <a:r>
                   <a:rPr lang="ru-RU" dirty="0"/>
-                  <a:t>без необходимости добавления </a:t>
-                </a:r>
-                <a:r>
-                  <a:rPr lang="ru-RU" dirty="0" smtClean="0"/>
-                  <a:t>слагаемого</a:t>
-                </a:r>
-                <a:r>
-                  <a:rPr lang="en-US" dirty="0" smtClean="0"/>
+                  <a:t>, без необходимости добавления слагаемого</a:t>
+                </a:r>
+                <a:r>
+                  <a:rPr lang="en-US" dirty="0"/>
                   <a:t> </a:t>
                 </a:r>
                 <a14:m>
@@ -19406,7 +19227,7 @@
               </p:nvPr>
             </p:nvSpPr>
             <p:spPr>
-              <a:blipFill rotWithShape="0">
+              <a:blipFill>
                 <a:blip r:embed="rId2"/>
                 <a:stretch>
                   <a:fillRect l="-1043" t="-2101"/>
@@ -19461,13 +19282,6 @@
   <p:clrMapOvr>
     <a:masterClrMapping/>
   </p:clrMapOvr>
-  <p:timing>
-    <p:tnLst>
-      <p:par>
-        <p:cTn id="1" dur="indefinite" restart="never" nodeType="tmRoot"/>
-      </p:par>
-    </p:tnLst>
-  </p:timing>
 </p:sld>
 </file>
 
@@ -19504,7 +19318,7 @@
           <a:lstStyle/>
           <a:p>
             <a:r>
-              <a:rPr lang="en-US" dirty="0" smtClean="0"/>
+              <a:rPr lang="en-US" dirty="0"/>
               <a:t>CBC</a:t>
             </a:r>
             <a:endParaRPr lang="ru-RU" dirty="0"/>
@@ -19532,7 +19346,7 @@
                   <a:buNone/>
                 </a:pPr>
                 <a:r>
-                  <a:rPr lang="ru-RU" dirty="0" smtClean="0"/>
+                  <a:rPr lang="ru-RU" dirty="0"/>
                   <a:t>Пусть </a:t>
                 </a:r>
                 <a14:m>
@@ -19579,7 +19393,7 @@
                   </m:oMath>
                 </a14:m>
                 <a:r>
-                  <a:rPr lang="ru-RU" dirty="0" smtClean="0"/>
+                  <a:rPr lang="ru-RU" dirty="0"/>
                   <a:t> блочный шифр на </a:t>
                 </a:r>
                 <a14:m>
@@ -19617,11 +19431,11 @@
                   </m:oMath>
                 </a14:m>
                 <a:r>
-                  <a:rPr lang="en-US" dirty="0" smtClean="0"/>
+                  <a:rPr lang="en-US" dirty="0"/>
                   <a:t> </a:t>
                 </a:r>
                 <a:r>
-                  <a:rPr lang="ru-RU" dirty="0" smtClean="0"/>
+                  <a:rPr lang="ru-RU" dirty="0"/>
                   <a:t>где </a:t>
                 </a:r>
                 <a14:m>
@@ -19747,15 +19561,15 @@
                   </m:oMath>
                 </a14:m>
                 <a:r>
-                  <a:rPr lang="ru-RU" dirty="0" smtClean="0"/>
+                  <a:rPr lang="ru-RU" dirty="0"/>
                   <a:t>. Для </a:t>
                 </a:r>
                 <a:r>
-                  <a:rPr lang="ru-RU" dirty="0" err="1" smtClean="0"/>
+                  <a:rPr lang="ru-RU" dirty="0" err="1"/>
                   <a:t>полиномиально</a:t>
                 </a:r>
                 <a:r>
-                  <a:rPr lang="ru-RU" dirty="0" smtClean="0"/>
+                  <a:rPr lang="ru-RU" dirty="0"/>
                   <a:t> ограниченной величины </a:t>
                 </a:r>
                 <a14:m>
@@ -19775,11 +19589,11 @@
                   </m:oMath>
                 </a14:m>
                 <a:r>
-                  <a:rPr lang="en-US" dirty="0" smtClean="0"/>
+                  <a:rPr lang="en-US" dirty="0"/>
                   <a:t> </a:t>
                 </a:r>
                 <a:r>
-                  <a:rPr lang="ru-RU" dirty="0" smtClean="0"/>
+                  <a:rPr lang="ru-RU" dirty="0"/>
                   <a:t>определим шифр </a:t>
                 </a:r>
                 <a14:m>
@@ -19864,7 +19678,7 @@
                   </m:oMath>
                 </a14:m>
                 <a:r>
-                  <a:rPr lang="ru-RU" dirty="0" smtClean="0"/>
+                  <a:rPr lang="ru-RU" dirty="0"/>
                   <a:t> на </a:t>
                 </a:r>
                 <a14:m>
@@ -19998,41 +19812,41 @@
                   </m:oMath>
                 </a14:m>
                 <a:r>
-                  <a:rPr lang="en-US" dirty="0" smtClean="0"/>
+                  <a:rPr lang="en-US" dirty="0"/>
                   <a:t>)</a:t>
                 </a:r>
                 <a:r>
-                  <a:rPr lang="ru-RU" dirty="0" smtClean="0"/>
+                  <a:rPr lang="ru-RU" dirty="0"/>
                   <a:t>. </a:t>
                 </a:r>
                 <a:r>
-                  <a:rPr lang="ru-RU" dirty="0" err="1" smtClean="0"/>
+                  <a:rPr lang="ru-RU" dirty="0" err="1"/>
                   <a:t>Зашифрование</a:t>
                 </a:r>
                 <a:r>
-                  <a:rPr lang="ru-RU" dirty="0" smtClean="0"/>
+                  <a:rPr lang="ru-RU" dirty="0"/>
                   <a:t> и </a:t>
                 </a:r>
                 <a:r>
-                  <a:rPr lang="ru-RU" dirty="0" err="1" smtClean="0"/>
+                  <a:rPr lang="ru-RU" dirty="0" err="1"/>
                   <a:t>расшифрование</a:t>
                 </a:r>
                 <a:r>
-                  <a:rPr lang="ru-RU" dirty="0" smtClean="0"/>
+                  <a:rPr lang="ru-RU" dirty="0"/>
                   <a:t> определены следующим образом</a:t>
                 </a:r>
                 <a:r>
-                  <a:rPr lang="en-US" dirty="0" smtClean="0"/>
+                  <a:rPr lang="en-US" dirty="0"/>
                   <a:t>:</a:t>
                 </a:r>
-                <a:endParaRPr lang="ru-RU" dirty="0" smtClean="0"/>
+                <a:endParaRPr lang="ru-RU" dirty="0"/>
               </a:p>
               <a:p>
                 <a:pPr marL="0" indent="0">
                   <a:buNone/>
                 </a:pPr>
                 <a:r>
-                  <a:rPr lang="ru-RU" dirty="0" smtClean="0"/>
+                  <a:rPr lang="ru-RU" dirty="0"/>
                   <a:t>Для </a:t>
                 </a:r>
                 <a14:m>
@@ -20149,7 +19963,7 @@
                     </m:r>
                   </m:oMath>
                 </a14:m>
-                <a:endParaRPr lang="ru-RU" dirty="0" smtClean="0"/>
+                <a:endParaRPr lang="ru-RU" dirty="0"/>
               </a:p>
             </p:txBody>
           </p:sp>
@@ -20269,13 +20083,6 @@
   <p:clrMapOvr>
     <a:masterClrMapping/>
   </p:clrMapOvr>
-  <p:timing>
-    <p:tnLst>
-      <p:par>
-        <p:cTn id="1" dur="indefinite" restart="never" nodeType="tmRoot"/>
-      </p:par>
-    </p:tnLst>
-  </p:timing>
 </p:sld>
 </file>
 
@@ -20312,19 +20119,19 @@
           <a:lstStyle/>
           <a:p>
             <a:r>
-              <a:rPr lang="ru-RU" dirty="0" smtClean="0"/>
+              <a:rPr lang="ru-RU" dirty="0"/>
               <a:t>Игра на </a:t>
             </a:r>
             <a:r>
-              <a:rPr lang="en-US" dirty="0" smtClean="0"/>
+              <a:rPr lang="en-US" dirty="0"/>
               <a:t>CPA </a:t>
             </a:r>
             <a:r>
-              <a:rPr lang="ru-RU" dirty="0" smtClean="0"/>
+              <a:rPr lang="ru-RU" dirty="0"/>
               <a:t>стойкость </a:t>
             </a:r>
             <a:r>
-              <a:rPr lang="en-US" dirty="0" smtClean="0"/>
+              <a:rPr lang="en-US" dirty="0"/>
               <a:t>CBC</a:t>
             </a:r>
             <a:endParaRPr lang="ru-RU" dirty="0"/>
@@ -21412,7 +21219,7 @@
               <a:lstStyle/>
               <a:p>
                 <a:r>
-                  <a:rPr lang="en-US" sz="1600" i="1" dirty="0" smtClean="0"/>
+                  <a:rPr lang="en-US" sz="1600" i="1" dirty="0"/>
                   <a:t>k</a:t>
                 </a:r>
                 <a14:m>
@@ -21447,7 +21254,7 @@
                     </m:r>
                   </m:oMath>
                 </a14:m>
-                <a:endParaRPr lang="en-US" sz="1600" b="0" i="1" dirty="0" smtClean="0"/>
+                <a:endParaRPr lang="en-US" sz="1600" b="0" i="1" dirty="0"/>
               </a:p>
               <a:p>
                 <a14:m>
@@ -21495,7 +21302,7 @@
                   </m:oMath>
                 </a14:m>
                 <a:r>
-                  <a:rPr lang="en-US" sz="1600" b="0" i="1" dirty="0" smtClean="0"/>
+                  <a:rPr lang="en-US" sz="1600" b="0" i="1" dirty="0"/>
                   <a:t>X,</a:t>
                 </a:r>
               </a:p>
@@ -21615,7 +21422,7 @@
                     </m:oMath>
                   </m:oMathPara>
                 </a14:m>
-                <a:endParaRPr lang="en-US" sz="1600" b="0" i="1" dirty="0" smtClean="0"/>
+                <a:endParaRPr lang="en-US" sz="1600" b="0" i="1" dirty="0"/>
               </a:p>
               <a:p>
                 <a:pPr/>
@@ -21726,7 +21533,7 @@
                     </m:oMath>
                   </m:oMathPara>
                 </a14:m>
-                <a:endParaRPr lang="en-US" sz="1600" b="0" i="1" dirty="0" smtClean="0"/>
+                <a:endParaRPr lang="en-US" sz="1600" b="0" i="1" dirty="0"/>
               </a:p>
             </p:txBody>
           </p:sp>
@@ -21964,13 +21771,6 @@
   <p:clrMapOvr>
     <a:masterClrMapping/>
   </p:clrMapOvr>
-  <p:timing>
-    <p:tnLst>
-      <p:par>
-        <p:cTn id="1" dur="indefinite" restart="never" nodeType="tmRoot"/>
-      </p:par>
-    </p:tnLst>
-  </p:timing>
 </p:sld>
 </file>
 
@@ -22073,11 +21873,11 @@
                   <a:buNone/>
                 </a:pPr>
                 <a:r>
-                  <a:rPr lang="ru-RU" b="1" dirty="0" smtClean="0"/>
+                  <a:rPr lang="ru-RU" b="1" dirty="0"/>
                   <a:t>Теорема 7.3. </a:t>
                 </a:r>
                 <a:r>
-                  <a:rPr lang="ru-RU" dirty="0" smtClean="0"/>
+                  <a:rPr lang="ru-RU" dirty="0"/>
                   <a:t>Пусть </a:t>
                 </a:r>
                 <a14:m>
@@ -22124,7 +21924,7 @@
                   </m:oMath>
                 </a14:m>
                 <a:r>
-                  <a:rPr lang="ru-RU" dirty="0" smtClean="0"/>
+                  <a:rPr lang="ru-RU" dirty="0"/>
                   <a:t> – семантически стойкий шифр на </a:t>
                 </a:r>
                 <a14:m>
@@ -22162,7 +21962,7 @@
                   </m:oMath>
                 </a14:m>
                 <a:r>
-                  <a:rPr lang="ru-RU" dirty="0" smtClean="0"/>
+                  <a:rPr lang="ru-RU" dirty="0"/>
                   <a:t>, </a:t>
                 </a:r>
                 <a14:m>
@@ -22194,15 +21994,15 @@
                   </m:oMath>
                 </a14:m>
                 <a:r>
-                  <a:rPr lang="ru-RU" dirty="0" smtClean="0"/>
-                  <a:t> - </a:t>
-                </a:r>
-                <a:r>
-                  <a:rPr lang="ru-RU" dirty="0" err="1" smtClean="0"/>
+                  <a:rPr lang="ru-RU" dirty="0"/>
+                  <a:t> – </a:t>
+                </a:r>
+                <a:r>
+                  <a:rPr lang="ru-RU" dirty="0" err="1"/>
                   <a:t>сверхполиномиальная</a:t>
                 </a:r>
                 <a:r>
-                  <a:rPr lang="ru-RU" dirty="0" smtClean="0"/>
+                  <a:rPr lang="ru-RU" dirty="0"/>
                   <a:t>, </a:t>
                 </a:r>
                 <a14:m>
@@ -22222,31 +22022,31 @@
                   </m:oMath>
                 </a14:m>
                 <a:r>
-                  <a:rPr lang="ru-RU" dirty="0" smtClean="0"/>
+                  <a:rPr lang="ru-RU" dirty="0"/>
                   <a:t> – </a:t>
                 </a:r>
                 <a:r>
-                  <a:rPr lang="ru-RU" dirty="0" err="1" smtClean="0"/>
+                  <a:rPr lang="ru-RU" dirty="0" err="1"/>
                   <a:t>полиномиально</a:t>
                 </a:r>
                 <a:r>
-                  <a:rPr lang="ru-RU" dirty="0" smtClean="0"/>
+                  <a:rPr lang="ru-RU" dirty="0"/>
                   <a:t> ограниченная. Тогда введенный ранее </a:t>
                 </a:r>
                 <a:r>
-                  <a:rPr lang="en-US" dirty="0" smtClean="0"/>
+                  <a:rPr lang="en-US" dirty="0"/>
                   <a:t>CBC</a:t>
                 </a:r>
                 <a:r>
-                  <a:rPr lang="ru-RU" dirty="0" smtClean="0"/>
+                  <a:rPr lang="ru-RU" dirty="0"/>
                   <a:t> шифр является </a:t>
                 </a:r>
                 <a:r>
-                  <a:rPr lang="en-US" dirty="0" smtClean="0"/>
+                  <a:rPr lang="en-US" dirty="0"/>
                   <a:t>CPA </a:t>
                 </a:r>
                 <a:r>
-                  <a:rPr lang="ru-RU" dirty="0" smtClean="0"/>
+                  <a:rPr lang="ru-RU" dirty="0"/>
                   <a:t>стойким, причём для любого противника </a:t>
                 </a:r>
                 <a14:m>
@@ -22260,15 +22060,15 @@
                   </m:oMath>
                 </a14:m>
                 <a:r>
-                  <a:rPr lang="ru-RU" dirty="0" smtClean="0"/>
+                  <a:rPr lang="ru-RU" dirty="0"/>
                   <a:t> в игре на </a:t>
                 </a:r>
                 <a:r>
-                  <a:rPr lang="en-US" dirty="0" smtClean="0"/>
+                  <a:rPr lang="en-US" dirty="0"/>
                   <a:t>CPA </a:t>
                 </a:r>
                 <a:r>
-                  <a:rPr lang="ru-RU" dirty="0" smtClean="0"/>
+                  <a:rPr lang="ru-RU" dirty="0"/>
                   <a:t>стойкость, делающим не более </a:t>
                 </a:r>
                 <a14:m>
@@ -22282,7 +22082,7 @@
                   </m:oMath>
                 </a14:m>
                 <a:r>
-                  <a:rPr lang="ru-RU" dirty="0" smtClean="0"/>
+                  <a:rPr lang="ru-RU" dirty="0"/>
                   <a:t> запросов к оракулу, существует противник </a:t>
                 </a:r>
                 <a14:m>
@@ -22296,7 +22096,7 @@
                   </m:oMath>
                 </a14:m>
                 <a:r>
-                  <a:rPr lang="ru-RU" dirty="0" smtClean="0"/>
+                  <a:rPr lang="ru-RU" dirty="0"/>
                   <a:t> в игре на стойкость блочных шифров, при чём</a:t>
                 </a:r>
               </a:p>
@@ -22568,7 +22368,7 @@
               <a:blipFill>
                 <a:blip r:embed="rId2"/>
                 <a:stretch>
-                  <a:fillRect l="-1043" t="-2101"/>
+                  <a:fillRect l="-1043" t="-2101" r="-522"/>
                 </a:stretch>
               </a:blipFill>
             </p:spPr>
@@ -22620,13 +22420,6 @@
   <p:clrMapOvr>
     <a:masterClrMapping/>
   </p:clrMapOvr>
-  <p:timing>
-    <p:tnLst>
-      <p:par>
-        <p:cTn id="1" dur="indefinite" restart="never" nodeType="tmRoot"/>
-      </p:par>
-    </p:tnLst>
-  </p:timing>
 </p:sld>
 </file>
 
@@ -22663,7 +22456,7 @@
           <a:lstStyle/>
           <a:p>
             <a:r>
-              <a:rPr lang="en-US" dirty="0" smtClean="0"/>
+              <a:rPr lang="en-US" dirty="0"/>
               <a:t>Nonce based CBC</a:t>
             </a:r>
             <a:endParaRPr lang="ru-RU" dirty="0"/>
@@ -22688,20 +22481,16 @@
               <a:lstStyle/>
               <a:p>
                 <a:r>
-                  <a:rPr lang="ru-RU" dirty="0" smtClean="0"/>
+                  <a:rPr lang="ru-RU" dirty="0"/>
                   <a:t>Можно ли построить </a:t>
                 </a:r>
                 <a:r>
-                  <a:rPr lang="en-US" dirty="0" smtClean="0"/>
+                  <a:rPr lang="en-US" dirty="0"/>
                   <a:t>CBC </a:t>
                 </a:r>
                 <a:r>
-                  <a:rPr lang="ru-RU" dirty="0" smtClean="0"/>
-                  <a:t>режим</a:t>
-                </a:r>
-                <a:r>
                   <a:rPr lang="ru-RU" dirty="0"/>
-                  <a:t>, заменив </a:t>
+                  <a:t>режим, заменив </a:t>
                 </a:r>
                 <a:r>
                   <a:rPr lang="ru-RU" dirty="0">
@@ -22730,7 +22519,7 @@
               </a:p>
               <a:p>
                 <a:r>
-                  <a:rPr lang="ru-RU" dirty="0" smtClean="0"/>
+                  <a:rPr lang="ru-RU" dirty="0"/>
                   <a:t>Нет! Противник может сделать 2 запроса</a:t>
                 </a:r>
                 <a14:m>
@@ -23138,18 +22927,17 @@
                   </m:oMath>
                 </a14:m>
                 <a:r>
-                  <a:rPr lang="ru-RU" dirty="0" smtClean="0"/>
+                  <a:rPr lang="ru-RU" dirty="0"/>
                   <a:t>. В эксперименте 0 </a:t>
                 </a:r>
                 <a:r>
-                  <a:rPr lang="ru-RU" dirty="0" err="1" smtClean="0"/>
+                  <a:rPr lang="ru-RU" dirty="0" err="1"/>
                   <a:t>шифртексты</a:t>
                 </a:r>
                 <a:r>
-                  <a:rPr lang="ru-RU" dirty="0" smtClean="0"/>
+                  <a:rPr lang="ru-RU" dirty="0"/>
                   <a:t> будут одинаковые, в эксперименте 1 – разными.</a:t>
                 </a:r>
-                <a:endParaRPr lang="ru-RU" dirty="0"/>
               </a:p>
             </p:txBody>
           </p:sp>
@@ -23221,13 +23009,6 @@
   <p:clrMapOvr>
     <a:masterClrMapping/>
   </p:clrMapOvr>
-  <p:timing>
-    <p:tnLst>
-      <p:par>
-        <p:cTn id="1" dur="indefinite" restart="never" nodeType="tmRoot"/>
-      </p:par>
-    </p:tnLst>
-  </p:timing>
 </p:sld>
 </file>
 
@@ -23289,11 +23070,11 @@
               <a:lstStyle/>
               <a:p>
                 <a:r>
-                  <a:rPr lang="ru-RU" dirty="0" smtClean="0"/>
+                  <a:rPr lang="ru-RU" dirty="0"/>
                   <a:t>Идея – заменить </a:t>
                 </a:r>
                 <a:r>
-                  <a:rPr lang="ru-RU" dirty="0" smtClean="0">
+                  <a:rPr lang="ru-RU" dirty="0">
                     <a:solidFill>
                       <a:srgbClr val="FF0000"/>
                     </a:solidFill>
@@ -23301,7 +23082,7 @@
                   <a:t>случайный </a:t>
                 </a:r>
                 <a:r>
-                  <a:rPr lang="en-US" dirty="0" smtClean="0">
+                  <a:rPr lang="en-US" dirty="0">
                     <a:solidFill>
                       <a:srgbClr val="FF0000"/>
                     </a:solidFill>
@@ -23309,7 +23090,7 @@
                   <a:t>IV</a:t>
                 </a:r>
                 <a:r>
-                  <a:rPr lang="ru-RU" dirty="0" smtClean="0">
+                  <a:rPr lang="ru-RU" dirty="0">
                     <a:solidFill>
                       <a:srgbClr val="FF0000"/>
                     </a:solidFill>
@@ -23317,11 +23098,11 @@
                   <a:t> </a:t>
                 </a:r>
                 <a:r>
-                  <a:rPr lang="ru-RU" dirty="0" smtClean="0"/>
+                  <a:rPr lang="ru-RU" dirty="0"/>
                   <a:t>на псевдослучайный, полученный из </a:t>
                 </a:r>
                 <a:r>
-                  <a:rPr lang="en-US" dirty="0" smtClean="0">
+                  <a:rPr lang="en-US" dirty="0">
                     <a:solidFill>
                       <a:srgbClr val="00B050"/>
                     </a:solidFill>
@@ -23329,25 +23110,25 @@
                   <a:t>nonce</a:t>
                 </a:r>
                 <a:r>
-                  <a:rPr lang="en-US" dirty="0" smtClean="0"/>
+                  <a:rPr lang="en-US" dirty="0"/>
                   <a:t> </a:t>
                 </a:r>
                 <a:r>
-                  <a:rPr lang="ru-RU" dirty="0" smtClean="0"/>
+                  <a:rPr lang="ru-RU" dirty="0"/>
                   <a:t>с помощью </a:t>
                 </a:r>
                 <a:r>
-                  <a:rPr lang="en-US" dirty="0" smtClean="0"/>
+                  <a:rPr lang="en-US" dirty="0"/>
                   <a:t>PRF</a:t>
                 </a:r>
                 <a:r>
-                  <a:rPr lang="ru-RU" dirty="0" smtClean="0"/>
+                  <a:rPr lang="ru-RU" dirty="0"/>
                   <a:t>.</a:t>
                 </a:r>
               </a:p>
               <a:p>
                 <a:r>
-                  <a:rPr lang="ru-RU" dirty="0" smtClean="0"/>
+                  <a:rPr lang="ru-RU" dirty="0"/>
                   <a:t>Пусть </a:t>
                 </a:r>
                 <a14:m>
@@ -23361,11 +23142,11 @@
                   </m:oMath>
                 </a14:m>
                 <a:r>
-                  <a:rPr lang="en-US" dirty="0" smtClean="0"/>
+                  <a:rPr lang="en-US" dirty="0"/>
                   <a:t> – PRF </a:t>
                 </a:r>
                 <a:r>
-                  <a:rPr lang="ru-RU" dirty="0" smtClean="0"/>
+                  <a:rPr lang="ru-RU" dirty="0"/>
                   <a:t>на </a:t>
                 </a:r>
                 <a14:m>
@@ -23453,11 +23234,11 @@
                   </m:oMath>
                 </a14:m>
                 <a:r>
-                  <a:rPr lang="en-US" dirty="0" smtClean="0"/>
+                  <a:rPr lang="en-US" dirty="0"/>
                   <a:t> </a:t>
                 </a:r>
                 <a:r>
-                  <a:rPr lang="ru-RU" dirty="0" smtClean="0"/>
+                  <a:rPr lang="ru-RU" dirty="0"/>
                   <a:t>где </a:t>
                 </a:r>
                 <a14:m>
@@ -23471,11 +23252,11 @@
                   </m:oMath>
                 </a14:m>
                 <a:r>
-                  <a:rPr lang="en-US" dirty="0" smtClean="0"/>
+                  <a:rPr lang="en-US" dirty="0"/>
                   <a:t> – </a:t>
                 </a:r>
                 <a:r>
-                  <a:rPr lang="ru-RU" dirty="0" smtClean="0"/>
+                  <a:rPr lang="ru-RU" dirty="0"/>
                   <a:t>множество блоков блочного шифра </a:t>
                 </a:r>
                 <a14:m>
@@ -23527,7 +23308,7 @@
                   </m:oMath>
                 </a14:m>
                 <a:r>
-                  <a:rPr lang="ru-RU" dirty="0" smtClean="0"/>
+                  <a:rPr lang="ru-RU" dirty="0"/>
                   <a:t>, отпрядённого на </a:t>
                 </a:r>
                 <a14:m>
@@ -23565,13 +23346,13 @@
                   </m:oMath>
                 </a14:m>
                 <a:r>
-                  <a:rPr lang="ru-RU" dirty="0" smtClean="0"/>
+                  <a:rPr lang="ru-RU" dirty="0"/>
                   <a:t>.</a:t>
                 </a:r>
               </a:p>
               <a:p>
                 <a:r>
-                  <a:rPr lang="ru-RU" dirty="0" smtClean="0"/>
+                  <a:rPr lang="ru-RU" dirty="0"/>
                   <a:t>Ключом является элемент из множества </a:t>
                 </a:r>
                 <a14:m>
@@ -23603,31 +23384,31 @@
                   </m:oMath>
                 </a14:m>
                 <a:r>
-                  <a:rPr lang="ru-RU" dirty="0" smtClean="0"/>
+                  <a:rPr lang="ru-RU" dirty="0"/>
                   <a:t>, алгоритм </a:t>
                 </a:r>
                 <a:r>
-                  <a:rPr lang="ru-RU" dirty="0" err="1" smtClean="0"/>
+                  <a:rPr lang="ru-RU" dirty="0" err="1"/>
                   <a:t>зашифрования</a:t>
                 </a:r>
                 <a:r>
-                  <a:rPr lang="ru-RU" dirty="0" smtClean="0"/>
+                  <a:rPr lang="ru-RU" dirty="0"/>
                   <a:t> и </a:t>
                 </a:r>
                 <a:r>
-                  <a:rPr lang="ru-RU" dirty="0" err="1" smtClean="0"/>
+                  <a:rPr lang="ru-RU" dirty="0" err="1"/>
                   <a:t>расшифрования</a:t>
                 </a:r>
                 <a:r>
-                  <a:rPr lang="ru-RU" dirty="0" smtClean="0"/>
+                  <a:rPr lang="ru-RU" dirty="0"/>
                   <a:t> отличаются от </a:t>
                 </a:r>
                 <a:r>
-                  <a:rPr lang="en-US" dirty="0" smtClean="0"/>
+                  <a:rPr lang="en-US" dirty="0"/>
                   <a:t>CBC </a:t>
                 </a:r>
                 <a:r>
-                  <a:rPr lang="ru-RU" dirty="0" smtClean="0"/>
+                  <a:rPr lang="ru-RU" dirty="0"/>
                   <a:t>только в получении </a:t>
                 </a:r>
                 <a14:m>
@@ -23724,10 +23505,9 @@
                   </m:oMath>
                 </a14:m>
                 <a:r>
-                  <a:rPr lang="ru-RU" dirty="0" smtClean="0"/>
+                  <a:rPr lang="ru-RU" dirty="0"/>
                   <a:t>.</a:t>
                 </a:r>
-                <a:endParaRPr lang="ru-RU" dirty="0"/>
               </a:p>
             </p:txBody>
           </p:sp>
@@ -23799,13 +23579,6 @@
   <p:clrMapOvr>
     <a:masterClrMapping/>
   </p:clrMapOvr>
-  <p:timing>
-    <p:tnLst>
-      <p:par>
-        <p:cTn id="1" dur="indefinite" restart="never" nodeType="tmRoot"/>
-      </p:par>
-    </p:tnLst>
-  </p:timing>
 </p:sld>
 </file>
 
@@ -23910,11 +23683,11 @@
                   <a:buNone/>
                 </a:pPr>
                 <a:r>
-                  <a:rPr lang="ru-RU" b="1" dirty="0" smtClean="0"/>
+                  <a:rPr lang="ru-RU" b="1" dirty="0"/>
                   <a:t>Теорема 8.3. </a:t>
                 </a:r>
                 <a:r>
-                  <a:rPr lang="ru-RU" dirty="0" smtClean="0"/>
+                  <a:rPr lang="ru-RU" dirty="0"/>
                   <a:t>Пусть </a:t>
                 </a:r>
                 <a14:m>
@@ -23961,7 +23734,7 @@
                   </m:oMath>
                 </a14:m>
                 <a:r>
-                  <a:rPr lang="ru-RU" dirty="0" smtClean="0"/>
+                  <a:rPr lang="ru-RU" dirty="0"/>
                   <a:t> – семантически стойкий шифр на </a:t>
                 </a:r>
                 <a14:m>
@@ -23999,7 +23772,7 @@
                   </m:oMath>
                 </a14:m>
                 <a:r>
-                  <a:rPr lang="ru-RU" dirty="0" smtClean="0"/>
+                  <a:rPr lang="ru-RU" dirty="0"/>
                   <a:t>, </a:t>
                 </a:r>
                 <a14:m>
@@ -24031,15 +23804,15 @@
                   </m:oMath>
                 </a14:m>
                 <a:r>
-                  <a:rPr lang="ru-RU" dirty="0" smtClean="0"/>
+                  <a:rPr lang="ru-RU" dirty="0"/>
                   <a:t> - </a:t>
                 </a:r>
                 <a:r>
-                  <a:rPr lang="ru-RU" dirty="0" err="1" smtClean="0"/>
+                  <a:rPr lang="ru-RU" dirty="0" err="1"/>
                   <a:t>сверхполиномиальная</a:t>
                 </a:r>
                 <a:r>
-                  <a:rPr lang="ru-RU" dirty="0" smtClean="0"/>
+                  <a:rPr lang="ru-RU" dirty="0"/>
                   <a:t>, </a:t>
                 </a:r>
                 <a14:m>
@@ -24059,31 +23832,31 @@
                   </m:oMath>
                 </a14:m>
                 <a:r>
-                  <a:rPr lang="ru-RU" dirty="0" smtClean="0"/>
+                  <a:rPr lang="ru-RU" dirty="0"/>
                   <a:t> – </a:t>
                 </a:r>
                 <a:r>
-                  <a:rPr lang="ru-RU" dirty="0" err="1" smtClean="0"/>
+                  <a:rPr lang="ru-RU" dirty="0" err="1"/>
                   <a:t>полиномиально</a:t>
                 </a:r>
                 <a:r>
-                  <a:rPr lang="ru-RU" dirty="0" smtClean="0"/>
+                  <a:rPr lang="ru-RU" dirty="0"/>
                   <a:t> ограниченная. Тогда введенный ранее </a:t>
                 </a:r>
                 <a:r>
-                  <a:rPr lang="en-US" dirty="0" smtClean="0"/>
+                  <a:rPr lang="en-US" dirty="0"/>
                   <a:t>CBC</a:t>
                 </a:r>
                 <a:r>
-                  <a:rPr lang="ru-RU" dirty="0" smtClean="0"/>
+                  <a:rPr lang="ru-RU" dirty="0"/>
                   <a:t> шифр является </a:t>
                 </a:r>
                 <a:r>
-                  <a:rPr lang="en-US" dirty="0" smtClean="0"/>
+                  <a:rPr lang="en-US" dirty="0"/>
                   <a:t>CPA </a:t>
                 </a:r>
                 <a:r>
-                  <a:rPr lang="ru-RU" dirty="0" smtClean="0"/>
+                  <a:rPr lang="ru-RU" dirty="0"/>
                   <a:t>стойким, причём для любого противника </a:t>
                 </a:r>
                 <a14:m>
@@ -24097,19 +23870,19 @@
                   </m:oMath>
                 </a14:m>
                 <a:r>
-                  <a:rPr lang="ru-RU" dirty="0" smtClean="0"/>
+                  <a:rPr lang="ru-RU" dirty="0"/>
                   <a:t> в игре на </a:t>
                 </a:r>
                 <a:r>
-                  <a:rPr lang="en-US" dirty="0" err="1" smtClean="0"/>
+                  <a:rPr lang="en-US" dirty="0" err="1"/>
                   <a:t>nCPA</a:t>
                 </a:r>
                 <a:r>
-                  <a:rPr lang="en-US" dirty="0" smtClean="0"/>
+                  <a:rPr lang="en-US" dirty="0"/>
                   <a:t> </a:t>
                 </a:r>
                 <a:r>
-                  <a:rPr lang="ru-RU" dirty="0" smtClean="0"/>
+                  <a:rPr lang="ru-RU" dirty="0"/>
                   <a:t>стойкость, делающим не более </a:t>
                 </a:r>
                 <a14:m>
@@ -24123,7 +23896,7 @@
                   </m:oMath>
                 </a14:m>
                 <a:r>
-                  <a:rPr lang="ru-RU" dirty="0" smtClean="0"/>
+                  <a:rPr lang="ru-RU" dirty="0"/>
                   <a:t> запросов к оракулу, существует противник </a:t>
                 </a:r>
                 <a14:m>
@@ -24137,15 +23910,15 @@
                   </m:oMath>
                 </a14:m>
                 <a:r>
-                  <a:rPr lang="ru-RU" dirty="0" smtClean="0"/>
+                  <a:rPr lang="ru-RU" dirty="0"/>
                   <a:t> в игре на стойкость блочных шифров,</a:t>
                 </a:r>
                 <a:r>
-                  <a:rPr lang="en-US" dirty="0" smtClean="0"/>
+                  <a:rPr lang="en-US" dirty="0"/>
                   <a:t> </a:t>
                 </a:r>
                 <a:r>
-                  <a:rPr lang="ru-RU" dirty="0" smtClean="0"/>
+                  <a:rPr lang="ru-RU" dirty="0"/>
                   <a:t>и </a:t>
                 </a:r>
                 <a14:m>
@@ -24178,15 +23951,15 @@
                   </m:oMath>
                 </a14:m>
                 <a:r>
-                  <a:rPr lang="ru-RU" dirty="0" smtClean="0"/>
+                  <a:rPr lang="ru-RU" dirty="0"/>
                   <a:t> в игре на стойкость </a:t>
                 </a:r>
                 <a:r>
-                  <a:rPr lang="en-US" dirty="0" smtClean="0"/>
+                  <a:rPr lang="en-US" dirty="0"/>
                   <a:t>PRF</a:t>
                 </a:r>
                 <a:r>
-                  <a:rPr lang="ru-RU" dirty="0" smtClean="0"/>
+                  <a:rPr lang="ru-RU" dirty="0"/>
                   <a:t>, при чём</a:t>
                 </a:r>
               </a:p>
@@ -24503,7 +24276,7 @@
                     </m:oMath>
                   </m:oMathPara>
                 </a14:m>
-                <a:endParaRPr lang="en-US" dirty="0" smtClean="0"/>
+                <a:endParaRPr lang="en-US" dirty="0"/>
               </a:p>
               <a:p>
                 <a:pPr marL="0" indent="0">
@@ -24527,39 +24300,31 @@
                   </m:oMath>
                 </a14:m>
                 <a:r>
-                  <a:rPr lang="ru-RU" dirty="0" smtClean="0"/>
+                  <a:rPr lang="ru-RU" dirty="0"/>
                   <a:t>Аналогично </a:t>
                 </a:r>
                 <a:r>
-                  <a:rPr lang="ru-RU" b="1" dirty="0" smtClean="0"/>
+                  <a:rPr lang="ru-RU" b="1" dirty="0"/>
                   <a:t>Теореме </a:t>
                 </a:r>
                 <a:r>
-                  <a:rPr lang="en-US" b="1" dirty="0" smtClean="0"/>
+                  <a:rPr lang="en-US" b="1" dirty="0"/>
                   <a:t>7</a:t>
                 </a:r>
                 <a:r>
-                  <a:rPr lang="ru-RU" b="1" dirty="0" smtClean="0"/>
+                  <a:rPr lang="ru-RU" b="1" dirty="0"/>
                   <a:t>.</a:t>
                 </a:r>
                 <a:r>
-                  <a:rPr lang="en-US" b="1" dirty="0" smtClean="0"/>
+                  <a:rPr lang="en-US" b="1" dirty="0"/>
                   <a:t>3</a:t>
                 </a:r>
                 <a:r>
-                  <a:rPr lang="ru-RU" dirty="0" smtClean="0"/>
-                  <a:t>, </a:t>
-                </a:r>
-                <a:r>
                   <a:rPr lang="ru-RU" dirty="0"/>
-                  <a:t>н</a:t>
-                </a:r>
-                <a:r>
-                  <a:rPr lang="ru-RU" dirty="0" smtClean="0"/>
-                  <a:t>о с учётом использования не только блочного шифра, но и </a:t>
-                </a:r>
-                <a:r>
-                  <a:rPr lang="en-US" dirty="0" smtClean="0"/>
+                  <a:t>, но с учётом использования не только блочного шифра, но и </a:t>
+                </a:r>
+                <a:r>
+                  <a:rPr lang="en-US" dirty="0"/>
                   <a:t>PRF</a:t>
                 </a:r>
                 <a14:m>
@@ -24651,13 +24416,6 @@
   <p:clrMapOvr>
     <a:masterClrMapping/>
   </p:clrMapOvr>
-  <p:timing>
-    <p:tnLst>
-      <p:par>
-        <p:cTn id="1" dur="indefinite" restart="never" nodeType="tmRoot"/>
-      </p:par>
-    </p:tnLst>
-  </p:timing>
 </p:sld>
 </file>
 
@@ -24699,10 +24457,9 @@
           <a:lstStyle/>
           <a:p>
             <a:r>
-              <a:rPr lang="ru-RU" dirty="0" smtClean="0"/>
+              <a:rPr lang="ru-RU" dirty="0"/>
               <a:t>Тест.</a:t>
             </a:r>
-            <a:endParaRPr lang="ru-RU" dirty="0"/>
           </a:p>
         </p:txBody>
       </p:sp>
@@ -24867,363 +24624,122 @@
           </a:p>
         </p:txBody>
       </p:sp>
-      <mc:AlternateContent xmlns:mc="http://schemas.openxmlformats.org/markup-compatibility/2006" xmlns:a14="http://schemas.microsoft.com/office/drawing/2010/main">
-        <mc:Choice Requires="a14">
-          <p:sp>
-            <p:nvSpPr>
-              <p:cNvPr id="3" name="TextBox 2"/>
-              <p:cNvSpPr txBox="1"/>
-              <p:nvPr/>
-            </p:nvSpPr>
-            <p:spPr>
-              <a:xfrm>
-                <a:off x="838200" y="1031953"/>
-                <a:ext cx="10134599" cy="4401205"/>
-              </a:xfrm>
-              <a:prstGeom prst="rect">
-                <a:avLst/>
-              </a:prstGeom>
-              <a:noFill/>
-            </p:spPr>
-            <p:txBody>
-              <a:bodyPr wrap="square" rtlCol="0">
-                <a:spAutoFit/>
-              </a:bodyPr>
-              <a:lstStyle/>
-              <a:p>
-                <a:r>
-                  <a:rPr lang="ru-RU" sz="2800" dirty="0" smtClean="0"/>
-                  <a:t>Пусть </a:t>
-                </a:r>
-                <a14:m>
-                  <m:oMath xmlns:m="http://schemas.openxmlformats.org/officeDocument/2006/math">
-                    <m:r>
-                      <m:rPr>
-                        <m:sty m:val="p"/>
-                      </m:rPr>
-                      <a:rPr lang="en-US" sz="2800" b="0" i="0" smtClean="0">
-                        <a:latin typeface="Cambria Math" panose="02040503050406030204" pitchFamily="18" charset="0"/>
-                      </a:rPr>
-                      <m:t>E</m:t>
-                    </m:r>
-                    <m:r>
-                      <a:rPr lang="en-US" sz="2800" b="0" i="0" smtClean="0">
-                        <a:latin typeface="Cambria Math" panose="02040503050406030204" pitchFamily="18" charset="0"/>
-                      </a:rPr>
-                      <m:t>=(</m:t>
-                    </m:r>
-                    <m:r>
-                      <a:rPr lang="en-US" sz="2800" b="0" i="1" smtClean="0">
-                        <a:latin typeface="Cambria Math" panose="02040503050406030204" pitchFamily="18" charset="0"/>
-                      </a:rPr>
-                      <m:t>𝐸</m:t>
-                    </m:r>
-                    <m:r>
-                      <a:rPr lang="en-US" sz="2800" b="0" i="1" smtClean="0">
-                        <a:latin typeface="Cambria Math" panose="02040503050406030204" pitchFamily="18" charset="0"/>
-                      </a:rPr>
-                      <m:t>,</m:t>
-                    </m:r>
-                    <m:r>
-                      <a:rPr lang="en-US" sz="2800" b="0" i="1" smtClean="0">
-                        <a:latin typeface="Cambria Math" panose="02040503050406030204" pitchFamily="18" charset="0"/>
-                      </a:rPr>
-                      <m:t>𝐷</m:t>
-                    </m:r>
-                    <m:r>
-                      <a:rPr lang="en-US" sz="2800" b="0" i="1" smtClean="0">
-                        <a:latin typeface="Cambria Math" panose="02040503050406030204" pitchFamily="18" charset="0"/>
-                      </a:rPr>
-                      <m:t>)</m:t>
-                    </m:r>
-                  </m:oMath>
-                </a14:m>
-                <a:r>
-                  <a:rPr lang="en-US" sz="2800" i="1" dirty="0" smtClean="0"/>
-                  <a:t> –</a:t>
-                </a:r>
-                <a:r>
-                  <a:rPr lang="ru-RU" sz="2800" i="1" dirty="0" smtClean="0"/>
-                  <a:t> </a:t>
-                </a:r>
-                <a:r>
-                  <a:rPr lang="en-US" sz="2800" dirty="0" smtClean="0"/>
-                  <a:t>CBC </a:t>
-                </a:r>
-                <a:r>
-                  <a:rPr lang="ru-RU" sz="2800" dirty="0" smtClean="0"/>
-                  <a:t>шифр для сообщений </a:t>
-                </a:r>
-                <a:r>
-                  <a:rPr lang="ru-RU" sz="2800" b="1" dirty="0" smtClean="0"/>
-                  <a:t>произвольной длинны</a:t>
-                </a:r>
-                <a:r>
-                  <a:rPr lang="ru-RU" sz="2800" dirty="0" smtClean="0"/>
-                  <a:t>, использующий некоторый блочный шифр </a:t>
-                </a:r>
-                <a14:m>
-                  <m:oMath xmlns:m="http://schemas.openxmlformats.org/officeDocument/2006/math">
-                    <m:sSub>
-                      <m:sSubPr>
-                        <m:ctrlPr>
-                          <a:rPr lang="en-US" sz="2800" b="0" i="1" smtClean="0">
-                            <a:latin typeface="Cambria Math" panose="02040503050406030204" pitchFamily="18" charset="0"/>
-                          </a:rPr>
-                        </m:ctrlPr>
-                      </m:sSubPr>
-                      <m:e>
-                        <m:r>
-                          <a:rPr lang="en-US" sz="2800" b="0" i="1" smtClean="0">
-                            <a:latin typeface="Cambria Math" panose="02040503050406030204" pitchFamily="18" charset="0"/>
-                          </a:rPr>
-                          <m:t>𝐸</m:t>
-                        </m:r>
-                      </m:e>
-                      <m:sub>
-                        <m:r>
-                          <a:rPr lang="en-US" sz="2800" b="0" i="1" smtClean="0">
-                            <a:latin typeface="Cambria Math" panose="02040503050406030204" pitchFamily="18" charset="0"/>
-                          </a:rPr>
-                          <m:t>𝐵</m:t>
-                        </m:r>
-                      </m:sub>
-                    </m:sSub>
-                    <m:r>
-                      <a:rPr lang="en-US" sz="2800" b="0" i="1" smtClean="0">
-                        <a:latin typeface="Cambria Math" panose="02040503050406030204" pitchFamily="18" charset="0"/>
-                      </a:rPr>
-                      <m:t>:</m:t>
-                    </m:r>
-                    <m:r>
-                      <a:rPr lang="en-US" sz="2800" b="0" i="1" smtClean="0">
-                        <a:latin typeface="Cambria Math" panose="02040503050406030204" pitchFamily="18" charset="0"/>
-                      </a:rPr>
-                      <m:t>𝐾</m:t>
-                    </m:r>
-                    <m:r>
-                      <a:rPr lang="en-US" sz="2800" b="0" i="1" smtClean="0">
-                        <a:latin typeface="Cambria Math" panose="02040503050406030204" pitchFamily="18" charset="0"/>
-                      </a:rPr>
-                      <m:t>×</m:t>
-                    </m:r>
-                    <m:r>
-                      <a:rPr lang="en-US" sz="2800" b="0" i="1" smtClean="0">
-                        <a:latin typeface="Cambria Math" panose="02040503050406030204" pitchFamily="18" charset="0"/>
-                      </a:rPr>
-                      <m:t>𝑋</m:t>
-                    </m:r>
-                    <m:r>
-                      <a:rPr lang="en-US" sz="2800" b="0" i="1" smtClean="0">
-                        <a:latin typeface="Cambria Math" panose="02040503050406030204" pitchFamily="18" charset="0"/>
-                      </a:rPr>
-                      <m:t>→</m:t>
-                    </m:r>
-                    <m:r>
-                      <a:rPr lang="en-US" sz="2800" b="0" i="1" smtClean="0">
-                        <a:latin typeface="Cambria Math" panose="02040503050406030204" pitchFamily="18" charset="0"/>
-                      </a:rPr>
-                      <m:t>𝑋</m:t>
-                    </m:r>
-                  </m:oMath>
-                </a14:m>
-                <a:r>
-                  <a:rPr lang="ru-RU" sz="2800" dirty="0" smtClean="0"/>
-                  <a:t> с размером блока </a:t>
-                </a:r>
-                <a14:m>
-                  <m:oMath xmlns:m="http://schemas.openxmlformats.org/officeDocument/2006/math">
-                    <m:r>
-                      <a:rPr lang="en-US" sz="2800" b="0" i="1" smtClean="0">
-                        <a:latin typeface="Cambria Math" panose="02040503050406030204" pitchFamily="18" charset="0"/>
-                      </a:rPr>
-                      <m:t>𝑁</m:t>
-                    </m:r>
-                  </m:oMath>
-                </a14:m>
-                <a:r>
-                  <a:rPr lang="ru-RU" sz="2800" dirty="0" smtClean="0"/>
-                  <a:t> бит</a:t>
-                </a:r>
-                <a:r>
-                  <a:rPr lang="ru-RU" sz="2800" i="1" dirty="0" smtClean="0"/>
-                  <a:t>.</a:t>
-                </a:r>
-              </a:p>
-              <a:p>
-                <a:endParaRPr lang="ru-RU" sz="2800" i="1" dirty="0"/>
-              </a:p>
-              <a:p>
-                <a:pPr marL="514350" indent="-514350">
-                  <a:buAutoNum type="arabicPeriod"/>
-                </a:pPr>
-                <a:r>
-                  <a:rPr lang="ru-RU" sz="2800" dirty="0" smtClean="0"/>
-                  <a:t>Как следует выбрать ключ для шифра </a:t>
-                </a:r>
-                <a14:m>
-                  <m:oMath xmlns:m="http://schemas.openxmlformats.org/officeDocument/2006/math">
-                    <m:r>
-                      <m:rPr>
-                        <m:sty m:val="p"/>
-                      </m:rPr>
-                      <a:rPr lang="en-US" sz="2800" b="0" i="0" smtClean="0">
-                        <a:latin typeface="Cambria Math" panose="02040503050406030204" pitchFamily="18" charset="0"/>
-                      </a:rPr>
-                      <m:t>E</m:t>
-                    </m:r>
-                  </m:oMath>
-                </a14:m>
-                <a:r>
-                  <a:rPr lang="ru-RU" sz="2800" dirty="0" smtClean="0"/>
-                  <a:t>?</a:t>
-                </a:r>
-              </a:p>
-              <a:p>
-                <a:pPr marL="514350" indent="-514350">
-                  <a:buAutoNum type="arabicPeriod"/>
-                </a:pPr>
-                <a:r>
-                  <a:rPr lang="ru-RU" sz="2800" dirty="0" smtClean="0"/>
-                  <a:t>Как следует выбрать и передавать </a:t>
-                </a:r>
-                <a:r>
-                  <a:rPr lang="en-US" sz="2800" dirty="0" smtClean="0"/>
-                  <a:t>IV?</a:t>
-                </a:r>
-                <a:endParaRPr lang="ru-RU" sz="2800" dirty="0" smtClean="0"/>
-              </a:p>
-              <a:p>
-                <a:pPr marL="514350" indent="-514350">
-                  <a:buAutoNum type="arabicPeriod"/>
-                </a:pPr>
-                <a:r>
-                  <a:rPr lang="ru-RU" sz="2800" dirty="0" smtClean="0"/>
-                  <a:t>Какой ожидаемый размер </a:t>
-                </a:r>
-                <a:r>
-                  <a:rPr lang="ru-RU" sz="2800" dirty="0" err="1" smtClean="0"/>
-                  <a:t>ш.т</a:t>
-                </a:r>
-                <a:r>
-                  <a:rPr lang="ru-RU" sz="2800" dirty="0" smtClean="0"/>
-                  <a:t>. при шифровании сообщения размера </a:t>
-                </a:r>
-                <a14:m>
-                  <m:oMath xmlns:m="http://schemas.openxmlformats.org/officeDocument/2006/math">
-                    <m:r>
-                      <a:rPr lang="en-US" sz="2800" b="0" i="1" smtClean="0">
-                        <a:latin typeface="Cambria Math" panose="02040503050406030204" pitchFamily="18" charset="0"/>
-                      </a:rPr>
-                      <m:t>𝑁</m:t>
-                    </m:r>
-                    <m:r>
-                      <a:rPr lang="en-US" sz="2800" b="0" i="1" smtClean="0">
-                        <a:latin typeface="Cambria Math" panose="02040503050406030204" pitchFamily="18" charset="0"/>
-                      </a:rPr>
-                      <m:t>/2</m:t>
-                    </m:r>
-                  </m:oMath>
-                </a14:m>
-                <a:r>
-                  <a:rPr lang="ru-RU" sz="2800" dirty="0" smtClean="0"/>
-                  <a:t> бит?</a:t>
-                </a:r>
-                <a:endParaRPr lang="en-US" sz="2800" dirty="0" smtClean="0"/>
-              </a:p>
-              <a:p>
-                <a:pPr marL="514350" indent="-514350">
-                  <a:buFontTx/>
-                  <a:buAutoNum type="arabicPeriod"/>
-                </a:pPr>
-                <a:r>
-                  <a:rPr lang="ru-RU" sz="2800" dirty="0"/>
-                  <a:t>Какой ожидаемый размер </a:t>
-                </a:r>
-                <a:r>
-                  <a:rPr lang="ru-RU" sz="2800" dirty="0" err="1"/>
-                  <a:t>ш.т</a:t>
-                </a:r>
-                <a:r>
-                  <a:rPr lang="ru-RU" sz="2800" dirty="0"/>
-                  <a:t>. при шифровании сообщения размера </a:t>
-                </a:r>
-                <a14:m>
-                  <m:oMath xmlns:m="http://schemas.openxmlformats.org/officeDocument/2006/math">
-                    <m:r>
-                      <a:rPr lang="en-US" sz="2800" b="0" i="0" smtClean="0">
-                        <a:latin typeface="Cambria Math" panose="02040503050406030204" pitchFamily="18" charset="0"/>
-                      </a:rPr>
-                      <m:t>3</m:t>
-                    </m:r>
-                    <m:r>
-                      <a:rPr lang="en-US" sz="2800" i="1">
-                        <a:latin typeface="Cambria Math" panose="02040503050406030204" pitchFamily="18" charset="0"/>
-                      </a:rPr>
-                      <m:t>𝑁</m:t>
-                    </m:r>
-                  </m:oMath>
-                </a14:m>
-                <a:r>
-                  <a:rPr lang="en-US" sz="2800" dirty="0" smtClean="0"/>
-                  <a:t> </a:t>
-                </a:r>
-                <a:r>
-                  <a:rPr lang="ru-RU" sz="2800" dirty="0"/>
-                  <a:t>бит</a:t>
-                </a:r>
-                <a:r>
-                  <a:rPr lang="ru-RU" sz="2800" dirty="0" smtClean="0"/>
-                  <a:t>?</a:t>
-                </a:r>
-                <a:endParaRPr lang="ru-RU" sz="2800" dirty="0"/>
-              </a:p>
-            </p:txBody>
-          </p:sp>
-        </mc:Choice>
-        <mc:Fallback xmlns="">
-          <p:sp>
-            <p:nvSpPr>
-              <p:cNvPr id="3" name="TextBox 2"/>
-              <p:cNvSpPr txBox="1">
-                <a:spLocks noRot="1" noChangeAspect="1" noMove="1" noResize="1" noEditPoints="1" noAdjustHandles="1" noChangeArrowheads="1" noChangeShapeType="1" noTextEdit="1"/>
-              </p:cNvSpPr>
-              <p:nvPr/>
-            </p:nvSpPr>
-            <p:spPr>
-              <a:xfrm>
-                <a:off x="838200" y="1031953"/>
-                <a:ext cx="10134599" cy="4401205"/>
-              </a:xfrm>
-              <a:prstGeom prst="rect">
-                <a:avLst/>
-              </a:prstGeom>
-              <a:blipFill rotWithShape="0">
-                <a:blip r:embed="rId2"/>
-                <a:stretch>
-                  <a:fillRect l="-1264" t="-1247" b="-3047"/>
-                </a:stretch>
-              </a:blipFill>
-            </p:spPr>
-            <p:txBody>
-              <a:bodyPr/>
-              <a:lstStyle/>
-              <a:p>
-                <a:r>
-                  <a:rPr lang="ru-RU">
-                    <a:noFill/>
-                  </a:rPr>
-                  <a:t> </a:t>
-                </a:r>
-              </a:p>
-            </p:txBody>
-          </p:sp>
-        </mc:Fallback>
-      </mc:AlternateContent>
+      <p:sp>
+        <p:nvSpPr>
+          <p:cNvPr id="3" name="TextBox 2"/>
+          <p:cNvSpPr txBox="1"/>
+          <p:nvPr/>
+        </p:nvSpPr>
+        <p:spPr>
+          <a:xfrm>
+            <a:off x="838200" y="1031953"/>
+            <a:ext cx="10134599" cy="3539430"/>
+          </a:xfrm>
+          <a:prstGeom prst="rect">
+            <a:avLst/>
+          </a:prstGeom>
+          <a:noFill/>
+        </p:spPr>
+        <p:txBody>
+          <a:bodyPr wrap="square" rtlCol="0">
+            <a:spAutoFit/>
+          </a:bodyPr>
+          <a:lstStyle/>
+          <a:p>
+            <a:r>
+              <a:rPr lang="ru-RU" sz="2800" dirty="0"/>
+              <a:t>1 – режим </a:t>
+            </a:r>
+            <a:r>
+              <a:rPr lang="en-US" sz="2800" b="1" dirty="0"/>
+              <a:t>CTR</a:t>
+            </a:r>
+            <a:r>
+              <a:rPr lang="ru-RU" sz="2800" dirty="0"/>
+              <a:t>, как следует выбирать ключ?</a:t>
+            </a:r>
+            <a:endParaRPr lang="en-US" sz="2800" dirty="0"/>
+          </a:p>
+          <a:p>
+            <a:r>
+              <a:rPr lang="en-US" sz="2800" dirty="0"/>
+              <a:t>2 – </a:t>
+            </a:r>
+            <a:r>
+              <a:rPr lang="ru-RU" sz="2800" dirty="0"/>
+              <a:t>режим </a:t>
+            </a:r>
+            <a:r>
+              <a:rPr lang="en-US" sz="2800" b="1" dirty="0"/>
+              <a:t>CBC</a:t>
+            </a:r>
+            <a:r>
+              <a:rPr lang="ru-RU" sz="2800" dirty="0"/>
+              <a:t>, как следует выбирать </a:t>
+            </a:r>
+            <a:r>
+              <a:rPr lang="en-US" sz="2800" dirty="0"/>
+              <a:t>IV?</a:t>
+            </a:r>
+          </a:p>
+          <a:p>
+            <a:r>
+              <a:rPr lang="ru-RU" sz="2800" dirty="0"/>
+              <a:t>3 – режим </a:t>
+            </a:r>
+            <a:r>
+              <a:rPr lang="en-US" sz="2800" b="1" dirty="0"/>
+              <a:t>OFB</a:t>
+            </a:r>
+            <a:r>
+              <a:rPr lang="ru-RU" sz="2800" dirty="0"/>
+              <a:t>, нужно ли использовать дополнение ОТ?  Если да</a:t>
+            </a:r>
+            <a:r>
+              <a:rPr lang="ru-RU" sz="2800"/>
+              <a:t>, то какое</a:t>
+            </a:r>
+            <a:r>
+              <a:rPr lang="ru-RU" sz="2800" dirty="0"/>
+              <a:t>?</a:t>
+            </a:r>
+          </a:p>
+          <a:p>
+            <a:r>
+              <a:rPr lang="ru-RU" sz="2800" dirty="0"/>
+              <a:t>4 –</a:t>
+            </a:r>
+            <a:r>
+              <a:rPr lang="en-US" sz="2800" dirty="0"/>
+              <a:t> </a:t>
+            </a:r>
+            <a:r>
+              <a:rPr lang="ru-RU" sz="2800" dirty="0"/>
+              <a:t>в блочном шифре «сломалась» процедура шифрования. Доступна только процедура расшифрования. Можно ли построить с помощью такого шифра </a:t>
+            </a:r>
+            <a:r>
+              <a:rPr lang="en-US" sz="2800" dirty="0"/>
+              <a:t>CPA </a:t>
+            </a:r>
+            <a:r>
+              <a:rPr lang="ru-RU" sz="2800" dirty="0"/>
+              <a:t>стойкий шифр? Почему </a:t>
+            </a:r>
+            <a:r>
+              <a:rPr lang="en-US" sz="2800" dirty="0"/>
+              <a:t>/ </a:t>
+            </a:r>
+            <a:r>
+              <a:rPr lang="ru-RU" sz="2800" dirty="0"/>
+              <a:t>как именно? </a:t>
+            </a:r>
+          </a:p>
+        </p:txBody>
+      </p:sp>
     </p:spTree>
     <p:extLst>
       <p:ext uri="{BB962C8B-B14F-4D97-AF65-F5344CB8AC3E}">
-        <p14:creationId xmlns:p14="http://schemas.microsoft.com/office/powerpoint/2010/main" val="3101618095"/>
+        <p14:creationId xmlns:p14="http://schemas.microsoft.com/office/powerpoint/2010/main" val="2184093709"/>
       </p:ext>
     </p:extLst>
   </p:cSld>
@@ -25445,10 +24961,9 @@
           <a:lstStyle/>
           <a:p>
             <a:r>
-              <a:rPr lang="ru-RU" dirty="0" smtClean="0"/>
+              <a:rPr lang="ru-RU" dirty="0"/>
               <a:t>Поиск в базе данных</a:t>
             </a:r>
-            <a:endParaRPr lang="ru-RU" dirty="0"/>
           </a:p>
         </p:txBody>
       </p:sp>
@@ -25469,39 +24984,27 @@
           <a:p>
             <a:r>
               <a:rPr lang="ru-RU" dirty="0"/>
-              <a:t>Рассмотрим пример – </a:t>
-            </a:r>
-            <a:r>
-              <a:rPr lang="ru-RU" dirty="0" smtClean="0"/>
-              <a:t>хранение шифрованных </a:t>
-            </a:r>
-            <a:r>
-              <a:rPr lang="ru-RU" dirty="0"/>
-              <a:t>файлов на удалённом сервере</a:t>
-            </a:r>
-            <a:r>
-              <a:rPr lang="ru-RU" dirty="0" smtClean="0"/>
-              <a:t>.</a:t>
+              <a:t>Рассмотрим пример – хранение шифрованных файлов на удалённом сервере.</a:t>
             </a:r>
           </a:p>
           <a:p>
             <a:r>
-              <a:rPr lang="ru-RU" dirty="0" smtClean="0"/>
+              <a:rPr lang="ru-RU" dirty="0"/>
               <a:t>При использовании </a:t>
             </a:r>
             <a:r>
-              <a:rPr lang="en-US" dirty="0" smtClean="0"/>
+              <a:rPr lang="en-US" dirty="0"/>
               <a:t>CPA </a:t>
             </a:r>
             <a:r>
-              <a:rPr lang="ru-RU" dirty="0" smtClean="0"/>
+              <a:rPr lang="ru-RU" dirty="0"/>
               <a:t>стойкого шифра имеем</a:t>
             </a:r>
             <a:r>
-              <a:rPr lang="en-US" dirty="0" smtClean="0"/>
+              <a:rPr lang="en-US" dirty="0"/>
               <a:t>:</a:t>
             </a:r>
-            <a:endParaRPr lang="ru-RU" dirty="0" smtClean="0"/>
+            <a:endParaRPr lang="ru-RU" dirty="0"/>
           </a:p>
           <a:p>
             <a:endParaRPr lang="ru-RU" dirty="0"/>
@@ -25568,13 +25071,6 @@
   <p:clrMapOvr>
     <a:masterClrMapping/>
   </p:clrMapOvr>
-  <p:timing>
-    <p:tnLst>
-      <p:par>
-        <p:cTn id="1" dur="indefinite" restart="never" nodeType="tmRoot"/>
-      </p:par>
-    </p:tnLst>
-  </p:timing>
 </p:sld>
 </file>
 
@@ -25633,10 +25129,9 @@
           <a:lstStyle/>
           <a:p>
             <a:r>
-              <a:rPr lang="ru-RU" dirty="0" smtClean="0"/>
+              <a:rPr lang="ru-RU" dirty="0"/>
               <a:t>Проблема – необходимость выкачивания всей информации для осуществления поиска (выборки)</a:t>
             </a:r>
-            <a:endParaRPr lang="ru-RU" dirty="0"/>
           </a:p>
         </p:txBody>
       </p:sp>
@@ -25697,13 +25192,6 @@
   <p:clrMapOvr>
     <a:masterClrMapping/>
   </p:clrMapOvr>
-  <p:timing>
-    <p:tnLst>
-      <p:par>
-        <p:cTn id="1" dur="indefinite" restart="never" nodeType="tmRoot"/>
-      </p:par>
-    </p:tnLst>
-  </p:timing>
 </p:sld>
 </file>
 
@@ -25740,10 +25228,9 @@
           <a:lstStyle/>
           <a:p>
             <a:r>
-              <a:rPr lang="ru-RU" dirty="0" smtClean="0"/>
+              <a:rPr lang="ru-RU" dirty="0"/>
               <a:t>Детерминированное шифрование</a:t>
             </a:r>
-            <a:endParaRPr lang="ru-RU" dirty="0"/>
           </a:p>
         </p:txBody>
       </p:sp>
@@ -25766,44 +25253,44 @@
               <a:buNone/>
             </a:pPr>
             <a:r>
-              <a:rPr lang="ru-RU" dirty="0" err="1" smtClean="0"/>
+              <a:rPr lang="ru-RU" dirty="0" err="1"/>
               <a:t>Рандомизированное</a:t>
             </a:r>
             <a:r>
-              <a:rPr lang="ru-RU" dirty="0" smtClean="0"/>
+              <a:rPr lang="ru-RU" dirty="0"/>
               <a:t> шифрование не позволяет искать на стороне сервера. Хотелось бы реализовать такой сценарий</a:t>
             </a:r>
             <a:r>
-              <a:rPr lang="en-US" dirty="0" smtClean="0"/>
+              <a:rPr lang="en-US" dirty="0"/>
               <a:t>:</a:t>
             </a:r>
-            <a:endParaRPr lang="ru-RU" dirty="0" smtClean="0"/>
+            <a:endParaRPr lang="ru-RU" dirty="0"/>
           </a:p>
           <a:p>
             <a:r>
-              <a:rPr lang="ru-RU" dirty="0" smtClean="0"/>
+              <a:rPr lang="ru-RU" dirty="0"/>
               <a:t>Пользователь отправляет зашифрованный файл на сервер, приписывая заголовок. Сервер записывает </a:t>
             </a:r>
             <a:r>
-              <a:rPr lang="ru-RU" dirty="0" err="1" smtClean="0"/>
+              <a:rPr lang="ru-RU" dirty="0" err="1"/>
               <a:t>шифртекст</a:t>
             </a:r>
             <a:r>
-              <a:rPr lang="ru-RU" dirty="0" smtClean="0"/>
+              <a:rPr lang="ru-RU" dirty="0"/>
               <a:t> без расшифровки</a:t>
             </a:r>
           </a:p>
           <a:p>
             <a:r>
-              <a:rPr lang="ru-RU" dirty="0" smtClean="0"/>
+              <a:rPr lang="ru-RU" dirty="0"/>
               <a:t>Для получения файла из базы данных пользователь отправляет зашифрованный (тем же ключом) заголовок и получает </a:t>
             </a:r>
             <a:r>
-              <a:rPr lang="ru-RU" dirty="0" err="1" smtClean="0"/>
+              <a:rPr lang="ru-RU" dirty="0" err="1"/>
               <a:t>шифртекст</a:t>
             </a:r>
             <a:r>
-              <a:rPr lang="ru-RU" dirty="0" smtClean="0"/>
+              <a:rPr lang="ru-RU" dirty="0"/>
               <a:t>, который потом расшифровывает.</a:t>
             </a:r>
           </a:p>
@@ -25812,7 +25299,7 @@
               <a:buNone/>
             </a:pPr>
             <a:r>
-              <a:rPr lang="ru-RU" dirty="0" smtClean="0"/>
+              <a:rPr lang="ru-RU" dirty="0"/>
               <a:t>Данная схема возможна только при детерминированном шифровании </a:t>
             </a:r>
           </a:p>
@@ -25854,13 +25341,6 @@
   <p:clrMapOvr>
     <a:masterClrMapping/>
   </p:clrMapOvr>
-  <p:timing>
-    <p:tnLst>
-      <p:par>
-        <p:cTn id="1" dur="indefinite" restart="never" nodeType="tmRoot"/>
-      </p:par>
-    </p:tnLst>
-  </p:timing>
 </p:sld>
 </file>
 
@@ -25899,7 +25379,7 @@
           <a:lstStyle/>
           <a:p>
             <a:r>
-              <a:rPr lang="en-US" dirty="0" smtClean="0"/>
+              <a:rPr lang="en-US" dirty="0"/>
               <a:t>The need for det. Encryption   </a:t>
             </a:r>
             <a:r>
@@ -27928,67 +27408,67 @@
           <a:lstStyle/>
           <a:p>
             <a:r>
-              <a:rPr lang="ru-RU" dirty="0" smtClean="0"/>
+              <a:rPr lang="ru-RU" dirty="0"/>
               <a:t>Проблема – при детерминированном шифровании противник может проверять заголовки на равенство, т.к. одинаковые заголовки дают одинаковые </a:t>
             </a:r>
             <a:r>
-              <a:rPr lang="ru-RU" dirty="0" err="1" smtClean="0"/>
+              <a:rPr lang="ru-RU" dirty="0" err="1"/>
               <a:t>зашифрования</a:t>
             </a:r>
             <a:r>
-              <a:rPr lang="ru-RU" dirty="0" smtClean="0"/>
+              <a:rPr lang="ru-RU" dirty="0"/>
               <a:t> заголовков.</a:t>
             </a:r>
           </a:p>
           <a:p>
             <a:r>
-              <a:rPr lang="ru-RU" dirty="0" smtClean="0"/>
+              <a:rPr lang="ru-RU" dirty="0"/>
               <a:t>Аналогично для </a:t>
             </a:r>
             <a:r>
-              <a:rPr lang="ru-RU" dirty="0" err="1" smtClean="0"/>
+              <a:rPr lang="ru-RU" dirty="0" err="1"/>
               <a:t>шифртекстов</a:t>
             </a:r>
             <a:r>
-              <a:rPr lang="ru-RU" dirty="0" smtClean="0"/>
+              <a:rPr lang="ru-RU" dirty="0"/>
               <a:t>. Если множество </a:t>
             </a:r>
             <a:r>
-              <a:rPr lang="ru-RU" dirty="0" err="1" smtClean="0"/>
+              <a:rPr lang="ru-RU" dirty="0" err="1"/>
               <a:t>шифртекстов</a:t>
             </a:r>
             <a:r>
-              <a:rPr lang="ru-RU" dirty="0" smtClean="0"/>
+              <a:rPr lang="ru-RU" dirty="0"/>
               <a:t> мало (например шифруются только слова, длины не более 6 символов), и распределение неравномерное, противник может провести частотный анализ и полностью расшифровать все </a:t>
             </a:r>
             <a:r>
-              <a:rPr lang="ru-RU" dirty="0" err="1" smtClean="0"/>
+              <a:rPr lang="ru-RU" dirty="0" err="1"/>
               <a:t>шифртексты</a:t>
             </a:r>
             <a:r>
-              <a:rPr lang="ru-RU" dirty="0" smtClean="0"/>
+              <a:rPr lang="ru-RU" dirty="0"/>
               <a:t>.</a:t>
             </a:r>
           </a:p>
           <a:p>
             <a:r>
-              <a:rPr lang="ru-RU" dirty="0" smtClean="0"/>
+              <a:rPr lang="ru-RU" dirty="0"/>
               <a:t>Нужно новое определение.</a:t>
             </a:r>
             <a:r>
-              <a:rPr lang="en-US" dirty="0" smtClean="0"/>
+              <a:rPr lang="en-US" dirty="0"/>
               <a:t> </a:t>
             </a:r>
             <a:r>
-              <a:rPr lang="ru-RU" dirty="0" smtClean="0"/>
+              <a:rPr lang="ru-RU" dirty="0"/>
               <a:t>Основная идея –</a:t>
             </a:r>
             <a:r>
-              <a:rPr lang="en-US" dirty="0" smtClean="0"/>
+              <a:rPr lang="en-US" dirty="0"/>
               <a:t> </a:t>
             </a:r>
             <a:r>
-              <a:rPr lang="ru-RU" dirty="0" smtClean="0"/>
+              <a:rPr lang="ru-RU" dirty="0"/>
               <a:t>новое требование</a:t>
             </a:r>
             <a:r>
@@ -27996,60 +27476,60 @@
               <a:t>:</a:t>
             </a:r>
             <a:r>
-              <a:rPr lang="ru-RU" dirty="0" smtClean="0"/>
+              <a:rPr lang="ru-RU" dirty="0"/>
               <a:t> сообщения должны быть уникальными для фиксированного ключа.</a:t>
             </a:r>
           </a:p>
           <a:p>
             <a:pPr lvl="1"/>
             <a:r>
-              <a:rPr lang="ru-RU" dirty="0" smtClean="0"/>
+              <a:rPr lang="ru-RU" dirty="0"/>
               <a:t>Уникальный идентификаторы, которые не повторяются (номер в очереди, номер передаваемого пакета, уникальный для сессии </a:t>
             </a:r>
             <a:r>
-              <a:rPr lang="en-US" dirty="0" smtClean="0"/>
+              <a:rPr lang="en-US" dirty="0"/>
               <a:t>id </a:t>
             </a:r>
             <a:r>
-              <a:rPr lang="ru-RU" dirty="0" smtClean="0"/>
+              <a:rPr lang="ru-RU" dirty="0"/>
               <a:t>пользователя, индекс</a:t>
             </a:r>
             <a:r>
-              <a:rPr lang="en-US" dirty="0" smtClean="0"/>
+              <a:rPr lang="en-US" dirty="0"/>
               <a:t> </a:t>
             </a:r>
             <a:r>
-              <a:rPr lang="ru-RU" dirty="0" smtClean="0"/>
+              <a:rPr lang="ru-RU" dirty="0"/>
               <a:t>записи в </a:t>
             </a:r>
             <a:r>
-              <a:rPr lang="ru-RU" dirty="0" err="1" smtClean="0"/>
+              <a:rPr lang="ru-RU" dirty="0" err="1"/>
               <a:t>б.д</a:t>
             </a:r>
             <a:r>
-              <a:rPr lang="ru-RU" dirty="0" smtClean="0"/>
+              <a:rPr lang="ru-RU" dirty="0"/>
               <a:t>. </a:t>
             </a:r>
             <a:r>
-              <a:rPr lang="ru-RU" dirty="0" err="1" smtClean="0"/>
+              <a:rPr lang="ru-RU" dirty="0" err="1"/>
               <a:t>и.т.д</a:t>
             </a:r>
             <a:r>
-              <a:rPr lang="ru-RU" smtClean="0"/>
+              <a:rPr lang="ru-RU"/>
               <a:t>.)</a:t>
             </a:r>
-            <a:endParaRPr lang="ru-RU" dirty="0" smtClean="0"/>
+            <a:endParaRPr lang="ru-RU" dirty="0"/>
           </a:p>
           <a:p>
             <a:pPr lvl="1"/>
             <a:r>
-              <a:rPr lang="ru-RU" dirty="0" smtClean="0"/>
+              <a:rPr lang="ru-RU" dirty="0"/>
               <a:t>Сообщения выбранные случайно из большого множества (например ключи)</a:t>
             </a:r>
           </a:p>
           <a:p>
             <a:pPr lvl="1"/>
-            <a:endParaRPr lang="ru-RU" dirty="0" smtClean="0"/>
+            <a:endParaRPr lang="ru-RU" dirty="0"/>
           </a:p>
           <a:p>
             <a:pPr lvl="1"/>
@@ -28090,13 +27570,6 @@
   <p:clrMapOvr>
     <a:masterClrMapping/>
   </p:clrMapOvr>
-  <p:timing>
-    <p:tnLst>
-      <p:par>
-        <p:cTn id="1" dur="indefinite" restart="never" nodeType="tmRoot"/>
-      </p:par>
-    </p:tnLst>
-  </p:timing>
 </p:sld>
 </file>
 
@@ -28138,10 +27611,9 @@
           <a:lstStyle/>
           <a:p>
             <a:r>
-              <a:rPr lang="en-US" dirty="0" smtClean="0"/>
+              <a:rPr lang="en-US" dirty="0"/>
               <a:t>Deterministic CPA security</a:t>
             </a:r>
-            <a:endParaRPr lang="en-US" dirty="0"/>
           </a:p>
         </p:txBody>
       </p:sp>
@@ -28313,7 +27785,7 @@
                   <a:buNone/>
                 </a:pPr>
                 <a:r>
-                  <a:rPr lang="ru-RU" dirty="0" smtClean="0">
+                  <a:rPr lang="ru-RU" dirty="0">
                     <a:solidFill>
                       <a:schemeClr val="tx1"/>
                     </a:solidFill>
@@ -28382,7 +27854,7 @@
                   </m:oMath>
                 </a14:m>
                 <a:r>
-                  <a:rPr lang="en-US" dirty="0" smtClean="0">
+                  <a:rPr lang="en-US" dirty="0">
                     <a:solidFill>
                       <a:schemeClr val="tx1"/>
                     </a:solidFill>
@@ -28390,7 +27862,7 @@
                   <a:t> </a:t>
                 </a:r>
                 <a:r>
-                  <a:rPr lang="ru-RU" dirty="0" smtClean="0">
+                  <a:rPr lang="ru-RU" dirty="0">
                     <a:solidFill>
                       <a:schemeClr val="tx1"/>
                     </a:solidFill>
@@ -28473,7 +27945,7 @@
                   <a:t>.</a:t>
                 </a:r>
                 <a:r>
-                  <a:rPr lang="ru-RU" dirty="0" smtClean="0">
+                  <a:rPr lang="ru-RU" dirty="0">
                     <a:solidFill>
                       <a:schemeClr val="tx1"/>
                     </a:solidFill>
@@ -28481,7 +27953,7 @@
                   <a:t> Введём игру на</a:t>
                 </a:r>
                 <a:r>
-                  <a:rPr lang="en-US" dirty="0" smtClean="0">
+                  <a:rPr lang="en-US" dirty="0">
                     <a:solidFill>
                       <a:schemeClr val="tx1"/>
                     </a:solidFill>
@@ -28489,7 +27961,7 @@
                   <a:t> CPA </a:t>
                 </a:r>
                 <a:r>
-                  <a:rPr lang="ru-RU" dirty="0" smtClean="0">
+                  <a:rPr lang="ru-RU" dirty="0">
                     <a:solidFill>
                       <a:schemeClr val="tx1"/>
                     </a:solidFill>
@@ -28497,20 +27969,20 @@
                   <a:t>стойкость, в которой противник </a:t>
                 </a:r>
                 <a:r>
-                  <a:rPr lang="ru-RU" dirty="0" err="1" smtClean="0">
+                  <a:rPr lang="ru-RU" b="1" dirty="0">
                     <a:solidFill>
                       <a:schemeClr val="tx1"/>
                     </a:solidFill>
                   </a:rPr>
-                  <a:t>запрашифвает</a:t>
-                </a:r>
-                <a:r>
-                  <a:rPr lang="ru-RU" dirty="0" smtClean="0">
+                  <a:t>запрашивает только уникальные сообщения</a:t>
+                </a:r>
+                <a:r>
+                  <a:rPr lang="ru-RU" dirty="0">
                     <a:solidFill>
                       <a:schemeClr val="tx1"/>
                     </a:solidFill>
                   </a:rPr>
-                  <a:t> только уникальные сообщения, т.е. </a:t>
+                  <a:t>, т.е. </a:t>
                 </a:r>
                 <a:r>
                   <a:rPr lang="en-US" i="1" dirty="0">
@@ -28541,7 +28013,7 @@
                   <a:t>m</a:t>
                 </a:r>
                 <a:r>
-                  <a:rPr lang="en-US" baseline="-25000" dirty="0" smtClean="0">
+                  <a:rPr lang="en-US" baseline="-25000" dirty="0">
                     <a:solidFill>
                       <a:schemeClr val="tx1"/>
                     </a:solidFill>
@@ -28549,7 +28021,7 @@
                   <a:t>q,0</a:t>
                 </a:r>
                 <a:r>
-                  <a:rPr lang="en-US" b="1" dirty="0" smtClean="0">
+                  <a:rPr lang="en-US" b="1" dirty="0">
                     <a:solidFill>
                       <a:schemeClr val="tx1"/>
                     </a:solidFill>
@@ -28557,7 +28029,7 @@
                   <a:t>  </a:t>
                 </a:r>
                 <a:r>
-                  <a:rPr lang="ru-RU" dirty="0" smtClean="0">
+                  <a:rPr lang="ru-RU" dirty="0">
                     <a:solidFill>
                       <a:schemeClr val="tx1"/>
                     </a:solidFill>
@@ -28565,14 +28037,14 @@
                   <a:t>и</a:t>
                 </a:r>
                 <a:r>
-                  <a:rPr lang="en-US" dirty="0" smtClean="0">
+                  <a:rPr lang="en-US" dirty="0">
                     <a:solidFill>
                       <a:schemeClr val="tx1"/>
                     </a:solidFill>
                   </a:rPr>
                   <a:t>    </a:t>
                 </a:r>
-                <a:endParaRPr lang="ru-RU" dirty="0" smtClean="0">
+                <a:endParaRPr lang="ru-RU" dirty="0">
                   <a:solidFill>
                     <a:schemeClr val="tx1"/>
                   </a:solidFill>
@@ -28586,7 +28058,7 @@
                   <a:buNone/>
                 </a:pPr>
                 <a:r>
-                  <a:rPr lang="en-US" i="1" dirty="0" smtClean="0">
+                  <a:rPr lang="en-US" i="1" dirty="0">
                     <a:solidFill>
                       <a:schemeClr val="tx1"/>
                     </a:solidFill>
@@ -28594,7 +28066,7 @@
                   <a:t>m</a:t>
                 </a:r>
                 <a:r>
-                  <a:rPr lang="en-US" baseline="-25000" dirty="0" smtClean="0">
+                  <a:rPr lang="en-US" baseline="-25000" dirty="0">
                     <a:solidFill>
                       <a:schemeClr val="tx1"/>
                     </a:solidFill>
@@ -28634,7 +28106,7 @@
                   <a:t> </a:t>
                 </a:r>
                 <a:r>
-                  <a:rPr lang="ru-RU" dirty="0" smtClean="0">
+                  <a:rPr lang="ru-RU" dirty="0">
                     <a:solidFill>
                       <a:schemeClr val="tx1"/>
                     </a:solidFill>
@@ -28658,7 +28130,7 @@
                   </a:lnSpc>
                   <a:buNone/>
                 </a:pPr>
-                <a:endParaRPr lang="ru-RU" dirty="0" smtClean="0">
+                <a:endParaRPr lang="ru-RU" dirty="0">
                   <a:solidFill>
                     <a:schemeClr val="tx1"/>
                   </a:solidFill>
@@ -28680,7 +28152,7 @@
                   </a:lnSpc>
                   <a:buNone/>
                 </a:pPr>
-                <a:endParaRPr lang="ru-RU" dirty="0" smtClean="0">
+                <a:endParaRPr lang="ru-RU" dirty="0">
                   <a:solidFill>
                     <a:schemeClr val="tx1"/>
                   </a:solidFill>
@@ -28702,7 +28174,7 @@
                   </a:lnSpc>
                   <a:buNone/>
                 </a:pPr>
-                <a:endParaRPr lang="ru-RU" dirty="0" smtClean="0">
+                <a:endParaRPr lang="ru-RU" dirty="0">
                   <a:solidFill>
                     <a:schemeClr val="tx1"/>
                   </a:solidFill>
@@ -28715,7 +28187,7 @@
                   </a:lnSpc>
                   <a:buNone/>
                 </a:pPr>
-                <a:endParaRPr lang="ru-RU" dirty="0" smtClean="0">
+                <a:endParaRPr lang="ru-RU" dirty="0">
                   <a:latin typeface="Cambria Math" panose="02040503050406030204" pitchFamily="18" charset="0"/>
                 </a:endParaRPr>
               </a:p>
@@ -28782,15 +28254,7 @@
                 </a14:m>
                 <a:r>
                   <a:rPr lang="ru-RU" dirty="0"/>
-                  <a:t>, </a:t>
-                </a:r>
-                <a:r>
-                  <a:rPr lang="ru-RU" dirty="0" smtClean="0"/>
-                  <a:t>определённый </a:t>
-                </a:r>
-                <a:r>
-                  <a:rPr lang="ru-RU" dirty="0"/>
-                  <a:t>на </a:t>
+                  <a:t>, определённый на </a:t>
                 </a:r>
                 <a14:m>
                   <m:oMath xmlns:m="http://schemas.openxmlformats.org/officeDocument/2006/math">
@@ -28840,18 +28304,14 @@
                 </a14:m>
                 <a:r>
                   <a:rPr lang="ru-RU" dirty="0"/>
-                  <a:t>, </a:t>
-                </a:r>
-                <a:r>
-                  <a:rPr lang="ru-RU" dirty="0" smtClean="0"/>
-                  <a:t>называется </a:t>
-                </a:r>
-                <a:r>
-                  <a:rPr lang="ru-RU" dirty="0" err="1" smtClean="0"/>
+                  <a:t>, называется </a:t>
+                </a:r>
+                <a:r>
+                  <a:rPr lang="ru-RU" dirty="0" err="1"/>
                   <a:t>детерминированно</a:t>
                 </a:r>
                 <a:r>
-                  <a:rPr lang="ru-RU" dirty="0" smtClean="0"/>
+                  <a:rPr lang="ru-RU" dirty="0"/>
                   <a:t> </a:t>
                 </a:r>
                 <a:r>
@@ -28859,12 +28319,8 @@
                   <a:t>CPA</a:t>
                 </a:r>
                 <a:r>
-                  <a:rPr lang="ru-RU" dirty="0" smtClean="0"/>
-                  <a:t> стойким, </a:t>
-                </a:r>
-                <a:r>
                   <a:rPr lang="ru-RU" dirty="0"/>
-                  <a:t>если </a:t>
+                  <a:t> стойким, если </a:t>
                 </a:r>
                 <a14:m>
                   <m:oMath xmlns:m="http://schemas.openxmlformats.org/officeDocument/2006/math">
@@ -28903,7 +28359,7 @@
                   <a:t>Deterministic CPA </a:t>
                 </a:r>
                 <a:r>
-                  <a:rPr lang="ru-RU" dirty="0" smtClean="0"/>
+                  <a:rPr lang="ru-RU" dirty="0"/>
                   <a:t>величина </a:t>
                 </a:r>
                 <a14:m>
@@ -29909,13 +29365,6 @@
   <p:clrMapOvr>
     <a:masterClrMapping/>
   </p:clrMapOvr>
-  <p:timing>
-    <p:tnLst>
-      <p:par>
-        <p:cTn id="1" dur="indefinite" restart="never" nodeType="tmRoot"/>
-      </p:par>
-    </p:tnLst>
-  </p:timing>
 </p:sld>
 </file>
 
@@ -29954,22 +29403,21 @@
           <a:lstStyle/>
           <a:p>
             <a:r>
-              <a:rPr lang="ru-RU" dirty="0" smtClean="0"/>
+              <a:rPr lang="ru-RU" dirty="0"/>
               <a:t>Фиксированный </a:t>
             </a:r>
             <a:r>
-              <a:rPr lang="en-US" dirty="0" smtClean="0"/>
+              <a:rPr lang="en-US" dirty="0"/>
               <a:t>IV </a:t>
             </a:r>
             <a:r>
-              <a:rPr lang="ru-RU" dirty="0" smtClean="0"/>
+              <a:rPr lang="ru-RU" dirty="0"/>
               <a:t>в </a:t>
             </a:r>
             <a:r>
-              <a:rPr lang="en-US" dirty="0" smtClean="0"/>
+              <a:rPr lang="en-US" dirty="0"/>
               <a:t>CBC</a:t>
             </a:r>
-            <a:endParaRPr lang="en-US" dirty="0"/>
           </a:p>
         </p:txBody>
       </p:sp>
@@ -30001,42 +29449,38 @@
                   <a:buNone/>
                 </a:pPr>
                 <a:r>
-                  <a:rPr lang="ru-RU" b="1" dirty="0" err="1" smtClean="0"/>
-                  <a:t>Фиксировванный</a:t>
-                </a:r>
-                <a:r>
-                  <a:rPr lang="ru-RU" b="1" dirty="0" smtClean="0"/>
-                  <a:t> </a:t>
-                </a:r>
-                <a:r>
-                  <a:rPr lang="en-US" b="1" dirty="0" smtClean="0"/>
+                  <a:rPr lang="ru-RU" b="1" dirty="0"/>
+                  <a:t>Фиксированный </a:t>
+                </a:r>
+                <a:r>
+                  <a:rPr lang="en-US" b="1" dirty="0"/>
                   <a:t>IV</a:t>
                 </a:r>
                 <a:r>
-                  <a:rPr lang="ru-RU" b="1" dirty="0" smtClean="0"/>
+                  <a:rPr lang="ru-RU" b="1" dirty="0"/>
                   <a:t> в </a:t>
                 </a:r>
                 <a:r>
-                  <a:rPr lang="en-US" b="1" dirty="0" smtClean="0"/>
+                  <a:rPr lang="en-US" b="1" dirty="0"/>
                   <a:t>CBC </a:t>
                 </a:r>
                 <a:r>
-                  <a:rPr lang="ru-RU" b="1" dirty="0" smtClean="0"/>
+                  <a:rPr lang="ru-RU" b="1" dirty="0"/>
                   <a:t>не даёт </a:t>
                 </a:r>
                 <a:r>
-                  <a:rPr lang="en-US" b="1" dirty="0" err="1" smtClean="0"/>
+                  <a:rPr lang="en-US" b="1" dirty="0" err="1"/>
                   <a:t>det</a:t>
                 </a:r>
                 <a:r>
-                  <a:rPr lang="en-US" b="1" dirty="0" smtClean="0"/>
+                  <a:rPr lang="en-US" b="1" dirty="0"/>
                   <a:t>-CPA </a:t>
                 </a:r>
                 <a:r>
-                  <a:rPr lang="ru-RU" b="1" dirty="0" smtClean="0"/>
+                  <a:rPr lang="ru-RU" b="1" dirty="0"/>
                   <a:t>стойкость!</a:t>
                 </a:r>
-                <a:endParaRPr lang="en-US" b="1" dirty="0" smtClean="0"/>
+                <a:endParaRPr lang="en-US" b="1" dirty="0"/>
               </a:p>
               <a:p>
                 <a:pPr marL="0" indent="0">
@@ -30050,7 +29494,7 @@
                   <a:t>	</a:t>
                 </a:r>
                 <a:r>
-                  <a:rPr lang="ru-RU" dirty="0" smtClean="0"/>
+                  <a:rPr lang="ru-RU" dirty="0"/>
                   <a:t>Пусть </a:t>
                 </a:r>
                 <a14:m>
@@ -30112,11 +29556,11 @@
                   </m:oMath>
                 </a14:m>
                 <a:r>
-                  <a:rPr lang="en-US" dirty="0" smtClean="0"/>
+                  <a:rPr lang="en-US" dirty="0"/>
                   <a:t>   </a:t>
                 </a:r>
                 <a:r>
-                  <a:rPr lang="ru-RU" dirty="0" smtClean="0"/>
+                  <a:rPr lang="ru-RU" dirty="0"/>
                   <a:t>стойкая </a:t>
                 </a:r>
                 <a14:m>
@@ -30130,15 +29574,15 @@
                   </m:oMath>
                 </a14:m>
                 <a:r>
-                  <a:rPr lang="en-US" dirty="0" smtClean="0"/>
+                  <a:rPr lang="en-US" dirty="0"/>
                   <a:t> </a:t>
                 </a:r>
                 <a:r>
-                  <a:rPr lang="ru-RU" dirty="0" smtClean="0"/>
+                  <a:rPr lang="ru-RU" dirty="0"/>
                   <a:t>в </a:t>
                 </a:r>
                 <a:r>
-                  <a:rPr lang="en-US" dirty="0" smtClean="0"/>
+                  <a:rPr lang="en-US" dirty="0"/>
                   <a:t>CBC</a:t>
                 </a:r>
                 <a:endParaRPr lang="en-US" baseline="30000" dirty="0"/>
@@ -30162,7 +29606,7 @@
                 <a:off x="609600" y="1643218"/>
                 <a:ext cx="10972800" cy="1600200"/>
               </a:xfrm>
-              <a:blipFill rotWithShape="0">
+              <a:blipFill>
                 <a:blip r:embed="rId2"/>
                 <a:stretch>
                   <a:fillRect l="-1000" t="-6107"/>
@@ -32712,22 +32156,21 @@
           </a:lstStyle>
           <a:p>
             <a:r>
-              <a:rPr lang="ru-RU" dirty="0" smtClean="0"/>
+              <a:rPr lang="ru-RU" dirty="0"/>
               <a:t>Фиксированный </a:t>
             </a:r>
             <a:r>
-              <a:rPr lang="en-US" dirty="0" smtClean="0"/>
+              <a:rPr lang="en-US" dirty="0"/>
               <a:t>IV </a:t>
             </a:r>
             <a:r>
-              <a:rPr lang="ru-RU" dirty="0" smtClean="0"/>
+              <a:rPr lang="ru-RU" dirty="0"/>
               <a:t>в </a:t>
             </a:r>
             <a:r>
-              <a:rPr lang="en-US" dirty="0" smtClean="0"/>
+              <a:rPr lang="en-US" dirty="0"/>
               <a:t>CTR</a:t>
             </a:r>
-            <a:endParaRPr lang="en-US" dirty="0"/>
           </a:p>
         </p:txBody>
       </p:sp>
@@ -32924,38 +32367,38 @@
                   <a:buNone/>
                 </a:pPr>
                 <a:r>
-                  <a:rPr lang="ru-RU" b="1" dirty="0" smtClean="0"/>
+                  <a:rPr lang="ru-RU" b="1" dirty="0"/>
                   <a:t>Фиксировванный </a:t>
                 </a:r>
                 <a:r>
-                  <a:rPr lang="en-US" b="1" dirty="0" smtClean="0"/>
+                  <a:rPr lang="en-US" b="1" dirty="0"/>
                   <a:t>IV</a:t>
                 </a:r>
                 <a:r>
-                  <a:rPr lang="ru-RU" b="1" dirty="0" smtClean="0"/>
+                  <a:rPr lang="ru-RU" b="1" dirty="0"/>
                   <a:t> в </a:t>
                 </a:r>
                 <a:r>
-                  <a:rPr lang="en-US" b="1" dirty="0" smtClean="0"/>
+                  <a:rPr lang="en-US" b="1" dirty="0"/>
                   <a:t>CTR </a:t>
                 </a:r>
                 <a:r>
-                  <a:rPr lang="ru-RU" b="1" dirty="0" smtClean="0"/>
+                  <a:rPr lang="ru-RU" b="1" dirty="0"/>
                   <a:t>не даёт </a:t>
                 </a:r>
                 <a:r>
-                  <a:rPr lang="en-US" b="1" dirty="0" err="1" smtClean="0"/>
+                  <a:rPr lang="en-US" b="1" dirty="0" err="1"/>
                   <a:t>det</a:t>
                 </a:r>
                 <a:r>
-                  <a:rPr lang="en-US" b="1" dirty="0" smtClean="0"/>
+                  <a:rPr lang="en-US" b="1" dirty="0"/>
                   <a:t>-CPA </a:t>
                 </a:r>
                 <a:r>
-                  <a:rPr lang="ru-RU" b="1" dirty="0" smtClean="0"/>
+                  <a:rPr lang="ru-RU" b="1" dirty="0"/>
                   <a:t>стойкость!</a:t>
                 </a:r>
-                <a:endParaRPr lang="en-US" b="1" dirty="0" smtClean="0"/>
+                <a:endParaRPr lang="en-US" b="1" dirty="0"/>
               </a:p>
               <a:p>
                 <a:pPr marL="0" indent="0">
@@ -32966,7 +32409,7 @@
                   <a:buNone/>
                 </a:pPr>
                 <a:r>
-                  <a:rPr lang="ru-RU" dirty="0" smtClean="0"/>
+                  <a:rPr lang="ru-RU" dirty="0"/>
                   <a:t>Пусть </a:t>
                 </a:r>
                 <a14:m>
@@ -33028,11 +32471,11 @@
                   </m:oMath>
                 </a14:m>
                 <a:r>
-                  <a:rPr lang="en-US" dirty="0" smtClean="0"/>
+                  <a:rPr lang="en-US" dirty="0"/>
                   <a:t>   </a:t>
                 </a:r>
                 <a:r>
-                  <a:rPr lang="ru-RU" dirty="0" smtClean="0"/>
+                  <a:rPr lang="ru-RU" dirty="0"/>
                   <a:t>стойкая </a:t>
                 </a:r>
                 <a14:m>
@@ -33052,15 +32495,15 @@
                   </m:oMath>
                 </a14:m>
                 <a:r>
-                  <a:rPr lang="en-US" dirty="0" smtClean="0"/>
+                  <a:rPr lang="en-US" dirty="0"/>
                   <a:t> </a:t>
                 </a:r>
                 <a:r>
-                  <a:rPr lang="ru-RU" dirty="0" smtClean="0"/>
+                  <a:rPr lang="ru-RU" dirty="0"/>
                   <a:t>в </a:t>
                 </a:r>
                 <a:r>
-                  <a:rPr lang="en-US" dirty="0" smtClean="0"/>
+                  <a:rPr lang="en-US" dirty="0"/>
                   <a:t>CTR</a:t>
                 </a:r>
                 <a:endParaRPr lang="en-US" baseline="30000" dirty="0"/>
@@ -33266,11 +32709,11 @@
           <a:lstStyle/>
           <a:p>
             <a:r>
-              <a:rPr lang="ru-RU" dirty="0" smtClean="0"/>
+              <a:rPr lang="ru-RU" dirty="0"/>
               <a:t>Синтетический </a:t>
             </a:r>
             <a:r>
-              <a:rPr lang="en-US" dirty="0" smtClean="0"/>
+              <a:rPr lang="en-US" dirty="0"/>
               <a:t>IV</a:t>
             </a:r>
             <a:endParaRPr lang="ru-RU" dirty="0"/>
@@ -33305,7 +32748,7 @@
                   <a:buNone/>
                 </a:pPr>
                 <a:r>
-                  <a:rPr lang="ru-RU" dirty="0" smtClean="0"/>
+                  <a:rPr lang="ru-RU" dirty="0"/>
                   <a:t>Пусть </a:t>
                 </a:r>
                 <a14:m>
@@ -33352,15 +32795,15 @@
                   </m:oMath>
                 </a14:m>
                 <a:r>
-                  <a:rPr lang="ru-RU" dirty="0" smtClean="0"/>
+                  <a:rPr lang="ru-RU" dirty="0"/>
                   <a:t> – </a:t>
                 </a:r>
                 <a:r>
-                  <a:rPr lang="en-US" dirty="0" smtClean="0"/>
+                  <a:rPr lang="en-US" dirty="0"/>
                   <a:t>CPA </a:t>
                 </a:r>
                 <a:r>
-                  <a:rPr lang="ru-RU" dirty="0" smtClean="0"/>
+                  <a:rPr lang="ru-RU" dirty="0"/>
                   <a:t>стойкий шифр на </a:t>
                 </a:r>
                 <a14:m>
@@ -33466,19 +32909,19 @@
                   </m:oMath>
                 </a14:m>
                 <a:r>
-                  <a:rPr lang="en-US" dirty="0" smtClean="0"/>
+                  <a:rPr lang="en-US" dirty="0"/>
                   <a:t> – </a:t>
                 </a:r>
                 <a:r>
-                  <a:rPr lang="ru-RU" dirty="0" smtClean="0"/>
+                  <a:rPr lang="ru-RU" dirty="0"/>
                   <a:t>функция </a:t>
                 </a:r>
                 <a:r>
-                  <a:rPr lang="ru-RU" dirty="0" err="1" smtClean="0"/>
+                  <a:rPr lang="ru-RU" dirty="0" err="1"/>
                   <a:t>зашифрования</a:t>
                 </a:r>
                 <a:r>
-                  <a:rPr lang="ru-RU" dirty="0" smtClean="0"/>
+                  <a:rPr lang="ru-RU" dirty="0"/>
                   <a:t>, использующая случайный вход </a:t>
                 </a:r>
                 <a14:m>
@@ -33538,7 +32981,7 @@
                   </m:oMath>
                 </a14:m>
                 <a:r>
-                  <a:rPr lang="ru-RU" dirty="0" smtClean="0"/>
+                  <a:rPr lang="ru-RU" dirty="0"/>
                   <a:t>. Пусть </a:t>
                 </a:r>
                 <a14:m>
@@ -33552,15 +32995,15 @@
                   </m:oMath>
                 </a14:m>
                 <a:r>
-                  <a:rPr lang="ru-RU" dirty="0" smtClean="0"/>
+                  <a:rPr lang="ru-RU" dirty="0"/>
                   <a:t> – стойкая </a:t>
                 </a:r>
                 <a:r>
-                  <a:rPr lang="en-US" dirty="0" smtClean="0"/>
+                  <a:rPr lang="en-US" dirty="0"/>
                   <a:t>PRF </a:t>
                 </a:r>
                 <a:r>
-                  <a:rPr lang="ru-RU" dirty="0" smtClean="0"/>
+                  <a:rPr lang="ru-RU" dirty="0"/>
                   <a:t>на </a:t>
                 </a:r>
                 <a14:m>
@@ -33629,7 +33072,7 @@
                   </m:oMath>
                 </a14:m>
                 <a:r>
-                  <a:rPr lang="ru-RU" dirty="0" smtClean="0"/>
+                  <a:rPr lang="ru-RU" dirty="0"/>
                   <a:t>. Тогда детерминированный шифр </a:t>
                 </a:r>
                 <a14:m>
@@ -33733,11 +33176,11 @@
                   </m:oMath>
                 </a14:m>
                 <a:r>
-                  <a:rPr lang="en-US" dirty="0" smtClean="0"/>
+                  <a:rPr lang="en-US" dirty="0"/>
                   <a:t> </a:t>
                 </a:r>
                 <a:r>
-                  <a:rPr lang="ru-RU" dirty="0" smtClean="0"/>
+                  <a:rPr lang="ru-RU" dirty="0"/>
                   <a:t>на </a:t>
                 </a:r>
                 <a14:m>
@@ -33831,7 +33274,7 @@
                     </m:r>
                   </m:oMath>
                 </a14:m>
-                <a:endParaRPr lang="en-US" dirty="0" smtClean="0"/>
+                <a:endParaRPr lang="en-US" dirty="0"/>
               </a:p>
               <a:p>
                 <a:pPr marL="0" indent="0">
@@ -34079,7 +33522,7 @@
                     </m:oMath>
                   </m:oMathPara>
                 </a14:m>
-                <a:endParaRPr lang="en-US" b="0" dirty="0" smtClean="0"/>
+                <a:endParaRPr lang="en-US" b="0" dirty="0"/>
               </a:p>
               <a:p>
                 <a:pPr marL="0" indent="0">
@@ -34241,79 +33684,79 @@
                     </m:oMath>
                   </m:oMathPara>
                 </a14:m>
-                <a:endParaRPr lang="en-US" dirty="0" smtClean="0"/>
+                <a:endParaRPr lang="en-US" dirty="0"/>
               </a:p>
               <a:p>
                 <a:pPr marL="0" indent="0">
                   <a:buNone/>
                 </a:pPr>
                 <a:r>
-                  <a:rPr lang="ru-RU" dirty="0" smtClean="0"/>
+                  <a:rPr lang="ru-RU" dirty="0"/>
                   <a:t>Называется детерминированным шифром, использующем синтетический </a:t>
                 </a:r>
                 <a:r>
-                  <a:rPr lang="en-US" dirty="0" smtClean="0"/>
+                  <a:rPr lang="en-US" dirty="0"/>
                   <a:t>IV.</a:t>
                 </a:r>
-                <a:endParaRPr lang="ru-RU" dirty="0" smtClean="0"/>
+                <a:endParaRPr lang="ru-RU" dirty="0"/>
               </a:p>
               <a:p>
                 <a:pPr marL="0" indent="0">
                   <a:buNone/>
                 </a:pPr>
                 <a:r>
-                  <a:rPr lang="en-US" dirty="0" smtClean="0"/>
+                  <a:rPr lang="en-US" dirty="0"/>
                   <a:t>NB: </a:t>
                 </a:r>
                 <a:r>
-                  <a:rPr lang="ru-RU" dirty="0" smtClean="0"/>
+                  <a:rPr lang="ru-RU" dirty="0"/>
                   <a:t>конструкция похожа на использование </a:t>
                 </a:r>
                 <a:r>
-                  <a:rPr lang="en-US" dirty="0" smtClean="0"/>
+                  <a:rPr lang="en-US" dirty="0"/>
                   <a:t>nonce </a:t>
                 </a:r>
                 <a:r>
-                  <a:rPr lang="ru-RU" dirty="0" smtClean="0"/>
+                  <a:rPr lang="ru-RU" dirty="0"/>
                   <a:t>в </a:t>
                 </a:r>
                 <a:r>
-                  <a:rPr lang="en-US" dirty="0" smtClean="0"/>
+                  <a:rPr lang="en-US" dirty="0"/>
                   <a:t>CTR </a:t>
                 </a:r>
                 <a:r>
-                  <a:rPr lang="ru-RU" dirty="0" smtClean="0"/>
+                  <a:rPr lang="ru-RU" dirty="0"/>
                   <a:t>и </a:t>
                 </a:r>
                 <a:r>
-                  <a:rPr lang="en-US" dirty="0" smtClean="0"/>
+                  <a:rPr lang="en-US" dirty="0"/>
                   <a:t>CBC</a:t>
                 </a:r>
                 <a:r>
-                  <a:rPr lang="ru-RU" dirty="0" smtClean="0"/>
+                  <a:rPr lang="ru-RU" dirty="0"/>
                   <a:t>, но случайность заменяется не шифрованием уникального </a:t>
                 </a:r>
                 <a:r>
-                  <a:rPr lang="en-US" dirty="0" smtClean="0"/>
+                  <a:rPr lang="en-US" dirty="0"/>
                   <a:t>nonce</a:t>
                 </a:r>
                 <a:r>
-                  <a:rPr lang="ru-RU" dirty="0" smtClean="0"/>
+                  <a:rPr lang="ru-RU" dirty="0"/>
                   <a:t>, а шифрованием уникального сообщения (сообщения уникальны для </a:t>
                 </a:r>
                 <a:r>
-                  <a:rPr lang="en-US" dirty="0" err="1" smtClean="0"/>
+                  <a:rPr lang="en-US" dirty="0" err="1"/>
                   <a:t>det</a:t>
                 </a:r>
                 <a:r>
-                  <a:rPr lang="en-US" dirty="0" smtClean="0"/>
+                  <a:rPr lang="en-US" dirty="0"/>
                   <a:t>-CPA)</a:t>
                 </a:r>
                 <a:r>
-                  <a:rPr lang="ru-RU" dirty="0" smtClean="0"/>
+                  <a:rPr lang="ru-RU" dirty="0"/>
                   <a:t>.</a:t>
                 </a:r>
-                <a:endParaRPr lang="en-US" dirty="0" smtClean="0"/>
+                <a:endParaRPr lang="en-US" dirty="0"/>
               </a:p>
               <a:p>
                 <a:pPr marL="0" indent="0">
@@ -34321,38 +33764,34 @@
                 </a:pPr>
                 <a:r>
                   <a:rPr lang="ru-RU" b="1" dirty="0"/>
-                  <a:t>Теорема </a:t>
-                </a:r>
-                <a:r>
-                  <a:rPr lang="ru-RU" b="1" dirty="0" smtClean="0"/>
-                  <a:t>8.</a:t>
-                </a:r>
-                <a:r>
-                  <a:rPr lang="en-US" b="1" dirty="0" smtClean="0"/>
+                  <a:t>Теорема 8.</a:t>
+                </a:r>
+                <a:r>
+                  <a:rPr lang="en-US" b="1" dirty="0"/>
                   <a:t>4</a:t>
                 </a:r>
                 <a:r>
-                  <a:rPr lang="ru-RU" b="1" dirty="0" smtClean="0"/>
+                  <a:rPr lang="ru-RU" b="1" dirty="0"/>
                   <a:t>.</a:t>
                 </a:r>
                 <a:r>
-                  <a:rPr lang="en-US" b="1" dirty="0" smtClean="0"/>
+                  <a:rPr lang="en-US" b="1" dirty="0"/>
                   <a:t> </a:t>
                 </a:r>
                 <a:r>
-                  <a:rPr lang="ru-RU" dirty="0" smtClean="0"/>
+                  <a:rPr lang="ru-RU" dirty="0"/>
                   <a:t>Описанный выше шифр является </a:t>
                 </a:r>
                 <a:r>
-                  <a:rPr lang="en-US" dirty="0" err="1" smtClean="0"/>
+                  <a:rPr lang="en-US" dirty="0" err="1"/>
                   <a:t>det</a:t>
                 </a:r>
                 <a:r>
-                  <a:rPr lang="en-US" dirty="0" smtClean="0"/>
+                  <a:rPr lang="en-US" dirty="0"/>
                   <a:t>-CPA </a:t>
                 </a:r>
                 <a:r>
-                  <a:rPr lang="ru-RU" dirty="0" smtClean="0"/>
+                  <a:rPr lang="ru-RU" dirty="0"/>
                   <a:t>стойким.</a:t>
                 </a:r>
               </a:p>
@@ -34372,7 +33811,7 @@
                   </m:oMath>
                 </a14:m>
                 <a:r>
-                  <a:rPr lang="ru-RU" b="0" i="0" dirty="0" smtClean="0">
+                  <a:rPr lang="ru-RU" b="0" i="0" dirty="0">
                     <a:ea typeface="Cambria Math" panose="02040503050406030204" pitchFamily="18" charset="0"/>
                   </a:rPr>
                   <a:t>без доказательства, или доказать самим</a:t>
@@ -34394,7 +33833,7 @@
                 <a:pPr marL="0" indent="0">
                   <a:buNone/>
                 </a:pPr>
-                <a:endParaRPr lang="ru-RU" dirty="0" smtClean="0"/>
+                <a:endParaRPr lang="ru-RU" dirty="0"/>
               </a:p>
               <a:p>
                 <a:endParaRPr lang="ru-RU" dirty="0"/>
@@ -34473,13 +33912,6 @@
   <p:clrMapOvr>
     <a:masterClrMapping/>
   </p:clrMapOvr>
-  <p:timing>
-    <p:tnLst>
-      <p:par>
-        <p:cTn id="1" dur="indefinite" restart="never" nodeType="tmRoot"/>
-      </p:par>
-    </p:tnLst>
-  </p:timing>
 </p:sld>
 </file>
 
@@ -34563,7 +33995,7 @@
           <a:lstStyle/>
           <a:p>
             <a:r>
-              <a:rPr lang="en-US" sz="20000" dirty="0" smtClean="0">
+              <a:rPr lang="en-US" sz="20000" dirty="0">
                 <a:solidFill>
                   <a:schemeClr val="bg1"/>
                 </a:solidFill>
@@ -34572,7 +34004,7 @@
               <a:t>TIME</a:t>
             </a:r>
             <a:r>
-              <a:rPr lang="en-US" sz="15000" dirty="0" smtClean="0">
+              <a:rPr lang="en-US" sz="15000" dirty="0">
                 <a:solidFill>
                   <a:schemeClr val="bg1"/>
                 </a:solidFill>
@@ -34613,7 +34045,7 @@
               <a:buNone/>
             </a:pPr>
             <a:r>
-              <a:rPr lang="en-US" sz="20000" dirty="0" smtClean="0">
+              <a:rPr lang="en-US" sz="20000" dirty="0">
                 <a:solidFill>
                   <a:schemeClr val="bg1"/>
                 </a:solidFill>
@@ -34695,7 +34127,7 @@
           </a:lstStyle>
           <a:p>
             <a:r>
-              <a:rPr lang="en-US" sz="20000" dirty="0" smtClean="0">
+              <a:rPr lang="en-US" sz="20000" dirty="0">
                 <a:solidFill>
                   <a:schemeClr val="bg1"/>
                 </a:solidFill>
@@ -34704,7 +34136,7 @@
               <a:t>IS</a:t>
             </a:r>
             <a:r>
-              <a:rPr lang="en-US" sz="20000" dirty="0" smtClean="0">
+              <a:rPr lang="en-US" sz="20000" dirty="0">
                 <a:solidFill>
                   <a:schemeClr val="bg1"/>
                 </a:solidFill>
@@ -34924,10 +34356,9 @@
           <a:lstStyle/>
           <a:p>
             <a:r>
-              <a:rPr lang="ru-RU" dirty="0" smtClean="0"/>
+              <a:rPr lang="ru-RU" dirty="0"/>
               <a:t>Поиск с использованием маски</a:t>
             </a:r>
-            <a:endParaRPr lang="ru-RU" dirty="0"/>
           </a:p>
         </p:txBody>
       </p:sp>
@@ -34947,10 +34378,9 @@
           <a:lstStyle/>
           <a:p>
             <a:r>
-              <a:rPr lang="ru-RU" dirty="0" smtClean="0"/>
+              <a:rPr lang="ru-RU" dirty="0"/>
               <a:t>Основания идея – после детерминированного шифрования накладывать на шифртекст некоторую маску, которая может быть использована для поиска</a:t>
             </a:r>
-            <a:endParaRPr lang="ru-RU" dirty="0"/>
           </a:p>
         </p:txBody>
       </p:sp>
@@ -35011,13 +34441,6 @@
   <p:clrMapOvr>
     <a:masterClrMapping/>
   </p:clrMapOvr>
-  <p:timing>
-    <p:tnLst>
-      <p:par>
-        <p:cTn id="1" dur="indefinite" restart="never" nodeType="tmRoot"/>
-      </p:par>
-    </p:tnLst>
-  </p:timing>
 </p:sld>
 </file>
 
@@ -35054,10 +34477,9 @@
           <a:lstStyle/>
           <a:p>
             <a:r>
-              <a:rPr lang="ru-RU" dirty="0" smtClean="0"/>
+              <a:rPr lang="ru-RU" dirty="0"/>
               <a:t>Поиск с использованием маски</a:t>
             </a:r>
-            <a:endParaRPr lang="ru-RU" dirty="0"/>
           </a:p>
         </p:txBody>
       </p:sp>
@@ -35079,87 +34501,87 @@
               <a:lstStyle/>
               <a:p>
                 <a:r>
-                  <a:rPr lang="ru-RU" dirty="0" smtClean="0"/>
+                  <a:rPr lang="ru-RU" dirty="0"/>
                   <a:t>Пример – </a:t>
                 </a:r>
                 <a:r>
-                  <a:rPr lang="en-US" dirty="0" smtClean="0"/>
+                  <a:rPr lang="en-US" dirty="0"/>
                   <a:t>Song</a:t>
                 </a:r>
                 <a:r>
-                  <a:rPr lang="ru-RU" dirty="0" smtClean="0"/>
+                  <a:rPr lang="ru-RU" dirty="0"/>
                   <a:t>, </a:t>
                 </a:r>
                 <a:r>
-                  <a:rPr lang="en-US" dirty="0" smtClean="0"/>
+                  <a:rPr lang="en-US" dirty="0"/>
                   <a:t>Wagner</a:t>
                 </a:r>
                 <a:r>
-                  <a:rPr lang="ru-RU" dirty="0" smtClean="0"/>
+                  <a:rPr lang="ru-RU" dirty="0"/>
                   <a:t>, </a:t>
                 </a:r>
                 <a:r>
-                  <a:rPr lang="en-US" dirty="0" err="1" smtClean="0"/>
+                  <a:rPr lang="en-US" dirty="0" err="1"/>
                   <a:t>Perrig</a:t>
                 </a:r>
                 <a:r>
-                  <a:rPr lang="ru-RU" dirty="0" smtClean="0"/>
+                  <a:rPr lang="ru-RU" dirty="0"/>
                   <a:t> «</a:t>
                 </a:r>
                 <a:r>
-                  <a:rPr lang="en-US" dirty="0" smtClean="0"/>
+                  <a:rPr lang="en-US" dirty="0"/>
                   <a:t>Practical</a:t>
                 </a:r>
                 <a:r>
-                  <a:rPr lang="ru-RU" dirty="0" smtClean="0"/>
+                  <a:rPr lang="ru-RU" dirty="0"/>
                   <a:t> </a:t>
                 </a:r>
                 <a:r>
-                  <a:rPr lang="en-US" dirty="0" smtClean="0"/>
+                  <a:rPr lang="en-US" dirty="0"/>
                   <a:t>Techniques</a:t>
                 </a:r>
                 <a:r>
-                  <a:rPr lang="ru-RU" dirty="0" smtClean="0"/>
+                  <a:rPr lang="ru-RU" dirty="0"/>
                   <a:t> </a:t>
                 </a:r>
                 <a:r>
-                  <a:rPr lang="en-US" dirty="0" smtClean="0"/>
+                  <a:rPr lang="en-US" dirty="0"/>
                   <a:t>for</a:t>
                 </a:r>
                 <a:r>
-                  <a:rPr lang="ru-RU" dirty="0" smtClean="0"/>
+                  <a:rPr lang="ru-RU" dirty="0"/>
                   <a:t> </a:t>
                 </a:r>
                 <a:r>
-                  <a:rPr lang="en-US" dirty="0" smtClean="0"/>
+                  <a:rPr lang="en-US" dirty="0"/>
                   <a:t>Searches</a:t>
                 </a:r>
                 <a:r>
-                  <a:rPr lang="ru-RU" dirty="0" smtClean="0"/>
+                  <a:rPr lang="ru-RU" dirty="0"/>
                   <a:t> </a:t>
                 </a:r>
                 <a:r>
-                  <a:rPr lang="en-US" dirty="0" smtClean="0"/>
+                  <a:rPr lang="en-US" dirty="0"/>
                   <a:t>on</a:t>
                 </a:r>
                 <a:r>
-                  <a:rPr lang="ru-RU" dirty="0" smtClean="0"/>
+                  <a:rPr lang="ru-RU" dirty="0"/>
                   <a:t> </a:t>
                 </a:r>
                 <a:r>
-                  <a:rPr lang="en-US" dirty="0" smtClean="0"/>
+                  <a:rPr lang="en-US" dirty="0"/>
                   <a:t>Encrypted</a:t>
                 </a:r>
                 <a:r>
-                  <a:rPr lang="ru-RU" dirty="0" smtClean="0"/>
+                  <a:rPr lang="ru-RU" dirty="0"/>
                   <a:t> </a:t>
                 </a:r>
                 <a:r>
-                  <a:rPr lang="en-US" dirty="0" smtClean="0"/>
+                  <a:rPr lang="en-US" dirty="0"/>
                   <a:t>Data</a:t>
                 </a:r>
                 <a:r>
-                  <a:rPr lang="ru-RU" dirty="0" smtClean="0"/>
+                  <a:rPr lang="ru-RU" dirty="0"/>
                   <a:t>». </a:t>
                 </a:r>
                 <a14:m>
@@ -35209,18 +34631,17 @@
                   </m:oMath>
                 </a14:m>
                 <a:r>
-                  <a:rPr lang="ru-RU" dirty="0" smtClean="0"/>
+                  <a:rPr lang="ru-RU" dirty="0"/>
                   <a:t> – </a:t>
                 </a:r>
                 <a:r>
-                  <a:rPr lang="en-US" dirty="0" smtClean="0"/>
+                  <a:rPr lang="en-US" dirty="0"/>
                   <a:t>PRF</a:t>
                 </a:r>
                 <a:r>
-                  <a:rPr lang="ru-RU" dirty="0" smtClean="0"/>
+                  <a:rPr lang="ru-RU" dirty="0"/>
                   <a:t>.</a:t>
                 </a:r>
-                <a:endParaRPr lang="ru-RU" dirty="0"/>
               </a:p>
             </p:txBody>
           </p:sp>
@@ -35340,13 +34761,6 @@
   <p:clrMapOvr>
     <a:masterClrMapping/>
   </p:clrMapOvr>
-  <p:timing>
-    <p:tnLst>
-      <p:par>
-        <p:cTn id="1" dur="indefinite" restart="never" nodeType="tmRoot"/>
-      </p:par>
-    </p:tnLst>
-  </p:timing>
 </p:sld>
 </file>
 
@@ -35383,10 +34797,9 @@
           <a:lstStyle/>
           <a:p>
             <a:r>
-              <a:rPr lang="ru-RU" dirty="0" smtClean="0"/>
+              <a:rPr lang="ru-RU" dirty="0"/>
               <a:t>Поиск с использованием маски</a:t>
             </a:r>
-            <a:endParaRPr lang="ru-RU" dirty="0"/>
           </a:p>
         </p:txBody>
       </p:sp>
@@ -35408,87 +34821,87 @@
               <a:lstStyle/>
               <a:p>
                 <a:r>
-                  <a:rPr lang="ru-RU" dirty="0" smtClean="0"/>
+                  <a:rPr lang="ru-RU" dirty="0"/>
                   <a:t>Пример – </a:t>
                 </a:r>
                 <a:r>
-                  <a:rPr lang="en-US" dirty="0" smtClean="0"/>
+                  <a:rPr lang="en-US" dirty="0"/>
                   <a:t>Song</a:t>
                 </a:r>
                 <a:r>
-                  <a:rPr lang="ru-RU" dirty="0" smtClean="0"/>
+                  <a:rPr lang="ru-RU" dirty="0"/>
                   <a:t>, </a:t>
                 </a:r>
                 <a:r>
-                  <a:rPr lang="en-US" dirty="0" smtClean="0"/>
+                  <a:rPr lang="en-US" dirty="0"/>
                   <a:t>Wagner</a:t>
                 </a:r>
                 <a:r>
-                  <a:rPr lang="ru-RU" dirty="0" smtClean="0"/>
+                  <a:rPr lang="ru-RU" dirty="0"/>
                   <a:t>, </a:t>
                 </a:r>
                 <a:r>
-                  <a:rPr lang="en-US" dirty="0" err="1" smtClean="0"/>
+                  <a:rPr lang="en-US" dirty="0" err="1"/>
                   <a:t>Perrig</a:t>
                 </a:r>
                 <a:r>
-                  <a:rPr lang="ru-RU" dirty="0" smtClean="0"/>
+                  <a:rPr lang="ru-RU" dirty="0"/>
                   <a:t> «</a:t>
                 </a:r>
                 <a:r>
-                  <a:rPr lang="en-US" dirty="0" smtClean="0"/>
+                  <a:rPr lang="en-US" dirty="0"/>
                   <a:t>Practical</a:t>
                 </a:r>
                 <a:r>
-                  <a:rPr lang="ru-RU" dirty="0" smtClean="0"/>
+                  <a:rPr lang="ru-RU" dirty="0"/>
                   <a:t> </a:t>
                 </a:r>
                 <a:r>
-                  <a:rPr lang="en-US" dirty="0" smtClean="0"/>
+                  <a:rPr lang="en-US" dirty="0"/>
                   <a:t>Techniques</a:t>
                 </a:r>
                 <a:r>
-                  <a:rPr lang="ru-RU" dirty="0" smtClean="0"/>
+                  <a:rPr lang="ru-RU" dirty="0"/>
                   <a:t> </a:t>
                 </a:r>
                 <a:r>
-                  <a:rPr lang="en-US" dirty="0" smtClean="0"/>
+                  <a:rPr lang="en-US" dirty="0"/>
                   <a:t>for</a:t>
                 </a:r>
                 <a:r>
-                  <a:rPr lang="ru-RU" dirty="0" smtClean="0"/>
+                  <a:rPr lang="ru-RU" dirty="0"/>
                   <a:t> </a:t>
                 </a:r>
                 <a:r>
-                  <a:rPr lang="en-US" dirty="0" smtClean="0"/>
+                  <a:rPr lang="en-US" dirty="0"/>
                   <a:t>Searches</a:t>
                 </a:r>
                 <a:r>
-                  <a:rPr lang="ru-RU" dirty="0" smtClean="0"/>
+                  <a:rPr lang="ru-RU" dirty="0"/>
                   <a:t> </a:t>
                 </a:r>
                 <a:r>
-                  <a:rPr lang="en-US" dirty="0" smtClean="0"/>
+                  <a:rPr lang="en-US" dirty="0"/>
                   <a:t>on</a:t>
                 </a:r>
                 <a:r>
-                  <a:rPr lang="ru-RU" dirty="0" smtClean="0"/>
+                  <a:rPr lang="ru-RU" dirty="0"/>
                   <a:t> </a:t>
                 </a:r>
                 <a:r>
-                  <a:rPr lang="en-US" dirty="0" smtClean="0"/>
+                  <a:rPr lang="en-US" dirty="0"/>
                   <a:t>Encrypted</a:t>
                 </a:r>
                 <a:r>
-                  <a:rPr lang="ru-RU" dirty="0" smtClean="0"/>
+                  <a:rPr lang="ru-RU" dirty="0"/>
                   <a:t> </a:t>
                 </a:r>
                 <a:r>
-                  <a:rPr lang="en-US" dirty="0" smtClean="0"/>
+                  <a:rPr lang="en-US" dirty="0"/>
                   <a:t>Data</a:t>
                 </a:r>
                 <a:r>
-                  <a:rPr lang="ru-RU" dirty="0" smtClean="0"/>
+                  <a:rPr lang="ru-RU" dirty="0"/>
                   <a:t>». </a:t>
                 </a:r>
                 <a14:m>
@@ -35538,18 +34951,17 @@
                   </m:oMath>
                 </a14:m>
                 <a:r>
-                  <a:rPr lang="ru-RU" dirty="0" smtClean="0"/>
+                  <a:rPr lang="ru-RU" dirty="0"/>
                   <a:t> – </a:t>
                 </a:r>
                 <a:r>
-                  <a:rPr lang="en-US" dirty="0" smtClean="0"/>
+                  <a:rPr lang="en-US" dirty="0"/>
                   <a:t>PRF</a:t>
                 </a:r>
                 <a:r>
-                  <a:rPr lang="ru-RU" dirty="0" smtClean="0"/>
+                  <a:rPr lang="ru-RU" dirty="0"/>
                   <a:t>.</a:t>
                 </a:r>
-                <a:endParaRPr lang="ru-RU" dirty="0"/>
               </a:p>
             </p:txBody>
           </p:sp>
@@ -35669,13 +35081,6 @@
   <p:clrMapOvr>
     <a:masterClrMapping/>
   </p:clrMapOvr>
-  <p:timing>
-    <p:tnLst>
-      <p:par>
-        <p:cTn id="1" dur="indefinite" restart="never" nodeType="tmRoot"/>
-      </p:par>
-    </p:tnLst>
-  </p:timing>
 </p:sld>
 </file>
 
@@ -35712,10 +35117,9 @@
           <a:lstStyle/>
           <a:p>
             <a:r>
-              <a:rPr lang="ru-RU" dirty="0" smtClean="0"/>
+              <a:rPr lang="ru-RU" dirty="0"/>
               <a:t>Выводы</a:t>
             </a:r>
-            <a:endParaRPr lang="ru-RU" dirty="0"/>
           </a:p>
         </p:txBody>
       </p:sp>
@@ -35742,44 +35146,43 @@
           <a:lstStyle/>
           <a:p>
             <a:r>
-              <a:rPr lang="ru-RU" dirty="0" smtClean="0"/>
+              <a:rPr lang="ru-RU" dirty="0"/>
               <a:t>Шифры решают задачу конфиденциальности информации при пассивном противнике (противнике не влияющем на передаваемые сообщения)</a:t>
             </a:r>
           </a:p>
           <a:p>
             <a:r>
-              <a:rPr lang="ru-RU" dirty="0" smtClean="0"/>
+              <a:rPr lang="ru-RU" dirty="0"/>
               <a:t>Абсолютная стойкость – достижимая, но не удобная для построения шифров модель</a:t>
             </a:r>
           </a:p>
           <a:p>
             <a:r>
-              <a:rPr lang="ru-RU" dirty="0" smtClean="0"/>
+              <a:rPr lang="ru-RU" dirty="0"/>
               <a:t>Ослабленная версия абсолютной стойкости – семантическая стойкость (одноразовая семантическая стойкость) – используется для построения и анализа шифров при однократном использовании ключа</a:t>
             </a:r>
           </a:p>
           <a:p>
             <a:r>
-              <a:rPr lang="ru-RU" dirty="0" smtClean="0"/>
+              <a:rPr lang="ru-RU" dirty="0"/>
               <a:t>При шифровании нескольких сообщений используется </a:t>
             </a:r>
             <a:r>
-              <a:rPr lang="en-US" dirty="0" smtClean="0"/>
+              <a:rPr lang="en-US" dirty="0"/>
               <a:t>CPA </a:t>
             </a:r>
             <a:r>
-              <a:rPr lang="ru-RU" dirty="0" smtClean="0"/>
+              <a:rPr lang="ru-RU" dirty="0"/>
               <a:t>стойкость (многоразовая семантическая стойкость), позволяющая противнику получать </a:t>
             </a:r>
             <a:r>
-              <a:rPr lang="ru-RU" dirty="0" err="1" smtClean="0"/>
+              <a:rPr lang="ru-RU" dirty="0" err="1"/>
               <a:t>зашифрования</a:t>
             </a:r>
             <a:r>
-              <a:rPr lang="ru-RU" dirty="0" smtClean="0"/>
+              <a:rPr lang="ru-RU" dirty="0"/>
               <a:t> нескольких сообщений на одном ключе</a:t>
             </a:r>
-            <a:endParaRPr lang="ru-RU" dirty="0"/>
           </a:p>
         </p:txBody>
       </p:sp>
@@ -35816,13 +35219,6 @@
   <p:clrMapOvr>
     <a:masterClrMapping/>
   </p:clrMapOvr>
-  <p:timing>
-    <p:tnLst>
-      <p:par>
-        <p:cTn id="1" dur="indefinite" restart="never" nodeType="tmRoot"/>
-      </p:par>
-    </p:tnLst>
-  </p:timing>
 </p:sld>
 </file>
 
@@ -35859,10 +35255,9 @@
           <a:lstStyle/>
           <a:p>
             <a:r>
-              <a:rPr lang="ru-RU" dirty="0" smtClean="0"/>
+              <a:rPr lang="ru-RU" dirty="0"/>
               <a:t>Выводы</a:t>
             </a:r>
-            <a:endParaRPr lang="ru-RU" dirty="0"/>
           </a:p>
         </p:txBody>
       </p:sp>
@@ -35889,52 +35284,52 @@
           <a:lstStyle/>
           <a:p>
             <a:r>
-              <a:rPr lang="ru-RU" dirty="0" smtClean="0"/>
+              <a:rPr lang="ru-RU" dirty="0"/>
               <a:t>Основные примитивы – псевдослучайные генераторы, поточные шифры, блочные шифры.</a:t>
             </a:r>
           </a:p>
           <a:p>
             <a:r>
-              <a:rPr lang="ru-RU" dirty="0" smtClean="0"/>
+              <a:rPr lang="ru-RU" dirty="0"/>
               <a:t>Для построения семантических и </a:t>
             </a:r>
             <a:r>
-              <a:rPr lang="en-US" dirty="0" smtClean="0"/>
+              <a:rPr lang="en-US" dirty="0"/>
               <a:t>CPA </a:t>
             </a:r>
             <a:r>
-              <a:rPr lang="ru-RU" dirty="0" smtClean="0"/>
+              <a:rPr lang="ru-RU" dirty="0"/>
               <a:t>стойких шифров из блочных шифров используют режимы шифрования.</a:t>
             </a:r>
           </a:p>
           <a:p>
             <a:r>
-              <a:rPr lang="ru-RU" dirty="0" smtClean="0"/>
+              <a:rPr lang="ru-RU" dirty="0"/>
               <a:t>При использовании режимов шифрования, требующих случайный </a:t>
             </a:r>
             <a:r>
-              <a:rPr lang="en-US" dirty="0" smtClean="0"/>
+              <a:rPr lang="en-US" dirty="0"/>
               <a:t>IV</a:t>
             </a:r>
             <a:r>
-              <a:rPr lang="ru-RU" dirty="0" smtClean="0"/>
+              <a:rPr lang="ru-RU" dirty="0"/>
               <a:t>, он должен быть случайным!</a:t>
             </a:r>
-            <a:endParaRPr lang="en-US" dirty="0" smtClean="0"/>
+            <a:endParaRPr lang="en-US" dirty="0"/>
           </a:p>
           <a:p>
             <a:r>
-              <a:rPr lang="ru-RU" dirty="0" smtClean="0"/>
+              <a:rPr lang="ru-RU" dirty="0"/>
               <a:t>Шифры не должны использоваться для обеспечения целостности или аутентичности!</a:t>
             </a:r>
           </a:p>
           <a:p>
             <a:r>
-              <a:rPr lang="ru-RU" dirty="0" smtClean="0"/>
+              <a:rPr lang="ru-RU" dirty="0"/>
               <a:t>Для ряда приложений могут использоваться и другие модели </a:t>
             </a:r>
             <a:r>
-              <a:rPr lang="ru-RU" smtClean="0"/>
+              <a:rPr lang="ru-RU"/>
               <a:t>стойкости шифров.</a:t>
             </a:r>
             <a:endParaRPr lang="ru-RU" dirty="0"/>
@@ -35974,13 +35369,6 @@
   <p:clrMapOvr>
     <a:masterClrMapping/>
   </p:clrMapOvr>
-  <p:timing>
-    <p:tnLst>
-      <p:par>
-        <p:cTn id="1" dur="indefinite" restart="never" nodeType="tmRoot"/>
-      </p:par>
-    </p:tnLst>
-  </p:timing>
 </p:sld>
 </file>
 
@@ -36113,10 +35501,9 @@
           <a:lstStyle/>
           <a:p>
             <a:r>
-              <a:rPr lang="ru-RU" dirty="0" smtClean="0"/>
+              <a:rPr lang="ru-RU" dirty="0"/>
               <a:t>Тест.</a:t>
             </a:r>
-            <a:endParaRPr lang="ru-RU" dirty="0"/>
           </a:p>
         </p:txBody>
       </p:sp>
@@ -36306,52 +35693,52 @@
               <a:lstStyle/>
               <a:p>
                 <a:r>
-                  <a:rPr lang="ru-RU" sz="2800" dirty="0" smtClean="0"/>
+                  <a:rPr lang="ru-RU" sz="2800" dirty="0"/>
                   <a:t>1 – режим </a:t>
                 </a:r>
                 <a:r>
-                  <a:rPr lang="en-US" sz="2800" b="1" dirty="0" smtClean="0"/>
+                  <a:rPr lang="en-US" sz="2800" b="1" dirty="0"/>
                   <a:t>CFB</a:t>
                 </a:r>
                 <a:r>
-                  <a:rPr lang="ru-RU" sz="2800" dirty="0" smtClean="0"/>
+                  <a:rPr lang="ru-RU" sz="2800" dirty="0"/>
                   <a:t>, как следует выбирать ключ?</a:t>
                 </a:r>
-                <a:endParaRPr lang="en-US" sz="2800" dirty="0" smtClean="0"/>
+                <a:endParaRPr lang="en-US" sz="2800" dirty="0"/>
               </a:p>
               <a:p>
                 <a:r>
-                  <a:rPr lang="en-US" sz="2800" dirty="0" smtClean="0"/>
+                  <a:rPr lang="en-US" sz="2800" dirty="0"/>
                   <a:t>2 – </a:t>
                 </a:r>
                 <a:r>
-                  <a:rPr lang="ru-RU" sz="2800" dirty="0" smtClean="0"/>
+                  <a:rPr lang="ru-RU" sz="2800" dirty="0"/>
                   <a:t>режим </a:t>
                 </a:r>
                 <a:r>
-                  <a:rPr lang="en-US" sz="2800" b="1" dirty="0" smtClean="0"/>
+                  <a:rPr lang="en-US" sz="2800" b="1" dirty="0"/>
                   <a:t>CBC</a:t>
                 </a:r>
                 <a:r>
-                  <a:rPr lang="ru-RU" sz="2800" dirty="0" smtClean="0"/>
+                  <a:rPr lang="ru-RU" sz="2800" dirty="0"/>
                   <a:t>, как следует выбирать </a:t>
                 </a:r>
                 <a:r>
-                  <a:rPr lang="en-US" sz="2800" dirty="0" smtClean="0"/>
+                  <a:rPr lang="en-US" sz="2800" dirty="0"/>
                   <a:t>IV?</a:t>
                 </a:r>
               </a:p>
               <a:p>
                 <a:r>
-                  <a:rPr lang="ru-RU" sz="2800" dirty="0" smtClean="0"/>
+                  <a:rPr lang="ru-RU" sz="2800" dirty="0"/>
                   <a:t>3 – режим </a:t>
                 </a:r>
                 <a:r>
-                  <a:rPr lang="en-US" sz="2800" b="1" dirty="0" smtClean="0"/>
+                  <a:rPr lang="en-US" sz="2800" b="1" dirty="0"/>
                   <a:t>CBC</a:t>
                 </a:r>
                 <a:r>
-                  <a:rPr lang="ru-RU" sz="2800" dirty="0" smtClean="0"/>
+                  <a:rPr lang="ru-RU" sz="2800" dirty="0"/>
                   <a:t>, можно ли для шифрования сообщения </a:t>
                 </a:r>
                 <a14:m>
@@ -36384,23 +35771,23 @@
                   </m:oMath>
                 </a14:m>
                 <a:r>
-                  <a:rPr lang="ru-RU" sz="2800" dirty="0" smtClean="0"/>
+                  <a:rPr lang="ru-RU" sz="2800" dirty="0"/>
                   <a:t> в качестве </a:t>
                 </a:r>
                 <a:r>
-                  <a:rPr lang="en-US" sz="2800" dirty="0" smtClean="0"/>
+                  <a:rPr lang="en-US" sz="2800" dirty="0"/>
                   <a:t>IV</a:t>
                 </a:r>
                 <a:r>
-                  <a:rPr lang="ru-RU" sz="2800" dirty="0" smtClean="0"/>
+                  <a:rPr lang="ru-RU" sz="2800" dirty="0"/>
                   <a:t> использовать</a:t>
                 </a:r>
                 <a:r>
-                  <a:rPr lang="en-US" sz="2800" dirty="0" smtClean="0"/>
+                  <a:rPr lang="en-US" sz="2800" dirty="0"/>
                   <a:t> </a:t>
                 </a:r>
                 <a:r>
-                  <a:rPr lang="ru-RU" sz="2800" dirty="0" smtClean="0"/>
+                  <a:rPr lang="ru-RU" sz="2800" dirty="0"/>
                   <a:t>последний блок шт. предыдущего сообщения </a:t>
                 </a:r>
                 <a14:m>
@@ -36439,40 +35826,39 @@
                   </m:oMath>
                 </a14:m>
                 <a:r>
-                  <a:rPr lang="en-US" sz="2800" dirty="0" smtClean="0"/>
+                  <a:rPr lang="en-US" sz="2800" dirty="0"/>
                   <a:t>? </a:t>
                 </a:r>
                 <a:r>
-                  <a:rPr lang="ru-RU" sz="2800" b="1" dirty="0" smtClean="0"/>
+                  <a:rPr lang="ru-RU" sz="2800" b="1" dirty="0"/>
                   <a:t>Почему</a:t>
                 </a:r>
                 <a:r>
-                  <a:rPr lang="ru-RU" sz="2800" dirty="0" smtClean="0"/>
+                  <a:rPr lang="ru-RU" sz="2800" dirty="0"/>
                   <a:t>?</a:t>
                 </a:r>
               </a:p>
               <a:p>
                 <a:r>
-                  <a:rPr lang="ru-RU" sz="2800" dirty="0" smtClean="0"/>
+                  <a:rPr lang="ru-RU" sz="2800" dirty="0"/>
                   <a:t>4 – Режим </a:t>
                 </a:r>
                 <a:r>
-                  <a:rPr lang="en-US" sz="2800" b="1" dirty="0" smtClean="0"/>
+                  <a:rPr lang="en-US" sz="2800" b="1" dirty="0"/>
                   <a:t>CTR</a:t>
                 </a:r>
                 <a:r>
-                  <a:rPr lang="ru-RU" sz="2800" dirty="0" smtClean="0"/>
+                  <a:rPr lang="ru-RU" sz="2800" dirty="0"/>
                   <a:t>, можно ли для шифрования двух различных сообщений одинаковой длинны использовать одинаковое начальное заполнение счётчика (под счётчиком понимается вектор длинны равно размеру блок, который инкрементируется для каждого блока О.Т.)? </a:t>
                 </a:r>
                 <a:r>
-                  <a:rPr lang="ru-RU" sz="2800" b="1" dirty="0" smtClean="0"/>
+                  <a:rPr lang="ru-RU" sz="2800" b="1" dirty="0"/>
                   <a:t>Почему</a:t>
                 </a:r>
                 <a:r>
-                  <a:rPr lang="ru-RU" sz="2800" dirty="0" smtClean="0"/>
+                  <a:rPr lang="ru-RU" sz="2800" dirty="0"/>
                   <a:t>? </a:t>
                 </a:r>
-                <a:endParaRPr lang="ru-RU" sz="2800" dirty="0"/>
               </a:p>
             </p:txBody>
           </p:sp>
@@ -36520,6 +35906,751 @@
     <p:extLst>
       <p:ext uri="{BB962C8B-B14F-4D97-AF65-F5344CB8AC3E}">
         <p14:creationId xmlns:p14="http://schemas.microsoft.com/office/powerpoint/2010/main" val="2620710823"/>
+      </p:ext>
+    </p:extLst>
+  </p:cSld>
+  <p:clrMapOvr>
+    <a:masterClrMapping/>
+  </p:clrMapOvr>
+  <p:timing>
+    <p:tnLst>
+      <p:par>
+        <p:cTn id="1" dur="indefinite" restart="never" nodeType="tmRoot">
+          <p:childTnLst>
+            <p:seq concurrent="1" nextAc="seek">
+              <p:cTn id="2" dur="indefinite" nodeType="mainSeq">
+                <p:childTnLst>
+                  <p:par>
+                    <p:cTn id="3" fill="hold">
+                      <p:stCondLst>
+                        <p:cond delay="indefinite"/>
+                        <p:cond evt="onBegin" delay="0">
+                          <p:tn val="2"/>
+                        </p:cond>
+                      </p:stCondLst>
+                      <p:childTnLst>
+                        <p:par>
+                          <p:cTn id="4" fill="hold">
+                            <p:stCondLst>
+                              <p:cond delay="0"/>
+                            </p:stCondLst>
+                            <p:childTnLst>
+                              <p:par>
+                                <p:cTn id="5" presetID="22" presetClass="exit" presetSubtype="2" fill="hold" grpId="0" nodeType="withEffect">
+                                  <p:stCondLst>
+                                    <p:cond delay="0"/>
+                                  </p:stCondLst>
+                                  <p:childTnLst>
+                                    <p:animEffect transition="out" filter="wipe(right)">
+                                      <p:cBhvr>
+                                        <p:cTn id="6" dur="59000"/>
+                                        <p:tgtEl>
+                                          <p:spTgt spid="5"/>
+                                        </p:tgtEl>
+                                      </p:cBhvr>
+                                    </p:animEffect>
+                                    <p:set>
+                                      <p:cBhvr>
+                                        <p:cTn id="7" dur="1" fill="hold">
+                                          <p:stCondLst>
+                                            <p:cond delay="58999"/>
+                                          </p:stCondLst>
+                                        </p:cTn>
+                                        <p:tgtEl>
+                                          <p:spTgt spid="5"/>
+                                        </p:tgtEl>
+                                        <p:attrNameLst>
+                                          <p:attrName>style.visibility</p:attrName>
+                                        </p:attrNameLst>
+                                      </p:cBhvr>
+                                      <p:to>
+                                        <p:strVal val="hidden"/>
+                                      </p:to>
+                                    </p:set>
+                                  </p:childTnLst>
+                                </p:cTn>
+                              </p:par>
+                            </p:childTnLst>
+                          </p:cTn>
+                        </p:par>
+                        <p:par>
+                          <p:cTn id="8" fill="hold">
+                            <p:stCondLst>
+                              <p:cond delay="59000"/>
+                            </p:stCondLst>
+                            <p:childTnLst>
+                              <p:par>
+                                <p:cTn id="9" presetID="22" presetClass="exit" presetSubtype="2" fill="hold" grpId="0" nodeType="afterEffect">
+                                  <p:stCondLst>
+                                    <p:cond delay="0"/>
+                                  </p:stCondLst>
+                                  <p:childTnLst>
+                                    <p:animEffect transition="out" filter="wipe(right)">
+                                      <p:cBhvr>
+                                        <p:cTn id="10" dur="59000"/>
+                                        <p:tgtEl>
+                                          <p:spTgt spid="6"/>
+                                        </p:tgtEl>
+                                      </p:cBhvr>
+                                    </p:animEffect>
+                                    <p:set>
+                                      <p:cBhvr>
+                                        <p:cTn id="11" dur="1" fill="hold">
+                                          <p:stCondLst>
+                                            <p:cond delay="58999"/>
+                                          </p:stCondLst>
+                                        </p:cTn>
+                                        <p:tgtEl>
+                                          <p:spTgt spid="6"/>
+                                        </p:tgtEl>
+                                        <p:attrNameLst>
+                                          <p:attrName>style.visibility</p:attrName>
+                                        </p:attrNameLst>
+                                      </p:cBhvr>
+                                      <p:to>
+                                        <p:strVal val="hidden"/>
+                                      </p:to>
+                                    </p:set>
+                                  </p:childTnLst>
+                                </p:cTn>
+                              </p:par>
+                            </p:childTnLst>
+                          </p:cTn>
+                        </p:par>
+                        <p:par>
+                          <p:cTn id="12" fill="hold">
+                            <p:stCondLst>
+                              <p:cond delay="118000"/>
+                            </p:stCondLst>
+                            <p:childTnLst>
+                              <p:par>
+                                <p:cTn id="13" presetID="22" presetClass="exit" presetSubtype="2" fill="hold" grpId="0" nodeType="afterEffect">
+                                  <p:stCondLst>
+                                    <p:cond delay="0"/>
+                                  </p:stCondLst>
+                                  <p:childTnLst>
+                                    <p:animEffect transition="out" filter="wipe(right)">
+                                      <p:cBhvr>
+                                        <p:cTn id="14" dur="59000"/>
+                                        <p:tgtEl>
+                                          <p:spTgt spid="7"/>
+                                        </p:tgtEl>
+                                      </p:cBhvr>
+                                    </p:animEffect>
+                                    <p:set>
+                                      <p:cBhvr>
+                                        <p:cTn id="15" dur="1" fill="hold">
+                                          <p:stCondLst>
+                                            <p:cond delay="58999"/>
+                                          </p:stCondLst>
+                                        </p:cTn>
+                                        <p:tgtEl>
+                                          <p:spTgt spid="7"/>
+                                        </p:tgtEl>
+                                        <p:attrNameLst>
+                                          <p:attrName>style.visibility</p:attrName>
+                                        </p:attrNameLst>
+                                      </p:cBhvr>
+                                      <p:to>
+                                        <p:strVal val="hidden"/>
+                                      </p:to>
+                                    </p:set>
+                                  </p:childTnLst>
+                                </p:cTn>
+                              </p:par>
+                            </p:childTnLst>
+                          </p:cTn>
+                        </p:par>
+                      </p:childTnLst>
+                    </p:cTn>
+                  </p:par>
+                </p:childTnLst>
+              </p:cTn>
+              <p:prevCondLst>
+                <p:cond evt="onPrev" delay="0">
+                  <p:tgtEl>
+                    <p:sldTgt/>
+                  </p:tgtEl>
+                </p:cond>
+              </p:prevCondLst>
+              <p:nextCondLst>
+                <p:cond evt="onNext" delay="0">
+                  <p:tgtEl>
+                    <p:sldTgt/>
+                  </p:tgtEl>
+                </p:cond>
+              </p:nextCondLst>
+            </p:seq>
+          </p:childTnLst>
+        </p:cTn>
+      </p:par>
+    </p:tnLst>
+    <p:bldLst>
+      <p:bldP spid="5" grpId="0" animBg="1"/>
+      <p:bldP spid="6" grpId="0" animBg="1"/>
+      <p:bldP spid="7" grpId="0" animBg="1"/>
+    </p:bldLst>
+  </p:timing>
+</p:sld>
+</file>
+
+<file path=ppt/slides/slide47.xml><?xml version="1.0" encoding="utf-8"?>
+<p:sld xmlns:a="http://schemas.openxmlformats.org/drawingml/2006/main" xmlns:r="http://schemas.openxmlformats.org/officeDocument/2006/relationships" xmlns:p="http://schemas.openxmlformats.org/presentationml/2006/main">
+  <p:cSld>
+    <p:spTree>
+      <p:nvGrpSpPr>
+        <p:cNvPr id="1" name=""/>
+        <p:cNvGrpSpPr/>
+        <p:nvPr/>
+      </p:nvGrpSpPr>
+      <p:grpSpPr>
+        <a:xfrm>
+          <a:off x="0" y="0"/>
+          <a:ext cx="0" cy="0"/>
+          <a:chOff x="0" y="0"/>
+          <a:chExt cx="0" cy="0"/>
+        </a:xfrm>
+      </p:grpSpPr>
+      <p:sp>
+        <p:nvSpPr>
+          <p:cNvPr id="2" name="Заголовок 1"/>
+          <p:cNvSpPr>
+            <a:spLocks noGrp="1"/>
+          </p:cNvSpPr>
+          <p:nvPr>
+            <p:ph type="title"/>
+          </p:nvPr>
+        </p:nvSpPr>
+        <p:spPr>
+          <a:xfrm>
+            <a:off x="838200" y="0"/>
+            <a:ext cx="10515600" cy="1325563"/>
+          </a:xfrm>
+        </p:spPr>
+        <p:txBody>
+          <a:bodyPr/>
+          <a:lstStyle/>
+          <a:p>
+            <a:r>
+              <a:rPr lang="ru-RU" dirty="0"/>
+              <a:t>Тест.</a:t>
+            </a:r>
+          </a:p>
+        </p:txBody>
+      </p:sp>
+      <p:sp>
+        <p:nvSpPr>
+          <p:cNvPr id="4" name="Номер слайда 3"/>
+          <p:cNvSpPr>
+            <a:spLocks noGrp="1"/>
+          </p:cNvSpPr>
+          <p:nvPr>
+            <p:ph type="sldNum" sz="quarter" idx="12"/>
+          </p:nvPr>
+        </p:nvSpPr>
+        <p:spPr/>
+        <p:txBody>
+          <a:bodyPr/>
+          <a:lstStyle/>
+          <a:p>
+            <a:fld id="{8253DDDB-F8F7-4D64-A7FD-3F3D61C1949F}" type="slidenum">
+              <a:rPr lang="ru-RU" smtClean="0"/>
+              <a:t>47</a:t>
+            </a:fld>
+            <a:endParaRPr lang="ru-RU"/>
+          </a:p>
+        </p:txBody>
+      </p:sp>
+      <p:sp>
+        <p:nvSpPr>
+          <p:cNvPr id="5" name="Прямоугольник 4"/>
+          <p:cNvSpPr/>
+          <p:nvPr/>
+        </p:nvSpPr>
+        <p:spPr>
+          <a:xfrm>
+            <a:off x="284285" y="5433158"/>
+            <a:ext cx="10688515" cy="317012"/>
+          </a:xfrm>
+          <a:prstGeom prst="rect">
+            <a:avLst/>
+          </a:prstGeom>
+          <a:solidFill>
+            <a:schemeClr val="accent6">
+              <a:alpha val="50000"/>
+            </a:schemeClr>
+          </a:solidFill>
+          <a:ln>
+            <a:noFill/>
+          </a:ln>
+        </p:spPr>
+        <p:style>
+          <a:lnRef idx="0">
+            <a:scrgbClr r="0" g="0" b="0"/>
+          </a:lnRef>
+          <a:fillRef idx="0">
+            <a:scrgbClr r="0" g="0" b="0"/>
+          </a:fillRef>
+          <a:effectRef idx="0">
+            <a:scrgbClr r="0" g="0" b="0"/>
+          </a:effectRef>
+          <a:fontRef idx="minor">
+            <a:schemeClr val="lt1"/>
+          </a:fontRef>
+        </p:style>
+        <p:txBody>
+          <a:bodyPr rtlCol="0" anchor="ctr"/>
+          <a:lstStyle/>
+          <a:p>
+            <a:pPr algn="ctr"/>
+            <a:endParaRPr lang="ru-RU"/>
+          </a:p>
+        </p:txBody>
+      </p:sp>
+      <p:sp>
+        <p:nvSpPr>
+          <p:cNvPr id="6" name="Прямоугольник 5"/>
+          <p:cNvSpPr/>
+          <p:nvPr/>
+        </p:nvSpPr>
+        <p:spPr>
+          <a:xfrm>
+            <a:off x="284285" y="5819530"/>
+            <a:ext cx="10688515" cy="317012"/>
+          </a:xfrm>
+          <a:prstGeom prst="rect">
+            <a:avLst/>
+          </a:prstGeom>
+          <a:solidFill>
+            <a:schemeClr val="accent6">
+              <a:alpha val="50000"/>
+            </a:schemeClr>
+          </a:solidFill>
+          <a:ln>
+            <a:noFill/>
+          </a:ln>
+        </p:spPr>
+        <p:style>
+          <a:lnRef idx="0">
+            <a:scrgbClr r="0" g="0" b="0"/>
+          </a:lnRef>
+          <a:fillRef idx="0">
+            <a:scrgbClr r="0" g="0" b="0"/>
+          </a:fillRef>
+          <a:effectRef idx="0">
+            <a:scrgbClr r="0" g="0" b="0"/>
+          </a:effectRef>
+          <a:fontRef idx="minor">
+            <a:schemeClr val="lt1"/>
+          </a:fontRef>
+        </p:style>
+        <p:txBody>
+          <a:bodyPr rtlCol="0" anchor="ctr"/>
+          <a:lstStyle/>
+          <a:p>
+            <a:pPr algn="ctr"/>
+            <a:endParaRPr lang="ru-RU"/>
+          </a:p>
+        </p:txBody>
+      </p:sp>
+      <p:sp>
+        <p:nvSpPr>
+          <p:cNvPr id="7" name="Прямоугольник 6"/>
+          <p:cNvSpPr/>
+          <p:nvPr/>
+        </p:nvSpPr>
+        <p:spPr>
+          <a:xfrm>
+            <a:off x="284284" y="6205902"/>
+            <a:ext cx="10688515" cy="317012"/>
+          </a:xfrm>
+          <a:prstGeom prst="rect">
+            <a:avLst/>
+          </a:prstGeom>
+          <a:solidFill>
+            <a:schemeClr val="accent6">
+              <a:alpha val="50000"/>
+            </a:schemeClr>
+          </a:solidFill>
+          <a:ln>
+            <a:noFill/>
+          </a:ln>
+        </p:spPr>
+        <p:style>
+          <a:lnRef idx="0">
+            <a:scrgbClr r="0" g="0" b="0"/>
+          </a:lnRef>
+          <a:fillRef idx="0">
+            <a:scrgbClr r="0" g="0" b="0"/>
+          </a:fillRef>
+          <a:effectRef idx="0">
+            <a:scrgbClr r="0" g="0" b="0"/>
+          </a:effectRef>
+          <a:fontRef idx="minor">
+            <a:schemeClr val="lt1"/>
+          </a:fontRef>
+        </p:style>
+        <p:txBody>
+          <a:bodyPr rtlCol="0" anchor="ctr"/>
+          <a:lstStyle/>
+          <a:p>
+            <a:pPr algn="ctr"/>
+            <a:endParaRPr lang="ru-RU"/>
+          </a:p>
+        </p:txBody>
+      </p:sp>
+      <mc:AlternateContent xmlns:mc="http://schemas.openxmlformats.org/markup-compatibility/2006" xmlns:a14="http://schemas.microsoft.com/office/drawing/2010/main">
+        <mc:Choice Requires="a14">
+          <p:sp>
+            <p:nvSpPr>
+              <p:cNvPr id="3" name="TextBox 2"/>
+              <p:cNvSpPr txBox="1"/>
+              <p:nvPr/>
+            </p:nvSpPr>
+            <p:spPr>
+              <a:xfrm>
+                <a:off x="838200" y="1031953"/>
+                <a:ext cx="10134599" cy="4401205"/>
+              </a:xfrm>
+              <a:prstGeom prst="rect">
+                <a:avLst/>
+              </a:prstGeom>
+              <a:noFill/>
+            </p:spPr>
+            <p:txBody>
+              <a:bodyPr wrap="square" rtlCol="0">
+                <a:spAutoFit/>
+              </a:bodyPr>
+              <a:lstStyle/>
+              <a:p>
+                <a:r>
+                  <a:rPr lang="ru-RU" sz="2800" dirty="0"/>
+                  <a:t>Пусть </a:t>
+                </a:r>
+                <a14:m>
+                  <m:oMath xmlns:m="http://schemas.openxmlformats.org/officeDocument/2006/math">
+                    <m:r>
+                      <m:rPr>
+                        <m:sty m:val="p"/>
+                      </m:rPr>
+                      <a:rPr lang="en-US" sz="2800" b="0" i="0" smtClean="0">
+                        <a:latin typeface="Cambria Math" panose="02040503050406030204" pitchFamily="18" charset="0"/>
+                      </a:rPr>
+                      <m:t>E</m:t>
+                    </m:r>
+                    <m:r>
+                      <a:rPr lang="en-US" sz="2800" b="0" i="0" smtClean="0">
+                        <a:latin typeface="Cambria Math" panose="02040503050406030204" pitchFamily="18" charset="0"/>
+                      </a:rPr>
+                      <m:t>=(</m:t>
+                    </m:r>
+                    <m:r>
+                      <a:rPr lang="en-US" sz="2800" b="0" i="1" smtClean="0">
+                        <a:latin typeface="Cambria Math" panose="02040503050406030204" pitchFamily="18" charset="0"/>
+                      </a:rPr>
+                      <m:t>𝐸</m:t>
+                    </m:r>
+                    <m:r>
+                      <a:rPr lang="en-US" sz="2800" b="0" i="1" smtClean="0">
+                        <a:latin typeface="Cambria Math" panose="02040503050406030204" pitchFamily="18" charset="0"/>
+                      </a:rPr>
+                      <m:t>,</m:t>
+                    </m:r>
+                    <m:r>
+                      <a:rPr lang="en-US" sz="2800" b="0" i="1" smtClean="0">
+                        <a:latin typeface="Cambria Math" panose="02040503050406030204" pitchFamily="18" charset="0"/>
+                      </a:rPr>
+                      <m:t>𝐷</m:t>
+                    </m:r>
+                    <m:r>
+                      <a:rPr lang="en-US" sz="2800" b="0" i="1" smtClean="0">
+                        <a:latin typeface="Cambria Math" panose="02040503050406030204" pitchFamily="18" charset="0"/>
+                      </a:rPr>
+                      <m:t>)</m:t>
+                    </m:r>
+                  </m:oMath>
+                </a14:m>
+                <a:r>
+                  <a:rPr lang="en-US" sz="2800" i="1" dirty="0"/>
+                  <a:t> –</a:t>
+                </a:r>
+                <a:r>
+                  <a:rPr lang="ru-RU" sz="2800" i="1" dirty="0"/>
+                  <a:t> </a:t>
+                </a:r>
+                <a:r>
+                  <a:rPr lang="en-US" sz="2800" dirty="0"/>
+                  <a:t>CBC </a:t>
+                </a:r>
+                <a:r>
+                  <a:rPr lang="ru-RU" sz="2800" dirty="0"/>
+                  <a:t>шифр для сообщений </a:t>
+                </a:r>
+                <a:r>
+                  <a:rPr lang="ru-RU" sz="2800" b="1" dirty="0"/>
+                  <a:t>произвольной длинны</a:t>
+                </a:r>
+                <a:r>
+                  <a:rPr lang="ru-RU" sz="2800" dirty="0"/>
+                  <a:t>, использующий некоторый блочный шифр </a:t>
+                </a:r>
+                <a14:m>
+                  <m:oMath xmlns:m="http://schemas.openxmlformats.org/officeDocument/2006/math">
+                    <m:sSub>
+                      <m:sSubPr>
+                        <m:ctrlPr>
+                          <a:rPr lang="en-US" sz="2800" b="0" i="1" smtClean="0">
+                            <a:latin typeface="Cambria Math" panose="02040503050406030204" pitchFamily="18" charset="0"/>
+                          </a:rPr>
+                        </m:ctrlPr>
+                      </m:sSubPr>
+                      <m:e>
+                        <m:r>
+                          <a:rPr lang="en-US" sz="2800" b="0" i="1" smtClean="0">
+                            <a:latin typeface="Cambria Math" panose="02040503050406030204" pitchFamily="18" charset="0"/>
+                          </a:rPr>
+                          <m:t>𝐸</m:t>
+                        </m:r>
+                      </m:e>
+                      <m:sub>
+                        <m:r>
+                          <a:rPr lang="en-US" sz="2800" b="0" i="1" smtClean="0">
+                            <a:latin typeface="Cambria Math" panose="02040503050406030204" pitchFamily="18" charset="0"/>
+                          </a:rPr>
+                          <m:t>𝐵</m:t>
+                        </m:r>
+                      </m:sub>
+                    </m:sSub>
+                    <m:r>
+                      <a:rPr lang="en-US" sz="2800" b="0" i="1" smtClean="0">
+                        <a:latin typeface="Cambria Math" panose="02040503050406030204" pitchFamily="18" charset="0"/>
+                      </a:rPr>
+                      <m:t>:</m:t>
+                    </m:r>
+                    <m:r>
+                      <a:rPr lang="en-US" sz="2800" b="0" i="1" smtClean="0">
+                        <a:latin typeface="Cambria Math" panose="02040503050406030204" pitchFamily="18" charset="0"/>
+                      </a:rPr>
+                      <m:t>𝐾</m:t>
+                    </m:r>
+                    <m:r>
+                      <a:rPr lang="en-US" sz="2800" b="0" i="1" smtClean="0">
+                        <a:latin typeface="Cambria Math" panose="02040503050406030204" pitchFamily="18" charset="0"/>
+                      </a:rPr>
+                      <m:t>×</m:t>
+                    </m:r>
+                    <m:r>
+                      <a:rPr lang="en-US" sz="2800" b="0" i="1" smtClean="0">
+                        <a:latin typeface="Cambria Math" panose="02040503050406030204" pitchFamily="18" charset="0"/>
+                      </a:rPr>
+                      <m:t>𝑋</m:t>
+                    </m:r>
+                    <m:r>
+                      <a:rPr lang="en-US" sz="2800" b="0" i="1" smtClean="0">
+                        <a:latin typeface="Cambria Math" panose="02040503050406030204" pitchFamily="18" charset="0"/>
+                      </a:rPr>
+                      <m:t>→</m:t>
+                    </m:r>
+                    <m:r>
+                      <a:rPr lang="en-US" sz="2800" b="0" i="1" smtClean="0">
+                        <a:latin typeface="Cambria Math" panose="02040503050406030204" pitchFamily="18" charset="0"/>
+                      </a:rPr>
+                      <m:t>𝑋</m:t>
+                    </m:r>
+                  </m:oMath>
+                </a14:m>
+                <a:r>
+                  <a:rPr lang="ru-RU" sz="2800" dirty="0"/>
+                  <a:t> с размером блока </a:t>
+                </a:r>
+                <a14:m>
+                  <m:oMath xmlns:m="http://schemas.openxmlformats.org/officeDocument/2006/math">
+                    <m:r>
+                      <a:rPr lang="en-US" sz="2800" b="0" i="1" smtClean="0">
+                        <a:latin typeface="Cambria Math" panose="02040503050406030204" pitchFamily="18" charset="0"/>
+                      </a:rPr>
+                      <m:t>𝑁</m:t>
+                    </m:r>
+                  </m:oMath>
+                </a14:m>
+                <a:r>
+                  <a:rPr lang="ru-RU" sz="2800" dirty="0"/>
+                  <a:t> бит</a:t>
+                </a:r>
+                <a:r>
+                  <a:rPr lang="ru-RU" sz="2800" i="1" dirty="0"/>
+                  <a:t>.</a:t>
+                </a:r>
+              </a:p>
+              <a:p>
+                <a:endParaRPr lang="ru-RU" sz="2800" i="1" dirty="0"/>
+              </a:p>
+              <a:p>
+                <a:pPr marL="514350" indent="-514350">
+                  <a:buAutoNum type="arabicPeriod"/>
+                </a:pPr>
+                <a:r>
+                  <a:rPr lang="ru-RU" sz="2800" dirty="0"/>
+                  <a:t>Как следует выбрать ключ для шифра </a:t>
+                </a:r>
+                <a14:m>
+                  <m:oMath xmlns:m="http://schemas.openxmlformats.org/officeDocument/2006/math">
+                    <m:r>
+                      <m:rPr>
+                        <m:sty m:val="p"/>
+                      </m:rPr>
+                      <a:rPr lang="en-US" sz="2800" b="0" i="0" smtClean="0">
+                        <a:latin typeface="Cambria Math" panose="02040503050406030204" pitchFamily="18" charset="0"/>
+                      </a:rPr>
+                      <m:t>E</m:t>
+                    </m:r>
+                  </m:oMath>
+                </a14:m>
+                <a:r>
+                  <a:rPr lang="ru-RU" sz="2800" dirty="0"/>
+                  <a:t>?</a:t>
+                </a:r>
+              </a:p>
+              <a:p>
+                <a:pPr marL="514350" indent="-514350">
+                  <a:buAutoNum type="arabicPeriod"/>
+                </a:pPr>
+                <a:r>
+                  <a:rPr lang="ru-RU" sz="2800" dirty="0"/>
+                  <a:t>Как следует выбрать и передавать </a:t>
+                </a:r>
+                <a:r>
+                  <a:rPr lang="en-US" sz="2800" dirty="0"/>
+                  <a:t>IV?</a:t>
+                </a:r>
+                <a:endParaRPr lang="ru-RU" sz="2800" dirty="0"/>
+              </a:p>
+              <a:p>
+                <a:pPr marL="514350" indent="-514350">
+                  <a:buAutoNum type="arabicPeriod"/>
+                </a:pPr>
+                <a:r>
+                  <a:rPr lang="ru-RU" sz="2800" dirty="0"/>
+                  <a:t>Какой ожидаемый размер </a:t>
+                </a:r>
+                <a:r>
+                  <a:rPr lang="ru-RU" sz="2800" dirty="0" err="1"/>
+                  <a:t>ш.т</a:t>
+                </a:r>
+                <a:r>
+                  <a:rPr lang="ru-RU" sz="2800" dirty="0"/>
+                  <a:t>. при шифровании сообщения размера </a:t>
+                </a:r>
+                <a14:m>
+                  <m:oMath xmlns:m="http://schemas.openxmlformats.org/officeDocument/2006/math">
+                    <m:r>
+                      <a:rPr lang="en-US" sz="2800" b="0" i="1" smtClean="0">
+                        <a:latin typeface="Cambria Math" panose="02040503050406030204" pitchFamily="18" charset="0"/>
+                      </a:rPr>
+                      <m:t>𝑁</m:t>
+                    </m:r>
+                    <m:r>
+                      <a:rPr lang="en-US" sz="2800" b="0" i="1" smtClean="0">
+                        <a:latin typeface="Cambria Math" panose="02040503050406030204" pitchFamily="18" charset="0"/>
+                      </a:rPr>
+                      <m:t>/2</m:t>
+                    </m:r>
+                  </m:oMath>
+                </a14:m>
+                <a:r>
+                  <a:rPr lang="ru-RU" sz="2800" dirty="0"/>
+                  <a:t> бит?</a:t>
+                </a:r>
+                <a:endParaRPr lang="en-US" sz="2800" dirty="0"/>
+              </a:p>
+              <a:p>
+                <a:pPr marL="514350" indent="-514350">
+                  <a:buFontTx/>
+                  <a:buAutoNum type="arabicPeriod"/>
+                </a:pPr>
+                <a:r>
+                  <a:rPr lang="ru-RU" sz="2800" dirty="0"/>
+                  <a:t>Какой ожидаемый размер </a:t>
+                </a:r>
+                <a:r>
+                  <a:rPr lang="ru-RU" sz="2800" dirty="0" err="1"/>
+                  <a:t>ш.т</a:t>
+                </a:r>
+                <a:r>
+                  <a:rPr lang="ru-RU" sz="2800" dirty="0"/>
+                  <a:t>. при шифровании сообщения размера </a:t>
+                </a:r>
+                <a14:m>
+                  <m:oMath xmlns:m="http://schemas.openxmlformats.org/officeDocument/2006/math">
+                    <m:r>
+                      <a:rPr lang="en-US" sz="2800" b="0" i="0" smtClean="0">
+                        <a:latin typeface="Cambria Math" panose="02040503050406030204" pitchFamily="18" charset="0"/>
+                      </a:rPr>
+                      <m:t>3</m:t>
+                    </m:r>
+                    <m:r>
+                      <a:rPr lang="en-US" sz="2800" i="1">
+                        <a:latin typeface="Cambria Math" panose="02040503050406030204" pitchFamily="18" charset="0"/>
+                      </a:rPr>
+                      <m:t>𝑁</m:t>
+                    </m:r>
+                  </m:oMath>
+                </a14:m>
+                <a:r>
+                  <a:rPr lang="en-US" sz="2800" dirty="0"/>
+                  <a:t> </a:t>
+                </a:r>
+                <a:r>
+                  <a:rPr lang="ru-RU" sz="2800" dirty="0"/>
+                  <a:t>бит?</a:t>
+                </a:r>
+              </a:p>
+            </p:txBody>
+          </p:sp>
+        </mc:Choice>
+        <mc:Fallback xmlns="">
+          <p:sp>
+            <p:nvSpPr>
+              <p:cNvPr id="3" name="TextBox 2"/>
+              <p:cNvSpPr txBox="1">
+                <a:spLocks noRot="1" noChangeAspect="1" noMove="1" noResize="1" noEditPoints="1" noAdjustHandles="1" noChangeArrowheads="1" noChangeShapeType="1" noTextEdit="1"/>
+              </p:cNvSpPr>
+              <p:nvPr/>
+            </p:nvSpPr>
+            <p:spPr>
+              <a:xfrm>
+                <a:off x="838200" y="1031953"/>
+                <a:ext cx="10134599" cy="4401205"/>
+              </a:xfrm>
+              <a:prstGeom prst="rect">
+                <a:avLst/>
+              </a:prstGeom>
+              <a:blipFill rotWithShape="0">
+                <a:blip r:embed="rId2"/>
+                <a:stretch>
+                  <a:fillRect l="-1264" t="-1247" b="-3047"/>
+                </a:stretch>
+              </a:blipFill>
+            </p:spPr>
+            <p:txBody>
+              <a:bodyPr/>
+              <a:lstStyle/>
+              <a:p>
+                <a:r>
+                  <a:rPr lang="ru-RU">
+                    <a:noFill/>
+                  </a:rPr>
+                  <a:t> </a:t>
+                </a:r>
+              </a:p>
+            </p:txBody>
+          </p:sp>
+        </mc:Fallback>
+      </mc:AlternateContent>
+    </p:spTree>
+    <p:extLst>
+      <p:ext uri="{BB962C8B-B14F-4D97-AF65-F5344CB8AC3E}">
+        <p14:creationId xmlns:p14="http://schemas.microsoft.com/office/powerpoint/2010/main" val="2800290688"/>
       </p:ext>
     </p:extLst>
   </p:cSld>
@@ -36741,7 +36872,7 @@
           <a:lstStyle/>
           <a:p>
             <a:r>
-              <a:rPr lang="en-US" dirty="0" smtClean="0"/>
+              <a:rPr lang="en-US" dirty="0"/>
               <a:t>CPA</a:t>
             </a:r>
             <a:endParaRPr lang="ru-RU" dirty="0"/>
@@ -36771,15 +36902,15 @@
               <a:lstStyle/>
               <a:p>
                 <a:r>
-                  <a:rPr lang="ru-RU" dirty="0" smtClean="0"/>
+                  <a:rPr lang="ru-RU" dirty="0"/>
                   <a:t>Шифр называется </a:t>
                 </a:r>
                 <a:r>
-                  <a:rPr lang="en-US" dirty="0" smtClean="0"/>
+                  <a:rPr lang="en-US" dirty="0"/>
                   <a:t>CPA </a:t>
                 </a:r>
                 <a:r>
-                  <a:rPr lang="ru-RU" dirty="0" smtClean="0"/>
+                  <a:rPr lang="ru-RU" dirty="0"/>
                   <a:t>стойким, если для любого противника </a:t>
                 </a:r>
                 <a14:m>
@@ -36793,7 +36924,7 @@
                   </m:oMath>
                 </a14:m>
                 <a:r>
-                  <a:rPr lang="ru-RU" dirty="0" smtClean="0"/>
+                  <a:rPr lang="ru-RU" dirty="0"/>
                   <a:t> величина </a:t>
                 </a:r>
                 <a14:m>
@@ -37002,24 +37133,23 @@
                   </m:oMath>
                 </a14:m>
                 <a:r>
-                  <a:rPr lang="ru-RU" dirty="0" smtClean="0"/>
+                  <a:rPr lang="ru-RU" dirty="0"/>
                   <a:t> – пренебрежимо малая величина.</a:t>
                 </a:r>
               </a:p>
               <a:p>
                 <a:r>
-                  <a:rPr lang="ru-RU" dirty="0" smtClean="0"/>
+                  <a:rPr lang="ru-RU" dirty="0"/>
                   <a:t>Детерминированный шифр не может быть </a:t>
                 </a:r>
                 <a:r>
-                  <a:rPr lang="en-US" dirty="0" smtClean="0"/>
+                  <a:rPr lang="en-US" dirty="0"/>
                   <a:t>CPA </a:t>
                 </a:r>
                 <a:r>
-                  <a:rPr lang="ru-RU" dirty="0" smtClean="0"/>
+                  <a:rPr lang="ru-RU" dirty="0"/>
                   <a:t>стойким</a:t>
                 </a:r>
-                <a:endParaRPr lang="ru-RU" dirty="0"/>
               </a:p>
               <a:p>
                 <a:pPr marL="0" indent="0">
@@ -37899,10 +38029,9 @@
                     </m:oMath>
                   </a14:m>
                   <a:r>
-                    <a:rPr lang="en-US" sz="2000" dirty="0" smtClean="0"/>
+                    <a:rPr lang="en-US" sz="2000" dirty="0"/>
                     <a:t>)</a:t>
                   </a:r>
-                  <a:endParaRPr lang="en-US" sz="2000" dirty="0"/>
                 </a:p>
               </p:txBody>
             </p:sp>
@@ -38532,10 +38661,9 @@
                     </m:oMath>
                   </a14:m>
                   <a:r>
-                    <a:rPr lang="en-US" sz="2000" dirty="0" smtClean="0"/>
+                    <a:rPr lang="en-US" sz="2000" dirty="0"/>
                     <a:t>)</a:t>
                   </a:r>
-                  <a:endParaRPr lang="en-US" sz="2000" dirty="0"/>
                 </a:p>
               </p:txBody>
             </p:sp>
@@ -38705,7 +38833,7 @@
               <a:lstStyle/>
               <a:p>
                 <a:r>
-                  <a:rPr lang="en-US" sz="1600" i="1" dirty="0" smtClean="0"/>
+                  <a:rPr lang="en-US" sz="1600" i="1" dirty="0"/>
                   <a:t>k</a:t>
                 </a:r>
                 <a14:m>
@@ -38981,13 +39109,6 @@
   <p:clrMapOvr>
     <a:masterClrMapping/>
   </p:clrMapOvr>
-  <p:timing>
-    <p:tnLst>
-      <p:par>
-        <p:cTn id="1" dur="indefinite" restart="never" nodeType="tmRoot"/>
-      </p:par>
-    </p:tnLst>
-  </p:timing>
 </p:sld>
 </file>
 
@@ -39024,10 +39145,9 @@
           <a:lstStyle/>
           <a:p>
             <a:r>
-              <a:rPr lang="ru-RU" dirty="0" smtClean="0"/>
+              <a:rPr lang="ru-RU" dirty="0"/>
               <a:t>Вероятностное шифрование</a:t>
             </a:r>
-            <a:endParaRPr lang="ru-RU" dirty="0"/>
           </a:p>
         </p:txBody>
       </p:sp>
@@ -39047,30 +39167,30 @@
           <a:lstStyle/>
           <a:p>
             <a:r>
-              <a:rPr lang="ru-RU" dirty="0" smtClean="0"/>
+              <a:rPr lang="ru-RU" dirty="0"/>
               <a:t>Как показано ранее, для </a:t>
             </a:r>
             <a:r>
-              <a:rPr lang="en-US" dirty="0" smtClean="0"/>
+              <a:rPr lang="en-US" dirty="0"/>
               <a:t>CPA </a:t>
             </a:r>
             <a:r>
-              <a:rPr lang="ru-RU" dirty="0" smtClean="0"/>
+              <a:rPr lang="ru-RU" dirty="0"/>
               <a:t>стойкости необходима «рандомизация» </a:t>
             </a:r>
             <a:r>
-              <a:rPr lang="ru-RU" dirty="0" err="1" smtClean="0"/>
+              <a:rPr lang="ru-RU" dirty="0" err="1"/>
               <a:t>шифртекстов</a:t>
             </a:r>
-            <a:endParaRPr lang="ru-RU" dirty="0" smtClean="0"/>
+            <a:endParaRPr lang="ru-RU" dirty="0"/>
           </a:p>
           <a:p>
             <a:r>
-              <a:rPr lang="ru-RU" dirty="0" smtClean="0"/>
+              <a:rPr lang="ru-RU" dirty="0"/>
               <a:t>Подход 1 – </a:t>
             </a:r>
             <a:r>
-              <a:rPr lang="ru-RU" dirty="0" smtClean="0">
+              <a:rPr lang="ru-RU" dirty="0">
                 <a:solidFill>
                   <a:srgbClr val="FF0000"/>
                 </a:solidFill>
@@ -39078,14 +39198,14 @@
               <a:t>рандомизация функции </a:t>
             </a:r>
             <a:r>
-              <a:rPr lang="ru-RU" dirty="0" err="1" smtClean="0">
+              <a:rPr lang="ru-RU" dirty="0" err="1">
                 <a:solidFill>
                   <a:srgbClr val="FF0000"/>
                 </a:solidFill>
               </a:rPr>
               <a:t>зашифрования</a:t>
             </a:r>
-            <a:endParaRPr lang="ru-RU" dirty="0" smtClean="0">
+            <a:endParaRPr lang="ru-RU" dirty="0">
               <a:solidFill>
                 <a:srgbClr val="FF0000"/>
               </a:solidFill>
@@ -39095,7 +39215,7 @@
             <a:endParaRPr lang="ru-RU" dirty="0"/>
           </a:p>
           <a:p>
-            <a:endParaRPr lang="ru-RU" dirty="0" smtClean="0"/>
+            <a:endParaRPr lang="ru-RU" dirty="0"/>
           </a:p>
           <a:p>
             <a:endParaRPr lang="ru-RU" dirty="0"/>
@@ -39103,38 +39223,38 @@
           <a:p>
             <a:pPr lvl="1"/>
             <a:r>
-              <a:rPr lang="ru-RU" dirty="0" err="1" smtClean="0"/>
+              <a:rPr lang="ru-RU" dirty="0" err="1"/>
               <a:t>Зашифрование</a:t>
             </a:r>
             <a:r>
-              <a:rPr lang="ru-RU" dirty="0" smtClean="0"/>
+              <a:rPr lang="ru-RU" dirty="0"/>
               <a:t> одного и того же сообщения даст разные </a:t>
             </a:r>
             <a:r>
-              <a:rPr lang="ru-RU" dirty="0" err="1" smtClean="0"/>
+              <a:rPr lang="ru-RU" dirty="0" err="1"/>
               <a:t>шифртексты</a:t>
             </a:r>
-            <a:endParaRPr lang="ru-RU" dirty="0" smtClean="0"/>
+            <a:endParaRPr lang="ru-RU" dirty="0"/>
           </a:p>
           <a:p>
             <a:pPr lvl="1"/>
             <a:r>
-              <a:rPr lang="ru-RU" dirty="0" smtClean="0"/>
+              <a:rPr lang="ru-RU" dirty="0"/>
               <a:t>Необходим внешний источник энтропии</a:t>
             </a:r>
           </a:p>
           <a:p>
             <a:pPr lvl="1"/>
             <a:r>
-              <a:rPr lang="ru-RU" dirty="0" err="1" smtClean="0"/>
+              <a:rPr lang="ru-RU" dirty="0" err="1"/>
               <a:t>Шифртексты</a:t>
             </a:r>
             <a:r>
-              <a:rPr lang="ru-RU" dirty="0" smtClean="0"/>
+              <a:rPr lang="ru-RU" dirty="0"/>
               <a:t> всегда длиннее открытых текстов, так как необходимо также </a:t>
             </a:r>
             <a:r>
-              <a:rPr lang="ru-RU" dirty="0" smtClean="0">
+              <a:rPr lang="ru-RU" dirty="0">
                 <a:solidFill>
                   <a:srgbClr val="FF0000"/>
                 </a:solidFill>
@@ -39142,10 +39262,9 @@
               <a:t>передать энтропию</a:t>
             </a:r>
             <a:r>
-              <a:rPr lang="ru-RU" dirty="0" smtClean="0"/>
+              <a:rPr lang="ru-RU" dirty="0"/>
               <a:t>, необходимую для восстановления открытого текста</a:t>
             </a:r>
-            <a:endParaRPr lang="ru-RU" dirty="0"/>
           </a:p>
         </p:txBody>
       </p:sp>
@@ -39699,7 +39818,7 @@
           </a:lstStyle>
           <a:p>
             <a:r>
-              <a:rPr lang="en-US" sz="2400" dirty="0" smtClean="0"/>
+              <a:rPr lang="en-US" sz="2400" dirty="0"/>
               <a:t>m</a:t>
             </a:r>
             <a:r>
@@ -39948,14 +40067,13 @@
             </a:lstStyle>
             <a:p>
               <a:r>
-                <a:rPr lang="en-US" sz="2400" dirty="0" smtClean="0"/>
+                <a:rPr lang="en-US" sz="2400" dirty="0"/>
                 <a:t>m</a:t>
               </a:r>
               <a:r>
-                <a:rPr lang="en-US" sz="2400" baseline="-25000" dirty="0" smtClean="0"/>
+                <a:rPr lang="en-US" sz="2400" baseline="-25000" dirty="0"/>
                 <a:t>0</a:t>
               </a:r>
-              <a:endParaRPr lang="en-US" sz="2400" baseline="-25000" dirty="0"/>
             </a:p>
           </p:txBody>
         </p:sp>
@@ -40186,7 +40304,7 @@
             </a:lstStyle>
             <a:p>
               <a:r>
-                <a:rPr lang="en-US" dirty="0" err="1" smtClean="0"/>
+                <a:rPr lang="en-US" dirty="0" err="1"/>
                 <a:t>enc</a:t>
               </a:r>
               <a:endParaRPr lang="en-US" dirty="0"/>
@@ -40325,14 +40443,13 @@
             </a:lstStyle>
             <a:p>
               <a:r>
-                <a:rPr lang="en-US" sz="2400" dirty="0" smtClean="0"/>
+                <a:rPr lang="en-US" sz="2400" dirty="0"/>
                 <a:t>m</a:t>
               </a:r>
               <a:r>
-                <a:rPr lang="en-US" sz="2400" baseline="-25000" dirty="0" smtClean="0"/>
+                <a:rPr lang="en-US" sz="2400" baseline="-25000" dirty="0"/>
                 <a:t>0</a:t>
               </a:r>
-              <a:endParaRPr lang="en-US" sz="2400" baseline="-25000" dirty="0"/>
             </a:p>
           </p:txBody>
         </p:sp>
@@ -40566,7 +40683,7 @@
             </a:lstStyle>
             <a:p>
               <a:r>
-                <a:rPr lang="en-US" dirty="0" err="1" smtClean="0"/>
+                <a:rPr lang="en-US" dirty="0" err="1"/>
                 <a:t>dec</a:t>
               </a:r>
               <a:endParaRPr lang="en-US" dirty="0"/>
@@ -40705,7 +40822,7 @@
             </a:lstStyle>
             <a:p>
               <a:r>
-                <a:rPr lang="en-US" sz="2400" dirty="0" smtClean="0"/>
+                <a:rPr lang="en-US" sz="2400" dirty="0"/>
                 <a:t>m</a:t>
               </a:r>
               <a:r>
@@ -40839,13 +40956,6 @@
   <p:clrMapOvr>
     <a:masterClrMapping/>
   </p:clrMapOvr>
-  <p:timing>
-    <p:tnLst>
-      <p:par>
-        <p:cTn id="1" dur="indefinite" restart="never" nodeType="tmRoot"/>
-      </p:par>
-    </p:tnLst>
-  </p:timing>
 </p:sld>
 </file>
 
@@ -40906,14 +41016,14 @@
               <a:lstStyle/>
               <a:p>
                 <a:r>
-                  <a:rPr lang="ru-RU" dirty="0" smtClean="0"/>
+                  <a:rPr lang="ru-RU" dirty="0"/>
                   <a:t>Подход 2 – использование уникальных, неповторяющихся величин (</a:t>
                 </a:r>
                 <a:r>
-                  <a:rPr lang="en-US" dirty="0" smtClean="0"/>
+                  <a:rPr lang="en-US" dirty="0"/>
                   <a:t>nonce)</a:t>
                 </a:r>
-                <a:endParaRPr lang="ru-RU" dirty="0" smtClean="0"/>
+                <a:endParaRPr lang="ru-RU" dirty="0"/>
               </a:p>
               <a:p>
                 <a14:m>
@@ -41042,7 +41152,7 @@
               </a:p>
               <a:p>
                 <a:r>
-                  <a:rPr lang="en-US" dirty="0" smtClean="0">
+                  <a:rPr lang="en-US" dirty="0">
                     <a:solidFill>
                       <a:srgbClr val="00B050"/>
                     </a:solidFill>
@@ -41050,37 +41160,37 @@
                   <a:t>Nonce</a:t>
                 </a:r>
                 <a:r>
-                  <a:rPr lang="en-US" dirty="0" smtClean="0"/>
+                  <a:rPr lang="en-US" dirty="0"/>
                   <a:t> </a:t>
                 </a:r>
                 <a:r>
-                  <a:rPr lang="ru-RU" dirty="0" smtClean="0"/>
+                  <a:rPr lang="ru-RU" dirty="0"/>
                   <a:t>должна быть уникально для каждого сообщения, пара </a:t>
                 </a:r>
                 <a:r>
-                  <a:rPr lang="en-US" dirty="0" smtClean="0"/>
+                  <a:rPr lang="en-US" dirty="0"/>
                   <a:t>(nonce, key)</a:t>
                 </a:r>
                 <a:r>
-                  <a:rPr lang="ru-RU" dirty="0" smtClean="0"/>
+                  <a:rPr lang="ru-RU" dirty="0"/>
                   <a:t> не должна повторяться при жизни ключа.</a:t>
                 </a:r>
               </a:p>
               <a:p>
                 <a:r>
-                  <a:rPr lang="ru-RU" dirty="0" smtClean="0"/>
+                  <a:rPr lang="ru-RU" dirty="0"/>
                   <a:t>В качестве </a:t>
                 </a:r>
                 <a:r>
-                  <a:rPr lang="en-US" dirty="0" smtClean="0"/>
+                  <a:rPr lang="en-US" dirty="0"/>
                   <a:t>nonce </a:t>
                 </a:r>
                 <a:r>
-                  <a:rPr lang="ru-RU" dirty="0" smtClean="0"/>
+                  <a:rPr lang="ru-RU" dirty="0"/>
                   <a:t>можно использовать </a:t>
                 </a:r>
                 <a:r>
-                  <a:rPr lang="ru-RU" dirty="0" smtClean="0">
+                  <a:rPr lang="ru-RU" dirty="0">
                     <a:solidFill>
                       <a:srgbClr val="00B050"/>
                     </a:solidFill>
@@ -41090,7 +41200,7 @@
               </a:p>
               <a:p>
                 <a:r>
-                  <a:rPr lang="en-US" dirty="0" smtClean="0">
+                  <a:rPr lang="en-US" dirty="0">
                     <a:solidFill>
                       <a:srgbClr val="00B050"/>
                     </a:solidFill>
@@ -41098,22 +41208,22 @@
                   <a:t>Nonce</a:t>
                 </a:r>
                 <a:r>
-                  <a:rPr lang="en-US" dirty="0" smtClean="0"/>
+                  <a:rPr lang="en-US" dirty="0"/>
                   <a:t> </a:t>
                 </a:r>
                 <a:r>
-                  <a:rPr lang="ru-RU" dirty="0" smtClean="0"/>
+                  <a:rPr lang="ru-RU" dirty="0"/>
                   <a:t>может не пересылаться в явном виде, обе стороны могут синхронно обновлять его.</a:t>
                 </a:r>
-                <a:endParaRPr lang="en-US" dirty="0" smtClean="0"/>
+                <a:endParaRPr lang="en-US" dirty="0"/>
               </a:p>
               <a:p>
                 <a:r>
-                  <a:rPr lang="ru-RU" dirty="0" smtClean="0"/>
+                  <a:rPr lang="ru-RU" dirty="0"/>
                   <a:t>Не любое использование </a:t>
                 </a:r>
                 <a:r>
-                  <a:rPr lang="en-US" dirty="0" smtClean="0">
+                  <a:rPr lang="en-US" dirty="0">
                     <a:solidFill>
                       <a:srgbClr val="00B050"/>
                     </a:solidFill>
@@ -41121,14 +41231,13 @@
                   <a:t>nonce</a:t>
                 </a:r>
                 <a:r>
-                  <a:rPr lang="en-US" dirty="0" smtClean="0"/>
+                  <a:rPr lang="en-US" dirty="0"/>
                   <a:t> </a:t>
                 </a:r>
                 <a:r>
-                  <a:rPr lang="ru-RU" dirty="0" smtClean="0"/>
+                  <a:rPr lang="ru-RU" dirty="0"/>
                   <a:t>даёт стойкие схемы!</a:t>
                 </a:r>
-                <a:endParaRPr lang="ru-RU" dirty="0"/>
               </a:p>
             </p:txBody>
           </p:sp>
@@ -41200,13 +41309,6 @@
   <p:clrMapOvr>
     <a:masterClrMapping/>
   </p:clrMapOvr>
-  <p:timing>
-    <p:tnLst>
-      <p:par>
-        <p:cTn id="1" dur="indefinite" restart="never" nodeType="tmRoot"/>
-      </p:par>
-    </p:tnLst>
-  </p:timing>
 </p:sld>
 </file>
 
@@ -41281,7 +41383,7 @@
           <a:lstStyle/>
           <a:p>
             <a:r>
-              <a:rPr lang="en-US" smtClean="0"/>
+              <a:rPr lang="en-US"/>
               <a:t>CBC vs CTR</a:t>
             </a:r>
             <a:endParaRPr lang="ru-RU" dirty="0"/>
@@ -41538,7 +41640,7 @@
                     </m:oMath>
                   </m:oMathPara>
                 </a14:m>
-                <a:endParaRPr lang="en-US" i="1" dirty="0" smtClean="0">
+                <a:endParaRPr lang="en-US" i="1" dirty="0">
                   <a:latin typeface="Cambria Math" panose="02040503050406030204" pitchFamily="18" charset="0"/>
                 </a:endParaRPr>
               </a:p>
@@ -41796,87 +41898,87 @@
                     </m:oMath>
                   </m:oMathPara>
                 </a14:m>
-                <a:endParaRPr lang="en-US" dirty="0" smtClean="0"/>
+                <a:endParaRPr lang="en-US" dirty="0"/>
               </a:p>
               <a:p>
                 <a:r>
-                  <a:rPr lang="en-US" dirty="0" smtClean="0"/>
+                  <a:rPr lang="en-US" dirty="0"/>
                   <a:t>CTR </a:t>
                 </a:r>
                 <a:r>
-                  <a:rPr lang="ru-RU" dirty="0" smtClean="0"/>
+                  <a:rPr lang="ru-RU" dirty="0"/>
                   <a:t>режим имеет большую стойкость для фиксированных параметров и блочного шифра</a:t>
                 </a:r>
               </a:p>
               <a:p>
                 <a:r>
-                  <a:rPr lang="en-US" dirty="0" smtClean="0"/>
+                  <a:rPr lang="en-US" dirty="0"/>
                   <a:t>CTR </a:t>
                 </a:r>
                 <a:r>
-                  <a:rPr lang="ru-RU" dirty="0" smtClean="0"/>
+                  <a:rPr lang="ru-RU" dirty="0"/>
                   <a:t>может использоваться в параллельном режиме, так как </a:t>
                 </a:r>
                 <a:r>
-                  <a:rPr lang="ru-RU" dirty="0" err="1" smtClean="0"/>
+                  <a:rPr lang="ru-RU" dirty="0" err="1"/>
                   <a:t>зашифрование</a:t>
                 </a:r>
                 <a:r>
-                  <a:rPr lang="ru-RU" dirty="0" smtClean="0"/>
+                  <a:rPr lang="ru-RU" dirty="0"/>
                   <a:t> блоков производит независимо</a:t>
                 </a:r>
               </a:p>
               <a:p>
                 <a:r>
-                  <a:rPr lang="ru-RU" dirty="0" smtClean="0"/>
+                  <a:rPr lang="ru-RU" dirty="0"/>
                   <a:t>Для коротких сообщений </a:t>
                 </a:r>
                 <a:r>
-                  <a:rPr lang="en-US" dirty="0" smtClean="0"/>
+                  <a:rPr lang="en-US" dirty="0"/>
                   <a:t>CTR </a:t>
                 </a:r>
                 <a:r>
-                  <a:rPr lang="ru-RU" dirty="0" smtClean="0"/>
+                  <a:rPr lang="ru-RU" dirty="0"/>
                   <a:t>может иметь длины </a:t>
                 </a:r>
                 <a:r>
-                  <a:rPr lang="ru-RU" dirty="0" err="1" smtClean="0"/>
+                  <a:rPr lang="ru-RU" dirty="0" err="1"/>
                   <a:t>шифртекстов</a:t>
                 </a:r>
                 <a:r>
-                  <a:rPr lang="ru-RU" dirty="0" smtClean="0"/>
+                  <a:rPr lang="ru-RU" dirty="0"/>
                   <a:t> значительно короче, чем </a:t>
                 </a:r>
                 <a:r>
-                  <a:rPr lang="en-US" dirty="0" smtClean="0"/>
+                  <a:rPr lang="en-US" dirty="0"/>
                   <a:t>CBC</a:t>
                 </a:r>
                 <a:r>
-                  <a:rPr lang="ru-RU" dirty="0" smtClean="0"/>
+                  <a:rPr lang="ru-RU" dirty="0"/>
                   <a:t>, так как нет необходимости в дополнении до длины блока.</a:t>
                 </a:r>
               </a:p>
               <a:p>
                 <a:r>
-                  <a:rPr lang="en-US" dirty="0" smtClean="0"/>
+                  <a:rPr lang="en-US" dirty="0"/>
                   <a:t>CTR </a:t>
                 </a:r>
                 <a:r>
-                  <a:rPr lang="ru-RU" dirty="0" smtClean="0"/>
+                  <a:rPr lang="ru-RU" dirty="0"/>
                   <a:t>использует только функцию </a:t>
                 </a:r>
                 <a:r>
-                  <a:rPr lang="ru-RU" dirty="0" err="1" smtClean="0"/>
+                  <a:rPr lang="ru-RU" dirty="0" err="1"/>
                   <a:t>зашифрования</a:t>
                 </a:r>
                 <a:r>
-                  <a:rPr lang="ru-RU" dirty="0" smtClean="0"/>
+                  <a:rPr lang="ru-RU" dirty="0"/>
                   <a:t> блочного шифра.</a:t>
                 </a:r>
               </a:p>
               <a:p>
                 <a:r>
-                  <a:rPr lang="en-US" b="1" dirty="0" smtClean="0">
+                  <a:rPr lang="en-US" b="1" dirty="0">
                     <a:solidFill>
                       <a:srgbClr val="FF0000"/>
                     </a:solidFill>
@@ -41884,14 +41986,14 @@
                   <a:t>IV</a:t>
                 </a:r>
                 <a:r>
-                  <a:rPr lang="en-US" b="1" dirty="0" smtClean="0"/>
+                  <a:rPr lang="en-US" b="1" dirty="0"/>
                   <a:t> </a:t>
                 </a:r>
                 <a:r>
-                  <a:rPr lang="ru-RU" b="1" dirty="0" smtClean="0"/>
+                  <a:rPr lang="ru-RU" b="1" dirty="0"/>
                   <a:t>должны быть случайными!</a:t>
                 </a:r>
-                <a:endParaRPr lang="en-US" b="1" dirty="0" smtClean="0"/>
+                <a:endParaRPr lang="en-US" b="1" dirty="0"/>
               </a:p>
               <a:p>
                 <a:endParaRPr lang="ru-RU" dirty="0"/>
@@ -41973,13 +42075,6 @@
   <p:clrMapOvr>
     <a:masterClrMapping/>
   </p:clrMapOvr>
-  <p:timing>
-    <p:tnLst>
-      <p:par>
-        <p:cTn id="1" dur="indefinite" restart="never" nodeType="tmRoot"/>
-      </p:par>
-    </p:tnLst>
-  </p:timing>
 </p:sld>
 </file>
 
@@ -42016,7 +42111,7 @@
           <a:lstStyle/>
           <a:p>
             <a:r>
-              <a:rPr lang="en-US" dirty="0" smtClean="0"/>
+              <a:rPr lang="en-US" dirty="0"/>
               <a:t>Nonce based encryption</a:t>
             </a:r>
             <a:endParaRPr lang="ru-RU" dirty="0"/>
@@ -42039,27 +42134,19 @@
           <a:lstStyle/>
           <a:p>
             <a:r>
-              <a:rPr lang="ru-RU" dirty="0" smtClean="0"/>
+              <a:rPr lang="ru-RU" dirty="0"/>
               <a:t>Для всех рассмотренных ранее схем </a:t>
             </a:r>
             <a:r>
-              <a:rPr lang="en-US" dirty="0" smtClean="0"/>
+              <a:rPr lang="en-US" dirty="0"/>
               <a:t>CPA</a:t>
             </a:r>
             <a:r>
-              <a:rPr lang="ru-RU" dirty="0" smtClean="0"/>
-              <a:t> шифрования длина результирующего </a:t>
+              <a:rPr lang="ru-RU" dirty="0"/>
+              <a:t> шифрования длина результирующего шифртекста была больше длины открытых тестов из-за добавления </a:t>
             </a:r>
             <a:r>
-              <a:rPr lang="ru-RU" dirty="0" err="1" smtClean="0"/>
-              <a:t>шифртекста</a:t>
-            </a:r>
-            <a:r>
-              <a:rPr lang="ru-RU" dirty="0" smtClean="0"/>
-              <a:t> была больше длины открытых тестов из за добавления </a:t>
-            </a:r>
-            <a:r>
-              <a:rPr lang="ru-RU" dirty="0" smtClean="0">
+              <a:rPr lang="ru-RU" dirty="0">
                 <a:solidFill>
                   <a:srgbClr val="FF0000"/>
                 </a:solidFill>
@@ -42067,17 +42154,17 @@
               <a:t>вектора инициализации</a:t>
             </a:r>
             <a:r>
-              <a:rPr lang="ru-RU" dirty="0" smtClean="0"/>
+              <a:rPr lang="ru-RU" dirty="0"/>
               <a:t>.</a:t>
             </a:r>
           </a:p>
           <a:p>
             <a:r>
-              <a:rPr lang="ru-RU" dirty="0" smtClean="0"/>
+              <a:rPr lang="ru-RU" dirty="0"/>
               <a:t>Длина </a:t>
             </a:r>
             <a:r>
-              <a:rPr lang="ru-RU" dirty="0" smtClean="0">
+              <a:rPr lang="ru-RU" dirty="0">
                 <a:solidFill>
                   <a:srgbClr val="FF0000"/>
                 </a:solidFill>
@@ -42085,37 +42172,37 @@
               <a:t>вектора инициализации </a:t>
             </a:r>
             <a:r>
-              <a:rPr lang="ru-RU" dirty="0" smtClean="0"/>
+              <a:rPr lang="ru-RU" dirty="0"/>
               <a:t>не зависит от длины сообщения</a:t>
             </a:r>
           </a:p>
           <a:p>
             <a:r>
-              <a:rPr lang="ru-RU" dirty="0" smtClean="0"/>
+              <a:rPr lang="ru-RU" dirty="0"/>
               <a:t>Для больших сообщений не является проблемой (добавление 16 байт к мегабайту несущественно)</a:t>
             </a:r>
           </a:p>
           <a:p>
             <a:r>
-              <a:rPr lang="ru-RU" dirty="0" smtClean="0"/>
+              <a:rPr lang="ru-RU" dirty="0"/>
               <a:t>Может являться проблемой для небольших </a:t>
             </a:r>
             <a:r>
-              <a:rPr lang="ru-RU" dirty="0" err="1" smtClean="0"/>
+              <a:rPr lang="ru-RU" dirty="0" err="1"/>
               <a:t>шифтекстов</a:t>
             </a:r>
             <a:r>
-              <a:rPr lang="ru-RU" dirty="0" smtClean="0"/>
+              <a:rPr lang="ru-RU" dirty="0"/>
               <a:t>, сравнимых с длинной блока (добавление 16 байт к сообщению длинны меньше 16 байт)</a:t>
             </a:r>
           </a:p>
           <a:p>
             <a:r>
-              <a:rPr lang="ru-RU" dirty="0" smtClean="0"/>
+              <a:rPr lang="ru-RU" dirty="0"/>
               <a:t>Возможно ли уйти от </a:t>
             </a:r>
             <a:r>
-              <a:rPr lang="ru-RU" dirty="0" smtClean="0">
+              <a:rPr lang="ru-RU" dirty="0">
                 <a:solidFill>
                   <a:srgbClr val="FF0000"/>
                 </a:solidFill>
@@ -42123,7 +42210,7 @@
               <a:t>случайных векторов инициализации</a:t>
             </a:r>
             <a:r>
-              <a:rPr lang="ru-RU" dirty="0" smtClean="0"/>
+              <a:rPr lang="ru-RU" dirty="0"/>
               <a:t>?</a:t>
             </a:r>
           </a:p>
@@ -42162,13 +42249,6 @@
   <p:clrMapOvr>
     <a:masterClrMapping/>
   </p:clrMapOvr>
-  <p:timing>
-    <p:tnLst>
-      <p:par>
-        <p:cTn id="1" dur="indefinite" restart="never" nodeType="tmRoot"/>
-      </p:par>
-    </p:tnLst>
-  </p:timing>
 </p:sld>
 </file>
 
